--- a/Lecture slides/ADAP B03 - Subtyping and Inheritance.pptx
+++ b/Lecture slides/ADAP B03 - Subtyping and Inheritance.pptx
@@ -47,6 +47,8 @@
     <p:sldId id="292" r:id="rId42"/>
     <p:sldId id="293" r:id="rId43"/>
     <p:sldId id="294" r:id="rId44"/>
+    <p:sldId id="295" r:id="rId45"/>
+    <p:sldId id="296" r:id="rId46"/>
   </p:sldIdLst>
   <p:sldSz cy="5143500" cx="9144000"/>
   <p:notesSz cx="6858000" cy="9144000"/>
@@ -3317,7 +3319,7 @@
       </p:grpSpPr>
       <p:sp>
         <p:nvSpPr>
-          <p:cNvPr id="252" name="Google Shape;252;g3032be58fea_0_61:notes"/>
+          <p:cNvPr id="252" name="Google Shape;252;g31478ff7c65_0_0:notes"/>
           <p:cNvSpPr/>
           <p:nvPr>
             <p:ph idx="2" type="sldImg"/>
@@ -3352,7 +3354,7 @@
       </p:sp>
       <p:sp>
         <p:nvSpPr>
-          <p:cNvPr id="253" name="Google Shape;253;g3032be58fea_0_61:notes"/>
+          <p:cNvPr id="253" name="Google Shape;253;g31478ff7c65_0_0:notes"/>
           <p:cNvSpPr txBox="1"/>
           <p:nvPr>
             <p:ph idx="1" type="body"/>
@@ -3402,7 +3404,7 @@
   <p:cSld>
     <p:spTree>
       <p:nvGrpSpPr>
-        <p:cNvPr id="259" name="Shape 259"/>
+        <p:cNvPr id="258" name="Shape 258"/>
         <p:cNvGrpSpPr/>
         <p:nvPr/>
       </p:nvGrpSpPr>
@@ -3416,7 +3418,7 @@
       </p:grpSpPr>
       <p:sp>
         <p:nvSpPr>
-          <p:cNvPr id="260" name="Google Shape;260;g3032be58fea_0_70:notes"/>
+          <p:cNvPr id="259" name="Google Shape;259;g3032be58fea_0_61:notes"/>
           <p:cNvSpPr/>
           <p:nvPr>
             <p:ph idx="2" type="sldImg"/>
@@ -3451,7 +3453,7 @@
       </p:sp>
       <p:sp>
         <p:nvSpPr>
-          <p:cNvPr id="261" name="Google Shape;261;g3032be58fea_0_70:notes"/>
+          <p:cNvPr id="260" name="Google Shape;260;g3032be58fea_0_61:notes"/>
           <p:cNvSpPr txBox="1"/>
           <p:nvPr>
             <p:ph idx="1" type="body"/>
@@ -3501,7 +3503,7 @@
   <p:cSld>
     <p:spTree>
       <p:nvGrpSpPr>
-        <p:cNvPr id="267" name="Shape 267"/>
+        <p:cNvPr id="266" name="Shape 266"/>
         <p:cNvGrpSpPr/>
         <p:nvPr/>
       </p:nvGrpSpPr>
@@ -3515,7 +3517,7 @@
       </p:grpSpPr>
       <p:sp>
         <p:nvSpPr>
-          <p:cNvPr id="268" name="Google Shape;268;g31393da5573_0_0:notes"/>
+          <p:cNvPr id="267" name="Google Shape;267;g3032be58fea_0_70:notes"/>
           <p:cNvSpPr/>
           <p:nvPr>
             <p:ph idx="2" type="sldImg"/>
@@ -3550,7 +3552,7 @@
       </p:sp>
       <p:sp>
         <p:nvSpPr>
-          <p:cNvPr id="269" name="Google Shape;269;g31393da5573_0_0:notes"/>
+          <p:cNvPr id="268" name="Google Shape;268;g3032be58fea_0_70:notes"/>
           <p:cNvSpPr txBox="1"/>
           <p:nvPr>
             <p:ph idx="1" type="body"/>
@@ -3600,7 +3602,7 @@
   <p:cSld>
     <p:spTree>
       <p:nvGrpSpPr>
-        <p:cNvPr id="272" name="Shape 272"/>
+        <p:cNvPr id="274" name="Shape 274"/>
         <p:cNvGrpSpPr/>
         <p:nvPr/>
       </p:nvGrpSpPr>
@@ -3614,7 +3616,7 @@
       </p:grpSpPr>
       <p:sp>
         <p:nvSpPr>
-          <p:cNvPr id="273" name="Google Shape;273;g2fe02fb2832_0_0:notes"/>
+          <p:cNvPr id="275" name="Google Shape;275;g314442235c3_0_4:notes"/>
           <p:cNvSpPr/>
           <p:nvPr>
             <p:ph idx="2" type="sldImg"/>
@@ -3649,7 +3651,7 @@
       </p:sp>
       <p:sp>
         <p:nvSpPr>
-          <p:cNvPr id="274" name="Google Shape;274;g2fe02fb2832_0_0:notes"/>
+          <p:cNvPr id="276" name="Google Shape;276;g314442235c3_0_4:notes"/>
           <p:cNvSpPr txBox="1"/>
           <p:nvPr>
             <p:ph idx="1" type="body"/>
@@ -3699,7 +3701,7 @@
   <p:cSld>
     <p:spTree>
       <p:nvGrpSpPr>
-        <p:cNvPr id="279" name="Shape 279"/>
+        <p:cNvPr id="282" name="Shape 282"/>
         <p:cNvGrpSpPr/>
         <p:nvPr/>
       </p:nvGrpSpPr>
@@ -3713,7 +3715,7 @@
       </p:grpSpPr>
       <p:sp>
         <p:nvSpPr>
-          <p:cNvPr id="280" name="Google Shape;280;g31393da5573_0_4:notes"/>
+          <p:cNvPr id="283" name="Google Shape;283;g31393da5573_0_0:notes"/>
           <p:cNvSpPr/>
           <p:nvPr>
             <p:ph idx="2" type="sldImg"/>
@@ -3748,7 +3750,7 @@
       </p:sp>
       <p:sp>
         <p:nvSpPr>
-          <p:cNvPr id="281" name="Google Shape;281;g31393da5573_0_4:notes"/>
+          <p:cNvPr id="284" name="Google Shape;284;g31393da5573_0_0:notes"/>
           <p:cNvSpPr txBox="1"/>
           <p:nvPr>
             <p:ph idx="1" type="body"/>
@@ -3798,7 +3800,7 @@
   <p:cSld>
     <p:spTree>
       <p:nvGrpSpPr>
-        <p:cNvPr id="286" name="Shape 286"/>
+        <p:cNvPr id="287" name="Shape 287"/>
         <p:cNvGrpSpPr/>
         <p:nvPr/>
       </p:nvGrpSpPr>
@@ -3812,7 +3814,7 @@
       </p:grpSpPr>
       <p:sp>
         <p:nvSpPr>
-          <p:cNvPr id="287" name="Google Shape;287;g239609b2c0c_0_42:notes"/>
+          <p:cNvPr id="288" name="Google Shape;288;g2fe02fb2832_0_0:notes"/>
           <p:cNvSpPr/>
           <p:nvPr>
             <p:ph idx="2" type="sldImg"/>
@@ -3847,7 +3849,7 @@
       </p:sp>
       <p:sp>
         <p:nvSpPr>
-          <p:cNvPr id="288" name="Google Shape;288;g239609b2c0c_0_42:notes"/>
+          <p:cNvPr id="289" name="Google Shape;289;g2fe02fb2832_0_0:notes"/>
           <p:cNvSpPr txBox="1"/>
           <p:nvPr>
             <p:ph idx="1" type="body"/>
@@ -3897,7 +3899,7 @@
   <p:cSld>
     <p:spTree>
       <p:nvGrpSpPr>
-        <p:cNvPr id="292" name="Shape 292"/>
+        <p:cNvPr id="294" name="Shape 294"/>
         <p:cNvGrpSpPr/>
         <p:nvPr/>
       </p:nvGrpSpPr>
@@ -3911,7 +3913,7 @@
       </p:grpSpPr>
       <p:sp>
         <p:nvSpPr>
-          <p:cNvPr id="293" name="Google Shape;293;g239609b2c0c_0_47:notes"/>
+          <p:cNvPr id="295" name="Google Shape;295;g31393da5573_0_4:notes"/>
           <p:cNvSpPr/>
           <p:nvPr>
             <p:ph idx="2" type="sldImg"/>
@@ -3946,7 +3948,7 @@
       </p:sp>
       <p:sp>
         <p:nvSpPr>
-          <p:cNvPr id="294" name="Google Shape;294;g239609b2c0c_0_47:notes"/>
+          <p:cNvPr id="296" name="Google Shape;296;g31393da5573_0_4:notes"/>
           <p:cNvSpPr txBox="1"/>
           <p:nvPr>
             <p:ph idx="1" type="body"/>
@@ -4046,6 +4048,204 @@
       <p:sp>
         <p:nvSpPr>
           <p:cNvPr id="53" name="Google Shape;53;g302d3e3f7de_0_4:notes"/>
+          <p:cNvSpPr txBox="1"/>
+          <p:nvPr>
+            <p:ph idx="1" type="body"/>
+          </p:nvPr>
+        </p:nvSpPr>
+        <p:spPr>
+          <a:xfrm>
+            <a:off x="685800" y="4343400"/>
+            <a:ext cx="5486400" cy="4114800"/>
+          </a:xfrm>
+          <a:prstGeom prst="rect">
+            <a:avLst/>
+          </a:prstGeom>
+        </p:spPr>
+        <p:txBody>
+          <a:bodyPr anchorCtr="0" anchor="t" bIns="91425" lIns="91425" spcFirstLastPara="1" rIns="91425" wrap="square" tIns="91425">
+            <a:noAutofit/>
+          </a:bodyPr>
+          <a:lstStyle/>
+          <a:p>
+            <a:pPr indent="0" lvl="0" marL="0" rtl="0" algn="l">
+              <a:spcBef>
+                <a:spcPts val="0"/>
+              </a:spcBef>
+              <a:spcAft>
+                <a:spcPts val="0"/>
+              </a:spcAft>
+              <a:buNone/>
+            </a:pPr>
+            <a:r>
+              <a:t/>
+            </a:r>
+            <a:endParaRPr/>
+          </a:p>
+        </p:txBody>
+      </p:sp>
+    </p:spTree>
+  </p:cSld>
+  <p:clrMapOvr>
+    <a:masterClrMapping/>
+  </p:clrMapOvr>
+</p:notes>
+</file>
+
+<file path=ppt/notesSlides/notesSlide40.xml><?xml version="1.0" encoding="utf-8"?>
+<p:notes xmlns:a="http://schemas.openxmlformats.org/drawingml/2006/main" xmlns:r="http://schemas.openxmlformats.org/officeDocument/2006/relationships" xmlns:mc="http://schemas.openxmlformats.org/markup-compatibility/2006" xmlns:mv="urn:schemas-microsoft-com:mac:vml" xmlns:p="http://schemas.openxmlformats.org/presentationml/2006/main" xmlns:c="http://schemas.openxmlformats.org/drawingml/2006/chart" xmlns:dgm="http://schemas.openxmlformats.org/drawingml/2006/diagram" xmlns:o="urn:schemas-microsoft-com:office:office" xmlns:v="urn:schemas-microsoft-com:vml" xmlns:pvml="urn:schemas-microsoft-com:office:powerpoint" xmlns:com="http://schemas.openxmlformats.org/drawingml/2006/compatibility" xmlns:p14="http://schemas.microsoft.com/office/powerpoint/2010/main" xmlns:p15="http://schemas.microsoft.com/office/powerpoint/2012/main" xmlns:ahyp="http://schemas.microsoft.com/office/drawing/2018/hyperlinkcolor" showMasterPhAnim="0" showMasterSp="0">
+  <p:cSld>
+    <p:spTree>
+      <p:nvGrpSpPr>
+        <p:cNvPr id="301" name="Shape 301"/>
+        <p:cNvGrpSpPr/>
+        <p:nvPr/>
+      </p:nvGrpSpPr>
+      <p:grpSpPr>
+        <a:xfrm>
+          <a:off x="0" y="0"/>
+          <a:ext cx="0" cy="0"/>
+          <a:chOff x="0" y="0"/>
+          <a:chExt cx="0" cy="0"/>
+        </a:xfrm>
+      </p:grpSpPr>
+      <p:sp>
+        <p:nvSpPr>
+          <p:cNvPr id="302" name="Google Shape;302;g239609b2c0c_0_42:notes"/>
+          <p:cNvSpPr/>
+          <p:nvPr>
+            <p:ph idx="2" type="sldImg"/>
+          </p:nvPr>
+        </p:nvSpPr>
+        <p:spPr>
+          <a:xfrm>
+            <a:off x="381300" y="685800"/>
+            <a:ext cx="6096000" cy="3429000"/>
+          </a:xfrm>
+          <a:custGeom>
+            <a:rect b="b" l="l" r="r" t="t"/>
+            <a:pathLst>
+              <a:path extrusionOk="0" h="120000" w="120000">
+                <a:moveTo>
+                  <a:pt x="0" y="0"/>
+                </a:moveTo>
+                <a:lnTo>
+                  <a:pt x="120000" y="0"/>
+                </a:lnTo>
+                <a:lnTo>
+                  <a:pt x="120000" y="120000"/>
+                </a:lnTo>
+                <a:lnTo>
+                  <a:pt x="0" y="120000"/>
+                </a:lnTo>
+                <a:close/>
+              </a:path>
+            </a:pathLst>
+          </a:custGeom>
+        </p:spPr>
+      </p:sp>
+      <p:sp>
+        <p:nvSpPr>
+          <p:cNvPr id="303" name="Google Shape;303;g239609b2c0c_0_42:notes"/>
+          <p:cNvSpPr txBox="1"/>
+          <p:nvPr>
+            <p:ph idx="1" type="body"/>
+          </p:nvPr>
+        </p:nvSpPr>
+        <p:spPr>
+          <a:xfrm>
+            <a:off x="685800" y="4343400"/>
+            <a:ext cx="5486400" cy="4114800"/>
+          </a:xfrm>
+          <a:prstGeom prst="rect">
+            <a:avLst/>
+          </a:prstGeom>
+        </p:spPr>
+        <p:txBody>
+          <a:bodyPr anchorCtr="0" anchor="t" bIns="91425" lIns="91425" spcFirstLastPara="1" rIns="91425" wrap="square" tIns="91425">
+            <a:noAutofit/>
+          </a:bodyPr>
+          <a:lstStyle/>
+          <a:p>
+            <a:pPr indent="0" lvl="0" marL="0" rtl="0" algn="l">
+              <a:spcBef>
+                <a:spcPts val="0"/>
+              </a:spcBef>
+              <a:spcAft>
+                <a:spcPts val="0"/>
+              </a:spcAft>
+              <a:buNone/>
+            </a:pPr>
+            <a:r>
+              <a:t/>
+            </a:r>
+            <a:endParaRPr/>
+          </a:p>
+        </p:txBody>
+      </p:sp>
+    </p:spTree>
+  </p:cSld>
+  <p:clrMapOvr>
+    <a:masterClrMapping/>
+  </p:clrMapOvr>
+</p:notes>
+</file>
+
+<file path=ppt/notesSlides/notesSlide41.xml><?xml version="1.0" encoding="utf-8"?>
+<p:notes xmlns:a="http://schemas.openxmlformats.org/drawingml/2006/main" xmlns:r="http://schemas.openxmlformats.org/officeDocument/2006/relationships" xmlns:mc="http://schemas.openxmlformats.org/markup-compatibility/2006" xmlns:mv="urn:schemas-microsoft-com:mac:vml" xmlns:p="http://schemas.openxmlformats.org/presentationml/2006/main" xmlns:c="http://schemas.openxmlformats.org/drawingml/2006/chart" xmlns:dgm="http://schemas.openxmlformats.org/drawingml/2006/diagram" xmlns:o="urn:schemas-microsoft-com:office:office" xmlns:v="urn:schemas-microsoft-com:vml" xmlns:pvml="urn:schemas-microsoft-com:office:powerpoint" xmlns:com="http://schemas.openxmlformats.org/drawingml/2006/compatibility" xmlns:p14="http://schemas.microsoft.com/office/powerpoint/2010/main" xmlns:p15="http://schemas.microsoft.com/office/powerpoint/2012/main" xmlns:ahyp="http://schemas.microsoft.com/office/drawing/2018/hyperlinkcolor" showMasterPhAnim="0" showMasterSp="0">
+  <p:cSld>
+    <p:spTree>
+      <p:nvGrpSpPr>
+        <p:cNvPr id="307" name="Shape 307"/>
+        <p:cNvGrpSpPr/>
+        <p:nvPr/>
+      </p:nvGrpSpPr>
+      <p:grpSpPr>
+        <a:xfrm>
+          <a:off x="0" y="0"/>
+          <a:ext cx="0" cy="0"/>
+          <a:chOff x="0" y="0"/>
+          <a:chExt cx="0" cy="0"/>
+        </a:xfrm>
+      </p:grpSpPr>
+      <p:sp>
+        <p:nvSpPr>
+          <p:cNvPr id="308" name="Google Shape;308;g239609b2c0c_0_47:notes"/>
+          <p:cNvSpPr/>
+          <p:nvPr>
+            <p:ph idx="2" type="sldImg"/>
+          </p:nvPr>
+        </p:nvSpPr>
+        <p:spPr>
+          <a:xfrm>
+            <a:off x="381300" y="685800"/>
+            <a:ext cx="6096000" cy="3429000"/>
+          </a:xfrm>
+          <a:custGeom>
+            <a:rect b="b" l="l" r="r" t="t"/>
+            <a:pathLst>
+              <a:path extrusionOk="0" h="120000" w="120000">
+                <a:moveTo>
+                  <a:pt x="0" y="0"/>
+                </a:moveTo>
+                <a:lnTo>
+                  <a:pt x="120000" y="0"/>
+                </a:lnTo>
+                <a:lnTo>
+                  <a:pt x="120000" y="120000"/>
+                </a:lnTo>
+                <a:lnTo>
+                  <a:pt x="0" y="120000"/>
+                </a:lnTo>
+                <a:close/>
+              </a:path>
+            </a:pathLst>
+          </a:custGeom>
+        </p:spPr>
+      </p:sp>
+      <p:sp>
+        <p:nvSpPr>
+          <p:cNvPr id="309" name="Google Shape;309;g239609b2c0c_0_47:notes"/>
           <p:cNvSpPr txBox="1"/>
           <p:nvPr>
             <p:ph idx="1" type="body"/>
@@ -12907,7 +13107,7 @@
           </a:prstGeom>
         </p:spPr>
         <p:txBody>
-          <a:bodyPr anchorCtr="0" anchor="ctr" bIns="0" lIns="274300" spcFirstLastPara="1" rIns="0" wrap="square" tIns="0">
+          <a:bodyPr anchorCtr="0" anchor="ctr" bIns="91425" lIns="274300" spcFirstLastPara="1" rIns="91425" wrap="square" tIns="91425">
             <a:noAutofit/>
           </a:bodyPr>
           <a:lstStyle/>
@@ -12923,7 +13123,7 @@
             </a:pPr>
             <a:r>
               <a:rPr lang="en"/>
-              <a:t>App with Service Example</a:t>
+              <a:t>Before and After Methods</a:t>
             </a:r>
             <a:endParaRPr/>
           </a:p>
@@ -12932,6 +13132,96 @@
       <p:sp>
         <p:nvSpPr>
           <p:cNvPr id="256" name="Google Shape;256;p40"/>
+          <p:cNvSpPr txBox="1"/>
+          <p:nvPr>
+            <p:ph idx="1" type="body"/>
+          </p:nvPr>
+        </p:nvSpPr>
+        <p:spPr>
+          <a:xfrm>
+            <a:off x="274320" y="914400"/>
+            <a:ext cx="8595300" cy="4114800"/>
+          </a:xfrm>
+          <a:prstGeom prst="rect">
+            <a:avLst/>
+          </a:prstGeom>
+        </p:spPr>
+        <p:txBody>
+          <a:bodyPr anchorCtr="0" anchor="t" bIns="0" lIns="0" spcFirstLastPara="1" rIns="0" wrap="square" tIns="0">
+            <a:noAutofit/>
+          </a:bodyPr>
+          <a:lstStyle/>
+          <a:p>
+            <a:pPr indent="0" lvl="0" marL="0" rtl="0" algn="l">
+              <a:spcBef>
+                <a:spcPts val="0"/>
+              </a:spcBef>
+              <a:spcAft>
+                <a:spcPts val="0"/>
+              </a:spcAft>
+              <a:buNone/>
+            </a:pPr>
+            <a:r>
+              <a:rPr lang="en"/>
+              <a:t>Before and after methods wrap a method’s main body</a:t>
+            </a:r>
+            <a:endParaRPr/>
+          </a:p>
+          <a:p>
+            <a:pPr indent="0" lvl="0" marL="0" rtl="0" algn="l">
+              <a:spcBef>
+                <a:spcPts val="1200"/>
+              </a:spcBef>
+              <a:spcAft>
+                <a:spcPts val="0"/>
+              </a:spcAft>
+              <a:buNone/>
+            </a:pPr>
+            <a:r>
+              <a:rPr lang="en"/>
+              <a:t>They typically come in pairs and are about a meta issue</a:t>
+            </a:r>
+            <a:endParaRPr/>
+          </a:p>
+          <a:p>
+            <a:pPr indent="-342900" lvl="0" marL="457200" rtl="0" algn="l">
+              <a:spcBef>
+                <a:spcPts val="1200"/>
+              </a:spcBef>
+              <a:spcAft>
+                <a:spcPts val="0"/>
+              </a:spcAft>
+              <a:buSzPts val="1800"/>
+              <a:buChar char="●"/>
+            </a:pPr>
+            <a:r>
+              <a:rPr lang="en"/>
+              <a:t>The before method sets something up</a:t>
+            </a:r>
+            <a:endParaRPr/>
+          </a:p>
+          <a:p>
+            <a:pPr indent="-342900" lvl="0" marL="457200" rtl="0" algn="l">
+              <a:spcBef>
+                <a:spcPts val="0"/>
+              </a:spcBef>
+              <a:spcAft>
+                <a:spcPts val="0"/>
+              </a:spcAft>
+              <a:buSzPts val="1800"/>
+              <a:buChar char="●"/>
+            </a:pPr>
+            <a:r>
+              <a:rPr lang="en"/>
+              <a:t>The after method tears it down</a:t>
+            </a:r>
+            <a:endParaRPr/>
+          </a:p>
+        </p:txBody>
+      </p:sp>
+      <p:sp>
+        <p:nvSpPr>
+          <p:cNvPr id="257" name="Google Shape;257;p40"/>
           <p:cNvSpPr txBox="1"/>
           <p:nvPr>
             <p:ph idx="12" type="sldNum"/>
@@ -12995,9 +13285,140 @@
           </a:p>
         </p:txBody>
       </p:sp>
+    </p:spTree>
+  </p:cSld>
+  <p:clrMapOvr>
+    <a:masterClrMapping/>
+  </p:clrMapOvr>
+</p:sld>
+</file>
+
+<file path=ppt/slides/slide34.xml><?xml version="1.0" encoding="utf-8"?>
+<p:sld xmlns:a="http://schemas.openxmlformats.org/drawingml/2006/main" xmlns:r="http://schemas.openxmlformats.org/officeDocument/2006/relationships" xmlns:mc="http://schemas.openxmlformats.org/markup-compatibility/2006" xmlns:mv="urn:schemas-microsoft-com:mac:vml" xmlns:p="http://schemas.openxmlformats.org/presentationml/2006/main" xmlns:c="http://schemas.openxmlformats.org/drawingml/2006/chart" xmlns:dgm="http://schemas.openxmlformats.org/drawingml/2006/diagram" xmlns:o="urn:schemas-microsoft-com:office:office" xmlns:v="urn:schemas-microsoft-com:vml" xmlns:pvml="urn:schemas-microsoft-com:office:powerpoint" xmlns:com="http://schemas.openxmlformats.org/drawingml/2006/compatibility" xmlns:p14="http://schemas.microsoft.com/office/powerpoint/2010/main" xmlns:p15="http://schemas.microsoft.com/office/powerpoint/2012/main" xmlns:ahyp="http://schemas.microsoft.com/office/drawing/2018/hyperlinkcolor">
+  <p:cSld>
+    <p:spTree>
+      <p:nvGrpSpPr>
+        <p:cNvPr id="261" name="Shape 261"/>
+        <p:cNvGrpSpPr/>
+        <p:nvPr/>
+      </p:nvGrpSpPr>
+      <p:grpSpPr>
+        <a:xfrm>
+          <a:off x="0" y="0"/>
+          <a:ext cx="0" cy="0"/>
+          <a:chOff x="0" y="0"/>
+          <a:chExt cx="0" cy="0"/>
+        </a:xfrm>
+      </p:grpSpPr>
       <p:sp>
         <p:nvSpPr>
-          <p:cNvPr id="257" name="Google Shape;257;p40"/>
+          <p:cNvPr id="262" name="Google Shape;262;p41"/>
+          <p:cNvSpPr txBox="1"/>
+          <p:nvPr>
+            <p:ph type="title"/>
+          </p:nvPr>
+        </p:nvSpPr>
+        <p:spPr>
+          <a:xfrm>
+            <a:off x="0" y="0"/>
+            <a:ext cx="9144000" cy="685800"/>
+          </a:xfrm>
+          <a:prstGeom prst="rect">
+            <a:avLst/>
+          </a:prstGeom>
+        </p:spPr>
+        <p:txBody>
+          <a:bodyPr anchorCtr="0" anchor="ctr" bIns="0" lIns="274300" spcFirstLastPara="1" rIns="0" wrap="square" tIns="0">
+            <a:noAutofit/>
+          </a:bodyPr>
+          <a:lstStyle/>
+          <a:p>
+            <a:pPr indent="0" lvl="0" marL="0" rtl="0" algn="l">
+              <a:spcBef>
+                <a:spcPts val="0"/>
+              </a:spcBef>
+              <a:spcAft>
+                <a:spcPts val="0"/>
+              </a:spcAft>
+              <a:buNone/>
+            </a:pPr>
+            <a:r>
+              <a:rPr lang="en"/>
+              <a:t>App with Service Example</a:t>
+            </a:r>
+            <a:endParaRPr/>
+          </a:p>
+        </p:txBody>
+      </p:sp>
+      <p:sp>
+        <p:nvSpPr>
+          <p:cNvPr id="263" name="Google Shape;263;p41"/>
+          <p:cNvSpPr txBox="1"/>
+          <p:nvPr>
+            <p:ph idx="12" type="sldNum"/>
+          </p:nvPr>
+        </p:nvSpPr>
+        <p:spPr>
+          <a:xfrm>
+            <a:off x="7315209" y="4229101"/>
+            <a:ext cx="1828800" cy="914400"/>
+          </a:xfrm>
+          <a:prstGeom prst="rect">
+            <a:avLst/>
+          </a:prstGeom>
+        </p:spPr>
+        <p:txBody>
+          <a:bodyPr anchorCtr="0" anchor="b" bIns="91425" lIns="91425" spcFirstLastPara="1" rIns="91425" wrap="square" tIns="91425">
+            <a:noAutofit/>
+          </a:bodyPr>
+          <a:lstStyle/>
+          <a:p>
+            <a:pPr indent="0" lvl="0" marL="0" rtl="0" algn="r">
+              <a:spcBef>
+                <a:spcPts val="0"/>
+              </a:spcBef>
+              <a:spcAft>
+                <a:spcPts val="0"/>
+              </a:spcAft>
+              <a:buNone/>
+            </a:pPr>
+            <a:fld id="{00000000-1234-1234-1234-123412341234}" type="slidenum">
+              <a:rPr lang="en"/>
+              <a:t>‹#›</a:t>
+            </a:fld>
+            <a:endParaRPr/>
+          </a:p>
+          <a:p>
+            <a:pPr indent="0" lvl="0" marL="0" rtl="0" algn="r">
+              <a:spcBef>
+                <a:spcPts val="0"/>
+              </a:spcBef>
+              <a:spcAft>
+                <a:spcPts val="0"/>
+              </a:spcAft>
+              <a:buClr>
+                <a:schemeClr val="dk1"/>
+              </a:buClr>
+              <a:buSzPts val="1100"/>
+              <a:buFont typeface="Arial"/>
+              <a:buNone/>
+            </a:pPr>
+            <a:r>
+              <a:rPr b="0" lang="en" sz="1000" u="sng">
+                <a:solidFill>
+                  <a:schemeClr val="hlink"/>
+                </a:solidFill>
+                <a:hlinkClick r:id="rId3"/>
+              </a:rPr>
+              <a:t>https://profriehle.com</a:t>
+            </a:r>
+            <a:endParaRPr b="0" sz="1000"/>
+          </a:p>
+        </p:txBody>
+      </p:sp>
+      <p:sp>
+        <p:nvSpPr>
+          <p:cNvPr id="264" name="Google Shape;264;p41"/>
           <p:cNvSpPr txBox="1"/>
           <p:nvPr>
             <p:ph idx="2" type="body"/>
@@ -13078,7 +13499,7 @@
                 <a:cs typeface="Courier New"/>
                 <a:sym typeface="Courier New"/>
               </a:rPr>
-              <a:t>ServiceMain</a:t>
+              <a:t>MyAppMain</a:t>
             </a:r>
             <a:r>
               <a:rPr lang="en" sz="1000">
@@ -13138,7 +13559,7 @@
                 <a:cs typeface="Courier New"/>
                 <a:sym typeface="Courier New"/>
               </a:rPr>
-              <a:t>"./ServiceMain"</a:t>
+              <a:t>"./MyAppMain"</a:t>
             </a:r>
             <a:r>
               <a:rPr lang="en" sz="1000">
@@ -13396,7 +13817,7 @@
                 <a:cs typeface="Courier New"/>
                 <a:sym typeface="Courier New"/>
               </a:rPr>
-              <a:t>    </a:t>
+              <a:t>   </a:t>
             </a:r>
             <a:r>
               <a:rPr lang="en" sz="1000">
@@ -13441,7 +13862,7 @@
                 <a:cs typeface="Courier New"/>
                 <a:sym typeface="Courier New"/>
               </a:rPr>
-              <a:t>service</a:t>
+              <a:t>appMain</a:t>
             </a:r>
             <a:r>
               <a:rPr lang="en" sz="1000">
@@ -13483,7 +13904,7 @@
                 <a:cs typeface="Courier New"/>
                 <a:sym typeface="Courier New"/>
               </a:rPr>
-              <a:t>ServiceMain</a:t>
+              <a:t>MyAppMain</a:t>
             </a:r>
             <a:r>
               <a:rPr lang="en" sz="1000">
@@ -13570,7 +13991,7 @@
                 <a:cs typeface="Courier New"/>
                 <a:sym typeface="Courier New"/>
               </a:rPr>
-              <a:t>ServiceMain</a:t>
+              <a:t>MyAppMain</a:t>
             </a:r>
             <a:r>
               <a:rPr lang="en" sz="1000">
@@ -13631,7 +14052,7 @@
                 <a:cs typeface="Courier New"/>
                 <a:sym typeface="Courier New"/>
               </a:rPr>
-              <a:t>    </a:t>
+              <a:t>   </a:t>
             </a:r>
             <a:r>
               <a:rPr lang="en" sz="1000">
@@ -13646,7 +14067,7 @@
                 <a:cs typeface="Courier New"/>
                 <a:sym typeface="Courier New"/>
               </a:rPr>
-              <a:t>service</a:t>
+              <a:t>appMain</a:t>
             </a:r>
             <a:r>
               <a:rPr lang="en" sz="1000">
@@ -13691,7 +14112,37 @@
                 <a:cs typeface="Courier New"/>
                 <a:sym typeface="Courier New"/>
               </a:rPr>
-              <a:t>();</a:t>
+              <a:t>(</a:t>
+            </a:r>
+            <a:r>
+              <a:rPr lang="en" sz="1000">
+                <a:solidFill>
+                  <a:srgbClr val="001080"/>
+                </a:solidFill>
+                <a:highlight>
+                  <a:srgbClr val="FFFFFF"/>
+                </a:highlight>
+                <a:latin typeface="Courier New"/>
+                <a:ea typeface="Courier New"/>
+                <a:cs typeface="Courier New"/>
+                <a:sym typeface="Courier New"/>
+              </a:rPr>
+              <a:t>args</a:t>
+            </a:r>
+            <a:r>
+              <a:rPr lang="en" sz="1000">
+                <a:solidFill>
+                  <a:srgbClr val="3B3B3B"/>
+                </a:solidFill>
+                <a:highlight>
+                  <a:srgbClr val="FFFFFF"/>
+                </a:highlight>
+                <a:latin typeface="Courier New"/>
+                <a:ea typeface="Courier New"/>
+                <a:cs typeface="Courier New"/>
+                <a:sym typeface="Courier New"/>
+              </a:rPr>
+              <a:t>);</a:t>
             </a:r>
             <a:endParaRPr sz="1000">
               <a:solidFill>
@@ -14284,13 +14735,8 @@
                 <a:spcPts val="0"/>
               </a:spcBef>
               <a:spcAft>
-                <a:spcPts val="0"/>
-              </a:spcAft>
-              <a:buClr>
-                <a:schemeClr val="dk1"/>
-              </a:buClr>
-              <a:buSzPts val="1100"/>
-              <a:buFont typeface="Arial"/>
+                <a:spcPts val="1200"/>
+              </a:spcAft>
               <a:buNone/>
             </a:pPr>
             <a:r>
@@ -14298,7 +14744,7 @@
             </a:r>
             <a:endParaRPr sz="1000">
               <a:solidFill>
-                <a:srgbClr val="3B3B3B"/>
+                <a:srgbClr val="AF00DB"/>
               </a:solidFill>
               <a:highlight>
                 <a:srgbClr val="FFFFFF"/>
@@ -14309,29 +14755,11 @@
               <a:sym typeface="Courier New"/>
             </a:endParaRPr>
           </a:p>
-          <a:p>
-            <a:pPr indent="0" lvl="0" marL="0" rtl="0" algn="l">
-              <a:lnSpc>
-                <a:spcPct val="115000"/>
-              </a:lnSpc>
-              <a:spcBef>
-                <a:spcPts val="0"/>
-              </a:spcBef>
-              <a:spcAft>
-                <a:spcPts val="1200"/>
-              </a:spcAft>
-              <a:buNone/>
-            </a:pPr>
-            <a:r>
-              <a:t/>
-            </a:r>
-            <a:endParaRPr sz="1000"/>
-          </a:p>
         </p:txBody>
       </p:sp>
       <p:pic>
         <p:nvPicPr>
-          <p:cNvPr id="258" name="Google Shape;258;p40"/>
+          <p:cNvPr id="265" name="Google Shape;265;p41"/>
           <p:cNvPicPr preferRelativeResize="0"/>
           <p:nvPr/>
         </p:nvPicPr>
@@ -14346,7 +14774,7 @@
         <p:spPr>
           <a:xfrm>
             <a:off x="274320" y="914400"/>
-            <a:ext cx="4297680" cy="3631540"/>
+            <a:ext cx="4326673" cy="3657599"/>
           </a:xfrm>
           <a:prstGeom prst="rect">
             <a:avLst/>
@@ -14365,12 +14793,12 @@
 </p:sld>
 </file>
 
-<file path=ppt/slides/slide34.xml><?xml version="1.0" encoding="utf-8"?>
+<file path=ppt/slides/slide35.xml><?xml version="1.0" encoding="utf-8"?>
 <p:sld xmlns:a="http://schemas.openxmlformats.org/drawingml/2006/main" xmlns:r="http://schemas.openxmlformats.org/officeDocument/2006/relationships" xmlns:mc="http://schemas.openxmlformats.org/markup-compatibility/2006" xmlns:mv="urn:schemas-microsoft-com:mac:vml" xmlns:p="http://schemas.openxmlformats.org/presentationml/2006/main" xmlns:c="http://schemas.openxmlformats.org/drawingml/2006/chart" xmlns:dgm="http://schemas.openxmlformats.org/drawingml/2006/diagram" xmlns:o="urn:schemas-microsoft-com:office:office" xmlns:v="urn:schemas-microsoft-com:vml" xmlns:pvml="urn:schemas-microsoft-com:office:powerpoint" xmlns:com="http://schemas.openxmlformats.org/drawingml/2006/compatibility" xmlns:p14="http://schemas.microsoft.com/office/powerpoint/2010/main" xmlns:p15="http://schemas.microsoft.com/office/powerpoint/2012/main" xmlns:ahyp="http://schemas.microsoft.com/office/drawing/2018/hyperlinkcolor">
   <p:cSld>
     <p:spTree>
       <p:nvGrpSpPr>
-        <p:cNvPr id="262" name="Shape 262"/>
+        <p:cNvPr id="269" name="Shape 269"/>
         <p:cNvGrpSpPr/>
         <p:nvPr/>
       </p:nvGrpSpPr>
@@ -14384,7 +14812,7 @@
       </p:grpSpPr>
       <p:sp>
         <p:nvSpPr>
-          <p:cNvPr id="263" name="Google Shape;263;p41"/>
+          <p:cNvPr id="270" name="Google Shape;270;p42"/>
           <p:cNvSpPr txBox="1"/>
           <p:nvPr>
             <p:ph type="title"/>
@@ -14416,7 +14844,7 @@
             </a:pPr>
             <a:r>
               <a:rPr lang="en"/>
-              <a:t>Cascading Inheritance Interfaces</a:t>
+              <a:t>Cascading Inheritance Interfaces 1 / 2</a:t>
             </a:r>
             <a:endParaRPr/>
           </a:p>
@@ -14424,7 +14852,7 @@
       </p:sp>
       <p:sp>
         <p:nvSpPr>
-          <p:cNvPr id="264" name="Google Shape;264;p41"/>
+          <p:cNvPr id="271" name="Google Shape;271;p42"/>
           <p:cNvSpPr txBox="1"/>
           <p:nvPr>
             <p:ph idx="1" type="body"/>
@@ -14455,11 +14883,6 @@
               <a:spcAft>
                 <a:spcPts val="0"/>
               </a:spcAft>
-              <a:buClr>
-                <a:schemeClr val="dk1"/>
-              </a:buClr>
-              <a:buSzPts val="1100"/>
-              <a:buFont typeface="Arial"/>
               <a:buNone/>
             </a:pPr>
             <a:r>
@@ -14476,6 +14899,36 @@
                 <a:sym typeface="Courier New"/>
               </a:rPr>
               <a:t>export</a:t>
+            </a:r>
+            <a:r>
+              <a:rPr lang="en" sz="1000">
+                <a:solidFill>
+                  <a:srgbClr val="3B3B3B"/>
+                </a:solidFill>
+                <a:highlight>
+                  <a:srgbClr val="FFFFFF"/>
+                </a:highlight>
+                <a:latin typeface="Courier New"/>
+                <a:ea typeface="Courier New"/>
+                <a:cs typeface="Courier New"/>
+                <a:sym typeface="Courier New"/>
+              </a:rPr>
+              <a:t> </a:t>
+            </a:r>
+            <a:r>
+              <a:rPr lang="en" sz="1000">
+                <a:solidFill>
+                  <a:srgbClr val="0000FF"/>
+                </a:solidFill>
+                <a:highlight>
+                  <a:srgbClr val="FFFFFF"/>
+                </a:highlight>
+                <a:latin typeface="Courier New"/>
+                <a:ea typeface="Courier New"/>
+                <a:cs typeface="Courier New"/>
+                <a:sym typeface="Courier New"/>
+              </a:rPr>
+              <a:t>abstract</a:t>
             </a:r>
             <a:r>
               <a:rPr lang="en" sz="1000">
@@ -14584,208 +15037,7 @@
               <a:buNone/>
             </a:pPr>
             <a:r>
-              <a:rPr lang="en" sz="1000">
-                <a:solidFill>
-                  <a:srgbClr val="3B3B3B"/>
-                </a:solidFill>
-                <a:highlight>
-                  <a:srgbClr val="FFFFFF"/>
-                </a:highlight>
-                <a:latin typeface="Courier New"/>
-                <a:ea typeface="Courier New"/>
-                <a:cs typeface="Courier New"/>
-                <a:sym typeface="Courier New"/>
-              </a:rPr>
-              <a:t>    </a:t>
-            </a:r>
-            <a:r>
-              <a:rPr lang="en" sz="1000">
-                <a:solidFill>
-                  <a:srgbClr val="0000FF"/>
-                </a:solidFill>
-                <a:highlight>
-                  <a:srgbClr val="FFFFFF"/>
-                </a:highlight>
-                <a:latin typeface="Courier New"/>
-                <a:ea typeface="Courier New"/>
-                <a:cs typeface="Courier New"/>
-                <a:sym typeface="Courier New"/>
-              </a:rPr>
-              <a:t>public</a:t>
-            </a:r>
-            <a:r>
-              <a:rPr lang="en" sz="1000">
-                <a:solidFill>
-                  <a:srgbClr val="3B3B3B"/>
-                </a:solidFill>
-                <a:highlight>
-                  <a:srgbClr val="FFFFFF"/>
-                </a:highlight>
-                <a:latin typeface="Courier New"/>
-                <a:ea typeface="Courier New"/>
-                <a:cs typeface="Courier New"/>
-                <a:sym typeface="Courier New"/>
-              </a:rPr>
-              <a:t> </a:t>
-            </a:r>
-            <a:r>
-              <a:rPr lang="en" sz="1000">
-                <a:solidFill>
-                  <a:srgbClr val="795E26"/>
-                </a:solidFill>
-                <a:highlight>
-                  <a:srgbClr val="FFFFFF"/>
-                </a:highlight>
-                <a:latin typeface="Courier New"/>
-                <a:ea typeface="Courier New"/>
-                <a:cs typeface="Courier New"/>
-                <a:sym typeface="Courier New"/>
-              </a:rPr>
-              <a:t>run</a:t>
-            </a:r>
-            <a:r>
-              <a:rPr lang="en" sz="1000">
-                <a:solidFill>
-                  <a:srgbClr val="3B3B3B"/>
-                </a:solidFill>
-                <a:highlight>
-                  <a:srgbClr val="FFFFFF"/>
-                </a:highlight>
-                <a:latin typeface="Courier New"/>
-                <a:ea typeface="Courier New"/>
-                <a:cs typeface="Courier New"/>
-                <a:sym typeface="Courier New"/>
-              </a:rPr>
-              <a:t>(</a:t>
-            </a:r>
-            <a:r>
-              <a:rPr lang="en" sz="1000">
-                <a:solidFill>
-                  <a:srgbClr val="001080"/>
-                </a:solidFill>
-                <a:highlight>
-                  <a:srgbClr val="FFFFFF"/>
-                </a:highlight>
-                <a:latin typeface="Courier New"/>
-                <a:ea typeface="Courier New"/>
-                <a:cs typeface="Courier New"/>
-                <a:sym typeface="Courier New"/>
-              </a:rPr>
-              <a:t>args</a:t>
-            </a:r>
-            <a:r>
-              <a:rPr lang="en" sz="1000">
-                <a:highlight>
-                  <a:srgbClr val="FFFFFF"/>
-                </a:highlight>
-                <a:latin typeface="Courier New"/>
-                <a:ea typeface="Courier New"/>
-                <a:cs typeface="Courier New"/>
-                <a:sym typeface="Courier New"/>
-              </a:rPr>
-              <a:t>:</a:t>
-            </a:r>
-            <a:r>
-              <a:rPr lang="en" sz="1000">
-                <a:solidFill>
-                  <a:srgbClr val="3B3B3B"/>
-                </a:solidFill>
-                <a:highlight>
-                  <a:srgbClr val="FFFFFF"/>
-                </a:highlight>
-                <a:latin typeface="Courier New"/>
-                <a:ea typeface="Courier New"/>
-                <a:cs typeface="Courier New"/>
-                <a:sym typeface="Courier New"/>
-              </a:rPr>
-              <a:t> </a:t>
-            </a:r>
-            <a:r>
-              <a:rPr lang="en" sz="1000">
-                <a:solidFill>
-                  <a:srgbClr val="267F99"/>
-                </a:solidFill>
-                <a:highlight>
-                  <a:srgbClr val="FFFFFF"/>
-                </a:highlight>
-                <a:latin typeface="Courier New"/>
-                <a:ea typeface="Courier New"/>
-                <a:cs typeface="Courier New"/>
-                <a:sym typeface="Courier New"/>
-              </a:rPr>
-              <a:t>string</a:t>
-            </a:r>
-            <a:r>
-              <a:rPr lang="en" sz="1000">
-                <a:solidFill>
-                  <a:srgbClr val="3B3B3B"/>
-                </a:solidFill>
-                <a:highlight>
-                  <a:srgbClr val="FFFFFF"/>
-                </a:highlight>
-                <a:latin typeface="Courier New"/>
-                <a:ea typeface="Courier New"/>
-                <a:cs typeface="Courier New"/>
-                <a:sym typeface="Courier New"/>
-              </a:rPr>
-              <a:t>[])</a:t>
-            </a:r>
-            <a:r>
-              <a:rPr lang="en" sz="1000">
-                <a:highlight>
-                  <a:srgbClr val="FFFFFF"/>
-                </a:highlight>
-                <a:latin typeface="Courier New"/>
-                <a:ea typeface="Courier New"/>
-                <a:cs typeface="Courier New"/>
-                <a:sym typeface="Courier New"/>
-              </a:rPr>
-              <a:t>:</a:t>
-            </a:r>
-            <a:r>
-              <a:rPr lang="en" sz="1000">
-                <a:solidFill>
-                  <a:srgbClr val="3B3B3B"/>
-                </a:solidFill>
-                <a:highlight>
-                  <a:srgbClr val="FFFFFF"/>
-                </a:highlight>
-                <a:latin typeface="Courier New"/>
-                <a:ea typeface="Courier New"/>
-                <a:cs typeface="Courier New"/>
-                <a:sym typeface="Courier New"/>
-              </a:rPr>
-              <a:t> </a:t>
-            </a:r>
-            <a:r>
-              <a:rPr lang="en" sz="1000">
-                <a:solidFill>
-                  <a:srgbClr val="267F99"/>
-                </a:solidFill>
-                <a:highlight>
-                  <a:srgbClr val="FFFFFF"/>
-                </a:highlight>
-                <a:latin typeface="Courier New"/>
-                <a:ea typeface="Courier New"/>
-                <a:cs typeface="Courier New"/>
-                <a:sym typeface="Courier New"/>
-              </a:rPr>
-              <a:t>void</a:t>
-            </a:r>
-            <a:r>
-              <a:rPr lang="en" sz="1000">
-                <a:solidFill>
-                  <a:srgbClr val="3B3B3B"/>
-                </a:solidFill>
-                <a:highlight>
-                  <a:srgbClr val="FFFFFF"/>
-                </a:highlight>
-                <a:latin typeface="Courier New"/>
-                <a:ea typeface="Courier New"/>
-                <a:cs typeface="Courier New"/>
-                <a:sym typeface="Courier New"/>
-              </a:rPr>
-              <a:t> {</a:t>
+              <a:t/>
             </a:r>
             <a:endParaRPr sz="1000">
               <a:solidFill>
@@ -14831,7 +15083,7 @@
                 <a:cs typeface="Courier New"/>
                 <a:sym typeface="Courier New"/>
               </a:rPr>
-              <a:t>        </a:t>
+              <a:t>   </a:t>
             </a:r>
             <a:r>
               <a:rPr lang="en" sz="1000">
@@ -14846,7 +15098,7 @@
                 <a:cs typeface="Courier New"/>
                 <a:sym typeface="Courier New"/>
               </a:rPr>
-              <a:t>this</a:t>
+              <a:t>public</a:t>
             </a:r>
             <a:r>
               <a:rPr lang="en" sz="1000">
@@ -14861,7 +15113,7 @@
                 <a:cs typeface="Courier New"/>
                 <a:sym typeface="Courier New"/>
               </a:rPr>
-              <a:t>.</a:t>
+              <a:t> </a:t>
             </a:r>
             <a:r>
               <a:rPr lang="en" sz="1000">
@@ -14876,7 +15128,7 @@
                 <a:cs typeface="Courier New"/>
                 <a:sym typeface="Courier New"/>
               </a:rPr>
-              <a:t>initialize</a:t>
+              <a:t>run</a:t>
             </a:r>
             <a:r>
               <a:rPr lang="en" sz="1000">
@@ -14891,7 +15143,136 @@
                 <a:cs typeface="Courier New"/>
                 <a:sym typeface="Courier New"/>
               </a:rPr>
-              <a:t>();</a:t>
+              <a:t>(</a:t>
+            </a:r>
+            <a:r>
+              <a:rPr lang="en" sz="1000">
+                <a:solidFill>
+                  <a:srgbClr val="001080"/>
+                </a:solidFill>
+                <a:highlight>
+                  <a:srgbClr val="FFFFFF"/>
+                </a:highlight>
+                <a:latin typeface="Courier New"/>
+                <a:ea typeface="Courier New"/>
+                <a:cs typeface="Courier New"/>
+                <a:sym typeface="Courier New"/>
+              </a:rPr>
+              <a:t>args</a:t>
+            </a:r>
+            <a:r>
+              <a:rPr lang="en" sz="1000">
+                <a:highlight>
+                  <a:srgbClr val="FFFFFF"/>
+                </a:highlight>
+                <a:latin typeface="Courier New"/>
+                <a:ea typeface="Courier New"/>
+                <a:cs typeface="Courier New"/>
+                <a:sym typeface="Courier New"/>
+              </a:rPr>
+              <a:t>:</a:t>
+            </a:r>
+            <a:r>
+              <a:rPr lang="en" sz="1000">
+                <a:solidFill>
+                  <a:srgbClr val="3B3B3B"/>
+                </a:solidFill>
+                <a:highlight>
+                  <a:srgbClr val="FFFFFF"/>
+                </a:highlight>
+                <a:latin typeface="Courier New"/>
+                <a:ea typeface="Courier New"/>
+                <a:cs typeface="Courier New"/>
+                <a:sym typeface="Courier New"/>
+              </a:rPr>
+              <a:t> </a:t>
+            </a:r>
+            <a:r>
+              <a:rPr lang="en" sz="1000">
+                <a:solidFill>
+                  <a:srgbClr val="267F99"/>
+                </a:solidFill>
+                <a:highlight>
+                  <a:srgbClr val="FFFFFF"/>
+                </a:highlight>
+                <a:latin typeface="Courier New"/>
+                <a:ea typeface="Courier New"/>
+                <a:cs typeface="Courier New"/>
+                <a:sym typeface="Courier New"/>
+              </a:rPr>
+              <a:t>string</a:t>
+            </a:r>
+            <a:r>
+              <a:rPr lang="en" sz="1000">
+                <a:solidFill>
+                  <a:srgbClr val="3B3B3B"/>
+                </a:solidFill>
+                <a:highlight>
+                  <a:srgbClr val="FFFFFF"/>
+                </a:highlight>
+                <a:latin typeface="Courier New"/>
+                <a:ea typeface="Courier New"/>
+                <a:cs typeface="Courier New"/>
+                <a:sym typeface="Courier New"/>
+              </a:rPr>
+              <a:t>[])</a:t>
+            </a:r>
+            <a:r>
+              <a:rPr lang="en" sz="1000">
+                <a:highlight>
+                  <a:srgbClr val="FFFFFF"/>
+                </a:highlight>
+                <a:latin typeface="Courier New"/>
+                <a:ea typeface="Courier New"/>
+                <a:cs typeface="Courier New"/>
+                <a:sym typeface="Courier New"/>
+              </a:rPr>
+              <a:t>:</a:t>
+            </a:r>
+            <a:r>
+              <a:rPr lang="en" sz="1000">
+                <a:solidFill>
+                  <a:srgbClr val="3B3B3B"/>
+                </a:solidFill>
+                <a:highlight>
+                  <a:srgbClr val="FFFFFF"/>
+                </a:highlight>
+                <a:latin typeface="Courier New"/>
+                <a:ea typeface="Courier New"/>
+                <a:cs typeface="Courier New"/>
+                <a:sym typeface="Courier New"/>
+              </a:rPr>
+              <a:t> </a:t>
+            </a:r>
+            <a:r>
+              <a:rPr lang="en" sz="1000">
+                <a:solidFill>
+                  <a:srgbClr val="267F99"/>
+                </a:solidFill>
+                <a:highlight>
+                  <a:srgbClr val="FFFFFF"/>
+                </a:highlight>
+                <a:latin typeface="Courier New"/>
+                <a:ea typeface="Courier New"/>
+                <a:cs typeface="Courier New"/>
+                <a:sym typeface="Courier New"/>
+              </a:rPr>
+              <a:t>void</a:t>
+            </a:r>
+            <a:r>
+              <a:rPr lang="en" sz="1000">
+                <a:solidFill>
+                  <a:srgbClr val="3B3B3B"/>
+                </a:solidFill>
+                <a:highlight>
+                  <a:srgbClr val="FFFFFF"/>
+                </a:highlight>
+                <a:latin typeface="Courier New"/>
+                <a:ea typeface="Courier New"/>
+                <a:cs typeface="Courier New"/>
+                <a:sym typeface="Courier New"/>
+              </a:rPr>
+              <a:t> {</a:t>
             </a:r>
             <a:endParaRPr sz="1000">
               <a:solidFill>
@@ -14937,7 +15318,7 @@
                 <a:cs typeface="Courier New"/>
                 <a:sym typeface="Courier New"/>
               </a:rPr>
-              <a:t>        </a:t>
+              <a:t>       </a:t>
             </a:r>
             <a:r>
               <a:rPr lang="en" sz="1000">
@@ -14982,7 +15363,7 @@
                 <a:cs typeface="Courier New"/>
                 <a:sym typeface="Courier New"/>
               </a:rPr>
-              <a:t>execute</a:t>
+              <a:t>parseArgs</a:t>
             </a:r>
             <a:r>
               <a:rPr lang="en" sz="1000">
@@ -14997,7 +15378,37 @@
                 <a:cs typeface="Courier New"/>
                 <a:sym typeface="Courier New"/>
               </a:rPr>
-              <a:t>();</a:t>
+              <a:t>(</a:t>
+            </a:r>
+            <a:r>
+              <a:rPr lang="en" sz="1000">
+                <a:solidFill>
+                  <a:srgbClr val="001080"/>
+                </a:solidFill>
+                <a:highlight>
+                  <a:srgbClr val="FFFFFF"/>
+                </a:highlight>
+                <a:latin typeface="Courier New"/>
+                <a:ea typeface="Courier New"/>
+                <a:cs typeface="Courier New"/>
+                <a:sym typeface="Courier New"/>
+              </a:rPr>
+              <a:t>args</a:t>
+            </a:r>
+            <a:r>
+              <a:rPr lang="en" sz="1000">
+                <a:solidFill>
+                  <a:srgbClr val="3B3B3B"/>
+                </a:solidFill>
+                <a:highlight>
+                  <a:srgbClr val="FFFFFF"/>
+                </a:highlight>
+                <a:latin typeface="Courier New"/>
+                <a:ea typeface="Courier New"/>
+                <a:cs typeface="Courier New"/>
+                <a:sym typeface="Courier New"/>
+              </a:rPr>
+              <a:t>);</a:t>
             </a:r>
             <a:endParaRPr sz="1000">
               <a:solidFill>
@@ -15043,7 +15454,7 @@
                 <a:cs typeface="Courier New"/>
                 <a:sym typeface="Courier New"/>
               </a:rPr>
-              <a:t>        </a:t>
+              <a:t>       </a:t>
             </a:r>
             <a:r>
               <a:rPr lang="en" sz="1000">
@@ -15088,7 +15499,7 @@
                 <a:cs typeface="Courier New"/>
                 <a:sym typeface="Courier New"/>
               </a:rPr>
-              <a:t>finalize</a:t>
+              <a:t>startUp</a:t>
             </a:r>
             <a:r>
               <a:rPr lang="en" sz="1000">
@@ -15149,7 +15560,67 @@
                 <a:cs typeface="Courier New"/>
                 <a:sym typeface="Courier New"/>
               </a:rPr>
-              <a:t>    };</a:t>
+              <a:t>       </a:t>
+            </a:r>
+            <a:r>
+              <a:rPr lang="en" sz="1000">
+                <a:solidFill>
+                  <a:srgbClr val="0000FF"/>
+                </a:solidFill>
+                <a:highlight>
+                  <a:srgbClr val="FFFFFF"/>
+                </a:highlight>
+                <a:latin typeface="Courier New"/>
+                <a:ea typeface="Courier New"/>
+                <a:cs typeface="Courier New"/>
+                <a:sym typeface="Courier New"/>
+              </a:rPr>
+              <a:t>this</a:t>
+            </a:r>
+            <a:r>
+              <a:rPr lang="en" sz="1000">
+                <a:solidFill>
+                  <a:srgbClr val="3B3B3B"/>
+                </a:solidFill>
+                <a:highlight>
+                  <a:srgbClr val="FFFFFF"/>
+                </a:highlight>
+                <a:latin typeface="Courier New"/>
+                <a:ea typeface="Courier New"/>
+                <a:cs typeface="Courier New"/>
+                <a:sym typeface="Courier New"/>
+              </a:rPr>
+              <a:t>.</a:t>
+            </a:r>
+            <a:r>
+              <a:rPr lang="en" sz="1000">
+                <a:solidFill>
+                  <a:srgbClr val="795E26"/>
+                </a:solidFill>
+                <a:highlight>
+                  <a:srgbClr val="FFFFFF"/>
+                </a:highlight>
+                <a:latin typeface="Courier New"/>
+                <a:ea typeface="Courier New"/>
+                <a:cs typeface="Courier New"/>
+                <a:sym typeface="Courier New"/>
+              </a:rPr>
+              <a:t>execute</a:t>
+            </a:r>
+            <a:r>
+              <a:rPr lang="en" sz="1000">
+                <a:solidFill>
+                  <a:srgbClr val="3B3B3B"/>
+                </a:solidFill>
+                <a:highlight>
+                  <a:srgbClr val="FFFFFF"/>
+                </a:highlight>
+                <a:latin typeface="Courier New"/>
+                <a:ea typeface="Courier New"/>
+                <a:cs typeface="Courier New"/>
+                <a:sym typeface="Courier New"/>
+              </a:rPr>
+              <a:t>();</a:t>
             </a:r>
             <a:endParaRPr sz="1000">
               <a:solidFill>
@@ -15183,7 +15654,79 @@
               <a:buNone/>
             </a:pPr>
             <a:r>
-              <a:t/>
+              <a:rPr lang="en" sz="1000">
+                <a:solidFill>
+                  <a:srgbClr val="3B3B3B"/>
+                </a:solidFill>
+                <a:highlight>
+                  <a:srgbClr val="FFFFFF"/>
+                </a:highlight>
+                <a:latin typeface="Courier New"/>
+                <a:ea typeface="Courier New"/>
+                <a:cs typeface="Courier New"/>
+                <a:sym typeface="Courier New"/>
+              </a:rPr>
+              <a:t>       </a:t>
+            </a:r>
+            <a:r>
+              <a:rPr lang="en" sz="1000">
+                <a:solidFill>
+                  <a:srgbClr val="0000FF"/>
+                </a:solidFill>
+                <a:highlight>
+                  <a:srgbClr val="FFFFFF"/>
+                </a:highlight>
+                <a:latin typeface="Courier New"/>
+                <a:ea typeface="Courier New"/>
+                <a:cs typeface="Courier New"/>
+                <a:sym typeface="Courier New"/>
+              </a:rPr>
+              <a:t>this</a:t>
+            </a:r>
+            <a:r>
+              <a:rPr lang="en" sz="1000">
+                <a:solidFill>
+                  <a:srgbClr val="3B3B3B"/>
+                </a:solidFill>
+                <a:highlight>
+                  <a:srgbClr val="FFFFFF"/>
+                </a:highlight>
+                <a:latin typeface="Courier New"/>
+                <a:ea typeface="Courier New"/>
+                <a:cs typeface="Courier New"/>
+                <a:sym typeface="Courier New"/>
+              </a:rPr>
+              <a:t>.</a:t>
+            </a:r>
+            <a:r>
+              <a:rPr lang="en" sz="1000">
+                <a:solidFill>
+                  <a:srgbClr val="795E26"/>
+                </a:solidFill>
+                <a:highlight>
+                  <a:srgbClr val="FFFFFF"/>
+                </a:highlight>
+                <a:latin typeface="Courier New"/>
+                <a:ea typeface="Courier New"/>
+                <a:cs typeface="Courier New"/>
+                <a:sym typeface="Courier New"/>
+              </a:rPr>
+              <a:t>shutDown</a:t>
+            </a:r>
+            <a:r>
+              <a:rPr lang="en" sz="1000">
+                <a:solidFill>
+                  <a:srgbClr val="3B3B3B"/>
+                </a:solidFill>
+                <a:highlight>
+                  <a:srgbClr val="FFFFFF"/>
+                </a:highlight>
+                <a:latin typeface="Courier New"/>
+                <a:ea typeface="Courier New"/>
+                <a:cs typeface="Courier New"/>
+                <a:sym typeface="Courier New"/>
+              </a:rPr>
+              <a:t>();</a:t>
             </a:r>
             <a:endParaRPr sz="1000">
               <a:solidFill>
@@ -15229,124 +15772,7 @@
                 <a:cs typeface="Courier New"/>
                 <a:sym typeface="Courier New"/>
               </a:rPr>
-              <a:t>    </a:t>
-            </a:r>
-            <a:r>
-              <a:rPr lang="en" sz="1000">
-                <a:solidFill>
-                  <a:srgbClr val="0000FF"/>
-                </a:solidFill>
-                <a:highlight>
-                  <a:srgbClr val="FFFFFF"/>
-                </a:highlight>
-                <a:latin typeface="Courier New"/>
-                <a:ea typeface="Courier New"/>
-                <a:cs typeface="Courier New"/>
-                <a:sym typeface="Courier New"/>
-              </a:rPr>
-              <a:t>protected</a:t>
-            </a:r>
-            <a:r>
-              <a:rPr lang="en" sz="1000">
-                <a:solidFill>
-                  <a:srgbClr val="3B3B3B"/>
-                </a:solidFill>
-                <a:highlight>
-                  <a:srgbClr val="FFFFFF"/>
-                </a:highlight>
-                <a:latin typeface="Courier New"/>
-                <a:ea typeface="Courier New"/>
-                <a:cs typeface="Courier New"/>
-                <a:sym typeface="Courier New"/>
-              </a:rPr>
-              <a:t> </a:t>
-            </a:r>
-            <a:r>
-              <a:rPr lang="en" sz="1000">
-                <a:solidFill>
-                  <a:srgbClr val="795E26"/>
-                </a:solidFill>
-                <a:highlight>
-                  <a:srgbClr val="FFFFFF"/>
-                </a:highlight>
-                <a:latin typeface="Courier New"/>
-                <a:ea typeface="Courier New"/>
-                <a:cs typeface="Courier New"/>
-                <a:sym typeface="Courier New"/>
-              </a:rPr>
-              <a:t>initialize</a:t>
-            </a:r>
-            <a:r>
-              <a:rPr lang="en" sz="1000">
-                <a:solidFill>
-                  <a:srgbClr val="3B3B3B"/>
-                </a:solidFill>
-                <a:highlight>
-                  <a:srgbClr val="FFFFFF"/>
-                </a:highlight>
-                <a:latin typeface="Courier New"/>
-                <a:ea typeface="Courier New"/>
-                <a:cs typeface="Courier New"/>
-                <a:sym typeface="Courier New"/>
-              </a:rPr>
-              <a:t>()</a:t>
-            </a:r>
-            <a:r>
-              <a:rPr lang="en" sz="1000">
-                <a:highlight>
-                  <a:srgbClr val="FFFFFF"/>
-                </a:highlight>
-                <a:latin typeface="Courier New"/>
-                <a:ea typeface="Courier New"/>
-                <a:cs typeface="Courier New"/>
-                <a:sym typeface="Courier New"/>
-              </a:rPr>
-              <a:t>:</a:t>
-            </a:r>
-            <a:r>
-              <a:rPr lang="en" sz="1000">
-                <a:solidFill>
-                  <a:srgbClr val="3B3B3B"/>
-                </a:solidFill>
-                <a:highlight>
-                  <a:srgbClr val="FFFFFF"/>
-                </a:highlight>
-                <a:latin typeface="Courier New"/>
-                <a:ea typeface="Courier New"/>
-                <a:cs typeface="Courier New"/>
-                <a:sym typeface="Courier New"/>
-              </a:rPr>
-              <a:t> </a:t>
-            </a:r>
-            <a:r>
-              <a:rPr lang="en" sz="1000">
-                <a:solidFill>
-                  <a:srgbClr val="267F99"/>
-                </a:solidFill>
-                <a:highlight>
-                  <a:srgbClr val="FFFFFF"/>
-                </a:highlight>
-                <a:latin typeface="Courier New"/>
-                <a:ea typeface="Courier New"/>
-                <a:cs typeface="Courier New"/>
-                <a:sym typeface="Courier New"/>
-              </a:rPr>
-              <a:t>void</a:t>
-            </a:r>
-            <a:r>
-              <a:rPr lang="en" sz="1000">
-                <a:solidFill>
-                  <a:srgbClr val="3B3B3B"/>
-                </a:solidFill>
-                <a:highlight>
-                  <a:srgbClr val="FFFFFF"/>
-                </a:highlight>
-                <a:latin typeface="Courier New"/>
-                <a:ea typeface="Courier New"/>
-                <a:cs typeface="Courier New"/>
-                <a:sym typeface="Courier New"/>
-              </a:rPr>
-              <a:t> {</a:t>
+              <a:t>   };</a:t>
             </a:r>
             <a:endParaRPr sz="1000">
               <a:solidFill>
@@ -15380,6 +15806,40 @@
               <a:buNone/>
             </a:pPr>
             <a:r>
+              <a:t/>
+            </a:r>
+            <a:endParaRPr sz="1000">
+              <a:solidFill>
+                <a:srgbClr val="3B3B3B"/>
+              </a:solidFill>
+              <a:highlight>
+                <a:srgbClr val="FFFFFF"/>
+              </a:highlight>
+              <a:latin typeface="Courier New"/>
+              <a:ea typeface="Courier New"/>
+              <a:cs typeface="Courier New"/>
+              <a:sym typeface="Courier New"/>
+            </a:endParaRPr>
+          </a:p>
+          <a:p>
+            <a:pPr indent="0" lvl="0" marL="0" rtl="0" algn="l">
+              <a:lnSpc>
+                <a:spcPct val="115000"/>
+              </a:lnSpc>
+              <a:spcBef>
+                <a:spcPts val="0"/>
+              </a:spcBef>
+              <a:spcAft>
+                <a:spcPts val="0"/>
+              </a:spcAft>
+              <a:buClr>
+                <a:schemeClr val="dk1"/>
+              </a:buClr>
+              <a:buSzPts val="1100"/>
+              <a:buFont typeface="Arial"/>
+              <a:buNone/>
+            </a:pPr>
+            <a:r>
               <a:rPr lang="en" sz="1000">
                 <a:solidFill>
                   <a:srgbClr val="3B3B3B"/>
@@ -15392,7 +15852,242 @@
                 <a:cs typeface="Courier New"/>
                 <a:sym typeface="Courier New"/>
               </a:rPr>
-              <a:t>        </a:t>
+              <a:t>   </a:t>
+            </a:r>
+            <a:r>
+              <a:rPr lang="en" sz="1000">
+                <a:solidFill>
+                  <a:srgbClr val="0000FF"/>
+                </a:solidFill>
+                <a:highlight>
+                  <a:srgbClr val="FFFFFF"/>
+                </a:highlight>
+                <a:latin typeface="Courier New"/>
+                <a:ea typeface="Courier New"/>
+                <a:cs typeface="Courier New"/>
+                <a:sym typeface="Courier New"/>
+              </a:rPr>
+              <a:t>protected</a:t>
+            </a:r>
+            <a:r>
+              <a:rPr lang="en" sz="1000">
+                <a:solidFill>
+                  <a:srgbClr val="3B3B3B"/>
+                </a:solidFill>
+                <a:highlight>
+                  <a:srgbClr val="FFFFFF"/>
+                </a:highlight>
+                <a:latin typeface="Courier New"/>
+                <a:ea typeface="Courier New"/>
+                <a:cs typeface="Courier New"/>
+                <a:sym typeface="Courier New"/>
+              </a:rPr>
+              <a:t> </a:t>
+            </a:r>
+            <a:r>
+              <a:rPr lang="en" sz="1000">
+                <a:solidFill>
+                  <a:srgbClr val="795E26"/>
+                </a:solidFill>
+                <a:highlight>
+                  <a:srgbClr val="FFFFFF"/>
+                </a:highlight>
+                <a:latin typeface="Courier New"/>
+                <a:ea typeface="Courier New"/>
+                <a:cs typeface="Courier New"/>
+                <a:sym typeface="Courier New"/>
+              </a:rPr>
+              <a:t>parseArgs</a:t>
+            </a:r>
+            <a:r>
+              <a:rPr lang="en" sz="1000">
+                <a:solidFill>
+                  <a:srgbClr val="3B3B3B"/>
+                </a:solidFill>
+                <a:highlight>
+                  <a:srgbClr val="FFFFFF"/>
+                </a:highlight>
+                <a:latin typeface="Courier New"/>
+                <a:ea typeface="Courier New"/>
+                <a:cs typeface="Courier New"/>
+                <a:sym typeface="Courier New"/>
+              </a:rPr>
+              <a:t>(</a:t>
+            </a:r>
+            <a:r>
+              <a:rPr lang="en" sz="1000">
+                <a:solidFill>
+                  <a:srgbClr val="001080"/>
+                </a:solidFill>
+                <a:highlight>
+                  <a:srgbClr val="FFFFFF"/>
+                </a:highlight>
+                <a:latin typeface="Courier New"/>
+                <a:ea typeface="Courier New"/>
+                <a:cs typeface="Courier New"/>
+                <a:sym typeface="Courier New"/>
+              </a:rPr>
+              <a:t>args</a:t>
+            </a:r>
+            <a:r>
+              <a:rPr lang="en" sz="1000">
+                <a:highlight>
+                  <a:srgbClr val="FFFFFF"/>
+                </a:highlight>
+                <a:latin typeface="Courier New"/>
+                <a:ea typeface="Courier New"/>
+                <a:cs typeface="Courier New"/>
+                <a:sym typeface="Courier New"/>
+              </a:rPr>
+              <a:t>:</a:t>
+            </a:r>
+            <a:r>
+              <a:rPr lang="en" sz="1000">
+                <a:solidFill>
+                  <a:srgbClr val="3B3B3B"/>
+                </a:solidFill>
+                <a:highlight>
+                  <a:srgbClr val="FFFFFF"/>
+                </a:highlight>
+                <a:latin typeface="Courier New"/>
+                <a:ea typeface="Courier New"/>
+                <a:cs typeface="Courier New"/>
+                <a:sym typeface="Courier New"/>
+              </a:rPr>
+              <a:t> </a:t>
+            </a:r>
+            <a:r>
+              <a:rPr lang="en" sz="1000">
+                <a:solidFill>
+                  <a:srgbClr val="267F99"/>
+                </a:solidFill>
+                <a:highlight>
+                  <a:srgbClr val="FFFFFF"/>
+                </a:highlight>
+                <a:latin typeface="Courier New"/>
+                <a:ea typeface="Courier New"/>
+                <a:cs typeface="Courier New"/>
+                <a:sym typeface="Courier New"/>
+              </a:rPr>
+              <a:t>string</a:t>
+            </a:r>
+            <a:r>
+              <a:rPr lang="en" sz="1000">
+                <a:solidFill>
+                  <a:srgbClr val="3B3B3B"/>
+                </a:solidFill>
+                <a:highlight>
+                  <a:srgbClr val="FFFFFF"/>
+                </a:highlight>
+                <a:latin typeface="Courier New"/>
+                <a:ea typeface="Courier New"/>
+                <a:cs typeface="Courier New"/>
+                <a:sym typeface="Courier New"/>
+              </a:rPr>
+              <a:t>[])</a:t>
+            </a:r>
+            <a:r>
+              <a:rPr lang="en" sz="1000">
+                <a:highlight>
+                  <a:srgbClr val="FFFFFF"/>
+                </a:highlight>
+                <a:latin typeface="Courier New"/>
+                <a:ea typeface="Courier New"/>
+                <a:cs typeface="Courier New"/>
+                <a:sym typeface="Courier New"/>
+              </a:rPr>
+              <a:t>:</a:t>
+            </a:r>
+            <a:r>
+              <a:rPr lang="en" sz="1000">
+                <a:solidFill>
+                  <a:srgbClr val="3B3B3B"/>
+                </a:solidFill>
+                <a:highlight>
+                  <a:srgbClr val="FFFFFF"/>
+                </a:highlight>
+                <a:latin typeface="Courier New"/>
+                <a:ea typeface="Courier New"/>
+                <a:cs typeface="Courier New"/>
+                <a:sym typeface="Courier New"/>
+              </a:rPr>
+              <a:t> </a:t>
+            </a:r>
+            <a:r>
+              <a:rPr lang="en" sz="1000">
+                <a:solidFill>
+                  <a:srgbClr val="267F99"/>
+                </a:solidFill>
+                <a:highlight>
+                  <a:srgbClr val="FFFFFF"/>
+                </a:highlight>
+                <a:latin typeface="Courier New"/>
+                <a:ea typeface="Courier New"/>
+                <a:cs typeface="Courier New"/>
+                <a:sym typeface="Courier New"/>
+              </a:rPr>
+              <a:t>void</a:t>
+            </a:r>
+            <a:r>
+              <a:rPr lang="en" sz="1000">
+                <a:solidFill>
+                  <a:srgbClr val="3B3B3B"/>
+                </a:solidFill>
+                <a:highlight>
+                  <a:srgbClr val="FFFFFF"/>
+                </a:highlight>
+                <a:latin typeface="Courier New"/>
+                <a:ea typeface="Courier New"/>
+                <a:cs typeface="Courier New"/>
+                <a:sym typeface="Courier New"/>
+              </a:rPr>
+              <a:t> {</a:t>
+            </a:r>
+            <a:endParaRPr sz="1000">
+              <a:solidFill>
+                <a:srgbClr val="3B3B3B"/>
+              </a:solidFill>
+              <a:highlight>
+                <a:srgbClr val="FFFFFF"/>
+              </a:highlight>
+              <a:latin typeface="Courier New"/>
+              <a:ea typeface="Courier New"/>
+              <a:cs typeface="Courier New"/>
+              <a:sym typeface="Courier New"/>
+            </a:endParaRPr>
+          </a:p>
+          <a:p>
+            <a:pPr indent="0" lvl="0" marL="0" rtl="0" algn="l">
+              <a:lnSpc>
+                <a:spcPct val="115000"/>
+              </a:lnSpc>
+              <a:spcBef>
+                <a:spcPts val="0"/>
+              </a:spcBef>
+              <a:spcAft>
+                <a:spcPts val="0"/>
+              </a:spcAft>
+              <a:buClr>
+                <a:schemeClr val="dk1"/>
+              </a:buClr>
+              <a:buSzPts val="1100"/>
+              <a:buFont typeface="Arial"/>
+              <a:buNone/>
+            </a:pPr>
+            <a:r>
+              <a:rPr lang="en" sz="1000">
+                <a:solidFill>
+                  <a:srgbClr val="3B3B3B"/>
+                </a:solidFill>
+                <a:highlight>
+                  <a:srgbClr val="FFFFFF"/>
+                </a:highlight>
+                <a:latin typeface="Courier New"/>
+                <a:ea typeface="Courier New"/>
+                <a:cs typeface="Courier New"/>
+                <a:sym typeface="Courier New"/>
+              </a:rPr>
+              <a:t>       </a:t>
             </a:r>
             <a:r>
               <a:rPr lang="en" sz="1000">
@@ -15407,7 +16102,7 @@
                 <a:cs typeface="Courier New"/>
                 <a:sym typeface="Courier New"/>
               </a:rPr>
-              <a:t>// do something</a:t>
+              <a:t>// do nothing (expect subclass to override)</a:t>
             </a:r>
             <a:endParaRPr sz="1000">
               <a:solidFill>
@@ -15453,7 +16148,7 @@
                 <a:cs typeface="Courier New"/>
                 <a:sym typeface="Courier New"/>
               </a:rPr>
-              <a:t>    }</a:t>
+              <a:t>   }</a:t>
             </a:r>
             <a:endParaRPr sz="1000">
               <a:solidFill>
@@ -15533,7 +16228,7 @@
                 <a:cs typeface="Courier New"/>
                 <a:sym typeface="Courier New"/>
               </a:rPr>
-              <a:t>    </a:t>
+              <a:t>   </a:t>
             </a:r>
             <a:r>
               <a:rPr lang="en" sz="1000">
@@ -15578,7 +16273,7 @@
                 <a:cs typeface="Courier New"/>
                 <a:sym typeface="Courier New"/>
               </a:rPr>
-              <a:t>execute</a:t>
+              <a:t>startUp</a:t>
             </a:r>
             <a:r>
               <a:rPr lang="en" sz="1000">
@@ -15696,7 +16391,7 @@
                 <a:cs typeface="Courier New"/>
                 <a:sym typeface="Courier New"/>
               </a:rPr>
-              <a:t>        </a:t>
+              <a:t>       </a:t>
             </a:r>
             <a:r>
               <a:rPr lang="en" sz="1000">
@@ -15711,7 +16406,7 @@
                 <a:cs typeface="Courier New"/>
                 <a:sym typeface="Courier New"/>
               </a:rPr>
-              <a:t>// tap into system event loop</a:t>
+              <a:t>// do nothing (expect subclass to override)</a:t>
             </a:r>
             <a:endParaRPr sz="1000">
               <a:solidFill>
@@ -15757,7 +16452,7 @@
                 <a:cs typeface="Courier New"/>
                 <a:sym typeface="Courier New"/>
               </a:rPr>
-              <a:t>    }</a:t>
+              <a:t>   }</a:t>
             </a:r>
             <a:endParaRPr sz="1000">
               <a:solidFill>
@@ -15837,7 +16532,7 @@
                 <a:cs typeface="Courier New"/>
                 <a:sym typeface="Courier New"/>
               </a:rPr>
-              <a:t>    </a:t>
+              <a:t>   </a:t>
             </a:r>
             <a:r>
               <a:rPr lang="en" sz="1000">
@@ -15872,6 +16567,36 @@
             <a:r>
               <a:rPr lang="en" sz="1000">
                 <a:solidFill>
+                  <a:srgbClr val="0000FF"/>
+                </a:solidFill>
+                <a:highlight>
+                  <a:srgbClr val="FFFFFF"/>
+                </a:highlight>
+                <a:latin typeface="Courier New"/>
+                <a:ea typeface="Courier New"/>
+                <a:cs typeface="Courier New"/>
+                <a:sym typeface="Courier New"/>
+              </a:rPr>
+              <a:t>abstract</a:t>
+            </a:r>
+            <a:r>
+              <a:rPr lang="en" sz="1000">
+                <a:solidFill>
+                  <a:srgbClr val="3B3B3B"/>
+                </a:solidFill>
+                <a:highlight>
+                  <a:srgbClr val="FFFFFF"/>
+                </a:highlight>
+                <a:latin typeface="Courier New"/>
+                <a:ea typeface="Courier New"/>
+                <a:cs typeface="Courier New"/>
+                <a:sym typeface="Courier New"/>
+              </a:rPr>
+              <a:t> </a:t>
+            </a:r>
+            <a:r>
+              <a:rPr lang="en" sz="1000">
+                <a:solidFill>
                   <a:srgbClr val="795E26"/>
                 </a:solidFill>
                 <a:highlight>
@@ -15882,7 +16607,7 @@
                 <a:cs typeface="Courier New"/>
                 <a:sym typeface="Courier New"/>
               </a:rPr>
-              <a:t>finalize</a:t>
+              <a:t>execute</a:t>
             </a:r>
             <a:r>
               <a:rPr lang="en" sz="1000">
@@ -15954,7 +16679,7 @@
                 <a:cs typeface="Courier New"/>
                 <a:sym typeface="Courier New"/>
               </a:rPr>
-              <a:t> {</a:t>
+              <a:t>;</a:t>
             </a:r>
             <a:endParaRPr sz="1000">
               <a:solidFill>
@@ -15988,6 +16713,40 @@
               <a:buNone/>
             </a:pPr>
             <a:r>
+              <a:t/>
+            </a:r>
+            <a:endParaRPr sz="1000">
+              <a:solidFill>
+                <a:srgbClr val="3B3B3B"/>
+              </a:solidFill>
+              <a:highlight>
+                <a:srgbClr val="FFFFFF"/>
+              </a:highlight>
+              <a:latin typeface="Courier New"/>
+              <a:ea typeface="Courier New"/>
+              <a:cs typeface="Courier New"/>
+              <a:sym typeface="Courier New"/>
+            </a:endParaRPr>
+          </a:p>
+          <a:p>
+            <a:pPr indent="0" lvl="0" marL="0" rtl="0" algn="l">
+              <a:lnSpc>
+                <a:spcPct val="115000"/>
+              </a:lnSpc>
+              <a:spcBef>
+                <a:spcPts val="0"/>
+              </a:spcBef>
+              <a:spcAft>
+                <a:spcPts val="0"/>
+              </a:spcAft>
+              <a:buClr>
+                <a:schemeClr val="dk1"/>
+              </a:buClr>
+              <a:buSzPts val="1100"/>
+              <a:buFont typeface="Arial"/>
+              <a:buNone/>
+            </a:pPr>
+            <a:r>
               <a:rPr lang="en" sz="1000">
                 <a:solidFill>
                   <a:srgbClr val="3B3B3B"/>
@@ -16000,7 +16759,170 @@
                 <a:cs typeface="Courier New"/>
                 <a:sym typeface="Courier New"/>
               </a:rPr>
-              <a:t>        </a:t>
+              <a:t>   </a:t>
+            </a:r>
+            <a:r>
+              <a:rPr lang="en" sz="1000">
+                <a:solidFill>
+                  <a:srgbClr val="0000FF"/>
+                </a:solidFill>
+                <a:highlight>
+                  <a:srgbClr val="FFFFFF"/>
+                </a:highlight>
+                <a:latin typeface="Courier New"/>
+                <a:ea typeface="Courier New"/>
+                <a:cs typeface="Courier New"/>
+                <a:sym typeface="Courier New"/>
+              </a:rPr>
+              <a:t>protected</a:t>
+            </a:r>
+            <a:r>
+              <a:rPr lang="en" sz="1000">
+                <a:solidFill>
+                  <a:srgbClr val="3B3B3B"/>
+                </a:solidFill>
+                <a:highlight>
+                  <a:srgbClr val="FFFFFF"/>
+                </a:highlight>
+                <a:latin typeface="Courier New"/>
+                <a:ea typeface="Courier New"/>
+                <a:cs typeface="Courier New"/>
+                <a:sym typeface="Courier New"/>
+              </a:rPr>
+              <a:t> </a:t>
+            </a:r>
+            <a:r>
+              <a:rPr lang="en" sz="1000">
+                <a:solidFill>
+                  <a:srgbClr val="795E26"/>
+                </a:solidFill>
+                <a:highlight>
+                  <a:srgbClr val="FFFFFF"/>
+                </a:highlight>
+                <a:latin typeface="Courier New"/>
+                <a:ea typeface="Courier New"/>
+                <a:cs typeface="Courier New"/>
+                <a:sym typeface="Courier New"/>
+              </a:rPr>
+              <a:t>shutDown</a:t>
+            </a:r>
+            <a:r>
+              <a:rPr lang="en" sz="1000">
+                <a:solidFill>
+                  <a:srgbClr val="3B3B3B"/>
+                </a:solidFill>
+                <a:highlight>
+                  <a:srgbClr val="FFFFFF"/>
+                </a:highlight>
+                <a:latin typeface="Courier New"/>
+                <a:ea typeface="Courier New"/>
+                <a:cs typeface="Courier New"/>
+                <a:sym typeface="Courier New"/>
+              </a:rPr>
+              <a:t>()</a:t>
+            </a:r>
+            <a:r>
+              <a:rPr lang="en" sz="1000">
+                <a:highlight>
+                  <a:srgbClr val="FFFFFF"/>
+                </a:highlight>
+                <a:latin typeface="Courier New"/>
+                <a:ea typeface="Courier New"/>
+                <a:cs typeface="Courier New"/>
+                <a:sym typeface="Courier New"/>
+              </a:rPr>
+              <a:t>:</a:t>
+            </a:r>
+            <a:r>
+              <a:rPr lang="en" sz="1000">
+                <a:solidFill>
+                  <a:srgbClr val="3B3B3B"/>
+                </a:solidFill>
+                <a:highlight>
+                  <a:srgbClr val="FFFFFF"/>
+                </a:highlight>
+                <a:latin typeface="Courier New"/>
+                <a:ea typeface="Courier New"/>
+                <a:cs typeface="Courier New"/>
+                <a:sym typeface="Courier New"/>
+              </a:rPr>
+              <a:t> </a:t>
+            </a:r>
+            <a:r>
+              <a:rPr lang="en" sz="1000">
+                <a:solidFill>
+                  <a:srgbClr val="267F99"/>
+                </a:solidFill>
+                <a:highlight>
+                  <a:srgbClr val="FFFFFF"/>
+                </a:highlight>
+                <a:latin typeface="Courier New"/>
+                <a:ea typeface="Courier New"/>
+                <a:cs typeface="Courier New"/>
+                <a:sym typeface="Courier New"/>
+              </a:rPr>
+              <a:t>void</a:t>
+            </a:r>
+            <a:r>
+              <a:rPr lang="en" sz="1000">
+                <a:solidFill>
+                  <a:srgbClr val="3B3B3B"/>
+                </a:solidFill>
+                <a:highlight>
+                  <a:srgbClr val="FFFFFF"/>
+                </a:highlight>
+                <a:latin typeface="Courier New"/>
+                <a:ea typeface="Courier New"/>
+                <a:cs typeface="Courier New"/>
+                <a:sym typeface="Courier New"/>
+              </a:rPr>
+              <a:t> {</a:t>
+            </a:r>
+            <a:endParaRPr sz="1000">
+              <a:solidFill>
+                <a:srgbClr val="3B3B3B"/>
+              </a:solidFill>
+              <a:highlight>
+                <a:srgbClr val="FFFFFF"/>
+              </a:highlight>
+              <a:latin typeface="Courier New"/>
+              <a:ea typeface="Courier New"/>
+              <a:cs typeface="Courier New"/>
+              <a:sym typeface="Courier New"/>
+            </a:endParaRPr>
+          </a:p>
+          <a:p>
+            <a:pPr indent="0" lvl="0" marL="0" rtl="0" algn="l">
+              <a:lnSpc>
+                <a:spcPct val="115000"/>
+              </a:lnSpc>
+              <a:spcBef>
+                <a:spcPts val="0"/>
+              </a:spcBef>
+              <a:spcAft>
+                <a:spcPts val="0"/>
+              </a:spcAft>
+              <a:buClr>
+                <a:schemeClr val="dk1"/>
+              </a:buClr>
+              <a:buSzPts val="1100"/>
+              <a:buFont typeface="Arial"/>
+              <a:buNone/>
+            </a:pPr>
+            <a:r>
+              <a:rPr lang="en" sz="1000">
+                <a:solidFill>
+                  <a:srgbClr val="3B3B3B"/>
+                </a:solidFill>
+                <a:highlight>
+                  <a:srgbClr val="FFFFFF"/>
+                </a:highlight>
+                <a:latin typeface="Courier New"/>
+                <a:ea typeface="Courier New"/>
+                <a:cs typeface="Courier New"/>
+                <a:sym typeface="Courier New"/>
+              </a:rPr>
+              <a:t>       </a:t>
             </a:r>
             <a:r>
               <a:rPr lang="en" sz="1000">
@@ -16015,7 +16937,7 @@
                 <a:cs typeface="Courier New"/>
                 <a:sym typeface="Courier New"/>
               </a:rPr>
-              <a:t>// do something</a:t>
+              <a:t>// do nothing (expect subclass to override)</a:t>
             </a:r>
             <a:endParaRPr sz="1000">
               <a:solidFill>
@@ -16041,11 +16963,6 @@
               <a:spcAft>
                 <a:spcPts val="0"/>
               </a:spcAft>
-              <a:buClr>
-                <a:schemeClr val="dk1"/>
-              </a:buClr>
-              <a:buSzPts val="1100"/>
-              <a:buFont typeface="Arial"/>
               <a:buNone/>
             </a:pPr>
             <a:r>
@@ -16061,7 +16978,7 @@
                 <a:cs typeface="Courier New"/>
                 <a:sym typeface="Courier New"/>
               </a:rPr>
-              <a:t>    }</a:t>
+              <a:t>   }</a:t>
             </a:r>
             <a:endParaRPr sz="1000">
               <a:solidFill>
@@ -16087,6 +17004,45 @@
               <a:spcAft>
                 <a:spcPts val="0"/>
               </a:spcAft>
+              <a:buClr>
+                <a:schemeClr val="dk1"/>
+              </a:buClr>
+              <a:buSzPts val="1100"/>
+              <a:buFont typeface="Arial"/>
+              <a:buNone/>
+            </a:pPr>
+            <a:r>
+              <a:t/>
+            </a:r>
+            <a:endParaRPr sz="1000">
+              <a:solidFill>
+                <a:srgbClr val="3B3B3B"/>
+              </a:solidFill>
+              <a:highlight>
+                <a:srgbClr val="FFFFFF"/>
+              </a:highlight>
+              <a:latin typeface="Courier New"/>
+              <a:ea typeface="Courier New"/>
+              <a:cs typeface="Courier New"/>
+              <a:sym typeface="Courier New"/>
+            </a:endParaRPr>
+          </a:p>
+          <a:p>
+            <a:pPr indent="0" lvl="0" marL="0" rtl="0" algn="l">
+              <a:lnSpc>
+                <a:spcPct val="115000"/>
+              </a:lnSpc>
+              <a:spcBef>
+                <a:spcPts val="0"/>
+              </a:spcBef>
+              <a:spcAft>
+                <a:spcPts val="0"/>
+              </a:spcAft>
+              <a:buClr>
+                <a:schemeClr val="dk1"/>
+              </a:buClr>
+              <a:buSzPts val="1100"/>
+              <a:buFont typeface="Arial"/>
               <a:buNone/>
             </a:pPr>
             <a:r>
@@ -16103,6 +17059,35 @@
                 <a:sym typeface="Courier New"/>
               </a:rPr>
               <a:t>}</a:t>
+            </a:r>
+            <a:endParaRPr sz="1000">
+              <a:solidFill>
+                <a:srgbClr val="3B3B3B"/>
+              </a:solidFill>
+              <a:highlight>
+                <a:srgbClr val="FFFFFF"/>
+              </a:highlight>
+              <a:latin typeface="Courier New"/>
+              <a:ea typeface="Courier New"/>
+              <a:cs typeface="Courier New"/>
+              <a:sym typeface="Courier New"/>
+            </a:endParaRPr>
+          </a:p>
+          <a:p>
+            <a:pPr indent="0" lvl="0" marL="0" rtl="0" algn="l">
+              <a:lnSpc>
+                <a:spcPct val="115000"/>
+              </a:lnSpc>
+              <a:spcBef>
+                <a:spcPts val="0"/>
+              </a:spcBef>
+              <a:spcAft>
+                <a:spcPts val="0"/>
+              </a:spcAft>
+              <a:buNone/>
+            </a:pPr>
+            <a:r>
+              <a:t/>
             </a:r>
             <a:endParaRPr sz="1000">
               <a:solidFill>
@@ -16121,7 +17106,7 @@
       </p:sp>
       <p:sp>
         <p:nvSpPr>
-          <p:cNvPr id="265" name="Google Shape;265;p41"/>
+          <p:cNvPr id="272" name="Google Shape;272;p42"/>
           <p:cNvSpPr txBox="1"/>
           <p:nvPr>
             <p:ph idx="2" type="body"/>
@@ -16152,11 +17137,6 @@
               <a:spcAft>
                 <a:spcPts val="0"/>
               </a:spcAft>
-              <a:buClr>
-                <a:schemeClr val="dk1"/>
-              </a:buClr>
-              <a:buSzPts val="1100"/>
-              <a:buFont typeface="Arial"/>
               <a:buNone/>
             </a:pPr>
             <a:r>
@@ -16172,7 +17152,7 @@
                 <a:cs typeface="Courier New"/>
                 <a:sym typeface="Courier New"/>
               </a:rPr>
-              <a:t>export</a:t>
+              <a:t>import</a:t>
             </a:r>
             <a:r>
               <a:rPr lang="en" sz="1000">
@@ -16187,22 +17167,82 @@
                 <a:cs typeface="Courier New"/>
                 <a:sym typeface="Courier New"/>
               </a:rPr>
+              <a:t> { </a:t>
+            </a:r>
+            <a:r>
+              <a:rPr lang="en" sz="1000">
+                <a:solidFill>
+                  <a:srgbClr val="001080"/>
+                </a:solidFill>
+                <a:highlight>
+                  <a:srgbClr val="FFFFFF"/>
+                </a:highlight>
+                <a:latin typeface="Courier New"/>
+                <a:ea typeface="Courier New"/>
+                <a:cs typeface="Courier New"/>
+                <a:sym typeface="Courier New"/>
+              </a:rPr>
+              <a:t>Main</a:t>
+            </a:r>
+            <a:r>
+              <a:rPr lang="en" sz="1000">
+                <a:solidFill>
+                  <a:srgbClr val="3B3B3B"/>
+                </a:solidFill>
+                <a:highlight>
+                  <a:srgbClr val="FFFFFF"/>
+                </a:highlight>
+                <a:latin typeface="Courier New"/>
+                <a:ea typeface="Courier New"/>
+                <a:cs typeface="Courier New"/>
+                <a:sym typeface="Courier New"/>
+              </a:rPr>
+              <a:t> } </a:t>
+            </a:r>
+            <a:r>
+              <a:rPr lang="en" sz="1000">
+                <a:solidFill>
+                  <a:srgbClr val="AF00DB"/>
+                </a:solidFill>
+                <a:highlight>
+                  <a:srgbClr val="FFFFFF"/>
+                </a:highlight>
+                <a:latin typeface="Courier New"/>
+                <a:ea typeface="Courier New"/>
+                <a:cs typeface="Courier New"/>
+                <a:sym typeface="Courier New"/>
+              </a:rPr>
+              <a:t>from</a:t>
+            </a:r>
+            <a:r>
+              <a:rPr lang="en" sz="1000">
+                <a:solidFill>
+                  <a:srgbClr val="3B3B3B"/>
+                </a:solidFill>
+                <a:highlight>
+                  <a:srgbClr val="FFFFFF"/>
+                </a:highlight>
+                <a:latin typeface="Courier New"/>
+                <a:ea typeface="Courier New"/>
+                <a:cs typeface="Courier New"/>
+                <a:sym typeface="Courier New"/>
+              </a:rPr>
               <a:t> </a:t>
             </a:r>
             <a:r>
               <a:rPr lang="en" sz="1000">
                 <a:solidFill>
-                  <a:srgbClr val="0000FF"/>
-                </a:solidFill>
-                <a:highlight>
-                  <a:srgbClr val="FFFFFF"/>
-                </a:highlight>
-                <a:latin typeface="Courier New"/>
-                <a:ea typeface="Courier New"/>
-                <a:cs typeface="Courier New"/>
-                <a:sym typeface="Courier New"/>
-              </a:rPr>
-              <a:t>class</a:t>
+                  <a:srgbClr val="A31515"/>
+                </a:solidFill>
+                <a:highlight>
+                  <a:srgbClr val="FFFFFF"/>
+                </a:highlight>
+                <a:latin typeface="Courier New"/>
+                <a:ea typeface="Courier New"/>
+                <a:cs typeface="Courier New"/>
+                <a:sym typeface="Courier New"/>
+              </a:rPr>
+              <a:t>"./Main"</a:t>
             </a:r>
             <a:r>
               <a:rPr lang="en" sz="1000">
@@ -16217,97 +17257,7 @@
                 <a:cs typeface="Courier New"/>
                 <a:sym typeface="Courier New"/>
               </a:rPr>
-              <a:t> </a:t>
-            </a:r>
-            <a:r>
-              <a:rPr lang="en" sz="1000">
-                <a:solidFill>
-                  <a:srgbClr val="267F99"/>
-                </a:solidFill>
-                <a:highlight>
-                  <a:srgbClr val="FFFFFF"/>
-                </a:highlight>
-                <a:latin typeface="Courier New"/>
-                <a:ea typeface="Courier New"/>
-                <a:cs typeface="Courier New"/>
-                <a:sym typeface="Courier New"/>
-              </a:rPr>
-              <a:t>ModelMain</a:t>
-            </a:r>
-            <a:r>
-              <a:rPr lang="en" sz="1000">
-                <a:solidFill>
-                  <a:srgbClr val="3B3B3B"/>
-                </a:solidFill>
-                <a:highlight>
-                  <a:srgbClr val="FFFFFF"/>
-                </a:highlight>
-                <a:latin typeface="Courier New"/>
-                <a:ea typeface="Courier New"/>
-                <a:cs typeface="Courier New"/>
-                <a:sym typeface="Courier New"/>
-              </a:rPr>
-              <a:t> </a:t>
-            </a:r>
-            <a:r>
-              <a:rPr lang="en" sz="1000">
-                <a:solidFill>
-                  <a:srgbClr val="0000FF"/>
-                </a:solidFill>
-                <a:highlight>
-                  <a:srgbClr val="FFFFFF"/>
-                </a:highlight>
-                <a:latin typeface="Courier New"/>
-                <a:ea typeface="Courier New"/>
-                <a:cs typeface="Courier New"/>
-                <a:sym typeface="Courier New"/>
-              </a:rPr>
-              <a:t>extends</a:t>
-            </a:r>
-            <a:r>
-              <a:rPr lang="en" sz="1000">
-                <a:solidFill>
-                  <a:srgbClr val="3B3B3B"/>
-                </a:solidFill>
-                <a:highlight>
-                  <a:srgbClr val="FFFFFF"/>
-                </a:highlight>
-                <a:latin typeface="Courier New"/>
-                <a:ea typeface="Courier New"/>
-                <a:cs typeface="Courier New"/>
-                <a:sym typeface="Courier New"/>
-              </a:rPr>
-              <a:t> </a:t>
-            </a:r>
-            <a:r>
-              <a:rPr lang="en" sz="1000">
-                <a:solidFill>
-                  <a:srgbClr val="267F99"/>
-                </a:solidFill>
-                <a:highlight>
-                  <a:srgbClr val="FFFFFF"/>
-                </a:highlight>
-                <a:latin typeface="Courier New"/>
-                <a:ea typeface="Courier New"/>
-                <a:cs typeface="Courier New"/>
-                <a:sym typeface="Courier New"/>
-              </a:rPr>
-              <a:t>Main</a:t>
-            </a:r>
-            <a:r>
-              <a:rPr lang="en" sz="1000">
-                <a:solidFill>
-                  <a:srgbClr val="3B3B3B"/>
-                </a:solidFill>
-                <a:highlight>
-                  <a:srgbClr val="FFFFFF"/>
-                </a:highlight>
-                <a:latin typeface="Courier New"/>
-                <a:ea typeface="Courier New"/>
-                <a:cs typeface="Courier New"/>
-                <a:sym typeface="Courier New"/>
-              </a:rPr>
-              <a:t> {</a:t>
+              <a:t>;</a:t>
             </a:r>
             <a:endParaRPr sz="1000">
               <a:solidFill>
@@ -16341,136 +17291,7 @@
               <a:buNone/>
             </a:pPr>
             <a:r>
-              <a:rPr lang="en" sz="1000">
-                <a:solidFill>
-                  <a:srgbClr val="3B3B3B"/>
-                </a:solidFill>
-                <a:highlight>
-                  <a:srgbClr val="FFFFFF"/>
-                </a:highlight>
-                <a:latin typeface="Courier New"/>
-                <a:ea typeface="Courier New"/>
-                <a:cs typeface="Courier New"/>
-                <a:sym typeface="Courier New"/>
-              </a:rPr>
-              <a:t>    </a:t>
-            </a:r>
-            <a:r>
-              <a:rPr lang="en" sz="1000">
-                <a:solidFill>
-                  <a:srgbClr val="0000FF"/>
-                </a:solidFill>
-                <a:highlight>
-                  <a:srgbClr val="FFFFFF"/>
-                </a:highlight>
-                <a:latin typeface="Courier New"/>
-                <a:ea typeface="Courier New"/>
-                <a:cs typeface="Courier New"/>
-                <a:sym typeface="Courier New"/>
-              </a:rPr>
-              <a:t>protected</a:t>
-            </a:r>
-            <a:r>
-              <a:rPr lang="en" sz="1000">
-                <a:solidFill>
-                  <a:srgbClr val="3B3B3B"/>
-                </a:solidFill>
-                <a:highlight>
-                  <a:srgbClr val="FFFFFF"/>
-                </a:highlight>
-                <a:latin typeface="Courier New"/>
-                <a:ea typeface="Courier New"/>
-                <a:cs typeface="Courier New"/>
-                <a:sym typeface="Courier New"/>
-              </a:rPr>
-              <a:t> </a:t>
-            </a:r>
-            <a:r>
-              <a:rPr lang="en" sz="1000">
-                <a:solidFill>
-                  <a:srgbClr val="795E26"/>
-                </a:solidFill>
-                <a:highlight>
-                  <a:srgbClr val="FFFFFF"/>
-                </a:highlight>
-                <a:latin typeface="Courier New"/>
-                <a:ea typeface="Courier New"/>
-                <a:cs typeface="Courier New"/>
-                <a:sym typeface="Courier New"/>
-              </a:rPr>
-              <a:t>initialize</a:t>
-            </a:r>
-            <a:r>
-              <a:rPr lang="en" sz="1000">
-                <a:solidFill>
-                  <a:srgbClr val="3B3B3B"/>
-                </a:solidFill>
-                <a:highlight>
-                  <a:srgbClr val="FFFFFF"/>
-                </a:highlight>
-                <a:latin typeface="Courier New"/>
-                <a:ea typeface="Courier New"/>
-                <a:cs typeface="Courier New"/>
-                <a:sym typeface="Courier New"/>
-              </a:rPr>
-              <a:t>()</a:t>
-            </a:r>
-            <a:r>
-              <a:rPr lang="en" sz="1000">
-                <a:highlight>
-                  <a:srgbClr val="FFFFFF"/>
-                </a:highlight>
-                <a:latin typeface="Courier New"/>
-                <a:ea typeface="Courier New"/>
-                <a:cs typeface="Courier New"/>
-                <a:sym typeface="Courier New"/>
-              </a:rPr>
-              <a:t>:</a:t>
-            </a:r>
-            <a:r>
-              <a:rPr lang="en" sz="1000">
-                <a:solidFill>
-                  <a:srgbClr val="3B3B3B"/>
-                </a:solidFill>
-                <a:highlight>
-                  <a:srgbClr val="FFFFFF"/>
-                </a:highlight>
-                <a:latin typeface="Courier New"/>
-                <a:ea typeface="Courier New"/>
-                <a:cs typeface="Courier New"/>
-                <a:sym typeface="Courier New"/>
-              </a:rPr>
-              <a:t> </a:t>
-            </a:r>
-            <a:r>
-              <a:rPr lang="en" sz="1000">
-                <a:solidFill>
-                  <a:srgbClr val="267F99"/>
-                </a:solidFill>
-                <a:highlight>
-                  <a:srgbClr val="FFFFFF"/>
-                </a:highlight>
-                <a:latin typeface="Courier New"/>
-                <a:ea typeface="Courier New"/>
-                <a:cs typeface="Courier New"/>
-                <a:sym typeface="Courier New"/>
-              </a:rPr>
-              <a:t>void</a:t>
-            </a:r>
-            <a:r>
-              <a:rPr lang="en" sz="1000">
-                <a:solidFill>
-                  <a:srgbClr val="3B3B3B"/>
-                </a:solidFill>
-                <a:highlight>
-                  <a:srgbClr val="FFFFFF"/>
-                </a:highlight>
-                <a:latin typeface="Courier New"/>
-                <a:ea typeface="Courier New"/>
-                <a:cs typeface="Courier New"/>
-                <a:sym typeface="Courier New"/>
-              </a:rPr>
-              <a:t> {</a:t>
+              <a:t/>
             </a:r>
             <a:endParaRPr sz="1000">
               <a:solidFill>
@@ -16496,13 +17317,23 @@
               <a:spcAft>
                 <a:spcPts val="0"/>
               </a:spcAft>
-              <a:buClr>
-                <a:schemeClr val="dk1"/>
-              </a:buClr>
-              <a:buSzPts val="1100"/>
-              <a:buFont typeface="Arial"/>
-              <a:buNone/>
-            </a:pPr>
+              <a:buNone/>
+            </a:pPr>
+            <a:r>
+              <a:rPr lang="en" sz="1000">
+                <a:solidFill>
+                  <a:srgbClr val="AF00DB"/>
+                </a:solidFill>
+                <a:highlight>
+                  <a:srgbClr val="FFFFFF"/>
+                </a:highlight>
+                <a:latin typeface="Courier New"/>
+                <a:ea typeface="Courier New"/>
+                <a:cs typeface="Courier New"/>
+                <a:sym typeface="Courier New"/>
+              </a:rPr>
+              <a:t>export</a:t>
+            </a:r>
             <a:r>
               <a:rPr lang="en" sz="1000">
                 <a:solidFill>
@@ -16516,7 +17347,7 @@
                 <a:cs typeface="Courier New"/>
                 <a:sym typeface="Courier New"/>
               </a:rPr>
-              <a:t>        </a:t>
+              <a:t> </a:t>
             </a:r>
             <a:r>
               <a:rPr lang="en" sz="1000">
@@ -16531,7 +17362,7 @@
                 <a:cs typeface="Courier New"/>
                 <a:sym typeface="Courier New"/>
               </a:rPr>
-              <a:t>super</a:t>
+              <a:t>abstract</a:t>
             </a:r>
             <a:r>
               <a:rPr lang="en" sz="1000">
@@ -16546,22 +17377,22 @@
                 <a:cs typeface="Courier New"/>
                 <a:sym typeface="Courier New"/>
               </a:rPr>
-              <a:t>.</a:t>
-            </a:r>
-            <a:r>
-              <a:rPr lang="en" sz="1000">
-                <a:solidFill>
-                  <a:srgbClr val="795E26"/>
-                </a:solidFill>
-                <a:highlight>
-                  <a:srgbClr val="FFFFFF"/>
-                </a:highlight>
-                <a:latin typeface="Courier New"/>
-                <a:ea typeface="Courier New"/>
-                <a:cs typeface="Courier New"/>
-                <a:sym typeface="Courier New"/>
-              </a:rPr>
-              <a:t>initialize</a:t>
+              <a:t> </a:t>
+            </a:r>
+            <a:r>
+              <a:rPr lang="en" sz="1000">
+                <a:solidFill>
+                  <a:srgbClr val="0000FF"/>
+                </a:solidFill>
+                <a:highlight>
+                  <a:srgbClr val="FFFFFF"/>
+                </a:highlight>
+                <a:latin typeface="Courier New"/>
+                <a:ea typeface="Courier New"/>
+                <a:cs typeface="Courier New"/>
+                <a:sym typeface="Courier New"/>
+              </a:rPr>
+              <a:t>class</a:t>
             </a:r>
             <a:r>
               <a:rPr lang="en" sz="1000">
@@ -16576,7 +17407,97 @@
                 <a:cs typeface="Courier New"/>
                 <a:sym typeface="Courier New"/>
               </a:rPr>
-              <a:t>();</a:t>
+              <a:t> </a:t>
+            </a:r>
+            <a:r>
+              <a:rPr lang="en" sz="1000">
+                <a:solidFill>
+                  <a:srgbClr val="267F99"/>
+                </a:solidFill>
+                <a:highlight>
+                  <a:srgbClr val="FFFFFF"/>
+                </a:highlight>
+                <a:latin typeface="Courier New"/>
+                <a:ea typeface="Courier New"/>
+                <a:cs typeface="Courier New"/>
+                <a:sym typeface="Courier New"/>
+              </a:rPr>
+              <a:t>ModelMain</a:t>
+            </a:r>
+            <a:r>
+              <a:rPr lang="en" sz="1000">
+                <a:solidFill>
+                  <a:srgbClr val="3B3B3B"/>
+                </a:solidFill>
+                <a:highlight>
+                  <a:srgbClr val="FFFFFF"/>
+                </a:highlight>
+                <a:latin typeface="Courier New"/>
+                <a:ea typeface="Courier New"/>
+                <a:cs typeface="Courier New"/>
+                <a:sym typeface="Courier New"/>
+              </a:rPr>
+              <a:t> </a:t>
+            </a:r>
+            <a:r>
+              <a:rPr lang="en" sz="1000">
+                <a:solidFill>
+                  <a:srgbClr val="0000FF"/>
+                </a:solidFill>
+                <a:highlight>
+                  <a:srgbClr val="FFFFFF"/>
+                </a:highlight>
+                <a:latin typeface="Courier New"/>
+                <a:ea typeface="Courier New"/>
+                <a:cs typeface="Courier New"/>
+                <a:sym typeface="Courier New"/>
+              </a:rPr>
+              <a:t>extends</a:t>
+            </a:r>
+            <a:r>
+              <a:rPr lang="en" sz="1000">
+                <a:solidFill>
+                  <a:srgbClr val="3B3B3B"/>
+                </a:solidFill>
+                <a:highlight>
+                  <a:srgbClr val="FFFFFF"/>
+                </a:highlight>
+                <a:latin typeface="Courier New"/>
+                <a:ea typeface="Courier New"/>
+                <a:cs typeface="Courier New"/>
+                <a:sym typeface="Courier New"/>
+              </a:rPr>
+              <a:t> </a:t>
+            </a:r>
+            <a:r>
+              <a:rPr lang="en" sz="1000">
+                <a:solidFill>
+                  <a:srgbClr val="267F99"/>
+                </a:solidFill>
+                <a:highlight>
+                  <a:srgbClr val="FFFFFF"/>
+                </a:highlight>
+                <a:latin typeface="Courier New"/>
+                <a:ea typeface="Courier New"/>
+                <a:cs typeface="Courier New"/>
+                <a:sym typeface="Courier New"/>
+              </a:rPr>
+              <a:t>Main</a:t>
+            </a:r>
+            <a:r>
+              <a:rPr lang="en" sz="1000">
+                <a:solidFill>
+                  <a:srgbClr val="3B3B3B"/>
+                </a:solidFill>
+                <a:highlight>
+                  <a:srgbClr val="FFFFFF"/>
+                </a:highlight>
+                <a:latin typeface="Courier New"/>
+                <a:ea typeface="Courier New"/>
+                <a:cs typeface="Courier New"/>
+                <a:sym typeface="Courier New"/>
+              </a:rPr>
+              <a:t> {</a:t>
             </a:r>
             <a:endParaRPr sz="1000">
               <a:solidFill>
@@ -16610,79 +17531,7 @@
               <a:buNone/>
             </a:pPr>
             <a:r>
-              <a:rPr lang="en" sz="1000">
-                <a:solidFill>
-                  <a:srgbClr val="3B3B3B"/>
-                </a:solidFill>
-                <a:highlight>
-                  <a:srgbClr val="FFFFFF"/>
-                </a:highlight>
-                <a:latin typeface="Courier New"/>
-                <a:ea typeface="Courier New"/>
-                <a:cs typeface="Courier New"/>
-                <a:sym typeface="Courier New"/>
-              </a:rPr>
-              <a:t>        </a:t>
-            </a:r>
-            <a:r>
-              <a:rPr lang="en" sz="1000">
-                <a:solidFill>
-                  <a:srgbClr val="0000FF"/>
-                </a:solidFill>
-                <a:highlight>
-                  <a:srgbClr val="FFFFFF"/>
-                </a:highlight>
-                <a:latin typeface="Courier New"/>
-                <a:ea typeface="Courier New"/>
-                <a:cs typeface="Courier New"/>
-                <a:sym typeface="Courier New"/>
-              </a:rPr>
-              <a:t>this</a:t>
-            </a:r>
-            <a:r>
-              <a:rPr lang="en" sz="1000">
-                <a:solidFill>
-                  <a:srgbClr val="3B3B3B"/>
-                </a:solidFill>
-                <a:highlight>
-                  <a:srgbClr val="FFFFFF"/>
-                </a:highlight>
-                <a:latin typeface="Courier New"/>
-                <a:ea typeface="Courier New"/>
-                <a:cs typeface="Courier New"/>
-                <a:sym typeface="Courier New"/>
-              </a:rPr>
-              <a:t>.</a:t>
-            </a:r>
-            <a:r>
-              <a:rPr lang="en" sz="1000">
-                <a:solidFill>
-                  <a:srgbClr val="795E26"/>
-                </a:solidFill>
-                <a:highlight>
-                  <a:srgbClr val="FFFFFF"/>
-                </a:highlight>
-                <a:latin typeface="Courier New"/>
-                <a:ea typeface="Courier New"/>
-                <a:cs typeface="Courier New"/>
-                <a:sym typeface="Courier New"/>
-              </a:rPr>
-              <a:t>initModel</a:t>
-            </a:r>
-            <a:r>
-              <a:rPr lang="en" sz="1000">
-                <a:solidFill>
-                  <a:srgbClr val="3B3B3B"/>
-                </a:solidFill>
-                <a:highlight>
-                  <a:srgbClr val="FFFFFF"/>
-                </a:highlight>
-                <a:latin typeface="Courier New"/>
-                <a:ea typeface="Courier New"/>
-                <a:cs typeface="Courier New"/>
-                <a:sym typeface="Courier New"/>
-              </a:rPr>
-              <a:t>();</a:t>
+              <a:t/>
             </a:r>
             <a:endParaRPr sz="1000">
               <a:solidFill>
@@ -16728,7 +17577,124 @@
                 <a:cs typeface="Courier New"/>
                 <a:sym typeface="Courier New"/>
               </a:rPr>
-              <a:t>    }</a:t>
+              <a:t>   </a:t>
+            </a:r>
+            <a:r>
+              <a:rPr lang="en" sz="1000">
+                <a:solidFill>
+                  <a:srgbClr val="0000FF"/>
+                </a:solidFill>
+                <a:highlight>
+                  <a:srgbClr val="FFFFFF"/>
+                </a:highlight>
+                <a:latin typeface="Courier New"/>
+                <a:ea typeface="Courier New"/>
+                <a:cs typeface="Courier New"/>
+                <a:sym typeface="Courier New"/>
+              </a:rPr>
+              <a:t>protected</a:t>
+            </a:r>
+            <a:r>
+              <a:rPr lang="en" sz="1000">
+                <a:solidFill>
+                  <a:srgbClr val="3B3B3B"/>
+                </a:solidFill>
+                <a:highlight>
+                  <a:srgbClr val="FFFFFF"/>
+                </a:highlight>
+                <a:latin typeface="Courier New"/>
+                <a:ea typeface="Courier New"/>
+                <a:cs typeface="Courier New"/>
+                <a:sym typeface="Courier New"/>
+              </a:rPr>
+              <a:t> </a:t>
+            </a:r>
+            <a:r>
+              <a:rPr lang="en" sz="1000">
+                <a:solidFill>
+                  <a:srgbClr val="795E26"/>
+                </a:solidFill>
+                <a:highlight>
+                  <a:srgbClr val="FFFFFF"/>
+                </a:highlight>
+                <a:latin typeface="Courier New"/>
+                <a:ea typeface="Courier New"/>
+                <a:cs typeface="Courier New"/>
+                <a:sym typeface="Courier New"/>
+              </a:rPr>
+              <a:t>startUp</a:t>
+            </a:r>
+            <a:r>
+              <a:rPr lang="en" sz="1000">
+                <a:solidFill>
+                  <a:srgbClr val="3B3B3B"/>
+                </a:solidFill>
+                <a:highlight>
+                  <a:srgbClr val="FFFFFF"/>
+                </a:highlight>
+                <a:latin typeface="Courier New"/>
+                <a:ea typeface="Courier New"/>
+                <a:cs typeface="Courier New"/>
+                <a:sym typeface="Courier New"/>
+              </a:rPr>
+              <a:t>()</a:t>
+            </a:r>
+            <a:r>
+              <a:rPr lang="en" sz="1000">
+                <a:highlight>
+                  <a:srgbClr val="FFFFFF"/>
+                </a:highlight>
+                <a:latin typeface="Courier New"/>
+                <a:ea typeface="Courier New"/>
+                <a:cs typeface="Courier New"/>
+                <a:sym typeface="Courier New"/>
+              </a:rPr>
+              <a:t>:</a:t>
+            </a:r>
+            <a:r>
+              <a:rPr lang="en" sz="1000">
+                <a:solidFill>
+                  <a:srgbClr val="3B3B3B"/>
+                </a:solidFill>
+                <a:highlight>
+                  <a:srgbClr val="FFFFFF"/>
+                </a:highlight>
+                <a:latin typeface="Courier New"/>
+                <a:ea typeface="Courier New"/>
+                <a:cs typeface="Courier New"/>
+                <a:sym typeface="Courier New"/>
+              </a:rPr>
+              <a:t> </a:t>
+            </a:r>
+            <a:r>
+              <a:rPr lang="en" sz="1000">
+                <a:solidFill>
+                  <a:srgbClr val="267F99"/>
+                </a:solidFill>
+                <a:highlight>
+                  <a:srgbClr val="FFFFFF"/>
+                </a:highlight>
+                <a:latin typeface="Courier New"/>
+                <a:ea typeface="Courier New"/>
+                <a:cs typeface="Courier New"/>
+                <a:sym typeface="Courier New"/>
+              </a:rPr>
+              <a:t>void</a:t>
+            </a:r>
+            <a:r>
+              <a:rPr lang="en" sz="1000">
+                <a:solidFill>
+                  <a:srgbClr val="3B3B3B"/>
+                </a:solidFill>
+                <a:highlight>
+                  <a:srgbClr val="FFFFFF"/>
+                </a:highlight>
+                <a:latin typeface="Courier New"/>
+                <a:ea typeface="Courier New"/>
+                <a:cs typeface="Courier New"/>
+                <a:sym typeface="Courier New"/>
+              </a:rPr>
+              <a:t> {</a:t>
             </a:r>
             <a:endParaRPr sz="1000">
               <a:solidFill>
@@ -16762,7 +17728,79 @@
               <a:buNone/>
             </a:pPr>
             <a:r>
-              <a:t/>
+              <a:rPr lang="en" sz="1000">
+                <a:solidFill>
+                  <a:srgbClr val="3B3B3B"/>
+                </a:solidFill>
+                <a:highlight>
+                  <a:srgbClr val="FFFFFF"/>
+                </a:highlight>
+                <a:latin typeface="Courier New"/>
+                <a:ea typeface="Courier New"/>
+                <a:cs typeface="Courier New"/>
+                <a:sym typeface="Courier New"/>
+              </a:rPr>
+              <a:t>       </a:t>
+            </a:r>
+            <a:r>
+              <a:rPr lang="en" sz="1000">
+                <a:solidFill>
+                  <a:srgbClr val="0000FF"/>
+                </a:solidFill>
+                <a:highlight>
+                  <a:srgbClr val="FFFFFF"/>
+                </a:highlight>
+                <a:latin typeface="Courier New"/>
+                <a:ea typeface="Courier New"/>
+                <a:cs typeface="Courier New"/>
+                <a:sym typeface="Courier New"/>
+              </a:rPr>
+              <a:t>super</a:t>
+            </a:r>
+            <a:r>
+              <a:rPr lang="en" sz="1000">
+                <a:solidFill>
+                  <a:srgbClr val="3B3B3B"/>
+                </a:solidFill>
+                <a:highlight>
+                  <a:srgbClr val="FFFFFF"/>
+                </a:highlight>
+                <a:latin typeface="Courier New"/>
+                <a:ea typeface="Courier New"/>
+                <a:cs typeface="Courier New"/>
+                <a:sym typeface="Courier New"/>
+              </a:rPr>
+              <a:t>.</a:t>
+            </a:r>
+            <a:r>
+              <a:rPr lang="en" sz="1000">
+                <a:solidFill>
+                  <a:srgbClr val="795E26"/>
+                </a:solidFill>
+                <a:highlight>
+                  <a:srgbClr val="FFFFFF"/>
+                </a:highlight>
+                <a:latin typeface="Courier New"/>
+                <a:ea typeface="Courier New"/>
+                <a:cs typeface="Courier New"/>
+                <a:sym typeface="Courier New"/>
+              </a:rPr>
+              <a:t>startUp</a:t>
+            </a:r>
+            <a:r>
+              <a:rPr lang="en" sz="1000">
+                <a:solidFill>
+                  <a:srgbClr val="3B3B3B"/>
+                </a:solidFill>
+                <a:highlight>
+                  <a:srgbClr val="FFFFFF"/>
+                </a:highlight>
+                <a:latin typeface="Courier New"/>
+                <a:ea typeface="Courier New"/>
+                <a:cs typeface="Courier New"/>
+                <a:sym typeface="Courier New"/>
+              </a:rPr>
+              <a:t>();</a:t>
             </a:r>
             <a:endParaRPr sz="1000">
               <a:solidFill>
@@ -16808,7 +17846,7 @@
                 <a:cs typeface="Courier New"/>
                 <a:sym typeface="Courier New"/>
               </a:rPr>
-              <a:t>    </a:t>
+              <a:t>       </a:t>
             </a:r>
             <a:r>
               <a:rPr lang="en" sz="1000">
@@ -16823,7 +17861,7 @@
                 <a:cs typeface="Courier New"/>
                 <a:sym typeface="Courier New"/>
               </a:rPr>
-              <a:t>protected</a:t>
+              <a:t>this</a:t>
             </a:r>
             <a:r>
               <a:rPr lang="en" sz="1000">
@@ -16838,7 +17876,7 @@
                 <a:cs typeface="Courier New"/>
                 <a:sym typeface="Courier New"/>
               </a:rPr>
-              <a:t> </a:t>
+              <a:t>.</a:t>
             </a:r>
             <a:r>
               <a:rPr lang="en" sz="1000">
@@ -16853,7 +17891,7 @@
                 <a:cs typeface="Courier New"/>
                 <a:sym typeface="Courier New"/>
               </a:rPr>
-              <a:t>initModel</a:t>
+              <a:t>loadModel</a:t>
             </a:r>
             <a:r>
               <a:rPr lang="en" sz="1000">
@@ -16868,64 +17906,7 @@
                 <a:cs typeface="Courier New"/>
                 <a:sym typeface="Courier New"/>
               </a:rPr>
-              <a:t>()</a:t>
-            </a:r>
-            <a:r>
-              <a:rPr lang="en" sz="1000">
-                <a:highlight>
-                  <a:srgbClr val="FFFFFF"/>
-                </a:highlight>
-                <a:latin typeface="Courier New"/>
-                <a:ea typeface="Courier New"/>
-                <a:cs typeface="Courier New"/>
-                <a:sym typeface="Courier New"/>
-              </a:rPr>
-              <a:t>:</a:t>
-            </a:r>
-            <a:r>
-              <a:rPr lang="en" sz="1000">
-                <a:solidFill>
-                  <a:srgbClr val="3B3B3B"/>
-                </a:solidFill>
-                <a:highlight>
-                  <a:srgbClr val="FFFFFF"/>
-                </a:highlight>
-                <a:latin typeface="Courier New"/>
-                <a:ea typeface="Courier New"/>
-                <a:cs typeface="Courier New"/>
-                <a:sym typeface="Courier New"/>
-              </a:rPr>
-              <a:t> </a:t>
-            </a:r>
-            <a:r>
-              <a:rPr lang="en" sz="1000">
-                <a:solidFill>
-                  <a:srgbClr val="267F99"/>
-                </a:solidFill>
-                <a:highlight>
-                  <a:srgbClr val="FFFFFF"/>
-                </a:highlight>
-                <a:latin typeface="Courier New"/>
-                <a:ea typeface="Courier New"/>
-                <a:cs typeface="Courier New"/>
-                <a:sym typeface="Courier New"/>
-              </a:rPr>
-              <a:t>void</a:t>
-            </a:r>
-            <a:r>
-              <a:rPr lang="en" sz="1000">
-                <a:solidFill>
-                  <a:srgbClr val="3B3B3B"/>
-                </a:solidFill>
-                <a:highlight>
-                  <a:srgbClr val="FFFFFF"/>
-                </a:highlight>
-                <a:latin typeface="Courier New"/>
-                <a:ea typeface="Courier New"/>
-                <a:cs typeface="Courier New"/>
-                <a:sym typeface="Courier New"/>
-              </a:rPr>
-              <a:t> {</a:t>
+              <a:t>();</a:t>
             </a:r>
             <a:endParaRPr sz="1000">
               <a:solidFill>
@@ -16971,7 +17952,250 @@
                 <a:cs typeface="Courier New"/>
                 <a:sym typeface="Courier New"/>
               </a:rPr>
-              <a:t>        </a:t>
+              <a:t>   }</a:t>
+            </a:r>
+            <a:endParaRPr sz="1000">
+              <a:solidFill>
+                <a:srgbClr val="3B3B3B"/>
+              </a:solidFill>
+              <a:highlight>
+                <a:srgbClr val="FFFFFF"/>
+              </a:highlight>
+              <a:latin typeface="Courier New"/>
+              <a:ea typeface="Courier New"/>
+              <a:cs typeface="Courier New"/>
+              <a:sym typeface="Courier New"/>
+            </a:endParaRPr>
+          </a:p>
+          <a:p>
+            <a:pPr indent="0" lvl="0" marL="0" rtl="0" algn="l">
+              <a:lnSpc>
+                <a:spcPct val="115000"/>
+              </a:lnSpc>
+              <a:spcBef>
+                <a:spcPts val="0"/>
+              </a:spcBef>
+              <a:spcAft>
+                <a:spcPts val="0"/>
+              </a:spcAft>
+              <a:buClr>
+                <a:schemeClr val="dk1"/>
+              </a:buClr>
+              <a:buSzPts val="1100"/>
+              <a:buFont typeface="Arial"/>
+              <a:buNone/>
+            </a:pPr>
+            <a:r>
+              <a:t/>
+            </a:r>
+            <a:endParaRPr sz="1000">
+              <a:solidFill>
+                <a:srgbClr val="3B3B3B"/>
+              </a:solidFill>
+              <a:highlight>
+                <a:srgbClr val="FFFFFF"/>
+              </a:highlight>
+              <a:latin typeface="Courier New"/>
+              <a:ea typeface="Courier New"/>
+              <a:cs typeface="Courier New"/>
+              <a:sym typeface="Courier New"/>
+            </a:endParaRPr>
+          </a:p>
+          <a:p>
+            <a:pPr indent="0" lvl="0" marL="0" rtl="0" algn="l">
+              <a:lnSpc>
+                <a:spcPct val="115000"/>
+              </a:lnSpc>
+              <a:spcBef>
+                <a:spcPts val="0"/>
+              </a:spcBef>
+              <a:spcAft>
+                <a:spcPts val="0"/>
+              </a:spcAft>
+              <a:buClr>
+                <a:schemeClr val="dk1"/>
+              </a:buClr>
+              <a:buSzPts val="1100"/>
+              <a:buFont typeface="Arial"/>
+              <a:buNone/>
+            </a:pPr>
+            <a:r>
+              <a:rPr lang="en" sz="1000">
+                <a:solidFill>
+                  <a:srgbClr val="3B3B3B"/>
+                </a:solidFill>
+                <a:highlight>
+                  <a:srgbClr val="FFFFFF"/>
+                </a:highlight>
+                <a:latin typeface="Courier New"/>
+                <a:ea typeface="Courier New"/>
+                <a:cs typeface="Courier New"/>
+                <a:sym typeface="Courier New"/>
+              </a:rPr>
+              <a:t>   </a:t>
+            </a:r>
+            <a:r>
+              <a:rPr lang="en" sz="1000">
+                <a:solidFill>
+                  <a:srgbClr val="0000FF"/>
+                </a:solidFill>
+                <a:highlight>
+                  <a:srgbClr val="FFFFFF"/>
+                </a:highlight>
+                <a:latin typeface="Courier New"/>
+                <a:ea typeface="Courier New"/>
+                <a:cs typeface="Courier New"/>
+                <a:sym typeface="Courier New"/>
+              </a:rPr>
+              <a:t>protected</a:t>
+            </a:r>
+            <a:r>
+              <a:rPr lang="en" sz="1000">
+                <a:solidFill>
+                  <a:srgbClr val="3B3B3B"/>
+                </a:solidFill>
+                <a:highlight>
+                  <a:srgbClr val="FFFFFF"/>
+                </a:highlight>
+                <a:latin typeface="Courier New"/>
+                <a:ea typeface="Courier New"/>
+                <a:cs typeface="Courier New"/>
+                <a:sym typeface="Courier New"/>
+              </a:rPr>
+              <a:t> </a:t>
+            </a:r>
+            <a:r>
+              <a:rPr lang="en" sz="1000">
+                <a:solidFill>
+                  <a:srgbClr val="795E26"/>
+                </a:solidFill>
+                <a:highlight>
+                  <a:srgbClr val="FFFFFF"/>
+                </a:highlight>
+                <a:latin typeface="Courier New"/>
+                <a:ea typeface="Courier New"/>
+                <a:cs typeface="Courier New"/>
+                <a:sym typeface="Courier New"/>
+              </a:rPr>
+              <a:t>loadModel</a:t>
+            </a:r>
+            <a:r>
+              <a:rPr lang="en" sz="1000">
+                <a:solidFill>
+                  <a:srgbClr val="3B3B3B"/>
+                </a:solidFill>
+                <a:highlight>
+                  <a:srgbClr val="FFFFFF"/>
+                </a:highlight>
+                <a:latin typeface="Courier New"/>
+                <a:ea typeface="Courier New"/>
+                <a:cs typeface="Courier New"/>
+                <a:sym typeface="Courier New"/>
+              </a:rPr>
+              <a:t>()</a:t>
+            </a:r>
+            <a:r>
+              <a:rPr lang="en" sz="1000">
+                <a:highlight>
+                  <a:srgbClr val="FFFFFF"/>
+                </a:highlight>
+                <a:latin typeface="Courier New"/>
+                <a:ea typeface="Courier New"/>
+                <a:cs typeface="Courier New"/>
+                <a:sym typeface="Courier New"/>
+              </a:rPr>
+              <a:t>:</a:t>
+            </a:r>
+            <a:r>
+              <a:rPr lang="en" sz="1000">
+                <a:solidFill>
+                  <a:srgbClr val="3B3B3B"/>
+                </a:solidFill>
+                <a:highlight>
+                  <a:srgbClr val="FFFFFF"/>
+                </a:highlight>
+                <a:latin typeface="Courier New"/>
+                <a:ea typeface="Courier New"/>
+                <a:cs typeface="Courier New"/>
+                <a:sym typeface="Courier New"/>
+              </a:rPr>
+              <a:t> </a:t>
+            </a:r>
+            <a:r>
+              <a:rPr lang="en" sz="1000">
+                <a:solidFill>
+                  <a:srgbClr val="267F99"/>
+                </a:solidFill>
+                <a:highlight>
+                  <a:srgbClr val="FFFFFF"/>
+                </a:highlight>
+                <a:latin typeface="Courier New"/>
+                <a:ea typeface="Courier New"/>
+                <a:cs typeface="Courier New"/>
+                <a:sym typeface="Courier New"/>
+              </a:rPr>
+              <a:t>void</a:t>
+            </a:r>
+            <a:r>
+              <a:rPr lang="en" sz="1000">
+                <a:solidFill>
+                  <a:srgbClr val="3B3B3B"/>
+                </a:solidFill>
+                <a:highlight>
+                  <a:srgbClr val="FFFFFF"/>
+                </a:highlight>
+                <a:latin typeface="Courier New"/>
+                <a:ea typeface="Courier New"/>
+                <a:cs typeface="Courier New"/>
+                <a:sym typeface="Courier New"/>
+              </a:rPr>
+              <a:t> {</a:t>
+            </a:r>
+            <a:endParaRPr sz="1000">
+              <a:solidFill>
+                <a:srgbClr val="3B3B3B"/>
+              </a:solidFill>
+              <a:highlight>
+                <a:srgbClr val="FFFFFF"/>
+              </a:highlight>
+              <a:latin typeface="Courier New"/>
+              <a:ea typeface="Courier New"/>
+              <a:cs typeface="Courier New"/>
+              <a:sym typeface="Courier New"/>
+            </a:endParaRPr>
+          </a:p>
+          <a:p>
+            <a:pPr indent="0" lvl="0" marL="0" rtl="0" algn="l">
+              <a:lnSpc>
+                <a:spcPct val="115000"/>
+              </a:lnSpc>
+              <a:spcBef>
+                <a:spcPts val="0"/>
+              </a:spcBef>
+              <a:spcAft>
+                <a:spcPts val="0"/>
+              </a:spcAft>
+              <a:buClr>
+                <a:schemeClr val="dk1"/>
+              </a:buClr>
+              <a:buSzPts val="1100"/>
+              <a:buFont typeface="Arial"/>
+              <a:buNone/>
+            </a:pPr>
+            <a:r>
+              <a:rPr lang="en" sz="1000">
+                <a:solidFill>
+                  <a:srgbClr val="3B3B3B"/>
+                </a:solidFill>
+                <a:highlight>
+                  <a:srgbClr val="FFFFFF"/>
+                </a:highlight>
+                <a:latin typeface="Courier New"/>
+                <a:ea typeface="Courier New"/>
+                <a:cs typeface="Courier New"/>
+                <a:sym typeface="Courier New"/>
+              </a:rPr>
+              <a:t>       </a:t>
             </a:r>
             <a:r>
               <a:rPr lang="en" sz="1000">
@@ -16986,7 +18210,7 @@
                 <a:cs typeface="Courier New"/>
                 <a:sym typeface="Courier New"/>
               </a:rPr>
-              <a:t>// do something</a:t>
+              <a:t>// do nothing (expect subclass to override)</a:t>
             </a:r>
             <a:endParaRPr sz="1000">
               <a:solidFill>
@@ -17032,7 +18256,7 @@
                 <a:cs typeface="Courier New"/>
                 <a:sym typeface="Courier New"/>
               </a:rPr>
-              <a:t>    }</a:t>
+              <a:t>   }</a:t>
             </a:r>
             <a:endParaRPr sz="1000">
               <a:solidFill>
@@ -17112,7 +18336,7 @@
                 <a:cs typeface="Courier New"/>
                 <a:sym typeface="Courier New"/>
               </a:rPr>
-              <a:t>    </a:t>
+              <a:t>   </a:t>
             </a:r>
             <a:r>
               <a:rPr lang="en" sz="1000">
@@ -17157,7 +18381,7 @@
                 <a:cs typeface="Courier New"/>
                 <a:sym typeface="Courier New"/>
               </a:rPr>
-              <a:t>finalize</a:t>
+              <a:t>shutDown</a:t>
             </a:r>
             <a:r>
               <a:rPr lang="en" sz="1000">
@@ -17275,7 +18499,7 @@
                 <a:cs typeface="Courier New"/>
                 <a:sym typeface="Courier New"/>
               </a:rPr>
-              <a:t>        </a:t>
+              <a:t>       </a:t>
             </a:r>
             <a:r>
               <a:rPr lang="en" sz="1000">
@@ -17320,7 +18544,7 @@
                 <a:cs typeface="Courier New"/>
                 <a:sym typeface="Courier New"/>
               </a:rPr>
-              <a:t>finiModel</a:t>
+              <a:t>saveModel</a:t>
             </a:r>
             <a:r>
               <a:rPr lang="en" sz="1000">
@@ -17381,7 +18605,7 @@
                 <a:cs typeface="Courier New"/>
                 <a:sym typeface="Courier New"/>
               </a:rPr>
-              <a:t>        </a:t>
+              <a:t>       </a:t>
             </a:r>
             <a:r>
               <a:rPr lang="en" sz="1000">
@@ -17426,7 +18650,7 @@
                 <a:cs typeface="Courier New"/>
                 <a:sym typeface="Courier New"/>
               </a:rPr>
-              <a:t>finalize</a:t>
+              <a:t>shutDown</a:t>
             </a:r>
             <a:r>
               <a:rPr lang="en" sz="1000">
@@ -17487,7 +18711,7 @@
                 <a:cs typeface="Courier New"/>
                 <a:sym typeface="Courier New"/>
               </a:rPr>
-              <a:t>    }</a:t>
+              <a:t>   }</a:t>
             </a:r>
             <a:endParaRPr sz="1000">
               <a:solidFill>
@@ -17567,7 +18791,7 @@
                 <a:cs typeface="Courier New"/>
                 <a:sym typeface="Courier New"/>
               </a:rPr>
-              <a:t>    </a:t>
+              <a:t>   </a:t>
             </a:r>
             <a:r>
               <a:rPr lang="en" sz="1000">
@@ -17612,7 +18836,7 @@
                 <a:cs typeface="Courier New"/>
                 <a:sym typeface="Courier New"/>
               </a:rPr>
-              <a:t>finiModel</a:t>
+              <a:t>saveModel</a:t>
             </a:r>
             <a:r>
               <a:rPr lang="en" sz="1000">
@@ -17730,7 +18954,7 @@
                 <a:cs typeface="Courier New"/>
                 <a:sym typeface="Courier New"/>
               </a:rPr>
-              <a:t>        </a:t>
+              <a:t>       </a:t>
             </a:r>
             <a:r>
               <a:rPr lang="en" sz="1000">
@@ -17745,7 +18969,7 @@
                 <a:cs typeface="Courier New"/>
                 <a:sym typeface="Courier New"/>
               </a:rPr>
-              <a:t>// do something</a:t>
+              <a:t>// do nothing (expect subclass to override)</a:t>
             </a:r>
             <a:endParaRPr sz="1000">
               <a:solidFill>
@@ -17771,11 +18995,6 @@
               <a:spcAft>
                 <a:spcPts val="0"/>
               </a:spcAft>
-              <a:buClr>
-                <a:schemeClr val="dk1"/>
-              </a:buClr>
-              <a:buSzPts val="1100"/>
-              <a:buFont typeface="Arial"/>
               <a:buNone/>
             </a:pPr>
             <a:r>
@@ -17791,7 +19010,7 @@
                 <a:cs typeface="Courier New"/>
                 <a:sym typeface="Courier New"/>
               </a:rPr>
-              <a:t>    }</a:t>
+              <a:t>   }</a:t>
             </a:r>
             <a:endParaRPr sz="1000">
               <a:solidFill>
@@ -17825,19 +19044,7 @@
               <a:buNone/>
             </a:pPr>
             <a:r>
-              <a:rPr lang="en" sz="1000">
-                <a:solidFill>
-                  <a:srgbClr val="3B3B3B"/>
-                </a:solidFill>
-                <a:highlight>
-                  <a:srgbClr val="FFFFFF"/>
-                </a:highlight>
-                <a:latin typeface="Courier New"/>
-                <a:ea typeface="Courier New"/>
-                <a:cs typeface="Courier New"/>
-                <a:sym typeface="Courier New"/>
-              </a:rPr>
-              <a:t>}</a:t>
+              <a:t/>
             </a:r>
             <a:endParaRPr sz="1000">
               <a:solidFill>
@@ -17861,6 +19068,52 @@
                 <a:spcPts val="0"/>
               </a:spcBef>
               <a:spcAft>
+                <a:spcPts val="0"/>
+              </a:spcAft>
+              <a:buClr>
+                <a:schemeClr val="dk1"/>
+              </a:buClr>
+              <a:buSzPts val="1100"/>
+              <a:buFont typeface="Arial"/>
+              <a:buNone/>
+            </a:pPr>
+            <a:r>
+              <a:rPr lang="en" sz="1000">
+                <a:solidFill>
+                  <a:srgbClr val="3B3B3B"/>
+                </a:solidFill>
+                <a:highlight>
+                  <a:srgbClr val="FFFFFF"/>
+                </a:highlight>
+                <a:latin typeface="Courier New"/>
+                <a:ea typeface="Courier New"/>
+                <a:cs typeface="Courier New"/>
+                <a:sym typeface="Courier New"/>
+              </a:rPr>
+              <a:t>}</a:t>
+            </a:r>
+            <a:endParaRPr sz="1000">
+              <a:solidFill>
+                <a:srgbClr val="3B3B3B"/>
+              </a:solidFill>
+              <a:highlight>
+                <a:srgbClr val="FFFFFF"/>
+              </a:highlight>
+              <a:latin typeface="Courier New"/>
+              <a:ea typeface="Courier New"/>
+              <a:cs typeface="Courier New"/>
+              <a:sym typeface="Courier New"/>
+            </a:endParaRPr>
+          </a:p>
+          <a:p>
+            <a:pPr indent="0" lvl="0" marL="0" rtl="0" algn="l">
+              <a:lnSpc>
+                <a:spcPct val="115000"/>
+              </a:lnSpc>
+              <a:spcBef>
+                <a:spcPts val="0"/>
+              </a:spcBef>
+              <a:spcAft>
                 <a:spcPts val="1200"/>
               </a:spcAft>
               <a:buNone/>
@@ -17885,7 +19138,7 @@
       </p:sp>
       <p:sp>
         <p:nvSpPr>
-          <p:cNvPr id="266" name="Google Shape;266;p41"/>
+          <p:cNvPr id="273" name="Google Shape;273;p42"/>
           <p:cNvSpPr txBox="1"/>
           <p:nvPr>
             <p:ph idx="12" type="sldNum"/>
@@ -17957,12 +19210,12 @@
 </p:sld>
 </file>
 
-<file path=ppt/slides/slide35.xml><?xml version="1.0" encoding="utf-8"?>
+<file path=ppt/slides/slide36.xml><?xml version="1.0" encoding="utf-8"?>
 <p:sld xmlns:a="http://schemas.openxmlformats.org/drawingml/2006/main" xmlns:r="http://schemas.openxmlformats.org/officeDocument/2006/relationships" xmlns:mc="http://schemas.openxmlformats.org/markup-compatibility/2006" xmlns:mv="urn:schemas-microsoft-com:mac:vml" xmlns:p="http://schemas.openxmlformats.org/presentationml/2006/main" xmlns:c="http://schemas.openxmlformats.org/drawingml/2006/chart" xmlns:dgm="http://schemas.openxmlformats.org/drawingml/2006/diagram" xmlns:o="urn:schemas-microsoft-com:office:office" xmlns:v="urn:schemas-microsoft-com:vml" xmlns:pvml="urn:schemas-microsoft-com:office:powerpoint" xmlns:com="http://schemas.openxmlformats.org/drawingml/2006/compatibility" xmlns:p14="http://schemas.microsoft.com/office/powerpoint/2010/main" xmlns:p15="http://schemas.microsoft.com/office/powerpoint/2012/main" xmlns:ahyp="http://schemas.microsoft.com/office/drawing/2018/hyperlinkcolor">
   <p:cSld>
     <p:spTree>
       <p:nvGrpSpPr>
-        <p:cNvPr id="270" name="Shape 270"/>
+        <p:cNvPr id="277" name="Shape 277"/>
         <p:cNvGrpSpPr/>
         <p:nvPr/>
       </p:nvGrpSpPr>
@@ -17976,7 +19229,3971 @@
       </p:grpSpPr>
       <p:sp>
         <p:nvSpPr>
-          <p:cNvPr id="271" name="Google Shape;271;p42"/>
+          <p:cNvPr id="278" name="Google Shape;278;p43"/>
+          <p:cNvSpPr txBox="1"/>
+          <p:nvPr>
+            <p:ph type="title"/>
+          </p:nvPr>
+        </p:nvSpPr>
+        <p:spPr>
+          <a:xfrm>
+            <a:off x="0" y="0"/>
+            <a:ext cx="9144000" cy="685800"/>
+          </a:xfrm>
+          <a:prstGeom prst="rect">
+            <a:avLst/>
+          </a:prstGeom>
+        </p:spPr>
+        <p:txBody>
+          <a:bodyPr anchorCtr="0" anchor="ctr" bIns="0" lIns="274300" spcFirstLastPara="1" rIns="0" wrap="square" tIns="0">
+            <a:noAutofit/>
+          </a:bodyPr>
+          <a:lstStyle/>
+          <a:p>
+            <a:pPr indent="0" lvl="0" marL="0" rtl="0" algn="l">
+              <a:spcBef>
+                <a:spcPts val="0"/>
+              </a:spcBef>
+              <a:spcAft>
+                <a:spcPts val="0"/>
+              </a:spcAft>
+              <a:buNone/>
+            </a:pPr>
+            <a:r>
+              <a:rPr lang="en"/>
+              <a:t>Cascading Inheritance Interfaces 2 / 2</a:t>
+            </a:r>
+            <a:endParaRPr/>
+          </a:p>
+        </p:txBody>
+      </p:sp>
+      <p:sp>
+        <p:nvSpPr>
+          <p:cNvPr id="279" name="Google Shape;279;p43"/>
+          <p:cNvSpPr txBox="1"/>
+          <p:nvPr>
+            <p:ph idx="1" type="body"/>
+          </p:nvPr>
+        </p:nvSpPr>
+        <p:spPr>
+          <a:xfrm>
+            <a:off x="274325" y="914400"/>
+            <a:ext cx="4297800" cy="4114800"/>
+          </a:xfrm>
+          <a:prstGeom prst="rect">
+            <a:avLst/>
+          </a:prstGeom>
+        </p:spPr>
+        <p:txBody>
+          <a:bodyPr anchorCtr="0" anchor="t" bIns="91425" lIns="0" spcFirstLastPara="1" rIns="91425" wrap="square" tIns="0">
+            <a:noAutofit/>
+          </a:bodyPr>
+          <a:lstStyle/>
+          <a:p>
+            <a:pPr indent="0" lvl="0" marL="0" rtl="0" algn="l">
+              <a:lnSpc>
+                <a:spcPct val="115000"/>
+              </a:lnSpc>
+              <a:spcBef>
+                <a:spcPts val="0"/>
+              </a:spcBef>
+              <a:spcAft>
+                <a:spcPts val="0"/>
+              </a:spcAft>
+              <a:buNone/>
+            </a:pPr>
+            <a:r>
+              <a:rPr lang="en" sz="1000">
+                <a:solidFill>
+                  <a:srgbClr val="AF00DB"/>
+                </a:solidFill>
+                <a:highlight>
+                  <a:srgbClr val="FFFFFF"/>
+                </a:highlight>
+                <a:latin typeface="Courier New"/>
+                <a:ea typeface="Courier New"/>
+                <a:cs typeface="Courier New"/>
+                <a:sym typeface="Courier New"/>
+              </a:rPr>
+              <a:t>import</a:t>
+            </a:r>
+            <a:r>
+              <a:rPr lang="en" sz="1000">
+                <a:solidFill>
+                  <a:srgbClr val="3B3B3B"/>
+                </a:solidFill>
+                <a:highlight>
+                  <a:srgbClr val="FFFFFF"/>
+                </a:highlight>
+                <a:latin typeface="Courier New"/>
+                <a:ea typeface="Courier New"/>
+                <a:cs typeface="Courier New"/>
+                <a:sym typeface="Courier New"/>
+              </a:rPr>
+              <a:t> { </a:t>
+            </a:r>
+            <a:r>
+              <a:rPr lang="en" sz="1000">
+                <a:solidFill>
+                  <a:srgbClr val="001080"/>
+                </a:solidFill>
+                <a:highlight>
+                  <a:srgbClr val="FFFFFF"/>
+                </a:highlight>
+                <a:latin typeface="Courier New"/>
+                <a:ea typeface="Courier New"/>
+                <a:cs typeface="Courier New"/>
+                <a:sym typeface="Courier New"/>
+              </a:rPr>
+              <a:t>ModelMain</a:t>
+            </a:r>
+            <a:r>
+              <a:rPr lang="en" sz="1000">
+                <a:solidFill>
+                  <a:srgbClr val="3B3B3B"/>
+                </a:solidFill>
+                <a:highlight>
+                  <a:srgbClr val="FFFFFF"/>
+                </a:highlight>
+                <a:latin typeface="Courier New"/>
+                <a:ea typeface="Courier New"/>
+                <a:cs typeface="Courier New"/>
+                <a:sym typeface="Courier New"/>
+              </a:rPr>
+              <a:t> } </a:t>
+            </a:r>
+            <a:r>
+              <a:rPr lang="en" sz="1000">
+                <a:solidFill>
+                  <a:srgbClr val="AF00DB"/>
+                </a:solidFill>
+                <a:highlight>
+                  <a:srgbClr val="FFFFFF"/>
+                </a:highlight>
+                <a:latin typeface="Courier New"/>
+                <a:ea typeface="Courier New"/>
+                <a:cs typeface="Courier New"/>
+                <a:sym typeface="Courier New"/>
+              </a:rPr>
+              <a:t>from</a:t>
+            </a:r>
+            <a:r>
+              <a:rPr lang="en" sz="1000">
+                <a:solidFill>
+                  <a:srgbClr val="3B3B3B"/>
+                </a:solidFill>
+                <a:highlight>
+                  <a:srgbClr val="FFFFFF"/>
+                </a:highlight>
+                <a:latin typeface="Courier New"/>
+                <a:ea typeface="Courier New"/>
+                <a:cs typeface="Courier New"/>
+                <a:sym typeface="Courier New"/>
+              </a:rPr>
+              <a:t> </a:t>
+            </a:r>
+            <a:r>
+              <a:rPr lang="en" sz="1000">
+                <a:solidFill>
+                  <a:srgbClr val="A31515"/>
+                </a:solidFill>
+                <a:highlight>
+                  <a:srgbClr val="FFFFFF"/>
+                </a:highlight>
+                <a:latin typeface="Courier New"/>
+                <a:ea typeface="Courier New"/>
+                <a:cs typeface="Courier New"/>
+                <a:sym typeface="Courier New"/>
+              </a:rPr>
+              <a:t>"./ModelMain"</a:t>
+            </a:r>
+            <a:r>
+              <a:rPr lang="en" sz="1000">
+                <a:solidFill>
+                  <a:srgbClr val="3B3B3B"/>
+                </a:solidFill>
+                <a:highlight>
+                  <a:srgbClr val="FFFFFF"/>
+                </a:highlight>
+                <a:latin typeface="Courier New"/>
+                <a:ea typeface="Courier New"/>
+                <a:cs typeface="Courier New"/>
+                <a:sym typeface="Courier New"/>
+              </a:rPr>
+              <a:t>;</a:t>
+            </a:r>
+            <a:endParaRPr sz="1000">
+              <a:solidFill>
+                <a:srgbClr val="3B3B3B"/>
+              </a:solidFill>
+              <a:highlight>
+                <a:srgbClr val="FFFFFF"/>
+              </a:highlight>
+              <a:latin typeface="Courier New"/>
+              <a:ea typeface="Courier New"/>
+              <a:cs typeface="Courier New"/>
+              <a:sym typeface="Courier New"/>
+            </a:endParaRPr>
+          </a:p>
+          <a:p>
+            <a:pPr indent="0" lvl="0" marL="0" rtl="0" algn="l">
+              <a:lnSpc>
+                <a:spcPct val="115000"/>
+              </a:lnSpc>
+              <a:spcBef>
+                <a:spcPts val="0"/>
+              </a:spcBef>
+              <a:spcAft>
+                <a:spcPts val="0"/>
+              </a:spcAft>
+              <a:buClr>
+                <a:schemeClr val="dk1"/>
+              </a:buClr>
+              <a:buSzPts val="1100"/>
+              <a:buFont typeface="Arial"/>
+              <a:buNone/>
+            </a:pPr>
+            <a:r>
+              <a:t/>
+            </a:r>
+            <a:endParaRPr sz="1000">
+              <a:solidFill>
+                <a:srgbClr val="3B3B3B"/>
+              </a:solidFill>
+              <a:highlight>
+                <a:srgbClr val="FFFFFF"/>
+              </a:highlight>
+              <a:latin typeface="Courier New"/>
+              <a:ea typeface="Courier New"/>
+              <a:cs typeface="Courier New"/>
+              <a:sym typeface="Courier New"/>
+            </a:endParaRPr>
+          </a:p>
+          <a:p>
+            <a:pPr indent="0" lvl="0" marL="0" rtl="0" algn="l">
+              <a:lnSpc>
+                <a:spcPct val="115000"/>
+              </a:lnSpc>
+              <a:spcBef>
+                <a:spcPts val="0"/>
+              </a:spcBef>
+              <a:spcAft>
+                <a:spcPts val="0"/>
+              </a:spcAft>
+              <a:buClr>
+                <a:schemeClr val="dk1"/>
+              </a:buClr>
+              <a:buSzPts val="1100"/>
+              <a:buFont typeface="Arial"/>
+              <a:buNone/>
+            </a:pPr>
+            <a:r>
+              <a:rPr lang="en" sz="1000">
+                <a:solidFill>
+                  <a:srgbClr val="AF00DB"/>
+                </a:solidFill>
+                <a:highlight>
+                  <a:srgbClr val="FFFFFF"/>
+                </a:highlight>
+                <a:latin typeface="Courier New"/>
+                <a:ea typeface="Courier New"/>
+                <a:cs typeface="Courier New"/>
+                <a:sym typeface="Courier New"/>
+              </a:rPr>
+              <a:t>export</a:t>
+            </a:r>
+            <a:r>
+              <a:rPr lang="en" sz="1000">
+                <a:solidFill>
+                  <a:srgbClr val="3B3B3B"/>
+                </a:solidFill>
+                <a:highlight>
+                  <a:srgbClr val="FFFFFF"/>
+                </a:highlight>
+                <a:latin typeface="Courier New"/>
+                <a:ea typeface="Courier New"/>
+                <a:cs typeface="Courier New"/>
+                <a:sym typeface="Courier New"/>
+              </a:rPr>
+              <a:t> </a:t>
+            </a:r>
+            <a:r>
+              <a:rPr lang="en" sz="1000">
+                <a:solidFill>
+                  <a:srgbClr val="0000FF"/>
+                </a:solidFill>
+                <a:highlight>
+                  <a:srgbClr val="FFFFFF"/>
+                </a:highlight>
+                <a:latin typeface="Courier New"/>
+                <a:ea typeface="Courier New"/>
+                <a:cs typeface="Courier New"/>
+                <a:sym typeface="Courier New"/>
+              </a:rPr>
+              <a:t>abstract</a:t>
+            </a:r>
+            <a:r>
+              <a:rPr lang="en" sz="1000">
+                <a:solidFill>
+                  <a:srgbClr val="3B3B3B"/>
+                </a:solidFill>
+                <a:highlight>
+                  <a:srgbClr val="FFFFFF"/>
+                </a:highlight>
+                <a:latin typeface="Courier New"/>
+                <a:ea typeface="Courier New"/>
+                <a:cs typeface="Courier New"/>
+                <a:sym typeface="Courier New"/>
+              </a:rPr>
+              <a:t> </a:t>
+            </a:r>
+            <a:r>
+              <a:rPr lang="en" sz="1000">
+                <a:solidFill>
+                  <a:srgbClr val="0000FF"/>
+                </a:solidFill>
+                <a:highlight>
+                  <a:srgbClr val="FFFFFF"/>
+                </a:highlight>
+                <a:latin typeface="Courier New"/>
+                <a:ea typeface="Courier New"/>
+                <a:cs typeface="Courier New"/>
+                <a:sym typeface="Courier New"/>
+              </a:rPr>
+              <a:t>class</a:t>
+            </a:r>
+            <a:r>
+              <a:rPr lang="en" sz="1000">
+                <a:solidFill>
+                  <a:srgbClr val="3B3B3B"/>
+                </a:solidFill>
+                <a:highlight>
+                  <a:srgbClr val="FFFFFF"/>
+                </a:highlight>
+                <a:latin typeface="Courier New"/>
+                <a:ea typeface="Courier New"/>
+                <a:cs typeface="Courier New"/>
+                <a:sym typeface="Courier New"/>
+              </a:rPr>
+              <a:t> </a:t>
+            </a:r>
+            <a:r>
+              <a:rPr lang="en" sz="1000">
+                <a:solidFill>
+                  <a:srgbClr val="267F99"/>
+                </a:solidFill>
+                <a:highlight>
+                  <a:srgbClr val="FFFFFF"/>
+                </a:highlight>
+                <a:latin typeface="Courier New"/>
+                <a:ea typeface="Courier New"/>
+                <a:cs typeface="Courier New"/>
+                <a:sym typeface="Courier New"/>
+              </a:rPr>
+              <a:t>ServiceMain</a:t>
+            </a:r>
+            <a:r>
+              <a:rPr lang="en" sz="1000">
+                <a:solidFill>
+                  <a:srgbClr val="3B3B3B"/>
+                </a:solidFill>
+                <a:highlight>
+                  <a:srgbClr val="FFFFFF"/>
+                </a:highlight>
+                <a:latin typeface="Courier New"/>
+                <a:ea typeface="Courier New"/>
+                <a:cs typeface="Courier New"/>
+                <a:sym typeface="Courier New"/>
+              </a:rPr>
+              <a:t> </a:t>
+            </a:r>
+            <a:r>
+              <a:rPr lang="en" sz="1000">
+                <a:solidFill>
+                  <a:srgbClr val="0000FF"/>
+                </a:solidFill>
+                <a:highlight>
+                  <a:srgbClr val="FFFFFF"/>
+                </a:highlight>
+                <a:latin typeface="Courier New"/>
+                <a:ea typeface="Courier New"/>
+                <a:cs typeface="Courier New"/>
+                <a:sym typeface="Courier New"/>
+              </a:rPr>
+              <a:t>extends</a:t>
+            </a:r>
+            <a:r>
+              <a:rPr lang="en" sz="1000">
+                <a:solidFill>
+                  <a:srgbClr val="3B3B3B"/>
+                </a:solidFill>
+                <a:highlight>
+                  <a:srgbClr val="FFFFFF"/>
+                </a:highlight>
+                <a:latin typeface="Courier New"/>
+                <a:ea typeface="Courier New"/>
+                <a:cs typeface="Courier New"/>
+                <a:sym typeface="Courier New"/>
+              </a:rPr>
+              <a:t> </a:t>
+            </a:r>
+            <a:r>
+              <a:rPr lang="en" sz="1000">
+                <a:solidFill>
+                  <a:srgbClr val="267F99"/>
+                </a:solidFill>
+                <a:highlight>
+                  <a:srgbClr val="FFFFFF"/>
+                </a:highlight>
+                <a:latin typeface="Courier New"/>
+                <a:ea typeface="Courier New"/>
+                <a:cs typeface="Courier New"/>
+                <a:sym typeface="Courier New"/>
+              </a:rPr>
+              <a:t>ModelMain</a:t>
+            </a:r>
+            <a:r>
+              <a:rPr lang="en" sz="1000">
+                <a:solidFill>
+                  <a:srgbClr val="3B3B3B"/>
+                </a:solidFill>
+                <a:highlight>
+                  <a:srgbClr val="FFFFFF"/>
+                </a:highlight>
+                <a:latin typeface="Courier New"/>
+                <a:ea typeface="Courier New"/>
+                <a:cs typeface="Courier New"/>
+                <a:sym typeface="Courier New"/>
+              </a:rPr>
+              <a:t> {</a:t>
+            </a:r>
+            <a:endParaRPr sz="1000">
+              <a:solidFill>
+                <a:srgbClr val="3B3B3B"/>
+              </a:solidFill>
+              <a:highlight>
+                <a:srgbClr val="FFFFFF"/>
+              </a:highlight>
+              <a:latin typeface="Courier New"/>
+              <a:ea typeface="Courier New"/>
+              <a:cs typeface="Courier New"/>
+              <a:sym typeface="Courier New"/>
+            </a:endParaRPr>
+          </a:p>
+          <a:p>
+            <a:pPr indent="0" lvl="0" marL="0" rtl="0" algn="l">
+              <a:lnSpc>
+                <a:spcPct val="115000"/>
+              </a:lnSpc>
+              <a:spcBef>
+                <a:spcPts val="0"/>
+              </a:spcBef>
+              <a:spcAft>
+                <a:spcPts val="0"/>
+              </a:spcAft>
+              <a:buNone/>
+            </a:pPr>
+            <a:r>
+              <a:t/>
+            </a:r>
+            <a:endParaRPr sz="1000">
+              <a:solidFill>
+                <a:srgbClr val="3B3B3B"/>
+              </a:solidFill>
+              <a:highlight>
+                <a:srgbClr val="FFFFFF"/>
+              </a:highlight>
+              <a:latin typeface="Courier New"/>
+              <a:ea typeface="Courier New"/>
+              <a:cs typeface="Courier New"/>
+              <a:sym typeface="Courier New"/>
+            </a:endParaRPr>
+          </a:p>
+          <a:p>
+            <a:pPr indent="0" lvl="0" marL="0" rtl="0" algn="l">
+              <a:lnSpc>
+                <a:spcPct val="115000"/>
+              </a:lnSpc>
+              <a:spcBef>
+                <a:spcPts val="0"/>
+              </a:spcBef>
+              <a:spcAft>
+                <a:spcPts val="0"/>
+              </a:spcAft>
+              <a:buClr>
+                <a:schemeClr val="dk1"/>
+              </a:buClr>
+              <a:buSzPts val="1100"/>
+              <a:buFont typeface="Arial"/>
+              <a:buNone/>
+            </a:pPr>
+            <a:r>
+              <a:rPr lang="en" sz="1000">
+                <a:solidFill>
+                  <a:srgbClr val="3B3B3B"/>
+                </a:solidFill>
+                <a:highlight>
+                  <a:srgbClr val="FFFFFF"/>
+                </a:highlight>
+                <a:latin typeface="Courier New"/>
+                <a:ea typeface="Courier New"/>
+                <a:cs typeface="Courier New"/>
+                <a:sym typeface="Courier New"/>
+              </a:rPr>
+              <a:t>   </a:t>
+            </a:r>
+            <a:r>
+              <a:rPr lang="en" sz="1000">
+                <a:solidFill>
+                  <a:srgbClr val="0000FF"/>
+                </a:solidFill>
+                <a:highlight>
+                  <a:srgbClr val="FFFFFF"/>
+                </a:highlight>
+                <a:latin typeface="Courier New"/>
+                <a:ea typeface="Courier New"/>
+                <a:cs typeface="Courier New"/>
+                <a:sym typeface="Courier New"/>
+              </a:rPr>
+              <a:t>protected</a:t>
+            </a:r>
+            <a:r>
+              <a:rPr lang="en" sz="1000">
+                <a:solidFill>
+                  <a:srgbClr val="3B3B3B"/>
+                </a:solidFill>
+                <a:highlight>
+                  <a:srgbClr val="FFFFFF"/>
+                </a:highlight>
+                <a:latin typeface="Courier New"/>
+                <a:ea typeface="Courier New"/>
+                <a:cs typeface="Courier New"/>
+                <a:sym typeface="Courier New"/>
+              </a:rPr>
+              <a:t> </a:t>
+            </a:r>
+            <a:r>
+              <a:rPr lang="en" sz="1000">
+                <a:solidFill>
+                  <a:srgbClr val="795E26"/>
+                </a:solidFill>
+                <a:highlight>
+                  <a:srgbClr val="FFFFFF"/>
+                </a:highlight>
+                <a:latin typeface="Courier New"/>
+                <a:ea typeface="Courier New"/>
+                <a:cs typeface="Courier New"/>
+                <a:sym typeface="Courier New"/>
+              </a:rPr>
+              <a:t>startUp</a:t>
+            </a:r>
+            <a:r>
+              <a:rPr lang="en" sz="1000">
+                <a:solidFill>
+                  <a:srgbClr val="3B3B3B"/>
+                </a:solidFill>
+                <a:highlight>
+                  <a:srgbClr val="FFFFFF"/>
+                </a:highlight>
+                <a:latin typeface="Courier New"/>
+                <a:ea typeface="Courier New"/>
+                <a:cs typeface="Courier New"/>
+                <a:sym typeface="Courier New"/>
+              </a:rPr>
+              <a:t>()</a:t>
+            </a:r>
+            <a:r>
+              <a:rPr lang="en" sz="1000">
+                <a:highlight>
+                  <a:srgbClr val="FFFFFF"/>
+                </a:highlight>
+                <a:latin typeface="Courier New"/>
+                <a:ea typeface="Courier New"/>
+                <a:cs typeface="Courier New"/>
+                <a:sym typeface="Courier New"/>
+              </a:rPr>
+              <a:t>:</a:t>
+            </a:r>
+            <a:r>
+              <a:rPr lang="en" sz="1000">
+                <a:solidFill>
+                  <a:srgbClr val="3B3B3B"/>
+                </a:solidFill>
+                <a:highlight>
+                  <a:srgbClr val="FFFFFF"/>
+                </a:highlight>
+                <a:latin typeface="Courier New"/>
+                <a:ea typeface="Courier New"/>
+                <a:cs typeface="Courier New"/>
+                <a:sym typeface="Courier New"/>
+              </a:rPr>
+              <a:t> </a:t>
+            </a:r>
+            <a:r>
+              <a:rPr lang="en" sz="1000">
+                <a:solidFill>
+                  <a:srgbClr val="267F99"/>
+                </a:solidFill>
+                <a:highlight>
+                  <a:srgbClr val="FFFFFF"/>
+                </a:highlight>
+                <a:latin typeface="Courier New"/>
+                <a:ea typeface="Courier New"/>
+                <a:cs typeface="Courier New"/>
+                <a:sym typeface="Courier New"/>
+              </a:rPr>
+              <a:t>void</a:t>
+            </a:r>
+            <a:r>
+              <a:rPr lang="en" sz="1000">
+                <a:solidFill>
+                  <a:srgbClr val="3B3B3B"/>
+                </a:solidFill>
+                <a:highlight>
+                  <a:srgbClr val="FFFFFF"/>
+                </a:highlight>
+                <a:latin typeface="Courier New"/>
+                <a:ea typeface="Courier New"/>
+                <a:cs typeface="Courier New"/>
+                <a:sym typeface="Courier New"/>
+              </a:rPr>
+              <a:t> {</a:t>
+            </a:r>
+            <a:endParaRPr sz="1000">
+              <a:solidFill>
+                <a:srgbClr val="3B3B3B"/>
+              </a:solidFill>
+              <a:highlight>
+                <a:srgbClr val="FFFFFF"/>
+              </a:highlight>
+              <a:latin typeface="Courier New"/>
+              <a:ea typeface="Courier New"/>
+              <a:cs typeface="Courier New"/>
+              <a:sym typeface="Courier New"/>
+            </a:endParaRPr>
+          </a:p>
+          <a:p>
+            <a:pPr indent="0" lvl="0" marL="0" rtl="0" algn="l">
+              <a:lnSpc>
+                <a:spcPct val="115000"/>
+              </a:lnSpc>
+              <a:spcBef>
+                <a:spcPts val="0"/>
+              </a:spcBef>
+              <a:spcAft>
+                <a:spcPts val="0"/>
+              </a:spcAft>
+              <a:buClr>
+                <a:schemeClr val="dk1"/>
+              </a:buClr>
+              <a:buSzPts val="1100"/>
+              <a:buFont typeface="Arial"/>
+              <a:buNone/>
+            </a:pPr>
+            <a:r>
+              <a:rPr lang="en" sz="1000">
+                <a:solidFill>
+                  <a:srgbClr val="3B3B3B"/>
+                </a:solidFill>
+                <a:highlight>
+                  <a:srgbClr val="FFFFFF"/>
+                </a:highlight>
+                <a:latin typeface="Courier New"/>
+                <a:ea typeface="Courier New"/>
+                <a:cs typeface="Courier New"/>
+                <a:sym typeface="Courier New"/>
+              </a:rPr>
+              <a:t>       </a:t>
+            </a:r>
+            <a:r>
+              <a:rPr lang="en" sz="1000">
+                <a:solidFill>
+                  <a:srgbClr val="0000FF"/>
+                </a:solidFill>
+                <a:highlight>
+                  <a:srgbClr val="FFFFFF"/>
+                </a:highlight>
+                <a:latin typeface="Courier New"/>
+                <a:ea typeface="Courier New"/>
+                <a:cs typeface="Courier New"/>
+                <a:sym typeface="Courier New"/>
+              </a:rPr>
+              <a:t>super</a:t>
+            </a:r>
+            <a:r>
+              <a:rPr lang="en" sz="1000">
+                <a:solidFill>
+                  <a:srgbClr val="3B3B3B"/>
+                </a:solidFill>
+                <a:highlight>
+                  <a:srgbClr val="FFFFFF"/>
+                </a:highlight>
+                <a:latin typeface="Courier New"/>
+                <a:ea typeface="Courier New"/>
+                <a:cs typeface="Courier New"/>
+                <a:sym typeface="Courier New"/>
+              </a:rPr>
+              <a:t>.</a:t>
+            </a:r>
+            <a:r>
+              <a:rPr lang="en" sz="1000">
+                <a:solidFill>
+                  <a:srgbClr val="795E26"/>
+                </a:solidFill>
+                <a:highlight>
+                  <a:srgbClr val="FFFFFF"/>
+                </a:highlight>
+                <a:latin typeface="Courier New"/>
+                <a:ea typeface="Courier New"/>
+                <a:cs typeface="Courier New"/>
+                <a:sym typeface="Courier New"/>
+              </a:rPr>
+              <a:t>startUp</a:t>
+            </a:r>
+            <a:r>
+              <a:rPr lang="en" sz="1000">
+                <a:solidFill>
+                  <a:srgbClr val="3B3B3B"/>
+                </a:solidFill>
+                <a:highlight>
+                  <a:srgbClr val="FFFFFF"/>
+                </a:highlight>
+                <a:latin typeface="Courier New"/>
+                <a:ea typeface="Courier New"/>
+                <a:cs typeface="Courier New"/>
+                <a:sym typeface="Courier New"/>
+              </a:rPr>
+              <a:t>();</a:t>
+            </a:r>
+            <a:endParaRPr sz="1000">
+              <a:solidFill>
+                <a:srgbClr val="3B3B3B"/>
+              </a:solidFill>
+              <a:highlight>
+                <a:srgbClr val="FFFFFF"/>
+              </a:highlight>
+              <a:latin typeface="Courier New"/>
+              <a:ea typeface="Courier New"/>
+              <a:cs typeface="Courier New"/>
+              <a:sym typeface="Courier New"/>
+            </a:endParaRPr>
+          </a:p>
+          <a:p>
+            <a:pPr indent="0" lvl="0" marL="0" rtl="0" algn="l">
+              <a:lnSpc>
+                <a:spcPct val="115000"/>
+              </a:lnSpc>
+              <a:spcBef>
+                <a:spcPts val="0"/>
+              </a:spcBef>
+              <a:spcAft>
+                <a:spcPts val="0"/>
+              </a:spcAft>
+              <a:buClr>
+                <a:schemeClr val="dk1"/>
+              </a:buClr>
+              <a:buSzPts val="1100"/>
+              <a:buFont typeface="Arial"/>
+              <a:buNone/>
+            </a:pPr>
+            <a:r>
+              <a:rPr lang="en" sz="1000">
+                <a:solidFill>
+                  <a:srgbClr val="3B3B3B"/>
+                </a:solidFill>
+                <a:highlight>
+                  <a:srgbClr val="FFFFFF"/>
+                </a:highlight>
+                <a:latin typeface="Courier New"/>
+                <a:ea typeface="Courier New"/>
+                <a:cs typeface="Courier New"/>
+                <a:sym typeface="Courier New"/>
+              </a:rPr>
+              <a:t>       </a:t>
+            </a:r>
+            <a:r>
+              <a:rPr lang="en" sz="1000">
+                <a:solidFill>
+                  <a:srgbClr val="0000FF"/>
+                </a:solidFill>
+                <a:highlight>
+                  <a:srgbClr val="FFFFFF"/>
+                </a:highlight>
+                <a:latin typeface="Courier New"/>
+                <a:ea typeface="Courier New"/>
+                <a:cs typeface="Courier New"/>
+                <a:sym typeface="Courier New"/>
+              </a:rPr>
+              <a:t>this</a:t>
+            </a:r>
+            <a:r>
+              <a:rPr lang="en" sz="1000">
+                <a:solidFill>
+                  <a:srgbClr val="3B3B3B"/>
+                </a:solidFill>
+                <a:highlight>
+                  <a:srgbClr val="FFFFFF"/>
+                </a:highlight>
+                <a:latin typeface="Courier New"/>
+                <a:ea typeface="Courier New"/>
+                <a:cs typeface="Courier New"/>
+                <a:sym typeface="Courier New"/>
+              </a:rPr>
+              <a:t>.</a:t>
+            </a:r>
+            <a:r>
+              <a:rPr lang="en" sz="1000">
+                <a:solidFill>
+                  <a:srgbClr val="795E26"/>
+                </a:solidFill>
+                <a:highlight>
+                  <a:srgbClr val="FFFFFF"/>
+                </a:highlight>
+                <a:latin typeface="Courier New"/>
+                <a:ea typeface="Courier New"/>
+                <a:cs typeface="Courier New"/>
+                <a:sym typeface="Courier New"/>
+              </a:rPr>
+              <a:t>startService</a:t>
+            </a:r>
+            <a:r>
+              <a:rPr lang="en" sz="1000">
+                <a:solidFill>
+                  <a:srgbClr val="3B3B3B"/>
+                </a:solidFill>
+                <a:highlight>
+                  <a:srgbClr val="FFFFFF"/>
+                </a:highlight>
+                <a:latin typeface="Courier New"/>
+                <a:ea typeface="Courier New"/>
+                <a:cs typeface="Courier New"/>
+                <a:sym typeface="Courier New"/>
+              </a:rPr>
+              <a:t>();</a:t>
+            </a:r>
+            <a:endParaRPr sz="1000">
+              <a:solidFill>
+                <a:srgbClr val="3B3B3B"/>
+              </a:solidFill>
+              <a:highlight>
+                <a:srgbClr val="FFFFFF"/>
+              </a:highlight>
+              <a:latin typeface="Courier New"/>
+              <a:ea typeface="Courier New"/>
+              <a:cs typeface="Courier New"/>
+              <a:sym typeface="Courier New"/>
+            </a:endParaRPr>
+          </a:p>
+          <a:p>
+            <a:pPr indent="0" lvl="0" marL="0" rtl="0" algn="l">
+              <a:lnSpc>
+                <a:spcPct val="115000"/>
+              </a:lnSpc>
+              <a:spcBef>
+                <a:spcPts val="0"/>
+              </a:spcBef>
+              <a:spcAft>
+                <a:spcPts val="0"/>
+              </a:spcAft>
+              <a:buClr>
+                <a:schemeClr val="dk1"/>
+              </a:buClr>
+              <a:buSzPts val="1100"/>
+              <a:buFont typeface="Arial"/>
+              <a:buNone/>
+            </a:pPr>
+            <a:r>
+              <a:rPr lang="en" sz="1000">
+                <a:solidFill>
+                  <a:srgbClr val="3B3B3B"/>
+                </a:solidFill>
+                <a:highlight>
+                  <a:srgbClr val="FFFFFF"/>
+                </a:highlight>
+                <a:latin typeface="Courier New"/>
+                <a:ea typeface="Courier New"/>
+                <a:cs typeface="Courier New"/>
+                <a:sym typeface="Courier New"/>
+              </a:rPr>
+              <a:t>   }</a:t>
+            </a:r>
+            <a:endParaRPr sz="1000">
+              <a:solidFill>
+                <a:srgbClr val="3B3B3B"/>
+              </a:solidFill>
+              <a:highlight>
+                <a:srgbClr val="FFFFFF"/>
+              </a:highlight>
+              <a:latin typeface="Courier New"/>
+              <a:ea typeface="Courier New"/>
+              <a:cs typeface="Courier New"/>
+              <a:sym typeface="Courier New"/>
+            </a:endParaRPr>
+          </a:p>
+          <a:p>
+            <a:pPr indent="0" lvl="0" marL="0" rtl="0" algn="l">
+              <a:lnSpc>
+                <a:spcPct val="115000"/>
+              </a:lnSpc>
+              <a:spcBef>
+                <a:spcPts val="0"/>
+              </a:spcBef>
+              <a:spcAft>
+                <a:spcPts val="0"/>
+              </a:spcAft>
+              <a:buClr>
+                <a:schemeClr val="dk1"/>
+              </a:buClr>
+              <a:buSzPts val="1100"/>
+              <a:buFont typeface="Arial"/>
+              <a:buNone/>
+            </a:pPr>
+            <a:r>
+              <a:t/>
+            </a:r>
+            <a:endParaRPr sz="1000">
+              <a:solidFill>
+                <a:srgbClr val="3B3B3B"/>
+              </a:solidFill>
+              <a:highlight>
+                <a:srgbClr val="FFFFFF"/>
+              </a:highlight>
+              <a:latin typeface="Courier New"/>
+              <a:ea typeface="Courier New"/>
+              <a:cs typeface="Courier New"/>
+              <a:sym typeface="Courier New"/>
+            </a:endParaRPr>
+          </a:p>
+          <a:p>
+            <a:pPr indent="0" lvl="0" marL="0" rtl="0" algn="l">
+              <a:lnSpc>
+                <a:spcPct val="115000"/>
+              </a:lnSpc>
+              <a:spcBef>
+                <a:spcPts val="0"/>
+              </a:spcBef>
+              <a:spcAft>
+                <a:spcPts val="0"/>
+              </a:spcAft>
+              <a:buClr>
+                <a:schemeClr val="dk1"/>
+              </a:buClr>
+              <a:buSzPts val="1100"/>
+              <a:buFont typeface="Arial"/>
+              <a:buNone/>
+            </a:pPr>
+            <a:r>
+              <a:rPr lang="en" sz="1000">
+                <a:solidFill>
+                  <a:srgbClr val="3B3B3B"/>
+                </a:solidFill>
+                <a:highlight>
+                  <a:srgbClr val="FFFFFF"/>
+                </a:highlight>
+                <a:latin typeface="Courier New"/>
+                <a:ea typeface="Courier New"/>
+                <a:cs typeface="Courier New"/>
+                <a:sym typeface="Courier New"/>
+              </a:rPr>
+              <a:t>   </a:t>
+            </a:r>
+            <a:r>
+              <a:rPr lang="en" sz="1000">
+                <a:solidFill>
+                  <a:srgbClr val="0000FF"/>
+                </a:solidFill>
+                <a:highlight>
+                  <a:srgbClr val="FFFFFF"/>
+                </a:highlight>
+                <a:latin typeface="Courier New"/>
+                <a:ea typeface="Courier New"/>
+                <a:cs typeface="Courier New"/>
+                <a:sym typeface="Courier New"/>
+              </a:rPr>
+              <a:t>protected</a:t>
+            </a:r>
+            <a:r>
+              <a:rPr lang="en" sz="1000">
+                <a:solidFill>
+                  <a:srgbClr val="3B3B3B"/>
+                </a:solidFill>
+                <a:highlight>
+                  <a:srgbClr val="FFFFFF"/>
+                </a:highlight>
+                <a:latin typeface="Courier New"/>
+                <a:ea typeface="Courier New"/>
+                <a:cs typeface="Courier New"/>
+                <a:sym typeface="Courier New"/>
+              </a:rPr>
+              <a:t> </a:t>
+            </a:r>
+            <a:r>
+              <a:rPr lang="en" sz="1000">
+                <a:solidFill>
+                  <a:srgbClr val="795E26"/>
+                </a:solidFill>
+                <a:highlight>
+                  <a:srgbClr val="FFFFFF"/>
+                </a:highlight>
+                <a:latin typeface="Courier New"/>
+                <a:ea typeface="Courier New"/>
+                <a:cs typeface="Courier New"/>
+                <a:sym typeface="Courier New"/>
+              </a:rPr>
+              <a:t>startService</a:t>
+            </a:r>
+            <a:r>
+              <a:rPr lang="en" sz="1000">
+                <a:solidFill>
+                  <a:srgbClr val="3B3B3B"/>
+                </a:solidFill>
+                <a:highlight>
+                  <a:srgbClr val="FFFFFF"/>
+                </a:highlight>
+                <a:latin typeface="Courier New"/>
+                <a:ea typeface="Courier New"/>
+                <a:cs typeface="Courier New"/>
+                <a:sym typeface="Courier New"/>
+              </a:rPr>
+              <a:t>()</a:t>
+            </a:r>
+            <a:r>
+              <a:rPr lang="en" sz="1000">
+                <a:highlight>
+                  <a:srgbClr val="FFFFFF"/>
+                </a:highlight>
+                <a:latin typeface="Courier New"/>
+                <a:ea typeface="Courier New"/>
+                <a:cs typeface="Courier New"/>
+                <a:sym typeface="Courier New"/>
+              </a:rPr>
+              <a:t>:</a:t>
+            </a:r>
+            <a:r>
+              <a:rPr lang="en" sz="1000">
+                <a:solidFill>
+                  <a:srgbClr val="3B3B3B"/>
+                </a:solidFill>
+                <a:highlight>
+                  <a:srgbClr val="FFFFFF"/>
+                </a:highlight>
+                <a:latin typeface="Courier New"/>
+                <a:ea typeface="Courier New"/>
+                <a:cs typeface="Courier New"/>
+                <a:sym typeface="Courier New"/>
+              </a:rPr>
+              <a:t> </a:t>
+            </a:r>
+            <a:r>
+              <a:rPr lang="en" sz="1000">
+                <a:solidFill>
+                  <a:srgbClr val="267F99"/>
+                </a:solidFill>
+                <a:highlight>
+                  <a:srgbClr val="FFFFFF"/>
+                </a:highlight>
+                <a:latin typeface="Courier New"/>
+                <a:ea typeface="Courier New"/>
+                <a:cs typeface="Courier New"/>
+                <a:sym typeface="Courier New"/>
+              </a:rPr>
+              <a:t>void</a:t>
+            </a:r>
+            <a:r>
+              <a:rPr lang="en" sz="1000">
+                <a:solidFill>
+                  <a:srgbClr val="3B3B3B"/>
+                </a:solidFill>
+                <a:highlight>
+                  <a:srgbClr val="FFFFFF"/>
+                </a:highlight>
+                <a:latin typeface="Courier New"/>
+                <a:ea typeface="Courier New"/>
+                <a:cs typeface="Courier New"/>
+                <a:sym typeface="Courier New"/>
+              </a:rPr>
+              <a:t> { /* </a:t>
+            </a:r>
+            <a:r>
+              <a:rPr lang="en" sz="1000">
+                <a:solidFill>
+                  <a:srgbClr val="3B3B3B"/>
+                </a:solidFill>
+                <a:highlight>
+                  <a:srgbClr val="FFFFFF"/>
+                </a:highlight>
+                <a:latin typeface="Courier New"/>
+                <a:ea typeface="Courier New"/>
+                <a:cs typeface="Courier New"/>
+                <a:sym typeface="Courier New"/>
+              </a:rPr>
+              <a:t>... */ </a:t>
+            </a:r>
+            <a:r>
+              <a:rPr lang="en" sz="1000">
+                <a:solidFill>
+                  <a:srgbClr val="3B3B3B"/>
+                </a:solidFill>
+                <a:highlight>
+                  <a:srgbClr val="FFFFFF"/>
+                </a:highlight>
+                <a:latin typeface="Courier New"/>
+                <a:ea typeface="Courier New"/>
+                <a:cs typeface="Courier New"/>
+                <a:sym typeface="Courier New"/>
+              </a:rPr>
+              <a:t>}</a:t>
+            </a:r>
+            <a:endParaRPr sz="1000">
+              <a:solidFill>
+                <a:srgbClr val="3B3B3B"/>
+              </a:solidFill>
+              <a:highlight>
+                <a:srgbClr val="FFFFFF"/>
+              </a:highlight>
+              <a:latin typeface="Courier New"/>
+              <a:ea typeface="Courier New"/>
+              <a:cs typeface="Courier New"/>
+              <a:sym typeface="Courier New"/>
+            </a:endParaRPr>
+          </a:p>
+          <a:p>
+            <a:pPr indent="0" lvl="0" marL="0" rtl="0" algn="l">
+              <a:lnSpc>
+                <a:spcPct val="115000"/>
+              </a:lnSpc>
+              <a:spcBef>
+                <a:spcPts val="0"/>
+              </a:spcBef>
+              <a:spcAft>
+                <a:spcPts val="0"/>
+              </a:spcAft>
+              <a:buClr>
+                <a:schemeClr val="dk1"/>
+              </a:buClr>
+              <a:buSzPts val="1100"/>
+              <a:buFont typeface="Arial"/>
+              <a:buNone/>
+            </a:pPr>
+            <a:r>
+              <a:t/>
+            </a:r>
+            <a:endParaRPr sz="1000">
+              <a:solidFill>
+                <a:srgbClr val="3B3B3B"/>
+              </a:solidFill>
+              <a:highlight>
+                <a:srgbClr val="FFFFFF"/>
+              </a:highlight>
+              <a:latin typeface="Courier New"/>
+              <a:ea typeface="Courier New"/>
+              <a:cs typeface="Courier New"/>
+              <a:sym typeface="Courier New"/>
+            </a:endParaRPr>
+          </a:p>
+          <a:p>
+            <a:pPr indent="0" lvl="0" marL="0" rtl="0" algn="l">
+              <a:lnSpc>
+                <a:spcPct val="115000"/>
+              </a:lnSpc>
+              <a:spcBef>
+                <a:spcPts val="0"/>
+              </a:spcBef>
+              <a:spcAft>
+                <a:spcPts val="0"/>
+              </a:spcAft>
+              <a:buClr>
+                <a:schemeClr val="dk1"/>
+              </a:buClr>
+              <a:buSzPts val="1100"/>
+              <a:buFont typeface="Arial"/>
+              <a:buNone/>
+            </a:pPr>
+            <a:r>
+              <a:rPr lang="en" sz="1000">
+                <a:solidFill>
+                  <a:srgbClr val="3B3B3B"/>
+                </a:solidFill>
+                <a:highlight>
+                  <a:srgbClr val="FFFFFF"/>
+                </a:highlight>
+                <a:latin typeface="Courier New"/>
+                <a:ea typeface="Courier New"/>
+                <a:cs typeface="Courier New"/>
+                <a:sym typeface="Courier New"/>
+              </a:rPr>
+              <a:t>   </a:t>
+            </a:r>
+            <a:r>
+              <a:rPr lang="en" sz="1000">
+                <a:solidFill>
+                  <a:srgbClr val="0000FF"/>
+                </a:solidFill>
+                <a:highlight>
+                  <a:srgbClr val="FFFFFF"/>
+                </a:highlight>
+                <a:latin typeface="Courier New"/>
+                <a:ea typeface="Courier New"/>
+                <a:cs typeface="Courier New"/>
+                <a:sym typeface="Courier New"/>
+              </a:rPr>
+              <a:t>protected</a:t>
+            </a:r>
+            <a:r>
+              <a:rPr lang="en" sz="1000">
+                <a:solidFill>
+                  <a:srgbClr val="3B3B3B"/>
+                </a:solidFill>
+                <a:highlight>
+                  <a:srgbClr val="FFFFFF"/>
+                </a:highlight>
+                <a:latin typeface="Courier New"/>
+                <a:ea typeface="Courier New"/>
+                <a:cs typeface="Courier New"/>
+                <a:sym typeface="Courier New"/>
+              </a:rPr>
+              <a:t> </a:t>
+            </a:r>
+            <a:r>
+              <a:rPr lang="en" sz="1000">
+                <a:solidFill>
+                  <a:srgbClr val="795E26"/>
+                </a:solidFill>
+                <a:highlight>
+                  <a:srgbClr val="FFFFFF"/>
+                </a:highlight>
+                <a:latin typeface="Courier New"/>
+                <a:ea typeface="Courier New"/>
+                <a:cs typeface="Courier New"/>
+                <a:sym typeface="Courier New"/>
+              </a:rPr>
+              <a:t>execute</a:t>
+            </a:r>
+            <a:r>
+              <a:rPr lang="en" sz="1000">
+                <a:solidFill>
+                  <a:srgbClr val="3B3B3B"/>
+                </a:solidFill>
+                <a:highlight>
+                  <a:srgbClr val="FFFFFF"/>
+                </a:highlight>
+                <a:latin typeface="Courier New"/>
+                <a:ea typeface="Courier New"/>
+                <a:cs typeface="Courier New"/>
+                <a:sym typeface="Courier New"/>
+              </a:rPr>
+              <a:t>()</a:t>
+            </a:r>
+            <a:r>
+              <a:rPr lang="en" sz="1000">
+                <a:highlight>
+                  <a:srgbClr val="FFFFFF"/>
+                </a:highlight>
+                <a:latin typeface="Courier New"/>
+                <a:ea typeface="Courier New"/>
+                <a:cs typeface="Courier New"/>
+                <a:sym typeface="Courier New"/>
+              </a:rPr>
+              <a:t>:</a:t>
+            </a:r>
+            <a:r>
+              <a:rPr lang="en" sz="1000">
+                <a:solidFill>
+                  <a:srgbClr val="3B3B3B"/>
+                </a:solidFill>
+                <a:highlight>
+                  <a:srgbClr val="FFFFFF"/>
+                </a:highlight>
+                <a:latin typeface="Courier New"/>
+                <a:ea typeface="Courier New"/>
+                <a:cs typeface="Courier New"/>
+                <a:sym typeface="Courier New"/>
+              </a:rPr>
+              <a:t> </a:t>
+            </a:r>
+            <a:r>
+              <a:rPr lang="en" sz="1000">
+                <a:solidFill>
+                  <a:srgbClr val="267F99"/>
+                </a:solidFill>
+                <a:highlight>
+                  <a:srgbClr val="FFFFFF"/>
+                </a:highlight>
+                <a:latin typeface="Courier New"/>
+                <a:ea typeface="Courier New"/>
+                <a:cs typeface="Courier New"/>
+                <a:sym typeface="Courier New"/>
+              </a:rPr>
+              <a:t>void</a:t>
+            </a:r>
+            <a:r>
+              <a:rPr lang="en" sz="1000">
+                <a:solidFill>
+                  <a:srgbClr val="3B3B3B"/>
+                </a:solidFill>
+                <a:highlight>
+                  <a:srgbClr val="FFFFFF"/>
+                </a:highlight>
+                <a:latin typeface="Courier New"/>
+                <a:ea typeface="Courier New"/>
+                <a:cs typeface="Courier New"/>
+                <a:sym typeface="Courier New"/>
+              </a:rPr>
+              <a:t> {</a:t>
+            </a:r>
+            <a:endParaRPr sz="1000">
+              <a:solidFill>
+                <a:srgbClr val="3B3B3B"/>
+              </a:solidFill>
+              <a:highlight>
+                <a:srgbClr val="FFFFFF"/>
+              </a:highlight>
+              <a:latin typeface="Courier New"/>
+              <a:ea typeface="Courier New"/>
+              <a:cs typeface="Courier New"/>
+              <a:sym typeface="Courier New"/>
+            </a:endParaRPr>
+          </a:p>
+          <a:p>
+            <a:pPr indent="0" lvl="0" marL="0" rtl="0" algn="l">
+              <a:lnSpc>
+                <a:spcPct val="115000"/>
+              </a:lnSpc>
+              <a:spcBef>
+                <a:spcPts val="0"/>
+              </a:spcBef>
+              <a:spcAft>
+                <a:spcPts val="0"/>
+              </a:spcAft>
+              <a:buClr>
+                <a:schemeClr val="dk1"/>
+              </a:buClr>
+              <a:buSzPts val="1100"/>
+              <a:buFont typeface="Arial"/>
+              <a:buNone/>
+            </a:pPr>
+            <a:r>
+              <a:rPr lang="en" sz="1000">
+                <a:solidFill>
+                  <a:srgbClr val="3B3B3B"/>
+                </a:solidFill>
+                <a:highlight>
+                  <a:srgbClr val="FFFFFF"/>
+                </a:highlight>
+                <a:latin typeface="Courier New"/>
+                <a:ea typeface="Courier New"/>
+                <a:cs typeface="Courier New"/>
+                <a:sym typeface="Courier New"/>
+              </a:rPr>
+              <a:t>       </a:t>
+            </a:r>
+            <a:r>
+              <a:rPr lang="en" sz="1000">
+                <a:solidFill>
+                  <a:srgbClr val="008000"/>
+                </a:solidFill>
+                <a:highlight>
+                  <a:srgbClr val="FFFFFF"/>
+                </a:highlight>
+                <a:latin typeface="Courier New"/>
+                <a:ea typeface="Courier New"/>
+                <a:cs typeface="Courier New"/>
+                <a:sym typeface="Courier New"/>
+              </a:rPr>
+              <a:t>// start main event loop</a:t>
+            </a:r>
+            <a:endParaRPr sz="1000">
+              <a:solidFill>
+                <a:srgbClr val="008000"/>
+              </a:solidFill>
+              <a:highlight>
+                <a:srgbClr val="FFFFFF"/>
+              </a:highlight>
+              <a:latin typeface="Courier New"/>
+              <a:ea typeface="Courier New"/>
+              <a:cs typeface="Courier New"/>
+              <a:sym typeface="Courier New"/>
+            </a:endParaRPr>
+          </a:p>
+          <a:p>
+            <a:pPr indent="0" lvl="0" marL="0" rtl="0" algn="l">
+              <a:lnSpc>
+                <a:spcPct val="115000"/>
+              </a:lnSpc>
+              <a:spcBef>
+                <a:spcPts val="0"/>
+              </a:spcBef>
+              <a:spcAft>
+                <a:spcPts val="0"/>
+              </a:spcAft>
+              <a:buClr>
+                <a:schemeClr val="dk1"/>
+              </a:buClr>
+              <a:buSzPts val="1100"/>
+              <a:buFont typeface="Arial"/>
+              <a:buNone/>
+            </a:pPr>
+            <a:r>
+              <a:rPr lang="en" sz="1000">
+                <a:solidFill>
+                  <a:srgbClr val="3B3B3B"/>
+                </a:solidFill>
+                <a:highlight>
+                  <a:srgbClr val="FFFFFF"/>
+                </a:highlight>
+                <a:latin typeface="Courier New"/>
+                <a:ea typeface="Courier New"/>
+                <a:cs typeface="Courier New"/>
+                <a:sym typeface="Courier New"/>
+              </a:rPr>
+              <a:t>   }</a:t>
+            </a:r>
+            <a:endParaRPr sz="1000">
+              <a:solidFill>
+                <a:srgbClr val="3B3B3B"/>
+              </a:solidFill>
+              <a:highlight>
+                <a:srgbClr val="FFFFFF"/>
+              </a:highlight>
+              <a:latin typeface="Courier New"/>
+              <a:ea typeface="Courier New"/>
+              <a:cs typeface="Courier New"/>
+              <a:sym typeface="Courier New"/>
+            </a:endParaRPr>
+          </a:p>
+          <a:p>
+            <a:pPr indent="0" lvl="0" marL="0" rtl="0" algn="l">
+              <a:lnSpc>
+                <a:spcPct val="115000"/>
+              </a:lnSpc>
+              <a:spcBef>
+                <a:spcPts val="0"/>
+              </a:spcBef>
+              <a:spcAft>
+                <a:spcPts val="0"/>
+              </a:spcAft>
+              <a:buClr>
+                <a:schemeClr val="dk1"/>
+              </a:buClr>
+              <a:buSzPts val="1100"/>
+              <a:buFont typeface="Arial"/>
+              <a:buNone/>
+            </a:pPr>
+            <a:r>
+              <a:t/>
+            </a:r>
+            <a:endParaRPr sz="1000">
+              <a:solidFill>
+                <a:srgbClr val="3B3B3B"/>
+              </a:solidFill>
+              <a:highlight>
+                <a:srgbClr val="FFFFFF"/>
+              </a:highlight>
+              <a:latin typeface="Courier New"/>
+              <a:ea typeface="Courier New"/>
+              <a:cs typeface="Courier New"/>
+              <a:sym typeface="Courier New"/>
+            </a:endParaRPr>
+          </a:p>
+          <a:p>
+            <a:pPr indent="0" lvl="0" marL="0" rtl="0" algn="l">
+              <a:lnSpc>
+                <a:spcPct val="115000"/>
+              </a:lnSpc>
+              <a:spcBef>
+                <a:spcPts val="0"/>
+              </a:spcBef>
+              <a:spcAft>
+                <a:spcPts val="0"/>
+              </a:spcAft>
+              <a:buClr>
+                <a:schemeClr val="dk1"/>
+              </a:buClr>
+              <a:buSzPts val="1100"/>
+              <a:buFont typeface="Arial"/>
+              <a:buNone/>
+            </a:pPr>
+            <a:r>
+              <a:rPr lang="en" sz="1000">
+                <a:solidFill>
+                  <a:srgbClr val="3B3B3B"/>
+                </a:solidFill>
+                <a:highlight>
+                  <a:srgbClr val="FFFFFF"/>
+                </a:highlight>
+                <a:latin typeface="Courier New"/>
+                <a:ea typeface="Courier New"/>
+                <a:cs typeface="Courier New"/>
+                <a:sym typeface="Courier New"/>
+              </a:rPr>
+              <a:t>   </a:t>
+            </a:r>
+            <a:r>
+              <a:rPr lang="en" sz="1000">
+                <a:solidFill>
+                  <a:srgbClr val="0000FF"/>
+                </a:solidFill>
+                <a:highlight>
+                  <a:srgbClr val="FFFFFF"/>
+                </a:highlight>
+                <a:latin typeface="Courier New"/>
+                <a:ea typeface="Courier New"/>
+                <a:cs typeface="Courier New"/>
+                <a:sym typeface="Courier New"/>
+              </a:rPr>
+              <a:t>protected</a:t>
+            </a:r>
+            <a:r>
+              <a:rPr lang="en" sz="1000">
+                <a:solidFill>
+                  <a:srgbClr val="3B3B3B"/>
+                </a:solidFill>
+                <a:highlight>
+                  <a:srgbClr val="FFFFFF"/>
+                </a:highlight>
+                <a:latin typeface="Courier New"/>
+                <a:ea typeface="Courier New"/>
+                <a:cs typeface="Courier New"/>
+                <a:sym typeface="Courier New"/>
+              </a:rPr>
+              <a:t> </a:t>
+            </a:r>
+            <a:r>
+              <a:rPr lang="en" sz="1000">
+                <a:solidFill>
+                  <a:srgbClr val="795E26"/>
+                </a:solidFill>
+                <a:highlight>
+                  <a:srgbClr val="FFFFFF"/>
+                </a:highlight>
+                <a:latin typeface="Courier New"/>
+                <a:ea typeface="Courier New"/>
+                <a:cs typeface="Courier New"/>
+                <a:sym typeface="Courier New"/>
+              </a:rPr>
+              <a:t>shutDown</a:t>
+            </a:r>
+            <a:r>
+              <a:rPr lang="en" sz="1000">
+                <a:solidFill>
+                  <a:srgbClr val="3B3B3B"/>
+                </a:solidFill>
+                <a:highlight>
+                  <a:srgbClr val="FFFFFF"/>
+                </a:highlight>
+                <a:latin typeface="Courier New"/>
+                <a:ea typeface="Courier New"/>
+                <a:cs typeface="Courier New"/>
+                <a:sym typeface="Courier New"/>
+              </a:rPr>
+              <a:t>()</a:t>
+            </a:r>
+            <a:r>
+              <a:rPr lang="en" sz="1000">
+                <a:highlight>
+                  <a:srgbClr val="FFFFFF"/>
+                </a:highlight>
+                <a:latin typeface="Courier New"/>
+                <a:ea typeface="Courier New"/>
+                <a:cs typeface="Courier New"/>
+                <a:sym typeface="Courier New"/>
+              </a:rPr>
+              <a:t>:</a:t>
+            </a:r>
+            <a:r>
+              <a:rPr lang="en" sz="1000">
+                <a:solidFill>
+                  <a:srgbClr val="3B3B3B"/>
+                </a:solidFill>
+                <a:highlight>
+                  <a:srgbClr val="FFFFFF"/>
+                </a:highlight>
+                <a:latin typeface="Courier New"/>
+                <a:ea typeface="Courier New"/>
+                <a:cs typeface="Courier New"/>
+                <a:sym typeface="Courier New"/>
+              </a:rPr>
+              <a:t> </a:t>
+            </a:r>
+            <a:r>
+              <a:rPr lang="en" sz="1000">
+                <a:solidFill>
+                  <a:srgbClr val="267F99"/>
+                </a:solidFill>
+                <a:highlight>
+                  <a:srgbClr val="FFFFFF"/>
+                </a:highlight>
+                <a:latin typeface="Courier New"/>
+                <a:ea typeface="Courier New"/>
+                <a:cs typeface="Courier New"/>
+                <a:sym typeface="Courier New"/>
+              </a:rPr>
+              <a:t>void</a:t>
+            </a:r>
+            <a:r>
+              <a:rPr lang="en" sz="1000">
+                <a:solidFill>
+                  <a:srgbClr val="3B3B3B"/>
+                </a:solidFill>
+                <a:highlight>
+                  <a:srgbClr val="FFFFFF"/>
+                </a:highlight>
+                <a:latin typeface="Courier New"/>
+                <a:ea typeface="Courier New"/>
+                <a:cs typeface="Courier New"/>
+                <a:sym typeface="Courier New"/>
+              </a:rPr>
+              <a:t> {</a:t>
+            </a:r>
+            <a:endParaRPr sz="1000">
+              <a:solidFill>
+                <a:srgbClr val="3B3B3B"/>
+              </a:solidFill>
+              <a:highlight>
+                <a:srgbClr val="FFFFFF"/>
+              </a:highlight>
+              <a:latin typeface="Courier New"/>
+              <a:ea typeface="Courier New"/>
+              <a:cs typeface="Courier New"/>
+              <a:sym typeface="Courier New"/>
+            </a:endParaRPr>
+          </a:p>
+          <a:p>
+            <a:pPr indent="0" lvl="0" marL="0" rtl="0" algn="l">
+              <a:lnSpc>
+                <a:spcPct val="115000"/>
+              </a:lnSpc>
+              <a:spcBef>
+                <a:spcPts val="0"/>
+              </a:spcBef>
+              <a:spcAft>
+                <a:spcPts val="0"/>
+              </a:spcAft>
+              <a:buClr>
+                <a:schemeClr val="dk1"/>
+              </a:buClr>
+              <a:buSzPts val="1100"/>
+              <a:buFont typeface="Arial"/>
+              <a:buNone/>
+            </a:pPr>
+            <a:r>
+              <a:rPr lang="en" sz="1000">
+                <a:solidFill>
+                  <a:srgbClr val="3B3B3B"/>
+                </a:solidFill>
+                <a:highlight>
+                  <a:srgbClr val="FFFFFF"/>
+                </a:highlight>
+                <a:latin typeface="Courier New"/>
+                <a:ea typeface="Courier New"/>
+                <a:cs typeface="Courier New"/>
+                <a:sym typeface="Courier New"/>
+              </a:rPr>
+              <a:t>       </a:t>
+            </a:r>
+            <a:r>
+              <a:rPr lang="en" sz="1000">
+                <a:solidFill>
+                  <a:srgbClr val="0000FF"/>
+                </a:solidFill>
+                <a:highlight>
+                  <a:srgbClr val="FFFFFF"/>
+                </a:highlight>
+                <a:latin typeface="Courier New"/>
+                <a:ea typeface="Courier New"/>
+                <a:cs typeface="Courier New"/>
+                <a:sym typeface="Courier New"/>
+              </a:rPr>
+              <a:t>this</a:t>
+            </a:r>
+            <a:r>
+              <a:rPr lang="en" sz="1000">
+                <a:solidFill>
+                  <a:srgbClr val="3B3B3B"/>
+                </a:solidFill>
+                <a:highlight>
+                  <a:srgbClr val="FFFFFF"/>
+                </a:highlight>
+                <a:latin typeface="Courier New"/>
+                <a:ea typeface="Courier New"/>
+                <a:cs typeface="Courier New"/>
+                <a:sym typeface="Courier New"/>
+              </a:rPr>
+              <a:t>.</a:t>
+            </a:r>
+            <a:r>
+              <a:rPr lang="en" sz="1000">
+                <a:solidFill>
+                  <a:srgbClr val="795E26"/>
+                </a:solidFill>
+                <a:highlight>
+                  <a:srgbClr val="FFFFFF"/>
+                </a:highlight>
+                <a:latin typeface="Courier New"/>
+                <a:ea typeface="Courier New"/>
+                <a:cs typeface="Courier New"/>
+                <a:sym typeface="Courier New"/>
+              </a:rPr>
+              <a:t>closeService</a:t>
+            </a:r>
+            <a:r>
+              <a:rPr lang="en" sz="1000">
+                <a:solidFill>
+                  <a:srgbClr val="3B3B3B"/>
+                </a:solidFill>
+                <a:highlight>
+                  <a:srgbClr val="FFFFFF"/>
+                </a:highlight>
+                <a:latin typeface="Courier New"/>
+                <a:ea typeface="Courier New"/>
+                <a:cs typeface="Courier New"/>
+                <a:sym typeface="Courier New"/>
+              </a:rPr>
+              <a:t>();       </a:t>
+            </a:r>
+            <a:endParaRPr sz="1000">
+              <a:solidFill>
+                <a:srgbClr val="3B3B3B"/>
+              </a:solidFill>
+              <a:highlight>
+                <a:srgbClr val="FFFFFF"/>
+              </a:highlight>
+              <a:latin typeface="Courier New"/>
+              <a:ea typeface="Courier New"/>
+              <a:cs typeface="Courier New"/>
+              <a:sym typeface="Courier New"/>
+            </a:endParaRPr>
+          </a:p>
+          <a:p>
+            <a:pPr indent="0" lvl="0" marL="0" rtl="0" algn="l">
+              <a:lnSpc>
+                <a:spcPct val="115000"/>
+              </a:lnSpc>
+              <a:spcBef>
+                <a:spcPts val="0"/>
+              </a:spcBef>
+              <a:spcAft>
+                <a:spcPts val="0"/>
+              </a:spcAft>
+              <a:buClr>
+                <a:schemeClr val="dk1"/>
+              </a:buClr>
+              <a:buSzPts val="1100"/>
+              <a:buFont typeface="Arial"/>
+              <a:buNone/>
+            </a:pPr>
+            <a:r>
+              <a:rPr lang="en" sz="1000">
+                <a:solidFill>
+                  <a:srgbClr val="3B3B3B"/>
+                </a:solidFill>
+                <a:highlight>
+                  <a:srgbClr val="FFFFFF"/>
+                </a:highlight>
+                <a:latin typeface="Courier New"/>
+                <a:ea typeface="Courier New"/>
+                <a:cs typeface="Courier New"/>
+                <a:sym typeface="Courier New"/>
+              </a:rPr>
+              <a:t>       </a:t>
+            </a:r>
+            <a:r>
+              <a:rPr lang="en" sz="1000">
+                <a:solidFill>
+                  <a:srgbClr val="0000FF"/>
+                </a:solidFill>
+                <a:highlight>
+                  <a:srgbClr val="FFFFFF"/>
+                </a:highlight>
+                <a:latin typeface="Courier New"/>
+                <a:ea typeface="Courier New"/>
+                <a:cs typeface="Courier New"/>
+                <a:sym typeface="Courier New"/>
+              </a:rPr>
+              <a:t>super</a:t>
+            </a:r>
+            <a:r>
+              <a:rPr lang="en" sz="1000">
+                <a:solidFill>
+                  <a:srgbClr val="3B3B3B"/>
+                </a:solidFill>
+                <a:highlight>
+                  <a:srgbClr val="FFFFFF"/>
+                </a:highlight>
+                <a:latin typeface="Courier New"/>
+                <a:ea typeface="Courier New"/>
+                <a:cs typeface="Courier New"/>
+                <a:sym typeface="Courier New"/>
+              </a:rPr>
+              <a:t>.</a:t>
+            </a:r>
+            <a:r>
+              <a:rPr lang="en" sz="1000">
+                <a:solidFill>
+                  <a:srgbClr val="795E26"/>
+                </a:solidFill>
+                <a:highlight>
+                  <a:srgbClr val="FFFFFF"/>
+                </a:highlight>
+                <a:latin typeface="Courier New"/>
+                <a:ea typeface="Courier New"/>
+                <a:cs typeface="Courier New"/>
+                <a:sym typeface="Courier New"/>
+              </a:rPr>
+              <a:t>shutDown</a:t>
+            </a:r>
+            <a:r>
+              <a:rPr lang="en" sz="1000">
+                <a:solidFill>
+                  <a:srgbClr val="3B3B3B"/>
+                </a:solidFill>
+                <a:highlight>
+                  <a:srgbClr val="FFFFFF"/>
+                </a:highlight>
+                <a:latin typeface="Courier New"/>
+                <a:ea typeface="Courier New"/>
+                <a:cs typeface="Courier New"/>
+                <a:sym typeface="Courier New"/>
+              </a:rPr>
+              <a:t>();</a:t>
+            </a:r>
+            <a:endParaRPr sz="1000">
+              <a:solidFill>
+                <a:srgbClr val="3B3B3B"/>
+              </a:solidFill>
+              <a:highlight>
+                <a:srgbClr val="FFFFFF"/>
+              </a:highlight>
+              <a:latin typeface="Courier New"/>
+              <a:ea typeface="Courier New"/>
+              <a:cs typeface="Courier New"/>
+              <a:sym typeface="Courier New"/>
+            </a:endParaRPr>
+          </a:p>
+          <a:p>
+            <a:pPr indent="0" lvl="0" marL="0" rtl="0" algn="l">
+              <a:lnSpc>
+                <a:spcPct val="115000"/>
+              </a:lnSpc>
+              <a:spcBef>
+                <a:spcPts val="0"/>
+              </a:spcBef>
+              <a:spcAft>
+                <a:spcPts val="0"/>
+              </a:spcAft>
+              <a:buClr>
+                <a:schemeClr val="dk1"/>
+              </a:buClr>
+              <a:buSzPts val="1100"/>
+              <a:buFont typeface="Arial"/>
+              <a:buNone/>
+            </a:pPr>
+            <a:r>
+              <a:rPr lang="en" sz="1000">
+                <a:solidFill>
+                  <a:srgbClr val="3B3B3B"/>
+                </a:solidFill>
+                <a:highlight>
+                  <a:srgbClr val="FFFFFF"/>
+                </a:highlight>
+                <a:latin typeface="Courier New"/>
+                <a:ea typeface="Courier New"/>
+                <a:cs typeface="Courier New"/>
+                <a:sym typeface="Courier New"/>
+              </a:rPr>
+              <a:t>   }</a:t>
+            </a:r>
+            <a:endParaRPr sz="1000">
+              <a:solidFill>
+                <a:srgbClr val="3B3B3B"/>
+              </a:solidFill>
+              <a:highlight>
+                <a:srgbClr val="FFFFFF"/>
+              </a:highlight>
+              <a:latin typeface="Courier New"/>
+              <a:ea typeface="Courier New"/>
+              <a:cs typeface="Courier New"/>
+              <a:sym typeface="Courier New"/>
+            </a:endParaRPr>
+          </a:p>
+          <a:p>
+            <a:pPr indent="0" lvl="0" marL="0" rtl="0" algn="l">
+              <a:lnSpc>
+                <a:spcPct val="115000"/>
+              </a:lnSpc>
+              <a:spcBef>
+                <a:spcPts val="0"/>
+              </a:spcBef>
+              <a:spcAft>
+                <a:spcPts val="0"/>
+              </a:spcAft>
+              <a:buClr>
+                <a:schemeClr val="dk1"/>
+              </a:buClr>
+              <a:buSzPts val="1100"/>
+              <a:buFont typeface="Arial"/>
+              <a:buNone/>
+            </a:pPr>
+            <a:r>
+              <a:t/>
+            </a:r>
+            <a:endParaRPr sz="1000">
+              <a:solidFill>
+                <a:srgbClr val="3B3B3B"/>
+              </a:solidFill>
+              <a:highlight>
+                <a:srgbClr val="FFFFFF"/>
+              </a:highlight>
+              <a:latin typeface="Courier New"/>
+              <a:ea typeface="Courier New"/>
+              <a:cs typeface="Courier New"/>
+              <a:sym typeface="Courier New"/>
+            </a:endParaRPr>
+          </a:p>
+          <a:p>
+            <a:pPr indent="0" lvl="0" marL="0" rtl="0" algn="l">
+              <a:lnSpc>
+                <a:spcPct val="115000"/>
+              </a:lnSpc>
+              <a:spcBef>
+                <a:spcPts val="0"/>
+              </a:spcBef>
+              <a:spcAft>
+                <a:spcPts val="0"/>
+              </a:spcAft>
+              <a:buClr>
+                <a:schemeClr val="dk1"/>
+              </a:buClr>
+              <a:buSzPts val="1100"/>
+              <a:buFont typeface="Arial"/>
+              <a:buNone/>
+            </a:pPr>
+            <a:r>
+              <a:rPr lang="en" sz="1000">
+                <a:solidFill>
+                  <a:srgbClr val="3B3B3B"/>
+                </a:solidFill>
+                <a:highlight>
+                  <a:srgbClr val="FFFFFF"/>
+                </a:highlight>
+                <a:latin typeface="Courier New"/>
+                <a:ea typeface="Courier New"/>
+                <a:cs typeface="Courier New"/>
+                <a:sym typeface="Courier New"/>
+              </a:rPr>
+              <a:t>   </a:t>
+            </a:r>
+            <a:r>
+              <a:rPr lang="en" sz="1000">
+                <a:solidFill>
+                  <a:srgbClr val="0000FF"/>
+                </a:solidFill>
+                <a:highlight>
+                  <a:srgbClr val="FFFFFF"/>
+                </a:highlight>
+                <a:latin typeface="Courier New"/>
+                <a:ea typeface="Courier New"/>
+                <a:cs typeface="Courier New"/>
+                <a:sym typeface="Courier New"/>
+              </a:rPr>
+              <a:t>protected</a:t>
+            </a:r>
+            <a:r>
+              <a:rPr lang="en" sz="1000">
+                <a:solidFill>
+                  <a:srgbClr val="3B3B3B"/>
+                </a:solidFill>
+                <a:highlight>
+                  <a:srgbClr val="FFFFFF"/>
+                </a:highlight>
+                <a:latin typeface="Courier New"/>
+                <a:ea typeface="Courier New"/>
+                <a:cs typeface="Courier New"/>
+                <a:sym typeface="Courier New"/>
+              </a:rPr>
+              <a:t> </a:t>
+            </a:r>
+            <a:r>
+              <a:rPr lang="en" sz="1000">
+                <a:solidFill>
+                  <a:srgbClr val="795E26"/>
+                </a:solidFill>
+                <a:highlight>
+                  <a:srgbClr val="FFFFFF"/>
+                </a:highlight>
+                <a:latin typeface="Courier New"/>
+                <a:ea typeface="Courier New"/>
+                <a:cs typeface="Courier New"/>
+                <a:sym typeface="Courier New"/>
+              </a:rPr>
+              <a:t>closeService</a:t>
+            </a:r>
+            <a:r>
+              <a:rPr lang="en" sz="1000">
+                <a:solidFill>
+                  <a:srgbClr val="3B3B3B"/>
+                </a:solidFill>
+                <a:highlight>
+                  <a:srgbClr val="FFFFFF"/>
+                </a:highlight>
+                <a:latin typeface="Courier New"/>
+                <a:ea typeface="Courier New"/>
+                <a:cs typeface="Courier New"/>
+                <a:sym typeface="Courier New"/>
+              </a:rPr>
+              <a:t>()</a:t>
+            </a:r>
+            <a:r>
+              <a:rPr lang="en" sz="1000">
+                <a:highlight>
+                  <a:srgbClr val="FFFFFF"/>
+                </a:highlight>
+                <a:latin typeface="Courier New"/>
+                <a:ea typeface="Courier New"/>
+                <a:cs typeface="Courier New"/>
+                <a:sym typeface="Courier New"/>
+              </a:rPr>
+              <a:t>:</a:t>
+            </a:r>
+            <a:r>
+              <a:rPr lang="en" sz="1000">
+                <a:solidFill>
+                  <a:srgbClr val="3B3B3B"/>
+                </a:solidFill>
+                <a:highlight>
+                  <a:srgbClr val="FFFFFF"/>
+                </a:highlight>
+                <a:latin typeface="Courier New"/>
+                <a:ea typeface="Courier New"/>
+                <a:cs typeface="Courier New"/>
+                <a:sym typeface="Courier New"/>
+              </a:rPr>
+              <a:t> </a:t>
+            </a:r>
+            <a:r>
+              <a:rPr lang="en" sz="1000">
+                <a:solidFill>
+                  <a:srgbClr val="267F99"/>
+                </a:solidFill>
+                <a:highlight>
+                  <a:srgbClr val="FFFFFF"/>
+                </a:highlight>
+                <a:latin typeface="Courier New"/>
+                <a:ea typeface="Courier New"/>
+                <a:cs typeface="Courier New"/>
+                <a:sym typeface="Courier New"/>
+              </a:rPr>
+              <a:t>void</a:t>
+            </a:r>
+            <a:r>
+              <a:rPr lang="en" sz="1000">
+                <a:solidFill>
+                  <a:srgbClr val="3B3B3B"/>
+                </a:solidFill>
+                <a:highlight>
+                  <a:srgbClr val="FFFFFF"/>
+                </a:highlight>
+                <a:latin typeface="Courier New"/>
+                <a:ea typeface="Courier New"/>
+                <a:cs typeface="Courier New"/>
+                <a:sym typeface="Courier New"/>
+              </a:rPr>
+              <a:t> </a:t>
+            </a:r>
+            <a:r>
+              <a:rPr lang="en" sz="1000">
+                <a:solidFill>
+                  <a:srgbClr val="3B3B3B"/>
+                </a:solidFill>
+                <a:highlight>
+                  <a:srgbClr val="FFFFFF"/>
+                </a:highlight>
+                <a:latin typeface="Courier New"/>
+                <a:ea typeface="Courier New"/>
+                <a:cs typeface="Courier New"/>
+                <a:sym typeface="Courier New"/>
+              </a:rPr>
+              <a:t>{ /* ... */ }</a:t>
+            </a:r>
+            <a:endParaRPr sz="1000">
+              <a:solidFill>
+                <a:srgbClr val="3B3B3B"/>
+              </a:solidFill>
+              <a:highlight>
+                <a:srgbClr val="FFFFFF"/>
+              </a:highlight>
+              <a:latin typeface="Courier New"/>
+              <a:ea typeface="Courier New"/>
+              <a:cs typeface="Courier New"/>
+              <a:sym typeface="Courier New"/>
+            </a:endParaRPr>
+          </a:p>
+          <a:p>
+            <a:pPr indent="0" lvl="0" marL="0" rtl="0" algn="l">
+              <a:lnSpc>
+                <a:spcPct val="115000"/>
+              </a:lnSpc>
+              <a:spcBef>
+                <a:spcPts val="0"/>
+              </a:spcBef>
+              <a:spcAft>
+                <a:spcPts val="0"/>
+              </a:spcAft>
+              <a:buNone/>
+            </a:pPr>
+            <a:r>
+              <a:t/>
+            </a:r>
+            <a:endParaRPr sz="1000">
+              <a:solidFill>
+                <a:srgbClr val="3B3B3B"/>
+              </a:solidFill>
+              <a:highlight>
+                <a:srgbClr val="FFFFFF"/>
+              </a:highlight>
+              <a:latin typeface="Courier New"/>
+              <a:ea typeface="Courier New"/>
+              <a:cs typeface="Courier New"/>
+              <a:sym typeface="Courier New"/>
+            </a:endParaRPr>
+          </a:p>
+          <a:p>
+            <a:pPr indent="0" lvl="0" marL="0" rtl="0" algn="l">
+              <a:lnSpc>
+                <a:spcPct val="115000"/>
+              </a:lnSpc>
+              <a:spcBef>
+                <a:spcPts val="0"/>
+              </a:spcBef>
+              <a:spcAft>
+                <a:spcPts val="0"/>
+              </a:spcAft>
+              <a:buClr>
+                <a:schemeClr val="dk1"/>
+              </a:buClr>
+              <a:buSzPts val="1100"/>
+              <a:buFont typeface="Arial"/>
+              <a:buNone/>
+            </a:pPr>
+            <a:r>
+              <a:rPr lang="en" sz="1000">
+                <a:solidFill>
+                  <a:srgbClr val="3B3B3B"/>
+                </a:solidFill>
+                <a:highlight>
+                  <a:srgbClr val="FFFFFF"/>
+                </a:highlight>
+                <a:latin typeface="Courier New"/>
+                <a:ea typeface="Courier New"/>
+                <a:cs typeface="Courier New"/>
+                <a:sym typeface="Courier New"/>
+              </a:rPr>
+              <a:t>}</a:t>
+            </a:r>
+            <a:endParaRPr sz="1000">
+              <a:solidFill>
+                <a:srgbClr val="3B3B3B"/>
+              </a:solidFill>
+              <a:highlight>
+                <a:srgbClr val="FFFFFF"/>
+              </a:highlight>
+              <a:latin typeface="Courier New"/>
+              <a:ea typeface="Courier New"/>
+              <a:cs typeface="Courier New"/>
+              <a:sym typeface="Courier New"/>
+            </a:endParaRPr>
+          </a:p>
+          <a:p>
+            <a:pPr indent="0" lvl="0" marL="0" rtl="0" algn="l">
+              <a:lnSpc>
+                <a:spcPct val="115000"/>
+              </a:lnSpc>
+              <a:spcBef>
+                <a:spcPts val="0"/>
+              </a:spcBef>
+              <a:spcAft>
+                <a:spcPts val="0"/>
+              </a:spcAft>
+              <a:buNone/>
+            </a:pPr>
+            <a:r>
+              <a:t/>
+            </a:r>
+            <a:endParaRPr sz="1000">
+              <a:solidFill>
+                <a:srgbClr val="AF00DB"/>
+              </a:solidFill>
+              <a:highlight>
+                <a:srgbClr val="FFFFFF"/>
+              </a:highlight>
+              <a:latin typeface="Courier New"/>
+              <a:ea typeface="Courier New"/>
+              <a:cs typeface="Courier New"/>
+              <a:sym typeface="Courier New"/>
+            </a:endParaRPr>
+          </a:p>
+        </p:txBody>
+      </p:sp>
+      <p:sp>
+        <p:nvSpPr>
+          <p:cNvPr id="280" name="Google Shape;280;p43"/>
+          <p:cNvSpPr txBox="1"/>
+          <p:nvPr>
+            <p:ph idx="2" type="body"/>
+          </p:nvPr>
+        </p:nvSpPr>
+        <p:spPr>
+          <a:xfrm>
+            <a:off x="4846320" y="914400"/>
+            <a:ext cx="4114800" cy="4114800"/>
+          </a:xfrm>
+          <a:prstGeom prst="rect">
+            <a:avLst/>
+          </a:prstGeom>
+        </p:spPr>
+        <p:txBody>
+          <a:bodyPr anchorCtr="0" anchor="t" bIns="0" lIns="0" spcFirstLastPara="1" rIns="0" wrap="square" tIns="0">
+            <a:noAutofit/>
+          </a:bodyPr>
+          <a:lstStyle/>
+          <a:p>
+            <a:pPr indent="0" lvl="0" marL="0" rtl="0" algn="l">
+              <a:lnSpc>
+                <a:spcPct val="115000"/>
+              </a:lnSpc>
+              <a:spcBef>
+                <a:spcPts val="0"/>
+              </a:spcBef>
+              <a:spcAft>
+                <a:spcPts val="0"/>
+              </a:spcAft>
+              <a:buClr>
+                <a:schemeClr val="dk1"/>
+              </a:buClr>
+              <a:buSzPts val="1100"/>
+              <a:buFont typeface="Arial"/>
+              <a:buNone/>
+            </a:pPr>
+            <a:r>
+              <a:rPr lang="en" sz="1000">
+                <a:solidFill>
+                  <a:srgbClr val="AF00DB"/>
+                </a:solidFill>
+                <a:highlight>
+                  <a:srgbClr val="FFFFFF"/>
+                </a:highlight>
+                <a:latin typeface="Courier New"/>
+                <a:ea typeface="Courier New"/>
+                <a:cs typeface="Courier New"/>
+                <a:sym typeface="Courier New"/>
+              </a:rPr>
+              <a:t>import</a:t>
+            </a:r>
+            <a:r>
+              <a:rPr lang="en" sz="1000">
+                <a:solidFill>
+                  <a:srgbClr val="3B3B3B"/>
+                </a:solidFill>
+                <a:highlight>
+                  <a:srgbClr val="FFFFFF"/>
+                </a:highlight>
+                <a:latin typeface="Courier New"/>
+                <a:ea typeface="Courier New"/>
+                <a:cs typeface="Courier New"/>
+                <a:sym typeface="Courier New"/>
+              </a:rPr>
+              <a:t> { </a:t>
+            </a:r>
+            <a:r>
+              <a:rPr lang="en" sz="1000">
+                <a:solidFill>
+                  <a:srgbClr val="001080"/>
+                </a:solidFill>
+                <a:highlight>
+                  <a:srgbClr val="FFFFFF"/>
+                </a:highlight>
+                <a:latin typeface="Courier New"/>
+                <a:ea typeface="Courier New"/>
+                <a:cs typeface="Courier New"/>
+                <a:sym typeface="Courier New"/>
+              </a:rPr>
+              <a:t>ServiceMain</a:t>
+            </a:r>
+            <a:r>
+              <a:rPr lang="en" sz="1000">
+                <a:solidFill>
+                  <a:srgbClr val="3B3B3B"/>
+                </a:solidFill>
+                <a:highlight>
+                  <a:srgbClr val="FFFFFF"/>
+                </a:highlight>
+                <a:latin typeface="Courier New"/>
+                <a:ea typeface="Courier New"/>
+                <a:cs typeface="Courier New"/>
+                <a:sym typeface="Courier New"/>
+              </a:rPr>
+              <a:t> } </a:t>
+            </a:r>
+            <a:r>
+              <a:rPr lang="en" sz="1000">
+                <a:solidFill>
+                  <a:srgbClr val="AF00DB"/>
+                </a:solidFill>
+                <a:highlight>
+                  <a:srgbClr val="FFFFFF"/>
+                </a:highlight>
+                <a:latin typeface="Courier New"/>
+                <a:ea typeface="Courier New"/>
+                <a:cs typeface="Courier New"/>
+                <a:sym typeface="Courier New"/>
+              </a:rPr>
+              <a:t>from</a:t>
+            </a:r>
+            <a:r>
+              <a:rPr lang="en" sz="1000">
+                <a:solidFill>
+                  <a:srgbClr val="3B3B3B"/>
+                </a:solidFill>
+                <a:highlight>
+                  <a:srgbClr val="FFFFFF"/>
+                </a:highlight>
+                <a:latin typeface="Courier New"/>
+                <a:ea typeface="Courier New"/>
+                <a:cs typeface="Courier New"/>
+                <a:sym typeface="Courier New"/>
+              </a:rPr>
+              <a:t> </a:t>
+            </a:r>
+            <a:r>
+              <a:rPr lang="en" sz="1000">
+                <a:solidFill>
+                  <a:srgbClr val="A31515"/>
+                </a:solidFill>
+                <a:highlight>
+                  <a:srgbClr val="FFFFFF"/>
+                </a:highlight>
+                <a:latin typeface="Courier New"/>
+                <a:ea typeface="Courier New"/>
+                <a:cs typeface="Courier New"/>
+                <a:sym typeface="Courier New"/>
+              </a:rPr>
+              <a:t>"./ServiceMain"</a:t>
+            </a:r>
+            <a:r>
+              <a:rPr lang="en" sz="1000">
+                <a:solidFill>
+                  <a:srgbClr val="3B3B3B"/>
+                </a:solidFill>
+                <a:highlight>
+                  <a:srgbClr val="FFFFFF"/>
+                </a:highlight>
+                <a:latin typeface="Courier New"/>
+                <a:ea typeface="Courier New"/>
+                <a:cs typeface="Courier New"/>
+                <a:sym typeface="Courier New"/>
+              </a:rPr>
+              <a:t>;</a:t>
+            </a:r>
+            <a:endParaRPr sz="1000">
+              <a:solidFill>
+                <a:srgbClr val="3B3B3B"/>
+              </a:solidFill>
+              <a:highlight>
+                <a:srgbClr val="FFFFFF"/>
+              </a:highlight>
+              <a:latin typeface="Courier New"/>
+              <a:ea typeface="Courier New"/>
+              <a:cs typeface="Courier New"/>
+              <a:sym typeface="Courier New"/>
+            </a:endParaRPr>
+          </a:p>
+          <a:p>
+            <a:pPr indent="0" lvl="0" marL="0" rtl="0" algn="l">
+              <a:lnSpc>
+                <a:spcPct val="115000"/>
+              </a:lnSpc>
+              <a:spcBef>
+                <a:spcPts val="0"/>
+              </a:spcBef>
+              <a:spcAft>
+                <a:spcPts val="0"/>
+              </a:spcAft>
+              <a:buNone/>
+            </a:pPr>
+            <a:r>
+              <a:t/>
+            </a:r>
+            <a:endParaRPr sz="1000">
+              <a:solidFill>
+                <a:srgbClr val="AF00DB"/>
+              </a:solidFill>
+              <a:highlight>
+                <a:srgbClr val="FFFFFF"/>
+              </a:highlight>
+              <a:latin typeface="Courier New"/>
+              <a:ea typeface="Courier New"/>
+              <a:cs typeface="Courier New"/>
+              <a:sym typeface="Courier New"/>
+            </a:endParaRPr>
+          </a:p>
+          <a:p>
+            <a:pPr indent="0" lvl="0" marL="0" rtl="0" algn="l">
+              <a:lnSpc>
+                <a:spcPct val="115000"/>
+              </a:lnSpc>
+              <a:spcBef>
+                <a:spcPts val="0"/>
+              </a:spcBef>
+              <a:spcAft>
+                <a:spcPts val="0"/>
+              </a:spcAft>
+              <a:buClr>
+                <a:schemeClr val="dk1"/>
+              </a:buClr>
+              <a:buSzPts val="1100"/>
+              <a:buFont typeface="Arial"/>
+              <a:buNone/>
+            </a:pPr>
+            <a:r>
+              <a:rPr lang="en" sz="1000">
+                <a:solidFill>
+                  <a:srgbClr val="AF00DB"/>
+                </a:solidFill>
+                <a:highlight>
+                  <a:srgbClr val="FFFFFF"/>
+                </a:highlight>
+                <a:latin typeface="Courier New"/>
+                <a:ea typeface="Courier New"/>
+                <a:cs typeface="Courier New"/>
+                <a:sym typeface="Courier New"/>
+              </a:rPr>
+              <a:t>export</a:t>
+            </a:r>
+            <a:r>
+              <a:rPr lang="en" sz="1000">
+                <a:solidFill>
+                  <a:srgbClr val="3B3B3B"/>
+                </a:solidFill>
+                <a:highlight>
+                  <a:srgbClr val="FFFFFF"/>
+                </a:highlight>
+                <a:latin typeface="Courier New"/>
+                <a:ea typeface="Courier New"/>
+                <a:cs typeface="Courier New"/>
+                <a:sym typeface="Courier New"/>
+              </a:rPr>
+              <a:t> </a:t>
+            </a:r>
+            <a:r>
+              <a:rPr lang="en" sz="1000">
+                <a:solidFill>
+                  <a:srgbClr val="0000FF"/>
+                </a:solidFill>
+                <a:highlight>
+                  <a:srgbClr val="FFFFFF"/>
+                </a:highlight>
+                <a:latin typeface="Courier New"/>
+                <a:ea typeface="Courier New"/>
+                <a:cs typeface="Courier New"/>
+                <a:sym typeface="Courier New"/>
+              </a:rPr>
+              <a:t>class</a:t>
+            </a:r>
+            <a:r>
+              <a:rPr lang="en" sz="1000">
+                <a:solidFill>
+                  <a:srgbClr val="3B3B3B"/>
+                </a:solidFill>
+                <a:highlight>
+                  <a:srgbClr val="FFFFFF"/>
+                </a:highlight>
+                <a:latin typeface="Courier New"/>
+                <a:ea typeface="Courier New"/>
+                <a:cs typeface="Courier New"/>
+                <a:sym typeface="Courier New"/>
+              </a:rPr>
+              <a:t> </a:t>
+            </a:r>
+            <a:r>
+              <a:rPr lang="en" sz="1000">
+                <a:solidFill>
+                  <a:srgbClr val="267F99"/>
+                </a:solidFill>
+                <a:highlight>
+                  <a:srgbClr val="FFFFFF"/>
+                </a:highlight>
+                <a:latin typeface="Courier New"/>
+                <a:ea typeface="Courier New"/>
+                <a:cs typeface="Courier New"/>
+                <a:sym typeface="Courier New"/>
+              </a:rPr>
+              <a:t>MyAppMain</a:t>
+            </a:r>
+            <a:r>
+              <a:rPr lang="en" sz="1000">
+                <a:solidFill>
+                  <a:srgbClr val="3B3B3B"/>
+                </a:solidFill>
+                <a:highlight>
+                  <a:srgbClr val="FFFFFF"/>
+                </a:highlight>
+                <a:latin typeface="Courier New"/>
+                <a:ea typeface="Courier New"/>
+                <a:cs typeface="Courier New"/>
+                <a:sym typeface="Courier New"/>
+              </a:rPr>
+              <a:t> </a:t>
+            </a:r>
+            <a:r>
+              <a:rPr lang="en" sz="1000">
+                <a:solidFill>
+                  <a:srgbClr val="0000FF"/>
+                </a:solidFill>
+                <a:highlight>
+                  <a:srgbClr val="FFFFFF"/>
+                </a:highlight>
+                <a:latin typeface="Courier New"/>
+                <a:ea typeface="Courier New"/>
+                <a:cs typeface="Courier New"/>
+                <a:sym typeface="Courier New"/>
+              </a:rPr>
+              <a:t>extends</a:t>
+            </a:r>
+            <a:r>
+              <a:rPr lang="en" sz="1000">
+                <a:solidFill>
+                  <a:srgbClr val="3B3B3B"/>
+                </a:solidFill>
+                <a:highlight>
+                  <a:srgbClr val="FFFFFF"/>
+                </a:highlight>
+                <a:latin typeface="Courier New"/>
+                <a:ea typeface="Courier New"/>
+                <a:cs typeface="Courier New"/>
+                <a:sym typeface="Courier New"/>
+              </a:rPr>
+              <a:t> </a:t>
+            </a:r>
+            <a:r>
+              <a:rPr lang="en" sz="1000">
+                <a:solidFill>
+                  <a:srgbClr val="267F99"/>
+                </a:solidFill>
+                <a:highlight>
+                  <a:srgbClr val="FFFFFF"/>
+                </a:highlight>
+                <a:latin typeface="Courier New"/>
+                <a:ea typeface="Courier New"/>
+                <a:cs typeface="Courier New"/>
+                <a:sym typeface="Courier New"/>
+              </a:rPr>
+              <a:t>ServiceMain</a:t>
+            </a:r>
+            <a:r>
+              <a:rPr lang="en" sz="1000">
+                <a:solidFill>
+                  <a:srgbClr val="3B3B3B"/>
+                </a:solidFill>
+                <a:highlight>
+                  <a:srgbClr val="FFFFFF"/>
+                </a:highlight>
+                <a:latin typeface="Courier New"/>
+                <a:ea typeface="Courier New"/>
+                <a:cs typeface="Courier New"/>
+                <a:sym typeface="Courier New"/>
+              </a:rPr>
+              <a:t> {</a:t>
+            </a:r>
+            <a:endParaRPr sz="1000">
+              <a:solidFill>
+                <a:srgbClr val="3B3B3B"/>
+              </a:solidFill>
+              <a:highlight>
+                <a:srgbClr val="FFFFFF"/>
+              </a:highlight>
+              <a:latin typeface="Courier New"/>
+              <a:ea typeface="Courier New"/>
+              <a:cs typeface="Courier New"/>
+              <a:sym typeface="Courier New"/>
+            </a:endParaRPr>
+          </a:p>
+          <a:p>
+            <a:pPr indent="0" lvl="0" marL="0" rtl="0" algn="l">
+              <a:lnSpc>
+                <a:spcPct val="115000"/>
+              </a:lnSpc>
+              <a:spcBef>
+                <a:spcPts val="0"/>
+              </a:spcBef>
+              <a:spcAft>
+                <a:spcPts val="0"/>
+              </a:spcAft>
+              <a:buNone/>
+            </a:pPr>
+            <a:r>
+              <a:t/>
+            </a:r>
+            <a:endParaRPr sz="1000">
+              <a:solidFill>
+                <a:srgbClr val="3B3B3B"/>
+              </a:solidFill>
+              <a:highlight>
+                <a:srgbClr val="FFFFFF"/>
+              </a:highlight>
+              <a:latin typeface="Courier New"/>
+              <a:ea typeface="Courier New"/>
+              <a:cs typeface="Courier New"/>
+              <a:sym typeface="Courier New"/>
+            </a:endParaRPr>
+          </a:p>
+          <a:p>
+            <a:pPr indent="0" lvl="0" marL="0" rtl="0" algn="l">
+              <a:lnSpc>
+                <a:spcPct val="115000"/>
+              </a:lnSpc>
+              <a:spcBef>
+                <a:spcPts val="0"/>
+              </a:spcBef>
+              <a:spcAft>
+                <a:spcPts val="0"/>
+              </a:spcAft>
+              <a:buClr>
+                <a:schemeClr val="dk1"/>
+              </a:buClr>
+              <a:buSzPts val="1100"/>
+              <a:buFont typeface="Arial"/>
+              <a:buNone/>
+            </a:pPr>
+            <a:r>
+              <a:rPr lang="en" sz="1000">
+                <a:solidFill>
+                  <a:srgbClr val="3B3B3B"/>
+                </a:solidFill>
+                <a:highlight>
+                  <a:srgbClr val="FFFFFF"/>
+                </a:highlight>
+                <a:latin typeface="Courier New"/>
+                <a:ea typeface="Courier New"/>
+                <a:cs typeface="Courier New"/>
+                <a:sym typeface="Courier New"/>
+              </a:rPr>
+              <a:t>   </a:t>
+            </a:r>
+            <a:r>
+              <a:rPr lang="en" sz="1000">
+                <a:solidFill>
+                  <a:srgbClr val="0000FF"/>
+                </a:solidFill>
+                <a:highlight>
+                  <a:srgbClr val="FFFFFF"/>
+                </a:highlight>
+                <a:latin typeface="Courier New"/>
+                <a:ea typeface="Courier New"/>
+                <a:cs typeface="Courier New"/>
+                <a:sym typeface="Courier New"/>
+              </a:rPr>
+              <a:t>protected</a:t>
+            </a:r>
+            <a:r>
+              <a:rPr lang="en" sz="1000">
+                <a:solidFill>
+                  <a:srgbClr val="3B3B3B"/>
+                </a:solidFill>
+                <a:highlight>
+                  <a:srgbClr val="FFFFFF"/>
+                </a:highlight>
+                <a:latin typeface="Courier New"/>
+                <a:ea typeface="Courier New"/>
+                <a:cs typeface="Courier New"/>
+                <a:sym typeface="Courier New"/>
+              </a:rPr>
+              <a:t> </a:t>
+            </a:r>
+            <a:r>
+              <a:rPr lang="en" sz="1000">
+                <a:solidFill>
+                  <a:srgbClr val="795E26"/>
+                </a:solidFill>
+                <a:highlight>
+                  <a:srgbClr val="FFFFFF"/>
+                </a:highlight>
+                <a:latin typeface="Courier New"/>
+                <a:ea typeface="Courier New"/>
+                <a:cs typeface="Courier New"/>
+                <a:sym typeface="Courier New"/>
+              </a:rPr>
+              <a:t>loadModel</a:t>
+            </a:r>
+            <a:r>
+              <a:rPr lang="en" sz="1000">
+                <a:solidFill>
+                  <a:srgbClr val="3B3B3B"/>
+                </a:solidFill>
+                <a:highlight>
+                  <a:srgbClr val="FFFFFF"/>
+                </a:highlight>
+                <a:latin typeface="Courier New"/>
+                <a:ea typeface="Courier New"/>
+                <a:cs typeface="Courier New"/>
+                <a:sym typeface="Courier New"/>
+              </a:rPr>
+              <a:t>()</a:t>
+            </a:r>
+            <a:r>
+              <a:rPr lang="en" sz="1000">
+                <a:highlight>
+                  <a:srgbClr val="FFFFFF"/>
+                </a:highlight>
+                <a:latin typeface="Courier New"/>
+                <a:ea typeface="Courier New"/>
+                <a:cs typeface="Courier New"/>
+                <a:sym typeface="Courier New"/>
+              </a:rPr>
+              <a:t>:</a:t>
+            </a:r>
+            <a:r>
+              <a:rPr lang="en" sz="1000">
+                <a:solidFill>
+                  <a:srgbClr val="3B3B3B"/>
+                </a:solidFill>
+                <a:highlight>
+                  <a:srgbClr val="FFFFFF"/>
+                </a:highlight>
+                <a:latin typeface="Courier New"/>
+                <a:ea typeface="Courier New"/>
+                <a:cs typeface="Courier New"/>
+                <a:sym typeface="Courier New"/>
+              </a:rPr>
+              <a:t> </a:t>
+            </a:r>
+            <a:r>
+              <a:rPr lang="en" sz="1000">
+                <a:solidFill>
+                  <a:srgbClr val="267F99"/>
+                </a:solidFill>
+                <a:highlight>
+                  <a:srgbClr val="FFFFFF"/>
+                </a:highlight>
+                <a:latin typeface="Courier New"/>
+                <a:ea typeface="Courier New"/>
+                <a:cs typeface="Courier New"/>
+                <a:sym typeface="Courier New"/>
+              </a:rPr>
+              <a:t>void</a:t>
+            </a:r>
+            <a:r>
+              <a:rPr lang="en" sz="1000">
+                <a:solidFill>
+                  <a:srgbClr val="3B3B3B"/>
+                </a:solidFill>
+                <a:highlight>
+                  <a:srgbClr val="FFFFFF"/>
+                </a:highlight>
+                <a:latin typeface="Courier New"/>
+                <a:ea typeface="Courier New"/>
+                <a:cs typeface="Courier New"/>
+                <a:sym typeface="Courier New"/>
+              </a:rPr>
+              <a:t> {</a:t>
+            </a:r>
+            <a:endParaRPr sz="1000">
+              <a:solidFill>
+                <a:srgbClr val="3B3B3B"/>
+              </a:solidFill>
+              <a:highlight>
+                <a:srgbClr val="FFFFFF"/>
+              </a:highlight>
+              <a:latin typeface="Courier New"/>
+              <a:ea typeface="Courier New"/>
+              <a:cs typeface="Courier New"/>
+              <a:sym typeface="Courier New"/>
+            </a:endParaRPr>
+          </a:p>
+          <a:p>
+            <a:pPr indent="0" lvl="0" marL="0" rtl="0" algn="l">
+              <a:lnSpc>
+                <a:spcPct val="115000"/>
+              </a:lnSpc>
+              <a:spcBef>
+                <a:spcPts val="0"/>
+              </a:spcBef>
+              <a:spcAft>
+                <a:spcPts val="0"/>
+              </a:spcAft>
+              <a:buClr>
+                <a:schemeClr val="dk1"/>
+              </a:buClr>
+              <a:buSzPts val="1100"/>
+              <a:buFont typeface="Arial"/>
+              <a:buNone/>
+            </a:pPr>
+            <a:r>
+              <a:rPr lang="en" sz="1000">
+                <a:solidFill>
+                  <a:srgbClr val="3B3B3B"/>
+                </a:solidFill>
+                <a:highlight>
+                  <a:srgbClr val="FFFFFF"/>
+                </a:highlight>
+                <a:latin typeface="Courier New"/>
+                <a:ea typeface="Courier New"/>
+                <a:cs typeface="Courier New"/>
+                <a:sym typeface="Courier New"/>
+              </a:rPr>
+              <a:t>       </a:t>
+            </a:r>
+            <a:r>
+              <a:rPr lang="en" sz="1000">
+                <a:solidFill>
+                  <a:srgbClr val="008000"/>
+                </a:solidFill>
+                <a:highlight>
+                  <a:srgbClr val="FFFFFF"/>
+                </a:highlight>
+                <a:latin typeface="Courier New"/>
+                <a:ea typeface="Courier New"/>
+                <a:cs typeface="Courier New"/>
+                <a:sym typeface="Courier New"/>
+              </a:rPr>
+              <a:t>// do something</a:t>
+            </a:r>
+            <a:endParaRPr sz="1000">
+              <a:solidFill>
+                <a:srgbClr val="008000"/>
+              </a:solidFill>
+              <a:highlight>
+                <a:srgbClr val="FFFFFF"/>
+              </a:highlight>
+              <a:latin typeface="Courier New"/>
+              <a:ea typeface="Courier New"/>
+              <a:cs typeface="Courier New"/>
+              <a:sym typeface="Courier New"/>
+            </a:endParaRPr>
+          </a:p>
+          <a:p>
+            <a:pPr indent="0" lvl="0" marL="0" rtl="0" algn="l">
+              <a:lnSpc>
+                <a:spcPct val="115000"/>
+              </a:lnSpc>
+              <a:spcBef>
+                <a:spcPts val="0"/>
+              </a:spcBef>
+              <a:spcAft>
+                <a:spcPts val="0"/>
+              </a:spcAft>
+              <a:buClr>
+                <a:schemeClr val="dk1"/>
+              </a:buClr>
+              <a:buSzPts val="1100"/>
+              <a:buFont typeface="Arial"/>
+              <a:buNone/>
+            </a:pPr>
+            <a:r>
+              <a:rPr lang="en" sz="1000">
+                <a:solidFill>
+                  <a:srgbClr val="3B3B3B"/>
+                </a:solidFill>
+                <a:highlight>
+                  <a:srgbClr val="FFFFFF"/>
+                </a:highlight>
+                <a:latin typeface="Courier New"/>
+                <a:ea typeface="Courier New"/>
+                <a:cs typeface="Courier New"/>
+                <a:sym typeface="Courier New"/>
+              </a:rPr>
+              <a:t>   }</a:t>
+            </a:r>
+            <a:endParaRPr sz="1000">
+              <a:solidFill>
+                <a:srgbClr val="3B3B3B"/>
+              </a:solidFill>
+              <a:highlight>
+                <a:srgbClr val="FFFFFF"/>
+              </a:highlight>
+              <a:latin typeface="Courier New"/>
+              <a:ea typeface="Courier New"/>
+              <a:cs typeface="Courier New"/>
+              <a:sym typeface="Courier New"/>
+            </a:endParaRPr>
+          </a:p>
+          <a:p>
+            <a:pPr indent="0" lvl="0" marL="0" rtl="0" algn="l">
+              <a:lnSpc>
+                <a:spcPct val="115000"/>
+              </a:lnSpc>
+              <a:spcBef>
+                <a:spcPts val="0"/>
+              </a:spcBef>
+              <a:spcAft>
+                <a:spcPts val="0"/>
+              </a:spcAft>
+              <a:buClr>
+                <a:schemeClr val="dk1"/>
+              </a:buClr>
+              <a:buSzPts val="1100"/>
+              <a:buFont typeface="Arial"/>
+              <a:buNone/>
+            </a:pPr>
+            <a:r>
+              <a:t/>
+            </a:r>
+            <a:endParaRPr sz="1000">
+              <a:solidFill>
+                <a:srgbClr val="3B3B3B"/>
+              </a:solidFill>
+              <a:highlight>
+                <a:srgbClr val="FFFFFF"/>
+              </a:highlight>
+              <a:latin typeface="Courier New"/>
+              <a:ea typeface="Courier New"/>
+              <a:cs typeface="Courier New"/>
+              <a:sym typeface="Courier New"/>
+            </a:endParaRPr>
+          </a:p>
+          <a:p>
+            <a:pPr indent="0" lvl="0" marL="0" rtl="0" algn="l">
+              <a:lnSpc>
+                <a:spcPct val="115000"/>
+              </a:lnSpc>
+              <a:spcBef>
+                <a:spcPts val="0"/>
+              </a:spcBef>
+              <a:spcAft>
+                <a:spcPts val="0"/>
+              </a:spcAft>
+              <a:buClr>
+                <a:schemeClr val="dk1"/>
+              </a:buClr>
+              <a:buSzPts val="1100"/>
+              <a:buFont typeface="Arial"/>
+              <a:buNone/>
+            </a:pPr>
+            <a:r>
+              <a:rPr lang="en" sz="1000">
+                <a:solidFill>
+                  <a:srgbClr val="3B3B3B"/>
+                </a:solidFill>
+                <a:highlight>
+                  <a:srgbClr val="FFFFFF"/>
+                </a:highlight>
+                <a:latin typeface="Courier New"/>
+                <a:ea typeface="Courier New"/>
+                <a:cs typeface="Courier New"/>
+                <a:sym typeface="Courier New"/>
+              </a:rPr>
+              <a:t>   </a:t>
+            </a:r>
+            <a:r>
+              <a:rPr lang="en" sz="1000">
+                <a:solidFill>
+                  <a:srgbClr val="0000FF"/>
+                </a:solidFill>
+                <a:highlight>
+                  <a:srgbClr val="FFFFFF"/>
+                </a:highlight>
+                <a:latin typeface="Courier New"/>
+                <a:ea typeface="Courier New"/>
+                <a:cs typeface="Courier New"/>
+                <a:sym typeface="Courier New"/>
+              </a:rPr>
+              <a:t>protected</a:t>
+            </a:r>
+            <a:r>
+              <a:rPr lang="en" sz="1000">
+                <a:solidFill>
+                  <a:srgbClr val="3B3B3B"/>
+                </a:solidFill>
+                <a:highlight>
+                  <a:srgbClr val="FFFFFF"/>
+                </a:highlight>
+                <a:latin typeface="Courier New"/>
+                <a:ea typeface="Courier New"/>
+                <a:cs typeface="Courier New"/>
+                <a:sym typeface="Courier New"/>
+              </a:rPr>
+              <a:t> </a:t>
+            </a:r>
+            <a:r>
+              <a:rPr lang="en" sz="1000">
+                <a:solidFill>
+                  <a:srgbClr val="795E26"/>
+                </a:solidFill>
+                <a:highlight>
+                  <a:srgbClr val="FFFFFF"/>
+                </a:highlight>
+                <a:latin typeface="Courier New"/>
+                <a:ea typeface="Courier New"/>
+                <a:cs typeface="Courier New"/>
+                <a:sym typeface="Courier New"/>
+              </a:rPr>
+              <a:t>startService</a:t>
+            </a:r>
+            <a:r>
+              <a:rPr lang="en" sz="1000">
+                <a:solidFill>
+                  <a:srgbClr val="3B3B3B"/>
+                </a:solidFill>
+                <a:highlight>
+                  <a:srgbClr val="FFFFFF"/>
+                </a:highlight>
+                <a:latin typeface="Courier New"/>
+                <a:ea typeface="Courier New"/>
+                <a:cs typeface="Courier New"/>
+                <a:sym typeface="Courier New"/>
+              </a:rPr>
+              <a:t>()</a:t>
+            </a:r>
+            <a:r>
+              <a:rPr lang="en" sz="1000">
+                <a:highlight>
+                  <a:srgbClr val="FFFFFF"/>
+                </a:highlight>
+                <a:latin typeface="Courier New"/>
+                <a:ea typeface="Courier New"/>
+                <a:cs typeface="Courier New"/>
+                <a:sym typeface="Courier New"/>
+              </a:rPr>
+              <a:t>:</a:t>
+            </a:r>
+            <a:r>
+              <a:rPr lang="en" sz="1000">
+                <a:solidFill>
+                  <a:srgbClr val="3B3B3B"/>
+                </a:solidFill>
+                <a:highlight>
+                  <a:srgbClr val="FFFFFF"/>
+                </a:highlight>
+                <a:latin typeface="Courier New"/>
+                <a:ea typeface="Courier New"/>
+                <a:cs typeface="Courier New"/>
+                <a:sym typeface="Courier New"/>
+              </a:rPr>
+              <a:t> </a:t>
+            </a:r>
+            <a:r>
+              <a:rPr lang="en" sz="1000">
+                <a:solidFill>
+                  <a:srgbClr val="267F99"/>
+                </a:solidFill>
+                <a:highlight>
+                  <a:srgbClr val="FFFFFF"/>
+                </a:highlight>
+                <a:latin typeface="Courier New"/>
+                <a:ea typeface="Courier New"/>
+                <a:cs typeface="Courier New"/>
+                <a:sym typeface="Courier New"/>
+              </a:rPr>
+              <a:t>void</a:t>
+            </a:r>
+            <a:r>
+              <a:rPr lang="en" sz="1000">
+                <a:solidFill>
+                  <a:srgbClr val="3B3B3B"/>
+                </a:solidFill>
+                <a:highlight>
+                  <a:srgbClr val="FFFFFF"/>
+                </a:highlight>
+                <a:latin typeface="Courier New"/>
+                <a:ea typeface="Courier New"/>
+                <a:cs typeface="Courier New"/>
+                <a:sym typeface="Courier New"/>
+              </a:rPr>
+              <a:t> {</a:t>
+            </a:r>
+            <a:endParaRPr sz="1000">
+              <a:solidFill>
+                <a:srgbClr val="3B3B3B"/>
+              </a:solidFill>
+              <a:highlight>
+                <a:srgbClr val="FFFFFF"/>
+              </a:highlight>
+              <a:latin typeface="Courier New"/>
+              <a:ea typeface="Courier New"/>
+              <a:cs typeface="Courier New"/>
+              <a:sym typeface="Courier New"/>
+            </a:endParaRPr>
+          </a:p>
+          <a:p>
+            <a:pPr indent="0" lvl="0" marL="0" rtl="0" algn="l">
+              <a:lnSpc>
+                <a:spcPct val="115000"/>
+              </a:lnSpc>
+              <a:spcBef>
+                <a:spcPts val="0"/>
+              </a:spcBef>
+              <a:spcAft>
+                <a:spcPts val="0"/>
+              </a:spcAft>
+              <a:buClr>
+                <a:schemeClr val="dk1"/>
+              </a:buClr>
+              <a:buSzPts val="1100"/>
+              <a:buFont typeface="Arial"/>
+              <a:buNone/>
+            </a:pPr>
+            <a:r>
+              <a:rPr lang="en" sz="1000">
+                <a:solidFill>
+                  <a:srgbClr val="3B3B3B"/>
+                </a:solidFill>
+                <a:highlight>
+                  <a:srgbClr val="FFFFFF"/>
+                </a:highlight>
+                <a:latin typeface="Courier New"/>
+                <a:ea typeface="Courier New"/>
+                <a:cs typeface="Courier New"/>
+                <a:sym typeface="Courier New"/>
+              </a:rPr>
+              <a:t>       </a:t>
+            </a:r>
+            <a:r>
+              <a:rPr lang="en" sz="1000">
+                <a:solidFill>
+                  <a:srgbClr val="008000"/>
+                </a:solidFill>
+                <a:highlight>
+                  <a:srgbClr val="FFFFFF"/>
+                </a:highlight>
+                <a:latin typeface="Courier New"/>
+                <a:ea typeface="Courier New"/>
+                <a:cs typeface="Courier New"/>
+                <a:sym typeface="Courier New"/>
+              </a:rPr>
+              <a:t>// do something</a:t>
+            </a:r>
+            <a:endParaRPr sz="1000">
+              <a:solidFill>
+                <a:srgbClr val="008000"/>
+              </a:solidFill>
+              <a:highlight>
+                <a:srgbClr val="FFFFFF"/>
+              </a:highlight>
+              <a:latin typeface="Courier New"/>
+              <a:ea typeface="Courier New"/>
+              <a:cs typeface="Courier New"/>
+              <a:sym typeface="Courier New"/>
+            </a:endParaRPr>
+          </a:p>
+          <a:p>
+            <a:pPr indent="0" lvl="0" marL="0" rtl="0" algn="l">
+              <a:lnSpc>
+                <a:spcPct val="115000"/>
+              </a:lnSpc>
+              <a:spcBef>
+                <a:spcPts val="0"/>
+              </a:spcBef>
+              <a:spcAft>
+                <a:spcPts val="0"/>
+              </a:spcAft>
+              <a:buClr>
+                <a:schemeClr val="dk1"/>
+              </a:buClr>
+              <a:buSzPts val="1100"/>
+              <a:buFont typeface="Arial"/>
+              <a:buNone/>
+            </a:pPr>
+            <a:r>
+              <a:rPr lang="en" sz="1000">
+                <a:solidFill>
+                  <a:srgbClr val="3B3B3B"/>
+                </a:solidFill>
+                <a:highlight>
+                  <a:srgbClr val="FFFFFF"/>
+                </a:highlight>
+                <a:latin typeface="Courier New"/>
+                <a:ea typeface="Courier New"/>
+                <a:cs typeface="Courier New"/>
+                <a:sym typeface="Courier New"/>
+              </a:rPr>
+              <a:t>   }</a:t>
+            </a:r>
+            <a:endParaRPr sz="1000">
+              <a:solidFill>
+                <a:srgbClr val="3B3B3B"/>
+              </a:solidFill>
+              <a:highlight>
+                <a:srgbClr val="FFFFFF"/>
+              </a:highlight>
+              <a:latin typeface="Courier New"/>
+              <a:ea typeface="Courier New"/>
+              <a:cs typeface="Courier New"/>
+              <a:sym typeface="Courier New"/>
+            </a:endParaRPr>
+          </a:p>
+          <a:p>
+            <a:pPr indent="0" lvl="0" marL="0" rtl="0" algn="l">
+              <a:lnSpc>
+                <a:spcPct val="115000"/>
+              </a:lnSpc>
+              <a:spcBef>
+                <a:spcPts val="0"/>
+              </a:spcBef>
+              <a:spcAft>
+                <a:spcPts val="0"/>
+              </a:spcAft>
+              <a:buClr>
+                <a:schemeClr val="dk1"/>
+              </a:buClr>
+              <a:buSzPts val="1100"/>
+              <a:buFont typeface="Arial"/>
+              <a:buNone/>
+            </a:pPr>
+            <a:r>
+              <a:t/>
+            </a:r>
+            <a:endParaRPr sz="1000">
+              <a:solidFill>
+                <a:srgbClr val="3B3B3B"/>
+              </a:solidFill>
+              <a:highlight>
+                <a:srgbClr val="FFFFFF"/>
+              </a:highlight>
+              <a:latin typeface="Courier New"/>
+              <a:ea typeface="Courier New"/>
+              <a:cs typeface="Courier New"/>
+              <a:sym typeface="Courier New"/>
+            </a:endParaRPr>
+          </a:p>
+          <a:p>
+            <a:pPr indent="0" lvl="0" marL="0" rtl="0" algn="l">
+              <a:lnSpc>
+                <a:spcPct val="115000"/>
+              </a:lnSpc>
+              <a:spcBef>
+                <a:spcPts val="0"/>
+              </a:spcBef>
+              <a:spcAft>
+                <a:spcPts val="0"/>
+              </a:spcAft>
+              <a:buClr>
+                <a:schemeClr val="dk1"/>
+              </a:buClr>
+              <a:buSzPts val="1100"/>
+              <a:buFont typeface="Arial"/>
+              <a:buNone/>
+            </a:pPr>
+            <a:r>
+              <a:rPr lang="en" sz="1000">
+                <a:solidFill>
+                  <a:srgbClr val="3B3B3B"/>
+                </a:solidFill>
+                <a:highlight>
+                  <a:srgbClr val="FFFFFF"/>
+                </a:highlight>
+                <a:latin typeface="Courier New"/>
+                <a:ea typeface="Courier New"/>
+                <a:cs typeface="Courier New"/>
+                <a:sym typeface="Courier New"/>
+              </a:rPr>
+              <a:t>   </a:t>
+            </a:r>
+            <a:r>
+              <a:rPr lang="en" sz="1000">
+                <a:solidFill>
+                  <a:srgbClr val="0000FF"/>
+                </a:solidFill>
+                <a:highlight>
+                  <a:srgbClr val="FFFFFF"/>
+                </a:highlight>
+                <a:latin typeface="Courier New"/>
+                <a:ea typeface="Courier New"/>
+                <a:cs typeface="Courier New"/>
+                <a:sym typeface="Courier New"/>
+              </a:rPr>
+              <a:t>protected</a:t>
+            </a:r>
+            <a:r>
+              <a:rPr lang="en" sz="1000">
+                <a:solidFill>
+                  <a:srgbClr val="3B3B3B"/>
+                </a:solidFill>
+                <a:highlight>
+                  <a:srgbClr val="FFFFFF"/>
+                </a:highlight>
+                <a:latin typeface="Courier New"/>
+                <a:ea typeface="Courier New"/>
+                <a:cs typeface="Courier New"/>
+                <a:sym typeface="Courier New"/>
+              </a:rPr>
+              <a:t> </a:t>
+            </a:r>
+            <a:r>
+              <a:rPr lang="en" sz="1000">
+                <a:solidFill>
+                  <a:srgbClr val="795E26"/>
+                </a:solidFill>
+                <a:highlight>
+                  <a:srgbClr val="FFFFFF"/>
+                </a:highlight>
+                <a:latin typeface="Courier New"/>
+                <a:ea typeface="Courier New"/>
+                <a:cs typeface="Courier New"/>
+                <a:sym typeface="Courier New"/>
+              </a:rPr>
+              <a:t>saveModel</a:t>
+            </a:r>
+            <a:r>
+              <a:rPr lang="en" sz="1000">
+                <a:solidFill>
+                  <a:srgbClr val="3B3B3B"/>
+                </a:solidFill>
+                <a:highlight>
+                  <a:srgbClr val="FFFFFF"/>
+                </a:highlight>
+                <a:latin typeface="Courier New"/>
+                <a:ea typeface="Courier New"/>
+                <a:cs typeface="Courier New"/>
+                <a:sym typeface="Courier New"/>
+              </a:rPr>
+              <a:t>()</a:t>
+            </a:r>
+            <a:r>
+              <a:rPr lang="en" sz="1000">
+                <a:highlight>
+                  <a:srgbClr val="FFFFFF"/>
+                </a:highlight>
+                <a:latin typeface="Courier New"/>
+                <a:ea typeface="Courier New"/>
+                <a:cs typeface="Courier New"/>
+                <a:sym typeface="Courier New"/>
+              </a:rPr>
+              <a:t>:</a:t>
+            </a:r>
+            <a:r>
+              <a:rPr lang="en" sz="1000">
+                <a:solidFill>
+                  <a:srgbClr val="3B3B3B"/>
+                </a:solidFill>
+                <a:highlight>
+                  <a:srgbClr val="FFFFFF"/>
+                </a:highlight>
+                <a:latin typeface="Courier New"/>
+                <a:ea typeface="Courier New"/>
+                <a:cs typeface="Courier New"/>
+                <a:sym typeface="Courier New"/>
+              </a:rPr>
+              <a:t> </a:t>
+            </a:r>
+            <a:r>
+              <a:rPr lang="en" sz="1000">
+                <a:solidFill>
+                  <a:srgbClr val="267F99"/>
+                </a:solidFill>
+                <a:highlight>
+                  <a:srgbClr val="FFFFFF"/>
+                </a:highlight>
+                <a:latin typeface="Courier New"/>
+                <a:ea typeface="Courier New"/>
+                <a:cs typeface="Courier New"/>
+                <a:sym typeface="Courier New"/>
+              </a:rPr>
+              <a:t>void</a:t>
+            </a:r>
+            <a:r>
+              <a:rPr lang="en" sz="1000">
+                <a:solidFill>
+                  <a:srgbClr val="3B3B3B"/>
+                </a:solidFill>
+                <a:highlight>
+                  <a:srgbClr val="FFFFFF"/>
+                </a:highlight>
+                <a:latin typeface="Courier New"/>
+                <a:ea typeface="Courier New"/>
+                <a:cs typeface="Courier New"/>
+                <a:sym typeface="Courier New"/>
+              </a:rPr>
+              <a:t> {</a:t>
+            </a:r>
+            <a:endParaRPr sz="1000">
+              <a:solidFill>
+                <a:srgbClr val="3B3B3B"/>
+              </a:solidFill>
+              <a:highlight>
+                <a:srgbClr val="FFFFFF"/>
+              </a:highlight>
+              <a:latin typeface="Courier New"/>
+              <a:ea typeface="Courier New"/>
+              <a:cs typeface="Courier New"/>
+              <a:sym typeface="Courier New"/>
+            </a:endParaRPr>
+          </a:p>
+          <a:p>
+            <a:pPr indent="0" lvl="0" marL="0" rtl="0" algn="l">
+              <a:lnSpc>
+                <a:spcPct val="115000"/>
+              </a:lnSpc>
+              <a:spcBef>
+                <a:spcPts val="0"/>
+              </a:spcBef>
+              <a:spcAft>
+                <a:spcPts val="0"/>
+              </a:spcAft>
+              <a:buClr>
+                <a:schemeClr val="dk1"/>
+              </a:buClr>
+              <a:buSzPts val="1100"/>
+              <a:buFont typeface="Arial"/>
+              <a:buNone/>
+            </a:pPr>
+            <a:r>
+              <a:rPr lang="en" sz="1000">
+                <a:solidFill>
+                  <a:srgbClr val="3B3B3B"/>
+                </a:solidFill>
+                <a:highlight>
+                  <a:srgbClr val="FFFFFF"/>
+                </a:highlight>
+                <a:latin typeface="Courier New"/>
+                <a:ea typeface="Courier New"/>
+                <a:cs typeface="Courier New"/>
+                <a:sym typeface="Courier New"/>
+              </a:rPr>
+              <a:t>       </a:t>
+            </a:r>
+            <a:r>
+              <a:rPr lang="en" sz="1000">
+                <a:solidFill>
+                  <a:srgbClr val="008000"/>
+                </a:solidFill>
+                <a:highlight>
+                  <a:srgbClr val="FFFFFF"/>
+                </a:highlight>
+                <a:latin typeface="Courier New"/>
+                <a:ea typeface="Courier New"/>
+                <a:cs typeface="Courier New"/>
+                <a:sym typeface="Courier New"/>
+              </a:rPr>
+              <a:t>// do something</a:t>
+            </a:r>
+            <a:endParaRPr sz="1000">
+              <a:solidFill>
+                <a:srgbClr val="008000"/>
+              </a:solidFill>
+              <a:highlight>
+                <a:srgbClr val="FFFFFF"/>
+              </a:highlight>
+              <a:latin typeface="Courier New"/>
+              <a:ea typeface="Courier New"/>
+              <a:cs typeface="Courier New"/>
+              <a:sym typeface="Courier New"/>
+            </a:endParaRPr>
+          </a:p>
+          <a:p>
+            <a:pPr indent="0" lvl="0" marL="0" rtl="0" algn="l">
+              <a:lnSpc>
+                <a:spcPct val="115000"/>
+              </a:lnSpc>
+              <a:spcBef>
+                <a:spcPts val="0"/>
+              </a:spcBef>
+              <a:spcAft>
+                <a:spcPts val="0"/>
+              </a:spcAft>
+              <a:buClr>
+                <a:schemeClr val="dk1"/>
+              </a:buClr>
+              <a:buSzPts val="1100"/>
+              <a:buFont typeface="Arial"/>
+              <a:buNone/>
+            </a:pPr>
+            <a:r>
+              <a:rPr lang="en" sz="1000">
+                <a:solidFill>
+                  <a:srgbClr val="3B3B3B"/>
+                </a:solidFill>
+                <a:highlight>
+                  <a:srgbClr val="FFFFFF"/>
+                </a:highlight>
+                <a:latin typeface="Courier New"/>
+                <a:ea typeface="Courier New"/>
+                <a:cs typeface="Courier New"/>
+                <a:sym typeface="Courier New"/>
+              </a:rPr>
+              <a:t>   }</a:t>
+            </a:r>
+            <a:endParaRPr sz="1000">
+              <a:solidFill>
+                <a:srgbClr val="3B3B3B"/>
+              </a:solidFill>
+              <a:highlight>
+                <a:srgbClr val="FFFFFF"/>
+              </a:highlight>
+              <a:latin typeface="Courier New"/>
+              <a:ea typeface="Courier New"/>
+              <a:cs typeface="Courier New"/>
+              <a:sym typeface="Courier New"/>
+            </a:endParaRPr>
+          </a:p>
+          <a:p>
+            <a:pPr indent="0" lvl="0" marL="0" rtl="0" algn="l">
+              <a:lnSpc>
+                <a:spcPct val="115000"/>
+              </a:lnSpc>
+              <a:spcBef>
+                <a:spcPts val="0"/>
+              </a:spcBef>
+              <a:spcAft>
+                <a:spcPts val="0"/>
+              </a:spcAft>
+              <a:buClr>
+                <a:schemeClr val="dk1"/>
+              </a:buClr>
+              <a:buSzPts val="1100"/>
+              <a:buFont typeface="Arial"/>
+              <a:buNone/>
+            </a:pPr>
+            <a:r>
+              <a:t/>
+            </a:r>
+            <a:endParaRPr sz="1000">
+              <a:solidFill>
+                <a:srgbClr val="3B3B3B"/>
+              </a:solidFill>
+              <a:highlight>
+                <a:srgbClr val="FFFFFF"/>
+              </a:highlight>
+              <a:latin typeface="Courier New"/>
+              <a:ea typeface="Courier New"/>
+              <a:cs typeface="Courier New"/>
+              <a:sym typeface="Courier New"/>
+            </a:endParaRPr>
+          </a:p>
+          <a:p>
+            <a:pPr indent="0" lvl="0" marL="0" rtl="0" algn="l">
+              <a:lnSpc>
+                <a:spcPct val="115000"/>
+              </a:lnSpc>
+              <a:spcBef>
+                <a:spcPts val="0"/>
+              </a:spcBef>
+              <a:spcAft>
+                <a:spcPts val="0"/>
+              </a:spcAft>
+              <a:buClr>
+                <a:schemeClr val="dk1"/>
+              </a:buClr>
+              <a:buSzPts val="1100"/>
+              <a:buFont typeface="Arial"/>
+              <a:buNone/>
+            </a:pPr>
+            <a:r>
+              <a:rPr lang="en" sz="1000">
+                <a:solidFill>
+                  <a:srgbClr val="3B3B3B"/>
+                </a:solidFill>
+                <a:highlight>
+                  <a:srgbClr val="FFFFFF"/>
+                </a:highlight>
+                <a:latin typeface="Courier New"/>
+                <a:ea typeface="Courier New"/>
+                <a:cs typeface="Courier New"/>
+                <a:sym typeface="Courier New"/>
+              </a:rPr>
+              <a:t>   </a:t>
+            </a:r>
+            <a:r>
+              <a:rPr lang="en" sz="1000">
+                <a:solidFill>
+                  <a:srgbClr val="0000FF"/>
+                </a:solidFill>
+                <a:highlight>
+                  <a:srgbClr val="FFFFFF"/>
+                </a:highlight>
+                <a:latin typeface="Courier New"/>
+                <a:ea typeface="Courier New"/>
+                <a:cs typeface="Courier New"/>
+                <a:sym typeface="Courier New"/>
+              </a:rPr>
+              <a:t>protected</a:t>
+            </a:r>
+            <a:r>
+              <a:rPr lang="en" sz="1000">
+                <a:solidFill>
+                  <a:srgbClr val="3B3B3B"/>
+                </a:solidFill>
+                <a:highlight>
+                  <a:srgbClr val="FFFFFF"/>
+                </a:highlight>
+                <a:latin typeface="Courier New"/>
+                <a:ea typeface="Courier New"/>
+                <a:cs typeface="Courier New"/>
+                <a:sym typeface="Courier New"/>
+              </a:rPr>
+              <a:t> </a:t>
+            </a:r>
+            <a:r>
+              <a:rPr lang="en" sz="1000">
+                <a:solidFill>
+                  <a:srgbClr val="795E26"/>
+                </a:solidFill>
+                <a:highlight>
+                  <a:srgbClr val="FFFFFF"/>
+                </a:highlight>
+                <a:latin typeface="Courier New"/>
+                <a:ea typeface="Courier New"/>
+                <a:cs typeface="Courier New"/>
+                <a:sym typeface="Courier New"/>
+              </a:rPr>
+              <a:t>closeService</a:t>
+            </a:r>
+            <a:r>
+              <a:rPr lang="en" sz="1000">
+                <a:solidFill>
+                  <a:srgbClr val="3B3B3B"/>
+                </a:solidFill>
+                <a:highlight>
+                  <a:srgbClr val="FFFFFF"/>
+                </a:highlight>
+                <a:latin typeface="Courier New"/>
+                <a:ea typeface="Courier New"/>
+                <a:cs typeface="Courier New"/>
+                <a:sym typeface="Courier New"/>
+              </a:rPr>
+              <a:t>()</a:t>
+            </a:r>
+            <a:r>
+              <a:rPr lang="en" sz="1000">
+                <a:highlight>
+                  <a:srgbClr val="FFFFFF"/>
+                </a:highlight>
+                <a:latin typeface="Courier New"/>
+                <a:ea typeface="Courier New"/>
+                <a:cs typeface="Courier New"/>
+                <a:sym typeface="Courier New"/>
+              </a:rPr>
+              <a:t>:</a:t>
+            </a:r>
+            <a:r>
+              <a:rPr lang="en" sz="1000">
+                <a:solidFill>
+                  <a:srgbClr val="3B3B3B"/>
+                </a:solidFill>
+                <a:highlight>
+                  <a:srgbClr val="FFFFFF"/>
+                </a:highlight>
+                <a:latin typeface="Courier New"/>
+                <a:ea typeface="Courier New"/>
+                <a:cs typeface="Courier New"/>
+                <a:sym typeface="Courier New"/>
+              </a:rPr>
+              <a:t> </a:t>
+            </a:r>
+            <a:r>
+              <a:rPr lang="en" sz="1000">
+                <a:solidFill>
+                  <a:srgbClr val="267F99"/>
+                </a:solidFill>
+                <a:highlight>
+                  <a:srgbClr val="FFFFFF"/>
+                </a:highlight>
+                <a:latin typeface="Courier New"/>
+                <a:ea typeface="Courier New"/>
+                <a:cs typeface="Courier New"/>
+                <a:sym typeface="Courier New"/>
+              </a:rPr>
+              <a:t>void</a:t>
+            </a:r>
+            <a:r>
+              <a:rPr lang="en" sz="1000">
+                <a:solidFill>
+                  <a:srgbClr val="3B3B3B"/>
+                </a:solidFill>
+                <a:highlight>
+                  <a:srgbClr val="FFFFFF"/>
+                </a:highlight>
+                <a:latin typeface="Courier New"/>
+                <a:ea typeface="Courier New"/>
+                <a:cs typeface="Courier New"/>
+                <a:sym typeface="Courier New"/>
+              </a:rPr>
+              <a:t> {</a:t>
+            </a:r>
+            <a:endParaRPr sz="1000">
+              <a:solidFill>
+                <a:srgbClr val="3B3B3B"/>
+              </a:solidFill>
+              <a:highlight>
+                <a:srgbClr val="FFFFFF"/>
+              </a:highlight>
+              <a:latin typeface="Courier New"/>
+              <a:ea typeface="Courier New"/>
+              <a:cs typeface="Courier New"/>
+              <a:sym typeface="Courier New"/>
+            </a:endParaRPr>
+          </a:p>
+          <a:p>
+            <a:pPr indent="0" lvl="0" marL="0" rtl="0" algn="l">
+              <a:lnSpc>
+                <a:spcPct val="115000"/>
+              </a:lnSpc>
+              <a:spcBef>
+                <a:spcPts val="0"/>
+              </a:spcBef>
+              <a:spcAft>
+                <a:spcPts val="0"/>
+              </a:spcAft>
+              <a:buClr>
+                <a:schemeClr val="dk1"/>
+              </a:buClr>
+              <a:buSzPts val="1100"/>
+              <a:buFont typeface="Arial"/>
+              <a:buNone/>
+            </a:pPr>
+            <a:r>
+              <a:rPr lang="en" sz="1000">
+                <a:solidFill>
+                  <a:srgbClr val="3B3B3B"/>
+                </a:solidFill>
+                <a:highlight>
+                  <a:srgbClr val="FFFFFF"/>
+                </a:highlight>
+                <a:latin typeface="Courier New"/>
+                <a:ea typeface="Courier New"/>
+                <a:cs typeface="Courier New"/>
+                <a:sym typeface="Courier New"/>
+              </a:rPr>
+              <a:t>       </a:t>
+            </a:r>
+            <a:r>
+              <a:rPr lang="en" sz="1000">
+                <a:solidFill>
+                  <a:srgbClr val="008000"/>
+                </a:solidFill>
+                <a:highlight>
+                  <a:srgbClr val="FFFFFF"/>
+                </a:highlight>
+                <a:latin typeface="Courier New"/>
+                <a:ea typeface="Courier New"/>
+                <a:cs typeface="Courier New"/>
+                <a:sym typeface="Courier New"/>
+              </a:rPr>
+              <a:t>// do something</a:t>
+            </a:r>
+            <a:endParaRPr sz="1000">
+              <a:solidFill>
+                <a:srgbClr val="008000"/>
+              </a:solidFill>
+              <a:highlight>
+                <a:srgbClr val="FFFFFF"/>
+              </a:highlight>
+              <a:latin typeface="Courier New"/>
+              <a:ea typeface="Courier New"/>
+              <a:cs typeface="Courier New"/>
+              <a:sym typeface="Courier New"/>
+            </a:endParaRPr>
+          </a:p>
+          <a:p>
+            <a:pPr indent="0" lvl="0" marL="0" rtl="0" algn="l">
+              <a:lnSpc>
+                <a:spcPct val="115000"/>
+              </a:lnSpc>
+              <a:spcBef>
+                <a:spcPts val="0"/>
+              </a:spcBef>
+              <a:spcAft>
+                <a:spcPts val="0"/>
+              </a:spcAft>
+              <a:buClr>
+                <a:schemeClr val="dk1"/>
+              </a:buClr>
+              <a:buSzPts val="1100"/>
+              <a:buFont typeface="Arial"/>
+              <a:buNone/>
+            </a:pPr>
+            <a:r>
+              <a:rPr lang="en" sz="1000">
+                <a:solidFill>
+                  <a:srgbClr val="3B3B3B"/>
+                </a:solidFill>
+                <a:highlight>
+                  <a:srgbClr val="FFFFFF"/>
+                </a:highlight>
+                <a:latin typeface="Courier New"/>
+                <a:ea typeface="Courier New"/>
+                <a:cs typeface="Courier New"/>
+                <a:sym typeface="Courier New"/>
+              </a:rPr>
+              <a:t>   }</a:t>
+            </a:r>
+            <a:endParaRPr sz="1000">
+              <a:solidFill>
+                <a:srgbClr val="3B3B3B"/>
+              </a:solidFill>
+              <a:highlight>
+                <a:srgbClr val="FFFFFF"/>
+              </a:highlight>
+              <a:latin typeface="Courier New"/>
+              <a:ea typeface="Courier New"/>
+              <a:cs typeface="Courier New"/>
+              <a:sym typeface="Courier New"/>
+            </a:endParaRPr>
+          </a:p>
+          <a:p>
+            <a:pPr indent="0" lvl="0" marL="0" rtl="0" algn="l">
+              <a:lnSpc>
+                <a:spcPct val="115000"/>
+              </a:lnSpc>
+              <a:spcBef>
+                <a:spcPts val="0"/>
+              </a:spcBef>
+              <a:spcAft>
+                <a:spcPts val="0"/>
+              </a:spcAft>
+              <a:buNone/>
+            </a:pPr>
+            <a:r>
+              <a:t/>
+            </a:r>
+            <a:endParaRPr sz="1000">
+              <a:solidFill>
+                <a:srgbClr val="3B3B3B"/>
+              </a:solidFill>
+              <a:highlight>
+                <a:srgbClr val="FFFFFF"/>
+              </a:highlight>
+              <a:latin typeface="Courier New"/>
+              <a:ea typeface="Courier New"/>
+              <a:cs typeface="Courier New"/>
+              <a:sym typeface="Courier New"/>
+            </a:endParaRPr>
+          </a:p>
+          <a:p>
+            <a:pPr indent="0" lvl="0" marL="0" rtl="0" algn="l">
+              <a:lnSpc>
+                <a:spcPct val="115000"/>
+              </a:lnSpc>
+              <a:spcBef>
+                <a:spcPts val="0"/>
+              </a:spcBef>
+              <a:spcAft>
+                <a:spcPts val="0"/>
+              </a:spcAft>
+              <a:buNone/>
+            </a:pPr>
+            <a:r>
+              <a:rPr lang="en" sz="1000">
+                <a:solidFill>
+                  <a:srgbClr val="3B3B3B"/>
+                </a:solidFill>
+                <a:highlight>
+                  <a:srgbClr val="FFFFFF"/>
+                </a:highlight>
+                <a:latin typeface="Courier New"/>
+                <a:ea typeface="Courier New"/>
+                <a:cs typeface="Courier New"/>
+                <a:sym typeface="Courier New"/>
+              </a:rPr>
+              <a:t>}</a:t>
+            </a:r>
+            <a:endParaRPr sz="1000">
+              <a:solidFill>
+                <a:srgbClr val="AF00DB"/>
+              </a:solidFill>
+              <a:highlight>
+                <a:srgbClr val="FFFFFF"/>
+              </a:highlight>
+              <a:latin typeface="Courier New"/>
+              <a:ea typeface="Courier New"/>
+              <a:cs typeface="Courier New"/>
+              <a:sym typeface="Courier New"/>
+            </a:endParaRPr>
+          </a:p>
+        </p:txBody>
+      </p:sp>
+      <p:sp>
+        <p:nvSpPr>
+          <p:cNvPr id="281" name="Google Shape;281;p43"/>
+          <p:cNvSpPr txBox="1"/>
+          <p:nvPr>
+            <p:ph idx="12" type="sldNum"/>
+          </p:nvPr>
+        </p:nvSpPr>
+        <p:spPr>
+          <a:xfrm>
+            <a:off x="7315209" y="4229101"/>
+            <a:ext cx="1828800" cy="914400"/>
+          </a:xfrm>
+          <a:prstGeom prst="rect">
+            <a:avLst/>
+          </a:prstGeom>
+        </p:spPr>
+        <p:txBody>
+          <a:bodyPr anchorCtr="0" anchor="b" bIns="91425" lIns="91425" spcFirstLastPara="1" rIns="91425" wrap="square" tIns="91425">
+            <a:noAutofit/>
+          </a:bodyPr>
+          <a:lstStyle/>
+          <a:p>
+            <a:pPr indent="0" lvl="0" marL="0" rtl="0" algn="r">
+              <a:spcBef>
+                <a:spcPts val="0"/>
+              </a:spcBef>
+              <a:spcAft>
+                <a:spcPts val="0"/>
+              </a:spcAft>
+              <a:buNone/>
+            </a:pPr>
+            <a:fld id="{00000000-1234-1234-1234-123412341234}" type="slidenum">
+              <a:rPr lang="en"/>
+              <a:t>‹#›</a:t>
+            </a:fld>
+            <a:endParaRPr/>
+          </a:p>
+          <a:p>
+            <a:pPr indent="0" lvl="0" marL="0" rtl="0" algn="r">
+              <a:spcBef>
+                <a:spcPts val="0"/>
+              </a:spcBef>
+              <a:spcAft>
+                <a:spcPts val="0"/>
+              </a:spcAft>
+              <a:buClr>
+                <a:schemeClr val="dk1"/>
+              </a:buClr>
+              <a:buSzPts val="1100"/>
+              <a:buFont typeface="Arial"/>
+              <a:buNone/>
+            </a:pPr>
+            <a:r>
+              <a:rPr b="0" lang="en" sz="1000" u="sng">
+                <a:solidFill>
+                  <a:schemeClr val="hlink"/>
+                </a:solidFill>
+                <a:hlinkClick r:id="rId3"/>
+              </a:rPr>
+              <a:t>https://profriehle.com</a:t>
+            </a:r>
+            <a:endParaRPr b="0" sz="1000"/>
+          </a:p>
+        </p:txBody>
+      </p:sp>
+    </p:spTree>
+  </p:cSld>
+  <p:clrMapOvr>
+    <a:masterClrMapping/>
+  </p:clrMapOvr>
+</p:sld>
+</file>
+
+<file path=ppt/slides/slide37.xml><?xml version="1.0" encoding="utf-8"?>
+<p:sld xmlns:a="http://schemas.openxmlformats.org/drawingml/2006/main" xmlns:r="http://schemas.openxmlformats.org/officeDocument/2006/relationships" xmlns:mc="http://schemas.openxmlformats.org/markup-compatibility/2006" xmlns:mv="urn:schemas-microsoft-com:mac:vml" xmlns:p="http://schemas.openxmlformats.org/presentationml/2006/main" xmlns:c="http://schemas.openxmlformats.org/drawingml/2006/chart" xmlns:dgm="http://schemas.openxmlformats.org/drawingml/2006/diagram" xmlns:o="urn:schemas-microsoft-com:office:office" xmlns:v="urn:schemas-microsoft-com:vml" xmlns:pvml="urn:schemas-microsoft-com:office:powerpoint" xmlns:com="http://schemas.openxmlformats.org/drawingml/2006/compatibility" xmlns:p14="http://schemas.microsoft.com/office/powerpoint/2010/main" xmlns:p15="http://schemas.microsoft.com/office/powerpoint/2012/main" xmlns:ahyp="http://schemas.microsoft.com/office/drawing/2018/hyperlinkcolor">
+  <p:cSld>
+    <p:spTree>
+      <p:nvGrpSpPr>
+        <p:cNvPr id="285" name="Shape 285"/>
+        <p:cNvGrpSpPr/>
+        <p:nvPr/>
+      </p:nvGrpSpPr>
+      <p:grpSpPr>
+        <a:xfrm>
+          <a:off x="0" y="0"/>
+          <a:ext cx="0" cy="0"/>
+          <a:chOff x="0" y="0"/>
+          <a:chExt cx="0" cy="0"/>
+        </a:xfrm>
+      </p:grpSpPr>
+      <p:sp>
+        <p:nvSpPr>
+          <p:cNvPr id="286" name="Google Shape;286;p44"/>
           <p:cNvSpPr txBox="1"/>
           <p:nvPr>
             <p:ph type="title"/>
@@ -18022,12 +23239,12 @@
 </p:sld>
 </file>
 
-<file path=ppt/slides/slide36.xml><?xml version="1.0" encoding="utf-8"?>
+<file path=ppt/slides/slide38.xml><?xml version="1.0" encoding="utf-8"?>
 <p:sld xmlns:a="http://schemas.openxmlformats.org/drawingml/2006/main" xmlns:r="http://schemas.openxmlformats.org/officeDocument/2006/relationships" xmlns:mc="http://schemas.openxmlformats.org/markup-compatibility/2006" xmlns:mv="urn:schemas-microsoft-com:mac:vml" xmlns:p="http://schemas.openxmlformats.org/presentationml/2006/main" xmlns:c="http://schemas.openxmlformats.org/drawingml/2006/chart" xmlns:dgm="http://schemas.openxmlformats.org/drawingml/2006/diagram" xmlns:o="urn:schemas-microsoft-com:office:office" xmlns:v="urn:schemas-microsoft-com:vml" xmlns:pvml="urn:schemas-microsoft-com:office:powerpoint" xmlns:com="http://schemas.openxmlformats.org/drawingml/2006/compatibility" xmlns:p14="http://schemas.microsoft.com/office/powerpoint/2010/main" xmlns:p15="http://schemas.microsoft.com/office/powerpoint/2012/main" xmlns:ahyp="http://schemas.microsoft.com/office/drawing/2018/hyperlinkcolor">
   <p:cSld>
     <p:spTree>
       <p:nvGrpSpPr>
-        <p:cNvPr id="275" name="Shape 275"/>
+        <p:cNvPr id="290" name="Shape 290"/>
         <p:cNvGrpSpPr/>
         <p:nvPr/>
       </p:nvGrpSpPr>
@@ -18041,7 +23258,7 @@
       </p:grpSpPr>
       <p:sp>
         <p:nvSpPr>
-          <p:cNvPr id="276" name="Google Shape;276;p43"/>
+          <p:cNvPr id="291" name="Google Shape;291;p45"/>
           <p:cNvSpPr txBox="1"/>
           <p:nvPr>
             <p:ph type="title"/>
@@ -18081,7 +23298,7 @@
       </p:sp>
       <p:sp>
         <p:nvSpPr>
-          <p:cNvPr id="277" name="Google Shape;277;p43"/>
+          <p:cNvPr id="292" name="Google Shape;292;p45"/>
           <p:cNvSpPr txBox="1"/>
           <p:nvPr>
             <p:ph idx="1" type="body"/>
@@ -18205,7 +23422,7 @@
       </p:sp>
       <p:sp>
         <p:nvSpPr>
-          <p:cNvPr id="278" name="Google Shape;278;p43"/>
+          <p:cNvPr id="293" name="Google Shape;293;p45"/>
           <p:cNvSpPr txBox="1"/>
           <p:nvPr>
             <p:ph idx="12" type="sldNum"/>
@@ -18277,12 +23494,12 @@
 </p:sld>
 </file>
 
-<file path=ppt/slides/slide37.xml><?xml version="1.0" encoding="utf-8"?>
+<file path=ppt/slides/slide39.xml><?xml version="1.0" encoding="utf-8"?>
 <p:sld xmlns:a="http://schemas.openxmlformats.org/drawingml/2006/main" xmlns:r="http://schemas.openxmlformats.org/officeDocument/2006/relationships" xmlns:mc="http://schemas.openxmlformats.org/markup-compatibility/2006" xmlns:mv="urn:schemas-microsoft-com:mac:vml" xmlns:p="http://schemas.openxmlformats.org/presentationml/2006/main" xmlns:c="http://schemas.openxmlformats.org/drawingml/2006/chart" xmlns:dgm="http://schemas.openxmlformats.org/drawingml/2006/diagram" xmlns:o="urn:schemas-microsoft-com:office:office" xmlns:v="urn:schemas-microsoft-com:vml" xmlns:pvml="urn:schemas-microsoft-com:office:powerpoint" xmlns:com="http://schemas.openxmlformats.org/drawingml/2006/compatibility" xmlns:p14="http://schemas.microsoft.com/office/powerpoint/2010/main" xmlns:p15="http://schemas.microsoft.com/office/powerpoint/2012/main" xmlns:ahyp="http://schemas.microsoft.com/office/drawing/2018/hyperlinkcolor">
   <p:cSld>
     <p:spTree>
       <p:nvGrpSpPr>
-        <p:cNvPr id="282" name="Shape 282"/>
+        <p:cNvPr id="297" name="Shape 297"/>
         <p:cNvGrpSpPr/>
         <p:nvPr/>
       </p:nvGrpSpPr>
@@ -18296,7 +23513,7 @@
       </p:grpSpPr>
       <p:sp>
         <p:nvSpPr>
-          <p:cNvPr id="283" name="Google Shape;283;p44"/>
+          <p:cNvPr id="298" name="Google Shape;298;p46"/>
           <p:cNvSpPr txBox="1"/>
           <p:nvPr>
             <p:ph type="title"/>
@@ -18336,7 +23553,7 @@
       </p:sp>
       <p:sp>
         <p:nvSpPr>
-          <p:cNvPr id="284" name="Google Shape;284;p44"/>
+          <p:cNvPr id="299" name="Google Shape;299;p46"/>
           <p:cNvSpPr txBox="1"/>
           <p:nvPr>
             <p:ph idx="1" type="body"/>
@@ -18514,7 +23731,7 @@
       </p:sp>
       <p:sp>
         <p:nvSpPr>
-          <p:cNvPr id="285" name="Google Shape;285;p44"/>
+          <p:cNvPr id="300" name="Google Shape;300;p46"/>
           <p:cNvSpPr txBox="1"/>
           <p:nvPr>
             <p:ph idx="12" type="sldNum"/>
@@ -18575,446 +23792,6 @@
               <a:t>https://profriehle.com</a:t>
             </a:r>
             <a:endParaRPr b="0" sz="1000"/>
-          </a:p>
-        </p:txBody>
-      </p:sp>
-    </p:spTree>
-  </p:cSld>
-  <p:clrMapOvr>
-    <a:masterClrMapping/>
-  </p:clrMapOvr>
-</p:sld>
-</file>
-
-<file path=ppt/slides/slide38.xml><?xml version="1.0" encoding="utf-8"?>
-<p:sld xmlns:a="http://schemas.openxmlformats.org/drawingml/2006/main" xmlns:r="http://schemas.openxmlformats.org/officeDocument/2006/relationships" xmlns:mc="http://schemas.openxmlformats.org/markup-compatibility/2006" xmlns:mv="urn:schemas-microsoft-com:mac:vml" xmlns:p="http://schemas.openxmlformats.org/presentationml/2006/main" xmlns:c="http://schemas.openxmlformats.org/drawingml/2006/chart" xmlns:dgm="http://schemas.openxmlformats.org/drawingml/2006/diagram" xmlns:o="urn:schemas-microsoft-com:office:office" xmlns:v="urn:schemas-microsoft-com:vml" xmlns:pvml="urn:schemas-microsoft-com:office:powerpoint" xmlns:com="http://schemas.openxmlformats.org/drawingml/2006/compatibility" xmlns:p14="http://schemas.microsoft.com/office/powerpoint/2010/main" xmlns:p15="http://schemas.microsoft.com/office/powerpoint/2012/main" xmlns:ahyp="http://schemas.microsoft.com/office/drawing/2018/hyperlinkcolor">
-  <p:cSld>
-    <p:spTree>
-      <p:nvGrpSpPr>
-        <p:cNvPr id="289" name="Shape 289"/>
-        <p:cNvGrpSpPr/>
-        <p:nvPr/>
-      </p:nvGrpSpPr>
-      <p:grpSpPr>
-        <a:xfrm>
-          <a:off x="0" y="0"/>
-          <a:ext cx="0" cy="0"/>
-          <a:chOff x="0" y="0"/>
-          <a:chExt cx="0" cy="0"/>
-        </a:xfrm>
-      </p:grpSpPr>
-      <p:sp>
-        <p:nvSpPr>
-          <p:cNvPr id="290" name="Google Shape;290;p45"/>
-          <p:cNvSpPr txBox="1"/>
-          <p:nvPr>
-            <p:ph type="ctrTitle"/>
-          </p:nvPr>
-        </p:nvSpPr>
-        <p:spPr>
-          <a:xfrm>
-            <a:off x="0" y="0"/>
-            <a:ext cx="9144000" cy="2388900"/>
-          </a:xfrm>
-          <a:prstGeom prst="rect">
-            <a:avLst/>
-          </a:prstGeom>
-        </p:spPr>
-        <p:txBody>
-          <a:bodyPr anchorCtr="0" anchor="b" bIns="274300" lIns="91425" spcFirstLastPara="1" rIns="91425" wrap="square" tIns="91425">
-            <a:noAutofit/>
-          </a:bodyPr>
-          <a:lstStyle/>
-          <a:p>
-            <a:pPr indent="0" lvl="0" marL="0" rtl="0" algn="ctr">
-              <a:spcBef>
-                <a:spcPts val="0"/>
-              </a:spcBef>
-              <a:spcAft>
-                <a:spcPts val="0"/>
-              </a:spcAft>
-              <a:buNone/>
-            </a:pPr>
-            <a:r>
-              <a:rPr lang="en"/>
-              <a:t>Thank you! Any questions?</a:t>
-            </a:r>
-            <a:endParaRPr/>
-          </a:p>
-        </p:txBody>
-      </p:sp>
-      <p:sp>
-        <p:nvSpPr>
-          <p:cNvPr id="291" name="Google Shape;291;p45"/>
-          <p:cNvSpPr txBox="1"/>
-          <p:nvPr>
-            <p:ph idx="1" type="subTitle"/>
-          </p:nvPr>
-        </p:nvSpPr>
-        <p:spPr>
-          <a:xfrm>
-            <a:off x="0" y="2569475"/>
-            <a:ext cx="9144000" cy="2574000"/>
-          </a:xfrm>
-          <a:prstGeom prst="rect">
-            <a:avLst/>
-          </a:prstGeom>
-        </p:spPr>
-        <p:txBody>
-          <a:bodyPr anchorCtr="0" anchor="t" bIns="91425" lIns="91425" spcFirstLastPara="1" rIns="91425" wrap="square" tIns="274300">
-            <a:noAutofit/>
-          </a:bodyPr>
-          <a:lstStyle/>
-          <a:p>
-            <a:pPr indent="0" lvl="0" marL="0" rtl="0" algn="ctr">
-              <a:lnSpc>
-                <a:spcPct val="150000"/>
-              </a:lnSpc>
-              <a:spcBef>
-                <a:spcPts val="0"/>
-              </a:spcBef>
-              <a:spcAft>
-                <a:spcPts val="0"/>
-              </a:spcAft>
-              <a:buNone/>
-            </a:pPr>
-            <a:r>
-              <a:rPr lang="en" u="sng">
-                <a:solidFill>
-                  <a:schemeClr val="hlink"/>
-                </a:solidFill>
-                <a:hlinkClick r:id="rId3"/>
-              </a:rPr>
-              <a:t>dirk.riehle@fau.de</a:t>
-            </a:r>
-            <a:r>
-              <a:rPr lang="en"/>
-              <a:t> </a:t>
-            </a:r>
-            <a:r>
-              <a:rPr lang="en" sz="2400"/>
-              <a:t>–</a:t>
-            </a:r>
-            <a:r>
-              <a:rPr lang="en"/>
-              <a:t> </a:t>
-            </a:r>
-            <a:r>
-              <a:rPr lang="en" u="sng">
-                <a:solidFill>
-                  <a:schemeClr val="hlink"/>
-                </a:solidFill>
-                <a:hlinkClick r:id="rId4"/>
-              </a:rPr>
-              <a:t>https://oss.cs.fau.de</a:t>
-            </a:r>
-            <a:endParaRPr/>
-          </a:p>
-          <a:p>
-            <a:pPr indent="0" lvl="0" marL="0" rtl="0" algn="ctr">
-              <a:lnSpc>
-                <a:spcPct val="150000"/>
-              </a:lnSpc>
-              <a:spcBef>
-                <a:spcPts val="0"/>
-              </a:spcBef>
-              <a:spcAft>
-                <a:spcPts val="0"/>
-              </a:spcAft>
-              <a:buNone/>
-            </a:pPr>
-            <a:r>
-              <a:rPr lang="en" sz="2400" u="sng">
-                <a:solidFill>
-                  <a:schemeClr val="hlink"/>
-                </a:solidFill>
-                <a:hlinkClick r:id="rId5"/>
-              </a:rPr>
-              <a:t>dirk@riehle.org</a:t>
-            </a:r>
-            <a:r>
-              <a:rPr lang="en" sz="2400"/>
-              <a:t> – </a:t>
-            </a:r>
-            <a:r>
-              <a:rPr lang="en" sz="2400" u="sng">
-                <a:solidFill>
-                  <a:schemeClr val="hlink"/>
-                </a:solidFill>
-                <a:hlinkClick r:id="rId6"/>
-              </a:rPr>
-              <a:t>https://dirkriehle.com</a:t>
-            </a:r>
-            <a:r>
-              <a:rPr lang="en" sz="2400"/>
-              <a:t> – </a:t>
-            </a:r>
-            <a:r>
-              <a:rPr lang="en" sz="2400" u="sng">
-                <a:solidFill>
-                  <a:schemeClr val="hlink"/>
-                </a:solidFill>
-                <a:hlinkClick r:id="rId7"/>
-              </a:rPr>
-              <a:t>@dirkriehle</a:t>
-            </a:r>
-            <a:endParaRPr sz="2400"/>
-          </a:p>
-        </p:txBody>
-      </p:sp>
-    </p:spTree>
-  </p:cSld>
-  <p:clrMapOvr>
-    <a:masterClrMapping/>
-  </p:clrMapOvr>
-</p:sld>
-</file>
-
-<file path=ppt/slides/slide39.xml><?xml version="1.0" encoding="utf-8"?>
-<p:sld xmlns:a="http://schemas.openxmlformats.org/drawingml/2006/main" xmlns:r="http://schemas.openxmlformats.org/officeDocument/2006/relationships" xmlns:mc="http://schemas.openxmlformats.org/markup-compatibility/2006" xmlns:mv="urn:schemas-microsoft-com:mac:vml" xmlns:p="http://schemas.openxmlformats.org/presentationml/2006/main" xmlns:c="http://schemas.openxmlformats.org/drawingml/2006/chart" xmlns:dgm="http://schemas.openxmlformats.org/drawingml/2006/diagram" xmlns:o="urn:schemas-microsoft-com:office:office" xmlns:v="urn:schemas-microsoft-com:vml" xmlns:pvml="urn:schemas-microsoft-com:office:powerpoint" xmlns:com="http://schemas.openxmlformats.org/drawingml/2006/compatibility" xmlns:p14="http://schemas.microsoft.com/office/powerpoint/2010/main" xmlns:p15="http://schemas.microsoft.com/office/powerpoint/2012/main" xmlns:ahyp="http://schemas.microsoft.com/office/drawing/2018/hyperlinkcolor">
-  <p:cSld>
-    <p:spTree>
-      <p:nvGrpSpPr>
-        <p:cNvPr id="295" name="Shape 295"/>
-        <p:cNvGrpSpPr/>
-        <p:nvPr/>
-      </p:nvGrpSpPr>
-      <p:grpSpPr>
-        <a:xfrm>
-          <a:off x="0" y="0"/>
-          <a:ext cx="0" cy="0"/>
-          <a:chOff x="0" y="0"/>
-          <a:chExt cx="0" cy="0"/>
-        </a:xfrm>
-      </p:grpSpPr>
-      <p:sp>
-        <p:nvSpPr>
-          <p:cNvPr id="296" name="Google Shape;296;p46"/>
-          <p:cNvSpPr txBox="1"/>
-          <p:nvPr>
-            <p:ph type="title"/>
-          </p:nvPr>
-        </p:nvSpPr>
-        <p:spPr>
-          <a:xfrm>
-            <a:off x="0" y="0"/>
-            <a:ext cx="9144000" cy="685800"/>
-          </a:xfrm>
-          <a:prstGeom prst="rect">
-            <a:avLst/>
-          </a:prstGeom>
-        </p:spPr>
-        <p:txBody>
-          <a:bodyPr anchorCtr="0" anchor="ctr" bIns="91425" lIns="274300" spcFirstLastPara="1" rIns="91425" wrap="square" tIns="91425">
-            <a:noAutofit/>
-          </a:bodyPr>
-          <a:lstStyle/>
-          <a:p>
-            <a:pPr indent="0" lvl="0" marL="0" rtl="0" algn="l">
-              <a:spcBef>
-                <a:spcPts val="0"/>
-              </a:spcBef>
-              <a:spcAft>
-                <a:spcPts val="0"/>
-              </a:spcAft>
-              <a:buNone/>
-            </a:pPr>
-            <a:r>
-              <a:rPr lang="en"/>
-              <a:t>Legal Notices</a:t>
-            </a:r>
-            <a:endParaRPr/>
-          </a:p>
-        </p:txBody>
-      </p:sp>
-      <p:sp>
-        <p:nvSpPr>
-          <p:cNvPr id="297" name="Google Shape;297;p46"/>
-          <p:cNvSpPr txBox="1"/>
-          <p:nvPr>
-            <p:ph idx="12" type="sldNum"/>
-          </p:nvPr>
-        </p:nvSpPr>
-        <p:spPr>
-          <a:xfrm>
-            <a:off x="7315209" y="4229101"/>
-            <a:ext cx="1828800" cy="914400"/>
-          </a:xfrm>
-          <a:prstGeom prst="rect">
-            <a:avLst/>
-          </a:prstGeom>
-        </p:spPr>
-        <p:txBody>
-          <a:bodyPr anchorCtr="0" anchor="b" bIns="91425" lIns="91425" spcFirstLastPara="1" rIns="91425" wrap="square" tIns="91425">
-            <a:noAutofit/>
-          </a:bodyPr>
-          <a:lstStyle/>
-          <a:p>
-            <a:pPr indent="0" lvl="0" marL="0" rtl="0" algn="r">
-              <a:spcBef>
-                <a:spcPts val="0"/>
-              </a:spcBef>
-              <a:spcAft>
-                <a:spcPts val="0"/>
-              </a:spcAft>
-              <a:buNone/>
-            </a:pPr>
-            <a:fld id="{00000000-1234-1234-1234-123412341234}" type="slidenum">
-              <a:rPr lang="en"/>
-              <a:t>‹#›</a:t>
-            </a:fld>
-            <a:endParaRPr/>
-          </a:p>
-          <a:p>
-            <a:pPr indent="0" lvl="0" marL="0" rtl="0" algn="r">
-              <a:spcBef>
-                <a:spcPts val="0"/>
-              </a:spcBef>
-              <a:spcAft>
-                <a:spcPts val="0"/>
-              </a:spcAft>
-              <a:buNone/>
-            </a:pPr>
-            <a:r>
-              <a:rPr b="0" lang="en" sz="900" u="sng">
-                <a:solidFill>
-                  <a:schemeClr val="hlink"/>
-                </a:solidFill>
-                <a:hlinkClick r:id="rId3"/>
-              </a:rPr>
-              <a:t>https://profriehle.com</a:t>
-            </a:r>
-            <a:r>
-              <a:rPr b="0" lang="en" sz="900">
-                <a:solidFill>
-                  <a:schemeClr val="dk2"/>
-                </a:solidFill>
-              </a:rPr>
-              <a:t> </a:t>
-            </a:r>
-            <a:endParaRPr b="0" sz="900">
-              <a:solidFill>
-                <a:schemeClr val="dk2"/>
-              </a:solidFill>
-            </a:endParaRPr>
-          </a:p>
-        </p:txBody>
-      </p:sp>
-      <p:sp>
-        <p:nvSpPr>
-          <p:cNvPr id="298" name="Google Shape;298;p46"/>
-          <p:cNvSpPr txBox="1"/>
-          <p:nvPr>
-            <p:ph idx="1" type="body"/>
-          </p:nvPr>
-        </p:nvSpPr>
-        <p:spPr>
-          <a:xfrm>
-            <a:off x="274320" y="914400"/>
-            <a:ext cx="8595300" cy="4114800"/>
-          </a:xfrm>
-          <a:prstGeom prst="rect">
-            <a:avLst/>
-          </a:prstGeom>
-        </p:spPr>
-        <p:txBody>
-          <a:bodyPr anchorCtr="0" anchor="t" bIns="0" lIns="0" spcFirstLastPara="1" rIns="0" wrap="square" tIns="0">
-            <a:noAutofit/>
-          </a:bodyPr>
-          <a:lstStyle/>
-          <a:p>
-            <a:pPr indent="0" lvl="0" marL="0" rtl="0" algn="l">
-              <a:spcBef>
-                <a:spcPts val="0"/>
-              </a:spcBef>
-              <a:spcAft>
-                <a:spcPts val="0"/>
-              </a:spcAft>
-              <a:buNone/>
-            </a:pPr>
-            <a:r>
-              <a:rPr lang="en"/>
-              <a:t>License</a:t>
-            </a:r>
-            <a:endParaRPr/>
-          </a:p>
-          <a:p>
-            <a:pPr indent="-342900" lvl="0" marL="457200" rtl="0" algn="l">
-              <a:spcBef>
-                <a:spcPts val="1200"/>
-              </a:spcBef>
-              <a:spcAft>
-                <a:spcPts val="0"/>
-              </a:spcAft>
-              <a:buSzPts val="1800"/>
-              <a:buChar char="●"/>
-            </a:pPr>
-            <a:r>
-              <a:rPr lang="en"/>
-              <a:t>Licensed under the </a:t>
-            </a:r>
-            <a:r>
-              <a:rPr lang="en" u="sng">
-                <a:solidFill>
-                  <a:schemeClr val="hlink"/>
-                </a:solidFill>
-                <a:hlinkClick r:id="rId4"/>
-              </a:rPr>
-              <a:t>CC BY 4.0 International</a:t>
-            </a:r>
-            <a:r>
-              <a:rPr lang="en"/>
-              <a:t> license</a:t>
-            </a:r>
-            <a:endParaRPr/>
-          </a:p>
-          <a:p>
-            <a:pPr indent="0" lvl="0" marL="0" rtl="0" algn="l">
-              <a:spcBef>
-                <a:spcPts val="1200"/>
-              </a:spcBef>
-              <a:spcAft>
-                <a:spcPts val="0"/>
-              </a:spcAft>
-              <a:buNone/>
-            </a:pPr>
-            <a:r>
-              <a:rPr lang="en"/>
-              <a:t>Copyright</a:t>
-            </a:r>
-            <a:endParaRPr/>
-          </a:p>
-          <a:p>
-            <a:pPr indent="-342900" lvl="0" marL="457200" rtl="0" algn="l">
-              <a:spcBef>
-                <a:spcPts val="1200"/>
-              </a:spcBef>
-              <a:spcAft>
-                <a:spcPts val="0"/>
-              </a:spcAft>
-              <a:buSzPts val="1800"/>
-              <a:buChar char="●"/>
-            </a:pPr>
-            <a:r>
-              <a:rPr lang="en"/>
-              <a:t>© 2012, 2018, 2024 Dirk Riehle, some rights reserved</a:t>
-            </a:r>
-            <a:endParaRPr/>
-          </a:p>
-          <a:p>
-            <a:pPr indent="0" lvl="0" marL="0" rtl="0" algn="l">
-              <a:spcBef>
-                <a:spcPts val="1200"/>
-              </a:spcBef>
-              <a:spcAft>
-                <a:spcPts val="1200"/>
-              </a:spcAft>
-              <a:buNone/>
-            </a:pPr>
-            <a:r>
-              <a:t/>
-            </a:r>
-            <a:endParaRPr/>
           </a:p>
         </p:txBody>
       </p:sp>
@@ -19177,6 +23954,446 @@
           </a:ln>
         </p:spPr>
       </p:pic>
+    </p:spTree>
+  </p:cSld>
+  <p:clrMapOvr>
+    <a:masterClrMapping/>
+  </p:clrMapOvr>
+</p:sld>
+</file>
+
+<file path=ppt/slides/slide40.xml><?xml version="1.0" encoding="utf-8"?>
+<p:sld xmlns:a="http://schemas.openxmlformats.org/drawingml/2006/main" xmlns:r="http://schemas.openxmlformats.org/officeDocument/2006/relationships" xmlns:mc="http://schemas.openxmlformats.org/markup-compatibility/2006" xmlns:mv="urn:schemas-microsoft-com:mac:vml" xmlns:p="http://schemas.openxmlformats.org/presentationml/2006/main" xmlns:c="http://schemas.openxmlformats.org/drawingml/2006/chart" xmlns:dgm="http://schemas.openxmlformats.org/drawingml/2006/diagram" xmlns:o="urn:schemas-microsoft-com:office:office" xmlns:v="urn:schemas-microsoft-com:vml" xmlns:pvml="urn:schemas-microsoft-com:office:powerpoint" xmlns:com="http://schemas.openxmlformats.org/drawingml/2006/compatibility" xmlns:p14="http://schemas.microsoft.com/office/powerpoint/2010/main" xmlns:p15="http://schemas.microsoft.com/office/powerpoint/2012/main" xmlns:ahyp="http://schemas.microsoft.com/office/drawing/2018/hyperlinkcolor">
+  <p:cSld>
+    <p:spTree>
+      <p:nvGrpSpPr>
+        <p:cNvPr id="304" name="Shape 304"/>
+        <p:cNvGrpSpPr/>
+        <p:nvPr/>
+      </p:nvGrpSpPr>
+      <p:grpSpPr>
+        <a:xfrm>
+          <a:off x="0" y="0"/>
+          <a:ext cx="0" cy="0"/>
+          <a:chOff x="0" y="0"/>
+          <a:chExt cx="0" cy="0"/>
+        </a:xfrm>
+      </p:grpSpPr>
+      <p:sp>
+        <p:nvSpPr>
+          <p:cNvPr id="305" name="Google Shape;305;p47"/>
+          <p:cNvSpPr txBox="1"/>
+          <p:nvPr>
+            <p:ph type="ctrTitle"/>
+          </p:nvPr>
+        </p:nvSpPr>
+        <p:spPr>
+          <a:xfrm>
+            <a:off x="0" y="0"/>
+            <a:ext cx="9144000" cy="2388900"/>
+          </a:xfrm>
+          <a:prstGeom prst="rect">
+            <a:avLst/>
+          </a:prstGeom>
+        </p:spPr>
+        <p:txBody>
+          <a:bodyPr anchorCtr="0" anchor="b" bIns="274300" lIns="91425" spcFirstLastPara="1" rIns="91425" wrap="square" tIns="91425">
+            <a:noAutofit/>
+          </a:bodyPr>
+          <a:lstStyle/>
+          <a:p>
+            <a:pPr indent="0" lvl="0" marL="0" rtl="0" algn="ctr">
+              <a:spcBef>
+                <a:spcPts val="0"/>
+              </a:spcBef>
+              <a:spcAft>
+                <a:spcPts val="0"/>
+              </a:spcAft>
+              <a:buNone/>
+            </a:pPr>
+            <a:r>
+              <a:rPr lang="en"/>
+              <a:t>Thank you! Any questions?</a:t>
+            </a:r>
+            <a:endParaRPr/>
+          </a:p>
+        </p:txBody>
+      </p:sp>
+      <p:sp>
+        <p:nvSpPr>
+          <p:cNvPr id="306" name="Google Shape;306;p47"/>
+          <p:cNvSpPr txBox="1"/>
+          <p:nvPr>
+            <p:ph idx="1" type="subTitle"/>
+          </p:nvPr>
+        </p:nvSpPr>
+        <p:spPr>
+          <a:xfrm>
+            <a:off x="0" y="2569475"/>
+            <a:ext cx="9144000" cy="2574000"/>
+          </a:xfrm>
+          <a:prstGeom prst="rect">
+            <a:avLst/>
+          </a:prstGeom>
+        </p:spPr>
+        <p:txBody>
+          <a:bodyPr anchorCtr="0" anchor="t" bIns="91425" lIns="91425" spcFirstLastPara="1" rIns="91425" wrap="square" tIns="274300">
+            <a:noAutofit/>
+          </a:bodyPr>
+          <a:lstStyle/>
+          <a:p>
+            <a:pPr indent="0" lvl="0" marL="0" rtl="0" algn="ctr">
+              <a:lnSpc>
+                <a:spcPct val="150000"/>
+              </a:lnSpc>
+              <a:spcBef>
+                <a:spcPts val="0"/>
+              </a:spcBef>
+              <a:spcAft>
+                <a:spcPts val="0"/>
+              </a:spcAft>
+              <a:buNone/>
+            </a:pPr>
+            <a:r>
+              <a:rPr lang="en" u="sng">
+                <a:solidFill>
+                  <a:schemeClr val="hlink"/>
+                </a:solidFill>
+                <a:hlinkClick r:id="rId3"/>
+              </a:rPr>
+              <a:t>dirk.riehle@fau.de</a:t>
+            </a:r>
+            <a:r>
+              <a:rPr lang="en"/>
+              <a:t> </a:t>
+            </a:r>
+            <a:r>
+              <a:rPr lang="en" sz="2400"/>
+              <a:t>–</a:t>
+            </a:r>
+            <a:r>
+              <a:rPr lang="en"/>
+              <a:t> </a:t>
+            </a:r>
+            <a:r>
+              <a:rPr lang="en" u="sng">
+                <a:solidFill>
+                  <a:schemeClr val="hlink"/>
+                </a:solidFill>
+                <a:hlinkClick r:id="rId4"/>
+              </a:rPr>
+              <a:t>https://oss.cs.fau.de</a:t>
+            </a:r>
+            <a:endParaRPr/>
+          </a:p>
+          <a:p>
+            <a:pPr indent="0" lvl="0" marL="0" rtl="0" algn="ctr">
+              <a:lnSpc>
+                <a:spcPct val="150000"/>
+              </a:lnSpc>
+              <a:spcBef>
+                <a:spcPts val="0"/>
+              </a:spcBef>
+              <a:spcAft>
+                <a:spcPts val="0"/>
+              </a:spcAft>
+              <a:buNone/>
+            </a:pPr>
+            <a:r>
+              <a:rPr lang="en" sz="2400" u="sng">
+                <a:solidFill>
+                  <a:schemeClr val="hlink"/>
+                </a:solidFill>
+                <a:hlinkClick r:id="rId5"/>
+              </a:rPr>
+              <a:t>dirk@riehle.org</a:t>
+            </a:r>
+            <a:r>
+              <a:rPr lang="en" sz="2400"/>
+              <a:t> – </a:t>
+            </a:r>
+            <a:r>
+              <a:rPr lang="en" sz="2400" u="sng">
+                <a:solidFill>
+                  <a:schemeClr val="hlink"/>
+                </a:solidFill>
+                <a:hlinkClick r:id="rId6"/>
+              </a:rPr>
+              <a:t>https://dirkriehle.com</a:t>
+            </a:r>
+            <a:r>
+              <a:rPr lang="en" sz="2400"/>
+              <a:t> – </a:t>
+            </a:r>
+            <a:r>
+              <a:rPr lang="en" sz="2400" u="sng">
+                <a:solidFill>
+                  <a:schemeClr val="hlink"/>
+                </a:solidFill>
+                <a:hlinkClick r:id="rId7"/>
+              </a:rPr>
+              <a:t>@dirkriehle</a:t>
+            </a:r>
+            <a:endParaRPr sz="2400"/>
+          </a:p>
+        </p:txBody>
+      </p:sp>
+    </p:spTree>
+  </p:cSld>
+  <p:clrMapOvr>
+    <a:masterClrMapping/>
+  </p:clrMapOvr>
+</p:sld>
+</file>
+
+<file path=ppt/slides/slide41.xml><?xml version="1.0" encoding="utf-8"?>
+<p:sld xmlns:a="http://schemas.openxmlformats.org/drawingml/2006/main" xmlns:r="http://schemas.openxmlformats.org/officeDocument/2006/relationships" xmlns:mc="http://schemas.openxmlformats.org/markup-compatibility/2006" xmlns:mv="urn:schemas-microsoft-com:mac:vml" xmlns:p="http://schemas.openxmlformats.org/presentationml/2006/main" xmlns:c="http://schemas.openxmlformats.org/drawingml/2006/chart" xmlns:dgm="http://schemas.openxmlformats.org/drawingml/2006/diagram" xmlns:o="urn:schemas-microsoft-com:office:office" xmlns:v="urn:schemas-microsoft-com:vml" xmlns:pvml="urn:schemas-microsoft-com:office:powerpoint" xmlns:com="http://schemas.openxmlformats.org/drawingml/2006/compatibility" xmlns:p14="http://schemas.microsoft.com/office/powerpoint/2010/main" xmlns:p15="http://schemas.microsoft.com/office/powerpoint/2012/main" xmlns:ahyp="http://schemas.microsoft.com/office/drawing/2018/hyperlinkcolor">
+  <p:cSld>
+    <p:spTree>
+      <p:nvGrpSpPr>
+        <p:cNvPr id="310" name="Shape 310"/>
+        <p:cNvGrpSpPr/>
+        <p:nvPr/>
+      </p:nvGrpSpPr>
+      <p:grpSpPr>
+        <a:xfrm>
+          <a:off x="0" y="0"/>
+          <a:ext cx="0" cy="0"/>
+          <a:chOff x="0" y="0"/>
+          <a:chExt cx="0" cy="0"/>
+        </a:xfrm>
+      </p:grpSpPr>
+      <p:sp>
+        <p:nvSpPr>
+          <p:cNvPr id="311" name="Google Shape;311;p48"/>
+          <p:cNvSpPr txBox="1"/>
+          <p:nvPr>
+            <p:ph type="title"/>
+          </p:nvPr>
+        </p:nvSpPr>
+        <p:spPr>
+          <a:xfrm>
+            <a:off x="0" y="0"/>
+            <a:ext cx="9144000" cy="685800"/>
+          </a:xfrm>
+          <a:prstGeom prst="rect">
+            <a:avLst/>
+          </a:prstGeom>
+        </p:spPr>
+        <p:txBody>
+          <a:bodyPr anchorCtr="0" anchor="ctr" bIns="91425" lIns="274300" spcFirstLastPara="1" rIns="91425" wrap="square" tIns="91425">
+            <a:noAutofit/>
+          </a:bodyPr>
+          <a:lstStyle/>
+          <a:p>
+            <a:pPr indent="0" lvl="0" marL="0" rtl="0" algn="l">
+              <a:spcBef>
+                <a:spcPts val="0"/>
+              </a:spcBef>
+              <a:spcAft>
+                <a:spcPts val="0"/>
+              </a:spcAft>
+              <a:buNone/>
+            </a:pPr>
+            <a:r>
+              <a:rPr lang="en"/>
+              <a:t>Legal Notices</a:t>
+            </a:r>
+            <a:endParaRPr/>
+          </a:p>
+        </p:txBody>
+      </p:sp>
+      <p:sp>
+        <p:nvSpPr>
+          <p:cNvPr id="312" name="Google Shape;312;p48"/>
+          <p:cNvSpPr txBox="1"/>
+          <p:nvPr>
+            <p:ph idx="12" type="sldNum"/>
+          </p:nvPr>
+        </p:nvSpPr>
+        <p:spPr>
+          <a:xfrm>
+            <a:off x="7315209" y="4229101"/>
+            <a:ext cx="1828800" cy="914400"/>
+          </a:xfrm>
+          <a:prstGeom prst="rect">
+            <a:avLst/>
+          </a:prstGeom>
+        </p:spPr>
+        <p:txBody>
+          <a:bodyPr anchorCtr="0" anchor="b" bIns="91425" lIns="91425" spcFirstLastPara="1" rIns="91425" wrap="square" tIns="91425">
+            <a:noAutofit/>
+          </a:bodyPr>
+          <a:lstStyle/>
+          <a:p>
+            <a:pPr indent="0" lvl="0" marL="0" rtl="0" algn="r">
+              <a:spcBef>
+                <a:spcPts val="0"/>
+              </a:spcBef>
+              <a:spcAft>
+                <a:spcPts val="0"/>
+              </a:spcAft>
+              <a:buNone/>
+            </a:pPr>
+            <a:fld id="{00000000-1234-1234-1234-123412341234}" type="slidenum">
+              <a:rPr lang="en"/>
+              <a:t>‹#›</a:t>
+            </a:fld>
+            <a:endParaRPr/>
+          </a:p>
+          <a:p>
+            <a:pPr indent="0" lvl="0" marL="0" rtl="0" algn="r">
+              <a:spcBef>
+                <a:spcPts val="0"/>
+              </a:spcBef>
+              <a:spcAft>
+                <a:spcPts val="0"/>
+              </a:spcAft>
+              <a:buNone/>
+            </a:pPr>
+            <a:r>
+              <a:rPr b="0" lang="en" sz="900" u="sng">
+                <a:solidFill>
+                  <a:schemeClr val="hlink"/>
+                </a:solidFill>
+                <a:hlinkClick r:id="rId3"/>
+              </a:rPr>
+              <a:t>https://profriehle.com</a:t>
+            </a:r>
+            <a:r>
+              <a:rPr b="0" lang="en" sz="900">
+                <a:solidFill>
+                  <a:schemeClr val="dk2"/>
+                </a:solidFill>
+              </a:rPr>
+              <a:t> </a:t>
+            </a:r>
+            <a:endParaRPr b="0" sz="900">
+              <a:solidFill>
+                <a:schemeClr val="dk2"/>
+              </a:solidFill>
+            </a:endParaRPr>
+          </a:p>
+        </p:txBody>
+      </p:sp>
+      <p:sp>
+        <p:nvSpPr>
+          <p:cNvPr id="313" name="Google Shape;313;p48"/>
+          <p:cNvSpPr txBox="1"/>
+          <p:nvPr>
+            <p:ph idx="1" type="body"/>
+          </p:nvPr>
+        </p:nvSpPr>
+        <p:spPr>
+          <a:xfrm>
+            <a:off x="274320" y="914400"/>
+            <a:ext cx="8595300" cy="4114800"/>
+          </a:xfrm>
+          <a:prstGeom prst="rect">
+            <a:avLst/>
+          </a:prstGeom>
+        </p:spPr>
+        <p:txBody>
+          <a:bodyPr anchorCtr="0" anchor="t" bIns="0" lIns="0" spcFirstLastPara="1" rIns="0" wrap="square" tIns="0">
+            <a:noAutofit/>
+          </a:bodyPr>
+          <a:lstStyle/>
+          <a:p>
+            <a:pPr indent="0" lvl="0" marL="0" rtl="0" algn="l">
+              <a:spcBef>
+                <a:spcPts val="0"/>
+              </a:spcBef>
+              <a:spcAft>
+                <a:spcPts val="0"/>
+              </a:spcAft>
+              <a:buNone/>
+            </a:pPr>
+            <a:r>
+              <a:rPr lang="en"/>
+              <a:t>License</a:t>
+            </a:r>
+            <a:endParaRPr/>
+          </a:p>
+          <a:p>
+            <a:pPr indent="-342900" lvl="0" marL="457200" rtl="0" algn="l">
+              <a:spcBef>
+                <a:spcPts val="1200"/>
+              </a:spcBef>
+              <a:spcAft>
+                <a:spcPts val="0"/>
+              </a:spcAft>
+              <a:buSzPts val="1800"/>
+              <a:buChar char="●"/>
+            </a:pPr>
+            <a:r>
+              <a:rPr lang="en"/>
+              <a:t>Licensed under the </a:t>
+            </a:r>
+            <a:r>
+              <a:rPr lang="en" u="sng">
+                <a:solidFill>
+                  <a:schemeClr val="hlink"/>
+                </a:solidFill>
+                <a:hlinkClick r:id="rId4"/>
+              </a:rPr>
+              <a:t>CC BY 4.0 International</a:t>
+            </a:r>
+            <a:r>
+              <a:rPr lang="en"/>
+              <a:t> license</a:t>
+            </a:r>
+            <a:endParaRPr/>
+          </a:p>
+          <a:p>
+            <a:pPr indent="0" lvl="0" marL="0" rtl="0" algn="l">
+              <a:spcBef>
+                <a:spcPts val="1200"/>
+              </a:spcBef>
+              <a:spcAft>
+                <a:spcPts val="0"/>
+              </a:spcAft>
+              <a:buNone/>
+            </a:pPr>
+            <a:r>
+              <a:rPr lang="en"/>
+              <a:t>Copyright</a:t>
+            </a:r>
+            <a:endParaRPr/>
+          </a:p>
+          <a:p>
+            <a:pPr indent="-342900" lvl="0" marL="457200" rtl="0" algn="l">
+              <a:spcBef>
+                <a:spcPts val="1200"/>
+              </a:spcBef>
+              <a:spcAft>
+                <a:spcPts val="0"/>
+              </a:spcAft>
+              <a:buSzPts val="1800"/>
+              <a:buChar char="●"/>
+            </a:pPr>
+            <a:r>
+              <a:rPr lang="en"/>
+              <a:t>© 2012, 2018, 2024 Dirk Riehle, some rights reserved</a:t>
+            </a:r>
+            <a:endParaRPr/>
+          </a:p>
+          <a:p>
+            <a:pPr indent="0" lvl="0" marL="0" rtl="0" algn="l">
+              <a:spcBef>
+                <a:spcPts val="1200"/>
+              </a:spcBef>
+              <a:spcAft>
+                <a:spcPts val="1200"/>
+              </a:spcAft>
+              <a:buNone/>
+            </a:pPr>
+            <a:r>
+              <a:t/>
+            </a:r>
+            <a:endParaRPr/>
+          </a:p>
+        </p:txBody>
+      </p:sp>
     </p:spTree>
   </p:cSld>
   <p:clrMapOvr>

--- a/Lecture slides/ADAP B03 - Subtyping and Inheritance.pptx
+++ b/Lecture slides/ADAP B03 - Subtyping and Inheritance.pptx
@@ -9417,7 +9417,7 @@
             </a:pPr>
             <a:r>
               <a:rPr lang="en"/>
-              <a:t>Leads to dual hierarchies</a:t>
+              <a:t>Leads to parallel class hierarchies</a:t>
             </a:r>
             <a:endParaRPr/>
           </a:p>
@@ -10623,7 +10623,7 @@
           <a:p>
             <a:pPr indent="0" lvl="0" marL="0" rtl="0" algn="l">
               <a:lnSpc>
-                <a:spcPct val="115000"/>
+                <a:spcPct val="100000"/>
               </a:lnSpc>
               <a:spcBef>
                 <a:spcPts val="0"/>
@@ -10814,7 +10814,7 @@
           <a:p>
             <a:pPr indent="457200" lvl="0" marL="0" rtl="0" algn="l">
               <a:lnSpc>
-                <a:spcPct val="115000"/>
+                <a:spcPct val="100000"/>
               </a:lnSpc>
               <a:spcBef>
                 <a:spcPts val="0"/>
@@ -10975,7 +10975,7 @@
           <a:p>
             <a:pPr indent="0" lvl="0" marL="0" rtl="0" algn="l">
               <a:lnSpc>
-                <a:spcPct val="115000"/>
+                <a:spcPct val="100000"/>
               </a:lnSpc>
               <a:spcBef>
                 <a:spcPts val="0"/>
@@ -11166,7 +11166,7 @@
           <a:p>
             <a:pPr indent="457200" lvl="0" marL="0" rtl="0" algn="l">
               <a:lnSpc>
-                <a:spcPct val="115000"/>
+                <a:spcPct val="100000"/>
               </a:lnSpc>
               <a:spcBef>
                 <a:spcPts val="0"/>
@@ -11327,7 +11327,7 @@
           <a:p>
             <a:pPr indent="0" lvl="0" marL="0" rtl="0" algn="l">
               <a:lnSpc>
-                <a:spcPct val="115000"/>
+                <a:spcPct val="100000"/>
               </a:lnSpc>
               <a:spcBef>
                 <a:spcPts val="0"/>
@@ -11473,7 +11473,7 @@
           <a:p>
             <a:pPr indent="457200" lvl="0" marL="0" rtl="0" algn="l">
               <a:lnSpc>
-                <a:spcPct val="115000"/>
+                <a:spcPct val="100000"/>
               </a:lnSpc>
               <a:spcBef>
                 <a:spcPts val="0"/>
@@ -11484,7 +11484,7 @@
               <a:buNone/>
             </a:pPr>
             <a:r>
-              <a:rPr b="1" lang="en" sz="1000">
+              <a:rPr lang="en" sz="1000">
                 <a:solidFill>
                   <a:srgbClr val="001080"/>
                 </a:solidFill>
@@ -11499,7 +11499,7 @@
               <a:t>modAsUser</a:t>
             </a:r>
             <a:r>
-              <a:rPr b="1" lang="en" sz="1000">
+              <a:rPr lang="en" sz="1000">
                 <a:solidFill>
                   <a:srgbClr val="001080"/>
                 </a:solidFill>
@@ -11514,7 +11514,7 @@
               <a:t>View</a:t>
             </a:r>
             <a:r>
-              <a:rPr b="1" lang="en" sz="1000">
+              <a:rPr lang="en" sz="1000">
                 <a:solidFill>
                   <a:srgbClr val="001080"/>
                 </a:solidFill>
@@ -11529,7 +11529,7 @@
               <a:t>1</a:t>
             </a:r>
             <a:r>
-              <a:rPr b="1" lang="en" sz="1000">
+              <a:rPr lang="en" sz="1000">
                 <a:solidFill>
                   <a:srgbClr val="3B3B3B"/>
                 </a:solidFill>
@@ -11544,7 +11544,7 @@
               <a:t>.</a:t>
             </a:r>
             <a:r>
-              <a:rPr b="1" lang="en" sz="1000">
+              <a:rPr lang="en" sz="1000">
                 <a:solidFill>
                   <a:srgbClr val="795E26"/>
                 </a:solidFill>
@@ -11559,7 +11559,7 @@
               <a:t>getUser</a:t>
             </a:r>
             <a:r>
-              <a:rPr b="1" lang="en" sz="1000">
+              <a:rPr lang="en" sz="1000">
                 <a:solidFill>
                   <a:srgbClr val="3B3B3B"/>
                 </a:solidFill>
@@ -11574,7 +11574,7 @@
               <a:t>() </a:t>
             </a:r>
             <a:r>
-              <a:rPr b="1" lang="en" sz="1000">
+              <a:rPr lang="en" sz="1000">
                 <a:solidFill>
                   <a:srgbClr val="AF00DB"/>
                 </a:solidFill>
@@ -11589,7 +11589,7 @@
               <a:t>as</a:t>
             </a:r>
             <a:r>
-              <a:rPr b="1" lang="en" sz="1000">
+              <a:rPr lang="en" sz="1000">
                 <a:solidFill>
                   <a:srgbClr val="3B3B3B"/>
                 </a:solidFill>
@@ -11604,7 +11604,7 @@
               <a:t> </a:t>
             </a:r>
             <a:r>
-              <a:rPr b="1" lang="en" sz="1000">
+              <a:rPr lang="en" sz="1000">
                 <a:solidFill>
                   <a:srgbClr val="267F99"/>
                 </a:solidFill>
@@ -11619,7 +11619,7 @@
               <a:t>Moderator</a:t>
             </a:r>
             <a:r>
-              <a:rPr b="1" lang="en" sz="1000">
+              <a:rPr lang="en" sz="1000">
                 <a:solidFill>
                   <a:srgbClr val="3B3B3B"/>
                 </a:solidFill>
@@ -11633,7 +11633,7 @@
               </a:rPr>
               <a:t>;</a:t>
             </a:r>
-            <a:endParaRPr b="1" sz="1000">
+            <a:endParaRPr sz="1000">
               <a:solidFill>
                 <a:srgbClr val="3B3B3B"/>
               </a:solidFill>
@@ -11649,7 +11649,7 @@
           <a:p>
             <a:pPr indent="0" lvl="0" marL="0" rtl="0" algn="l">
               <a:lnSpc>
-                <a:spcPct val="115000"/>
+                <a:spcPct val="100000"/>
               </a:lnSpc>
               <a:spcBef>
                 <a:spcPts val="0"/>
@@ -11776,7 +11776,7 @@
           <a:p>
             <a:pPr indent="0" lvl="0" marL="0" rtl="0" algn="l">
               <a:lnSpc>
-                <a:spcPct val="115000"/>
+                <a:spcPct val="100000"/>
               </a:lnSpc>
               <a:spcBef>
                 <a:spcPts val="0"/>
@@ -11952,7 +11952,7 @@
           <a:p>
             <a:pPr indent="457200" lvl="0" marL="0" rtl="0" algn="l">
               <a:lnSpc>
-                <a:spcPct val="115000"/>
+                <a:spcPct val="100000"/>
               </a:lnSpc>
               <a:spcBef>
                 <a:spcPts val="0"/>
@@ -12058,7 +12058,7 @@
           <a:p>
             <a:pPr indent="0" lvl="0" marL="0" rtl="0" algn="l">
               <a:lnSpc>
-                <a:spcPct val="115000"/>
+                <a:spcPct val="100000"/>
               </a:lnSpc>
               <a:spcBef>
                 <a:spcPts val="0"/>
@@ -12279,7 +12279,7 @@
           <a:p>
             <a:pPr indent="457200" lvl="0" marL="0" rtl="0" algn="l">
               <a:lnSpc>
-                <a:spcPct val="115000"/>
+                <a:spcPct val="100000"/>
               </a:lnSpc>
               <a:spcBef>
                 <a:spcPts val="0"/>
@@ -12430,7 +12430,7 @@
           <a:p>
             <a:pPr indent="0" lvl="0" marL="0" rtl="0" algn="l">
               <a:lnSpc>
-                <a:spcPct val="115000"/>
+                <a:spcPct val="100000"/>
               </a:lnSpc>
               <a:spcBef>
                 <a:spcPts val="0"/>
@@ -12576,7 +12576,7 @@
           <a:p>
             <a:pPr indent="457200" lvl="0" marL="0" rtl="0" algn="l">
               <a:lnSpc>
-                <a:spcPct val="115000"/>
+                <a:spcPct val="100000"/>
               </a:lnSpc>
               <a:spcBef>
                 <a:spcPts val="0"/>
@@ -12592,7 +12592,7 @@
               <a:buNone/>
             </a:pPr>
             <a:r>
-              <a:rPr b="1" lang="en" sz="1000">
+              <a:rPr lang="en" sz="1000">
                 <a:solidFill>
                   <a:srgbClr val="001080"/>
                 </a:solidFill>
@@ -12607,7 +12607,7 @@
               <a:t>admin</a:t>
             </a:r>
             <a:r>
-              <a:rPr b="1" lang="en" sz="1000">
+              <a:rPr lang="en" sz="1000">
                 <a:solidFill>
                   <a:srgbClr val="001080"/>
                 </a:solidFill>
@@ -12622,7 +12622,7 @@
               <a:t>View</a:t>
             </a:r>
             <a:r>
-              <a:rPr b="1" lang="en" sz="1000">
+              <a:rPr lang="en" sz="1000">
                 <a:solidFill>
                   <a:srgbClr val="001080"/>
                 </a:solidFill>
@@ -12637,7 +12637,7 @@
               <a:t>AsMod</a:t>
             </a:r>
             <a:r>
-              <a:rPr b="1" lang="en" sz="1000">
+              <a:rPr lang="en" sz="1000">
                 <a:solidFill>
                   <a:srgbClr val="001080"/>
                 </a:solidFill>
@@ -12652,7 +12652,7 @@
               <a:t>View</a:t>
             </a:r>
             <a:r>
-              <a:rPr b="1" lang="en" sz="1000">
+              <a:rPr lang="en" sz="1000">
                 <a:solidFill>
                   <a:srgbClr val="001080"/>
                 </a:solidFill>
@@ -12667,7 +12667,7 @@
               <a:t>1</a:t>
             </a:r>
             <a:r>
-              <a:rPr b="1" lang="en" sz="1000">
+              <a:rPr lang="en" sz="1000">
                 <a:solidFill>
                   <a:srgbClr val="3B3B3B"/>
                 </a:solidFill>
@@ -12682,7 +12682,7 @@
               <a:t>.</a:t>
             </a:r>
             <a:r>
-              <a:rPr b="1" lang="en" sz="1000">
+              <a:rPr lang="en" sz="1000">
                 <a:solidFill>
                   <a:srgbClr val="795E26"/>
                 </a:solidFill>
@@ -12697,7 +12697,7 @@
               <a:t>getUser</a:t>
             </a:r>
             <a:r>
-              <a:rPr b="1" lang="en" sz="1000">
+              <a:rPr lang="en" sz="1000">
                 <a:solidFill>
                   <a:srgbClr val="3B3B3B"/>
                 </a:solidFill>
@@ -12711,7 +12711,7 @@
               </a:rPr>
               <a:t>();</a:t>
             </a:r>
-            <a:endParaRPr b="1" sz="1000">
+            <a:endParaRPr sz="1000">
               <a:solidFill>
                 <a:srgbClr val="3B3B3B"/>
               </a:solidFill>
@@ -12727,7 +12727,7 @@
           <a:p>
             <a:pPr indent="0" lvl="0" marL="0" rtl="0" algn="l">
               <a:lnSpc>
-                <a:spcPct val="115000"/>
+                <a:spcPct val="100000"/>
               </a:lnSpc>
               <a:spcBef>
                 <a:spcPts val="0"/>
@@ -14016,7 +14016,7 @@
           <a:p>
             <a:pPr indent="0" lvl="0" marL="0" rtl="0" algn="l">
               <a:lnSpc>
-                <a:spcPct val="115000"/>
+                <a:spcPct val="100000"/>
               </a:lnSpc>
               <a:spcBef>
                 <a:spcPts val="0"/>
@@ -14207,7 +14207,7 @@
           <a:p>
             <a:pPr indent="457200" lvl="0" marL="0" rtl="0" algn="l">
               <a:lnSpc>
-                <a:spcPct val="115000"/>
+                <a:spcPct val="100000"/>
               </a:lnSpc>
               <a:spcBef>
                 <a:spcPts val="0"/>
@@ -14373,7 +14373,7 @@
           <a:p>
             <a:pPr indent="0" lvl="0" marL="0" rtl="0" algn="l">
               <a:lnSpc>
-                <a:spcPct val="115000"/>
+                <a:spcPct val="100000"/>
               </a:lnSpc>
               <a:spcBef>
                 <a:spcPts val="0"/>
@@ -14519,7 +14519,7 @@
           <a:p>
             <a:pPr indent="457200" lvl="0" marL="0" rtl="0" algn="l">
               <a:lnSpc>
-                <a:spcPct val="115000"/>
+                <a:spcPct val="100000"/>
               </a:lnSpc>
               <a:spcBef>
                 <a:spcPts val="0"/>
@@ -14685,7 +14685,7 @@
           <a:p>
             <a:pPr indent="0" lvl="0" marL="0" rtl="0" algn="l">
               <a:lnSpc>
-                <a:spcPct val="115000"/>
+                <a:spcPct val="100000"/>
               </a:lnSpc>
               <a:spcBef>
                 <a:spcPts val="0"/>
@@ -14701,7 +14701,7 @@
               <a:buNone/>
             </a:pPr>
             <a:r>
-              <a:rPr b="1" lang="en" sz="1000">
+              <a:rPr lang="en" sz="1000">
                 <a:solidFill>
                   <a:srgbClr val="001080"/>
                 </a:solidFill>
@@ -14716,7 +14716,7 @@
               <a:t>modAsUser</a:t>
             </a:r>
             <a:r>
-              <a:rPr b="1" lang="en" sz="1000">
+              <a:rPr lang="en" sz="1000">
                 <a:solidFill>
                   <a:srgbClr val="001080"/>
                 </a:solidFill>
@@ -14731,7 +14731,7 @@
               <a:t>View</a:t>
             </a:r>
             <a:r>
-              <a:rPr b="1" lang="en" sz="1000">
+              <a:rPr lang="en" sz="1000">
                 <a:solidFill>
                   <a:srgbClr val="001080"/>
                 </a:solidFill>
@@ -14746,7 +14746,7 @@
               <a:t>2</a:t>
             </a:r>
             <a:r>
-              <a:rPr b="1" lang="en" sz="1000">
+              <a:rPr lang="en" sz="1000">
                 <a:solidFill>
                   <a:srgbClr val="3B3B3B"/>
                 </a:solidFill>
@@ -14761,7 +14761,7 @@
               <a:t>.</a:t>
             </a:r>
             <a:r>
-              <a:rPr b="1" lang="en" sz="1000">
+              <a:rPr lang="en" sz="1000">
                 <a:solidFill>
                   <a:srgbClr val="795E26"/>
                 </a:solidFill>
@@ -14776,7 +14776,7 @@
               <a:t>setUser</a:t>
             </a:r>
             <a:r>
-              <a:rPr b="1" lang="en" sz="1000">
+              <a:rPr lang="en" sz="1000">
                 <a:solidFill>
                   <a:srgbClr val="3B3B3B"/>
                 </a:solidFill>
@@ -14791,7 +14791,7 @@
               <a:t>(</a:t>
             </a:r>
             <a:r>
-              <a:rPr b="1" lang="en" sz="1000">
+              <a:rPr lang="en" sz="1000">
                 <a:solidFill>
                   <a:srgbClr val="0000FF"/>
                 </a:solidFill>
@@ -14806,7 +14806,7 @@
               <a:t>new</a:t>
             </a:r>
             <a:r>
-              <a:rPr b="1" lang="en" sz="1000">
+              <a:rPr lang="en" sz="1000">
                 <a:solidFill>
                   <a:srgbClr val="3B3B3B"/>
                 </a:solidFill>
@@ -14821,7 +14821,7 @@
               <a:t> </a:t>
             </a:r>
             <a:r>
-              <a:rPr b="1" lang="en" sz="1000">
+              <a:rPr lang="en" sz="1000">
                 <a:solidFill>
                   <a:srgbClr val="267F99"/>
                 </a:solidFill>
@@ -14836,7 +14836,7 @@
               <a:t>User</a:t>
             </a:r>
             <a:r>
-              <a:rPr b="1" lang="en" sz="1000">
+              <a:rPr lang="en" sz="1000">
                 <a:solidFill>
                   <a:srgbClr val="3B3B3B"/>
                 </a:solidFill>
@@ -14851,7 +14851,7 @@
               <a:t>());</a:t>
             </a:r>
             <a:r>
-              <a:rPr b="1" lang="en" sz="1000">
+              <a:rPr lang="en" sz="1000">
                 <a:solidFill>
                   <a:srgbClr val="3B3B3B"/>
                 </a:solidFill>
@@ -14866,7 +14866,7 @@
               <a:t> </a:t>
             </a:r>
             <a:r>
-              <a:rPr b="1" lang="en" sz="1000">
+              <a:rPr lang="en" sz="1000">
                 <a:solidFill>
                   <a:srgbClr val="008000"/>
                 </a:solidFill>
@@ -14880,7 +14880,7 @@
               </a:rPr>
               <a:t>// setup</a:t>
             </a:r>
-            <a:endParaRPr b="1" sz="1000">
+            <a:endParaRPr sz="1000">
               <a:solidFill>
                 <a:srgbClr val="008000"/>
               </a:solidFill>
@@ -14896,7 +14896,7 @@
           <a:p>
             <a:pPr indent="0" lvl="0" marL="0" rtl="0" algn="l">
               <a:lnSpc>
-                <a:spcPct val="115000"/>
+                <a:spcPct val="100000"/>
               </a:lnSpc>
               <a:spcBef>
                 <a:spcPts val="0"/>
@@ -15042,7 +15042,7 @@
           <a:p>
             <a:pPr indent="457200" lvl="0" marL="0" rtl="0" algn="l">
               <a:lnSpc>
-                <a:spcPct val="115000"/>
+                <a:spcPct val="100000"/>
               </a:lnSpc>
               <a:spcBef>
                 <a:spcPts val="0"/>
@@ -15178,7 +15178,7 @@
           <a:p>
             <a:pPr indent="0" lvl="0" marL="0" rtl="0" algn="l">
               <a:lnSpc>
-                <a:spcPct val="115000"/>
+                <a:spcPct val="100000"/>
               </a:lnSpc>
               <a:spcBef>
                 <a:spcPts val="0"/>
@@ -15305,7 +15305,7 @@
           <a:p>
             <a:pPr indent="0" lvl="0" marL="0" rtl="0" algn="l">
               <a:lnSpc>
-                <a:spcPct val="115000"/>
+                <a:spcPct val="100000"/>
               </a:lnSpc>
               <a:spcBef>
                 <a:spcPts val="0"/>
@@ -15321,7 +15321,7 @@
               <a:buNone/>
             </a:pPr>
             <a:r>
-              <a:rPr b="1" lang="en" sz="1000">
+              <a:rPr lang="en" sz="1000">
                 <a:solidFill>
                   <a:srgbClr val="001080"/>
                 </a:solidFill>
@@ -15336,7 +15336,7 @@
               <a:t>admin</a:t>
             </a:r>
             <a:r>
-              <a:rPr b="1" lang="en" sz="1000">
+              <a:rPr lang="en" sz="1000">
                 <a:solidFill>
                   <a:srgbClr val="001080"/>
                 </a:solidFill>
@@ -15351,7 +15351,7 @@
               <a:t>View</a:t>
             </a:r>
             <a:r>
-              <a:rPr b="1" lang="en" sz="1000">
+              <a:rPr lang="en" sz="1000">
                 <a:solidFill>
                   <a:srgbClr val="3B3B3B"/>
                 </a:solidFill>
@@ -15366,7 +15366,7 @@
               <a:t>.</a:t>
             </a:r>
             <a:r>
-              <a:rPr b="1" lang="en" sz="1000">
+              <a:rPr lang="en" sz="1000">
                 <a:solidFill>
                   <a:srgbClr val="795E26"/>
                 </a:solidFill>
@@ -15381,7 +15381,7 @@
               <a:t>setUser</a:t>
             </a:r>
             <a:r>
-              <a:rPr b="1" lang="en" sz="1000">
+              <a:rPr lang="en" sz="1000">
                 <a:solidFill>
                   <a:srgbClr val="3B3B3B"/>
                 </a:solidFill>
@@ -15396,7 +15396,7 @@
               <a:t>(</a:t>
             </a:r>
             <a:r>
-              <a:rPr b="1" lang="en" sz="1000">
+              <a:rPr lang="en" sz="1000">
                 <a:solidFill>
                   <a:srgbClr val="0000FF"/>
                 </a:solidFill>
@@ -15411,7 +15411,7 @@
               <a:t>new</a:t>
             </a:r>
             <a:r>
-              <a:rPr b="1" lang="en" sz="1000">
+              <a:rPr lang="en" sz="1000">
                 <a:solidFill>
                   <a:srgbClr val="3B3B3B"/>
                 </a:solidFill>
@@ -15426,7 +15426,7 @@
               <a:t> </a:t>
             </a:r>
             <a:r>
-              <a:rPr b="1" lang="en" sz="1000">
+              <a:rPr lang="en" sz="1000">
                 <a:solidFill>
                   <a:srgbClr val="267F99"/>
                 </a:solidFill>
@@ -15441,7 +15441,7 @@
               <a:t>User</a:t>
             </a:r>
             <a:r>
-              <a:rPr b="1" lang="en" sz="1000">
+              <a:rPr lang="en" sz="1000">
                 <a:solidFill>
                   <a:srgbClr val="3B3B3B"/>
                 </a:solidFill>
@@ -15454,247 +15454,6 @@
                 <a:sym typeface="Courier New"/>
               </a:rPr>
               <a:t>());</a:t>
-            </a:r>
-            <a:endParaRPr b="1" sz="1000">
-              <a:solidFill>
-                <a:srgbClr val="3B3B3B"/>
-              </a:solidFill>
-              <a:highlight>
-                <a:srgbClr val="FFFFFF"/>
-              </a:highlight>
-              <a:latin typeface="Courier New"/>
-              <a:ea typeface="Courier New"/>
-              <a:cs typeface="Courier New"/>
-              <a:sym typeface="Courier New"/>
-            </a:endParaRPr>
-          </a:p>
-          <a:p>
-            <a:pPr indent="0" lvl="0" marL="0" rtl="0" algn="l">
-              <a:lnSpc>
-                <a:spcPct val="115000"/>
-              </a:lnSpc>
-              <a:spcBef>
-                <a:spcPts val="0"/>
-              </a:spcBef>
-              <a:spcAft>
-                <a:spcPts val="0"/>
-              </a:spcAft>
-              <a:buClr>
-                <a:schemeClr val="dk1"/>
-              </a:buClr>
-              <a:buSzPts val="1100"/>
-              <a:buFont typeface="Arial"/>
-              <a:buNone/>
-            </a:pPr>
-            <a:r>
-              <a:rPr lang="en" sz="1000">
-                <a:solidFill>
-                  <a:srgbClr val="0000FF"/>
-                </a:solidFill>
-                <a:highlight>
-                  <a:srgbClr val="FFFFFF"/>
-                </a:highlight>
-                <a:latin typeface="Courier New"/>
-                <a:ea typeface="Courier New"/>
-                <a:cs typeface="Courier New"/>
-                <a:sym typeface="Courier New"/>
-              </a:rPr>
-              <a:t>let</a:t>
-            </a:r>
-            <a:r>
-              <a:rPr lang="en" sz="1000">
-                <a:solidFill>
-                  <a:srgbClr val="3B3B3B"/>
-                </a:solidFill>
-                <a:highlight>
-                  <a:srgbClr val="FFFFFF"/>
-                </a:highlight>
-                <a:latin typeface="Courier New"/>
-                <a:ea typeface="Courier New"/>
-                <a:cs typeface="Courier New"/>
-                <a:sym typeface="Courier New"/>
-              </a:rPr>
-              <a:t> </a:t>
-            </a:r>
-            <a:r>
-              <a:rPr lang="en" sz="1000">
-                <a:solidFill>
-                  <a:srgbClr val="001080"/>
-                </a:solidFill>
-                <a:highlight>
-                  <a:srgbClr val="FFFFFF"/>
-                </a:highlight>
-                <a:latin typeface="Courier New"/>
-                <a:ea typeface="Courier New"/>
-                <a:cs typeface="Courier New"/>
-                <a:sym typeface="Courier New"/>
-              </a:rPr>
-              <a:t>user1</a:t>
-            </a:r>
-            <a:r>
-              <a:rPr lang="en" sz="1000">
-                <a:solidFill>
-                  <a:schemeClr val="dk1"/>
-                </a:solidFill>
-                <a:highlight>
-                  <a:srgbClr val="FFFFFF"/>
-                </a:highlight>
-                <a:latin typeface="Courier New"/>
-                <a:ea typeface="Courier New"/>
-                <a:cs typeface="Courier New"/>
-                <a:sym typeface="Courier New"/>
-              </a:rPr>
-              <a:t>:</a:t>
-            </a:r>
-            <a:r>
-              <a:rPr lang="en" sz="1000">
-                <a:solidFill>
-                  <a:srgbClr val="3B3B3B"/>
-                </a:solidFill>
-                <a:highlight>
-                  <a:srgbClr val="FFFFFF"/>
-                </a:highlight>
-                <a:latin typeface="Courier New"/>
-                <a:ea typeface="Courier New"/>
-                <a:cs typeface="Courier New"/>
-                <a:sym typeface="Courier New"/>
-              </a:rPr>
-              <a:t> </a:t>
-            </a:r>
-            <a:r>
-              <a:rPr lang="en" sz="1000">
-                <a:solidFill>
-                  <a:srgbClr val="267F99"/>
-                </a:solidFill>
-                <a:highlight>
-                  <a:srgbClr val="FFFFFF"/>
-                </a:highlight>
-                <a:latin typeface="Courier New"/>
-                <a:ea typeface="Courier New"/>
-                <a:cs typeface="Courier New"/>
-                <a:sym typeface="Courier New"/>
-              </a:rPr>
-              <a:t>User</a:t>
-            </a:r>
-            <a:r>
-              <a:rPr lang="en" sz="1000">
-                <a:solidFill>
-                  <a:srgbClr val="3B3B3B"/>
-                </a:solidFill>
-                <a:highlight>
-                  <a:srgbClr val="FFFFFF"/>
-                </a:highlight>
-                <a:latin typeface="Courier New"/>
-                <a:ea typeface="Courier New"/>
-                <a:cs typeface="Courier New"/>
-                <a:sym typeface="Courier New"/>
-              </a:rPr>
-              <a:t> </a:t>
-            </a:r>
-            <a:r>
-              <a:rPr lang="en" sz="1000">
-                <a:solidFill>
-                  <a:schemeClr val="dk1"/>
-                </a:solidFill>
-                <a:highlight>
-                  <a:srgbClr val="FFFFFF"/>
-                </a:highlight>
-                <a:latin typeface="Courier New"/>
-                <a:ea typeface="Courier New"/>
-                <a:cs typeface="Courier New"/>
-                <a:sym typeface="Courier New"/>
-              </a:rPr>
-              <a:t>=</a:t>
-            </a:r>
-            <a:r>
-              <a:rPr lang="en" sz="1000">
-                <a:solidFill>
-                  <a:srgbClr val="3B3B3B"/>
-                </a:solidFill>
-                <a:highlight>
-                  <a:srgbClr val="FFFFFF"/>
-                </a:highlight>
-                <a:latin typeface="Courier New"/>
-                <a:ea typeface="Courier New"/>
-                <a:cs typeface="Courier New"/>
-                <a:sym typeface="Courier New"/>
-              </a:rPr>
-              <a:t> </a:t>
-            </a:r>
-            <a:r>
-              <a:rPr lang="en" sz="1000">
-                <a:solidFill>
-                  <a:srgbClr val="001080"/>
-                </a:solidFill>
-                <a:highlight>
-                  <a:srgbClr val="FFFFFF"/>
-                </a:highlight>
-                <a:latin typeface="Courier New"/>
-                <a:ea typeface="Courier New"/>
-                <a:cs typeface="Courier New"/>
-                <a:sym typeface="Courier New"/>
-              </a:rPr>
-              <a:t>admin</a:t>
-            </a:r>
-            <a:r>
-              <a:rPr lang="en" sz="1000">
-                <a:solidFill>
-                  <a:srgbClr val="001080"/>
-                </a:solidFill>
-                <a:highlight>
-                  <a:srgbClr val="FFFFFF"/>
-                </a:highlight>
-                <a:latin typeface="Courier New"/>
-                <a:ea typeface="Courier New"/>
-                <a:cs typeface="Courier New"/>
-                <a:sym typeface="Courier New"/>
-              </a:rPr>
-              <a:t>View</a:t>
-            </a:r>
-            <a:r>
-              <a:rPr lang="en" sz="1000">
-                <a:solidFill>
-                  <a:srgbClr val="3B3B3B"/>
-                </a:solidFill>
-                <a:highlight>
-                  <a:srgbClr val="FFFFFF"/>
-                </a:highlight>
-                <a:latin typeface="Courier New"/>
-                <a:ea typeface="Courier New"/>
-                <a:cs typeface="Courier New"/>
-                <a:sym typeface="Courier New"/>
-              </a:rPr>
-              <a:t>.</a:t>
-            </a:r>
-            <a:r>
-              <a:rPr lang="en" sz="1000">
-                <a:solidFill>
-                  <a:srgbClr val="795E26"/>
-                </a:solidFill>
-                <a:highlight>
-                  <a:srgbClr val="FFFFFF"/>
-                </a:highlight>
-                <a:latin typeface="Courier New"/>
-                <a:ea typeface="Courier New"/>
-                <a:cs typeface="Courier New"/>
-                <a:sym typeface="Courier New"/>
-              </a:rPr>
-              <a:t>getUser</a:t>
-            </a:r>
-            <a:r>
-              <a:rPr lang="en" sz="1000">
-                <a:solidFill>
-                  <a:srgbClr val="3B3B3B"/>
-                </a:solidFill>
-                <a:highlight>
-                  <a:srgbClr val="FFFFFF"/>
-                </a:highlight>
-                <a:latin typeface="Courier New"/>
-                <a:ea typeface="Courier New"/>
-                <a:cs typeface="Courier New"/>
-                <a:sym typeface="Courier New"/>
-              </a:rPr>
-              <a:t>();</a:t>
             </a:r>
             <a:endParaRPr sz="1000">
               <a:solidFill>
@@ -15712,7 +15471,248 @@
           <a:p>
             <a:pPr indent="0" lvl="0" marL="0" rtl="0" algn="l">
               <a:lnSpc>
-                <a:spcPct val="115000"/>
+                <a:spcPct val="100000"/>
+              </a:lnSpc>
+              <a:spcBef>
+                <a:spcPts val="0"/>
+              </a:spcBef>
+              <a:spcAft>
+                <a:spcPts val="0"/>
+              </a:spcAft>
+              <a:buClr>
+                <a:schemeClr val="dk1"/>
+              </a:buClr>
+              <a:buSzPts val="1100"/>
+              <a:buFont typeface="Arial"/>
+              <a:buNone/>
+            </a:pPr>
+            <a:r>
+              <a:rPr lang="en" sz="1000">
+                <a:solidFill>
+                  <a:srgbClr val="0000FF"/>
+                </a:solidFill>
+                <a:highlight>
+                  <a:srgbClr val="FFFFFF"/>
+                </a:highlight>
+                <a:latin typeface="Courier New"/>
+                <a:ea typeface="Courier New"/>
+                <a:cs typeface="Courier New"/>
+                <a:sym typeface="Courier New"/>
+              </a:rPr>
+              <a:t>let</a:t>
+            </a:r>
+            <a:r>
+              <a:rPr lang="en" sz="1000">
+                <a:solidFill>
+                  <a:srgbClr val="3B3B3B"/>
+                </a:solidFill>
+                <a:highlight>
+                  <a:srgbClr val="FFFFFF"/>
+                </a:highlight>
+                <a:latin typeface="Courier New"/>
+                <a:ea typeface="Courier New"/>
+                <a:cs typeface="Courier New"/>
+                <a:sym typeface="Courier New"/>
+              </a:rPr>
+              <a:t> </a:t>
+            </a:r>
+            <a:r>
+              <a:rPr lang="en" sz="1000">
+                <a:solidFill>
+                  <a:srgbClr val="001080"/>
+                </a:solidFill>
+                <a:highlight>
+                  <a:srgbClr val="FFFFFF"/>
+                </a:highlight>
+                <a:latin typeface="Courier New"/>
+                <a:ea typeface="Courier New"/>
+                <a:cs typeface="Courier New"/>
+                <a:sym typeface="Courier New"/>
+              </a:rPr>
+              <a:t>user1</a:t>
+            </a:r>
+            <a:r>
+              <a:rPr lang="en" sz="1000">
+                <a:solidFill>
+                  <a:schemeClr val="dk1"/>
+                </a:solidFill>
+                <a:highlight>
+                  <a:srgbClr val="FFFFFF"/>
+                </a:highlight>
+                <a:latin typeface="Courier New"/>
+                <a:ea typeface="Courier New"/>
+                <a:cs typeface="Courier New"/>
+                <a:sym typeface="Courier New"/>
+              </a:rPr>
+              <a:t>:</a:t>
+            </a:r>
+            <a:r>
+              <a:rPr lang="en" sz="1000">
+                <a:solidFill>
+                  <a:srgbClr val="3B3B3B"/>
+                </a:solidFill>
+                <a:highlight>
+                  <a:srgbClr val="FFFFFF"/>
+                </a:highlight>
+                <a:latin typeface="Courier New"/>
+                <a:ea typeface="Courier New"/>
+                <a:cs typeface="Courier New"/>
+                <a:sym typeface="Courier New"/>
+              </a:rPr>
+              <a:t> </a:t>
+            </a:r>
+            <a:r>
+              <a:rPr lang="en" sz="1000">
+                <a:solidFill>
+                  <a:srgbClr val="267F99"/>
+                </a:solidFill>
+                <a:highlight>
+                  <a:srgbClr val="FFFFFF"/>
+                </a:highlight>
+                <a:latin typeface="Courier New"/>
+                <a:ea typeface="Courier New"/>
+                <a:cs typeface="Courier New"/>
+                <a:sym typeface="Courier New"/>
+              </a:rPr>
+              <a:t>User</a:t>
+            </a:r>
+            <a:r>
+              <a:rPr lang="en" sz="1000">
+                <a:solidFill>
+                  <a:srgbClr val="3B3B3B"/>
+                </a:solidFill>
+                <a:highlight>
+                  <a:srgbClr val="FFFFFF"/>
+                </a:highlight>
+                <a:latin typeface="Courier New"/>
+                <a:ea typeface="Courier New"/>
+                <a:cs typeface="Courier New"/>
+                <a:sym typeface="Courier New"/>
+              </a:rPr>
+              <a:t> </a:t>
+            </a:r>
+            <a:r>
+              <a:rPr lang="en" sz="1000">
+                <a:solidFill>
+                  <a:schemeClr val="dk1"/>
+                </a:solidFill>
+                <a:highlight>
+                  <a:srgbClr val="FFFFFF"/>
+                </a:highlight>
+                <a:latin typeface="Courier New"/>
+                <a:ea typeface="Courier New"/>
+                <a:cs typeface="Courier New"/>
+                <a:sym typeface="Courier New"/>
+              </a:rPr>
+              <a:t>=</a:t>
+            </a:r>
+            <a:r>
+              <a:rPr lang="en" sz="1000">
+                <a:solidFill>
+                  <a:srgbClr val="3B3B3B"/>
+                </a:solidFill>
+                <a:highlight>
+                  <a:srgbClr val="FFFFFF"/>
+                </a:highlight>
+                <a:latin typeface="Courier New"/>
+                <a:ea typeface="Courier New"/>
+                <a:cs typeface="Courier New"/>
+                <a:sym typeface="Courier New"/>
+              </a:rPr>
+              <a:t> </a:t>
+            </a:r>
+            <a:r>
+              <a:rPr lang="en" sz="1000">
+                <a:solidFill>
+                  <a:srgbClr val="001080"/>
+                </a:solidFill>
+                <a:highlight>
+                  <a:srgbClr val="FFFFFF"/>
+                </a:highlight>
+                <a:latin typeface="Courier New"/>
+                <a:ea typeface="Courier New"/>
+                <a:cs typeface="Courier New"/>
+                <a:sym typeface="Courier New"/>
+              </a:rPr>
+              <a:t>admin</a:t>
+            </a:r>
+            <a:r>
+              <a:rPr lang="en" sz="1000">
+                <a:solidFill>
+                  <a:srgbClr val="001080"/>
+                </a:solidFill>
+                <a:highlight>
+                  <a:srgbClr val="FFFFFF"/>
+                </a:highlight>
+                <a:latin typeface="Courier New"/>
+                <a:ea typeface="Courier New"/>
+                <a:cs typeface="Courier New"/>
+                <a:sym typeface="Courier New"/>
+              </a:rPr>
+              <a:t>View</a:t>
+            </a:r>
+            <a:r>
+              <a:rPr lang="en" sz="1000">
+                <a:solidFill>
+                  <a:srgbClr val="3B3B3B"/>
+                </a:solidFill>
+                <a:highlight>
+                  <a:srgbClr val="FFFFFF"/>
+                </a:highlight>
+                <a:latin typeface="Courier New"/>
+                <a:ea typeface="Courier New"/>
+                <a:cs typeface="Courier New"/>
+                <a:sym typeface="Courier New"/>
+              </a:rPr>
+              <a:t>.</a:t>
+            </a:r>
+            <a:r>
+              <a:rPr lang="en" sz="1000">
+                <a:solidFill>
+                  <a:srgbClr val="795E26"/>
+                </a:solidFill>
+                <a:highlight>
+                  <a:srgbClr val="FFFFFF"/>
+                </a:highlight>
+                <a:latin typeface="Courier New"/>
+                <a:ea typeface="Courier New"/>
+                <a:cs typeface="Courier New"/>
+                <a:sym typeface="Courier New"/>
+              </a:rPr>
+              <a:t>getUser</a:t>
+            </a:r>
+            <a:r>
+              <a:rPr lang="en" sz="1000">
+                <a:solidFill>
+                  <a:srgbClr val="3B3B3B"/>
+                </a:solidFill>
+                <a:highlight>
+                  <a:srgbClr val="FFFFFF"/>
+                </a:highlight>
+                <a:latin typeface="Courier New"/>
+                <a:ea typeface="Courier New"/>
+                <a:cs typeface="Courier New"/>
+                <a:sym typeface="Courier New"/>
+              </a:rPr>
+              <a:t>();</a:t>
+            </a:r>
+            <a:endParaRPr sz="1000">
+              <a:solidFill>
+                <a:srgbClr val="3B3B3B"/>
+              </a:solidFill>
+              <a:highlight>
+                <a:srgbClr val="FFFFFF"/>
+              </a:highlight>
+              <a:latin typeface="Courier New"/>
+              <a:ea typeface="Courier New"/>
+              <a:cs typeface="Courier New"/>
+              <a:sym typeface="Courier New"/>
+            </a:endParaRPr>
+          </a:p>
+          <a:p>
+            <a:pPr indent="0" lvl="0" marL="0" rtl="0" algn="l">
+              <a:lnSpc>
+                <a:spcPct val="100000"/>
               </a:lnSpc>
               <a:spcBef>
                 <a:spcPts val="0"/>
@@ -15818,7 +15818,7 @@
           <a:p>
             <a:pPr indent="0" lvl="0" marL="0" rtl="0" algn="l">
               <a:lnSpc>
-                <a:spcPct val="115000"/>
+                <a:spcPct val="100000"/>
               </a:lnSpc>
               <a:spcBef>
                 <a:spcPts val="0"/>
@@ -16074,7 +16074,7 @@
           <a:p>
             <a:pPr indent="0" lvl="0" marL="0" rtl="0" algn="l">
               <a:lnSpc>
-                <a:spcPct val="115000"/>
+                <a:spcPct val="100000"/>
               </a:lnSpc>
               <a:spcBef>
                 <a:spcPts val="0"/>
@@ -16440,7 +16440,7 @@
             <a:tbl>
               <a:tblPr>
                 <a:noFill/>
-                <a:tableStyleId>{FF423826-39CC-4FC7-BAFF-69E8ACFC29C1}</a:tableStyleId>
+                <a:tableStyleId>{DD3E2486-4AA5-4824-A262-5B90F60164EA}</a:tableStyleId>
               </a:tblPr>
               <a:tblGrid>
                 <a:gridCol w="2865125"/>
@@ -20117,7 +20117,7 @@
           <a:p>
             <a:pPr indent="0" lvl="0" marL="0" rtl="0" algn="l">
               <a:lnSpc>
-                <a:spcPct val="115000"/>
+                <a:spcPct val="100000"/>
               </a:lnSpc>
               <a:spcBef>
                 <a:spcPts val="0"/>
@@ -20268,7 +20268,7 @@
           <a:p>
             <a:pPr indent="0" lvl="0" marL="0" rtl="0" algn="l">
               <a:lnSpc>
-                <a:spcPct val="115000"/>
+                <a:spcPct val="100000"/>
               </a:lnSpc>
               <a:spcBef>
                 <a:spcPts val="0"/>
@@ -20302,7 +20302,7 @@
           <a:p>
             <a:pPr indent="0" lvl="0" marL="0" rtl="0" algn="l">
               <a:lnSpc>
-                <a:spcPct val="115000"/>
+                <a:spcPct val="100000"/>
               </a:lnSpc>
               <a:spcBef>
                 <a:spcPts val="0"/>
@@ -20465,7 +20465,7 @@
           <a:p>
             <a:pPr indent="0" lvl="0" marL="0" rtl="0" algn="l">
               <a:lnSpc>
-                <a:spcPct val="115000"/>
+                <a:spcPct val="100000"/>
               </a:lnSpc>
               <a:spcBef>
                 <a:spcPts val="0"/>
@@ -20700,7 +20700,7 @@
           <a:p>
             <a:pPr indent="0" lvl="0" marL="0" rtl="0" algn="l">
               <a:lnSpc>
-                <a:spcPct val="115000"/>
+                <a:spcPct val="100000"/>
               </a:lnSpc>
               <a:spcBef>
                 <a:spcPts val="0"/>
@@ -20836,7 +20836,7 @@
           <a:p>
             <a:pPr indent="0" lvl="0" marL="0" rtl="0" algn="l">
               <a:lnSpc>
-                <a:spcPct val="115000"/>
+                <a:spcPct val="100000"/>
               </a:lnSpc>
               <a:spcBef>
                 <a:spcPts val="0"/>
@@ -20882,7 +20882,7 @@
           <a:p>
             <a:pPr indent="0" lvl="0" marL="0" rtl="0" algn="l">
               <a:lnSpc>
-                <a:spcPct val="115000"/>
+                <a:spcPct val="100000"/>
               </a:lnSpc>
               <a:spcBef>
                 <a:spcPts val="0"/>
@@ -20916,7 +20916,7 @@
           <a:p>
             <a:pPr indent="0" lvl="0" marL="0" rtl="0" algn="l">
               <a:lnSpc>
-                <a:spcPct val="115000"/>
+                <a:spcPct val="100000"/>
               </a:lnSpc>
               <a:spcBef>
                 <a:spcPts val="0"/>
@@ -21136,7 +21136,7 @@
           <a:p>
             <a:pPr indent="0" lvl="0" marL="0" rtl="0" algn="l">
               <a:lnSpc>
-                <a:spcPct val="115000"/>
+                <a:spcPct val="100000"/>
               </a:lnSpc>
               <a:spcBef>
                 <a:spcPts val="0"/>
@@ -21314,7 +21314,7 @@
           <a:p>
             <a:pPr indent="0" lvl="0" marL="0" rtl="0" algn="l">
               <a:lnSpc>
-                <a:spcPct val="115000"/>
+                <a:spcPct val="100000"/>
               </a:lnSpc>
               <a:spcBef>
                 <a:spcPts val="0"/>
@@ -21405,7 +21405,7 @@
           <a:p>
             <a:pPr indent="0" lvl="0" marL="0" rtl="0" algn="l">
               <a:lnSpc>
-                <a:spcPct val="115000"/>
+                <a:spcPct val="100000"/>
               </a:lnSpc>
               <a:spcBef>
                 <a:spcPts val="0"/>
@@ -21551,7 +21551,7 @@
           <a:p>
             <a:pPr indent="0" lvl="0" marL="0" rtl="0" algn="l">
               <a:lnSpc>
-                <a:spcPct val="115000"/>
+                <a:spcPct val="100000"/>
               </a:lnSpc>
               <a:spcBef>
                 <a:spcPts val="0"/>
@@ -21697,7 +21697,7 @@
           <a:p>
             <a:pPr indent="0" lvl="0" marL="0" rtl="0" algn="l">
               <a:lnSpc>
-                <a:spcPct val="115000"/>
+                <a:spcPct val="100000"/>
               </a:lnSpc>
               <a:spcBef>
                 <a:spcPts val="0"/>
@@ -21731,7 +21731,7 @@
           <a:p>
             <a:pPr indent="0" lvl="0" marL="0" rtl="0" algn="l">
               <a:lnSpc>
-                <a:spcPct val="115000"/>
+                <a:spcPct val="100000"/>
               </a:lnSpc>
               <a:spcBef>
                 <a:spcPts val="0"/>
@@ -21966,7 +21966,7 @@
           <a:p>
             <a:pPr indent="0" lvl="0" marL="0" rtl="0" algn="l">
               <a:lnSpc>
-                <a:spcPct val="115000"/>
+                <a:spcPct val="100000"/>
               </a:lnSpc>
               <a:spcBef>
                 <a:spcPts val="0"/>
@@ -22102,7 +22102,7 @@
           <a:p>
             <a:pPr indent="0" lvl="0" marL="0" rtl="0" algn="l">
               <a:lnSpc>
-                <a:spcPct val="115000"/>
+                <a:spcPct val="100000"/>
               </a:lnSpc>
               <a:spcBef>
                 <a:spcPts val="0"/>
@@ -22208,7 +22208,7 @@
           <a:p>
             <a:pPr indent="0" lvl="0" marL="0" rtl="0" algn="l">
               <a:lnSpc>
-                <a:spcPct val="115000"/>
+                <a:spcPct val="100000"/>
               </a:lnSpc>
               <a:spcBef>
                 <a:spcPts val="0"/>
@@ -22314,7 +22314,7 @@
           <a:p>
             <a:pPr indent="0" lvl="0" marL="0" rtl="0" algn="l">
               <a:lnSpc>
-                <a:spcPct val="115000"/>
+                <a:spcPct val="100000"/>
               </a:lnSpc>
               <a:spcBef>
                 <a:spcPts val="0"/>
@@ -22420,7 +22420,7 @@
           <a:p>
             <a:pPr indent="0" lvl="0" marL="0" rtl="0" algn="l">
               <a:lnSpc>
-                <a:spcPct val="115000"/>
+                <a:spcPct val="100000"/>
               </a:lnSpc>
               <a:spcBef>
                 <a:spcPts val="0"/>
@@ -22466,7 +22466,7 @@
           <a:p>
             <a:pPr indent="0" lvl="0" marL="0" rtl="0" algn="l">
               <a:lnSpc>
-                <a:spcPct val="115000"/>
+                <a:spcPct val="100000"/>
               </a:lnSpc>
               <a:spcBef>
                 <a:spcPts val="0"/>
@@ -22500,7 +22500,7 @@
           <a:p>
             <a:pPr indent="0" lvl="0" marL="0" rtl="0" algn="l">
               <a:lnSpc>
-                <a:spcPct val="115000"/>
+                <a:spcPct val="100000"/>
               </a:lnSpc>
               <a:spcBef>
                 <a:spcPts val="0"/>
@@ -22735,7 +22735,7 @@
           <a:p>
             <a:pPr indent="0" lvl="0" marL="0" rtl="0" algn="l">
               <a:lnSpc>
-                <a:spcPct val="115000"/>
+                <a:spcPct val="100000"/>
               </a:lnSpc>
               <a:spcBef>
                 <a:spcPts val="0"/>
@@ -22796,7 +22796,7 @@
           <a:p>
             <a:pPr indent="0" lvl="0" marL="0" rtl="0" algn="l">
               <a:lnSpc>
-                <a:spcPct val="115000"/>
+                <a:spcPct val="100000"/>
               </a:lnSpc>
               <a:spcBef>
                 <a:spcPts val="0"/>
@@ -22842,7 +22842,7 @@
           <a:p>
             <a:pPr indent="0" lvl="0" marL="0" rtl="0" algn="l">
               <a:lnSpc>
-                <a:spcPct val="115000"/>
+                <a:spcPct val="100000"/>
               </a:lnSpc>
               <a:spcBef>
                 <a:spcPts val="0"/>
@@ -22876,7 +22876,7 @@
           <a:p>
             <a:pPr indent="0" lvl="0" marL="0" rtl="0" algn="l">
               <a:lnSpc>
-                <a:spcPct val="115000"/>
+                <a:spcPct val="100000"/>
               </a:lnSpc>
               <a:spcBef>
                 <a:spcPts val="0"/>
@@ -23039,7 +23039,7 @@
           <a:p>
             <a:pPr indent="0" lvl="0" marL="0" rtl="0" algn="l">
               <a:lnSpc>
-                <a:spcPct val="115000"/>
+                <a:spcPct val="100000"/>
               </a:lnSpc>
               <a:spcBef>
                 <a:spcPts val="0"/>
@@ -23100,7 +23100,7 @@
           <a:p>
             <a:pPr indent="0" lvl="0" marL="0" rtl="0" algn="l">
               <a:lnSpc>
-                <a:spcPct val="115000"/>
+                <a:spcPct val="100000"/>
               </a:lnSpc>
               <a:spcBef>
                 <a:spcPts val="0"/>
@@ -23146,7 +23146,7 @@
           <a:p>
             <a:pPr indent="0" lvl="0" marL="0" rtl="0" algn="l">
               <a:lnSpc>
-                <a:spcPct val="115000"/>
+                <a:spcPct val="100000"/>
               </a:lnSpc>
               <a:spcBef>
                 <a:spcPts val="0"/>
@@ -23180,7 +23180,7 @@
           <a:p>
             <a:pPr indent="0" lvl="0" marL="0" rtl="0" algn="l">
               <a:lnSpc>
-                <a:spcPct val="115000"/>
+                <a:spcPct val="100000"/>
               </a:lnSpc>
               <a:spcBef>
                 <a:spcPts val="0"/>
@@ -23373,7 +23373,7 @@
           <a:p>
             <a:pPr indent="0" lvl="0" marL="0" rtl="0" algn="l">
               <a:lnSpc>
-                <a:spcPct val="115000"/>
+                <a:spcPct val="100000"/>
               </a:lnSpc>
               <a:spcBef>
                 <a:spcPts val="0"/>
@@ -23407,7 +23407,7 @@
           <a:p>
             <a:pPr indent="0" lvl="0" marL="0" rtl="0" algn="l">
               <a:lnSpc>
-                <a:spcPct val="115000"/>
+                <a:spcPct val="100000"/>
               </a:lnSpc>
               <a:spcBef>
                 <a:spcPts val="0"/>
@@ -23570,7 +23570,7 @@
           <a:p>
             <a:pPr indent="0" lvl="0" marL="0" rtl="0" algn="l">
               <a:lnSpc>
-                <a:spcPct val="115000"/>
+                <a:spcPct val="100000"/>
               </a:lnSpc>
               <a:spcBef>
                 <a:spcPts val="0"/>
@@ -23631,7 +23631,7 @@
           <a:p>
             <a:pPr indent="0" lvl="0" marL="0" rtl="0" algn="l">
               <a:lnSpc>
-                <a:spcPct val="115000"/>
+                <a:spcPct val="100000"/>
               </a:lnSpc>
               <a:spcBef>
                 <a:spcPts val="0"/>
@@ -23672,7 +23672,7 @@
           <a:p>
             <a:pPr indent="0" lvl="0" marL="0" rtl="0" algn="l">
               <a:lnSpc>
-                <a:spcPct val="115000"/>
+                <a:spcPct val="100000"/>
               </a:lnSpc>
               <a:spcBef>
                 <a:spcPts val="0"/>
@@ -23706,7 +23706,7 @@
           <a:p>
             <a:pPr indent="0" lvl="0" marL="0" rtl="0" algn="l">
               <a:lnSpc>
-                <a:spcPct val="115000"/>
+                <a:spcPct val="100000"/>
               </a:lnSpc>
               <a:spcBef>
                 <a:spcPts val="0"/>
@@ -23752,7 +23752,7 @@
           <a:p>
             <a:pPr indent="0" lvl="0" marL="0" rtl="0" algn="l">
               <a:lnSpc>
-                <a:spcPct val="115000"/>
+                <a:spcPct val="100000"/>
               </a:lnSpc>
               <a:spcBef>
                 <a:spcPts val="0"/>
@@ -23805,7 +23805,7 @@
           <a:p>
             <a:pPr indent="0" lvl="0" marL="0" rtl="0" algn="l">
               <a:lnSpc>
-                <a:spcPct val="115000"/>
+                <a:spcPct val="100000"/>
               </a:lnSpc>
               <a:spcBef>
                 <a:spcPts val="0"/>
@@ -23951,7 +23951,7 @@
           <a:p>
             <a:pPr indent="0" lvl="0" marL="0" rtl="0" algn="l">
               <a:lnSpc>
-                <a:spcPct val="115000"/>
+                <a:spcPct val="100000"/>
               </a:lnSpc>
               <a:spcBef>
                 <a:spcPts val="0"/>
@@ -23985,7 +23985,7 @@
           <a:p>
             <a:pPr indent="0" lvl="0" marL="0" rtl="0" algn="l">
               <a:lnSpc>
-                <a:spcPct val="115000"/>
+                <a:spcPct val="100000"/>
               </a:lnSpc>
               <a:spcBef>
                 <a:spcPts val="0"/>
@@ -24191,7 +24191,7 @@
           <a:p>
             <a:pPr indent="0" lvl="0" marL="0" rtl="0" algn="l">
               <a:lnSpc>
-                <a:spcPct val="115000"/>
+                <a:spcPct val="100000"/>
               </a:lnSpc>
               <a:spcBef>
                 <a:spcPts val="0"/>
@@ -24225,7 +24225,7 @@
           <a:p>
             <a:pPr indent="0" lvl="0" marL="0" rtl="0" algn="l">
               <a:lnSpc>
-                <a:spcPct val="115000"/>
+                <a:spcPct val="100000"/>
               </a:lnSpc>
               <a:spcBef>
                 <a:spcPts val="0"/>
@@ -24388,7 +24388,7 @@
           <a:p>
             <a:pPr indent="0" lvl="0" marL="0" rtl="0" algn="l">
               <a:lnSpc>
-                <a:spcPct val="115000"/>
+                <a:spcPct val="100000"/>
               </a:lnSpc>
               <a:spcBef>
                 <a:spcPts val="0"/>
@@ -24494,7 +24494,7 @@
           <a:p>
             <a:pPr indent="0" lvl="0" marL="0" rtl="0" algn="l">
               <a:lnSpc>
-                <a:spcPct val="115000"/>
+                <a:spcPct val="100000"/>
               </a:lnSpc>
               <a:spcBef>
                 <a:spcPts val="0"/>
@@ -24600,7 +24600,7 @@
           <a:p>
             <a:pPr indent="0" lvl="0" marL="0" rtl="0" algn="l">
               <a:lnSpc>
-                <a:spcPct val="115000"/>
+                <a:spcPct val="100000"/>
               </a:lnSpc>
               <a:spcBef>
                 <a:spcPts val="0"/>
@@ -24646,7 +24646,7 @@
           <a:p>
             <a:pPr indent="0" lvl="0" marL="0" rtl="0" algn="l">
               <a:lnSpc>
-                <a:spcPct val="115000"/>
+                <a:spcPct val="100000"/>
               </a:lnSpc>
               <a:spcBef>
                 <a:spcPts val="0"/>
@@ -24680,7 +24680,7 @@
           <a:p>
             <a:pPr indent="0" lvl="0" marL="0" rtl="0" algn="l">
               <a:lnSpc>
-                <a:spcPct val="115000"/>
+                <a:spcPct val="100000"/>
               </a:lnSpc>
               <a:spcBef>
                 <a:spcPts val="0"/>
@@ -24843,7 +24843,7 @@
           <a:p>
             <a:pPr indent="0" lvl="0" marL="0" rtl="0" algn="l">
               <a:lnSpc>
-                <a:spcPct val="115000"/>
+                <a:spcPct val="100000"/>
               </a:lnSpc>
               <a:spcBef>
                 <a:spcPts val="0"/>
@@ -24904,7 +24904,7 @@
           <a:p>
             <a:pPr indent="0" lvl="0" marL="0" rtl="0" algn="l">
               <a:lnSpc>
-                <a:spcPct val="115000"/>
+                <a:spcPct val="100000"/>
               </a:lnSpc>
               <a:spcBef>
                 <a:spcPts val="0"/>
@@ -24950,7 +24950,7 @@
           <a:p>
             <a:pPr indent="0" lvl="0" marL="0" rtl="0" algn="l">
               <a:lnSpc>
-                <a:spcPct val="115000"/>
+                <a:spcPct val="100000"/>
               </a:lnSpc>
               <a:spcBef>
                 <a:spcPts val="0"/>
@@ -24984,7 +24984,7 @@
           <a:p>
             <a:pPr indent="0" lvl="0" marL="0" rtl="0" algn="l">
               <a:lnSpc>
-                <a:spcPct val="115000"/>
+                <a:spcPct val="100000"/>
               </a:lnSpc>
               <a:spcBef>
                 <a:spcPts val="0"/>
@@ -25147,7 +25147,7 @@
           <a:p>
             <a:pPr indent="0" lvl="0" marL="0" rtl="0" algn="l">
               <a:lnSpc>
-                <a:spcPct val="115000"/>
+                <a:spcPct val="100000"/>
               </a:lnSpc>
               <a:spcBef>
                 <a:spcPts val="0"/>
@@ -25253,7 +25253,7 @@
           <a:p>
             <a:pPr indent="0" lvl="0" marL="0" rtl="0" algn="l">
               <a:lnSpc>
-                <a:spcPct val="115000"/>
+                <a:spcPct val="100000"/>
               </a:lnSpc>
               <a:spcBef>
                 <a:spcPts val="0"/>
@@ -25359,7 +25359,7 @@
           <a:p>
             <a:pPr indent="0" lvl="0" marL="0" rtl="0" algn="l">
               <a:lnSpc>
-                <a:spcPct val="115000"/>
+                <a:spcPct val="100000"/>
               </a:lnSpc>
               <a:spcBef>
                 <a:spcPts val="0"/>
@@ -25405,7 +25405,7 @@
           <a:p>
             <a:pPr indent="0" lvl="0" marL="0" rtl="0" algn="l">
               <a:lnSpc>
-                <a:spcPct val="115000"/>
+                <a:spcPct val="100000"/>
               </a:lnSpc>
               <a:spcBef>
                 <a:spcPts val="0"/>
@@ -25439,7 +25439,7 @@
           <a:p>
             <a:pPr indent="0" lvl="0" marL="0" rtl="0" algn="l">
               <a:lnSpc>
-                <a:spcPct val="115000"/>
+                <a:spcPct val="100000"/>
               </a:lnSpc>
               <a:spcBef>
                 <a:spcPts val="0"/>
@@ -25602,7 +25602,7 @@
           <a:p>
             <a:pPr indent="0" lvl="0" marL="0" rtl="0" algn="l">
               <a:lnSpc>
-                <a:spcPct val="115000"/>
+                <a:spcPct val="100000"/>
               </a:lnSpc>
               <a:spcBef>
                 <a:spcPts val="0"/>
@@ -25663,7 +25663,7 @@
           <a:p>
             <a:pPr indent="0" lvl="0" marL="0" rtl="0" algn="l">
               <a:lnSpc>
-                <a:spcPct val="115000"/>
+                <a:spcPct val="100000"/>
               </a:lnSpc>
               <a:spcBef>
                 <a:spcPts val="0"/>
@@ -25704,7 +25704,7 @@
           <a:p>
             <a:pPr indent="0" lvl="0" marL="0" rtl="0" algn="l">
               <a:lnSpc>
-                <a:spcPct val="115000"/>
+                <a:spcPct val="100000"/>
               </a:lnSpc>
               <a:spcBef>
                 <a:spcPts val="0"/>
@@ -25738,7 +25738,7 @@
           <a:p>
             <a:pPr indent="0" lvl="0" marL="0" rtl="0" algn="l">
               <a:lnSpc>
-                <a:spcPct val="115000"/>
+                <a:spcPct val="100000"/>
               </a:lnSpc>
               <a:spcBef>
                 <a:spcPts val="0"/>
@@ -25784,7 +25784,7 @@
           <a:p>
             <a:pPr indent="0" lvl="0" marL="0" rtl="0" algn="l">
               <a:lnSpc>
-                <a:spcPct val="115000"/>
+                <a:spcPct val="100000"/>
               </a:lnSpc>
               <a:spcBef>
                 <a:spcPts val="0"/>
@@ -26127,7 +26127,7 @@
           <a:p>
             <a:pPr indent="0" lvl="0" marL="0" rtl="0" algn="l">
               <a:lnSpc>
-                <a:spcPct val="115000"/>
+                <a:spcPct val="100000"/>
               </a:lnSpc>
               <a:spcBef>
                 <a:spcPts val="0"/>
@@ -26273,7 +26273,7 @@
           <a:p>
             <a:pPr indent="0" lvl="0" marL="0" rtl="0" algn="l">
               <a:lnSpc>
-                <a:spcPct val="115000"/>
+                <a:spcPct val="100000"/>
               </a:lnSpc>
               <a:spcBef>
                 <a:spcPts val="0"/>
@@ -26307,7 +26307,7 @@
           <a:p>
             <a:pPr indent="0" lvl="0" marL="0" rtl="0" algn="l">
               <a:lnSpc>
-                <a:spcPct val="115000"/>
+                <a:spcPct val="100000"/>
               </a:lnSpc>
               <a:spcBef>
                 <a:spcPts val="0"/>
@@ -26518,7 +26518,7 @@
           <a:p>
             <a:pPr indent="0" lvl="0" marL="0" rtl="0" algn="l">
               <a:lnSpc>
-                <a:spcPct val="115000"/>
+                <a:spcPct val="100000"/>
               </a:lnSpc>
               <a:spcBef>
                 <a:spcPts val="0"/>
@@ -26547,7 +26547,7 @@
           <a:p>
             <a:pPr indent="0" lvl="0" marL="0" rtl="0" algn="l">
               <a:lnSpc>
-                <a:spcPct val="115000"/>
+                <a:spcPct val="100000"/>
               </a:lnSpc>
               <a:spcBef>
                 <a:spcPts val="0"/>
@@ -26710,7 +26710,7 @@
           <a:p>
             <a:pPr indent="0" lvl="0" marL="0" rtl="0" algn="l">
               <a:lnSpc>
-                <a:spcPct val="115000"/>
+                <a:spcPct val="100000"/>
               </a:lnSpc>
               <a:spcBef>
                 <a:spcPts val="0"/>
@@ -26816,7 +26816,7 @@
           <a:p>
             <a:pPr indent="0" lvl="0" marL="0" rtl="0" algn="l">
               <a:lnSpc>
-                <a:spcPct val="115000"/>
+                <a:spcPct val="100000"/>
               </a:lnSpc>
               <a:spcBef>
                 <a:spcPts val="0"/>
@@ -26922,7 +26922,7 @@
           <a:p>
             <a:pPr indent="0" lvl="0" marL="0" rtl="0" algn="l">
               <a:lnSpc>
-                <a:spcPct val="115000"/>
+                <a:spcPct val="100000"/>
               </a:lnSpc>
               <a:spcBef>
                 <a:spcPts val="0"/>
@@ -26968,7 +26968,7 @@
           <a:p>
             <a:pPr indent="0" lvl="0" marL="0" rtl="0" algn="l">
               <a:lnSpc>
-                <a:spcPct val="115000"/>
+                <a:spcPct val="100000"/>
               </a:lnSpc>
               <a:spcBef>
                 <a:spcPts val="0"/>
@@ -27002,7 +27002,7 @@
           <a:p>
             <a:pPr indent="0" lvl="0" marL="0" rtl="0" algn="l">
               <a:lnSpc>
-                <a:spcPct val="115000"/>
+                <a:spcPct val="100000"/>
               </a:lnSpc>
               <a:spcBef>
                 <a:spcPts val="0"/>
@@ -27195,7 +27195,7 @@
           <a:p>
             <a:pPr indent="0" lvl="0" marL="0" rtl="0" algn="l">
               <a:lnSpc>
-                <a:spcPct val="115000"/>
+                <a:spcPct val="100000"/>
               </a:lnSpc>
               <a:spcBef>
                 <a:spcPts val="0"/>
@@ -27229,7 +27229,7 @@
           <a:p>
             <a:pPr indent="0" lvl="0" marL="0" rtl="0" algn="l">
               <a:lnSpc>
-                <a:spcPct val="115000"/>
+                <a:spcPct val="100000"/>
               </a:lnSpc>
               <a:spcBef>
                 <a:spcPts val="0"/>
@@ -27392,7 +27392,7 @@
           <a:p>
             <a:pPr indent="0" lvl="0" marL="0" rtl="0" algn="l">
               <a:lnSpc>
-                <a:spcPct val="115000"/>
+                <a:spcPct val="100000"/>
               </a:lnSpc>
               <a:spcBef>
                 <a:spcPts val="0"/>
@@ -27453,7 +27453,7 @@
           <a:p>
             <a:pPr indent="0" lvl="0" marL="0" rtl="0" algn="l">
               <a:lnSpc>
-                <a:spcPct val="115000"/>
+                <a:spcPct val="100000"/>
               </a:lnSpc>
               <a:spcBef>
                 <a:spcPts val="0"/>
@@ -27499,7 +27499,7 @@
           <a:p>
             <a:pPr indent="0" lvl="0" marL="0" rtl="0" algn="l">
               <a:lnSpc>
-                <a:spcPct val="115000"/>
+                <a:spcPct val="100000"/>
               </a:lnSpc>
               <a:spcBef>
                 <a:spcPts val="0"/>
@@ -27533,7 +27533,7 @@
           <a:p>
             <a:pPr indent="0" lvl="0" marL="0" rtl="0" algn="l">
               <a:lnSpc>
-                <a:spcPct val="115000"/>
+                <a:spcPct val="100000"/>
               </a:lnSpc>
               <a:spcBef>
                 <a:spcPts val="0"/>
@@ -27696,7 +27696,7 @@
           <a:p>
             <a:pPr indent="0" lvl="0" marL="0" rtl="0" algn="l">
               <a:lnSpc>
-                <a:spcPct val="115000"/>
+                <a:spcPct val="100000"/>
               </a:lnSpc>
               <a:spcBef>
                 <a:spcPts val="0"/>
@@ -27802,7 +27802,7 @@
           <a:p>
             <a:pPr indent="0" lvl="0" marL="0" rtl="0" algn="l">
               <a:lnSpc>
-                <a:spcPct val="115000"/>
+                <a:spcPct val="100000"/>
               </a:lnSpc>
               <a:spcBef>
                 <a:spcPts val="0"/>
@@ -27908,7 +27908,7 @@
           <a:p>
             <a:pPr indent="0" lvl="0" marL="0" rtl="0" algn="l">
               <a:lnSpc>
-                <a:spcPct val="115000"/>
+                <a:spcPct val="100000"/>
               </a:lnSpc>
               <a:spcBef>
                 <a:spcPts val="0"/>
@@ -27954,7 +27954,7 @@
           <a:p>
             <a:pPr indent="0" lvl="0" marL="0" rtl="0" algn="l">
               <a:lnSpc>
-                <a:spcPct val="115000"/>
+                <a:spcPct val="100000"/>
               </a:lnSpc>
               <a:spcBef>
                 <a:spcPts val="0"/>
@@ -27988,7 +27988,7 @@
           <a:p>
             <a:pPr indent="0" lvl="0" marL="0" rtl="0" algn="l">
               <a:lnSpc>
-                <a:spcPct val="115000"/>
+                <a:spcPct val="100000"/>
               </a:lnSpc>
               <a:spcBef>
                 <a:spcPts val="0"/>
@@ -28166,7 +28166,7 @@
           <a:p>
             <a:pPr indent="0" lvl="0" marL="0" rtl="0" algn="l">
               <a:lnSpc>
-                <a:spcPct val="115000"/>
+                <a:spcPct val="100000"/>
               </a:lnSpc>
               <a:spcBef>
                 <a:spcPts val="0"/>
@@ -28195,7 +28195,7 @@
           <a:p>
             <a:pPr indent="0" lvl="0" marL="0" rtl="0" algn="l">
               <a:lnSpc>
-                <a:spcPct val="115000"/>
+                <a:spcPct val="100000"/>
               </a:lnSpc>
               <a:spcBef>
                 <a:spcPts val="0"/>
@@ -28241,7 +28241,7 @@
           <a:p>
             <a:pPr indent="0" lvl="0" marL="0" rtl="0" algn="l">
               <a:lnSpc>
-                <a:spcPct val="115000"/>
+                <a:spcPct val="100000"/>
               </a:lnSpc>
               <a:spcBef>
                 <a:spcPts val="0"/>
@@ -28294,7 +28294,7 @@
           <a:p>
             <a:pPr indent="0" lvl="0" marL="0" rtl="0" algn="l">
               <a:lnSpc>
-                <a:spcPct val="115000"/>
+                <a:spcPct val="100000"/>
               </a:lnSpc>
               <a:spcBef>
                 <a:spcPts val="0"/>
@@ -28445,7 +28445,7 @@
           <a:p>
             <a:pPr indent="0" lvl="0" marL="0" rtl="0" algn="l">
               <a:lnSpc>
-                <a:spcPct val="115000"/>
+                <a:spcPct val="100000"/>
               </a:lnSpc>
               <a:spcBef>
                 <a:spcPts val="0"/>
@@ -28474,7 +28474,7 @@
           <a:p>
             <a:pPr indent="0" lvl="0" marL="0" rtl="0" algn="l">
               <a:lnSpc>
-                <a:spcPct val="115000"/>
+                <a:spcPct val="100000"/>
               </a:lnSpc>
               <a:spcBef>
                 <a:spcPts val="0"/>
@@ -28655,7 +28655,7 @@
           <a:p>
             <a:pPr indent="0" lvl="0" marL="0" rtl="0" algn="l">
               <a:lnSpc>
-                <a:spcPct val="115000"/>
+                <a:spcPct val="100000"/>
               </a:lnSpc>
               <a:spcBef>
                 <a:spcPts val="0"/>
@@ -28684,7 +28684,7 @@
           <a:p>
             <a:pPr indent="0" lvl="0" marL="0" rtl="0" algn="l">
               <a:lnSpc>
-                <a:spcPct val="115000"/>
+                <a:spcPct val="100000"/>
               </a:lnSpc>
               <a:spcBef>
                 <a:spcPts val="0"/>
@@ -28847,7 +28847,7 @@
           <a:p>
             <a:pPr indent="0" lvl="0" marL="0" rtl="0" algn="l">
               <a:lnSpc>
-                <a:spcPct val="115000"/>
+                <a:spcPct val="100000"/>
               </a:lnSpc>
               <a:spcBef>
                 <a:spcPts val="0"/>
@@ -28908,7 +28908,7 @@
           <a:p>
             <a:pPr indent="0" lvl="0" marL="0" rtl="0" algn="l">
               <a:lnSpc>
-                <a:spcPct val="115000"/>
+                <a:spcPct val="100000"/>
               </a:lnSpc>
               <a:spcBef>
                 <a:spcPts val="0"/>
@@ -28954,7 +28954,7 @@
           <a:p>
             <a:pPr indent="0" lvl="0" marL="0" rtl="0" algn="l">
               <a:lnSpc>
-                <a:spcPct val="115000"/>
+                <a:spcPct val="100000"/>
               </a:lnSpc>
               <a:spcBef>
                 <a:spcPts val="0"/>
@@ -28988,7 +28988,7 @@
           <a:p>
             <a:pPr indent="0" lvl="0" marL="0" rtl="0" algn="l">
               <a:lnSpc>
-                <a:spcPct val="115000"/>
+                <a:spcPct val="100000"/>
               </a:lnSpc>
               <a:spcBef>
                 <a:spcPts val="0"/>
@@ -29151,7 +29151,7 @@
           <a:p>
             <a:pPr indent="0" lvl="0" marL="0" rtl="0" algn="l">
               <a:lnSpc>
-                <a:spcPct val="115000"/>
+                <a:spcPct val="100000"/>
               </a:lnSpc>
               <a:spcBef>
                 <a:spcPts val="0"/>
@@ -29212,7 +29212,7 @@
           <a:p>
             <a:pPr indent="0" lvl="0" marL="0" rtl="0" algn="l">
               <a:lnSpc>
-                <a:spcPct val="115000"/>
+                <a:spcPct val="100000"/>
               </a:lnSpc>
               <a:spcBef>
                 <a:spcPts val="0"/>
@@ -29258,7 +29258,7 @@
           <a:p>
             <a:pPr indent="0" lvl="0" marL="0" rtl="0" algn="l">
               <a:lnSpc>
-                <a:spcPct val="115000"/>
+                <a:spcPct val="100000"/>
               </a:lnSpc>
               <a:spcBef>
                 <a:spcPts val="0"/>
@@ -29292,7 +29292,7 @@
           <a:p>
             <a:pPr indent="0" lvl="0" marL="0" rtl="0" algn="l">
               <a:lnSpc>
-                <a:spcPct val="115000"/>
+                <a:spcPct val="100000"/>
               </a:lnSpc>
               <a:spcBef>
                 <a:spcPts val="0"/>
@@ -29455,7 +29455,7 @@
           <a:p>
             <a:pPr indent="0" lvl="0" marL="0" rtl="0" algn="l">
               <a:lnSpc>
-                <a:spcPct val="115000"/>
+                <a:spcPct val="100000"/>
               </a:lnSpc>
               <a:spcBef>
                 <a:spcPts val="0"/>
@@ -29516,7 +29516,7 @@
           <a:p>
             <a:pPr indent="0" lvl="0" marL="0" rtl="0" algn="l">
               <a:lnSpc>
-                <a:spcPct val="115000"/>
+                <a:spcPct val="100000"/>
               </a:lnSpc>
               <a:spcBef>
                 <a:spcPts val="0"/>
@@ -29562,7 +29562,7 @@
           <a:p>
             <a:pPr indent="0" lvl="0" marL="0" rtl="0" algn="l">
               <a:lnSpc>
-                <a:spcPct val="115000"/>
+                <a:spcPct val="100000"/>
               </a:lnSpc>
               <a:spcBef>
                 <a:spcPts val="0"/>
@@ -29596,7 +29596,7 @@
           <a:p>
             <a:pPr indent="0" lvl="0" marL="0" rtl="0" algn="l">
               <a:lnSpc>
-                <a:spcPct val="115000"/>
+                <a:spcPct val="100000"/>
               </a:lnSpc>
               <a:spcBef>
                 <a:spcPts val="0"/>
@@ -29759,7 +29759,7 @@
           <a:p>
             <a:pPr indent="0" lvl="0" marL="0" rtl="0" algn="l">
               <a:lnSpc>
-                <a:spcPct val="115000"/>
+                <a:spcPct val="100000"/>
               </a:lnSpc>
               <a:spcBef>
                 <a:spcPts val="0"/>
@@ -29820,7 +29820,7 @@
           <a:p>
             <a:pPr indent="0" lvl="0" marL="0" rtl="0" algn="l">
               <a:lnSpc>
-                <a:spcPct val="115000"/>
+                <a:spcPct val="100000"/>
               </a:lnSpc>
               <a:spcBef>
                 <a:spcPts val="0"/>
@@ -29866,7 +29866,7 @@
           <a:p>
             <a:pPr indent="0" lvl="0" marL="0" rtl="0" algn="l">
               <a:lnSpc>
-                <a:spcPct val="115000"/>
+                <a:spcPct val="100000"/>
               </a:lnSpc>
               <a:spcBef>
                 <a:spcPts val="0"/>
@@ -29895,7 +29895,7 @@
           <a:p>
             <a:pPr indent="0" lvl="0" marL="0" rtl="0" algn="l">
               <a:lnSpc>
-                <a:spcPct val="115000"/>
+                <a:spcPct val="100000"/>
               </a:lnSpc>
               <a:spcBef>
                 <a:spcPts val="0"/>

--- a/Lecture slides/ADAP B03 - Subtyping and Inheritance.pptx
+++ b/Lecture slides/ADAP B03 - Subtyping and Inheritance.pptx
@@ -735,7 +735,7 @@
   <p:cSld>
     <p:spTree>
       <p:nvGrpSpPr>
-        <p:cNvPr id="32" name="Shape 32"/>
+        <p:cNvPr id="47" name="Shape 47"/>
         <p:cNvGrpSpPr/>
         <p:nvPr/>
       </p:nvGrpSpPr>
@@ -749,7 +749,7 @@
       </p:grpSpPr>
       <p:sp>
         <p:nvSpPr>
-          <p:cNvPr id="33" name="Google Shape;33;p:notes"/>
+          <p:cNvPr id="48" name="Google Shape;48;p:notes"/>
           <p:cNvSpPr/>
           <p:nvPr>
             <p:ph idx="2" type="sldImg"/>
@@ -784,7 +784,7 @@
       </p:sp>
       <p:sp>
         <p:nvSpPr>
-          <p:cNvPr id="34" name="Google Shape;34;p:notes"/>
+          <p:cNvPr id="49" name="Google Shape;49;p:notes"/>
           <p:cNvSpPr txBox="1"/>
           <p:nvPr>
             <p:ph idx="1" type="body"/>
@@ -834,7 +834,7 @@
   <p:cSld>
     <p:spTree>
       <p:nvGrpSpPr>
-        <p:cNvPr id="92" name="Shape 92"/>
+        <p:cNvPr id="107" name="Shape 107"/>
         <p:cNvGrpSpPr/>
         <p:nvPr/>
       </p:nvGrpSpPr>
@@ -848,7 +848,7 @@
       </p:grpSpPr>
       <p:sp>
         <p:nvSpPr>
-          <p:cNvPr id="93" name="Google Shape;93;g302dc61f0cc_0_47:notes"/>
+          <p:cNvPr id="108" name="Google Shape;108;g302dc61f0cc_0_47:notes"/>
           <p:cNvSpPr/>
           <p:nvPr>
             <p:ph idx="2" type="sldImg"/>
@@ -883,7 +883,7 @@
       </p:sp>
       <p:sp>
         <p:nvSpPr>
-          <p:cNvPr id="94" name="Google Shape;94;g302dc61f0cc_0_47:notes"/>
+          <p:cNvPr id="109" name="Google Shape;109;g302dc61f0cc_0_47:notes"/>
           <p:cNvSpPr txBox="1"/>
           <p:nvPr>
             <p:ph idx="1" type="body"/>
@@ -933,7 +933,7 @@
   <p:cSld>
     <p:spTree>
       <p:nvGrpSpPr>
-        <p:cNvPr id="99" name="Shape 99"/>
+        <p:cNvPr id="114" name="Shape 114"/>
         <p:cNvGrpSpPr/>
         <p:nvPr/>
       </p:nvGrpSpPr>
@@ -947,7 +947,7 @@
       </p:grpSpPr>
       <p:sp>
         <p:nvSpPr>
-          <p:cNvPr id="100" name="Google Shape;100;g302dc61f0cc_0_53:notes"/>
+          <p:cNvPr id="115" name="Google Shape;115;g302dc61f0cc_0_53:notes"/>
           <p:cNvSpPr/>
           <p:nvPr>
             <p:ph idx="2" type="sldImg"/>
@@ -982,7 +982,7 @@
       </p:sp>
       <p:sp>
         <p:nvSpPr>
-          <p:cNvPr id="101" name="Google Shape;101;g302dc61f0cc_0_53:notes"/>
+          <p:cNvPr id="116" name="Google Shape;116;g302dc61f0cc_0_53:notes"/>
           <p:cNvSpPr txBox="1"/>
           <p:nvPr>
             <p:ph idx="1" type="body"/>
@@ -1032,7 +1032,7 @@
   <p:cSld>
     <p:spTree>
       <p:nvGrpSpPr>
-        <p:cNvPr id="106" name="Shape 106"/>
+        <p:cNvPr id="121" name="Shape 121"/>
         <p:cNvGrpSpPr/>
         <p:nvPr/>
       </p:nvGrpSpPr>
@@ -1046,7 +1046,7 @@
       </p:grpSpPr>
       <p:sp>
         <p:nvSpPr>
-          <p:cNvPr id="107" name="Google Shape;107;g302dc61f0cc_0_28:notes"/>
+          <p:cNvPr id="122" name="Google Shape;122;g302dc61f0cc_0_28:notes"/>
           <p:cNvSpPr/>
           <p:nvPr>
             <p:ph idx="2" type="sldImg"/>
@@ -1081,7 +1081,7 @@
       </p:sp>
       <p:sp>
         <p:nvSpPr>
-          <p:cNvPr id="108" name="Google Shape;108;g302dc61f0cc_0_28:notes"/>
+          <p:cNvPr id="123" name="Google Shape;123;g302dc61f0cc_0_28:notes"/>
           <p:cNvSpPr txBox="1"/>
           <p:nvPr>
             <p:ph idx="1" type="body"/>
@@ -1131,7 +1131,7 @@
   <p:cSld>
     <p:spTree>
       <p:nvGrpSpPr>
-        <p:cNvPr id="111" name="Shape 111"/>
+        <p:cNvPr id="126" name="Shape 126"/>
         <p:cNvGrpSpPr/>
         <p:nvPr/>
       </p:nvGrpSpPr>
@@ -1145,7 +1145,7 @@
       </p:grpSpPr>
       <p:sp>
         <p:nvSpPr>
-          <p:cNvPr id="112" name="Google Shape;112;g302dc61f0cc_0_32:notes"/>
+          <p:cNvPr id="127" name="Google Shape;127;g302dc61f0cc_0_32:notes"/>
           <p:cNvSpPr/>
           <p:nvPr>
             <p:ph idx="2" type="sldImg"/>
@@ -1180,7 +1180,7 @@
       </p:sp>
       <p:sp>
         <p:nvSpPr>
-          <p:cNvPr id="113" name="Google Shape;113;g302dc61f0cc_0_32:notes"/>
+          <p:cNvPr id="128" name="Google Shape;128;g302dc61f0cc_0_32:notes"/>
           <p:cNvSpPr txBox="1"/>
           <p:nvPr>
             <p:ph idx="1" type="body"/>
@@ -1230,7 +1230,7 @@
   <p:cSld>
     <p:spTree>
       <p:nvGrpSpPr>
-        <p:cNvPr id="119" name="Shape 119"/>
+        <p:cNvPr id="134" name="Shape 134"/>
         <p:cNvGrpSpPr/>
         <p:nvPr/>
       </p:nvGrpSpPr>
@@ -1244,7 +1244,7 @@
       </p:grpSpPr>
       <p:sp>
         <p:nvSpPr>
-          <p:cNvPr id="120" name="Google Shape;120;g302dc61f0cc_0_75:notes"/>
+          <p:cNvPr id="135" name="Google Shape;135;g302dc61f0cc_0_75:notes"/>
           <p:cNvSpPr/>
           <p:nvPr>
             <p:ph idx="2" type="sldImg"/>
@@ -1279,7 +1279,7 @@
       </p:sp>
       <p:sp>
         <p:nvSpPr>
-          <p:cNvPr id="121" name="Google Shape;121;g302dc61f0cc_0_75:notes"/>
+          <p:cNvPr id="136" name="Google Shape;136;g302dc61f0cc_0_75:notes"/>
           <p:cNvSpPr txBox="1"/>
           <p:nvPr>
             <p:ph idx="1" type="body"/>
@@ -1329,7 +1329,7 @@
   <p:cSld>
     <p:spTree>
       <p:nvGrpSpPr>
-        <p:cNvPr id="127" name="Shape 127"/>
+        <p:cNvPr id="142" name="Shape 142"/>
         <p:cNvGrpSpPr/>
         <p:nvPr/>
       </p:nvGrpSpPr>
@@ -1343,7 +1343,7 @@
       </p:grpSpPr>
       <p:sp>
         <p:nvSpPr>
-          <p:cNvPr id="128" name="Google Shape;128;g31393da5573_0_16:notes"/>
+          <p:cNvPr id="143" name="Google Shape;143;g31393da5573_0_16:notes"/>
           <p:cNvSpPr/>
           <p:nvPr>
             <p:ph idx="2" type="sldImg"/>
@@ -1378,7 +1378,7 @@
       </p:sp>
       <p:sp>
         <p:nvSpPr>
-          <p:cNvPr id="129" name="Google Shape;129;g31393da5573_0_16:notes"/>
+          <p:cNvPr id="144" name="Google Shape;144;g31393da5573_0_16:notes"/>
           <p:cNvSpPr txBox="1"/>
           <p:nvPr>
             <p:ph idx="1" type="body"/>
@@ -1428,7 +1428,7 @@
   <p:cSld>
     <p:spTree>
       <p:nvGrpSpPr>
-        <p:cNvPr id="135" name="Shape 135"/>
+        <p:cNvPr id="150" name="Shape 150"/>
         <p:cNvGrpSpPr/>
         <p:nvPr/>
       </p:nvGrpSpPr>
@@ -1442,7 +1442,7 @@
       </p:grpSpPr>
       <p:sp>
         <p:nvSpPr>
-          <p:cNvPr id="136" name="Google Shape;136;g302dc61f0cc_0_59:notes"/>
+          <p:cNvPr id="151" name="Google Shape;151;g302dc61f0cc_0_59:notes"/>
           <p:cNvSpPr/>
           <p:nvPr>
             <p:ph idx="2" type="sldImg"/>
@@ -1477,7 +1477,7 @@
       </p:sp>
       <p:sp>
         <p:nvSpPr>
-          <p:cNvPr id="137" name="Google Shape;137;g302dc61f0cc_0_59:notes"/>
+          <p:cNvPr id="152" name="Google Shape;152;g302dc61f0cc_0_59:notes"/>
           <p:cNvSpPr txBox="1"/>
           <p:nvPr>
             <p:ph idx="1" type="body"/>
@@ -1527,7 +1527,7 @@
   <p:cSld>
     <p:spTree>
       <p:nvGrpSpPr>
-        <p:cNvPr id="140" name="Shape 140"/>
+        <p:cNvPr id="155" name="Shape 155"/>
         <p:cNvGrpSpPr/>
         <p:nvPr/>
       </p:nvGrpSpPr>
@@ -1541,7 +1541,7 @@
       </p:grpSpPr>
       <p:sp>
         <p:nvSpPr>
-          <p:cNvPr id="141" name="Google Shape;141;g302dc61f0cc_0_97:notes"/>
+          <p:cNvPr id="156" name="Google Shape;156;g302dc61f0cc_0_97:notes"/>
           <p:cNvSpPr/>
           <p:nvPr>
             <p:ph idx="2" type="sldImg"/>
@@ -1576,7 +1576,7 @@
       </p:sp>
       <p:sp>
         <p:nvSpPr>
-          <p:cNvPr id="142" name="Google Shape;142;g302dc61f0cc_0_97:notes"/>
+          <p:cNvPr id="157" name="Google Shape;157;g302dc61f0cc_0_97:notes"/>
           <p:cNvSpPr txBox="1"/>
           <p:nvPr>
             <p:ph idx="1" type="body"/>
@@ -1626,7 +1626,7 @@
   <p:cSld>
     <p:spTree>
       <p:nvGrpSpPr>
-        <p:cNvPr id="147" name="Shape 147"/>
+        <p:cNvPr id="162" name="Shape 162"/>
         <p:cNvGrpSpPr/>
         <p:nvPr/>
       </p:nvGrpSpPr>
@@ -1640,7 +1640,7 @@
       </p:grpSpPr>
       <p:sp>
         <p:nvSpPr>
-          <p:cNvPr id="148" name="Google Shape;148;g302dc61f0cc_0_110:notes"/>
+          <p:cNvPr id="163" name="Google Shape;163;g302dc61f0cc_0_110:notes"/>
           <p:cNvSpPr/>
           <p:nvPr>
             <p:ph idx="2" type="sldImg"/>
@@ -1675,7 +1675,7 @@
       </p:sp>
       <p:sp>
         <p:nvSpPr>
-          <p:cNvPr id="149" name="Google Shape;149;g302dc61f0cc_0_110:notes"/>
+          <p:cNvPr id="164" name="Google Shape;164;g302dc61f0cc_0_110:notes"/>
           <p:cNvSpPr txBox="1"/>
           <p:nvPr>
             <p:ph idx="1" type="body"/>
@@ -1725,7 +1725,7 @@
   <p:cSld>
     <p:spTree>
       <p:nvGrpSpPr>
-        <p:cNvPr id="154" name="Shape 154"/>
+        <p:cNvPr id="169" name="Shape 169"/>
         <p:cNvGrpSpPr/>
         <p:nvPr/>
       </p:nvGrpSpPr>
@@ -1739,7 +1739,7 @@
       </p:grpSpPr>
       <p:sp>
         <p:nvSpPr>
-          <p:cNvPr id="155" name="Google Shape;155;g3167255dcb3_0_0:notes"/>
+          <p:cNvPr id="170" name="Google Shape;170;g3167255dcb3_0_0:notes"/>
           <p:cNvSpPr/>
           <p:nvPr>
             <p:ph idx="2" type="sldImg"/>
@@ -1774,7 +1774,7 @@
       </p:sp>
       <p:sp>
         <p:nvSpPr>
-          <p:cNvPr id="156" name="Google Shape;156;g3167255dcb3_0_0:notes"/>
+          <p:cNvPr id="171" name="Google Shape;171;g3167255dcb3_0_0:notes"/>
           <p:cNvSpPr txBox="1"/>
           <p:nvPr>
             <p:ph idx="1" type="body"/>
@@ -1824,7 +1824,7 @@
   <p:cSld>
     <p:spTree>
       <p:nvGrpSpPr>
-        <p:cNvPr id="38" name="Shape 38"/>
+        <p:cNvPr id="53" name="Shape 53"/>
         <p:cNvGrpSpPr/>
         <p:nvPr/>
       </p:nvGrpSpPr>
@@ -1838,7 +1838,7 @@
       </p:grpSpPr>
       <p:sp>
         <p:nvSpPr>
-          <p:cNvPr id="39" name="Google Shape;39;g2fe02fb2832_0_6:notes"/>
+          <p:cNvPr id="54" name="Google Shape;54;g2fe02fb2832_0_6:notes"/>
           <p:cNvSpPr/>
           <p:nvPr>
             <p:ph idx="2" type="sldImg"/>
@@ -1873,7 +1873,7 @@
       </p:sp>
       <p:sp>
         <p:nvSpPr>
-          <p:cNvPr id="40" name="Google Shape;40;g2fe02fb2832_0_6:notes"/>
+          <p:cNvPr id="55" name="Google Shape;55;g2fe02fb2832_0_6:notes"/>
           <p:cNvSpPr txBox="1"/>
           <p:nvPr>
             <p:ph idx="1" type="body"/>
@@ -1923,7 +1923,7 @@
   <p:cSld>
     <p:spTree>
       <p:nvGrpSpPr>
-        <p:cNvPr id="165" name="Shape 165"/>
+        <p:cNvPr id="180" name="Shape 180"/>
         <p:cNvGrpSpPr/>
         <p:nvPr/>
       </p:nvGrpSpPr>
@@ -1937,7 +1937,7 @@
       </p:grpSpPr>
       <p:sp>
         <p:nvSpPr>
-          <p:cNvPr id="166" name="Google Shape;166;g302dc61f0cc_0_63:notes"/>
+          <p:cNvPr id="181" name="Google Shape;181;g302dc61f0cc_0_63:notes"/>
           <p:cNvSpPr/>
           <p:nvPr>
             <p:ph idx="2" type="sldImg"/>
@@ -1972,7 +1972,7 @@
       </p:sp>
       <p:sp>
         <p:nvSpPr>
-          <p:cNvPr id="167" name="Google Shape;167;g302dc61f0cc_0_63:notes"/>
+          <p:cNvPr id="182" name="Google Shape;182;g302dc61f0cc_0_63:notes"/>
           <p:cNvSpPr txBox="1"/>
           <p:nvPr>
             <p:ph idx="1" type="body"/>
@@ -2022,7 +2022,7 @@
   <p:cSld>
     <p:spTree>
       <p:nvGrpSpPr>
-        <p:cNvPr id="172" name="Shape 172"/>
+        <p:cNvPr id="187" name="Shape 187"/>
         <p:cNvGrpSpPr/>
         <p:nvPr/>
       </p:nvGrpSpPr>
@@ -2036,7 +2036,7 @@
       </p:grpSpPr>
       <p:sp>
         <p:nvSpPr>
-          <p:cNvPr id="173" name="Google Shape;173;g302dc61f0cc_0_104:notes"/>
+          <p:cNvPr id="188" name="Google Shape;188;g302dc61f0cc_0_104:notes"/>
           <p:cNvSpPr/>
           <p:nvPr>
             <p:ph idx="2" type="sldImg"/>
@@ -2071,7 +2071,7 @@
       </p:sp>
       <p:sp>
         <p:nvSpPr>
-          <p:cNvPr id="174" name="Google Shape;174;g302dc61f0cc_0_104:notes"/>
+          <p:cNvPr id="189" name="Google Shape;189;g302dc61f0cc_0_104:notes"/>
           <p:cNvSpPr txBox="1"/>
           <p:nvPr>
             <p:ph idx="1" type="body"/>
@@ -2121,7 +2121,7 @@
   <p:cSld>
     <p:spTree>
       <p:nvGrpSpPr>
-        <p:cNvPr id="179" name="Shape 179"/>
+        <p:cNvPr id="194" name="Shape 194"/>
         <p:cNvGrpSpPr/>
         <p:nvPr/>
       </p:nvGrpSpPr>
@@ -2135,7 +2135,7 @@
       </p:grpSpPr>
       <p:sp>
         <p:nvSpPr>
-          <p:cNvPr id="180" name="Google Shape;180;g3167255dcb3_0_23:notes"/>
+          <p:cNvPr id="195" name="Google Shape;195;g3167255dcb3_0_23:notes"/>
           <p:cNvSpPr/>
           <p:nvPr>
             <p:ph idx="2" type="sldImg"/>
@@ -2170,7 +2170,7 @@
       </p:sp>
       <p:sp>
         <p:nvSpPr>
-          <p:cNvPr id="181" name="Google Shape;181;g3167255dcb3_0_23:notes"/>
+          <p:cNvPr id="196" name="Google Shape;196;g3167255dcb3_0_23:notes"/>
           <p:cNvSpPr txBox="1"/>
           <p:nvPr>
             <p:ph idx="1" type="body"/>
@@ -2220,7 +2220,7 @@
   <p:cSld>
     <p:spTree>
       <p:nvGrpSpPr>
-        <p:cNvPr id="190" name="Shape 190"/>
+        <p:cNvPr id="205" name="Shape 205"/>
         <p:cNvGrpSpPr/>
         <p:nvPr/>
       </p:nvGrpSpPr>
@@ -2234,7 +2234,7 @@
       </p:grpSpPr>
       <p:sp>
         <p:nvSpPr>
-          <p:cNvPr id="191" name="Google Shape;191;g316bf9a5621_0_4:notes"/>
+          <p:cNvPr id="206" name="Google Shape;206;g316bf9a5621_0_4:notes"/>
           <p:cNvSpPr/>
           <p:nvPr>
             <p:ph idx="2" type="sldImg"/>
@@ -2269,7 +2269,7 @@
       </p:sp>
       <p:sp>
         <p:nvSpPr>
-          <p:cNvPr id="192" name="Google Shape;192;g316bf9a5621_0_4:notes"/>
+          <p:cNvPr id="207" name="Google Shape;207;g316bf9a5621_0_4:notes"/>
           <p:cNvSpPr txBox="1"/>
           <p:nvPr>
             <p:ph idx="1" type="body"/>
@@ -2319,7 +2319,7 @@
   <p:cSld>
     <p:spTree>
       <p:nvGrpSpPr>
-        <p:cNvPr id="198" name="Shape 198"/>
+        <p:cNvPr id="213" name="Shape 213"/>
         <p:cNvGrpSpPr/>
         <p:nvPr/>
       </p:nvGrpSpPr>
@@ -2333,7 +2333,7 @@
       </p:grpSpPr>
       <p:sp>
         <p:nvSpPr>
-          <p:cNvPr id="199" name="Google Shape;199;g3167255dcb3_0_39:notes"/>
+          <p:cNvPr id="214" name="Google Shape;214;g3167255dcb3_0_39:notes"/>
           <p:cNvSpPr/>
           <p:nvPr>
             <p:ph idx="2" type="sldImg"/>
@@ -2368,7 +2368,7 @@
       </p:sp>
       <p:sp>
         <p:nvSpPr>
-          <p:cNvPr id="200" name="Google Shape;200;g3167255dcb3_0_39:notes"/>
+          <p:cNvPr id="215" name="Google Shape;215;g3167255dcb3_0_39:notes"/>
           <p:cNvSpPr txBox="1"/>
           <p:nvPr>
             <p:ph idx="1" type="body"/>
@@ -2418,7 +2418,7 @@
   <p:cSld>
     <p:spTree>
       <p:nvGrpSpPr>
-        <p:cNvPr id="206" name="Shape 206"/>
+        <p:cNvPr id="221" name="Shape 221"/>
         <p:cNvGrpSpPr/>
         <p:nvPr/>
       </p:nvGrpSpPr>
@@ -2432,7 +2432,7 @@
       </p:grpSpPr>
       <p:sp>
         <p:nvSpPr>
-          <p:cNvPr id="207" name="Google Shape;207;g302dc61f0cc_0_86:notes"/>
+          <p:cNvPr id="222" name="Google Shape;222;g302dc61f0cc_0_86:notes"/>
           <p:cNvSpPr/>
           <p:nvPr>
             <p:ph idx="2" type="sldImg"/>
@@ -2467,7 +2467,7 @@
       </p:sp>
       <p:sp>
         <p:nvSpPr>
-          <p:cNvPr id="208" name="Google Shape;208;g302dc61f0cc_0_86:notes"/>
+          <p:cNvPr id="223" name="Google Shape;223;g302dc61f0cc_0_86:notes"/>
           <p:cNvSpPr txBox="1"/>
           <p:nvPr>
             <p:ph idx="1" type="body"/>
@@ -2517,7 +2517,7 @@
   <p:cSld>
     <p:spTree>
       <p:nvGrpSpPr>
-        <p:cNvPr id="211" name="Shape 211"/>
+        <p:cNvPr id="226" name="Shape 226"/>
         <p:cNvGrpSpPr/>
         <p:nvPr/>
       </p:nvGrpSpPr>
@@ -2531,7 +2531,7 @@
       </p:grpSpPr>
       <p:sp>
         <p:nvSpPr>
-          <p:cNvPr id="212" name="Google Shape;212;g302dc61f0cc_0_90:notes"/>
+          <p:cNvPr id="227" name="Google Shape;227;g302dc61f0cc_0_90:notes"/>
           <p:cNvSpPr/>
           <p:nvPr>
             <p:ph idx="2" type="sldImg"/>
@@ -2566,7 +2566,7 @@
       </p:sp>
       <p:sp>
         <p:nvSpPr>
-          <p:cNvPr id="213" name="Google Shape;213;g302dc61f0cc_0_90:notes"/>
+          <p:cNvPr id="228" name="Google Shape;228;g302dc61f0cc_0_90:notes"/>
           <p:cNvSpPr txBox="1"/>
           <p:nvPr>
             <p:ph idx="1" type="body"/>
@@ -2616,7 +2616,7 @@
   <p:cSld>
     <p:spTree>
       <p:nvGrpSpPr>
-        <p:cNvPr id="219" name="Shape 219"/>
+        <p:cNvPr id="234" name="Shape 234"/>
         <p:cNvGrpSpPr/>
         <p:nvPr/>
       </p:nvGrpSpPr>
@@ -2630,7 +2630,7 @@
       </p:grpSpPr>
       <p:sp>
         <p:nvSpPr>
-          <p:cNvPr id="220" name="Google Shape;220;g3032be58fea_0_1:notes"/>
+          <p:cNvPr id="235" name="Google Shape;235;g3032be58fea_0_1:notes"/>
           <p:cNvSpPr/>
           <p:nvPr>
             <p:ph idx="2" type="sldImg"/>
@@ -2665,7 +2665,7 @@
       </p:sp>
       <p:sp>
         <p:nvSpPr>
-          <p:cNvPr id="221" name="Google Shape;221;g3032be58fea_0_1:notes"/>
+          <p:cNvPr id="236" name="Google Shape;236;g3032be58fea_0_1:notes"/>
           <p:cNvSpPr txBox="1"/>
           <p:nvPr>
             <p:ph idx="1" type="body"/>
@@ -2715,7 +2715,7 @@
   <p:cSld>
     <p:spTree>
       <p:nvGrpSpPr>
-        <p:cNvPr id="227" name="Shape 227"/>
+        <p:cNvPr id="242" name="Shape 242"/>
         <p:cNvGrpSpPr/>
         <p:nvPr/>
       </p:nvGrpSpPr>
@@ -2729,7 +2729,7 @@
       </p:grpSpPr>
       <p:sp>
         <p:nvSpPr>
-          <p:cNvPr id="228" name="Google Shape;228;g31393da5573_0_10:notes"/>
+          <p:cNvPr id="243" name="Google Shape;243;g31393da5573_0_10:notes"/>
           <p:cNvSpPr/>
           <p:nvPr>
             <p:ph idx="2" type="sldImg"/>
@@ -2764,7 +2764,7 @@
       </p:sp>
       <p:sp>
         <p:nvSpPr>
-          <p:cNvPr id="229" name="Google Shape;229;g31393da5573_0_10:notes"/>
+          <p:cNvPr id="244" name="Google Shape;244;g31393da5573_0_10:notes"/>
           <p:cNvSpPr txBox="1"/>
           <p:nvPr>
             <p:ph idx="1" type="body"/>
@@ -2814,7 +2814,7 @@
   <p:cSld>
     <p:spTree>
       <p:nvGrpSpPr>
-        <p:cNvPr id="234" name="Shape 234"/>
+        <p:cNvPr id="249" name="Shape 249"/>
         <p:cNvGrpSpPr/>
         <p:nvPr/>
       </p:nvGrpSpPr>
@@ -2828,7 +2828,7 @@
       </p:grpSpPr>
       <p:sp>
         <p:nvSpPr>
-          <p:cNvPr id="235" name="Google Shape;235;g303047d5f21_1_0:notes"/>
+          <p:cNvPr id="250" name="Google Shape;250;g303047d5f21_1_0:notes"/>
           <p:cNvSpPr/>
           <p:nvPr>
             <p:ph idx="2" type="sldImg"/>
@@ -2863,7 +2863,7 @@
       </p:sp>
       <p:sp>
         <p:nvSpPr>
-          <p:cNvPr id="236" name="Google Shape;236;g303047d5f21_1_0:notes"/>
+          <p:cNvPr id="251" name="Google Shape;251;g303047d5f21_1_0:notes"/>
           <p:cNvSpPr txBox="1"/>
           <p:nvPr>
             <p:ph idx="1" type="body"/>
@@ -2913,7 +2913,7 @@
   <p:cSld>
     <p:spTree>
       <p:nvGrpSpPr>
-        <p:cNvPr id="46" name="Shape 46"/>
+        <p:cNvPr id="61" name="Shape 61"/>
         <p:cNvGrpSpPr/>
         <p:nvPr/>
       </p:nvGrpSpPr>
@@ -2927,7 +2927,7 @@
       </p:grpSpPr>
       <p:sp>
         <p:nvSpPr>
-          <p:cNvPr id="47" name="Google Shape;47;g302d3e3f7de_0_0:notes"/>
+          <p:cNvPr id="62" name="Google Shape;62;g302d3e3f7de_0_0:notes"/>
           <p:cNvSpPr/>
           <p:nvPr>
             <p:ph idx="2" type="sldImg"/>
@@ -2962,7 +2962,7 @@
       </p:sp>
       <p:sp>
         <p:nvSpPr>
-          <p:cNvPr id="48" name="Google Shape;48;g302d3e3f7de_0_0:notes"/>
+          <p:cNvPr id="63" name="Google Shape;63;g302d3e3f7de_0_0:notes"/>
           <p:cNvSpPr txBox="1"/>
           <p:nvPr>
             <p:ph idx="1" type="body"/>
@@ -3012,7 +3012,7 @@
   <p:cSld>
     <p:spTree>
       <p:nvGrpSpPr>
-        <p:cNvPr id="239" name="Shape 239"/>
+        <p:cNvPr id="254" name="Shape 254"/>
         <p:cNvGrpSpPr/>
         <p:nvPr/>
       </p:nvGrpSpPr>
@@ -3026,7 +3026,7 @@
       </p:grpSpPr>
       <p:sp>
         <p:nvSpPr>
-          <p:cNvPr id="240" name="Google Shape;240;g303047d5f21_1_4:notes"/>
+          <p:cNvPr id="255" name="Google Shape;255;g303047d5f21_1_4:notes"/>
           <p:cNvSpPr/>
           <p:nvPr>
             <p:ph idx="2" type="sldImg"/>
@@ -3061,7 +3061,7 @@
       </p:sp>
       <p:sp>
         <p:nvSpPr>
-          <p:cNvPr id="241" name="Google Shape;241;g303047d5f21_1_4:notes"/>
+          <p:cNvPr id="256" name="Google Shape;256;g303047d5f21_1_4:notes"/>
           <p:cNvSpPr txBox="1"/>
           <p:nvPr>
             <p:ph idx="1" type="body"/>
@@ -3111,7 +3111,7 @@
   <p:cSld>
     <p:spTree>
       <p:nvGrpSpPr>
-        <p:cNvPr id="246" name="Shape 246"/>
+        <p:cNvPr id="261" name="Shape 261"/>
         <p:cNvGrpSpPr/>
         <p:nvPr/>
       </p:nvGrpSpPr>
@@ -3125,7 +3125,7 @@
       </p:grpSpPr>
       <p:sp>
         <p:nvSpPr>
-          <p:cNvPr id="247" name="Google Shape;247;g3032be58fea_0_14:notes"/>
+          <p:cNvPr id="262" name="Google Shape;262;g3032be58fea_0_14:notes"/>
           <p:cNvSpPr/>
           <p:nvPr>
             <p:ph idx="2" type="sldImg"/>
@@ -3160,7 +3160,7 @@
       </p:sp>
       <p:sp>
         <p:nvSpPr>
-          <p:cNvPr id="248" name="Google Shape;248;g3032be58fea_0_14:notes"/>
+          <p:cNvPr id="263" name="Google Shape;263;g3032be58fea_0_14:notes"/>
           <p:cNvSpPr txBox="1"/>
           <p:nvPr>
             <p:ph idx="1" type="body"/>
@@ -3210,7 +3210,7 @@
   <p:cSld>
     <p:spTree>
       <p:nvGrpSpPr>
-        <p:cNvPr id="253" name="Shape 253"/>
+        <p:cNvPr id="268" name="Shape 268"/>
         <p:cNvGrpSpPr/>
         <p:nvPr/>
       </p:nvGrpSpPr>
@@ -3224,7 +3224,7 @@
       </p:grpSpPr>
       <p:sp>
         <p:nvSpPr>
-          <p:cNvPr id="254" name="Google Shape;254;g3032be58fea_0_26:notes"/>
+          <p:cNvPr id="269" name="Google Shape;269;g3032be58fea_0_26:notes"/>
           <p:cNvSpPr/>
           <p:nvPr>
             <p:ph idx="2" type="sldImg"/>
@@ -3259,7 +3259,7 @@
       </p:sp>
       <p:sp>
         <p:nvSpPr>
-          <p:cNvPr id="255" name="Google Shape;255;g3032be58fea_0_26:notes"/>
+          <p:cNvPr id="270" name="Google Shape;270;g3032be58fea_0_26:notes"/>
           <p:cNvSpPr txBox="1"/>
           <p:nvPr>
             <p:ph idx="1" type="body"/>
@@ -3309,7 +3309,7 @@
   <p:cSld>
     <p:spTree>
       <p:nvGrpSpPr>
-        <p:cNvPr id="260" name="Shape 260"/>
+        <p:cNvPr id="275" name="Shape 275"/>
         <p:cNvGrpSpPr/>
         <p:nvPr/>
       </p:nvGrpSpPr>
@@ -3323,7 +3323,7 @@
       </p:grpSpPr>
       <p:sp>
         <p:nvSpPr>
-          <p:cNvPr id="261" name="Google Shape;261;g3032be58fea_0_32:notes"/>
+          <p:cNvPr id="276" name="Google Shape;276;g3032be58fea_0_32:notes"/>
           <p:cNvSpPr/>
           <p:nvPr>
             <p:ph idx="2" type="sldImg"/>
@@ -3358,7 +3358,7 @@
       </p:sp>
       <p:sp>
         <p:nvSpPr>
-          <p:cNvPr id="262" name="Google Shape;262;g3032be58fea_0_32:notes"/>
+          <p:cNvPr id="277" name="Google Shape;277;g3032be58fea_0_32:notes"/>
           <p:cNvSpPr txBox="1"/>
           <p:nvPr>
             <p:ph idx="1" type="body"/>
@@ -3408,7 +3408,7 @@
   <p:cSld>
     <p:spTree>
       <p:nvGrpSpPr>
-        <p:cNvPr id="267" name="Shape 267"/>
+        <p:cNvPr id="282" name="Shape 282"/>
         <p:cNvGrpSpPr/>
         <p:nvPr/>
       </p:nvGrpSpPr>
@@ -3422,7 +3422,7 @@
       </p:grpSpPr>
       <p:sp>
         <p:nvSpPr>
-          <p:cNvPr id="268" name="Google Shape;268;g3032be58fea_0_38:notes"/>
+          <p:cNvPr id="283" name="Google Shape;283;g3032be58fea_0_38:notes"/>
           <p:cNvSpPr/>
           <p:nvPr>
             <p:ph idx="2" type="sldImg"/>
@@ -3457,7 +3457,7 @@
       </p:sp>
       <p:sp>
         <p:nvSpPr>
-          <p:cNvPr id="269" name="Google Shape;269;g3032be58fea_0_38:notes"/>
+          <p:cNvPr id="284" name="Google Shape;284;g3032be58fea_0_38:notes"/>
           <p:cNvSpPr txBox="1"/>
           <p:nvPr>
             <p:ph idx="1" type="body"/>
@@ -3507,7 +3507,7 @@
   <p:cSld>
     <p:spTree>
       <p:nvGrpSpPr>
-        <p:cNvPr id="275" name="Shape 275"/>
+        <p:cNvPr id="290" name="Shape 290"/>
         <p:cNvGrpSpPr/>
         <p:nvPr/>
       </p:nvGrpSpPr>
@@ -3521,7 +3521,7 @@
       </p:grpSpPr>
       <p:sp>
         <p:nvSpPr>
-          <p:cNvPr id="276" name="Google Shape;276;g3032be58fea_0_45:notes"/>
+          <p:cNvPr id="291" name="Google Shape;291;g3032be58fea_0_45:notes"/>
           <p:cNvSpPr/>
           <p:nvPr>
             <p:ph idx="2" type="sldImg"/>
@@ -3556,7 +3556,7 @@
       </p:sp>
       <p:sp>
         <p:nvSpPr>
-          <p:cNvPr id="277" name="Google Shape;277;g3032be58fea_0_45:notes"/>
+          <p:cNvPr id="292" name="Google Shape;292;g3032be58fea_0_45:notes"/>
           <p:cNvSpPr txBox="1"/>
           <p:nvPr>
             <p:ph idx="1" type="body"/>
@@ -3606,7 +3606,7 @@
   <p:cSld>
     <p:spTree>
       <p:nvGrpSpPr>
-        <p:cNvPr id="284" name="Shape 284"/>
+        <p:cNvPr id="299" name="Shape 299"/>
         <p:cNvGrpSpPr/>
         <p:nvPr/>
       </p:nvGrpSpPr>
@@ -3620,7 +3620,7 @@
       </p:grpSpPr>
       <p:sp>
         <p:nvSpPr>
-          <p:cNvPr id="285" name="Google Shape;285;g3032be58fea_0_57:notes"/>
+          <p:cNvPr id="300" name="Google Shape;300;g3032be58fea_0_57:notes"/>
           <p:cNvSpPr/>
           <p:nvPr>
             <p:ph idx="2" type="sldImg"/>
@@ -3655,7 +3655,7 @@
       </p:sp>
       <p:sp>
         <p:nvSpPr>
-          <p:cNvPr id="286" name="Google Shape;286;g3032be58fea_0_57:notes"/>
+          <p:cNvPr id="301" name="Google Shape;301;g3032be58fea_0_57:notes"/>
           <p:cNvSpPr txBox="1"/>
           <p:nvPr>
             <p:ph idx="1" type="body"/>
@@ -3705,7 +3705,7 @@
   <p:cSld>
     <p:spTree>
       <p:nvGrpSpPr>
-        <p:cNvPr id="289" name="Shape 289"/>
+        <p:cNvPr id="304" name="Shape 304"/>
         <p:cNvGrpSpPr/>
         <p:nvPr/>
       </p:nvGrpSpPr>
@@ -3719,7 +3719,7 @@
       </p:grpSpPr>
       <p:sp>
         <p:nvSpPr>
-          <p:cNvPr id="290" name="Google Shape;290;g31478ff7c65_0_0:notes"/>
+          <p:cNvPr id="305" name="Google Shape;305;g31478ff7c65_0_0:notes"/>
           <p:cNvSpPr/>
           <p:nvPr>
             <p:ph idx="2" type="sldImg"/>
@@ -3754,7 +3754,7 @@
       </p:sp>
       <p:sp>
         <p:nvSpPr>
-          <p:cNvPr id="291" name="Google Shape;291;g31478ff7c65_0_0:notes"/>
+          <p:cNvPr id="306" name="Google Shape;306;g31478ff7c65_0_0:notes"/>
           <p:cNvSpPr txBox="1"/>
           <p:nvPr>
             <p:ph idx="1" type="body"/>
@@ -3804,7 +3804,7 @@
   <p:cSld>
     <p:spTree>
       <p:nvGrpSpPr>
-        <p:cNvPr id="296" name="Shape 296"/>
+        <p:cNvPr id="311" name="Shape 311"/>
         <p:cNvGrpSpPr/>
         <p:nvPr/>
       </p:nvGrpSpPr>
@@ -3818,7 +3818,7 @@
       </p:grpSpPr>
       <p:sp>
         <p:nvSpPr>
-          <p:cNvPr id="297" name="Google Shape;297;g3032be58fea_0_61:notes"/>
+          <p:cNvPr id="312" name="Google Shape;312;g3032be58fea_0_61:notes"/>
           <p:cNvSpPr/>
           <p:nvPr>
             <p:ph idx="2" type="sldImg"/>
@@ -3853,7 +3853,7 @@
       </p:sp>
       <p:sp>
         <p:nvSpPr>
-          <p:cNvPr id="298" name="Google Shape;298;g3032be58fea_0_61:notes"/>
+          <p:cNvPr id="313" name="Google Shape;313;g3032be58fea_0_61:notes"/>
           <p:cNvSpPr txBox="1"/>
           <p:nvPr>
             <p:ph idx="1" type="body"/>
@@ -3903,7 +3903,7 @@
   <p:cSld>
     <p:spTree>
       <p:nvGrpSpPr>
-        <p:cNvPr id="304" name="Shape 304"/>
+        <p:cNvPr id="319" name="Shape 319"/>
         <p:cNvGrpSpPr/>
         <p:nvPr/>
       </p:nvGrpSpPr>
@@ -3917,7 +3917,7 @@
       </p:grpSpPr>
       <p:sp>
         <p:nvSpPr>
-          <p:cNvPr id="305" name="Google Shape;305;g3032be58fea_0_70:notes"/>
+          <p:cNvPr id="320" name="Google Shape;320;g3032be58fea_0_70:notes"/>
           <p:cNvSpPr/>
           <p:nvPr>
             <p:ph idx="2" type="sldImg"/>
@@ -3952,7 +3952,7 @@
       </p:sp>
       <p:sp>
         <p:nvSpPr>
-          <p:cNvPr id="306" name="Google Shape;306;g3032be58fea_0_70:notes"/>
+          <p:cNvPr id="321" name="Google Shape;321;g3032be58fea_0_70:notes"/>
           <p:cNvSpPr txBox="1"/>
           <p:nvPr>
             <p:ph idx="1" type="body"/>
@@ -4002,7 +4002,7 @@
   <p:cSld>
     <p:spTree>
       <p:nvGrpSpPr>
-        <p:cNvPr id="51" name="Shape 51"/>
+        <p:cNvPr id="66" name="Shape 66"/>
         <p:cNvGrpSpPr/>
         <p:nvPr/>
       </p:nvGrpSpPr>
@@ -4016,7 +4016,7 @@
       </p:grpSpPr>
       <p:sp>
         <p:nvSpPr>
-          <p:cNvPr id="52" name="Google Shape;52;g302d3e3f7de_0_4:notes"/>
+          <p:cNvPr id="67" name="Google Shape;67;g302d3e3f7de_0_4:notes"/>
           <p:cNvSpPr/>
           <p:nvPr>
             <p:ph idx="2" type="sldImg"/>
@@ -4051,7 +4051,7 @@
       </p:sp>
       <p:sp>
         <p:nvSpPr>
-          <p:cNvPr id="53" name="Google Shape;53;g302d3e3f7de_0_4:notes"/>
+          <p:cNvPr id="68" name="Google Shape;68;g302d3e3f7de_0_4:notes"/>
           <p:cNvSpPr txBox="1"/>
           <p:nvPr>
             <p:ph idx="1" type="body"/>
@@ -4101,7 +4101,7 @@
   <p:cSld>
     <p:spTree>
       <p:nvGrpSpPr>
-        <p:cNvPr id="312" name="Shape 312"/>
+        <p:cNvPr id="327" name="Shape 327"/>
         <p:cNvGrpSpPr/>
         <p:nvPr/>
       </p:nvGrpSpPr>
@@ -4115,7 +4115,7 @@
       </p:grpSpPr>
       <p:sp>
         <p:nvSpPr>
-          <p:cNvPr id="313" name="Google Shape;313;g314442235c3_0_4:notes"/>
+          <p:cNvPr id="328" name="Google Shape;328;g314442235c3_0_4:notes"/>
           <p:cNvSpPr/>
           <p:nvPr>
             <p:ph idx="2" type="sldImg"/>
@@ -4150,7 +4150,7 @@
       </p:sp>
       <p:sp>
         <p:nvSpPr>
-          <p:cNvPr id="314" name="Google Shape;314;g314442235c3_0_4:notes"/>
+          <p:cNvPr id="329" name="Google Shape;329;g314442235c3_0_4:notes"/>
           <p:cNvSpPr txBox="1"/>
           <p:nvPr>
             <p:ph idx="1" type="body"/>
@@ -4200,7 +4200,7 @@
   <p:cSld>
     <p:spTree>
       <p:nvGrpSpPr>
-        <p:cNvPr id="320" name="Shape 320"/>
+        <p:cNvPr id="335" name="Shape 335"/>
         <p:cNvGrpSpPr/>
         <p:nvPr/>
       </p:nvGrpSpPr>
@@ -4214,7 +4214,7 @@
       </p:grpSpPr>
       <p:sp>
         <p:nvSpPr>
-          <p:cNvPr id="321" name="Google Shape;321;g31393da5573_0_0:notes"/>
+          <p:cNvPr id="336" name="Google Shape;336;g31393da5573_0_0:notes"/>
           <p:cNvSpPr/>
           <p:nvPr>
             <p:ph idx="2" type="sldImg"/>
@@ -4249,7 +4249,7 @@
       </p:sp>
       <p:sp>
         <p:nvSpPr>
-          <p:cNvPr id="322" name="Google Shape;322;g31393da5573_0_0:notes"/>
+          <p:cNvPr id="337" name="Google Shape;337;g31393da5573_0_0:notes"/>
           <p:cNvSpPr txBox="1"/>
           <p:nvPr>
             <p:ph idx="1" type="body"/>
@@ -4299,7 +4299,7 @@
   <p:cSld>
     <p:spTree>
       <p:nvGrpSpPr>
-        <p:cNvPr id="325" name="Shape 325"/>
+        <p:cNvPr id="340" name="Shape 340"/>
         <p:cNvGrpSpPr/>
         <p:nvPr/>
       </p:nvGrpSpPr>
@@ -4313,7 +4313,7 @@
       </p:grpSpPr>
       <p:sp>
         <p:nvSpPr>
-          <p:cNvPr id="326" name="Google Shape;326;g2fe02fb2832_0_0:notes"/>
+          <p:cNvPr id="341" name="Google Shape;341;g2fe02fb2832_0_0:notes"/>
           <p:cNvSpPr/>
           <p:nvPr>
             <p:ph idx="2" type="sldImg"/>
@@ -4348,7 +4348,7 @@
       </p:sp>
       <p:sp>
         <p:nvSpPr>
-          <p:cNvPr id="327" name="Google Shape;327;g2fe02fb2832_0_0:notes"/>
+          <p:cNvPr id="342" name="Google Shape;342;g2fe02fb2832_0_0:notes"/>
           <p:cNvSpPr txBox="1"/>
           <p:nvPr>
             <p:ph idx="1" type="body"/>
@@ -4398,7 +4398,7 @@
   <p:cSld>
     <p:spTree>
       <p:nvGrpSpPr>
-        <p:cNvPr id="332" name="Shape 332"/>
+        <p:cNvPr id="347" name="Shape 347"/>
         <p:cNvGrpSpPr/>
         <p:nvPr/>
       </p:nvGrpSpPr>
@@ -4412,7 +4412,7 @@
       </p:grpSpPr>
       <p:sp>
         <p:nvSpPr>
-          <p:cNvPr id="333" name="Google Shape;333;g31393da5573_0_4:notes"/>
+          <p:cNvPr id="348" name="Google Shape;348;g31393da5573_0_4:notes"/>
           <p:cNvSpPr/>
           <p:nvPr>
             <p:ph idx="2" type="sldImg"/>
@@ -4447,7 +4447,7 @@
       </p:sp>
       <p:sp>
         <p:nvSpPr>
-          <p:cNvPr id="334" name="Google Shape;334;g31393da5573_0_4:notes"/>
+          <p:cNvPr id="349" name="Google Shape;349;g31393da5573_0_4:notes"/>
           <p:cNvSpPr txBox="1"/>
           <p:nvPr>
             <p:ph idx="1" type="body"/>
@@ -4497,7 +4497,7 @@
   <p:cSld>
     <p:spTree>
       <p:nvGrpSpPr>
-        <p:cNvPr id="339" name="Shape 339"/>
+        <p:cNvPr id="354" name="Shape 354"/>
         <p:cNvGrpSpPr/>
         <p:nvPr/>
       </p:nvGrpSpPr>
@@ -4511,7 +4511,7 @@
       </p:grpSpPr>
       <p:sp>
         <p:nvSpPr>
-          <p:cNvPr id="340" name="Google Shape;340;g239609b2c0c_0_42:notes"/>
+          <p:cNvPr id="355" name="Google Shape;355;g239609b2c0c_0_42:notes"/>
           <p:cNvSpPr/>
           <p:nvPr>
             <p:ph idx="2" type="sldImg"/>
@@ -4546,7 +4546,7 @@
       </p:sp>
       <p:sp>
         <p:nvSpPr>
-          <p:cNvPr id="341" name="Google Shape;341;g239609b2c0c_0_42:notes"/>
+          <p:cNvPr id="356" name="Google Shape;356;g239609b2c0c_0_42:notes"/>
           <p:cNvSpPr txBox="1"/>
           <p:nvPr>
             <p:ph idx="1" type="body"/>
@@ -4596,7 +4596,7 @@
   <p:cSld>
     <p:spTree>
       <p:nvGrpSpPr>
-        <p:cNvPr id="345" name="Shape 345"/>
+        <p:cNvPr id="360" name="Shape 360"/>
         <p:cNvGrpSpPr/>
         <p:nvPr/>
       </p:nvGrpSpPr>
@@ -4610,7 +4610,7 @@
       </p:grpSpPr>
       <p:sp>
         <p:nvSpPr>
-          <p:cNvPr id="346" name="Google Shape;346;g239609b2c0c_0_47:notes"/>
+          <p:cNvPr id="361" name="Google Shape;361;g239609b2c0c_0_47:notes"/>
           <p:cNvSpPr/>
           <p:nvPr>
             <p:ph idx="2" type="sldImg"/>
@@ -4645,7 +4645,7 @@
       </p:sp>
       <p:sp>
         <p:nvSpPr>
-          <p:cNvPr id="347" name="Google Shape;347;g239609b2c0c_0_47:notes"/>
+          <p:cNvPr id="362" name="Google Shape;362;g239609b2c0c_0_47:notes"/>
           <p:cNvSpPr txBox="1"/>
           <p:nvPr>
             <p:ph idx="1" type="body"/>
@@ -4695,7 +4695,7 @@
   <p:cSld>
     <p:spTree>
       <p:nvGrpSpPr>
-        <p:cNvPr id="58" name="Shape 58"/>
+        <p:cNvPr id="73" name="Shape 73"/>
         <p:cNvGrpSpPr/>
         <p:nvPr/>
       </p:nvGrpSpPr>
@@ -4709,7 +4709,7 @@
       </p:grpSpPr>
       <p:sp>
         <p:nvSpPr>
-          <p:cNvPr id="59" name="Google Shape;59;g302dc61f0cc_0_12:notes"/>
+          <p:cNvPr id="74" name="Google Shape;74;g302dc61f0cc_0_12:notes"/>
           <p:cNvSpPr/>
           <p:nvPr>
             <p:ph idx="2" type="sldImg"/>
@@ -4744,7 +4744,7 @@
       </p:sp>
       <p:sp>
         <p:nvSpPr>
-          <p:cNvPr id="60" name="Google Shape;60;g302dc61f0cc_0_12:notes"/>
+          <p:cNvPr id="75" name="Google Shape;75;g302dc61f0cc_0_12:notes"/>
           <p:cNvSpPr txBox="1"/>
           <p:nvPr>
             <p:ph idx="1" type="body"/>
@@ -4794,7 +4794,7 @@
   <p:cSld>
     <p:spTree>
       <p:nvGrpSpPr>
-        <p:cNvPr id="65" name="Shape 65"/>
+        <p:cNvPr id="80" name="Shape 80"/>
         <p:cNvGrpSpPr/>
         <p:nvPr/>
       </p:nvGrpSpPr>
@@ -4808,7 +4808,7 @@
       </p:grpSpPr>
       <p:sp>
         <p:nvSpPr>
-          <p:cNvPr id="66" name="Google Shape;66;g302dc61f0cc_0_17:notes"/>
+          <p:cNvPr id="81" name="Google Shape;81;g302dc61f0cc_0_17:notes"/>
           <p:cNvSpPr/>
           <p:nvPr>
             <p:ph idx="2" type="sldImg"/>
@@ -4843,7 +4843,7 @@
       </p:sp>
       <p:sp>
         <p:nvSpPr>
-          <p:cNvPr id="67" name="Google Shape;67;g302dc61f0cc_0_17:notes"/>
+          <p:cNvPr id="82" name="Google Shape;82;g302dc61f0cc_0_17:notes"/>
           <p:cNvSpPr txBox="1"/>
           <p:nvPr>
             <p:ph idx="1" type="body"/>
@@ -4893,7 +4893,7 @@
   <p:cSld>
     <p:spTree>
       <p:nvGrpSpPr>
-        <p:cNvPr id="72" name="Shape 72"/>
+        <p:cNvPr id="87" name="Shape 87"/>
         <p:cNvGrpSpPr/>
         <p:nvPr/>
       </p:nvGrpSpPr>
@@ -4907,7 +4907,7 @@
       </p:grpSpPr>
       <p:sp>
         <p:nvSpPr>
-          <p:cNvPr id="73" name="Google Shape;73;g302dc61f0cc_0_2:notes"/>
+          <p:cNvPr id="88" name="Google Shape;88;g302dc61f0cc_0_2:notes"/>
           <p:cNvSpPr/>
           <p:nvPr>
             <p:ph idx="2" type="sldImg"/>
@@ -4942,7 +4942,7 @@
       </p:sp>
       <p:sp>
         <p:nvSpPr>
-          <p:cNvPr id="74" name="Google Shape;74;g302dc61f0cc_0_2:notes"/>
+          <p:cNvPr id="89" name="Google Shape;89;g302dc61f0cc_0_2:notes"/>
           <p:cNvSpPr txBox="1"/>
           <p:nvPr>
             <p:ph idx="1" type="body"/>
@@ -4992,7 +4992,7 @@
   <p:cSld>
     <p:spTree>
       <p:nvGrpSpPr>
-        <p:cNvPr id="77" name="Shape 77"/>
+        <p:cNvPr id="92" name="Shape 92"/>
         <p:cNvGrpSpPr/>
         <p:nvPr/>
       </p:nvGrpSpPr>
@@ -5006,7 +5006,7 @@
       </p:grpSpPr>
       <p:sp>
         <p:nvSpPr>
-          <p:cNvPr id="78" name="Google Shape;78;g302dc61f0cc_0_6:notes"/>
+          <p:cNvPr id="93" name="Google Shape;93;g302dc61f0cc_0_6:notes"/>
           <p:cNvSpPr/>
           <p:nvPr>
             <p:ph idx="2" type="sldImg"/>
@@ -5041,7 +5041,7 @@
       </p:sp>
       <p:sp>
         <p:nvSpPr>
-          <p:cNvPr id="79" name="Google Shape;79;g302dc61f0cc_0_6:notes"/>
+          <p:cNvPr id="94" name="Google Shape;94;g302dc61f0cc_0_6:notes"/>
           <p:cNvSpPr txBox="1"/>
           <p:nvPr>
             <p:ph idx="1" type="body"/>
@@ -5091,7 +5091,7 @@
   <p:cSld>
     <p:spTree>
       <p:nvGrpSpPr>
-        <p:cNvPr id="85" name="Shape 85"/>
+        <p:cNvPr id="100" name="Shape 100"/>
         <p:cNvGrpSpPr/>
         <p:nvPr/>
       </p:nvGrpSpPr>
@@ -5105,7 +5105,7 @@
       </p:grpSpPr>
       <p:sp>
         <p:nvSpPr>
-          <p:cNvPr id="86" name="Google Shape;86;g302dc61f0cc_0_41:notes"/>
+          <p:cNvPr id="101" name="Google Shape;101;g302dc61f0cc_0_41:notes"/>
           <p:cNvSpPr/>
           <p:nvPr>
             <p:ph idx="2" type="sldImg"/>
@@ -5140,7 +5140,7 @@
       </p:sp>
       <p:sp>
         <p:nvSpPr>
-          <p:cNvPr id="87" name="Google Shape;87;g302dc61f0cc_0_41:notes"/>
+          <p:cNvPr id="102" name="Google Shape;102;g302dc61f0cc_0_41:notes"/>
           <p:cNvSpPr txBox="1"/>
           <p:nvPr>
             <p:ph idx="1" type="body"/>
@@ -5487,49 +5487,150 @@
           <a:p/>
         </p:txBody>
       </p:sp>
-      <p:sp>
-        <p:nvSpPr>
+      <p:grpSp>
+        <p:nvGrpSpPr>
           <p:cNvPr id="12" name="Google Shape;12;p2"/>
-          <p:cNvSpPr/>
+          <p:cNvGrpSpPr/>
           <p:nvPr/>
-        </p:nvSpPr>
-        <p:spPr>
+        </p:nvGrpSpPr>
+        <p:grpSpPr>
           <a:xfrm>
             <a:off x="0" y="2388810"/>
             <a:ext cx="9144000" cy="183000"/>
+            <a:chOff x="0" y="2388810"/>
+            <a:chExt cx="9144000" cy="183000"/>
           </a:xfrm>
-          <a:prstGeom prst="rect">
-            <a:avLst/>
-          </a:prstGeom>
-          <a:solidFill>
-            <a:schemeClr val="accent4"/>
-          </a:solidFill>
-          <a:ln>
-            <a:noFill/>
-          </a:ln>
-        </p:spPr>
-        <p:txBody>
-          <a:bodyPr anchorCtr="0" anchor="ctr" bIns="91425" lIns="91425" spcFirstLastPara="1" rIns="91425" wrap="square" tIns="91425">
-            <a:noAutofit/>
-          </a:bodyPr>
-          <a:lstStyle/>
-          <a:p>
-            <a:pPr indent="0" lvl="0" marL="0" rtl="0" algn="l">
-              <a:spcBef>
-                <a:spcPts val="0"/>
-              </a:spcBef>
-              <a:spcAft>
-                <a:spcPts val="0"/>
-              </a:spcAft>
-              <a:buNone/>
-            </a:pPr>
-            <a:r>
-              <a:t/>
-            </a:r>
-            <a:endParaRPr/>
-          </a:p>
-        </p:txBody>
-      </p:sp>
+        </p:grpSpPr>
+        <p:sp>
+          <p:nvSpPr>
+            <p:cNvPr id="13" name="Google Shape;13;p2"/>
+            <p:cNvSpPr/>
+            <p:nvPr/>
+          </p:nvSpPr>
+          <p:spPr>
+            <a:xfrm>
+              <a:off x="0" y="2388810"/>
+              <a:ext cx="914400" cy="183000"/>
+            </a:xfrm>
+            <a:prstGeom prst="rect">
+              <a:avLst/>
+            </a:prstGeom>
+            <a:solidFill>
+              <a:schemeClr val="accent2"/>
+            </a:solidFill>
+            <a:ln>
+              <a:noFill/>
+            </a:ln>
+          </p:spPr>
+          <p:txBody>
+            <a:bodyPr anchorCtr="0" anchor="ctr" bIns="91425" lIns="91425" spcFirstLastPara="1" rIns="91425" wrap="square" tIns="91425">
+              <a:noAutofit/>
+            </a:bodyPr>
+            <a:lstStyle/>
+            <a:p>
+              <a:pPr indent="0" lvl="0" marL="0" rtl="0" algn="l">
+                <a:spcBef>
+                  <a:spcPts val="0"/>
+                </a:spcBef>
+                <a:spcAft>
+                  <a:spcPts val="0"/>
+                </a:spcAft>
+                <a:buNone/>
+              </a:pPr>
+              <a:r>
+                <a:t/>
+              </a:r>
+              <a:endParaRPr/>
+            </a:p>
+          </p:txBody>
+        </p:sp>
+        <p:sp>
+          <p:nvSpPr>
+            <p:cNvPr id="14" name="Google Shape;14;p2"/>
+            <p:cNvSpPr/>
+            <p:nvPr/>
+          </p:nvSpPr>
+          <p:spPr>
+            <a:xfrm>
+              <a:off x="914400" y="2388810"/>
+              <a:ext cx="1828800" cy="183000"/>
+            </a:xfrm>
+            <a:prstGeom prst="rect">
+              <a:avLst/>
+            </a:prstGeom>
+            <a:solidFill>
+              <a:schemeClr val="accent3"/>
+            </a:solidFill>
+            <a:ln>
+              <a:noFill/>
+            </a:ln>
+          </p:spPr>
+          <p:txBody>
+            <a:bodyPr anchorCtr="0" anchor="ctr" bIns="91425" lIns="91425" spcFirstLastPara="1" rIns="91425" wrap="square" tIns="91425">
+              <a:noAutofit/>
+            </a:bodyPr>
+            <a:lstStyle/>
+            <a:p>
+              <a:pPr indent="0" lvl="0" marL="0" rtl="0" algn="l">
+                <a:spcBef>
+                  <a:spcPts val="0"/>
+                </a:spcBef>
+                <a:spcAft>
+                  <a:spcPts val="0"/>
+                </a:spcAft>
+                <a:buNone/>
+              </a:pPr>
+              <a:r>
+                <a:t/>
+              </a:r>
+              <a:endParaRPr/>
+            </a:p>
+          </p:txBody>
+        </p:sp>
+        <p:sp>
+          <p:nvSpPr>
+            <p:cNvPr id="15" name="Google Shape;15;p2"/>
+            <p:cNvSpPr/>
+            <p:nvPr/>
+          </p:nvSpPr>
+          <p:spPr>
+            <a:xfrm>
+              <a:off x="2743200" y="2388810"/>
+              <a:ext cx="6400800" cy="183000"/>
+            </a:xfrm>
+            <a:prstGeom prst="rect">
+              <a:avLst/>
+            </a:prstGeom>
+            <a:solidFill>
+              <a:schemeClr val="accent4"/>
+            </a:solidFill>
+            <a:ln>
+              <a:noFill/>
+            </a:ln>
+          </p:spPr>
+          <p:txBody>
+            <a:bodyPr anchorCtr="0" anchor="ctr" bIns="91425" lIns="91425" spcFirstLastPara="1" rIns="91425" wrap="square" tIns="91425">
+              <a:noAutofit/>
+            </a:bodyPr>
+            <a:lstStyle/>
+            <a:p>
+              <a:pPr indent="0" lvl="0" marL="0" rtl="0" algn="l">
+                <a:spcBef>
+                  <a:spcPts val="0"/>
+                </a:spcBef>
+                <a:spcAft>
+                  <a:spcPts val="0"/>
+                </a:spcAft>
+                <a:buNone/>
+              </a:pPr>
+              <a:r>
+                <a:t/>
+              </a:r>
+              <a:endParaRPr/>
+            </a:p>
+          </p:txBody>
+        </p:sp>
+      </p:grpSp>
     </p:spTree>
   </p:cSld>
   <p:clrMapOvr>
@@ -5543,7 +5644,7 @@
   <p:cSld name="SECTION_HEADER">
     <p:spTree>
       <p:nvGrpSpPr>
-        <p:cNvPr id="13" name="Shape 13"/>
+        <p:cNvPr id="16" name="Shape 16"/>
         <p:cNvGrpSpPr/>
         <p:nvPr/>
       </p:nvGrpSpPr>
@@ -5557,7 +5658,7 @@
       </p:grpSpPr>
       <p:sp>
         <p:nvSpPr>
-          <p:cNvPr id="14" name="Google Shape;14;p3"/>
+          <p:cNvPr id="17" name="Google Shape;17;p3"/>
           <p:cNvSpPr txBox="1"/>
           <p:nvPr>
             <p:ph type="title"/>
@@ -5680,49 +5781,150 @@
           <a:p/>
         </p:txBody>
       </p:sp>
-      <p:sp>
-        <p:nvSpPr>
-          <p:cNvPr id="15" name="Google Shape;15;p3"/>
-          <p:cNvSpPr/>
+      <p:grpSp>
+        <p:nvGrpSpPr>
+          <p:cNvPr id="18" name="Google Shape;18;p3"/>
+          <p:cNvGrpSpPr/>
           <p:nvPr/>
-        </p:nvSpPr>
-        <p:spPr>
+        </p:nvGrpSpPr>
+        <p:grpSpPr>
           <a:xfrm>
-            <a:off x="0" y="2386584"/>
+            <a:off x="0" y="2432304"/>
             <a:ext cx="9144000" cy="91500"/>
+            <a:chOff x="0" y="2386584"/>
+            <a:chExt cx="9144000" cy="91500"/>
           </a:xfrm>
-          <a:prstGeom prst="rect">
-            <a:avLst/>
-          </a:prstGeom>
-          <a:solidFill>
-            <a:schemeClr val="accent4"/>
-          </a:solidFill>
-          <a:ln>
-            <a:noFill/>
-          </a:ln>
-        </p:spPr>
-        <p:txBody>
-          <a:bodyPr anchorCtr="0" anchor="ctr" bIns="91425" lIns="91425" spcFirstLastPara="1" rIns="91425" wrap="square" tIns="91425">
-            <a:noAutofit/>
-          </a:bodyPr>
-          <a:lstStyle/>
-          <a:p>
-            <a:pPr indent="0" lvl="0" marL="0" rtl="0" algn="l">
-              <a:spcBef>
-                <a:spcPts val="0"/>
-              </a:spcBef>
-              <a:spcAft>
-                <a:spcPts val="0"/>
-              </a:spcAft>
-              <a:buNone/>
-            </a:pPr>
-            <a:r>
-              <a:t/>
-            </a:r>
-            <a:endParaRPr/>
-          </a:p>
-        </p:txBody>
-      </p:sp>
+        </p:grpSpPr>
+        <p:sp>
+          <p:nvSpPr>
+            <p:cNvPr id="19" name="Google Shape;19;p3"/>
+            <p:cNvSpPr/>
+            <p:nvPr/>
+          </p:nvSpPr>
+          <p:spPr>
+            <a:xfrm>
+              <a:off x="0" y="2386584"/>
+              <a:ext cx="914400" cy="91500"/>
+            </a:xfrm>
+            <a:prstGeom prst="rect">
+              <a:avLst/>
+            </a:prstGeom>
+            <a:solidFill>
+              <a:schemeClr val="accent2"/>
+            </a:solidFill>
+            <a:ln>
+              <a:noFill/>
+            </a:ln>
+          </p:spPr>
+          <p:txBody>
+            <a:bodyPr anchorCtr="0" anchor="ctr" bIns="91425" lIns="91425" spcFirstLastPara="1" rIns="91425" wrap="square" tIns="91425">
+              <a:noAutofit/>
+            </a:bodyPr>
+            <a:lstStyle/>
+            <a:p>
+              <a:pPr indent="0" lvl="0" marL="0" rtl="0" algn="l">
+                <a:spcBef>
+                  <a:spcPts val="0"/>
+                </a:spcBef>
+                <a:spcAft>
+                  <a:spcPts val="0"/>
+                </a:spcAft>
+                <a:buNone/>
+              </a:pPr>
+              <a:r>
+                <a:t/>
+              </a:r>
+              <a:endParaRPr/>
+            </a:p>
+          </p:txBody>
+        </p:sp>
+        <p:sp>
+          <p:nvSpPr>
+            <p:cNvPr id="20" name="Google Shape;20;p3"/>
+            <p:cNvSpPr/>
+            <p:nvPr/>
+          </p:nvSpPr>
+          <p:spPr>
+            <a:xfrm>
+              <a:off x="914400" y="2386584"/>
+              <a:ext cx="1828800" cy="91500"/>
+            </a:xfrm>
+            <a:prstGeom prst="rect">
+              <a:avLst/>
+            </a:prstGeom>
+            <a:solidFill>
+              <a:schemeClr val="accent3"/>
+            </a:solidFill>
+            <a:ln>
+              <a:noFill/>
+            </a:ln>
+          </p:spPr>
+          <p:txBody>
+            <a:bodyPr anchorCtr="0" anchor="ctr" bIns="91425" lIns="91425" spcFirstLastPara="1" rIns="91425" wrap="square" tIns="91425">
+              <a:noAutofit/>
+            </a:bodyPr>
+            <a:lstStyle/>
+            <a:p>
+              <a:pPr indent="0" lvl="0" marL="0" rtl="0" algn="l">
+                <a:spcBef>
+                  <a:spcPts val="0"/>
+                </a:spcBef>
+                <a:spcAft>
+                  <a:spcPts val="0"/>
+                </a:spcAft>
+                <a:buNone/>
+              </a:pPr>
+              <a:r>
+                <a:t/>
+              </a:r>
+              <a:endParaRPr/>
+            </a:p>
+          </p:txBody>
+        </p:sp>
+        <p:sp>
+          <p:nvSpPr>
+            <p:cNvPr id="21" name="Google Shape;21;p3"/>
+            <p:cNvSpPr/>
+            <p:nvPr/>
+          </p:nvSpPr>
+          <p:spPr>
+            <a:xfrm>
+              <a:off x="2743200" y="2386584"/>
+              <a:ext cx="6400800" cy="91500"/>
+            </a:xfrm>
+            <a:prstGeom prst="rect">
+              <a:avLst/>
+            </a:prstGeom>
+            <a:solidFill>
+              <a:schemeClr val="accent4"/>
+            </a:solidFill>
+            <a:ln>
+              <a:noFill/>
+            </a:ln>
+          </p:spPr>
+          <p:txBody>
+            <a:bodyPr anchorCtr="0" anchor="ctr" bIns="91425" lIns="91425" spcFirstLastPara="1" rIns="91425" wrap="square" tIns="91425">
+              <a:noAutofit/>
+            </a:bodyPr>
+            <a:lstStyle/>
+            <a:p>
+              <a:pPr indent="0" lvl="0" marL="0" rtl="0" algn="l">
+                <a:spcBef>
+                  <a:spcPts val="0"/>
+                </a:spcBef>
+                <a:spcAft>
+                  <a:spcPts val="0"/>
+                </a:spcAft>
+                <a:buNone/>
+              </a:pPr>
+              <a:r>
+                <a:t/>
+              </a:r>
+              <a:endParaRPr/>
+            </a:p>
+          </p:txBody>
+        </p:sp>
+      </p:grpSp>
     </p:spTree>
   </p:cSld>
   <p:clrMapOvr>
@@ -5736,7 +5938,7 @@
   <p:cSld name="TITLE_AND_BODY">
     <p:spTree>
       <p:nvGrpSpPr>
-        <p:cNvPr id="16" name="Shape 16"/>
+        <p:cNvPr id="22" name="Shape 22"/>
         <p:cNvGrpSpPr/>
         <p:nvPr/>
       </p:nvGrpSpPr>
@@ -5750,7 +5952,7 @@
       </p:grpSpPr>
       <p:sp>
         <p:nvSpPr>
-          <p:cNvPr id="17" name="Google Shape;17;p4"/>
+          <p:cNvPr id="23" name="Google Shape;23;p4"/>
           <p:cNvSpPr txBox="1"/>
           <p:nvPr>
             <p:ph type="title"/>
@@ -5875,7 +6077,7 @@
       </p:sp>
       <p:sp>
         <p:nvSpPr>
-          <p:cNvPr id="18" name="Google Shape;18;p4"/>
+          <p:cNvPr id="24" name="Google Shape;24;p4"/>
           <p:cNvSpPr txBox="1"/>
           <p:nvPr>
             <p:ph idx="1" type="body"/>
@@ -6000,50 +6202,7 @@
       </p:sp>
       <p:sp>
         <p:nvSpPr>
-          <p:cNvPr id="19" name="Google Shape;19;p4"/>
-          <p:cNvSpPr/>
-          <p:nvPr/>
-        </p:nvSpPr>
-        <p:spPr>
-          <a:xfrm>
-            <a:off x="0" y="685800"/>
-            <a:ext cx="9144000" cy="91500"/>
-          </a:xfrm>
-          <a:prstGeom prst="rect">
-            <a:avLst/>
-          </a:prstGeom>
-          <a:solidFill>
-            <a:schemeClr val="accent4"/>
-          </a:solidFill>
-          <a:ln>
-            <a:noFill/>
-          </a:ln>
-        </p:spPr>
-        <p:txBody>
-          <a:bodyPr anchorCtr="0" anchor="ctr" bIns="91425" lIns="91425" spcFirstLastPara="1" rIns="91425" wrap="square" tIns="91425">
-            <a:noAutofit/>
-          </a:bodyPr>
-          <a:lstStyle/>
-          <a:p>
-            <a:pPr indent="0" lvl="0" marL="0" rtl="0" algn="l">
-              <a:spcBef>
-                <a:spcPts val="0"/>
-              </a:spcBef>
-              <a:spcAft>
-                <a:spcPts val="0"/>
-              </a:spcAft>
-              <a:buNone/>
-            </a:pPr>
-            <a:r>
-              <a:t/>
-            </a:r>
-            <a:endParaRPr/>
-          </a:p>
-        </p:txBody>
-      </p:sp>
-      <p:sp>
-        <p:nvSpPr>
-          <p:cNvPr id="20" name="Google Shape;20;p4"/>
+          <p:cNvPr id="25" name="Google Shape;25;p4"/>
           <p:cNvSpPr txBox="1"/>
           <p:nvPr>
             <p:ph idx="12" type="sldNum"/>
@@ -6051,8 +6210,8 @@
         </p:nvSpPr>
         <p:spPr>
           <a:xfrm>
-            <a:off x="7315209" y="4229101"/>
-            <a:ext cx="1828800" cy="914400"/>
+            <a:off x="7315202" y="4416550"/>
+            <a:ext cx="1828800" cy="731400"/>
           </a:xfrm>
           <a:prstGeom prst="rect">
             <a:avLst/>
@@ -6063,73 +6222,73 @@
             <a:noAutofit/>
           </a:bodyPr>
           <a:lstStyle>
-            <a:lvl1pPr lvl="0" rtl="0" algn="r">
-              <a:buNone/>
-              <a:defRPr b="1" sz="2400">
+            <a:lvl1pPr lvl="0" rtl="0">
+              <a:buNone/>
+              <a:defRPr>
                 <a:solidFill>
                   <a:schemeClr val="dk1"/>
                 </a:solidFill>
               </a:defRPr>
             </a:lvl1pPr>
-            <a:lvl2pPr lvl="1" rtl="0" algn="r">
-              <a:buNone/>
-              <a:defRPr b="1" sz="2400">
+            <a:lvl2pPr lvl="1" rtl="0">
+              <a:buNone/>
+              <a:defRPr>
                 <a:solidFill>
                   <a:schemeClr val="dk1"/>
                 </a:solidFill>
               </a:defRPr>
             </a:lvl2pPr>
-            <a:lvl3pPr lvl="2" rtl="0" algn="r">
-              <a:buNone/>
-              <a:defRPr b="1" sz="2400">
+            <a:lvl3pPr lvl="2" rtl="0">
+              <a:buNone/>
+              <a:defRPr>
                 <a:solidFill>
                   <a:schemeClr val="dk1"/>
                 </a:solidFill>
               </a:defRPr>
             </a:lvl3pPr>
-            <a:lvl4pPr lvl="3" rtl="0" algn="r">
-              <a:buNone/>
-              <a:defRPr b="1" sz="2400">
+            <a:lvl4pPr lvl="3" rtl="0">
+              <a:buNone/>
+              <a:defRPr>
                 <a:solidFill>
                   <a:schemeClr val="dk1"/>
                 </a:solidFill>
               </a:defRPr>
             </a:lvl4pPr>
-            <a:lvl5pPr lvl="4" rtl="0" algn="r">
-              <a:buNone/>
-              <a:defRPr b="1" sz="2400">
+            <a:lvl5pPr lvl="4" rtl="0">
+              <a:buNone/>
+              <a:defRPr>
                 <a:solidFill>
                   <a:schemeClr val="dk1"/>
                 </a:solidFill>
               </a:defRPr>
             </a:lvl5pPr>
-            <a:lvl6pPr lvl="5" rtl="0" algn="r">
-              <a:buNone/>
-              <a:defRPr b="1" sz="2400">
+            <a:lvl6pPr lvl="5" rtl="0">
+              <a:buNone/>
+              <a:defRPr>
                 <a:solidFill>
                   <a:schemeClr val="dk1"/>
                 </a:solidFill>
               </a:defRPr>
             </a:lvl6pPr>
-            <a:lvl7pPr lvl="6" rtl="0" algn="r">
-              <a:buNone/>
-              <a:defRPr b="1" sz="2400">
+            <a:lvl7pPr lvl="6" rtl="0">
+              <a:buNone/>
+              <a:defRPr>
                 <a:solidFill>
                   <a:schemeClr val="dk1"/>
                 </a:solidFill>
               </a:defRPr>
             </a:lvl7pPr>
-            <a:lvl8pPr lvl="7" rtl="0" algn="r">
-              <a:buNone/>
-              <a:defRPr b="1" sz="2400">
+            <a:lvl8pPr lvl="7" rtl="0">
+              <a:buNone/>
+              <a:defRPr>
                 <a:solidFill>
                   <a:schemeClr val="dk1"/>
                 </a:solidFill>
               </a:defRPr>
             </a:lvl8pPr>
-            <a:lvl9pPr lvl="8" rtl="0" algn="r">
-              <a:buNone/>
-              <a:defRPr b="1" sz="2400">
+            <a:lvl9pPr lvl="8" rtl="0">
+              <a:buNone/>
+              <a:defRPr>
                 <a:solidFill>
                   <a:schemeClr val="dk1"/>
                 </a:solidFill>
@@ -6160,26 +6319,177 @@
               <a:spcAft>
                 <a:spcPts val="0"/>
               </a:spcAft>
-              <a:buClr>
-                <a:schemeClr val="dk1"/>
-              </a:buClr>
-              <a:buSzPts val="1100"/>
-              <a:buFont typeface="Arial"/>
-              <a:buNone/>
-            </a:pPr>
-            <a:r>
-              <a:rPr b="0" lang="en" sz="1000" u="sng">
+              <a:buNone/>
+            </a:pPr>
+            <a:r>
+              <a:rPr b="0" lang="en" sz="900" u="sng">
                 <a:solidFill>
                   <a:schemeClr val="hlink"/>
                 </a:solidFill>
                 <a:hlinkClick r:id="rId2"/>
               </a:rPr>
-              <a:t>https://profriehle.com</a:t>
-            </a:r>
-            <a:endParaRPr b="0" sz="1000"/>
+              <a:t>https://oss.cs.fau.de</a:t>
+            </a:r>
+            <a:r>
+              <a:rPr b="0" lang="en" sz="900">
+                <a:solidFill>
+                  <a:schemeClr val="dk2"/>
+                </a:solidFill>
+              </a:rPr>
+              <a:t> </a:t>
+            </a:r>
+            <a:endParaRPr b="0" sz="900">
+              <a:solidFill>
+                <a:schemeClr val="dk2"/>
+              </a:solidFill>
+            </a:endParaRPr>
           </a:p>
         </p:txBody>
       </p:sp>
+      <p:grpSp>
+        <p:nvGrpSpPr>
+          <p:cNvPr id="26" name="Google Shape;26;p4"/>
+          <p:cNvGrpSpPr/>
+          <p:nvPr/>
+        </p:nvGrpSpPr>
+        <p:grpSpPr>
+          <a:xfrm>
+            <a:off x="0" y="685800"/>
+            <a:ext cx="9144000" cy="91500"/>
+            <a:chOff x="0" y="2386584"/>
+            <a:chExt cx="9144000" cy="91500"/>
+          </a:xfrm>
+        </p:grpSpPr>
+        <p:sp>
+          <p:nvSpPr>
+            <p:cNvPr id="27" name="Google Shape;27;p4"/>
+            <p:cNvSpPr/>
+            <p:nvPr/>
+          </p:nvSpPr>
+          <p:spPr>
+            <a:xfrm>
+              <a:off x="0" y="2386584"/>
+              <a:ext cx="914400" cy="91500"/>
+            </a:xfrm>
+            <a:prstGeom prst="rect">
+              <a:avLst/>
+            </a:prstGeom>
+            <a:solidFill>
+              <a:schemeClr val="accent2"/>
+            </a:solidFill>
+            <a:ln>
+              <a:noFill/>
+            </a:ln>
+          </p:spPr>
+          <p:txBody>
+            <a:bodyPr anchorCtr="0" anchor="ctr" bIns="91425" lIns="91425" spcFirstLastPara="1" rIns="91425" wrap="square" tIns="91425">
+              <a:noAutofit/>
+            </a:bodyPr>
+            <a:lstStyle/>
+            <a:p>
+              <a:pPr indent="0" lvl="0" marL="0" rtl="0" algn="l">
+                <a:spcBef>
+                  <a:spcPts val="0"/>
+                </a:spcBef>
+                <a:spcAft>
+                  <a:spcPts val="0"/>
+                </a:spcAft>
+                <a:buNone/>
+              </a:pPr>
+              <a:r>
+                <a:t/>
+              </a:r>
+              <a:endParaRPr/>
+            </a:p>
+          </p:txBody>
+        </p:sp>
+        <p:sp>
+          <p:nvSpPr>
+            <p:cNvPr id="28" name="Google Shape;28;p4"/>
+            <p:cNvSpPr/>
+            <p:nvPr/>
+          </p:nvSpPr>
+          <p:spPr>
+            <a:xfrm>
+              <a:off x="914400" y="2386584"/>
+              <a:ext cx="1828800" cy="91500"/>
+            </a:xfrm>
+            <a:prstGeom prst="rect">
+              <a:avLst/>
+            </a:prstGeom>
+            <a:solidFill>
+              <a:schemeClr val="accent3"/>
+            </a:solidFill>
+            <a:ln>
+              <a:noFill/>
+            </a:ln>
+          </p:spPr>
+          <p:txBody>
+            <a:bodyPr anchorCtr="0" anchor="ctr" bIns="91425" lIns="91425" spcFirstLastPara="1" rIns="91425" wrap="square" tIns="91425">
+              <a:noAutofit/>
+            </a:bodyPr>
+            <a:lstStyle/>
+            <a:p>
+              <a:pPr indent="0" lvl="0" marL="0" rtl="0" algn="l">
+                <a:spcBef>
+                  <a:spcPts val="0"/>
+                </a:spcBef>
+                <a:spcAft>
+                  <a:spcPts val="0"/>
+                </a:spcAft>
+                <a:buNone/>
+              </a:pPr>
+              <a:r>
+                <a:t/>
+              </a:r>
+              <a:endParaRPr/>
+            </a:p>
+          </p:txBody>
+        </p:sp>
+        <p:sp>
+          <p:nvSpPr>
+            <p:cNvPr id="29" name="Google Shape;29;p4"/>
+            <p:cNvSpPr/>
+            <p:nvPr/>
+          </p:nvSpPr>
+          <p:spPr>
+            <a:xfrm>
+              <a:off x="2743200" y="2386584"/>
+              <a:ext cx="6400800" cy="91500"/>
+            </a:xfrm>
+            <a:prstGeom prst="rect">
+              <a:avLst/>
+            </a:prstGeom>
+            <a:solidFill>
+              <a:schemeClr val="accent4"/>
+            </a:solidFill>
+            <a:ln>
+              <a:noFill/>
+            </a:ln>
+          </p:spPr>
+          <p:txBody>
+            <a:bodyPr anchorCtr="0" anchor="ctr" bIns="91425" lIns="91425" spcFirstLastPara="1" rIns="91425" wrap="square" tIns="91425">
+              <a:noAutofit/>
+            </a:bodyPr>
+            <a:lstStyle/>
+            <a:p>
+              <a:pPr indent="0" lvl="0" marL="0" rtl="0" algn="l">
+                <a:spcBef>
+                  <a:spcPts val="0"/>
+                </a:spcBef>
+                <a:spcAft>
+                  <a:spcPts val="0"/>
+                </a:spcAft>
+                <a:buNone/>
+              </a:pPr>
+              <a:r>
+                <a:t/>
+              </a:r>
+              <a:endParaRPr/>
+            </a:p>
+          </p:txBody>
+        </p:sp>
+      </p:grpSp>
     </p:spTree>
   </p:cSld>
   <p:clrMapOvr>
@@ -6193,7 +6503,7 @@
   <p:cSld name="TITLE_AND_TWO_COLUMNS">
     <p:spTree>
       <p:nvGrpSpPr>
-        <p:cNvPr id="21" name="Shape 21"/>
+        <p:cNvPr id="30" name="Shape 30"/>
         <p:cNvGrpSpPr/>
         <p:nvPr/>
       </p:nvGrpSpPr>
@@ -6207,7 +6517,7 @@
       </p:grpSpPr>
       <p:sp>
         <p:nvSpPr>
-          <p:cNvPr id="22" name="Google Shape;22;p5"/>
+          <p:cNvPr id="31" name="Google Shape;31;p5"/>
           <p:cNvSpPr txBox="1"/>
           <p:nvPr>
             <p:ph type="title"/>
@@ -6335,7 +6645,7 @@
       </p:sp>
       <p:sp>
         <p:nvSpPr>
-          <p:cNvPr id="23" name="Google Shape;23;p5"/>
+          <p:cNvPr id="32" name="Google Shape;32;p5"/>
           <p:cNvSpPr txBox="1"/>
           <p:nvPr>
             <p:ph idx="1" type="body"/>
@@ -6460,7 +6770,7 @@
       </p:sp>
       <p:sp>
         <p:nvSpPr>
-          <p:cNvPr id="24" name="Google Shape;24;p5"/>
+          <p:cNvPr id="33" name="Google Shape;33;p5"/>
           <p:cNvSpPr txBox="1"/>
           <p:nvPr>
             <p:ph idx="2" type="body"/>
@@ -6585,50 +6895,7 @@
       </p:sp>
       <p:sp>
         <p:nvSpPr>
-          <p:cNvPr id="25" name="Google Shape;25;p5"/>
-          <p:cNvSpPr/>
-          <p:nvPr/>
-        </p:nvSpPr>
-        <p:spPr>
-          <a:xfrm>
-            <a:off x="0" y="685800"/>
-            <a:ext cx="9144000" cy="91500"/>
-          </a:xfrm>
-          <a:prstGeom prst="rect">
-            <a:avLst/>
-          </a:prstGeom>
-          <a:solidFill>
-            <a:schemeClr val="accent4"/>
-          </a:solidFill>
-          <a:ln>
-            <a:noFill/>
-          </a:ln>
-        </p:spPr>
-        <p:txBody>
-          <a:bodyPr anchorCtr="0" anchor="ctr" bIns="91425" lIns="91425" spcFirstLastPara="1" rIns="91425" wrap="square" tIns="91425">
-            <a:noAutofit/>
-          </a:bodyPr>
-          <a:lstStyle/>
-          <a:p>
-            <a:pPr indent="0" lvl="0" marL="0" rtl="0" algn="l">
-              <a:spcBef>
-                <a:spcPts val="0"/>
-              </a:spcBef>
-              <a:spcAft>
-                <a:spcPts val="0"/>
-              </a:spcAft>
-              <a:buNone/>
-            </a:pPr>
-            <a:r>
-              <a:t/>
-            </a:r>
-            <a:endParaRPr/>
-          </a:p>
-        </p:txBody>
-      </p:sp>
-      <p:sp>
-        <p:nvSpPr>
-          <p:cNvPr id="26" name="Google Shape;26;p5"/>
+          <p:cNvPr id="34" name="Google Shape;34;p5"/>
           <p:cNvSpPr txBox="1"/>
           <p:nvPr>
             <p:ph idx="12" type="sldNum"/>
@@ -6636,8 +6903,8 @@
         </p:nvSpPr>
         <p:spPr>
           <a:xfrm>
-            <a:off x="7315209" y="4229101"/>
-            <a:ext cx="1828800" cy="914400"/>
+            <a:off x="7315202" y="4416550"/>
+            <a:ext cx="1828800" cy="731400"/>
           </a:xfrm>
           <a:prstGeom prst="rect">
             <a:avLst/>
@@ -6648,73 +6915,73 @@
             <a:noAutofit/>
           </a:bodyPr>
           <a:lstStyle>
-            <a:lvl1pPr lvl="0" rtl="0" algn="r">
-              <a:buNone/>
-              <a:defRPr b="1" sz="2400">
+            <a:lvl1pPr lvl="0">
+              <a:buNone/>
+              <a:defRPr>
                 <a:solidFill>
                   <a:schemeClr val="dk1"/>
                 </a:solidFill>
               </a:defRPr>
             </a:lvl1pPr>
-            <a:lvl2pPr lvl="1" rtl="0" algn="r">
-              <a:buNone/>
-              <a:defRPr b="1" sz="2400">
+            <a:lvl2pPr lvl="1">
+              <a:buNone/>
+              <a:defRPr>
                 <a:solidFill>
                   <a:schemeClr val="dk1"/>
                 </a:solidFill>
               </a:defRPr>
             </a:lvl2pPr>
-            <a:lvl3pPr lvl="2" rtl="0" algn="r">
-              <a:buNone/>
-              <a:defRPr b="1" sz="2400">
+            <a:lvl3pPr lvl="2">
+              <a:buNone/>
+              <a:defRPr>
                 <a:solidFill>
                   <a:schemeClr val="dk1"/>
                 </a:solidFill>
               </a:defRPr>
             </a:lvl3pPr>
-            <a:lvl4pPr lvl="3" rtl="0" algn="r">
-              <a:buNone/>
-              <a:defRPr b="1" sz="2400">
+            <a:lvl4pPr lvl="3">
+              <a:buNone/>
+              <a:defRPr>
                 <a:solidFill>
                   <a:schemeClr val="dk1"/>
                 </a:solidFill>
               </a:defRPr>
             </a:lvl4pPr>
-            <a:lvl5pPr lvl="4" rtl="0" algn="r">
-              <a:buNone/>
-              <a:defRPr b="1" sz="2400">
+            <a:lvl5pPr lvl="4">
+              <a:buNone/>
+              <a:defRPr>
                 <a:solidFill>
                   <a:schemeClr val="dk1"/>
                 </a:solidFill>
               </a:defRPr>
             </a:lvl5pPr>
-            <a:lvl6pPr lvl="5" rtl="0" algn="r">
-              <a:buNone/>
-              <a:defRPr b="1" sz="2400">
+            <a:lvl6pPr lvl="5">
+              <a:buNone/>
+              <a:defRPr>
                 <a:solidFill>
                   <a:schemeClr val="dk1"/>
                 </a:solidFill>
               </a:defRPr>
             </a:lvl6pPr>
-            <a:lvl7pPr lvl="6" rtl="0" algn="r">
-              <a:buNone/>
-              <a:defRPr b="1" sz="2400">
+            <a:lvl7pPr lvl="6">
+              <a:buNone/>
+              <a:defRPr>
                 <a:solidFill>
                   <a:schemeClr val="dk1"/>
                 </a:solidFill>
               </a:defRPr>
             </a:lvl7pPr>
-            <a:lvl8pPr lvl="7" rtl="0" algn="r">
-              <a:buNone/>
-              <a:defRPr b="1" sz="2400">
+            <a:lvl8pPr lvl="7">
+              <a:buNone/>
+              <a:defRPr>
                 <a:solidFill>
                   <a:schemeClr val="dk1"/>
                 </a:solidFill>
               </a:defRPr>
             </a:lvl8pPr>
-            <a:lvl9pPr lvl="8" rtl="0" algn="r">
-              <a:buNone/>
-              <a:defRPr b="1" sz="2400">
+            <a:lvl9pPr lvl="8">
+              <a:buNone/>
+              <a:defRPr>
                 <a:solidFill>
                   <a:schemeClr val="dk1"/>
                 </a:solidFill>
@@ -6753,18 +7020,166 @@
               <a:buNone/>
             </a:pPr>
             <a:r>
-              <a:rPr b="0" lang="en" sz="1000" u="sng">
+              <a:rPr b="0" lang="en" sz="900" u="sng">
                 <a:solidFill>
                   <a:schemeClr val="hlink"/>
                 </a:solidFill>
                 <a:hlinkClick r:id="rId2"/>
               </a:rPr>
-              <a:t>https://profriehle.com</a:t>
-            </a:r>
-            <a:endParaRPr b="0" sz="1000"/>
+              <a:t>https://oss.cs.fau.de</a:t>
+            </a:r>
+            <a:endParaRPr>
+              <a:solidFill>
+                <a:schemeClr val="dk2"/>
+              </a:solidFill>
+            </a:endParaRPr>
           </a:p>
         </p:txBody>
       </p:sp>
+      <p:grpSp>
+        <p:nvGrpSpPr>
+          <p:cNvPr id="35" name="Google Shape;35;p5"/>
+          <p:cNvGrpSpPr/>
+          <p:nvPr/>
+        </p:nvGrpSpPr>
+        <p:grpSpPr>
+          <a:xfrm>
+            <a:off x="0" y="685800"/>
+            <a:ext cx="9144000" cy="91500"/>
+            <a:chOff x="0" y="2386584"/>
+            <a:chExt cx="9144000" cy="91500"/>
+          </a:xfrm>
+        </p:grpSpPr>
+        <p:sp>
+          <p:nvSpPr>
+            <p:cNvPr id="36" name="Google Shape;36;p5"/>
+            <p:cNvSpPr/>
+            <p:nvPr/>
+          </p:nvSpPr>
+          <p:spPr>
+            <a:xfrm>
+              <a:off x="0" y="2386584"/>
+              <a:ext cx="914400" cy="91500"/>
+            </a:xfrm>
+            <a:prstGeom prst="rect">
+              <a:avLst/>
+            </a:prstGeom>
+            <a:solidFill>
+              <a:schemeClr val="accent2"/>
+            </a:solidFill>
+            <a:ln>
+              <a:noFill/>
+            </a:ln>
+          </p:spPr>
+          <p:txBody>
+            <a:bodyPr anchorCtr="0" anchor="ctr" bIns="91425" lIns="91425" spcFirstLastPara="1" rIns="91425" wrap="square" tIns="91425">
+              <a:noAutofit/>
+            </a:bodyPr>
+            <a:lstStyle/>
+            <a:p>
+              <a:pPr indent="0" lvl="0" marL="0" rtl="0" algn="l">
+                <a:spcBef>
+                  <a:spcPts val="0"/>
+                </a:spcBef>
+                <a:spcAft>
+                  <a:spcPts val="0"/>
+                </a:spcAft>
+                <a:buNone/>
+              </a:pPr>
+              <a:r>
+                <a:t/>
+              </a:r>
+              <a:endParaRPr/>
+            </a:p>
+          </p:txBody>
+        </p:sp>
+        <p:sp>
+          <p:nvSpPr>
+            <p:cNvPr id="37" name="Google Shape;37;p5"/>
+            <p:cNvSpPr/>
+            <p:nvPr/>
+          </p:nvSpPr>
+          <p:spPr>
+            <a:xfrm>
+              <a:off x="914400" y="2386584"/>
+              <a:ext cx="1828800" cy="91500"/>
+            </a:xfrm>
+            <a:prstGeom prst="rect">
+              <a:avLst/>
+            </a:prstGeom>
+            <a:solidFill>
+              <a:schemeClr val="accent3"/>
+            </a:solidFill>
+            <a:ln>
+              <a:noFill/>
+            </a:ln>
+          </p:spPr>
+          <p:txBody>
+            <a:bodyPr anchorCtr="0" anchor="ctr" bIns="91425" lIns="91425" spcFirstLastPara="1" rIns="91425" wrap="square" tIns="91425">
+              <a:noAutofit/>
+            </a:bodyPr>
+            <a:lstStyle/>
+            <a:p>
+              <a:pPr indent="0" lvl="0" marL="0" rtl="0" algn="l">
+                <a:spcBef>
+                  <a:spcPts val="0"/>
+                </a:spcBef>
+                <a:spcAft>
+                  <a:spcPts val="0"/>
+                </a:spcAft>
+                <a:buNone/>
+              </a:pPr>
+              <a:r>
+                <a:t/>
+              </a:r>
+              <a:endParaRPr/>
+            </a:p>
+          </p:txBody>
+        </p:sp>
+        <p:sp>
+          <p:nvSpPr>
+            <p:cNvPr id="38" name="Google Shape;38;p5"/>
+            <p:cNvSpPr/>
+            <p:nvPr/>
+          </p:nvSpPr>
+          <p:spPr>
+            <a:xfrm>
+              <a:off x="2743200" y="2386584"/>
+              <a:ext cx="6400800" cy="91500"/>
+            </a:xfrm>
+            <a:prstGeom prst="rect">
+              <a:avLst/>
+            </a:prstGeom>
+            <a:solidFill>
+              <a:schemeClr val="accent4"/>
+            </a:solidFill>
+            <a:ln>
+              <a:noFill/>
+            </a:ln>
+          </p:spPr>
+          <p:txBody>
+            <a:bodyPr anchorCtr="0" anchor="ctr" bIns="91425" lIns="91425" spcFirstLastPara="1" rIns="91425" wrap="square" tIns="91425">
+              <a:noAutofit/>
+            </a:bodyPr>
+            <a:lstStyle/>
+            <a:p>
+              <a:pPr indent="0" lvl="0" marL="0" rtl="0" algn="l">
+                <a:spcBef>
+                  <a:spcPts val="0"/>
+                </a:spcBef>
+                <a:spcAft>
+                  <a:spcPts val="0"/>
+                </a:spcAft>
+                <a:buNone/>
+              </a:pPr>
+              <a:r>
+                <a:t/>
+              </a:r>
+              <a:endParaRPr/>
+            </a:p>
+          </p:txBody>
+        </p:sp>
+      </p:grpSp>
     </p:spTree>
   </p:cSld>
   <p:clrMapOvr>
@@ -6778,7 +7193,7 @@
   <p:cSld name="TITLE_ONLY">
     <p:spTree>
       <p:nvGrpSpPr>
-        <p:cNvPr id="27" name="Shape 27"/>
+        <p:cNvPr id="39" name="Shape 39"/>
         <p:cNvGrpSpPr/>
         <p:nvPr/>
       </p:nvGrpSpPr>
@@ -6792,7 +7207,7 @@
       </p:grpSpPr>
       <p:sp>
         <p:nvSpPr>
-          <p:cNvPr id="28" name="Google Shape;28;p6"/>
+          <p:cNvPr id="40" name="Google Shape;40;p6"/>
           <p:cNvSpPr txBox="1"/>
           <p:nvPr>
             <p:ph type="title"/>
@@ -6917,50 +7332,7 @@
       </p:sp>
       <p:sp>
         <p:nvSpPr>
-          <p:cNvPr id="29" name="Google Shape;29;p6"/>
-          <p:cNvSpPr/>
-          <p:nvPr/>
-        </p:nvSpPr>
-        <p:spPr>
-          <a:xfrm>
-            <a:off x="0" y="685800"/>
-            <a:ext cx="9144000" cy="91500"/>
-          </a:xfrm>
-          <a:prstGeom prst="rect">
-            <a:avLst/>
-          </a:prstGeom>
-          <a:solidFill>
-            <a:schemeClr val="accent4"/>
-          </a:solidFill>
-          <a:ln>
-            <a:noFill/>
-          </a:ln>
-        </p:spPr>
-        <p:txBody>
-          <a:bodyPr anchorCtr="0" anchor="ctr" bIns="91425" lIns="91425" spcFirstLastPara="1" rIns="91425" wrap="square" tIns="91425">
-            <a:noAutofit/>
-          </a:bodyPr>
-          <a:lstStyle/>
-          <a:p>
-            <a:pPr indent="0" lvl="0" marL="0" rtl="0" algn="l">
-              <a:spcBef>
-                <a:spcPts val="0"/>
-              </a:spcBef>
-              <a:spcAft>
-                <a:spcPts val="0"/>
-              </a:spcAft>
-              <a:buNone/>
-            </a:pPr>
-            <a:r>
-              <a:t/>
-            </a:r>
-            <a:endParaRPr/>
-          </a:p>
-        </p:txBody>
-      </p:sp>
-      <p:sp>
-        <p:nvSpPr>
-          <p:cNvPr id="30" name="Google Shape;30;p6"/>
+          <p:cNvPr id="41" name="Google Shape;41;p6"/>
           <p:cNvSpPr txBox="1"/>
           <p:nvPr>
             <p:ph idx="12" type="sldNum"/>
@@ -6968,8 +7340,8 @@
         </p:nvSpPr>
         <p:spPr>
           <a:xfrm>
-            <a:off x="7315209" y="4229101"/>
-            <a:ext cx="1828800" cy="914400"/>
+            <a:off x="7315202" y="4416550"/>
+            <a:ext cx="1828800" cy="731400"/>
           </a:xfrm>
           <a:prstGeom prst="rect">
             <a:avLst/>
@@ -6980,73 +7352,73 @@
             <a:noAutofit/>
           </a:bodyPr>
           <a:lstStyle>
-            <a:lvl1pPr lvl="0" rtl="0" algn="r">
-              <a:buNone/>
-              <a:defRPr b="1" sz="2400">
+            <a:lvl1pPr lvl="0">
+              <a:buNone/>
+              <a:defRPr>
                 <a:solidFill>
                   <a:schemeClr val="dk1"/>
                 </a:solidFill>
               </a:defRPr>
             </a:lvl1pPr>
-            <a:lvl2pPr lvl="1" rtl="0" algn="r">
-              <a:buNone/>
-              <a:defRPr b="1" sz="2400">
+            <a:lvl2pPr lvl="1">
+              <a:buNone/>
+              <a:defRPr>
                 <a:solidFill>
                   <a:schemeClr val="dk1"/>
                 </a:solidFill>
               </a:defRPr>
             </a:lvl2pPr>
-            <a:lvl3pPr lvl="2" rtl="0" algn="r">
-              <a:buNone/>
-              <a:defRPr b="1" sz="2400">
+            <a:lvl3pPr lvl="2">
+              <a:buNone/>
+              <a:defRPr>
                 <a:solidFill>
                   <a:schemeClr val="dk1"/>
                 </a:solidFill>
               </a:defRPr>
             </a:lvl3pPr>
-            <a:lvl4pPr lvl="3" rtl="0" algn="r">
-              <a:buNone/>
-              <a:defRPr b="1" sz="2400">
+            <a:lvl4pPr lvl="3">
+              <a:buNone/>
+              <a:defRPr>
                 <a:solidFill>
                   <a:schemeClr val="dk1"/>
                 </a:solidFill>
               </a:defRPr>
             </a:lvl4pPr>
-            <a:lvl5pPr lvl="4" rtl="0" algn="r">
-              <a:buNone/>
-              <a:defRPr b="1" sz="2400">
+            <a:lvl5pPr lvl="4">
+              <a:buNone/>
+              <a:defRPr>
                 <a:solidFill>
                   <a:schemeClr val="dk1"/>
                 </a:solidFill>
               </a:defRPr>
             </a:lvl5pPr>
-            <a:lvl6pPr lvl="5" rtl="0" algn="r">
-              <a:buNone/>
-              <a:defRPr b="1" sz="2400">
+            <a:lvl6pPr lvl="5">
+              <a:buNone/>
+              <a:defRPr>
                 <a:solidFill>
                   <a:schemeClr val="dk1"/>
                 </a:solidFill>
               </a:defRPr>
             </a:lvl6pPr>
-            <a:lvl7pPr lvl="6" rtl="0" algn="r">
-              <a:buNone/>
-              <a:defRPr b="1" sz="2400">
+            <a:lvl7pPr lvl="6">
+              <a:buNone/>
+              <a:defRPr>
                 <a:solidFill>
                   <a:schemeClr val="dk1"/>
                 </a:solidFill>
               </a:defRPr>
             </a:lvl7pPr>
-            <a:lvl8pPr lvl="7" rtl="0" algn="r">
-              <a:buNone/>
-              <a:defRPr b="1" sz="2400">
+            <a:lvl8pPr lvl="7">
+              <a:buNone/>
+              <a:defRPr>
                 <a:solidFill>
                   <a:schemeClr val="dk1"/>
                 </a:solidFill>
               </a:defRPr>
             </a:lvl8pPr>
-            <a:lvl9pPr lvl="8" rtl="0" algn="r">
-              <a:buNone/>
-              <a:defRPr b="1" sz="2400">
+            <a:lvl9pPr lvl="8">
+              <a:buNone/>
+              <a:defRPr>
                 <a:solidFill>
                   <a:schemeClr val="dk1"/>
                 </a:solidFill>
@@ -7077,26 +7449,177 @@
               <a:spcAft>
                 <a:spcPts val="0"/>
               </a:spcAft>
-              <a:buClr>
-                <a:schemeClr val="dk1"/>
-              </a:buClr>
-              <a:buSzPts val="1100"/>
-              <a:buFont typeface="Arial"/>
-              <a:buNone/>
-            </a:pPr>
-            <a:r>
-              <a:rPr b="0" lang="en" sz="1000" u="sng">
+              <a:buNone/>
+            </a:pPr>
+            <a:r>
+              <a:rPr b="0" lang="en" sz="900" u="sng">
                 <a:solidFill>
                   <a:schemeClr val="hlink"/>
                 </a:solidFill>
                 <a:hlinkClick r:id="rId2"/>
               </a:rPr>
-              <a:t>https://profriehle.com</a:t>
-            </a:r>
-            <a:endParaRPr b="0" sz="1000"/>
+              <a:t>https://oss.cs.fau.de</a:t>
+            </a:r>
+            <a:r>
+              <a:rPr b="0" lang="en" sz="900">
+                <a:solidFill>
+                  <a:schemeClr val="dk2"/>
+                </a:solidFill>
+              </a:rPr>
+              <a:t> </a:t>
+            </a:r>
+            <a:endParaRPr>
+              <a:solidFill>
+                <a:schemeClr val="dk2"/>
+              </a:solidFill>
+            </a:endParaRPr>
           </a:p>
         </p:txBody>
       </p:sp>
+      <p:grpSp>
+        <p:nvGrpSpPr>
+          <p:cNvPr id="42" name="Google Shape;42;p6"/>
+          <p:cNvGrpSpPr/>
+          <p:nvPr/>
+        </p:nvGrpSpPr>
+        <p:grpSpPr>
+          <a:xfrm>
+            <a:off x="0" y="685800"/>
+            <a:ext cx="9144000" cy="91500"/>
+            <a:chOff x="0" y="2386584"/>
+            <a:chExt cx="9144000" cy="91500"/>
+          </a:xfrm>
+        </p:grpSpPr>
+        <p:sp>
+          <p:nvSpPr>
+            <p:cNvPr id="43" name="Google Shape;43;p6"/>
+            <p:cNvSpPr/>
+            <p:nvPr/>
+          </p:nvSpPr>
+          <p:spPr>
+            <a:xfrm>
+              <a:off x="0" y="2386584"/>
+              <a:ext cx="914400" cy="91500"/>
+            </a:xfrm>
+            <a:prstGeom prst="rect">
+              <a:avLst/>
+            </a:prstGeom>
+            <a:solidFill>
+              <a:schemeClr val="accent2"/>
+            </a:solidFill>
+            <a:ln>
+              <a:noFill/>
+            </a:ln>
+          </p:spPr>
+          <p:txBody>
+            <a:bodyPr anchorCtr="0" anchor="ctr" bIns="91425" lIns="91425" spcFirstLastPara="1" rIns="91425" wrap="square" tIns="91425">
+              <a:noAutofit/>
+            </a:bodyPr>
+            <a:lstStyle/>
+            <a:p>
+              <a:pPr indent="0" lvl="0" marL="0" rtl="0" algn="l">
+                <a:spcBef>
+                  <a:spcPts val="0"/>
+                </a:spcBef>
+                <a:spcAft>
+                  <a:spcPts val="0"/>
+                </a:spcAft>
+                <a:buNone/>
+              </a:pPr>
+              <a:r>
+                <a:t/>
+              </a:r>
+              <a:endParaRPr/>
+            </a:p>
+          </p:txBody>
+        </p:sp>
+        <p:sp>
+          <p:nvSpPr>
+            <p:cNvPr id="44" name="Google Shape;44;p6"/>
+            <p:cNvSpPr/>
+            <p:nvPr/>
+          </p:nvSpPr>
+          <p:spPr>
+            <a:xfrm>
+              <a:off x="914400" y="2386584"/>
+              <a:ext cx="1828800" cy="91500"/>
+            </a:xfrm>
+            <a:prstGeom prst="rect">
+              <a:avLst/>
+            </a:prstGeom>
+            <a:solidFill>
+              <a:schemeClr val="accent3"/>
+            </a:solidFill>
+            <a:ln>
+              <a:noFill/>
+            </a:ln>
+          </p:spPr>
+          <p:txBody>
+            <a:bodyPr anchorCtr="0" anchor="ctr" bIns="91425" lIns="91425" spcFirstLastPara="1" rIns="91425" wrap="square" tIns="91425">
+              <a:noAutofit/>
+            </a:bodyPr>
+            <a:lstStyle/>
+            <a:p>
+              <a:pPr indent="0" lvl="0" marL="0" rtl="0" algn="l">
+                <a:spcBef>
+                  <a:spcPts val="0"/>
+                </a:spcBef>
+                <a:spcAft>
+                  <a:spcPts val="0"/>
+                </a:spcAft>
+                <a:buNone/>
+              </a:pPr>
+              <a:r>
+                <a:t/>
+              </a:r>
+              <a:endParaRPr/>
+            </a:p>
+          </p:txBody>
+        </p:sp>
+        <p:sp>
+          <p:nvSpPr>
+            <p:cNvPr id="45" name="Google Shape;45;p6"/>
+            <p:cNvSpPr/>
+            <p:nvPr/>
+          </p:nvSpPr>
+          <p:spPr>
+            <a:xfrm>
+              <a:off x="2743200" y="2386584"/>
+              <a:ext cx="6400800" cy="91500"/>
+            </a:xfrm>
+            <a:prstGeom prst="rect">
+              <a:avLst/>
+            </a:prstGeom>
+            <a:solidFill>
+              <a:schemeClr val="accent4"/>
+            </a:solidFill>
+            <a:ln>
+              <a:noFill/>
+            </a:ln>
+          </p:spPr>
+          <p:txBody>
+            <a:bodyPr anchorCtr="0" anchor="ctr" bIns="91425" lIns="91425" spcFirstLastPara="1" rIns="91425" wrap="square" tIns="91425">
+              <a:noAutofit/>
+            </a:bodyPr>
+            <a:lstStyle/>
+            <a:p>
+              <a:pPr indent="0" lvl="0" marL="0" rtl="0" algn="l">
+                <a:spcBef>
+                  <a:spcPts val="0"/>
+                </a:spcBef>
+                <a:spcAft>
+                  <a:spcPts val="0"/>
+                </a:spcAft>
+                <a:buNone/>
+              </a:pPr>
+              <a:r>
+                <a:t/>
+              </a:r>
+              <a:endParaRPr/>
+            </a:p>
+          </p:txBody>
+        </p:sp>
+      </p:grpSp>
     </p:spTree>
   </p:cSld>
   <p:clrMapOvr>
@@ -7110,7 +7633,7 @@
   <p:cSld name="BLANK">
     <p:spTree>
       <p:nvGrpSpPr>
-        <p:cNvPr id="31" name="Shape 31"/>
+        <p:cNvPr id="46" name="Shape 46"/>
         <p:cNvGrpSpPr/>
         <p:nvPr/>
       </p:nvGrpSpPr>
@@ -7575,8 +8098,8 @@
         </p:nvSpPr>
         <p:spPr>
           <a:xfrm>
-            <a:off x="7315209" y="4229101"/>
-            <a:ext cx="1828800" cy="914400"/>
+            <a:off x="7315202" y="4416550"/>
+            <a:ext cx="1828800" cy="731400"/>
           </a:xfrm>
           <a:prstGeom prst="rect">
             <a:avLst/>
@@ -7595,7 +8118,7 @@
               <a:buNone/>
               <a:defRPr b="1" sz="2400">
                 <a:solidFill>
-                  <a:schemeClr val="dk1"/>
+                  <a:schemeClr val="dk2"/>
                 </a:solidFill>
               </a:defRPr>
             </a:lvl1pPr>
@@ -7603,7 +8126,7 @@
               <a:buNone/>
               <a:defRPr b="1" sz="2400">
                 <a:solidFill>
-                  <a:schemeClr val="dk1"/>
+                  <a:schemeClr val="dk2"/>
                 </a:solidFill>
               </a:defRPr>
             </a:lvl2pPr>
@@ -7611,7 +8134,7 @@
               <a:buNone/>
               <a:defRPr b="1" sz="2400">
                 <a:solidFill>
-                  <a:schemeClr val="dk1"/>
+                  <a:schemeClr val="dk2"/>
                 </a:solidFill>
               </a:defRPr>
             </a:lvl3pPr>
@@ -7619,7 +8142,7 @@
               <a:buNone/>
               <a:defRPr b="1" sz="2400">
                 <a:solidFill>
-                  <a:schemeClr val="dk1"/>
+                  <a:schemeClr val="dk2"/>
                 </a:solidFill>
               </a:defRPr>
             </a:lvl4pPr>
@@ -7627,7 +8150,7 @@
               <a:buNone/>
               <a:defRPr b="1" sz="2400">
                 <a:solidFill>
-                  <a:schemeClr val="dk1"/>
+                  <a:schemeClr val="dk2"/>
                 </a:solidFill>
               </a:defRPr>
             </a:lvl5pPr>
@@ -7635,7 +8158,7 @@
               <a:buNone/>
               <a:defRPr b="1" sz="2400">
                 <a:solidFill>
-                  <a:schemeClr val="dk1"/>
+                  <a:schemeClr val="dk2"/>
                 </a:solidFill>
               </a:defRPr>
             </a:lvl6pPr>
@@ -7643,7 +8166,7 @@
               <a:buNone/>
               <a:defRPr b="1" sz="2400">
                 <a:solidFill>
-                  <a:schemeClr val="dk1"/>
+                  <a:schemeClr val="dk2"/>
                 </a:solidFill>
               </a:defRPr>
             </a:lvl7pPr>
@@ -7651,7 +8174,7 @@
               <a:buNone/>
               <a:defRPr b="1" sz="2400">
                 <a:solidFill>
-                  <a:schemeClr val="dk1"/>
+                  <a:schemeClr val="dk2"/>
                 </a:solidFill>
               </a:defRPr>
             </a:lvl8pPr>
@@ -7659,7 +8182,7 @@
               <a:buNone/>
               <a:defRPr b="1" sz="2400">
                 <a:solidFill>
-                  <a:schemeClr val="dk1"/>
+                  <a:schemeClr val="dk2"/>
                 </a:solidFill>
               </a:defRPr>
             </a:lvl9pPr>
@@ -7691,19 +8214,19 @@
               <a:buNone/>
             </a:pPr>
             <a:r>
-              <a:rPr b="0" lang="en" sz="1000" u="sng">
+              <a:rPr b="0" lang="en" sz="900" u="sng">
                 <a:solidFill>
                   <a:schemeClr val="hlink"/>
                 </a:solidFill>
                 <a:hlinkClick r:id="rId1"/>
               </a:rPr>
-              <a:t>https://profriehle.com</a:t>
-            </a:r>
-            <a:r>
-              <a:rPr b="0" lang="en" sz="1000"/>
-              <a:t>  </a:t>
-            </a:r>
-            <a:endParaRPr b="0" sz="1000"/>
+              <a:t>https://oss.cs.fau.de</a:t>
+            </a:r>
+            <a:r>
+              <a:rPr b="0" lang="en" sz="900"/>
+              <a:t> </a:t>
+            </a:r>
+            <a:endParaRPr b="0" sz="900"/>
           </a:p>
         </p:txBody>
       </p:sp>
@@ -8416,7 +8939,7 @@
   <p:cSld>
     <p:spTree>
       <p:nvGrpSpPr>
-        <p:cNvPr id="35" name="Shape 35"/>
+        <p:cNvPr id="50" name="Shape 50"/>
         <p:cNvGrpSpPr/>
         <p:nvPr/>
       </p:nvGrpSpPr>
@@ -8430,7 +8953,7 @@
       </p:grpSpPr>
       <p:sp>
         <p:nvSpPr>
-          <p:cNvPr id="36" name="Google Shape;36;p8"/>
+          <p:cNvPr id="51" name="Google Shape;51;p8"/>
           <p:cNvSpPr txBox="1"/>
           <p:nvPr>
             <p:ph type="ctrTitle"/>
@@ -8470,7 +8993,7 @@
       </p:sp>
       <p:sp>
         <p:nvSpPr>
-          <p:cNvPr id="37" name="Google Shape;37;p8"/>
+          <p:cNvPr id="52" name="Google Shape;52;p8"/>
           <p:cNvSpPr txBox="1"/>
           <p:nvPr>
             <p:ph idx="1" type="subTitle"/>
@@ -8577,7 +9100,7 @@
   <p:cSld>
     <p:spTree>
       <p:nvGrpSpPr>
-        <p:cNvPr id="95" name="Shape 95"/>
+        <p:cNvPr id="110" name="Shape 110"/>
         <p:cNvGrpSpPr/>
         <p:nvPr/>
       </p:nvGrpSpPr>
@@ -8591,7 +9114,7 @@
       </p:grpSpPr>
       <p:sp>
         <p:nvSpPr>
-          <p:cNvPr id="96" name="Google Shape;96;p17"/>
+          <p:cNvPr id="111" name="Google Shape;111;p17"/>
           <p:cNvSpPr txBox="1"/>
           <p:nvPr>
             <p:ph type="title"/>
@@ -8631,7 +9154,7 @@
       </p:sp>
       <p:sp>
         <p:nvSpPr>
-          <p:cNvPr id="97" name="Google Shape;97;p17"/>
+          <p:cNvPr id="112" name="Google Shape;112;p17"/>
           <p:cNvSpPr txBox="1"/>
           <p:nvPr>
             <p:ph idx="1" type="body"/>
@@ -8671,7 +9194,7 @@
       </p:sp>
       <p:sp>
         <p:nvSpPr>
-          <p:cNvPr id="98" name="Google Shape;98;p17"/>
+          <p:cNvPr id="113" name="Google Shape;113;p17"/>
           <p:cNvSpPr txBox="1"/>
           <p:nvPr>
             <p:ph idx="12" type="sldNum"/>
@@ -8679,8 +9202,8 @@
         </p:nvSpPr>
         <p:spPr>
           <a:xfrm>
-            <a:off x="7315209" y="4229101"/>
-            <a:ext cx="1828800" cy="914400"/>
+            <a:off x="7315202" y="4416550"/>
+            <a:ext cx="1828800" cy="731400"/>
           </a:xfrm>
           <a:prstGeom prst="rect">
             <a:avLst/>
@@ -8715,23 +9238,30 @@
               <a:spcAft>
                 <a:spcPts val="0"/>
               </a:spcAft>
-              <a:buClr>
-                <a:schemeClr val="dk1"/>
-              </a:buClr>
-              <a:buSzPts val="1100"/>
-              <a:buFont typeface="Arial"/>
-              <a:buNone/>
-            </a:pPr>
-            <a:r>
-              <a:rPr b="0" lang="en" sz="1000" u="sng">
+              <a:buNone/>
+            </a:pPr>
+            <a:r>
+              <a:rPr b="0" lang="en" sz="900" u="sng">
                 <a:solidFill>
                   <a:schemeClr val="hlink"/>
                 </a:solidFill>
                 <a:hlinkClick r:id="rId3"/>
               </a:rPr>
-              <a:t>https://profriehle.com</a:t>
-            </a:r>
-            <a:endParaRPr b="0" sz="1000"/>
+              <a:t>https://oss.cs.fau.de</a:t>
+            </a:r>
+            <a:r>
+              <a:rPr b="0" lang="en" sz="900">
+                <a:solidFill>
+                  <a:schemeClr val="dk2"/>
+                </a:solidFill>
+              </a:rPr>
+              <a:t> </a:t>
+            </a:r>
+            <a:endParaRPr b="0" sz="900">
+              <a:solidFill>
+                <a:schemeClr val="dk2"/>
+              </a:solidFill>
+            </a:endParaRPr>
           </a:p>
         </p:txBody>
       </p:sp>
@@ -8748,7 +9278,7 @@
   <p:cSld>
     <p:spTree>
       <p:nvGrpSpPr>
-        <p:cNvPr id="102" name="Shape 102"/>
+        <p:cNvPr id="117" name="Shape 117"/>
         <p:cNvGrpSpPr/>
         <p:nvPr/>
       </p:nvGrpSpPr>
@@ -8762,7 +9292,7 @@
       </p:grpSpPr>
       <p:sp>
         <p:nvSpPr>
-          <p:cNvPr id="103" name="Google Shape;103;p18"/>
+          <p:cNvPr id="118" name="Google Shape;118;p18"/>
           <p:cNvSpPr txBox="1"/>
           <p:nvPr>
             <p:ph type="title"/>
@@ -8802,7 +9332,7 @@
       </p:sp>
       <p:sp>
         <p:nvSpPr>
-          <p:cNvPr id="104" name="Google Shape;104;p18"/>
+          <p:cNvPr id="119" name="Google Shape;119;p18"/>
           <p:cNvSpPr txBox="1"/>
           <p:nvPr>
             <p:ph idx="1" type="body"/>
@@ -8890,7 +9420,7 @@
       </p:sp>
       <p:sp>
         <p:nvSpPr>
-          <p:cNvPr id="105" name="Google Shape;105;p18"/>
+          <p:cNvPr id="120" name="Google Shape;120;p18"/>
           <p:cNvSpPr txBox="1"/>
           <p:nvPr>
             <p:ph idx="12" type="sldNum"/>
@@ -8898,8 +9428,8 @@
         </p:nvSpPr>
         <p:spPr>
           <a:xfrm>
-            <a:off x="7315209" y="4229101"/>
-            <a:ext cx="1828800" cy="914400"/>
+            <a:off x="7315202" y="4416550"/>
+            <a:ext cx="1828800" cy="731400"/>
           </a:xfrm>
           <a:prstGeom prst="rect">
             <a:avLst/>
@@ -8934,23 +9464,30 @@
               <a:spcAft>
                 <a:spcPts val="0"/>
               </a:spcAft>
-              <a:buClr>
-                <a:schemeClr val="dk1"/>
-              </a:buClr>
-              <a:buSzPts val="1100"/>
-              <a:buFont typeface="Arial"/>
-              <a:buNone/>
-            </a:pPr>
-            <a:r>
-              <a:rPr b="0" lang="en" sz="1000" u="sng">
+              <a:buNone/>
+            </a:pPr>
+            <a:r>
+              <a:rPr b="0" lang="en" sz="900" u="sng">
                 <a:solidFill>
                   <a:schemeClr val="hlink"/>
                 </a:solidFill>
                 <a:hlinkClick r:id="rId3"/>
               </a:rPr>
-              <a:t>https://profriehle.com</a:t>
-            </a:r>
-            <a:endParaRPr b="0" sz="1000"/>
+              <a:t>https://oss.cs.fau.de</a:t>
+            </a:r>
+            <a:r>
+              <a:rPr b="0" lang="en" sz="900">
+                <a:solidFill>
+                  <a:schemeClr val="dk2"/>
+                </a:solidFill>
+              </a:rPr>
+              <a:t> </a:t>
+            </a:r>
+            <a:endParaRPr b="0" sz="900">
+              <a:solidFill>
+                <a:schemeClr val="dk2"/>
+              </a:solidFill>
+            </a:endParaRPr>
           </a:p>
         </p:txBody>
       </p:sp>
@@ -8967,7 +9504,7 @@
   <p:cSld>
     <p:spTree>
       <p:nvGrpSpPr>
-        <p:cNvPr id="109" name="Shape 109"/>
+        <p:cNvPr id="124" name="Shape 124"/>
         <p:cNvGrpSpPr/>
         <p:nvPr/>
       </p:nvGrpSpPr>
@@ -8981,7 +9518,7 @@
       </p:grpSpPr>
       <p:sp>
         <p:nvSpPr>
-          <p:cNvPr id="110" name="Google Shape;110;p19"/>
+          <p:cNvPr id="125" name="Google Shape;125;p19"/>
           <p:cNvSpPr txBox="1"/>
           <p:nvPr>
             <p:ph type="title"/>
@@ -9032,7 +9569,7 @@
   <p:cSld>
     <p:spTree>
       <p:nvGrpSpPr>
-        <p:cNvPr id="114" name="Shape 114"/>
+        <p:cNvPr id="129" name="Shape 129"/>
         <p:cNvGrpSpPr/>
         <p:nvPr/>
       </p:nvGrpSpPr>
@@ -9046,7 +9583,7 @@
       </p:grpSpPr>
       <p:sp>
         <p:nvSpPr>
-          <p:cNvPr id="115" name="Google Shape;115;p20"/>
+          <p:cNvPr id="130" name="Google Shape;130;p20"/>
           <p:cNvSpPr txBox="1"/>
           <p:nvPr>
             <p:ph type="title"/>
@@ -9086,7 +9623,7 @@
       </p:sp>
       <p:sp>
         <p:nvSpPr>
-          <p:cNvPr id="116" name="Google Shape;116;p20"/>
+          <p:cNvPr id="131" name="Google Shape;131;p20"/>
           <p:cNvSpPr txBox="1"/>
           <p:nvPr>
             <p:ph idx="12" type="sldNum"/>
@@ -9094,8 +9631,8 @@
         </p:nvSpPr>
         <p:spPr>
           <a:xfrm>
-            <a:off x="7315209" y="4229101"/>
-            <a:ext cx="1828800" cy="914400"/>
+            <a:off x="7315202" y="4416550"/>
+            <a:ext cx="1828800" cy="731400"/>
           </a:xfrm>
           <a:prstGeom prst="rect">
             <a:avLst/>
@@ -9130,29 +9667,36 @@
               <a:spcAft>
                 <a:spcPts val="0"/>
               </a:spcAft>
-              <a:buClr>
-                <a:schemeClr val="dk1"/>
-              </a:buClr>
-              <a:buSzPts val="1100"/>
-              <a:buFont typeface="Arial"/>
-              <a:buNone/>
-            </a:pPr>
-            <a:r>
-              <a:rPr b="0" lang="en" sz="1000" u="sng">
+              <a:buNone/>
+            </a:pPr>
+            <a:r>
+              <a:rPr b="0" lang="en" sz="900" u="sng">
                 <a:solidFill>
                   <a:schemeClr val="hlink"/>
                 </a:solidFill>
                 <a:hlinkClick r:id="rId3"/>
               </a:rPr>
-              <a:t>https://profriehle.com</a:t>
-            </a:r>
-            <a:endParaRPr b="0" sz="1000"/>
+              <a:t>https://oss.cs.fau.de</a:t>
+            </a:r>
+            <a:r>
+              <a:rPr b="0" lang="en" sz="900">
+                <a:solidFill>
+                  <a:schemeClr val="dk2"/>
+                </a:solidFill>
+              </a:rPr>
+              <a:t> </a:t>
+            </a:r>
+            <a:endParaRPr b="0" sz="900">
+              <a:solidFill>
+                <a:schemeClr val="dk2"/>
+              </a:solidFill>
+            </a:endParaRPr>
           </a:p>
         </p:txBody>
       </p:sp>
       <p:sp>
         <p:nvSpPr>
-          <p:cNvPr id="117" name="Google Shape;117;p20"/>
+          <p:cNvPr id="132" name="Google Shape;132;p20"/>
           <p:cNvSpPr txBox="1"/>
           <p:nvPr>
             <p:ph idx="1" type="body"/>
@@ -9266,7 +9810,7 @@
       </p:sp>
       <p:pic>
         <p:nvPicPr>
-          <p:cNvPr id="118" name="Google Shape;118;p20"/>
+          <p:cNvPr id="133" name="Google Shape;133;p20"/>
           <p:cNvPicPr preferRelativeResize="0"/>
           <p:nvPr/>
         </p:nvPicPr>
@@ -9280,8 +9824,8 @@
         </p:blipFill>
         <p:spPr>
           <a:xfrm>
-            <a:off x="4572000" y="914400"/>
-            <a:ext cx="4297680" cy="3502610"/>
+            <a:off x="4571988" y="914400"/>
+            <a:ext cx="4297680" cy="3631540"/>
           </a:xfrm>
           <a:prstGeom prst="rect">
             <a:avLst/>
@@ -9305,7 +9849,7 @@
   <p:cSld>
     <p:spTree>
       <p:nvGrpSpPr>
-        <p:cNvPr id="122" name="Shape 122"/>
+        <p:cNvPr id="137" name="Shape 137"/>
         <p:cNvGrpSpPr/>
         <p:nvPr/>
       </p:nvGrpSpPr>
@@ -9319,7 +9863,7 @@
       </p:grpSpPr>
       <p:sp>
         <p:nvSpPr>
-          <p:cNvPr id="123" name="Google Shape;123;p21"/>
+          <p:cNvPr id="138" name="Google Shape;138;p21"/>
           <p:cNvSpPr txBox="1"/>
           <p:nvPr>
             <p:ph idx="1" type="body"/>
@@ -9425,7 +9969,7 @@
       </p:sp>
       <p:sp>
         <p:nvSpPr>
-          <p:cNvPr id="124" name="Google Shape;124;p21"/>
+          <p:cNvPr id="139" name="Google Shape;139;p21"/>
           <p:cNvSpPr txBox="1"/>
           <p:nvPr>
             <p:ph type="title"/>
@@ -9465,7 +10009,7 @@
       </p:sp>
       <p:sp>
         <p:nvSpPr>
-          <p:cNvPr id="125" name="Google Shape;125;p21"/>
+          <p:cNvPr id="140" name="Google Shape;140;p21"/>
           <p:cNvSpPr txBox="1"/>
           <p:nvPr>
             <p:ph idx="12" type="sldNum"/>
@@ -9473,8 +10017,8 @@
         </p:nvSpPr>
         <p:spPr>
           <a:xfrm>
-            <a:off x="7315209" y="4229101"/>
-            <a:ext cx="1828800" cy="914400"/>
+            <a:off x="7315202" y="4416550"/>
+            <a:ext cx="1828800" cy="731400"/>
           </a:xfrm>
           <a:prstGeom prst="rect">
             <a:avLst/>
@@ -9509,29 +10053,36 @@
               <a:spcAft>
                 <a:spcPts val="0"/>
               </a:spcAft>
-              <a:buClr>
-                <a:schemeClr val="dk1"/>
-              </a:buClr>
-              <a:buSzPts val="1100"/>
-              <a:buFont typeface="Arial"/>
-              <a:buNone/>
-            </a:pPr>
-            <a:r>
-              <a:rPr b="0" lang="en" sz="1000" u="sng">
+              <a:buNone/>
+            </a:pPr>
+            <a:r>
+              <a:rPr b="0" lang="en" sz="900" u="sng">
                 <a:solidFill>
                   <a:schemeClr val="hlink"/>
                 </a:solidFill>
                 <a:hlinkClick r:id="rId3"/>
               </a:rPr>
-              <a:t>https://profriehle.com</a:t>
-            </a:r>
-            <a:endParaRPr b="0" sz="1000"/>
+              <a:t>https://oss.cs.fau.de</a:t>
+            </a:r>
+            <a:r>
+              <a:rPr b="0" lang="en" sz="900">
+                <a:solidFill>
+                  <a:schemeClr val="dk2"/>
+                </a:solidFill>
+              </a:rPr>
+              <a:t> </a:t>
+            </a:r>
+            <a:endParaRPr b="0" sz="900">
+              <a:solidFill>
+                <a:schemeClr val="dk2"/>
+              </a:solidFill>
+            </a:endParaRPr>
           </a:p>
         </p:txBody>
       </p:sp>
       <p:pic>
         <p:nvPicPr>
-          <p:cNvPr id="126" name="Google Shape;126;p21"/>
+          <p:cNvPr id="141" name="Google Shape;141;p21"/>
           <p:cNvPicPr preferRelativeResize="0"/>
           <p:nvPr/>
         </p:nvPicPr>
@@ -9570,7 +10121,7 @@
   <p:cSld>
     <p:spTree>
       <p:nvGrpSpPr>
-        <p:cNvPr id="130" name="Shape 130"/>
+        <p:cNvPr id="145" name="Shape 145"/>
         <p:cNvGrpSpPr/>
         <p:nvPr/>
       </p:nvGrpSpPr>
@@ -9584,7 +10135,7 @@
       </p:grpSpPr>
       <p:sp>
         <p:nvSpPr>
-          <p:cNvPr id="131" name="Google Shape;131;p22"/>
+          <p:cNvPr id="146" name="Google Shape;146;p22"/>
           <p:cNvSpPr txBox="1"/>
           <p:nvPr>
             <p:ph type="title"/>
@@ -9624,7 +10175,7 @@
       </p:sp>
       <p:sp>
         <p:nvSpPr>
-          <p:cNvPr id="132" name="Google Shape;132;p22"/>
+          <p:cNvPr id="147" name="Google Shape;147;p22"/>
           <p:cNvSpPr txBox="1"/>
           <p:nvPr>
             <p:ph idx="1" type="body"/>
@@ -9729,7 +10280,7 @@
       </p:sp>
       <p:sp>
         <p:nvSpPr>
-          <p:cNvPr id="133" name="Google Shape;133;p22"/>
+          <p:cNvPr id="148" name="Google Shape;148;p22"/>
           <p:cNvSpPr txBox="1"/>
           <p:nvPr>
             <p:ph idx="12" type="sldNum"/>
@@ -9737,8 +10288,8 @@
         </p:nvSpPr>
         <p:spPr>
           <a:xfrm>
-            <a:off x="7315209" y="4229101"/>
-            <a:ext cx="1828800" cy="914400"/>
+            <a:off x="7315202" y="4416550"/>
+            <a:ext cx="1828800" cy="731400"/>
           </a:xfrm>
           <a:prstGeom prst="rect">
             <a:avLst/>
@@ -9773,29 +10324,36 @@
               <a:spcAft>
                 <a:spcPts val="0"/>
               </a:spcAft>
-              <a:buClr>
-                <a:schemeClr val="dk1"/>
-              </a:buClr>
-              <a:buSzPts val="1100"/>
-              <a:buFont typeface="Arial"/>
-              <a:buNone/>
-            </a:pPr>
-            <a:r>
-              <a:rPr b="0" lang="en" sz="1000" u="sng">
+              <a:buNone/>
+            </a:pPr>
+            <a:r>
+              <a:rPr b="0" lang="en" sz="900" u="sng">
                 <a:solidFill>
                   <a:schemeClr val="hlink"/>
                 </a:solidFill>
                 <a:hlinkClick r:id="rId3"/>
               </a:rPr>
-              <a:t>https://profriehle.com</a:t>
-            </a:r>
-            <a:endParaRPr b="0" sz="1000"/>
+              <a:t>https://oss.cs.fau.de</a:t>
+            </a:r>
+            <a:r>
+              <a:rPr b="0" lang="en" sz="900">
+                <a:solidFill>
+                  <a:schemeClr val="dk2"/>
+                </a:solidFill>
+              </a:rPr>
+              <a:t> </a:t>
+            </a:r>
+            <a:endParaRPr b="0" sz="900">
+              <a:solidFill>
+                <a:schemeClr val="dk2"/>
+              </a:solidFill>
+            </a:endParaRPr>
           </a:p>
         </p:txBody>
       </p:sp>
       <p:sp>
         <p:nvSpPr>
-          <p:cNvPr id="134" name="Google Shape;134;p22"/>
+          <p:cNvPr id="149" name="Google Shape;149;p22"/>
           <p:cNvSpPr txBox="1"/>
           <p:nvPr/>
         </p:nvSpPr>
@@ -9848,7 +10406,7 @@
   <p:cSld>
     <p:spTree>
       <p:nvGrpSpPr>
-        <p:cNvPr id="138" name="Shape 138"/>
+        <p:cNvPr id="153" name="Shape 153"/>
         <p:cNvGrpSpPr/>
         <p:nvPr/>
       </p:nvGrpSpPr>
@@ -9862,7 +10420,7 @@
       </p:grpSpPr>
       <p:sp>
         <p:nvSpPr>
-          <p:cNvPr id="139" name="Google Shape;139;p23"/>
+          <p:cNvPr id="154" name="Google Shape;154;p23"/>
           <p:cNvSpPr txBox="1"/>
           <p:nvPr>
             <p:ph type="title"/>
@@ -9913,7 +10471,7 @@
   <p:cSld>
     <p:spTree>
       <p:nvGrpSpPr>
-        <p:cNvPr id="143" name="Shape 143"/>
+        <p:cNvPr id="158" name="Shape 158"/>
         <p:cNvGrpSpPr/>
         <p:nvPr/>
       </p:nvGrpSpPr>
@@ -9927,7 +10485,7 @@
       </p:grpSpPr>
       <p:sp>
         <p:nvSpPr>
-          <p:cNvPr id="144" name="Google Shape;144;p24"/>
+          <p:cNvPr id="159" name="Google Shape;159;p24"/>
           <p:cNvSpPr txBox="1"/>
           <p:nvPr>
             <p:ph type="title"/>
@@ -9967,7 +10525,7 @@
       </p:sp>
       <p:sp>
         <p:nvSpPr>
-          <p:cNvPr id="145" name="Google Shape;145;p24"/>
+          <p:cNvPr id="160" name="Google Shape;160;p24"/>
           <p:cNvSpPr txBox="1"/>
           <p:nvPr>
             <p:ph idx="1" type="body"/>
@@ -10102,7 +10660,7 @@
       </p:sp>
       <p:sp>
         <p:nvSpPr>
-          <p:cNvPr id="146" name="Google Shape;146;p24"/>
+          <p:cNvPr id="161" name="Google Shape;161;p24"/>
           <p:cNvSpPr txBox="1"/>
           <p:nvPr>
             <p:ph idx="12" type="sldNum"/>
@@ -10110,8 +10668,8 @@
         </p:nvSpPr>
         <p:spPr>
           <a:xfrm>
-            <a:off x="7315209" y="4229101"/>
-            <a:ext cx="1828800" cy="914400"/>
+            <a:off x="7315202" y="4416550"/>
+            <a:ext cx="1828800" cy="731400"/>
           </a:xfrm>
           <a:prstGeom prst="rect">
             <a:avLst/>
@@ -10146,23 +10704,30 @@
               <a:spcAft>
                 <a:spcPts val="0"/>
               </a:spcAft>
-              <a:buClr>
-                <a:schemeClr val="dk1"/>
-              </a:buClr>
-              <a:buSzPts val="1100"/>
-              <a:buFont typeface="Arial"/>
-              <a:buNone/>
-            </a:pPr>
-            <a:r>
-              <a:rPr b="0" lang="en" sz="1000" u="sng">
+              <a:buNone/>
+            </a:pPr>
+            <a:r>
+              <a:rPr b="0" lang="en" sz="900" u="sng">
                 <a:solidFill>
                   <a:schemeClr val="hlink"/>
                 </a:solidFill>
                 <a:hlinkClick r:id="rId3"/>
               </a:rPr>
-              <a:t>https://profriehle.com</a:t>
-            </a:r>
-            <a:endParaRPr b="0" sz="1000"/>
+              <a:t>https://oss.cs.fau.de</a:t>
+            </a:r>
+            <a:r>
+              <a:rPr b="0" lang="en" sz="900">
+                <a:solidFill>
+                  <a:schemeClr val="dk2"/>
+                </a:solidFill>
+              </a:rPr>
+              <a:t> </a:t>
+            </a:r>
+            <a:endParaRPr b="0" sz="900">
+              <a:solidFill>
+                <a:schemeClr val="dk2"/>
+              </a:solidFill>
+            </a:endParaRPr>
           </a:p>
         </p:txBody>
       </p:sp>
@@ -10179,7 +10744,7 @@
   <p:cSld>
     <p:spTree>
       <p:nvGrpSpPr>
-        <p:cNvPr id="150" name="Shape 150"/>
+        <p:cNvPr id="165" name="Shape 165"/>
         <p:cNvGrpSpPr/>
         <p:nvPr/>
       </p:nvGrpSpPr>
@@ -10193,7 +10758,7 @@
       </p:grpSpPr>
       <p:sp>
         <p:nvSpPr>
-          <p:cNvPr id="151" name="Google Shape;151;p25"/>
+          <p:cNvPr id="166" name="Google Shape;166;p25"/>
           <p:cNvSpPr txBox="1"/>
           <p:nvPr>
             <p:ph type="title"/>
@@ -10233,7 +10798,7 @@
       </p:sp>
       <p:sp>
         <p:nvSpPr>
-          <p:cNvPr id="152" name="Google Shape;152;p25"/>
+          <p:cNvPr id="167" name="Google Shape;167;p25"/>
           <p:cNvSpPr txBox="1"/>
           <p:nvPr>
             <p:ph idx="1" type="body"/>
@@ -10398,7 +10963,7 @@
       </p:sp>
       <p:sp>
         <p:nvSpPr>
-          <p:cNvPr id="153" name="Google Shape;153;p25"/>
+          <p:cNvPr id="168" name="Google Shape;168;p25"/>
           <p:cNvSpPr txBox="1"/>
           <p:nvPr>
             <p:ph idx="12" type="sldNum"/>
@@ -10406,8 +10971,8 @@
         </p:nvSpPr>
         <p:spPr>
           <a:xfrm>
-            <a:off x="7315209" y="4229101"/>
-            <a:ext cx="1828800" cy="914400"/>
+            <a:off x="7315202" y="4416550"/>
+            <a:ext cx="1828800" cy="731400"/>
           </a:xfrm>
           <a:prstGeom prst="rect">
             <a:avLst/>
@@ -10445,15 +11010,27 @@
               <a:buNone/>
             </a:pPr>
             <a:r>
-              <a:rPr b="0" lang="en" sz="1000" u="sng">
+              <a:rPr b="0" lang="en" sz="900" u="sng">
                 <a:solidFill>
                   <a:schemeClr val="hlink"/>
                 </a:solidFill>
                 <a:hlinkClick r:id="rId3"/>
               </a:rPr>
-              <a:t>https://profriehle.com</a:t>
-            </a:r>
-            <a:endParaRPr b="0" sz="1000"/>
+              <a:t>https://oss.cs.fau.de</a:t>
+            </a:r>
+            <a:r>
+              <a:rPr b="0" lang="en" sz="900">
+                <a:solidFill>
+                  <a:schemeClr val="dk2"/>
+                </a:solidFill>
+              </a:rPr>
+              <a:t> </a:t>
+            </a:r>
+            <a:endParaRPr b="0" sz="900">
+              <a:solidFill>
+                <a:schemeClr val="dk2"/>
+              </a:solidFill>
+            </a:endParaRPr>
           </a:p>
         </p:txBody>
       </p:sp>
@@ -10470,7 +11047,7 @@
   <p:cSld>
     <p:spTree>
       <p:nvGrpSpPr>
-        <p:cNvPr id="157" name="Shape 157"/>
+        <p:cNvPr id="172" name="Shape 172"/>
         <p:cNvGrpSpPr/>
         <p:nvPr/>
       </p:nvGrpSpPr>
@@ -10484,7 +11061,7 @@
       </p:grpSpPr>
       <p:sp>
         <p:nvSpPr>
-          <p:cNvPr id="158" name="Google Shape;158;p26"/>
+          <p:cNvPr id="173" name="Google Shape;173;p26"/>
           <p:cNvSpPr txBox="1"/>
           <p:nvPr>
             <p:ph type="title"/>
@@ -10532,7 +11109,7 @@
       </p:sp>
       <p:sp>
         <p:nvSpPr>
-          <p:cNvPr id="159" name="Google Shape;159;p26"/>
+          <p:cNvPr id="174" name="Google Shape;174;p26"/>
           <p:cNvSpPr txBox="1"/>
           <p:nvPr>
             <p:ph idx="12" type="sldNum"/>
@@ -10540,8 +11117,8 @@
         </p:nvSpPr>
         <p:spPr>
           <a:xfrm>
-            <a:off x="7315209" y="4229101"/>
-            <a:ext cx="1828800" cy="914400"/>
+            <a:off x="7315202" y="4416550"/>
+            <a:ext cx="1828800" cy="731400"/>
           </a:xfrm>
           <a:prstGeom prst="rect">
             <a:avLst/>
@@ -10576,29 +11153,36 @@
               <a:spcAft>
                 <a:spcPts val="0"/>
               </a:spcAft>
-              <a:buClr>
-                <a:schemeClr val="dk1"/>
-              </a:buClr>
-              <a:buSzPts val="1100"/>
-              <a:buFont typeface="Arial"/>
-              <a:buNone/>
-            </a:pPr>
-            <a:r>
-              <a:rPr b="0" lang="en" sz="1000" u="sng">
+              <a:buNone/>
+            </a:pPr>
+            <a:r>
+              <a:rPr b="0" lang="en" sz="900" u="sng">
                 <a:solidFill>
                   <a:schemeClr val="hlink"/>
                 </a:solidFill>
                 <a:hlinkClick r:id="rId3"/>
               </a:rPr>
-              <a:t>https://profriehle.com</a:t>
-            </a:r>
-            <a:endParaRPr b="0" sz="1000"/>
+              <a:t>https://oss.cs.fau.de</a:t>
+            </a:r>
+            <a:r>
+              <a:rPr b="0" lang="en" sz="900">
+                <a:solidFill>
+                  <a:schemeClr val="dk2"/>
+                </a:solidFill>
+              </a:rPr>
+              <a:t> </a:t>
+            </a:r>
+            <a:endParaRPr b="0" sz="900">
+              <a:solidFill>
+                <a:schemeClr val="dk2"/>
+              </a:solidFill>
+            </a:endParaRPr>
           </a:p>
         </p:txBody>
       </p:sp>
       <p:sp>
         <p:nvSpPr>
-          <p:cNvPr id="160" name="Google Shape;160;p26"/>
+          <p:cNvPr id="175" name="Google Shape;175;p26"/>
           <p:cNvSpPr txBox="1"/>
           <p:nvPr/>
         </p:nvSpPr>
@@ -11751,7 +12335,7 @@
       </p:sp>
       <p:sp>
         <p:nvSpPr>
-          <p:cNvPr id="161" name="Google Shape;161;p26"/>
+          <p:cNvPr id="176" name="Google Shape;176;p26"/>
           <p:cNvSpPr txBox="1"/>
           <p:nvPr/>
         </p:nvSpPr>
@@ -12829,7 +13413,7 @@
       </p:sp>
       <p:sp>
         <p:nvSpPr>
-          <p:cNvPr id="162" name="Google Shape;162;p26"/>
+          <p:cNvPr id="177" name="Google Shape;177;p26"/>
           <p:cNvSpPr/>
           <p:nvPr/>
         </p:nvSpPr>
@@ -12875,7 +13459,7 @@
       </p:sp>
       <p:sp>
         <p:nvSpPr>
-          <p:cNvPr id="163" name="Google Shape;163;p26"/>
+          <p:cNvPr id="178" name="Google Shape;178;p26"/>
           <p:cNvSpPr/>
           <p:nvPr/>
         </p:nvSpPr>
@@ -12921,7 +13505,7 @@
       </p:sp>
       <p:pic>
         <p:nvPicPr>
-          <p:cNvPr id="164" name="Google Shape;164;p26"/>
+          <p:cNvPr id="179" name="Google Shape;179;p26"/>
           <p:cNvPicPr preferRelativeResize="0"/>
           <p:nvPr/>
         </p:nvPicPr>
@@ -12960,7 +13544,7 @@
   <p:cSld>
     <p:spTree>
       <p:nvGrpSpPr>
-        <p:cNvPr id="41" name="Shape 41"/>
+        <p:cNvPr id="56" name="Shape 56"/>
         <p:cNvGrpSpPr/>
         <p:nvPr/>
       </p:nvGrpSpPr>
@@ -12974,7 +13558,7 @@
       </p:grpSpPr>
       <p:sp>
         <p:nvSpPr>
-          <p:cNvPr id="42" name="Google Shape;42;p9"/>
+          <p:cNvPr id="57" name="Google Shape;57;p9"/>
           <p:cNvSpPr txBox="1"/>
           <p:nvPr>
             <p:ph type="title"/>
@@ -13014,7 +13598,7 @@
       </p:sp>
       <p:sp>
         <p:nvSpPr>
-          <p:cNvPr id="43" name="Google Shape;43;p9"/>
+          <p:cNvPr id="58" name="Google Shape;58;p9"/>
           <p:cNvSpPr txBox="1"/>
           <p:nvPr>
             <p:ph idx="1" type="body"/>
@@ -13172,7 +13756,7 @@
       </p:sp>
       <p:sp>
         <p:nvSpPr>
-          <p:cNvPr id="44" name="Google Shape;44;p9"/>
+          <p:cNvPr id="59" name="Google Shape;59;p9"/>
           <p:cNvSpPr txBox="1"/>
           <p:nvPr>
             <p:ph idx="12" type="sldNum"/>
@@ -13180,8 +13764,8 @@
         </p:nvSpPr>
         <p:spPr>
           <a:xfrm>
-            <a:off x="7315209" y="4229101"/>
-            <a:ext cx="1828800" cy="914400"/>
+            <a:off x="7315202" y="4416550"/>
+            <a:ext cx="1828800" cy="731400"/>
           </a:xfrm>
           <a:prstGeom prst="rect">
             <a:avLst/>
@@ -13224,21 +13808,25 @@
               <a:buNone/>
             </a:pPr>
             <a:r>
-              <a:rPr b="0" lang="en" sz="1000" u="sng">
+              <a:rPr b="0" lang="en" sz="900" u="sng">
                 <a:solidFill>
                   <a:schemeClr val="hlink"/>
                 </a:solidFill>
                 <a:hlinkClick r:id="rId3"/>
               </a:rPr>
-              <a:t>https://profriehle.com</a:t>
-            </a:r>
-            <a:endParaRPr b="0" sz="1000"/>
+              <a:t>https://oss.cs.fau.de</a:t>
+            </a:r>
+            <a:endParaRPr>
+              <a:solidFill>
+                <a:schemeClr val="dk2"/>
+              </a:solidFill>
+            </a:endParaRPr>
           </a:p>
         </p:txBody>
       </p:sp>
       <p:sp>
         <p:nvSpPr>
-          <p:cNvPr id="45" name="Google Shape;45;p9"/>
+          <p:cNvPr id="60" name="Google Shape;60;p9"/>
           <p:cNvSpPr txBox="1"/>
           <p:nvPr>
             <p:ph idx="2" type="body"/>
@@ -13289,7 +13877,7 @@
   <p:cSld>
     <p:spTree>
       <p:nvGrpSpPr>
-        <p:cNvPr id="168" name="Shape 168"/>
+        <p:cNvPr id="183" name="Shape 183"/>
         <p:cNvGrpSpPr/>
         <p:nvPr/>
       </p:nvGrpSpPr>
@@ -13303,7 +13891,7 @@
       </p:grpSpPr>
       <p:sp>
         <p:nvSpPr>
-          <p:cNvPr id="169" name="Google Shape;169;p27"/>
+          <p:cNvPr id="184" name="Google Shape;184;p27"/>
           <p:cNvSpPr txBox="1"/>
           <p:nvPr>
             <p:ph type="title"/>
@@ -13343,7 +13931,7 @@
       </p:sp>
       <p:sp>
         <p:nvSpPr>
-          <p:cNvPr id="170" name="Google Shape;170;p27"/>
+          <p:cNvPr id="185" name="Google Shape;185;p27"/>
           <p:cNvSpPr txBox="1"/>
           <p:nvPr>
             <p:ph idx="1" type="body"/>
@@ -13491,7 +14079,7 @@
       </p:sp>
       <p:sp>
         <p:nvSpPr>
-          <p:cNvPr id="171" name="Google Shape;171;p27"/>
+          <p:cNvPr id="186" name="Google Shape;186;p27"/>
           <p:cNvSpPr txBox="1"/>
           <p:nvPr>
             <p:ph idx="12" type="sldNum"/>
@@ -13499,8 +14087,8 @@
         </p:nvSpPr>
         <p:spPr>
           <a:xfrm>
-            <a:off x="7315209" y="4229101"/>
-            <a:ext cx="1828800" cy="914400"/>
+            <a:off x="7315202" y="4416550"/>
+            <a:ext cx="1828800" cy="731400"/>
           </a:xfrm>
           <a:prstGeom prst="rect">
             <a:avLst/>
@@ -13535,23 +14123,30 @@
               <a:spcAft>
                 <a:spcPts val="0"/>
               </a:spcAft>
-              <a:buClr>
-                <a:schemeClr val="dk1"/>
-              </a:buClr>
-              <a:buSzPts val="1100"/>
-              <a:buFont typeface="Arial"/>
-              <a:buNone/>
-            </a:pPr>
-            <a:r>
-              <a:rPr b="0" lang="en" sz="1000" u="sng">
+              <a:buNone/>
+            </a:pPr>
+            <a:r>
+              <a:rPr b="0" lang="en" sz="900" u="sng">
                 <a:solidFill>
                   <a:schemeClr val="hlink"/>
                 </a:solidFill>
                 <a:hlinkClick r:id="rId3"/>
               </a:rPr>
-              <a:t>https://profriehle.com</a:t>
-            </a:r>
-            <a:endParaRPr b="0" sz="1000"/>
+              <a:t>https://oss.cs.fau.de</a:t>
+            </a:r>
+            <a:r>
+              <a:rPr b="0" lang="en" sz="900">
+                <a:solidFill>
+                  <a:schemeClr val="dk2"/>
+                </a:solidFill>
+              </a:rPr>
+              <a:t> </a:t>
+            </a:r>
+            <a:endParaRPr b="0" sz="900">
+              <a:solidFill>
+                <a:schemeClr val="dk2"/>
+              </a:solidFill>
+            </a:endParaRPr>
           </a:p>
         </p:txBody>
       </p:sp>
@@ -13568,7 +14163,7 @@
   <p:cSld>
     <p:spTree>
       <p:nvGrpSpPr>
-        <p:cNvPr id="175" name="Shape 175"/>
+        <p:cNvPr id="190" name="Shape 190"/>
         <p:cNvGrpSpPr/>
         <p:nvPr/>
       </p:nvGrpSpPr>
@@ -13582,7 +14177,7 @@
       </p:grpSpPr>
       <p:sp>
         <p:nvSpPr>
-          <p:cNvPr id="176" name="Google Shape;176;p28"/>
+          <p:cNvPr id="191" name="Google Shape;191;p28"/>
           <p:cNvSpPr txBox="1"/>
           <p:nvPr>
             <p:ph type="title"/>
@@ -13622,7 +14217,7 @@
       </p:sp>
       <p:sp>
         <p:nvSpPr>
-          <p:cNvPr id="177" name="Google Shape;177;p28"/>
+          <p:cNvPr id="192" name="Google Shape;192;p28"/>
           <p:cNvSpPr txBox="1"/>
           <p:nvPr>
             <p:ph idx="1" type="body"/>
@@ -13791,7 +14386,7 @@
       </p:sp>
       <p:sp>
         <p:nvSpPr>
-          <p:cNvPr id="178" name="Google Shape;178;p28"/>
+          <p:cNvPr id="193" name="Google Shape;193;p28"/>
           <p:cNvSpPr txBox="1"/>
           <p:nvPr>
             <p:ph idx="12" type="sldNum"/>
@@ -13799,8 +14394,8 @@
         </p:nvSpPr>
         <p:spPr>
           <a:xfrm>
-            <a:off x="7315209" y="4229101"/>
-            <a:ext cx="1828800" cy="914400"/>
+            <a:off x="7315202" y="4416550"/>
+            <a:ext cx="1828800" cy="731400"/>
           </a:xfrm>
           <a:prstGeom prst="rect">
             <a:avLst/>
@@ -13835,23 +14430,30 @@
               <a:spcAft>
                 <a:spcPts val="0"/>
               </a:spcAft>
-              <a:buClr>
-                <a:schemeClr val="dk1"/>
-              </a:buClr>
-              <a:buSzPts val="1100"/>
-              <a:buFont typeface="Arial"/>
-              <a:buNone/>
-            </a:pPr>
-            <a:r>
-              <a:rPr b="0" lang="en" sz="1000" u="sng">
+              <a:buNone/>
+            </a:pPr>
+            <a:r>
+              <a:rPr b="0" lang="en" sz="900" u="sng">
                 <a:solidFill>
                   <a:schemeClr val="hlink"/>
                 </a:solidFill>
                 <a:hlinkClick r:id="rId3"/>
               </a:rPr>
-              <a:t>https://profriehle.com</a:t>
-            </a:r>
-            <a:endParaRPr b="0" sz="1000"/>
+              <a:t>https://oss.cs.fau.de</a:t>
+            </a:r>
+            <a:r>
+              <a:rPr b="0" lang="en" sz="900">
+                <a:solidFill>
+                  <a:schemeClr val="dk2"/>
+                </a:solidFill>
+              </a:rPr>
+              <a:t> </a:t>
+            </a:r>
+            <a:endParaRPr b="0" sz="900">
+              <a:solidFill>
+                <a:schemeClr val="dk2"/>
+              </a:solidFill>
+            </a:endParaRPr>
           </a:p>
         </p:txBody>
       </p:sp>
@@ -13868,7 +14470,7 @@
   <p:cSld>
     <p:spTree>
       <p:nvGrpSpPr>
-        <p:cNvPr id="182" name="Shape 182"/>
+        <p:cNvPr id="197" name="Shape 197"/>
         <p:cNvGrpSpPr/>
         <p:nvPr/>
       </p:nvGrpSpPr>
@@ -13882,7 +14484,7 @@
       </p:grpSpPr>
       <p:sp>
         <p:nvSpPr>
-          <p:cNvPr id="183" name="Google Shape;183;p29"/>
+          <p:cNvPr id="198" name="Google Shape;198;p29"/>
           <p:cNvSpPr txBox="1"/>
           <p:nvPr>
             <p:ph type="title"/>
@@ -13930,7 +14532,7 @@
       </p:sp>
       <p:sp>
         <p:nvSpPr>
-          <p:cNvPr id="184" name="Google Shape;184;p29"/>
+          <p:cNvPr id="199" name="Google Shape;199;p29"/>
           <p:cNvSpPr txBox="1"/>
           <p:nvPr>
             <p:ph idx="12" type="sldNum"/>
@@ -13938,8 +14540,8 @@
         </p:nvSpPr>
         <p:spPr>
           <a:xfrm>
-            <a:off x="7315209" y="4229101"/>
-            <a:ext cx="1828800" cy="914400"/>
+            <a:off x="7315202" y="4416550"/>
+            <a:ext cx="1828800" cy="731400"/>
           </a:xfrm>
           <a:prstGeom prst="rect">
             <a:avLst/>
@@ -13977,21 +14579,33 @@
               <a:buNone/>
             </a:pPr>
             <a:r>
-              <a:rPr b="0" lang="en" sz="1000" u="sng">
+              <a:rPr b="0" lang="en" sz="900" u="sng">
                 <a:solidFill>
                   <a:schemeClr val="hlink"/>
                 </a:solidFill>
                 <a:hlinkClick r:id="rId3"/>
               </a:rPr>
-              <a:t>https://profriehle.com</a:t>
-            </a:r>
-            <a:endParaRPr b="0" sz="1000"/>
+              <a:t>https://oss.cs.fau.de</a:t>
+            </a:r>
+            <a:r>
+              <a:rPr b="0" lang="en" sz="900">
+                <a:solidFill>
+                  <a:schemeClr val="dk2"/>
+                </a:solidFill>
+              </a:rPr>
+              <a:t> </a:t>
+            </a:r>
+            <a:endParaRPr b="0" sz="900">
+              <a:solidFill>
+                <a:schemeClr val="dk2"/>
+              </a:solidFill>
+            </a:endParaRPr>
           </a:p>
         </p:txBody>
       </p:sp>
       <p:sp>
         <p:nvSpPr>
-          <p:cNvPr id="185" name="Google Shape;185;p29"/>
+          <p:cNvPr id="200" name="Google Shape;200;p29"/>
           <p:cNvSpPr txBox="1"/>
           <p:nvPr/>
         </p:nvSpPr>
@@ -15280,7 +15894,7 @@
       </p:sp>
       <p:sp>
         <p:nvSpPr>
-          <p:cNvPr id="186" name="Google Shape;186;p29"/>
+          <p:cNvPr id="201" name="Google Shape;201;p29"/>
           <p:cNvSpPr txBox="1"/>
           <p:nvPr/>
         </p:nvSpPr>
@@ -16176,7 +16790,7 @@
       </p:sp>
       <p:sp>
         <p:nvSpPr>
-          <p:cNvPr id="187" name="Google Shape;187;p29"/>
+          <p:cNvPr id="202" name="Google Shape;202;p29"/>
           <p:cNvSpPr/>
           <p:nvPr/>
         </p:nvSpPr>
@@ -16222,7 +16836,7 @@
       </p:sp>
       <p:sp>
         <p:nvSpPr>
-          <p:cNvPr id="188" name="Google Shape;188;p29"/>
+          <p:cNvPr id="203" name="Google Shape;203;p29"/>
           <p:cNvSpPr/>
           <p:nvPr/>
         </p:nvSpPr>
@@ -16268,7 +16882,7 @@
       </p:sp>
       <p:pic>
         <p:nvPicPr>
-          <p:cNvPr id="189" name="Google Shape;189;p29"/>
+          <p:cNvPr id="204" name="Google Shape;204;p29"/>
           <p:cNvPicPr preferRelativeResize="0"/>
           <p:nvPr/>
         </p:nvPicPr>
@@ -16307,7 +16921,7 @@
   <p:cSld>
     <p:spTree>
       <p:nvGrpSpPr>
-        <p:cNvPr id="193" name="Shape 193"/>
+        <p:cNvPr id="208" name="Shape 208"/>
         <p:cNvGrpSpPr/>
         <p:nvPr/>
       </p:nvGrpSpPr>
@@ -16321,7 +16935,7 @@
       </p:grpSpPr>
       <p:sp>
         <p:nvSpPr>
-          <p:cNvPr id="194" name="Google Shape;194;p30"/>
+          <p:cNvPr id="209" name="Google Shape;209;p30"/>
           <p:cNvSpPr txBox="1"/>
           <p:nvPr>
             <p:ph type="title"/>
@@ -16361,7 +16975,7 @@
       </p:sp>
       <p:sp>
         <p:nvSpPr>
-          <p:cNvPr id="195" name="Google Shape;195;p30"/>
+          <p:cNvPr id="210" name="Google Shape;210;p30"/>
           <p:cNvSpPr txBox="1"/>
           <p:nvPr>
             <p:ph idx="12" type="sldNum"/>
@@ -16369,8 +16983,8 @@
         </p:nvSpPr>
         <p:spPr>
           <a:xfrm>
-            <a:off x="7315209" y="4229101"/>
-            <a:ext cx="1828800" cy="914400"/>
+            <a:off x="7315202" y="4416550"/>
+            <a:ext cx="1828800" cy="731400"/>
           </a:xfrm>
           <a:prstGeom prst="rect">
             <a:avLst/>
@@ -16405,29 +17019,36 @@
               <a:spcAft>
                 <a:spcPts val="0"/>
               </a:spcAft>
-              <a:buClr>
-                <a:schemeClr val="dk1"/>
-              </a:buClr>
-              <a:buSzPts val="1100"/>
-              <a:buFont typeface="Arial"/>
-              <a:buNone/>
-            </a:pPr>
-            <a:r>
-              <a:rPr b="0" lang="en" sz="1000" u="sng">
+              <a:buNone/>
+            </a:pPr>
+            <a:r>
+              <a:rPr b="0" lang="en" sz="900" u="sng">
                 <a:solidFill>
                   <a:schemeClr val="hlink"/>
                 </a:solidFill>
                 <a:hlinkClick r:id="rId3"/>
               </a:rPr>
-              <a:t>https://profriehle.com</a:t>
-            </a:r>
-            <a:endParaRPr b="0" sz="1000"/>
+              <a:t>https://oss.cs.fau.de</a:t>
+            </a:r>
+            <a:r>
+              <a:rPr b="0" lang="en" sz="900">
+                <a:solidFill>
+                  <a:schemeClr val="dk2"/>
+                </a:solidFill>
+              </a:rPr>
+              <a:t> </a:t>
+            </a:r>
+            <a:endParaRPr>
+              <a:solidFill>
+                <a:schemeClr val="dk2"/>
+              </a:solidFill>
+            </a:endParaRPr>
           </a:p>
         </p:txBody>
       </p:sp>
       <p:graphicFrame>
         <p:nvGraphicFramePr>
-          <p:cNvPr id="196" name="Google Shape;196;p30"/>
+          <p:cNvPr id="211" name="Google Shape;211;p30"/>
           <p:cNvGraphicFramePr/>
           <p:nvPr/>
         </p:nvGraphicFramePr>
@@ -16440,7 +17061,7 @@
             <a:tbl>
               <a:tblPr>
                 <a:noFill/>
-                <a:tableStyleId>{DD3E2486-4AA5-4824-A262-5B90F60164EA}</a:tableStyleId>
+                <a:tableStyleId>{AF7D45C0-142A-44FF-9D4C-C84B605BD424}</a:tableStyleId>
               </a:tblPr>
               <a:tblGrid>
                 <a:gridCol w="2865125"/>
@@ -17075,7 +17696,7 @@
       </p:graphicFrame>
       <p:sp>
         <p:nvSpPr>
-          <p:cNvPr id="197" name="Google Shape;197;p30"/>
+          <p:cNvPr id="212" name="Google Shape;212;p30"/>
           <p:cNvSpPr txBox="1"/>
           <p:nvPr/>
         </p:nvSpPr>
@@ -17144,7 +17765,7 @@
   <p:cSld>
     <p:spTree>
       <p:nvGrpSpPr>
-        <p:cNvPr id="201" name="Shape 201"/>
+        <p:cNvPr id="216" name="Shape 216"/>
         <p:cNvGrpSpPr/>
         <p:nvPr/>
       </p:nvGrpSpPr>
@@ -17158,7 +17779,7 @@
       </p:grpSpPr>
       <p:sp>
         <p:nvSpPr>
-          <p:cNvPr id="202" name="Google Shape;202;p31"/>
+          <p:cNvPr id="217" name="Google Shape;217;p31"/>
           <p:cNvSpPr txBox="1"/>
           <p:nvPr>
             <p:ph type="title"/>
@@ -17198,7 +17819,7 @@
       </p:sp>
       <p:sp>
         <p:nvSpPr>
-          <p:cNvPr id="203" name="Google Shape;203;p31"/>
+          <p:cNvPr id="218" name="Google Shape;218;p31"/>
           <p:cNvSpPr txBox="1"/>
           <p:nvPr>
             <p:ph idx="1" type="body"/>
@@ -17296,7 +17917,7 @@
       </p:sp>
       <p:sp>
         <p:nvSpPr>
-          <p:cNvPr id="204" name="Google Shape;204;p31"/>
+          <p:cNvPr id="219" name="Google Shape;219;p31"/>
           <p:cNvSpPr txBox="1"/>
           <p:nvPr>
             <p:ph idx="12" type="sldNum"/>
@@ -17304,8 +17925,8 @@
         </p:nvSpPr>
         <p:spPr>
           <a:xfrm>
-            <a:off x="7315209" y="4229101"/>
-            <a:ext cx="1828800" cy="914400"/>
+            <a:off x="7315202" y="4416550"/>
+            <a:ext cx="1828800" cy="731400"/>
           </a:xfrm>
           <a:prstGeom prst="rect">
             <a:avLst/>
@@ -17340,29 +17961,36 @@
               <a:spcAft>
                 <a:spcPts val="0"/>
               </a:spcAft>
-              <a:buClr>
-                <a:schemeClr val="dk1"/>
-              </a:buClr>
-              <a:buSzPts val="1100"/>
-              <a:buFont typeface="Arial"/>
-              <a:buNone/>
-            </a:pPr>
-            <a:r>
-              <a:rPr b="0" lang="en" sz="1000" u="sng">
+              <a:buNone/>
+            </a:pPr>
+            <a:r>
+              <a:rPr b="0" lang="en" sz="900" u="sng">
                 <a:solidFill>
                   <a:schemeClr val="hlink"/>
                 </a:solidFill>
                 <a:hlinkClick r:id="rId3"/>
               </a:rPr>
-              <a:t>https://profriehle.com</a:t>
-            </a:r>
-            <a:endParaRPr b="0" sz="1000"/>
+              <a:t>https://oss.cs.fau.de</a:t>
+            </a:r>
+            <a:r>
+              <a:rPr b="0" lang="en" sz="900">
+                <a:solidFill>
+                  <a:schemeClr val="dk2"/>
+                </a:solidFill>
+              </a:rPr>
+              <a:t> </a:t>
+            </a:r>
+            <a:endParaRPr b="0" sz="900">
+              <a:solidFill>
+                <a:schemeClr val="dk2"/>
+              </a:solidFill>
+            </a:endParaRPr>
           </a:p>
         </p:txBody>
       </p:sp>
       <p:pic>
         <p:nvPicPr>
-          <p:cNvPr id="205" name="Google Shape;205;p31"/>
+          <p:cNvPr id="220" name="Google Shape;220;p31"/>
           <p:cNvPicPr preferRelativeResize="0"/>
           <p:nvPr/>
         </p:nvPicPr>
@@ -17377,7 +18005,7 @@
         <p:spPr>
           <a:xfrm>
             <a:off x="4572000" y="914400"/>
-            <a:ext cx="4297680" cy="3631540"/>
+            <a:ext cx="4297680" cy="3642284"/>
           </a:xfrm>
           <a:prstGeom prst="rect">
             <a:avLst/>
@@ -17401,7 +18029,7 @@
   <p:cSld>
     <p:spTree>
       <p:nvGrpSpPr>
-        <p:cNvPr id="209" name="Shape 209"/>
+        <p:cNvPr id="224" name="Shape 224"/>
         <p:cNvGrpSpPr/>
         <p:nvPr/>
       </p:nvGrpSpPr>
@@ -17415,7 +18043,7 @@
       </p:grpSpPr>
       <p:sp>
         <p:nvSpPr>
-          <p:cNvPr id="210" name="Google Shape;210;p32"/>
+          <p:cNvPr id="225" name="Google Shape;225;p32"/>
           <p:cNvSpPr txBox="1"/>
           <p:nvPr>
             <p:ph type="title"/>
@@ -17466,7 +18094,7 @@
   <p:cSld>
     <p:spTree>
       <p:nvGrpSpPr>
-        <p:cNvPr id="214" name="Shape 214"/>
+        <p:cNvPr id="229" name="Shape 229"/>
         <p:cNvGrpSpPr/>
         <p:nvPr/>
       </p:nvGrpSpPr>
@@ -17480,7 +18108,7 @@
       </p:grpSpPr>
       <p:sp>
         <p:nvSpPr>
-          <p:cNvPr id="215" name="Google Shape;215;p33"/>
+          <p:cNvPr id="230" name="Google Shape;230;p33"/>
           <p:cNvSpPr txBox="1"/>
           <p:nvPr>
             <p:ph type="title"/>
@@ -17520,7 +18148,7 @@
       </p:sp>
       <p:sp>
         <p:nvSpPr>
-          <p:cNvPr id="216" name="Google Shape;216;p33"/>
+          <p:cNvPr id="231" name="Google Shape;231;p33"/>
           <p:cNvSpPr txBox="1"/>
           <p:nvPr>
             <p:ph idx="1" type="body"/>
@@ -17626,7 +18254,7 @@
       </p:sp>
       <p:sp>
         <p:nvSpPr>
-          <p:cNvPr id="217" name="Google Shape;217;p33"/>
+          <p:cNvPr id="232" name="Google Shape;232;p33"/>
           <p:cNvSpPr txBox="1"/>
           <p:nvPr>
             <p:ph idx="12" type="sldNum"/>
@@ -17634,8 +18262,8 @@
         </p:nvSpPr>
         <p:spPr>
           <a:xfrm>
-            <a:off x="7315209" y="4229101"/>
-            <a:ext cx="1828800" cy="914400"/>
+            <a:off x="7315202" y="4416550"/>
+            <a:ext cx="1828800" cy="731400"/>
           </a:xfrm>
           <a:prstGeom prst="rect">
             <a:avLst/>
@@ -17670,29 +18298,36 @@
               <a:spcAft>
                 <a:spcPts val="0"/>
               </a:spcAft>
-              <a:buClr>
-                <a:schemeClr val="dk1"/>
-              </a:buClr>
-              <a:buSzPts val="1100"/>
-              <a:buFont typeface="Arial"/>
-              <a:buNone/>
-            </a:pPr>
-            <a:r>
-              <a:rPr b="0" lang="en" sz="1000" u="sng">
+              <a:buNone/>
+            </a:pPr>
+            <a:r>
+              <a:rPr b="0" lang="en" sz="900" u="sng">
                 <a:solidFill>
                   <a:schemeClr val="hlink"/>
                 </a:solidFill>
                 <a:hlinkClick r:id="rId3"/>
               </a:rPr>
-              <a:t>https://profriehle.com</a:t>
-            </a:r>
-            <a:endParaRPr b="0" sz="1000"/>
+              <a:t>https://oss.cs.fau.de</a:t>
+            </a:r>
+            <a:r>
+              <a:rPr b="0" lang="en" sz="900">
+                <a:solidFill>
+                  <a:schemeClr val="dk2"/>
+                </a:solidFill>
+              </a:rPr>
+              <a:t> </a:t>
+            </a:r>
+            <a:endParaRPr b="0" sz="900">
+              <a:solidFill>
+                <a:schemeClr val="dk2"/>
+              </a:solidFill>
+            </a:endParaRPr>
           </a:p>
         </p:txBody>
       </p:sp>
       <p:pic>
         <p:nvPicPr>
-          <p:cNvPr id="218" name="Google Shape;218;p33"/>
+          <p:cNvPr id="233" name="Google Shape;233;p33"/>
           <p:cNvPicPr preferRelativeResize="0"/>
           <p:nvPr/>
         </p:nvPicPr>
@@ -17731,7 +18366,7 @@
   <p:cSld>
     <p:spTree>
       <p:nvGrpSpPr>
-        <p:cNvPr id="222" name="Shape 222"/>
+        <p:cNvPr id="237" name="Shape 237"/>
         <p:cNvGrpSpPr/>
         <p:nvPr/>
       </p:nvGrpSpPr>
@@ -17745,7 +18380,7 @@
       </p:grpSpPr>
       <p:sp>
         <p:nvSpPr>
-          <p:cNvPr id="223" name="Google Shape;223;p34"/>
+          <p:cNvPr id="238" name="Google Shape;238;p34"/>
           <p:cNvSpPr txBox="1"/>
           <p:nvPr>
             <p:ph idx="1" type="body"/>
@@ -17835,7 +18470,7 @@
       </p:sp>
       <p:sp>
         <p:nvSpPr>
-          <p:cNvPr id="224" name="Google Shape;224;p34"/>
+          <p:cNvPr id="239" name="Google Shape;239;p34"/>
           <p:cNvSpPr txBox="1"/>
           <p:nvPr>
             <p:ph type="title"/>
@@ -17875,7 +18510,7 @@
       </p:sp>
       <p:sp>
         <p:nvSpPr>
-          <p:cNvPr id="225" name="Google Shape;225;p34"/>
+          <p:cNvPr id="240" name="Google Shape;240;p34"/>
           <p:cNvSpPr txBox="1"/>
           <p:nvPr>
             <p:ph idx="12" type="sldNum"/>
@@ -17883,8 +18518,8 @@
         </p:nvSpPr>
         <p:spPr>
           <a:xfrm>
-            <a:off x="7315209" y="4229101"/>
-            <a:ext cx="1828800" cy="914400"/>
+            <a:off x="7315202" y="4416550"/>
+            <a:ext cx="1828800" cy="731400"/>
           </a:xfrm>
           <a:prstGeom prst="rect">
             <a:avLst/>
@@ -17919,29 +18554,36 @@
               <a:spcAft>
                 <a:spcPts val="0"/>
               </a:spcAft>
-              <a:buClr>
-                <a:schemeClr val="dk1"/>
-              </a:buClr>
-              <a:buSzPts val="1100"/>
-              <a:buFont typeface="Arial"/>
-              <a:buNone/>
-            </a:pPr>
-            <a:r>
-              <a:rPr b="0" lang="en" sz="1000" u="sng">
+              <a:buNone/>
+            </a:pPr>
+            <a:r>
+              <a:rPr b="0" lang="en" sz="900" u="sng">
                 <a:solidFill>
                   <a:schemeClr val="hlink"/>
                 </a:solidFill>
                 <a:hlinkClick r:id="rId3"/>
               </a:rPr>
-              <a:t>https://profriehle.com</a:t>
-            </a:r>
-            <a:endParaRPr b="0" sz="1000"/>
+              <a:t>https://oss.cs.fau.de</a:t>
+            </a:r>
+            <a:r>
+              <a:rPr b="0" lang="en" sz="900">
+                <a:solidFill>
+                  <a:schemeClr val="dk2"/>
+                </a:solidFill>
+              </a:rPr>
+              <a:t> </a:t>
+            </a:r>
+            <a:endParaRPr b="0" sz="900">
+              <a:solidFill>
+                <a:schemeClr val="dk2"/>
+              </a:solidFill>
+            </a:endParaRPr>
           </a:p>
         </p:txBody>
       </p:sp>
       <p:pic>
         <p:nvPicPr>
-          <p:cNvPr id="226" name="Google Shape;226;p34"/>
+          <p:cNvPr id="241" name="Google Shape;241;p34"/>
           <p:cNvPicPr preferRelativeResize="0"/>
           <p:nvPr/>
         </p:nvPicPr>
@@ -17980,7 +18622,7 @@
   <p:cSld>
     <p:spTree>
       <p:nvGrpSpPr>
-        <p:cNvPr id="230" name="Shape 230"/>
+        <p:cNvPr id="245" name="Shape 245"/>
         <p:cNvGrpSpPr/>
         <p:nvPr/>
       </p:nvGrpSpPr>
@@ -17994,7 +18636,7 @@
       </p:grpSpPr>
       <p:sp>
         <p:nvSpPr>
-          <p:cNvPr id="231" name="Google Shape;231;p35"/>
+          <p:cNvPr id="246" name="Google Shape;246;p35"/>
           <p:cNvSpPr txBox="1"/>
           <p:nvPr>
             <p:ph type="title"/>
@@ -18034,7 +18676,7 @@
       </p:sp>
       <p:sp>
         <p:nvSpPr>
-          <p:cNvPr id="232" name="Google Shape;232;p35"/>
+          <p:cNvPr id="247" name="Google Shape;247;p35"/>
           <p:cNvSpPr txBox="1"/>
           <p:nvPr>
             <p:ph idx="1" type="body"/>
@@ -18107,7 +18749,7 @@
       </p:sp>
       <p:sp>
         <p:nvSpPr>
-          <p:cNvPr id="233" name="Google Shape;233;p35"/>
+          <p:cNvPr id="248" name="Google Shape;248;p35"/>
           <p:cNvSpPr txBox="1"/>
           <p:nvPr>
             <p:ph idx="12" type="sldNum"/>
@@ -18115,8 +18757,8 @@
         </p:nvSpPr>
         <p:spPr>
           <a:xfrm>
-            <a:off x="7315209" y="4229101"/>
-            <a:ext cx="1828800" cy="914400"/>
+            <a:off x="7315202" y="4416550"/>
+            <a:ext cx="1828800" cy="731400"/>
           </a:xfrm>
           <a:prstGeom prst="rect">
             <a:avLst/>
@@ -18151,23 +18793,30 @@
               <a:spcAft>
                 <a:spcPts val="0"/>
               </a:spcAft>
-              <a:buClr>
-                <a:schemeClr val="dk1"/>
-              </a:buClr>
-              <a:buSzPts val="1100"/>
-              <a:buFont typeface="Arial"/>
-              <a:buNone/>
-            </a:pPr>
-            <a:r>
-              <a:rPr b="0" lang="en" sz="1000" u="sng">
+              <a:buNone/>
+            </a:pPr>
+            <a:r>
+              <a:rPr b="0" lang="en" sz="900" u="sng">
                 <a:solidFill>
                   <a:schemeClr val="hlink"/>
                 </a:solidFill>
                 <a:hlinkClick r:id="rId3"/>
               </a:rPr>
-              <a:t>https://profriehle.com</a:t>
-            </a:r>
-            <a:endParaRPr b="0" sz="1000"/>
+              <a:t>https://oss.cs.fau.de</a:t>
+            </a:r>
+            <a:r>
+              <a:rPr b="0" lang="en" sz="900">
+                <a:solidFill>
+                  <a:schemeClr val="dk2"/>
+                </a:solidFill>
+              </a:rPr>
+              <a:t> </a:t>
+            </a:r>
+            <a:endParaRPr b="0" sz="900">
+              <a:solidFill>
+                <a:schemeClr val="dk2"/>
+              </a:solidFill>
+            </a:endParaRPr>
           </a:p>
         </p:txBody>
       </p:sp>
@@ -18184,7 +18833,7 @@
   <p:cSld>
     <p:spTree>
       <p:nvGrpSpPr>
-        <p:cNvPr id="237" name="Shape 237"/>
+        <p:cNvPr id="252" name="Shape 252"/>
         <p:cNvGrpSpPr/>
         <p:nvPr/>
       </p:nvGrpSpPr>
@@ -18198,7 +18847,7 @@
       </p:grpSpPr>
       <p:sp>
         <p:nvSpPr>
-          <p:cNvPr id="238" name="Google Shape;238;p36"/>
+          <p:cNvPr id="253" name="Google Shape;253;p36"/>
           <p:cNvSpPr txBox="1"/>
           <p:nvPr>
             <p:ph type="title"/>
@@ -18249,7 +18898,7 @@
   <p:cSld>
     <p:spTree>
       <p:nvGrpSpPr>
-        <p:cNvPr id="49" name="Shape 49"/>
+        <p:cNvPr id="64" name="Shape 64"/>
         <p:cNvGrpSpPr/>
         <p:nvPr/>
       </p:nvGrpSpPr>
@@ -18263,7 +18912,7 @@
       </p:grpSpPr>
       <p:sp>
         <p:nvSpPr>
-          <p:cNvPr id="50" name="Google Shape;50;p10"/>
+          <p:cNvPr id="65" name="Google Shape;65;p10"/>
           <p:cNvSpPr txBox="1"/>
           <p:nvPr>
             <p:ph type="title"/>
@@ -18314,7 +18963,7 @@
   <p:cSld>
     <p:spTree>
       <p:nvGrpSpPr>
-        <p:cNvPr id="242" name="Shape 242"/>
+        <p:cNvPr id="257" name="Shape 257"/>
         <p:cNvGrpSpPr/>
         <p:nvPr/>
       </p:nvGrpSpPr>
@@ -18328,7 +18977,7 @@
       </p:grpSpPr>
       <p:sp>
         <p:nvSpPr>
-          <p:cNvPr id="243" name="Google Shape;243;p37"/>
+          <p:cNvPr id="258" name="Google Shape;258;p37"/>
           <p:cNvSpPr txBox="1"/>
           <p:nvPr>
             <p:ph type="title"/>
@@ -18368,7 +19017,7 @@
       </p:sp>
       <p:sp>
         <p:nvSpPr>
-          <p:cNvPr id="244" name="Google Shape;244;p37"/>
+          <p:cNvPr id="259" name="Google Shape;259;p37"/>
           <p:cNvSpPr txBox="1"/>
           <p:nvPr>
             <p:ph idx="1" type="body"/>
@@ -18473,7 +19122,7 @@
       </p:sp>
       <p:sp>
         <p:nvSpPr>
-          <p:cNvPr id="245" name="Google Shape;245;p37"/>
+          <p:cNvPr id="260" name="Google Shape;260;p37"/>
           <p:cNvSpPr txBox="1"/>
           <p:nvPr>
             <p:ph idx="12" type="sldNum"/>
@@ -18481,8 +19130,8 @@
         </p:nvSpPr>
         <p:spPr>
           <a:xfrm>
-            <a:off x="7315209" y="4229101"/>
-            <a:ext cx="1828800" cy="914400"/>
+            <a:off x="7315202" y="4416550"/>
+            <a:ext cx="1828800" cy="731400"/>
           </a:xfrm>
           <a:prstGeom prst="rect">
             <a:avLst/>
@@ -18517,23 +19166,30 @@
               <a:spcAft>
                 <a:spcPts val="0"/>
               </a:spcAft>
-              <a:buClr>
-                <a:schemeClr val="dk1"/>
-              </a:buClr>
-              <a:buSzPts val="1100"/>
-              <a:buFont typeface="Arial"/>
-              <a:buNone/>
-            </a:pPr>
-            <a:r>
-              <a:rPr b="0" lang="en" sz="1000" u="sng">
+              <a:buNone/>
+            </a:pPr>
+            <a:r>
+              <a:rPr b="0" lang="en" sz="900" u="sng">
                 <a:solidFill>
                   <a:schemeClr val="hlink"/>
                 </a:solidFill>
                 <a:hlinkClick r:id="rId3"/>
               </a:rPr>
-              <a:t>https://profriehle.com</a:t>
-            </a:r>
-            <a:endParaRPr b="0" sz="1000"/>
+              <a:t>https://oss.cs.fau.de</a:t>
+            </a:r>
+            <a:r>
+              <a:rPr b="0" lang="en" sz="900">
+                <a:solidFill>
+                  <a:schemeClr val="dk2"/>
+                </a:solidFill>
+              </a:rPr>
+              <a:t> </a:t>
+            </a:r>
+            <a:endParaRPr b="0" sz="900">
+              <a:solidFill>
+                <a:schemeClr val="dk2"/>
+              </a:solidFill>
+            </a:endParaRPr>
           </a:p>
         </p:txBody>
       </p:sp>
@@ -18550,7 +19206,7 @@
   <p:cSld>
     <p:spTree>
       <p:nvGrpSpPr>
-        <p:cNvPr id="249" name="Shape 249"/>
+        <p:cNvPr id="264" name="Shape 264"/>
         <p:cNvGrpSpPr/>
         <p:nvPr/>
       </p:nvGrpSpPr>
@@ -18564,7 +19220,7 @@
       </p:grpSpPr>
       <p:sp>
         <p:nvSpPr>
-          <p:cNvPr id="250" name="Google Shape;250;p38"/>
+          <p:cNvPr id="265" name="Google Shape;265;p38"/>
           <p:cNvSpPr txBox="1"/>
           <p:nvPr>
             <p:ph type="title"/>
@@ -18604,7 +19260,7 @@
       </p:sp>
       <p:sp>
         <p:nvSpPr>
-          <p:cNvPr id="251" name="Google Shape;251;p38"/>
+          <p:cNvPr id="266" name="Google Shape;266;p38"/>
           <p:cNvSpPr txBox="1"/>
           <p:nvPr>
             <p:ph idx="1" type="body"/>
@@ -18675,7 +19331,7 @@
       </p:sp>
       <p:sp>
         <p:nvSpPr>
-          <p:cNvPr id="252" name="Google Shape;252;p38"/>
+          <p:cNvPr id="267" name="Google Shape;267;p38"/>
           <p:cNvSpPr txBox="1"/>
           <p:nvPr>
             <p:ph idx="12" type="sldNum"/>
@@ -18683,8 +19339,8 @@
         </p:nvSpPr>
         <p:spPr>
           <a:xfrm>
-            <a:off x="7315209" y="4229101"/>
-            <a:ext cx="1828800" cy="914400"/>
+            <a:off x="7315202" y="4416550"/>
+            <a:ext cx="1828800" cy="731400"/>
           </a:xfrm>
           <a:prstGeom prst="rect">
             <a:avLst/>
@@ -18719,23 +19375,30 @@
               <a:spcAft>
                 <a:spcPts val="0"/>
               </a:spcAft>
-              <a:buClr>
-                <a:schemeClr val="dk1"/>
-              </a:buClr>
-              <a:buSzPts val="1100"/>
-              <a:buFont typeface="Arial"/>
-              <a:buNone/>
-            </a:pPr>
-            <a:r>
-              <a:rPr b="0" lang="en" sz="1000" u="sng">
+              <a:buNone/>
+            </a:pPr>
+            <a:r>
+              <a:rPr b="0" lang="en" sz="900" u="sng">
                 <a:solidFill>
                   <a:schemeClr val="hlink"/>
                 </a:solidFill>
                 <a:hlinkClick r:id="rId3"/>
               </a:rPr>
-              <a:t>https://profriehle.com</a:t>
-            </a:r>
-            <a:endParaRPr b="0" sz="1000"/>
+              <a:t>https://oss.cs.fau.de</a:t>
+            </a:r>
+            <a:r>
+              <a:rPr b="0" lang="en" sz="900">
+                <a:solidFill>
+                  <a:schemeClr val="dk2"/>
+                </a:solidFill>
+              </a:rPr>
+              <a:t> </a:t>
+            </a:r>
+            <a:endParaRPr b="0" sz="900">
+              <a:solidFill>
+                <a:schemeClr val="dk2"/>
+              </a:solidFill>
+            </a:endParaRPr>
           </a:p>
         </p:txBody>
       </p:sp>
@@ -18752,7 +19415,7 @@
   <p:cSld>
     <p:spTree>
       <p:nvGrpSpPr>
-        <p:cNvPr id="256" name="Shape 256"/>
+        <p:cNvPr id="271" name="Shape 271"/>
         <p:cNvGrpSpPr/>
         <p:nvPr/>
       </p:nvGrpSpPr>
@@ -18766,7 +19429,7 @@
       </p:grpSpPr>
       <p:sp>
         <p:nvSpPr>
-          <p:cNvPr id="257" name="Google Shape;257;p39"/>
+          <p:cNvPr id="272" name="Google Shape;272;p39"/>
           <p:cNvSpPr txBox="1"/>
           <p:nvPr>
             <p:ph type="title"/>
@@ -18806,7 +19469,7 @@
       </p:sp>
       <p:sp>
         <p:nvSpPr>
-          <p:cNvPr id="258" name="Google Shape;258;p39"/>
+          <p:cNvPr id="273" name="Google Shape;273;p39"/>
           <p:cNvSpPr txBox="1"/>
           <p:nvPr>
             <p:ph idx="1" type="body"/>
@@ -18938,7 +19601,7 @@
       </p:sp>
       <p:sp>
         <p:nvSpPr>
-          <p:cNvPr id="259" name="Google Shape;259;p39"/>
+          <p:cNvPr id="274" name="Google Shape;274;p39"/>
           <p:cNvSpPr txBox="1"/>
           <p:nvPr>
             <p:ph idx="12" type="sldNum"/>
@@ -18946,8 +19609,8 @@
         </p:nvSpPr>
         <p:spPr>
           <a:xfrm>
-            <a:off x="7315209" y="4229101"/>
-            <a:ext cx="1828800" cy="914400"/>
+            <a:off x="7315202" y="4416550"/>
+            <a:ext cx="1828800" cy="731400"/>
           </a:xfrm>
           <a:prstGeom prst="rect">
             <a:avLst/>
@@ -18982,23 +19645,30 @@
               <a:spcAft>
                 <a:spcPts val="0"/>
               </a:spcAft>
-              <a:buClr>
-                <a:schemeClr val="dk1"/>
-              </a:buClr>
-              <a:buSzPts val="1100"/>
-              <a:buFont typeface="Arial"/>
-              <a:buNone/>
-            </a:pPr>
-            <a:r>
-              <a:rPr b="0" lang="en" sz="1000" u="sng">
+              <a:buNone/>
+            </a:pPr>
+            <a:r>
+              <a:rPr b="0" lang="en" sz="900" u="sng">
                 <a:solidFill>
                   <a:schemeClr val="hlink"/>
                 </a:solidFill>
                 <a:hlinkClick r:id="rId3"/>
               </a:rPr>
-              <a:t>https://profriehle.com</a:t>
-            </a:r>
-            <a:endParaRPr b="0" sz="1000"/>
+              <a:t>https://oss.cs.fau.de</a:t>
+            </a:r>
+            <a:r>
+              <a:rPr b="0" lang="en" sz="900">
+                <a:solidFill>
+                  <a:schemeClr val="dk2"/>
+                </a:solidFill>
+              </a:rPr>
+              <a:t> </a:t>
+            </a:r>
+            <a:endParaRPr b="0" sz="900">
+              <a:solidFill>
+                <a:schemeClr val="dk2"/>
+              </a:solidFill>
+            </a:endParaRPr>
           </a:p>
         </p:txBody>
       </p:sp>
@@ -19015,7 +19685,7 @@
   <p:cSld>
     <p:spTree>
       <p:nvGrpSpPr>
-        <p:cNvPr id="263" name="Shape 263"/>
+        <p:cNvPr id="278" name="Shape 278"/>
         <p:cNvGrpSpPr/>
         <p:nvPr/>
       </p:nvGrpSpPr>
@@ -19029,7 +19699,7 @@
       </p:grpSpPr>
       <p:sp>
         <p:nvSpPr>
-          <p:cNvPr id="264" name="Google Shape;264;p40"/>
+          <p:cNvPr id="279" name="Google Shape;279;p40"/>
           <p:cNvSpPr txBox="1"/>
           <p:nvPr>
             <p:ph type="title"/>
@@ -19069,7 +19739,7 @@
       </p:sp>
       <p:sp>
         <p:nvSpPr>
-          <p:cNvPr id="265" name="Google Shape;265;p40"/>
+          <p:cNvPr id="280" name="Google Shape;280;p40"/>
           <p:cNvSpPr txBox="1"/>
           <p:nvPr>
             <p:ph idx="1" type="body"/>
@@ -19126,7 +19796,7 @@
       </p:sp>
       <p:sp>
         <p:nvSpPr>
-          <p:cNvPr id="266" name="Google Shape;266;p40"/>
+          <p:cNvPr id="281" name="Google Shape;281;p40"/>
           <p:cNvSpPr txBox="1"/>
           <p:nvPr>
             <p:ph idx="12" type="sldNum"/>
@@ -19134,8 +19804,8 @@
         </p:nvSpPr>
         <p:spPr>
           <a:xfrm>
-            <a:off x="7315209" y="4229101"/>
-            <a:ext cx="1828800" cy="914400"/>
+            <a:off x="7315202" y="4416550"/>
+            <a:ext cx="1828800" cy="731400"/>
           </a:xfrm>
           <a:prstGeom prst="rect">
             <a:avLst/>
@@ -19170,23 +19840,30 @@
               <a:spcAft>
                 <a:spcPts val="0"/>
               </a:spcAft>
-              <a:buClr>
-                <a:schemeClr val="dk1"/>
-              </a:buClr>
-              <a:buSzPts val="1100"/>
-              <a:buFont typeface="Arial"/>
-              <a:buNone/>
-            </a:pPr>
-            <a:r>
-              <a:rPr b="0" lang="en" sz="1000" u="sng">
+              <a:buNone/>
+            </a:pPr>
+            <a:r>
+              <a:rPr b="0" lang="en" sz="900" u="sng">
                 <a:solidFill>
                   <a:schemeClr val="hlink"/>
                 </a:solidFill>
                 <a:hlinkClick r:id="rId3"/>
               </a:rPr>
-              <a:t>https://profriehle.com</a:t>
-            </a:r>
-            <a:endParaRPr b="0" sz="1000"/>
+              <a:t>https://oss.cs.fau.de</a:t>
+            </a:r>
+            <a:r>
+              <a:rPr b="0" lang="en" sz="900">
+                <a:solidFill>
+                  <a:schemeClr val="dk2"/>
+                </a:solidFill>
+              </a:rPr>
+              <a:t> </a:t>
+            </a:r>
+            <a:endParaRPr b="0" sz="900">
+              <a:solidFill>
+                <a:schemeClr val="dk2"/>
+              </a:solidFill>
+            </a:endParaRPr>
           </a:p>
         </p:txBody>
       </p:sp>
@@ -19203,7 +19880,7 @@
   <p:cSld>
     <p:spTree>
       <p:nvGrpSpPr>
-        <p:cNvPr id="270" name="Shape 270"/>
+        <p:cNvPr id="285" name="Shape 285"/>
         <p:cNvGrpSpPr/>
         <p:nvPr/>
       </p:nvGrpSpPr>
@@ -19217,7 +19894,7 @@
       </p:grpSpPr>
       <p:sp>
         <p:nvSpPr>
-          <p:cNvPr id="271" name="Google Shape;271;p41"/>
+          <p:cNvPr id="286" name="Google Shape;286;p41"/>
           <p:cNvSpPr txBox="1"/>
           <p:nvPr>
             <p:ph type="title"/>
@@ -19257,7 +19934,7 @@
       </p:sp>
       <p:sp>
         <p:nvSpPr>
-          <p:cNvPr id="272" name="Google Shape;272;p41"/>
+          <p:cNvPr id="287" name="Google Shape;287;p41"/>
           <p:cNvSpPr txBox="1"/>
           <p:nvPr>
             <p:ph idx="1" type="body"/>
@@ -19350,7 +20027,7 @@
       </p:sp>
       <p:sp>
         <p:nvSpPr>
-          <p:cNvPr id="273" name="Google Shape;273;p41"/>
+          <p:cNvPr id="288" name="Google Shape;288;p41"/>
           <p:cNvSpPr txBox="1"/>
           <p:nvPr>
             <p:ph idx="12" type="sldNum"/>
@@ -19358,8 +20035,8 @@
         </p:nvSpPr>
         <p:spPr>
           <a:xfrm>
-            <a:off x="7315209" y="4229101"/>
-            <a:ext cx="1828800" cy="914400"/>
+            <a:off x="7315202" y="4416550"/>
+            <a:ext cx="1828800" cy="731400"/>
           </a:xfrm>
           <a:prstGeom prst="rect">
             <a:avLst/>
@@ -19394,29 +20071,36 @@
               <a:spcAft>
                 <a:spcPts val="0"/>
               </a:spcAft>
-              <a:buClr>
-                <a:schemeClr val="dk1"/>
-              </a:buClr>
-              <a:buSzPts val="1100"/>
-              <a:buFont typeface="Arial"/>
-              <a:buNone/>
-            </a:pPr>
-            <a:r>
-              <a:rPr b="0" lang="en" sz="1000" u="sng">
+              <a:buNone/>
+            </a:pPr>
+            <a:r>
+              <a:rPr b="0" lang="en" sz="900" u="sng">
                 <a:solidFill>
                   <a:schemeClr val="hlink"/>
                 </a:solidFill>
                 <a:hlinkClick r:id="rId3"/>
               </a:rPr>
-              <a:t>https://profriehle.com</a:t>
-            </a:r>
-            <a:endParaRPr b="0" sz="1000"/>
+              <a:t>https://oss.cs.fau.de</a:t>
+            </a:r>
+            <a:r>
+              <a:rPr b="0" lang="en" sz="900">
+                <a:solidFill>
+                  <a:schemeClr val="dk2"/>
+                </a:solidFill>
+              </a:rPr>
+              <a:t> </a:t>
+            </a:r>
+            <a:endParaRPr b="0" sz="900">
+              <a:solidFill>
+                <a:schemeClr val="dk2"/>
+              </a:solidFill>
+            </a:endParaRPr>
           </a:p>
         </p:txBody>
       </p:sp>
       <p:pic>
         <p:nvPicPr>
-          <p:cNvPr id="274" name="Google Shape;274;p41"/>
+          <p:cNvPr id="289" name="Google Shape;289;p41"/>
           <p:cNvPicPr preferRelativeResize="0"/>
           <p:nvPr/>
         </p:nvPicPr>
@@ -19431,7 +20115,7 @@
         <p:spPr>
           <a:xfrm>
             <a:off x="4572000" y="914400"/>
-            <a:ext cx="4297680" cy="3502609"/>
+            <a:ext cx="4297680" cy="3631540"/>
           </a:xfrm>
           <a:prstGeom prst="rect">
             <a:avLst/>
@@ -19455,7 +20139,7 @@
   <p:cSld>
     <p:spTree>
       <p:nvGrpSpPr>
-        <p:cNvPr id="278" name="Shape 278"/>
+        <p:cNvPr id="293" name="Shape 293"/>
         <p:cNvGrpSpPr/>
         <p:nvPr/>
       </p:nvGrpSpPr>
@@ -19469,7 +20153,7 @@
       </p:grpSpPr>
       <p:sp>
         <p:nvSpPr>
-          <p:cNvPr id="279" name="Google Shape;279;p42"/>
+          <p:cNvPr id="294" name="Google Shape;294;p42"/>
           <p:cNvSpPr txBox="1"/>
           <p:nvPr>
             <p:ph type="title"/>
@@ -19509,7 +20193,7 @@
       </p:sp>
       <p:sp>
         <p:nvSpPr>
-          <p:cNvPr id="280" name="Google Shape;280;p42"/>
+          <p:cNvPr id="295" name="Google Shape;295;p42"/>
           <p:cNvSpPr txBox="1"/>
           <p:nvPr>
             <p:ph idx="12" type="sldNum"/>
@@ -19517,8 +20201,8 @@
         </p:nvSpPr>
         <p:spPr>
           <a:xfrm>
-            <a:off x="7315209" y="4229101"/>
-            <a:ext cx="1828800" cy="914400"/>
+            <a:off x="7315202" y="4416550"/>
+            <a:ext cx="1828800" cy="731400"/>
           </a:xfrm>
           <a:prstGeom prst="rect">
             <a:avLst/>
@@ -19553,29 +20237,36 @@
               <a:spcAft>
                 <a:spcPts val="0"/>
               </a:spcAft>
-              <a:buClr>
-                <a:schemeClr val="dk1"/>
-              </a:buClr>
-              <a:buSzPts val="1100"/>
-              <a:buFont typeface="Arial"/>
-              <a:buNone/>
-            </a:pPr>
-            <a:r>
-              <a:rPr b="0" lang="en" sz="1000" u="sng">
+              <a:buNone/>
+            </a:pPr>
+            <a:r>
+              <a:rPr b="0" lang="en" sz="900" u="sng">
                 <a:solidFill>
                   <a:schemeClr val="hlink"/>
                 </a:solidFill>
                 <a:hlinkClick r:id="rId3"/>
               </a:rPr>
-              <a:t>https://profriehle.com</a:t>
-            </a:r>
-            <a:endParaRPr b="0" sz="1000"/>
+              <a:t>https://oss.cs.fau.de</a:t>
+            </a:r>
+            <a:r>
+              <a:rPr b="0" lang="en" sz="900">
+                <a:solidFill>
+                  <a:schemeClr val="dk2"/>
+                </a:solidFill>
+              </a:rPr>
+              <a:t> </a:t>
+            </a:r>
+            <a:endParaRPr b="0" sz="900">
+              <a:solidFill>
+                <a:schemeClr val="dk2"/>
+              </a:solidFill>
+            </a:endParaRPr>
           </a:p>
         </p:txBody>
       </p:sp>
       <p:sp>
         <p:nvSpPr>
-          <p:cNvPr id="281" name="Google Shape;281;p42"/>
+          <p:cNvPr id="296" name="Google Shape;296;p42"/>
           <p:cNvSpPr/>
           <p:nvPr/>
         </p:nvSpPr>
@@ -19621,7 +20312,7 @@
       </p:sp>
       <p:pic>
         <p:nvPicPr>
-          <p:cNvPr id="282" name="Google Shape;282;p42"/>
+          <p:cNvPr id="297" name="Google Shape;297;p42"/>
           <p:cNvPicPr preferRelativeResize="0"/>
           <p:nvPr/>
         </p:nvPicPr>
@@ -19636,7 +20327,7 @@
         <p:spPr>
           <a:xfrm>
             <a:off x="4572000" y="914400"/>
-            <a:ext cx="4297680" cy="3502609"/>
+            <a:ext cx="4297680" cy="3642284"/>
           </a:xfrm>
           <a:prstGeom prst="rect">
             <a:avLst/>
@@ -19649,7 +20340,7 @@
       </p:pic>
       <p:pic>
         <p:nvPicPr>
-          <p:cNvPr id="283" name="Google Shape;283;p42"/>
+          <p:cNvPr id="298" name="Google Shape;298;p42"/>
           <p:cNvPicPr preferRelativeResize="0"/>
           <p:nvPr/>
         </p:nvPicPr>
@@ -19664,7 +20355,7 @@
         <p:spPr>
           <a:xfrm>
             <a:off x="274320" y="914400"/>
-            <a:ext cx="4297680" cy="3491866"/>
+            <a:ext cx="4297680" cy="3620795"/>
           </a:xfrm>
           <a:prstGeom prst="rect">
             <a:avLst/>
@@ -19688,7 +20379,7 @@
   <p:cSld>
     <p:spTree>
       <p:nvGrpSpPr>
-        <p:cNvPr id="287" name="Shape 287"/>
+        <p:cNvPr id="302" name="Shape 302"/>
         <p:cNvGrpSpPr/>
         <p:nvPr/>
       </p:nvGrpSpPr>
@@ -19702,7 +20393,7 @@
       </p:grpSpPr>
       <p:sp>
         <p:nvSpPr>
-          <p:cNvPr id="288" name="Google Shape;288;p43"/>
+          <p:cNvPr id="303" name="Google Shape;303;p43"/>
           <p:cNvSpPr txBox="1"/>
           <p:nvPr>
             <p:ph type="title"/>
@@ -19753,7 +20444,7 @@
   <p:cSld>
     <p:spTree>
       <p:nvGrpSpPr>
-        <p:cNvPr id="292" name="Shape 292"/>
+        <p:cNvPr id="307" name="Shape 307"/>
         <p:cNvGrpSpPr/>
         <p:nvPr/>
       </p:nvGrpSpPr>
@@ -19767,7 +20458,7 @@
       </p:grpSpPr>
       <p:sp>
         <p:nvSpPr>
-          <p:cNvPr id="293" name="Google Shape;293;p44"/>
+          <p:cNvPr id="308" name="Google Shape;308;p44"/>
           <p:cNvSpPr txBox="1"/>
           <p:nvPr>
             <p:ph type="title"/>
@@ -19807,7 +20498,7 @@
       </p:sp>
       <p:sp>
         <p:nvSpPr>
-          <p:cNvPr id="294" name="Google Shape;294;p44"/>
+          <p:cNvPr id="309" name="Google Shape;309;p44"/>
           <p:cNvSpPr txBox="1"/>
           <p:nvPr>
             <p:ph idx="1" type="body"/>
@@ -19897,7 +20588,7 @@
       </p:sp>
       <p:sp>
         <p:nvSpPr>
-          <p:cNvPr id="295" name="Google Shape;295;p44"/>
+          <p:cNvPr id="310" name="Google Shape;310;p44"/>
           <p:cNvSpPr txBox="1"/>
           <p:nvPr>
             <p:ph idx="12" type="sldNum"/>
@@ -19905,8 +20596,8 @@
         </p:nvSpPr>
         <p:spPr>
           <a:xfrm>
-            <a:off x="7315209" y="4229101"/>
-            <a:ext cx="1828800" cy="914400"/>
+            <a:off x="7315202" y="4416550"/>
+            <a:ext cx="1828800" cy="731400"/>
           </a:xfrm>
           <a:prstGeom prst="rect">
             <a:avLst/>
@@ -19941,23 +20632,30 @@
               <a:spcAft>
                 <a:spcPts val="0"/>
               </a:spcAft>
-              <a:buClr>
-                <a:schemeClr val="dk1"/>
-              </a:buClr>
-              <a:buSzPts val="1100"/>
-              <a:buFont typeface="Arial"/>
-              <a:buNone/>
-            </a:pPr>
-            <a:r>
-              <a:rPr b="0" lang="en" sz="1000" u="sng">
+              <a:buNone/>
+            </a:pPr>
+            <a:r>
+              <a:rPr b="0" lang="en" sz="900" u="sng">
                 <a:solidFill>
                   <a:schemeClr val="hlink"/>
                 </a:solidFill>
                 <a:hlinkClick r:id="rId3"/>
               </a:rPr>
-              <a:t>https://profriehle.com</a:t>
-            </a:r>
-            <a:endParaRPr b="0" sz="1000"/>
+              <a:t>https://oss.cs.fau.de</a:t>
+            </a:r>
+            <a:r>
+              <a:rPr b="0" lang="en" sz="900">
+                <a:solidFill>
+                  <a:schemeClr val="dk2"/>
+                </a:solidFill>
+              </a:rPr>
+              <a:t> </a:t>
+            </a:r>
+            <a:endParaRPr b="0" sz="900">
+              <a:solidFill>
+                <a:schemeClr val="dk2"/>
+              </a:solidFill>
+            </a:endParaRPr>
           </a:p>
         </p:txBody>
       </p:sp>
@@ -19974,7 +20672,7 @@
   <p:cSld>
     <p:spTree>
       <p:nvGrpSpPr>
-        <p:cNvPr id="299" name="Shape 299"/>
+        <p:cNvPr id="314" name="Shape 314"/>
         <p:cNvGrpSpPr/>
         <p:nvPr/>
       </p:nvGrpSpPr>
@@ -19988,7 +20686,7 @@
       </p:grpSpPr>
       <p:sp>
         <p:nvSpPr>
-          <p:cNvPr id="300" name="Google Shape;300;p45"/>
+          <p:cNvPr id="315" name="Google Shape;315;p45"/>
           <p:cNvSpPr txBox="1"/>
           <p:nvPr>
             <p:ph type="title"/>
@@ -20028,7 +20726,7 @@
       </p:sp>
       <p:sp>
         <p:nvSpPr>
-          <p:cNvPr id="301" name="Google Shape;301;p45"/>
+          <p:cNvPr id="316" name="Google Shape;316;p45"/>
           <p:cNvSpPr txBox="1"/>
           <p:nvPr>
             <p:ph idx="12" type="sldNum"/>
@@ -20036,8 +20734,8 @@
         </p:nvSpPr>
         <p:spPr>
           <a:xfrm>
-            <a:off x="7315209" y="4229101"/>
-            <a:ext cx="1828800" cy="914400"/>
+            <a:off x="7315202" y="4416550"/>
+            <a:ext cx="1828800" cy="731400"/>
           </a:xfrm>
           <a:prstGeom prst="rect">
             <a:avLst/>
@@ -20080,21 +20778,25 @@
               <a:buNone/>
             </a:pPr>
             <a:r>
-              <a:rPr b="0" lang="en" sz="1000" u="sng">
+              <a:rPr b="0" lang="en" sz="900" u="sng">
                 <a:solidFill>
                   <a:schemeClr val="hlink"/>
                 </a:solidFill>
                 <a:hlinkClick r:id="rId3"/>
               </a:rPr>
-              <a:t>https://profriehle.com</a:t>
-            </a:r>
-            <a:endParaRPr b="0" sz="1000"/>
+              <a:t>https://oss.cs.fau.de</a:t>
+            </a:r>
+            <a:endParaRPr>
+              <a:solidFill>
+                <a:schemeClr val="dk2"/>
+              </a:solidFill>
+            </a:endParaRPr>
           </a:p>
         </p:txBody>
       </p:sp>
       <p:sp>
         <p:nvSpPr>
-          <p:cNvPr id="302" name="Google Shape;302;p45"/>
+          <p:cNvPr id="317" name="Google Shape;317;p45"/>
           <p:cNvSpPr txBox="1"/>
           <p:nvPr>
             <p:ph idx="2" type="body"/>
@@ -21435,7 +22137,7 @@
       </p:sp>
       <p:pic>
         <p:nvPicPr>
-          <p:cNvPr id="303" name="Google Shape;303;p45"/>
+          <p:cNvPr id="318" name="Google Shape;318;p45"/>
           <p:cNvPicPr preferRelativeResize="0"/>
           <p:nvPr/>
         </p:nvPicPr>
@@ -21450,7 +22152,7 @@
         <p:spPr>
           <a:xfrm>
             <a:off x="274320" y="914400"/>
-            <a:ext cx="4326673" cy="3657599"/>
+            <a:ext cx="4297680" cy="3631540"/>
           </a:xfrm>
           <a:prstGeom prst="rect">
             <a:avLst/>
@@ -21474,7 +22176,7 @@
   <p:cSld>
     <p:spTree>
       <p:nvGrpSpPr>
-        <p:cNvPr id="307" name="Shape 307"/>
+        <p:cNvPr id="322" name="Shape 322"/>
         <p:cNvGrpSpPr/>
         <p:nvPr/>
       </p:nvGrpSpPr>
@@ -21488,7 +22190,7 @@
       </p:grpSpPr>
       <p:sp>
         <p:nvSpPr>
-          <p:cNvPr id="308" name="Google Shape;308;p46"/>
+          <p:cNvPr id="323" name="Google Shape;323;p46"/>
           <p:cNvSpPr txBox="1"/>
           <p:nvPr>
             <p:ph type="title"/>
@@ -21528,7 +22230,7 @@
       </p:sp>
       <p:sp>
         <p:nvSpPr>
-          <p:cNvPr id="309" name="Google Shape;309;p46"/>
+          <p:cNvPr id="324" name="Google Shape;324;p46"/>
           <p:cNvSpPr txBox="1"/>
           <p:nvPr>
             <p:ph idx="1" type="body"/>
@@ -23782,7 +24484,7 @@
       </p:sp>
       <p:sp>
         <p:nvSpPr>
-          <p:cNvPr id="310" name="Google Shape;310;p46"/>
+          <p:cNvPr id="325" name="Google Shape;325;p46"/>
           <p:cNvSpPr txBox="1"/>
           <p:nvPr>
             <p:ph idx="2" type="body"/>
@@ -25814,7 +26516,7 @@
       </p:sp>
       <p:sp>
         <p:nvSpPr>
-          <p:cNvPr id="311" name="Google Shape;311;p46"/>
+          <p:cNvPr id="326" name="Google Shape;326;p46"/>
           <p:cNvSpPr txBox="1"/>
           <p:nvPr>
             <p:ph idx="12" type="sldNum"/>
@@ -25822,8 +26524,8 @@
         </p:nvSpPr>
         <p:spPr>
           <a:xfrm>
-            <a:off x="7315209" y="4229101"/>
-            <a:ext cx="1828800" cy="914400"/>
+            <a:off x="7315202" y="4416550"/>
+            <a:ext cx="1828800" cy="731400"/>
           </a:xfrm>
           <a:prstGeom prst="rect">
             <a:avLst/>
@@ -25866,15 +26568,19 @@
               <a:buNone/>
             </a:pPr>
             <a:r>
-              <a:rPr b="0" lang="en" sz="1000" u="sng">
+              <a:rPr b="0" lang="en" sz="900" u="sng">
                 <a:solidFill>
                   <a:schemeClr val="hlink"/>
                 </a:solidFill>
                 <a:hlinkClick r:id="rId3"/>
               </a:rPr>
-              <a:t>https://profriehle.com</a:t>
-            </a:r>
-            <a:endParaRPr b="0" sz="1000"/>
+              <a:t>https://oss.cs.fau.de</a:t>
+            </a:r>
+            <a:endParaRPr>
+              <a:solidFill>
+                <a:schemeClr val="dk2"/>
+              </a:solidFill>
+            </a:endParaRPr>
           </a:p>
         </p:txBody>
       </p:sp>
@@ -25891,7 +26597,7 @@
   <p:cSld>
     <p:spTree>
       <p:nvGrpSpPr>
-        <p:cNvPr id="54" name="Shape 54"/>
+        <p:cNvPr id="69" name="Shape 69"/>
         <p:cNvGrpSpPr/>
         <p:nvPr/>
       </p:nvGrpSpPr>
@@ -25905,7 +26611,7 @@
       </p:grpSpPr>
       <p:sp>
         <p:nvSpPr>
-          <p:cNvPr id="55" name="Google Shape;55;p11"/>
+          <p:cNvPr id="70" name="Google Shape;70;p11"/>
           <p:cNvSpPr txBox="1"/>
           <p:nvPr>
             <p:ph type="title"/>
@@ -25945,7 +26651,7 @@
       </p:sp>
       <p:sp>
         <p:nvSpPr>
-          <p:cNvPr id="56" name="Google Shape;56;p11"/>
+          <p:cNvPr id="71" name="Google Shape;71;p11"/>
           <p:cNvSpPr txBox="1"/>
           <p:nvPr>
             <p:ph idx="12" type="sldNum"/>
@@ -25953,8 +26659,8 @@
         </p:nvSpPr>
         <p:spPr>
           <a:xfrm>
-            <a:off x="7315209" y="4229101"/>
-            <a:ext cx="1828800" cy="914400"/>
+            <a:off x="7315202" y="4416550"/>
+            <a:ext cx="1828800" cy="731400"/>
           </a:xfrm>
           <a:prstGeom prst="rect">
             <a:avLst/>
@@ -25989,29 +26695,36 @@
               <a:spcAft>
                 <a:spcPts val="0"/>
               </a:spcAft>
-              <a:buClr>
-                <a:schemeClr val="dk1"/>
-              </a:buClr>
-              <a:buSzPts val="1100"/>
-              <a:buFont typeface="Arial"/>
-              <a:buNone/>
-            </a:pPr>
-            <a:r>
-              <a:rPr b="0" lang="en" sz="1000" u="sng">
+              <a:buNone/>
+            </a:pPr>
+            <a:r>
+              <a:rPr b="0" lang="en" sz="900" u="sng">
                 <a:solidFill>
                   <a:schemeClr val="hlink"/>
                 </a:solidFill>
                 <a:hlinkClick r:id="rId3"/>
               </a:rPr>
-              <a:t>https://profriehle.com</a:t>
-            </a:r>
-            <a:endParaRPr b="0" sz="1000"/>
+              <a:t>https://oss.cs.fau.de</a:t>
+            </a:r>
+            <a:r>
+              <a:rPr b="0" lang="en" sz="900">
+                <a:solidFill>
+                  <a:schemeClr val="dk2"/>
+                </a:solidFill>
+              </a:rPr>
+              <a:t> </a:t>
+            </a:r>
+            <a:endParaRPr>
+              <a:solidFill>
+                <a:schemeClr val="dk2"/>
+              </a:solidFill>
+            </a:endParaRPr>
           </a:p>
         </p:txBody>
       </p:sp>
       <p:pic>
         <p:nvPicPr>
-          <p:cNvPr id="57" name="Google Shape;57;p11"/>
+          <p:cNvPr id="72" name="Google Shape;72;p11"/>
           <p:cNvPicPr preferRelativeResize="0"/>
           <p:nvPr/>
         </p:nvPicPr>
@@ -26026,7 +26739,7 @@
         <p:spPr>
           <a:xfrm>
             <a:off x="274320" y="914400"/>
-            <a:ext cx="8595360" cy="3493598"/>
+            <a:ext cx="8595360" cy="3502840"/>
           </a:xfrm>
           <a:prstGeom prst="rect">
             <a:avLst/>
@@ -26050,7 +26763,7 @@
   <p:cSld>
     <p:spTree>
       <p:nvGrpSpPr>
-        <p:cNvPr id="315" name="Shape 315"/>
+        <p:cNvPr id="330" name="Shape 330"/>
         <p:cNvGrpSpPr/>
         <p:nvPr/>
       </p:nvGrpSpPr>
@@ -26064,7 +26777,7 @@
       </p:grpSpPr>
       <p:sp>
         <p:nvSpPr>
-          <p:cNvPr id="316" name="Google Shape;316;p47"/>
+          <p:cNvPr id="331" name="Google Shape;331;p47"/>
           <p:cNvSpPr txBox="1"/>
           <p:nvPr>
             <p:ph type="title"/>
@@ -26104,7 +26817,7 @@
       </p:sp>
       <p:sp>
         <p:nvSpPr>
-          <p:cNvPr id="317" name="Google Shape;317;p47"/>
+          <p:cNvPr id="332" name="Google Shape;332;p47"/>
           <p:cNvSpPr txBox="1"/>
           <p:nvPr>
             <p:ph idx="1" type="body"/>
@@ -28271,7 +28984,7 @@
       </p:sp>
       <p:sp>
         <p:nvSpPr>
-          <p:cNvPr id="318" name="Google Shape;318;p47"/>
+          <p:cNvPr id="333" name="Google Shape;333;p47"/>
           <p:cNvSpPr txBox="1"/>
           <p:nvPr>
             <p:ph idx="2" type="body"/>
@@ -29937,7 +30650,7 @@
       </p:sp>
       <p:sp>
         <p:nvSpPr>
-          <p:cNvPr id="319" name="Google Shape;319;p47"/>
+          <p:cNvPr id="334" name="Google Shape;334;p47"/>
           <p:cNvSpPr txBox="1"/>
           <p:nvPr>
             <p:ph idx="12" type="sldNum"/>
@@ -29945,8 +30658,8 @@
         </p:nvSpPr>
         <p:spPr>
           <a:xfrm>
-            <a:off x="7315209" y="4229101"/>
-            <a:ext cx="1828800" cy="914400"/>
+            <a:off x="7315202" y="4416550"/>
+            <a:ext cx="1828800" cy="731400"/>
           </a:xfrm>
           <a:prstGeom prst="rect">
             <a:avLst/>
@@ -29989,15 +30702,19 @@
               <a:buNone/>
             </a:pPr>
             <a:r>
-              <a:rPr b="0" lang="en" sz="1000" u="sng">
+              <a:rPr b="0" lang="en" sz="900" u="sng">
                 <a:solidFill>
                   <a:schemeClr val="hlink"/>
                 </a:solidFill>
                 <a:hlinkClick r:id="rId3"/>
               </a:rPr>
-              <a:t>https://profriehle.com</a:t>
-            </a:r>
-            <a:endParaRPr b="0" sz="1000"/>
+              <a:t>https://oss.cs.fau.de</a:t>
+            </a:r>
+            <a:endParaRPr>
+              <a:solidFill>
+                <a:schemeClr val="dk2"/>
+              </a:solidFill>
+            </a:endParaRPr>
           </a:p>
         </p:txBody>
       </p:sp>
@@ -30014,7 +30731,7 @@
   <p:cSld>
     <p:spTree>
       <p:nvGrpSpPr>
-        <p:cNvPr id="323" name="Shape 323"/>
+        <p:cNvPr id="338" name="Shape 338"/>
         <p:cNvGrpSpPr/>
         <p:nvPr/>
       </p:nvGrpSpPr>
@@ -30028,7 +30745,7 @@
       </p:grpSpPr>
       <p:sp>
         <p:nvSpPr>
-          <p:cNvPr id="324" name="Google Shape;324;p48"/>
+          <p:cNvPr id="339" name="Google Shape;339;p48"/>
           <p:cNvSpPr txBox="1"/>
           <p:nvPr>
             <p:ph type="title"/>
@@ -30079,7 +30796,7 @@
   <p:cSld>
     <p:spTree>
       <p:nvGrpSpPr>
-        <p:cNvPr id="328" name="Shape 328"/>
+        <p:cNvPr id="343" name="Shape 343"/>
         <p:cNvGrpSpPr/>
         <p:nvPr/>
       </p:nvGrpSpPr>
@@ -30093,7 +30810,7 @@
       </p:grpSpPr>
       <p:sp>
         <p:nvSpPr>
-          <p:cNvPr id="329" name="Google Shape;329;p49"/>
+          <p:cNvPr id="344" name="Google Shape;344;p49"/>
           <p:cNvSpPr txBox="1"/>
           <p:nvPr>
             <p:ph type="title"/>
@@ -30133,7 +30850,7 @@
       </p:sp>
       <p:sp>
         <p:nvSpPr>
-          <p:cNvPr id="330" name="Google Shape;330;p49"/>
+          <p:cNvPr id="345" name="Google Shape;345;p49"/>
           <p:cNvSpPr txBox="1"/>
           <p:nvPr>
             <p:ph idx="1" type="body"/>
@@ -30234,7 +30951,7 @@
             </a:pPr>
             <a:r>
               <a:rPr lang="en"/>
-              <a:t>Commit homework by deadline to homework folder</a:t>
+              <a:t>Commit homework by deadline to homework repository</a:t>
             </a:r>
             <a:endParaRPr/>
           </a:p>
@@ -30257,7 +30974,7 @@
       </p:sp>
       <p:sp>
         <p:nvSpPr>
-          <p:cNvPr id="331" name="Google Shape;331;p49"/>
+          <p:cNvPr id="346" name="Google Shape;346;p49"/>
           <p:cNvSpPr txBox="1"/>
           <p:nvPr>
             <p:ph idx="12" type="sldNum"/>
@@ -30265,8 +30982,8 @@
         </p:nvSpPr>
         <p:spPr>
           <a:xfrm>
-            <a:off x="7315209" y="4229101"/>
-            <a:ext cx="1828800" cy="914400"/>
+            <a:off x="7315202" y="4416550"/>
+            <a:ext cx="1828800" cy="731400"/>
           </a:xfrm>
           <a:prstGeom prst="rect">
             <a:avLst/>
@@ -30301,23 +31018,30 @@
               <a:spcAft>
                 <a:spcPts val="0"/>
               </a:spcAft>
-              <a:buClr>
-                <a:schemeClr val="dk1"/>
-              </a:buClr>
-              <a:buSzPts val="1100"/>
-              <a:buFont typeface="Arial"/>
-              <a:buNone/>
-            </a:pPr>
-            <a:r>
-              <a:rPr b="0" lang="en" sz="1000" u="sng">
+              <a:buNone/>
+            </a:pPr>
+            <a:r>
+              <a:rPr b="0" lang="en" sz="900" u="sng">
                 <a:solidFill>
                   <a:schemeClr val="hlink"/>
                 </a:solidFill>
                 <a:hlinkClick r:id="rId3"/>
               </a:rPr>
-              <a:t>https://profriehle.com</a:t>
-            </a:r>
-            <a:endParaRPr b="0" sz="1000"/>
+              <a:t>https://oss.cs.fau.de</a:t>
+            </a:r>
+            <a:r>
+              <a:rPr b="0" lang="en" sz="900">
+                <a:solidFill>
+                  <a:schemeClr val="dk2"/>
+                </a:solidFill>
+              </a:rPr>
+              <a:t> </a:t>
+            </a:r>
+            <a:endParaRPr b="0" sz="900">
+              <a:solidFill>
+                <a:schemeClr val="dk2"/>
+              </a:solidFill>
+            </a:endParaRPr>
           </a:p>
         </p:txBody>
       </p:sp>
@@ -30334,7 +31058,7 @@
   <p:cSld>
     <p:spTree>
       <p:nvGrpSpPr>
-        <p:cNvPr id="335" name="Shape 335"/>
+        <p:cNvPr id="350" name="Shape 350"/>
         <p:cNvGrpSpPr/>
         <p:nvPr/>
       </p:nvGrpSpPr>
@@ -30348,7 +31072,7 @@
       </p:grpSpPr>
       <p:sp>
         <p:nvSpPr>
-          <p:cNvPr id="336" name="Google Shape;336;p50"/>
+          <p:cNvPr id="351" name="Google Shape;351;p50"/>
           <p:cNvSpPr txBox="1"/>
           <p:nvPr>
             <p:ph type="title"/>
@@ -30388,7 +31112,7 @@
       </p:sp>
       <p:sp>
         <p:nvSpPr>
-          <p:cNvPr id="337" name="Google Shape;337;p50"/>
+          <p:cNvPr id="352" name="Google Shape;352;p50"/>
           <p:cNvSpPr txBox="1"/>
           <p:nvPr>
             <p:ph idx="1" type="body"/>
@@ -30566,7 +31290,7 @@
       </p:sp>
       <p:sp>
         <p:nvSpPr>
-          <p:cNvPr id="338" name="Google Shape;338;p50"/>
+          <p:cNvPr id="353" name="Google Shape;353;p50"/>
           <p:cNvSpPr txBox="1"/>
           <p:nvPr>
             <p:ph idx="12" type="sldNum"/>
@@ -30574,8 +31298,8 @@
         </p:nvSpPr>
         <p:spPr>
           <a:xfrm>
-            <a:off x="7315209" y="4229101"/>
-            <a:ext cx="1828800" cy="914400"/>
+            <a:off x="7315202" y="4416550"/>
+            <a:ext cx="1828800" cy="731400"/>
           </a:xfrm>
           <a:prstGeom prst="rect">
             <a:avLst/>
@@ -30610,23 +31334,30 @@
               <a:spcAft>
                 <a:spcPts val="0"/>
               </a:spcAft>
-              <a:buClr>
-                <a:schemeClr val="dk1"/>
-              </a:buClr>
-              <a:buSzPts val="1100"/>
-              <a:buFont typeface="Arial"/>
-              <a:buNone/>
-            </a:pPr>
-            <a:r>
-              <a:rPr b="0" lang="en" sz="1000" u="sng">
+              <a:buNone/>
+            </a:pPr>
+            <a:r>
+              <a:rPr b="0" lang="en" sz="900" u="sng">
                 <a:solidFill>
                   <a:schemeClr val="hlink"/>
                 </a:solidFill>
                 <a:hlinkClick r:id="rId3"/>
               </a:rPr>
-              <a:t>https://profriehle.com</a:t>
-            </a:r>
-            <a:endParaRPr b="0" sz="1000"/>
+              <a:t>https://oss.cs.fau.de</a:t>
+            </a:r>
+            <a:r>
+              <a:rPr b="0" lang="en" sz="900">
+                <a:solidFill>
+                  <a:schemeClr val="dk2"/>
+                </a:solidFill>
+              </a:rPr>
+              <a:t> </a:t>
+            </a:r>
+            <a:endParaRPr b="0" sz="900">
+              <a:solidFill>
+                <a:schemeClr val="dk2"/>
+              </a:solidFill>
+            </a:endParaRPr>
           </a:p>
         </p:txBody>
       </p:sp>
@@ -30643,7 +31374,7 @@
   <p:cSld>
     <p:spTree>
       <p:nvGrpSpPr>
-        <p:cNvPr id="342" name="Shape 342"/>
+        <p:cNvPr id="357" name="Shape 357"/>
         <p:cNvGrpSpPr/>
         <p:nvPr/>
       </p:nvGrpSpPr>
@@ -30657,7 +31388,7 @@
       </p:grpSpPr>
       <p:sp>
         <p:nvSpPr>
-          <p:cNvPr id="343" name="Google Shape;343;p51"/>
+          <p:cNvPr id="358" name="Google Shape;358;p51"/>
           <p:cNvSpPr txBox="1"/>
           <p:nvPr>
             <p:ph type="ctrTitle"/>
@@ -30697,7 +31428,7 @@
       </p:sp>
       <p:sp>
         <p:nvSpPr>
-          <p:cNvPr id="344" name="Google Shape;344;p51"/>
+          <p:cNvPr id="359" name="Google Shape;359;p51"/>
           <p:cNvSpPr txBox="1"/>
           <p:nvPr>
             <p:ph idx="1" type="subTitle"/>
@@ -30827,7 +31558,7 @@
   <p:cSld>
     <p:spTree>
       <p:nvGrpSpPr>
-        <p:cNvPr id="348" name="Shape 348"/>
+        <p:cNvPr id="363" name="Shape 363"/>
         <p:cNvGrpSpPr/>
         <p:nvPr/>
       </p:nvGrpSpPr>
@@ -30841,7 +31572,7 @@
       </p:grpSpPr>
       <p:sp>
         <p:nvSpPr>
-          <p:cNvPr id="349" name="Google Shape;349;p52"/>
+          <p:cNvPr id="364" name="Google Shape;364;p52"/>
           <p:cNvSpPr txBox="1"/>
           <p:nvPr>
             <p:ph type="title"/>
@@ -30881,7 +31612,7 @@
       </p:sp>
       <p:sp>
         <p:nvSpPr>
-          <p:cNvPr id="350" name="Google Shape;350;p52"/>
+          <p:cNvPr id="365" name="Google Shape;365;p52"/>
           <p:cNvSpPr txBox="1"/>
           <p:nvPr>
             <p:ph idx="12" type="sldNum"/>
@@ -30889,8 +31620,8 @@
         </p:nvSpPr>
         <p:spPr>
           <a:xfrm>
-            <a:off x="7315209" y="4229101"/>
-            <a:ext cx="1828800" cy="914400"/>
+            <a:off x="7315202" y="4416550"/>
+            <a:ext cx="1828800" cy="731400"/>
           </a:xfrm>
           <a:prstGeom prst="rect">
             <a:avLst/>
@@ -30934,7 +31665,7 @@
                 </a:solidFill>
                 <a:hlinkClick r:id="rId3"/>
               </a:rPr>
-              <a:t>https://profriehle.com</a:t>
+              <a:t>https://oss.cs.fau.de</a:t>
             </a:r>
             <a:r>
               <a:rPr b="0" lang="en" sz="900">
@@ -30954,7 +31685,7 @@
       </p:sp>
       <p:sp>
         <p:nvSpPr>
-          <p:cNvPr id="351" name="Google Shape;351;p52"/>
+          <p:cNvPr id="366" name="Google Shape;366;p52"/>
           <p:cNvSpPr txBox="1"/>
           <p:nvPr>
             <p:ph idx="1" type="body"/>
@@ -31083,7 +31814,7 @@
   <p:cSld>
     <p:spTree>
       <p:nvGrpSpPr>
-        <p:cNvPr id="61" name="Shape 61"/>
+        <p:cNvPr id="76" name="Shape 76"/>
         <p:cNvGrpSpPr/>
         <p:nvPr/>
       </p:nvGrpSpPr>
@@ -31097,7 +31828,7 @@
       </p:grpSpPr>
       <p:sp>
         <p:nvSpPr>
-          <p:cNvPr id="62" name="Google Shape;62;p12"/>
+          <p:cNvPr id="77" name="Google Shape;77;p12"/>
           <p:cNvSpPr txBox="1"/>
           <p:nvPr>
             <p:ph type="title"/>
@@ -31137,7 +31868,7 @@
       </p:sp>
       <p:sp>
         <p:nvSpPr>
-          <p:cNvPr id="63" name="Google Shape;63;p12"/>
+          <p:cNvPr id="78" name="Google Shape;78;p12"/>
           <p:cNvSpPr txBox="1"/>
           <p:nvPr>
             <p:ph idx="12" type="sldNum"/>
@@ -31145,8 +31876,8 @@
         </p:nvSpPr>
         <p:spPr>
           <a:xfrm>
-            <a:off x="7315209" y="4229101"/>
-            <a:ext cx="1828800" cy="914400"/>
+            <a:off x="7315202" y="4416550"/>
+            <a:ext cx="1828800" cy="731400"/>
           </a:xfrm>
           <a:prstGeom prst="rect">
             <a:avLst/>
@@ -31184,21 +31915,33 @@
               <a:buNone/>
             </a:pPr>
             <a:r>
-              <a:rPr b="0" lang="en" sz="1000" u="sng">
+              <a:rPr b="0" lang="en" sz="900" u="sng">
                 <a:solidFill>
                   <a:schemeClr val="hlink"/>
                 </a:solidFill>
                 <a:hlinkClick r:id="rId3"/>
               </a:rPr>
-              <a:t>https://profriehle.com</a:t>
-            </a:r>
-            <a:endParaRPr b="0" sz="1000"/>
+              <a:t>https://oss.cs.fau.de</a:t>
+            </a:r>
+            <a:r>
+              <a:rPr b="0" lang="en" sz="900">
+                <a:solidFill>
+                  <a:schemeClr val="dk2"/>
+                </a:solidFill>
+              </a:rPr>
+              <a:t> </a:t>
+            </a:r>
+            <a:endParaRPr>
+              <a:solidFill>
+                <a:schemeClr val="dk2"/>
+              </a:solidFill>
+            </a:endParaRPr>
           </a:p>
         </p:txBody>
       </p:sp>
       <p:pic>
         <p:nvPicPr>
-          <p:cNvPr id="64" name="Google Shape;64;p12"/>
+          <p:cNvPr id="79" name="Google Shape;79;p12"/>
           <p:cNvPicPr preferRelativeResize="0"/>
           <p:nvPr/>
         </p:nvPicPr>
@@ -31213,7 +31956,7 @@
         <p:spPr>
           <a:xfrm>
             <a:off x="274320" y="914400"/>
-            <a:ext cx="8595360" cy="3493598"/>
+            <a:ext cx="8595360" cy="3502840"/>
           </a:xfrm>
           <a:prstGeom prst="rect">
             <a:avLst/>
@@ -31237,7 +31980,7 @@
   <p:cSld>
     <p:spTree>
       <p:nvGrpSpPr>
-        <p:cNvPr id="68" name="Shape 68"/>
+        <p:cNvPr id="83" name="Shape 83"/>
         <p:cNvGrpSpPr/>
         <p:nvPr/>
       </p:nvGrpSpPr>
@@ -31251,7 +31994,7 @@
       </p:grpSpPr>
       <p:sp>
         <p:nvSpPr>
-          <p:cNvPr id="69" name="Google Shape;69;p13"/>
+          <p:cNvPr id="84" name="Google Shape;84;p13"/>
           <p:cNvSpPr txBox="1"/>
           <p:nvPr>
             <p:ph type="title"/>
@@ -31291,7 +32034,7 @@
       </p:sp>
       <p:sp>
         <p:nvSpPr>
-          <p:cNvPr id="70" name="Google Shape;70;p13"/>
+          <p:cNvPr id="85" name="Google Shape;85;p13"/>
           <p:cNvSpPr txBox="1"/>
           <p:nvPr>
             <p:ph idx="12" type="sldNum"/>
@@ -31299,8 +32042,8 @@
         </p:nvSpPr>
         <p:spPr>
           <a:xfrm>
-            <a:off x="7315209" y="4229101"/>
-            <a:ext cx="1828800" cy="914400"/>
+            <a:off x="7315202" y="4416550"/>
+            <a:ext cx="1828800" cy="731400"/>
           </a:xfrm>
           <a:prstGeom prst="rect">
             <a:avLst/>
@@ -31338,21 +32081,33 @@
               <a:buNone/>
             </a:pPr>
             <a:r>
-              <a:rPr b="0" lang="en" sz="1000" u="sng">
+              <a:rPr b="0" lang="en" sz="900" u="sng">
                 <a:solidFill>
                   <a:schemeClr val="hlink"/>
                 </a:solidFill>
                 <a:hlinkClick r:id="rId3"/>
               </a:rPr>
-              <a:t>https://profriehle.com</a:t>
-            </a:r>
-            <a:endParaRPr b="0" sz="1000"/>
+              <a:t>https://oss.cs.fau.de</a:t>
+            </a:r>
+            <a:r>
+              <a:rPr b="0" lang="en" sz="900">
+                <a:solidFill>
+                  <a:schemeClr val="dk2"/>
+                </a:solidFill>
+              </a:rPr>
+              <a:t> </a:t>
+            </a:r>
+            <a:endParaRPr>
+              <a:solidFill>
+                <a:schemeClr val="dk2"/>
+              </a:solidFill>
+            </a:endParaRPr>
           </a:p>
         </p:txBody>
       </p:sp>
       <p:pic>
         <p:nvPicPr>
-          <p:cNvPr id="71" name="Google Shape;71;p13"/>
+          <p:cNvPr id="86" name="Google Shape;86;p13"/>
           <p:cNvPicPr preferRelativeResize="0"/>
           <p:nvPr/>
         </p:nvPicPr>
@@ -31367,7 +32122,7 @@
         <p:spPr>
           <a:xfrm>
             <a:off x="274320" y="914400"/>
-            <a:ext cx="8595360" cy="3493598"/>
+            <a:ext cx="8595360" cy="3502840"/>
           </a:xfrm>
           <a:prstGeom prst="rect">
             <a:avLst/>
@@ -31391,7 +32146,7 @@
   <p:cSld>
     <p:spTree>
       <p:nvGrpSpPr>
-        <p:cNvPr id="75" name="Shape 75"/>
+        <p:cNvPr id="90" name="Shape 90"/>
         <p:cNvGrpSpPr/>
         <p:nvPr/>
       </p:nvGrpSpPr>
@@ -31405,7 +32160,7 @@
       </p:grpSpPr>
       <p:sp>
         <p:nvSpPr>
-          <p:cNvPr id="76" name="Google Shape;76;p14"/>
+          <p:cNvPr id="91" name="Google Shape;91;p14"/>
           <p:cNvSpPr txBox="1"/>
           <p:nvPr>
             <p:ph type="title"/>
@@ -31456,7 +32211,7 @@
   <p:cSld>
     <p:spTree>
       <p:nvGrpSpPr>
-        <p:cNvPr id="80" name="Shape 80"/>
+        <p:cNvPr id="95" name="Shape 95"/>
         <p:cNvGrpSpPr/>
         <p:nvPr/>
       </p:nvGrpSpPr>
@@ -31470,7 +32225,7 @@
       </p:grpSpPr>
       <p:sp>
         <p:nvSpPr>
-          <p:cNvPr id="81" name="Google Shape;81;p15"/>
+          <p:cNvPr id="96" name="Google Shape;96;p15"/>
           <p:cNvSpPr txBox="1"/>
           <p:nvPr>
             <p:ph type="title"/>
@@ -31510,7 +32265,7 @@
       </p:sp>
       <p:sp>
         <p:nvSpPr>
-          <p:cNvPr id="82" name="Google Shape;82;p15"/>
+          <p:cNvPr id="97" name="Google Shape;97;p15"/>
           <p:cNvSpPr txBox="1"/>
           <p:nvPr>
             <p:ph idx="1" type="body"/>
@@ -31550,7 +32305,7 @@
       </p:sp>
       <p:sp>
         <p:nvSpPr>
-          <p:cNvPr id="83" name="Google Shape;83;p15"/>
+          <p:cNvPr id="98" name="Google Shape;98;p15"/>
           <p:cNvSpPr txBox="1"/>
           <p:nvPr>
             <p:ph idx="12" type="sldNum"/>
@@ -31558,8 +32313,8 @@
         </p:nvSpPr>
         <p:spPr>
           <a:xfrm>
-            <a:off x="7315209" y="4229101"/>
-            <a:ext cx="1828800" cy="914400"/>
+            <a:off x="7315202" y="4416550"/>
+            <a:ext cx="1828800" cy="731400"/>
           </a:xfrm>
           <a:prstGeom prst="rect">
             <a:avLst/>
@@ -31594,29 +32349,36 @@
               <a:spcAft>
                 <a:spcPts val="0"/>
               </a:spcAft>
-              <a:buClr>
-                <a:schemeClr val="dk1"/>
-              </a:buClr>
-              <a:buSzPts val="1100"/>
-              <a:buFont typeface="Arial"/>
-              <a:buNone/>
-            </a:pPr>
-            <a:r>
-              <a:rPr b="0" lang="en" sz="1000" u="sng">
+              <a:buNone/>
+            </a:pPr>
+            <a:r>
+              <a:rPr b="0" lang="en" sz="900" u="sng">
                 <a:solidFill>
                   <a:schemeClr val="hlink"/>
                 </a:solidFill>
                 <a:hlinkClick r:id="rId3"/>
               </a:rPr>
-              <a:t>https://profriehle.com</a:t>
-            </a:r>
-            <a:endParaRPr b="0" sz="1000"/>
+              <a:t>https://oss.cs.fau.de</a:t>
+            </a:r>
+            <a:r>
+              <a:rPr b="0" lang="en" sz="900">
+                <a:solidFill>
+                  <a:schemeClr val="dk2"/>
+                </a:solidFill>
+              </a:rPr>
+              <a:t> </a:t>
+            </a:r>
+            <a:endParaRPr b="0" sz="900">
+              <a:solidFill>
+                <a:schemeClr val="dk2"/>
+              </a:solidFill>
+            </a:endParaRPr>
           </a:p>
         </p:txBody>
       </p:sp>
       <p:sp>
         <p:nvSpPr>
-          <p:cNvPr id="84" name="Google Shape;84;p15"/>
+          <p:cNvPr id="99" name="Google Shape;99;p15"/>
           <p:cNvSpPr txBox="1"/>
           <p:nvPr/>
         </p:nvSpPr>
@@ -31669,7 +32431,7 @@
   <p:cSld>
     <p:spTree>
       <p:nvGrpSpPr>
-        <p:cNvPr id="88" name="Shape 88"/>
+        <p:cNvPr id="103" name="Shape 103"/>
         <p:cNvGrpSpPr/>
         <p:nvPr/>
       </p:nvGrpSpPr>
@@ -31683,7 +32445,7 @@
       </p:grpSpPr>
       <p:sp>
         <p:nvSpPr>
-          <p:cNvPr id="89" name="Google Shape;89;p16"/>
+          <p:cNvPr id="104" name="Google Shape;104;p16"/>
           <p:cNvSpPr txBox="1"/>
           <p:nvPr>
             <p:ph type="title"/>
@@ -31723,7 +32485,7 @@
       </p:sp>
       <p:sp>
         <p:nvSpPr>
-          <p:cNvPr id="90" name="Google Shape;90;p16"/>
+          <p:cNvPr id="105" name="Google Shape;105;p16"/>
           <p:cNvSpPr txBox="1"/>
           <p:nvPr>
             <p:ph idx="1" type="body"/>
@@ -31763,7 +32525,7 @@
       </p:sp>
       <p:sp>
         <p:nvSpPr>
-          <p:cNvPr id="91" name="Google Shape;91;p16"/>
+          <p:cNvPr id="106" name="Google Shape;106;p16"/>
           <p:cNvSpPr txBox="1"/>
           <p:nvPr>
             <p:ph idx="12" type="sldNum"/>
@@ -31771,8 +32533,8 @@
         </p:nvSpPr>
         <p:spPr>
           <a:xfrm>
-            <a:off x="7315209" y="4229101"/>
-            <a:ext cx="1828800" cy="914400"/>
+            <a:off x="7315202" y="4416550"/>
+            <a:ext cx="1828800" cy="731400"/>
           </a:xfrm>
           <a:prstGeom prst="rect">
             <a:avLst/>
@@ -31807,23 +32569,30 @@
               <a:spcAft>
                 <a:spcPts val="0"/>
               </a:spcAft>
-              <a:buClr>
-                <a:schemeClr val="dk1"/>
-              </a:buClr>
-              <a:buSzPts val="1100"/>
-              <a:buFont typeface="Arial"/>
-              <a:buNone/>
-            </a:pPr>
-            <a:r>
-              <a:rPr b="0" lang="en" sz="1000" u="sng">
+              <a:buNone/>
+            </a:pPr>
+            <a:r>
+              <a:rPr b="0" lang="en" sz="900" u="sng">
                 <a:solidFill>
                   <a:schemeClr val="hlink"/>
                 </a:solidFill>
                 <a:hlinkClick r:id="rId3"/>
               </a:rPr>
-              <a:t>https://profriehle.com</a:t>
-            </a:r>
-            <a:endParaRPr b="0" sz="1000"/>
+              <a:t>https://oss.cs.fau.de</a:t>
+            </a:r>
+            <a:r>
+              <a:rPr b="0" lang="en" sz="900">
+                <a:solidFill>
+                  <a:schemeClr val="dk2"/>
+                </a:solidFill>
+              </a:rPr>
+              <a:t> </a:t>
+            </a:r>
+            <a:endParaRPr b="0" sz="900">
+              <a:solidFill>
+                <a:schemeClr val="dk2"/>
+              </a:solidFill>
+            </a:endParaRPr>
           </a:p>
         </p:txBody>
       </p:sp>
@@ -31836,7 +32605,7 @@
 </file>
 
 <file path=ppt/theme/theme1.xml><?xml version="1.0" encoding="utf-8"?>
-<a:theme xmlns:a="http://schemas.openxmlformats.org/drawingml/2006/main" xmlns:r="http://schemas.openxmlformats.org/officeDocument/2006/relationships" name="ADAP Slides Template">
+<a:theme xmlns:a="http://schemas.openxmlformats.org/drawingml/2006/main" xmlns:r="http://schemas.openxmlformats.org/officeDocument/2006/relationships" name="POSS Slides Template">
   <a:themeElements>
     <a:clrScheme name="Simple Light">
       <a:dk1>
@@ -31858,19 +32627,19 @@
         <a:srgbClr val="4169E1"/>
       </a:accent2>
       <a:accent3>
-        <a:srgbClr val="D50D01"/>
+        <a:srgbClr val="4CAF50"/>
       </a:accent3>
       <a:accent4>
         <a:srgbClr val="FEB612"/>
       </a:accent4>
       <a:accent5>
-        <a:srgbClr val="4CAF50"/>
+        <a:srgbClr val="F36838"/>
       </a:accent5>
       <a:accent6>
         <a:srgbClr val="8E44AD"/>
       </a:accent6>
       <a:hlink>
-        <a:srgbClr val="34A3C5"/>
+        <a:srgbClr val="1E90FF"/>
       </a:hlink>
       <a:folHlink>
         <a:srgbClr val="0097A7"/>

--- a/Lecture slides/ADAP B03 - Subtyping and Inheritance.pptx
+++ b/Lecture slides/ADAP B03 - Subtyping and Inheritance.pptx
@@ -51,8 +51,6 @@
     <p:sldId id="296" r:id="rId47"/>
     <p:sldId id="297" r:id="rId48"/>
     <p:sldId id="298" r:id="rId49"/>
-    <p:sldId id="299" r:id="rId50"/>
-    <p:sldId id="300" r:id="rId51"/>
   </p:sldIdLst>
   <p:sldSz cy="5143500" cx="9144000"/>
   <p:notesSz cx="6858000" cy="9144000"/>
@@ -834,7 +832,7 @@
   <p:cSld>
     <p:spTree>
       <p:nvGrpSpPr>
-        <p:cNvPr id="107" name="Shape 107"/>
+        <p:cNvPr id="106" name="Shape 106"/>
         <p:cNvGrpSpPr/>
         <p:nvPr/>
       </p:nvGrpSpPr>
@@ -848,7 +846,7 @@
       </p:grpSpPr>
       <p:sp>
         <p:nvSpPr>
-          <p:cNvPr id="108" name="Google Shape;108;g302dc61f0cc_0_47:notes"/>
+          <p:cNvPr id="107" name="Google Shape;107;g302dc61f0cc_0_47:notes"/>
           <p:cNvSpPr/>
           <p:nvPr>
             <p:ph idx="2" type="sldImg"/>
@@ -883,7 +881,7 @@
       </p:sp>
       <p:sp>
         <p:nvSpPr>
-          <p:cNvPr id="109" name="Google Shape;109;g302dc61f0cc_0_47:notes"/>
+          <p:cNvPr id="108" name="Google Shape;108;g302dc61f0cc_0_47:notes"/>
           <p:cNvSpPr txBox="1"/>
           <p:nvPr>
             <p:ph idx="1" type="body"/>
@@ -933,7 +931,7 @@
   <p:cSld>
     <p:spTree>
       <p:nvGrpSpPr>
-        <p:cNvPr id="114" name="Shape 114"/>
+        <p:cNvPr id="113" name="Shape 113"/>
         <p:cNvGrpSpPr/>
         <p:nvPr/>
       </p:nvGrpSpPr>
@@ -947,7 +945,7 @@
       </p:grpSpPr>
       <p:sp>
         <p:nvSpPr>
-          <p:cNvPr id="115" name="Google Shape;115;g302dc61f0cc_0_53:notes"/>
+          <p:cNvPr id="114" name="Google Shape;114;g302dc61f0cc_0_53:notes"/>
           <p:cNvSpPr/>
           <p:nvPr>
             <p:ph idx="2" type="sldImg"/>
@@ -982,7 +980,7 @@
       </p:sp>
       <p:sp>
         <p:nvSpPr>
-          <p:cNvPr id="116" name="Google Shape;116;g302dc61f0cc_0_53:notes"/>
+          <p:cNvPr id="115" name="Google Shape;115;g302dc61f0cc_0_53:notes"/>
           <p:cNvSpPr txBox="1"/>
           <p:nvPr>
             <p:ph idx="1" type="body"/>
@@ -1032,7 +1030,7 @@
   <p:cSld>
     <p:spTree>
       <p:nvGrpSpPr>
-        <p:cNvPr id="121" name="Shape 121"/>
+        <p:cNvPr id="120" name="Shape 120"/>
         <p:cNvGrpSpPr/>
         <p:nvPr/>
       </p:nvGrpSpPr>
@@ -1046,7 +1044,7 @@
       </p:grpSpPr>
       <p:sp>
         <p:nvSpPr>
-          <p:cNvPr id="122" name="Google Shape;122;g302dc61f0cc_0_28:notes"/>
+          <p:cNvPr id="121" name="Google Shape;121;g302dc61f0cc_0_28:notes"/>
           <p:cNvSpPr/>
           <p:nvPr>
             <p:ph idx="2" type="sldImg"/>
@@ -1081,7 +1079,7 @@
       </p:sp>
       <p:sp>
         <p:nvSpPr>
-          <p:cNvPr id="123" name="Google Shape;123;g302dc61f0cc_0_28:notes"/>
+          <p:cNvPr id="122" name="Google Shape;122;g302dc61f0cc_0_28:notes"/>
           <p:cNvSpPr txBox="1"/>
           <p:nvPr>
             <p:ph idx="1" type="body"/>
@@ -1131,7 +1129,7 @@
   <p:cSld>
     <p:spTree>
       <p:nvGrpSpPr>
-        <p:cNvPr id="126" name="Shape 126"/>
+        <p:cNvPr id="125" name="Shape 125"/>
         <p:cNvGrpSpPr/>
         <p:nvPr/>
       </p:nvGrpSpPr>
@@ -1145,7 +1143,7 @@
       </p:grpSpPr>
       <p:sp>
         <p:nvSpPr>
-          <p:cNvPr id="127" name="Google Shape;127;g302dc61f0cc_0_32:notes"/>
+          <p:cNvPr id="126" name="Google Shape;126;g302dc61f0cc_0_32:notes"/>
           <p:cNvSpPr/>
           <p:nvPr>
             <p:ph idx="2" type="sldImg"/>
@@ -1180,7 +1178,7 @@
       </p:sp>
       <p:sp>
         <p:nvSpPr>
-          <p:cNvPr id="128" name="Google Shape;128;g302dc61f0cc_0_32:notes"/>
+          <p:cNvPr id="127" name="Google Shape;127;g302dc61f0cc_0_32:notes"/>
           <p:cNvSpPr txBox="1"/>
           <p:nvPr>
             <p:ph idx="1" type="body"/>
@@ -1230,7 +1228,7 @@
   <p:cSld>
     <p:spTree>
       <p:nvGrpSpPr>
-        <p:cNvPr id="134" name="Shape 134"/>
+        <p:cNvPr id="133" name="Shape 133"/>
         <p:cNvGrpSpPr/>
         <p:nvPr/>
       </p:nvGrpSpPr>
@@ -1244,7 +1242,7 @@
       </p:grpSpPr>
       <p:sp>
         <p:nvSpPr>
-          <p:cNvPr id="135" name="Google Shape;135;g302dc61f0cc_0_75:notes"/>
+          <p:cNvPr id="134" name="Google Shape;134;g302dc61f0cc_0_75:notes"/>
           <p:cNvSpPr/>
           <p:nvPr>
             <p:ph idx="2" type="sldImg"/>
@@ -1279,7 +1277,7 @@
       </p:sp>
       <p:sp>
         <p:nvSpPr>
-          <p:cNvPr id="136" name="Google Shape;136;g302dc61f0cc_0_75:notes"/>
+          <p:cNvPr id="135" name="Google Shape;135;g302dc61f0cc_0_75:notes"/>
           <p:cNvSpPr txBox="1"/>
           <p:nvPr>
             <p:ph idx="1" type="body"/>
@@ -1329,7 +1327,7 @@
   <p:cSld>
     <p:spTree>
       <p:nvGrpSpPr>
-        <p:cNvPr id="142" name="Shape 142"/>
+        <p:cNvPr id="141" name="Shape 141"/>
         <p:cNvGrpSpPr/>
         <p:nvPr/>
       </p:nvGrpSpPr>
@@ -1343,7 +1341,7 @@
       </p:grpSpPr>
       <p:sp>
         <p:nvSpPr>
-          <p:cNvPr id="143" name="Google Shape;143;g31393da5573_0_16:notes"/>
+          <p:cNvPr id="142" name="Google Shape;142;g31393da5573_0_16:notes"/>
           <p:cNvSpPr/>
           <p:nvPr>
             <p:ph idx="2" type="sldImg"/>
@@ -1378,7 +1376,7 @@
       </p:sp>
       <p:sp>
         <p:nvSpPr>
-          <p:cNvPr id="144" name="Google Shape;144;g31393da5573_0_16:notes"/>
+          <p:cNvPr id="143" name="Google Shape;143;g31393da5573_0_16:notes"/>
           <p:cNvSpPr txBox="1"/>
           <p:nvPr>
             <p:ph idx="1" type="body"/>
@@ -1428,7 +1426,7 @@
   <p:cSld>
     <p:spTree>
       <p:nvGrpSpPr>
-        <p:cNvPr id="150" name="Shape 150"/>
+        <p:cNvPr id="149" name="Shape 149"/>
         <p:cNvGrpSpPr/>
         <p:nvPr/>
       </p:nvGrpSpPr>
@@ -1442,7 +1440,7 @@
       </p:grpSpPr>
       <p:sp>
         <p:nvSpPr>
-          <p:cNvPr id="151" name="Google Shape;151;g302dc61f0cc_0_59:notes"/>
+          <p:cNvPr id="150" name="Google Shape;150;g302dc61f0cc_0_59:notes"/>
           <p:cNvSpPr/>
           <p:nvPr>
             <p:ph idx="2" type="sldImg"/>
@@ -1477,7 +1475,7 @@
       </p:sp>
       <p:sp>
         <p:nvSpPr>
-          <p:cNvPr id="152" name="Google Shape;152;g302dc61f0cc_0_59:notes"/>
+          <p:cNvPr id="151" name="Google Shape;151;g302dc61f0cc_0_59:notes"/>
           <p:cNvSpPr txBox="1"/>
           <p:nvPr>
             <p:ph idx="1" type="body"/>
@@ -1527,7 +1525,7 @@
   <p:cSld>
     <p:spTree>
       <p:nvGrpSpPr>
-        <p:cNvPr id="155" name="Shape 155"/>
+        <p:cNvPr id="154" name="Shape 154"/>
         <p:cNvGrpSpPr/>
         <p:nvPr/>
       </p:nvGrpSpPr>
@@ -1541,7 +1539,7 @@
       </p:grpSpPr>
       <p:sp>
         <p:nvSpPr>
-          <p:cNvPr id="156" name="Google Shape;156;g302dc61f0cc_0_97:notes"/>
+          <p:cNvPr id="155" name="Google Shape;155;g302dc61f0cc_0_97:notes"/>
           <p:cNvSpPr/>
           <p:nvPr>
             <p:ph idx="2" type="sldImg"/>
@@ -1576,7 +1574,7 @@
       </p:sp>
       <p:sp>
         <p:nvSpPr>
-          <p:cNvPr id="157" name="Google Shape;157;g302dc61f0cc_0_97:notes"/>
+          <p:cNvPr id="156" name="Google Shape;156;g302dc61f0cc_0_97:notes"/>
           <p:cNvSpPr txBox="1"/>
           <p:nvPr>
             <p:ph idx="1" type="body"/>
@@ -1626,7 +1624,7 @@
   <p:cSld>
     <p:spTree>
       <p:nvGrpSpPr>
-        <p:cNvPr id="162" name="Shape 162"/>
+        <p:cNvPr id="161" name="Shape 161"/>
         <p:cNvGrpSpPr/>
         <p:nvPr/>
       </p:nvGrpSpPr>
@@ -1640,7 +1638,7 @@
       </p:grpSpPr>
       <p:sp>
         <p:nvSpPr>
-          <p:cNvPr id="163" name="Google Shape;163;g302dc61f0cc_0_110:notes"/>
+          <p:cNvPr id="162" name="Google Shape;162;g302dc61f0cc_0_110:notes"/>
           <p:cNvSpPr/>
           <p:nvPr>
             <p:ph idx="2" type="sldImg"/>
@@ -1675,7 +1673,7 @@
       </p:sp>
       <p:sp>
         <p:nvSpPr>
-          <p:cNvPr id="164" name="Google Shape;164;g302dc61f0cc_0_110:notes"/>
+          <p:cNvPr id="163" name="Google Shape;163;g302dc61f0cc_0_110:notes"/>
           <p:cNvSpPr txBox="1"/>
           <p:nvPr>
             <p:ph idx="1" type="body"/>
@@ -1725,7 +1723,7 @@
   <p:cSld>
     <p:spTree>
       <p:nvGrpSpPr>
-        <p:cNvPr id="169" name="Shape 169"/>
+        <p:cNvPr id="168" name="Shape 168"/>
         <p:cNvGrpSpPr/>
         <p:nvPr/>
       </p:nvGrpSpPr>
@@ -1739,7 +1737,7 @@
       </p:grpSpPr>
       <p:sp>
         <p:nvSpPr>
-          <p:cNvPr id="170" name="Google Shape;170;g3167255dcb3_0_0:notes"/>
+          <p:cNvPr id="169" name="Google Shape;169;g3167255dcb3_0_0:notes"/>
           <p:cNvSpPr/>
           <p:nvPr>
             <p:ph idx="2" type="sldImg"/>
@@ -1774,7 +1772,7 @@
       </p:sp>
       <p:sp>
         <p:nvSpPr>
-          <p:cNvPr id="171" name="Google Shape;171;g3167255dcb3_0_0:notes"/>
+          <p:cNvPr id="170" name="Google Shape;170;g3167255dcb3_0_0:notes"/>
           <p:cNvSpPr txBox="1"/>
           <p:nvPr>
             <p:ph idx="1" type="body"/>
@@ -1923,7 +1921,7 @@
   <p:cSld>
     <p:spTree>
       <p:nvGrpSpPr>
-        <p:cNvPr id="180" name="Shape 180"/>
+        <p:cNvPr id="179" name="Shape 179"/>
         <p:cNvGrpSpPr/>
         <p:nvPr/>
       </p:nvGrpSpPr>
@@ -1937,7 +1935,7 @@
       </p:grpSpPr>
       <p:sp>
         <p:nvSpPr>
-          <p:cNvPr id="181" name="Google Shape;181;g302dc61f0cc_0_63:notes"/>
+          <p:cNvPr id="180" name="Google Shape;180;g302dc61f0cc_0_63:notes"/>
           <p:cNvSpPr/>
           <p:nvPr>
             <p:ph idx="2" type="sldImg"/>
@@ -1972,7 +1970,7 @@
       </p:sp>
       <p:sp>
         <p:nvSpPr>
-          <p:cNvPr id="182" name="Google Shape;182;g302dc61f0cc_0_63:notes"/>
+          <p:cNvPr id="181" name="Google Shape;181;g302dc61f0cc_0_63:notes"/>
           <p:cNvSpPr txBox="1"/>
           <p:nvPr>
             <p:ph idx="1" type="body"/>
@@ -2022,7 +2020,7 @@
   <p:cSld>
     <p:spTree>
       <p:nvGrpSpPr>
-        <p:cNvPr id="187" name="Shape 187"/>
+        <p:cNvPr id="186" name="Shape 186"/>
         <p:cNvGrpSpPr/>
         <p:nvPr/>
       </p:nvGrpSpPr>
@@ -2036,7 +2034,7 @@
       </p:grpSpPr>
       <p:sp>
         <p:nvSpPr>
-          <p:cNvPr id="188" name="Google Shape;188;g302dc61f0cc_0_104:notes"/>
+          <p:cNvPr id="187" name="Google Shape;187;g302dc61f0cc_0_104:notes"/>
           <p:cNvSpPr/>
           <p:nvPr>
             <p:ph idx="2" type="sldImg"/>
@@ -2071,7 +2069,7 @@
       </p:sp>
       <p:sp>
         <p:nvSpPr>
-          <p:cNvPr id="189" name="Google Shape;189;g302dc61f0cc_0_104:notes"/>
+          <p:cNvPr id="188" name="Google Shape;188;g302dc61f0cc_0_104:notes"/>
           <p:cNvSpPr txBox="1"/>
           <p:nvPr>
             <p:ph idx="1" type="body"/>
@@ -2121,7 +2119,7 @@
   <p:cSld>
     <p:spTree>
       <p:nvGrpSpPr>
-        <p:cNvPr id="194" name="Shape 194"/>
+        <p:cNvPr id="193" name="Shape 193"/>
         <p:cNvGrpSpPr/>
         <p:nvPr/>
       </p:nvGrpSpPr>
@@ -2135,7 +2133,7 @@
       </p:grpSpPr>
       <p:sp>
         <p:nvSpPr>
-          <p:cNvPr id="195" name="Google Shape;195;g3167255dcb3_0_23:notes"/>
+          <p:cNvPr id="194" name="Google Shape;194;g3167255dcb3_0_23:notes"/>
           <p:cNvSpPr/>
           <p:nvPr>
             <p:ph idx="2" type="sldImg"/>
@@ -2170,7 +2168,7 @@
       </p:sp>
       <p:sp>
         <p:nvSpPr>
-          <p:cNvPr id="196" name="Google Shape;196;g3167255dcb3_0_23:notes"/>
+          <p:cNvPr id="195" name="Google Shape;195;g3167255dcb3_0_23:notes"/>
           <p:cNvSpPr txBox="1"/>
           <p:nvPr>
             <p:ph idx="1" type="body"/>
@@ -2220,7 +2218,7 @@
   <p:cSld>
     <p:spTree>
       <p:nvGrpSpPr>
-        <p:cNvPr id="205" name="Shape 205"/>
+        <p:cNvPr id="204" name="Shape 204"/>
         <p:cNvGrpSpPr/>
         <p:nvPr/>
       </p:nvGrpSpPr>
@@ -2234,7 +2232,7 @@
       </p:grpSpPr>
       <p:sp>
         <p:nvSpPr>
-          <p:cNvPr id="206" name="Google Shape;206;g316bf9a5621_0_4:notes"/>
+          <p:cNvPr id="205" name="Google Shape;205;g316bf9a5621_0_4:notes"/>
           <p:cNvSpPr/>
           <p:nvPr>
             <p:ph idx="2" type="sldImg"/>
@@ -2269,7 +2267,7 @@
       </p:sp>
       <p:sp>
         <p:nvSpPr>
-          <p:cNvPr id="207" name="Google Shape;207;g316bf9a5621_0_4:notes"/>
+          <p:cNvPr id="206" name="Google Shape;206;g316bf9a5621_0_4:notes"/>
           <p:cNvSpPr txBox="1"/>
           <p:nvPr>
             <p:ph idx="1" type="body"/>
@@ -2319,7 +2317,7 @@
   <p:cSld>
     <p:spTree>
       <p:nvGrpSpPr>
-        <p:cNvPr id="213" name="Shape 213"/>
+        <p:cNvPr id="212" name="Shape 212"/>
         <p:cNvGrpSpPr/>
         <p:nvPr/>
       </p:nvGrpSpPr>
@@ -2333,7 +2331,7 @@
       </p:grpSpPr>
       <p:sp>
         <p:nvSpPr>
-          <p:cNvPr id="214" name="Google Shape;214;g3167255dcb3_0_39:notes"/>
+          <p:cNvPr id="213" name="Google Shape;213;g3167255dcb3_0_39:notes"/>
           <p:cNvSpPr/>
           <p:nvPr>
             <p:ph idx="2" type="sldImg"/>
@@ -2368,7 +2366,7 @@
       </p:sp>
       <p:sp>
         <p:nvSpPr>
-          <p:cNvPr id="215" name="Google Shape;215;g3167255dcb3_0_39:notes"/>
+          <p:cNvPr id="214" name="Google Shape;214;g3167255dcb3_0_39:notes"/>
           <p:cNvSpPr txBox="1"/>
           <p:nvPr>
             <p:ph idx="1" type="body"/>
@@ -2418,7 +2416,7 @@
   <p:cSld>
     <p:spTree>
       <p:nvGrpSpPr>
-        <p:cNvPr id="221" name="Shape 221"/>
+        <p:cNvPr id="220" name="Shape 220"/>
         <p:cNvGrpSpPr/>
         <p:nvPr/>
       </p:nvGrpSpPr>
@@ -2432,7 +2430,7 @@
       </p:grpSpPr>
       <p:sp>
         <p:nvSpPr>
-          <p:cNvPr id="222" name="Google Shape;222;g302dc61f0cc_0_86:notes"/>
+          <p:cNvPr id="221" name="Google Shape;221;g302dc61f0cc_0_86:notes"/>
           <p:cNvSpPr/>
           <p:nvPr>
             <p:ph idx="2" type="sldImg"/>
@@ -2467,7 +2465,7 @@
       </p:sp>
       <p:sp>
         <p:nvSpPr>
-          <p:cNvPr id="223" name="Google Shape;223;g302dc61f0cc_0_86:notes"/>
+          <p:cNvPr id="222" name="Google Shape;222;g302dc61f0cc_0_86:notes"/>
           <p:cNvSpPr txBox="1"/>
           <p:nvPr>
             <p:ph idx="1" type="body"/>
@@ -2517,7 +2515,7 @@
   <p:cSld>
     <p:spTree>
       <p:nvGrpSpPr>
-        <p:cNvPr id="226" name="Shape 226"/>
+        <p:cNvPr id="225" name="Shape 225"/>
         <p:cNvGrpSpPr/>
         <p:nvPr/>
       </p:nvGrpSpPr>
@@ -2531,7 +2529,7 @@
       </p:grpSpPr>
       <p:sp>
         <p:nvSpPr>
-          <p:cNvPr id="227" name="Google Shape;227;g302dc61f0cc_0_90:notes"/>
+          <p:cNvPr id="226" name="Google Shape;226;g302dc61f0cc_0_90:notes"/>
           <p:cNvSpPr/>
           <p:nvPr>
             <p:ph idx="2" type="sldImg"/>
@@ -2566,7 +2564,7 @@
       </p:sp>
       <p:sp>
         <p:nvSpPr>
-          <p:cNvPr id="228" name="Google Shape;228;g302dc61f0cc_0_90:notes"/>
+          <p:cNvPr id="227" name="Google Shape;227;g302dc61f0cc_0_90:notes"/>
           <p:cNvSpPr txBox="1"/>
           <p:nvPr>
             <p:ph idx="1" type="body"/>
@@ -2616,7 +2614,7 @@
   <p:cSld>
     <p:spTree>
       <p:nvGrpSpPr>
-        <p:cNvPr id="234" name="Shape 234"/>
+        <p:cNvPr id="233" name="Shape 233"/>
         <p:cNvGrpSpPr/>
         <p:nvPr/>
       </p:nvGrpSpPr>
@@ -2630,7 +2628,7 @@
       </p:grpSpPr>
       <p:sp>
         <p:nvSpPr>
-          <p:cNvPr id="235" name="Google Shape;235;g3032be58fea_0_1:notes"/>
+          <p:cNvPr id="234" name="Google Shape;234;g3032be58fea_0_1:notes"/>
           <p:cNvSpPr/>
           <p:nvPr>
             <p:ph idx="2" type="sldImg"/>
@@ -2665,7 +2663,7 @@
       </p:sp>
       <p:sp>
         <p:nvSpPr>
-          <p:cNvPr id="236" name="Google Shape;236;g3032be58fea_0_1:notes"/>
+          <p:cNvPr id="235" name="Google Shape;235;g3032be58fea_0_1:notes"/>
           <p:cNvSpPr txBox="1"/>
           <p:nvPr>
             <p:ph idx="1" type="body"/>
@@ -2715,7 +2713,7 @@
   <p:cSld>
     <p:spTree>
       <p:nvGrpSpPr>
-        <p:cNvPr id="242" name="Shape 242"/>
+        <p:cNvPr id="241" name="Shape 241"/>
         <p:cNvGrpSpPr/>
         <p:nvPr/>
       </p:nvGrpSpPr>
@@ -2729,7 +2727,7 @@
       </p:grpSpPr>
       <p:sp>
         <p:nvSpPr>
-          <p:cNvPr id="243" name="Google Shape;243;g31393da5573_0_10:notes"/>
+          <p:cNvPr id="242" name="Google Shape;242;g31393da5573_0_10:notes"/>
           <p:cNvSpPr/>
           <p:nvPr>
             <p:ph idx="2" type="sldImg"/>
@@ -2764,7 +2762,7 @@
       </p:sp>
       <p:sp>
         <p:nvSpPr>
-          <p:cNvPr id="244" name="Google Shape;244;g31393da5573_0_10:notes"/>
+          <p:cNvPr id="243" name="Google Shape;243;g31393da5573_0_10:notes"/>
           <p:cNvSpPr txBox="1"/>
           <p:nvPr>
             <p:ph idx="1" type="body"/>
@@ -2814,7 +2812,7 @@
   <p:cSld>
     <p:spTree>
       <p:nvGrpSpPr>
-        <p:cNvPr id="249" name="Shape 249"/>
+        <p:cNvPr id="248" name="Shape 248"/>
         <p:cNvGrpSpPr/>
         <p:nvPr/>
       </p:nvGrpSpPr>
@@ -2828,7 +2826,7 @@
       </p:grpSpPr>
       <p:sp>
         <p:nvSpPr>
-          <p:cNvPr id="250" name="Google Shape;250;g303047d5f21_1_0:notes"/>
+          <p:cNvPr id="249" name="Google Shape;249;g303047d5f21_1_0:notes"/>
           <p:cNvSpPr/>
           <p:nvPr>
             <p:ph idx="2" type="sldImg"/>
@@ -2863,7 +2861,7 @@
       </p:sp>
       <p:sp>
         <p:nvSpPr>
-          <p:cNvPr id="251" name="Google Shape;251;g303047d5f21_1_0:notes"/>
+          <p:cNvPr id="250" name="Google Shape;250;g303047d5f21_1_0:notes"/>
           <p:cNvSpPr txBox="1"/>
           <p:nvPr>
             <p:ph idx="1" type="body"/>
@@ -2913,7 +2911,7 @@
   <p:cSld>
     <p:spTree>
       <p:nvGrpSpPr>
-        <p:cNvPr id="61" name="Shape 61"/>
+        <p:cNvPr id="60" name="Shape 60"/>
         <p:cNvGrpSpPr/>
         <p:nvPr/>
       </p:nvGrpSpPr>
@@ -2927,7 +2925,7 @@
       </p:grpSpPr>
       <p:sp>
         <p:nvSpPr>
-          <p:cNvPr id="62" name="Google Shape;62;g302d3e3f7de_0_0:notes"/>
+          <p:cNvPr id="61" name="Google Shape;61;g302d3e3f7de_0_0:notes"/>
           <p:cNvSpPr/>
           <p:nvPr>
             <p:ph idx="2" type="sldImg"/>
@@ -2962,7 +2960,7 @@
       </p:sp>
       <p:sp>
         <p:nvSpPr>
-          <p:cNvPr id="63" name="Google Shape;63;g302d3e3f7de_0_0:notes"/>
+          <p:cNvPr id="62" name="Google Shape;62;g302d3e3f7de_0_0:notes"/>
           <p:cNvSpPr txBox="1"/>
           <p:nvPr>
             <p:ph idx="1" type="body"/>
@@ -3012,7 +3010,7 @@
   <p:cSld>
     <p:spTree>
       <p:nvGrpSpPr>
-        <p:cNvPr id="254" name="Shape 254"/>
+        <p:cNvPr id="253" name="Shape 253"/>
         <p:cNvGrpSpPr/>
         <p:nvPr/>
       </p:nvGrpSpPr>
@@ -3026,7 +3024,7 @@
       </p:grpSpPr>
       <p:sp>
         <p:nvSpPr>
-          <p:cNvPr id="255" name="Google Shape;255;g303047d5f21_1_4:notes"/>
+          <p:cNvPr id="254" name="Google Shape;254;g303047d5f21_1_4:notes"/>
           <p:cNvSpPr/>
           <p:nvPr>
             <p:ph idx="2" type="sldImg"/>
@@ -3061,7 +3059,7 @@
       </p:sp>
       <p:sp>
         <p:nvSpPr>
-          <p:cNvPr id="256" name="Google Shape;256;g303047d5f21_1_4:notes"/>
+          <p:cNvPr id="255" name="Google Shape;255;g303047d5f21_1_4:notes"/>
           <p:cNvSpPr txBox="1"/>
           <p:nvPr>
             <p:ph idx="1" type="body"/>
@@ -3111,7 +3109,7 @@
   <p:cSld>
     <p:spTree>
       <p:nvGrpSpPr>
-        <p:cNvPr id="261" name="Shape 261"/>
+        <p:cNvPr id="260" name="Shape 260"/>
         <p:cNvGrpSpPr/>
         <p:nvPr/>
       </p:nvGrpSpPr>
@@ -3125,7 +3123,7 @@
       </p:grpSpPr>
       <p:sp>
         <p:nvSpPr>
-          <p:cNvPr id="262" name="Google Shape;262;g3032be58fea_0_14:notes"/>
+          <p:cNvPr id="261" name="Google Shape;261;g3032be58fea_0_14:notes"/>
           <p:cNvSpPr/>
           <p:nvPr>
             <p:ph idx="2" type="sldImg"/>
@@ -3160,7 +3158,7 @@
       </p:sp>
       <p:sp>
         <p:nvSpPr>
-          <p:cNvPr id="263" name="Google Shape;263;g3032be58fea_0_14:notes"/>
+          <p:cNvPr id="262" name="Google Shape;262;g3032be58fea_0_14:notes"/>
           <p:cNvSpPr txBox="1"/>
           <p:nvPr>
             <p:ph idx="1" type="body"/>
@@ -3210,7 +3208,7 @@
   <p:cSld>
     <p:spTree>
       <p:nvGrpSpPr>
-        <p:cNvPr id="268" name="Shape 268"/>
+        <p:cNvPr id="267" name="Shape 267"/>
         <p:cNvGrpSpPr/>
         <p:nvPr/>
       </p:nvGrpSpPr>
@@ -3224,7 +3222,7 @@
       </p:grpSpPr>
       <p:sp>
         <p:nvSpPr>
-          <p:cNvPr id="269" name="Google Shape;269;g3032be58fea_0_26:notes"/>
+          <p:cNvPr id="268" name="Google Shape;268;g3032be58fea_0_26:notes"/>
           <p:cNvSpPr/>
           <p:nvPr>
             <p:ph idx="2" type="sldImg"/>
@@ -3259,7 +3257,7 @@
       </p:sp>
       <p:sp>
         <p:nvSpPr>
-          <p:cNvPr id="270" name="Google Shape;270;g3032be58fea_0_26:notes"/>
+          <p:cNvPr id="269" name="Google Shape;269;g3032be58fea_0_26:notes"/>
           <p:cNvSpPr txBox="1"/>
           <p:nvPr>
             <p:ph idx="1" type="body"/>
@@ -3309,7 +3307,7 @@
   <p:cSld>
     <p:spTree>
       <p:nvGrpSpPr>
-        <p:cNvPr id="275" name="Shape 275"/>
+        <p:cNvPr id="274" name="Shape 274"/>
         <p:cNvGrpSpPr/>
         <p:nvPr/>
       </p:nvGrpSpPr>
@@ -3323,7 +3321,7 @@
       </p:grpSpPr>
       <p:sp>
         <p:nvSpPr>
-          <p:cNvPr id="276" name="Google Shape;276;g3032be58fea_0_32:notes"/>
+          <p:cNvPr id="275" name="Google Shape;275;g3032be58fea_0_32:notes"/>
           <p:cNvSpPr/>
           <p:nvPr>
             <p:ph idx="2" type="sldImg"/>
@@ -3358,7 +3356,7 @@
       </p:sp>
       <p:sp>
         <p:nvSpPr>
-          <p:cNvPr id="277" name="Google Shape;277;g3032be58fea_0_32:notes"/>
+          <p:cNvPr id="276" name="Google Shape;276;g3032be58fea_0_32:notes"/>
           <p:cNvSpPr txBox="1"/>
           <p:nvPr>
             <p:ph idx="1" type="body"/>
@@ -3408,7 +3406,7 @@
   <p:cSld>
     <p:spTree>
       <p:nvGrpSpPr>
-        <p:cNvPr id="282" name="Shape 282"/>
+        <p:cNvPr id="281" name="Shape 281"/>
         <p:cNvGrpSpPr/>
         <p:nvPr/>
       </p:nvGrpSpPr>
@@ -3422,7 +3420,7 @@
       </p:grpSpPr>
       <p:sp>
         <p:nvSpPr>
-          <p:cNvPr id="283" name="Google Shape;283;g3032be58fea_0_38:notes"/>
+          <p:cNvPr id="282" name="Google Shape;282;g3032be58fea_0_38:notes"/>
           <p:cNvSpPr/>
           <p:nvPr>
             <p:ph idx="2" type="sldImg"/>
@@ -3457,7 +3455,7 @@
       </p:sp>
       <p:sp>
         <p:nvSpPr>
-          <p:cNvPr id="284" name="Google Shape;284;g3032be58fea_0_38:notes"/>
+          <p:cNvPr id="283" name="Google Shape;283;g3032be58fea_0_38:notes"/>
           <p:cNvSpPr txBox="1"/>
           <p:nvPr>
             <p:ph idx="1" type="body"/>
@@ -3507,7 +3505,7 @@
   <p:cSld>
     <p:spTree>
       <p:nvGrpSpPr>
-        <p:cNvPr id="290" name="Shape 290"/>
+        <p:cNvPr id="289" name="Shape 289"/>
         <p:cNvGrpSpPr/>
         <p:nvPr/>
       </p:nvGrpSpPr>
@@ -3521,7 +3519,7 @@
       </p:grpSpPr>
       <p:sp>
         <p:nvSpPr>
-          <p:cNvPr id="291" name="Google Shape;291;g3032be58fea_0_45:notes"/>
+          <p:cNvPr id="290" name="Google Shape;290;g3032be58fea_0_45:notes"/>
           <p:cNvSpPr/>
           <p:nvPr>
             <p:ph idx="2" type="sldImg"/>
@@ -3556,7 +3554,7 @@
       </p:sp>
       <p:sp>
         <p:nvSpPr>
-          <p:cNvPr id="292" name="Google Shape;292;g3032be58fea_0_45:notes"/>
+          <p:cNvPr id="291" name="Google Shape;291;g3032be58fea_0_45:notes"/>
           <p:cNvSpPr txBox="1"/>
           <p:nvPr>
             <p:ph idx="1" type="body"/>
@@ -3606,7 +3604,7 @@
   <p:cSld>
     <p:spTree>
       <p:nvGrpSpPr>
-        <p:cNvPr id="299" name="Shape 299"/>
+        <p:cNvPr id="298" name="Shape 298"/>
         <p:cNvGrpSpPr/>
         <p:nvPr/>
       </p:nvGrpSpPr>
@@ -3620,7 +3618,7 @@
       </p:grpSpPr>
       <p:sp>
         <p:nvSpPr>
-          <p:cNvPr id="300" name="Google Shape;300;g3032be58fea_0_57:notes"/>
+          <p:cNvPr id="299" name="Google Shape;299;g3032be58fea_0_57:notes"/>
           <p:cNvSpPr/>
           <p:nvPr>
             <p:ph idx="2" type="sldImg"/>
@@ -3655,7 +3653,7 @@
       </p:sp>
       <p:sp>
         <p:nvSpPr>
-          <p:cNvPr id="301" name="Google Shape;301;g3032be58fea_0_57:notes"/>
+          <p:cNvPr id="300" name="Google Shape;300;g3032be58fea_0_57:notes"/>
           <p:cNvSpPr txBox="1"/>
           <p:nvPr>
             <p:ph idx="1" type="body"/>
@@ -3705,7 +3703,7 @@
   <p:cSld>
     <p:spTree>
       <p:nvGrpSpPr>
-        <p:cNvPr id="304" name="Shape 304"/>
+        <p:cNvPr id="303" name="Shape 303"/>
         <p:cNvGrpSpPr/>
         <p:nvPr/>
       </p:nvGrpSpPr>
@@ -3719,7 +3717,7 @@
       </p:grpSpPr>
       <p:sp>
         <p:nvSpPr>
-          <p:cNvPr id="305" name="Google Shape;305;g31478ff7c65_0_0:notes"/>
+          <p:cNvPr id="304" name="Google Shape;304;g31478ff7c65_0_0:notes"/>
           <p:cNvSpPr/>
           <p:nvPr>
             <p:ph idx="2" type="sldImg"/>
@@ -3754,7 +3752,7 @@
       </p:sp>
       <p:sp>
         <p:nvSpPr>
-          <p:cNvPr id="306" name="Google Shape;306;g31478ff7c65_0_0:notes"/>
+          <p:cNvPr id="305" name="Google Shape;305;g31478ff7c65_0_0:notes"/>
           <p:cNvSpPr txBox="1"/>
           <p:nvPr>
             <p:ph idx="1" type="body"/>
@@ -3804,7 +3802,7 @@
   <p:cSld>
     <p:spTree>
       <p:nvGrpSpPr>
-        <p:cNvPr id="311" name="Shape 311"/>
+        <p:cNvPr id="310" name="Shape 310"/>
         <p:cNvGrpSpPr/>
         <p:nvPr/>
       </p:nvGrpSpPr>
@@ -3818,7 +3816,7 @@
       </p:grpSpPr>
       <p:sp>
         <p:nvSpPr>
-          <p:cNvPr id="312" name="Google Shape;312;g3032be58fea_0_61:notes"/>
+          <p:cNvPr id="311" name="Google Shape;311;g3032be58fea_0_61:notes"/>
           <p:cNvSpPr/>
           <p:nvPr>
             <p:ph idx="2" type="sldImg"/>
@@ -3853,7 +3851,7 @@
       </p:sp>
       <p:sp>
         <p:nvSpPr>
-          <p:cNvPr id="313" name="Google Shape;313;g3032be58fea_0_61:notes"/>
+          <p:cNvPr id="312" name="Google Shape;312;g3032be58fea_0_61:notes"/>
           <p:cNvSpPr txBox="1"/>
           <p:nvPr>
             <p:ph idx="1" type="body"/>
@@ -3903,7 +3901,7 @@
   <p:cSld>
     <p:spTree>
       <p:nvGrpSpPr>
-        <p:cNvPr id="319" name="Shape 319"/>
+        <p:cNvPr id="318" name="Shape 318"/>
         <p:cNvGrpSpPr/>
         <p:nvPr/>
       </p:nvGrpSpPr>
@@ -3917,7 +3915,7 @@
       </p:grpSpPr>
       <p:sp>
         <p:nvSpPr>
-          <p:cNvPr id="320" name="Google Shape;320;g3032be58fea_0_70:notes"/>
+          <p:cNvPr id="319" name="Google Shape;319;g3032be58fea_0_70:notes"/>
           <p:cNvSpPr/>
           <p:nvPr>
             <p:ph idx="2" type="sldImg"/>
@@ -3952,7 +3950,7 @@
       </p:sp>
       <p:sp>
         <p:nvSpPr>
-          <p:cNvPr id="321" name="Google Shape;321;g3032be58fea_0_70:notes"/>
+          <p:cNvPr id="320" name="Google Shape;320;g3032be58fea_0_70:notes"/>
           <p:cNvSpPr txBox="1"/>
           <p:nvPr>
             <p:ph idx="1" type="body"/>
@@ -4002,7 +4000,7 @@
   <p:cSld>
     <p:spTree>
       <p:nvGrpSpPr>
-        <p:cNvPr id="66" name="Shape 66"/>
+        <p:cNvPr id="65" name="Shape 65"/>
         <p:cNvGrpSpPr/>
         <p:nvPr/>
       </p:nvGrpSpPr>
@@ -4016,7 +4014,7 @@
       </p:grpSpPr>
       <p:sp>
         <p:nvSpPr>
-          <p:cNvPr id="67" name="Google Shape;67;g302d3e3f7de_0_4:notes"/>
+          <p:cNvPr id="66" name="Google Shape;66;g302d3e3f7de_0_4:notes"/>
           <p:cNvSpPr/>
           <p:nvPr>
             <p:ph idx="2" type="sldImg"/>
@@ -4051,7 +4049,7 @@
       </p:sp>
       <p:sp>
         <p:nvSpPr>
-          <p:cNvPr id="68" name="Google Shape;68;g302d3e3f7de_0_4:notes"/>
+          <p:cNvPr id="67" name="Google Shape;67;g302d3e3f7de_0_4:notes"/>
           <p:cNvSpPr txBox="1"/>
           <p:nvPr>
             <p:ph idx="1" type="body"/>
@@ -4101,7 +4099,7 @@
   <p:cSld>
     <p:spTree>
       <p:nvGrpSpPr>
-        <p:cNvPr id="327" name="Shape 327"/>
+        <p:cNvPr id="326" name="Shape 326"/>
         <p:cNvGrpSpPr/>
         <p:nvPr/>
       </p:nvGrpSpPr>
@@ -4115,7 +4113,7 @@
       </p:grpSpPr>
       <p:sp>
         <p:nvSpPr>
-          <p:cNvPr id="328" name="Google Shape;328;g314442235c3_0_4:notes"/>
+          <p:cNvPr id="327" name="Google Shape;327;g314442235c3_0_4:notes"/>
           <p:cNvSpPr/>
           <p:nvPr>
             <p:ph idx="2" type="sldImg"/>
@@ -4150,7 +4148,7 @@
       </p:sp>
       <p:sp>
         <p:nvSpPr>
-          <p:cNvPr id="329" name="Google Shape;329;g314442235c3_0_4:notes"/>
+          <p:cNvPr id="328" name="Google Shape;328;g314442235c3_0_4:notes"/>
           <p:cNvSpPr txBox="1"/>
           <p:nvPr>
             <p:ph idx="1" type="body"/>
@@ -4200,7 +4198,7 @@
   <p:cSld>
     <p:spTree>
       <p:nvGrpSpPr>
-        <p:cNvPr id="335" name="Shape 335"/>
+        <p:cNvPr id="334" name="Shape 334"/>
         <p:cNvGrpSpPr/>
         <p:nvPr/>
       </p:nvGrpSpPr>
@@ -4214,7 +4212,7 @@
       </p:grpSpPr>
       <p:sp>
         <p:nvSpPr>
-          <p:cNvPr id="336" name="Google Shape;336;g31393da5573_0_0:notes"/>
+          <p:cNvPr id="335" name="Google Shape;335;g31393da5573_0_4:notes"/>
           <p:cNvSpPr/>
           <p:nvPr>
             <p:ph idx="2" type="sldImg"/>
@@ -4249,7 +4247,7 @@
       </p:sp>
       <p:sp>
         <p:nvSpPr>
-          <p:cNvPr id="337" name="Google Shape;337;g31393da5573_0_0:notes"/>
+          <p:cNvPr id="336" name="Google Shape;336;g31393da5573_0_4:notes"/>
           <p:cNvSpPr txBox="1"/>
           <p:nvPr>
             <p:ph idx="1" type="body"/>
@@ -4299,7 +4297,7 @@
   <p:cSld>
     <p:spTree>
       <p:nvGrpSpPr>
-        <p:cNvPr id="340" name="Shape 340"/>
+        <p:cNvPr id="341" name="Shape 341"/>
         <p:cNvGrpSpPr/>
         <p:nvPr/>
       </p:nvGrpSpPr>
@@ -4313,7 +4311,7 @@
       </p:grpSpPr>
       <p:sp>
         <p:nvSpPr>
-          <p:cNvPr id="341" name="Google Shape;341;g2fe02fb2832_0_0:notes"/>
+          <p:cNvPr id="342" name="Google Shape;342;g239609b2c0c_0_42:notes"/>
           <p:cNvSpPr/>
           <p:nvPr>
             <p:ph idx="2" type="sldImg"/>
@@ -4348,7 +4346,7 @@
       </p:sp>
       <p:sp>
         <p:nvSpPr>
-          <p:cNvPr id="342" name="Google Shape;342;g2fe02fb2832_0_0:notes"/>
+          <p:cNvPr id="343" name="Google Shape;343;g239609b2c0c_0_42:notes"/>
           <p:cNvSpPr txBox="1"/>
           <p:nvPr>
             <p:ph idx="1" type="body"/>
@@ -4412,7 +4410,7 @@
       </p:grpSpPr>
       <p:sp>
         <p:nvSpPr>
-          <p:cNvPr id="348" name="Google Shape;348;g31393da5573_0_4:notes"/>
+          <p:cNvPr id="348" name="Google Shape;348;g239609b2c0c_0_47:notes"/>
           <p:cNvSpPr/>
           <p:nvPr>
             <p:ph idx="2" type="sldImg"/>
@@ -4447,7 +4445,7 @@
       </p:sp>
       <p:sp>
         <p:nvSpPr>
-          <p:cNvPr id="349" name="Google Shape;349;g31393da5573_0_4:notes"/>
+          <p:cNvPr id="349" name="Google Shape;349;g239609b2c0c_0_47:notes"/>
           <p:cNvSpPr txBox="1"/>
           <p:nvPr>
             <p:ph idx="1" type="body"/>
@@ -4492,12 +4490,12 @@
 </p:notes>
 </file>
 
-<file path=ppt/notesSlides/notesSlide44.xml><?xml version="1.0" encoding="utf-8"?>
+<file path=ppt/notesSlides/notesSlide5.xml><?xml version="1.0" encoding="utf-8"?>
 <p:notes xmlns:a="http://schemas.openxmlformats.org/drawingml/2006/main" xmlns:r="http://schemas.openxmlformats.org/officeDocument/2006/relationships" xmlns:mc="http://schemas.openxmlformats.org/markup-compatibility/2006" xmlns:mv="urn:schemas-microsoft-com:mac:vml" xmlns:p="http://schemas.openxmlformats.org/presentationml/2006/main" xmlns:c="http://schemas.openxmlformats.org/drawingml/2006/chart" xmlns:dgm="http://schemas.openxmlformats.org/drawingml/2006/diagram" xmlns:o="urn:schemas-microsoft-com:office:office" xmlns:v="urn:schemas-microsoft-com:vml" xmlns:pvml="urn:schemas-microsoft-com:office:powerpoint" xmlns:com="http://schemas.openxmlformats.org/drawingml/2006/compatibility" xmlns:p14="http://schemas.microsoft.com/office/powerpoint/2010/main" xmlns:p15="http://schemas.microsoft.com/office/powerpoint/2012/main" xmlns:ahyp="http://schemas.microsoft.com/office/drawing/2018/hyperlinkcolor" showMasterPhAnim="0" showMasterSp="0">
   <p:cSld>
     <p:spTree>
       <p:nvGrpSpPr>
-        <p:cNvPr id="354" name="Shape 354"/>
+        <p:cNvPr id="72" name="Shape 72"/>
         <p:cNvGrpSpPr/>
         <p:nvPr/>
       </p:nvGrpSpPr>
@@ -4511,7 +4509,7 @@
       </p:grpSpPr>
       <p:sp>
         <p:nvSpPr>
-          <p:cNvPr id="355" name="Google Shape;355;g239609b2c0c_0_42:notes"/>
+          <p:cNvPr id="73" name="Google Shape;73;g302dc61f0cc_0_12:notes"/>
           <p:cNvSpPr/>
           <p:nvPr>
             <p:ph idx="2" type="sldImg"/>
@@ -4546,7 +4544,7 @@
       </p:sp>
       <p:sp>
         <p:nvSpPr>
-          <p:cNvPr id="356" name="Google Shape;356;g239609b2c0c_0_42:notes"/>
+          <p:cNvPr id="74" name="Google Shape;74;g302dc61f0cc_0_12:notes"/>
           <p:cNvSpPr txBox="1"/>
           <p:nvPr>
             <p:ph idx="1" type="body"/>
@@ -4591,12 +4589,12 @@
 </p:notes>
 </file>
 
-<file path=ppt/notesSlides/notesSlide45.xml><?xml version="1.0" encoding="utf-8"?>
+<file path=ppt/notesSlides/notesSlide6.xml><?xml version="1.0" encoding="utf-8"?>
 <p:notes xmlns:a="http://schemas.openxmlformats.org/drawingml/2006/main" xmlns:r="http://schemas.openxmlformats.org/officeDocument/2006/relationships" xmlns:mc="http://schemas.openxmlformats.org/markup-compatibility/2006" xmlns:mv="urn:schemas-microsoft-com:mac:vml" xmlns:p="http://schemas.openxmlformats.org/presentationml/2006/main" xmlns:c="http://schemas.openxmlformats.org/drawingml/2006/chart" xmlns:dgm="http://schemas.openxmlformats.org/drawingml/2006/diagram" xmlns:o="urn:schemas-microsoft-com:office:office" xmlns:v="urn:schemas-microsoft-com:vml" xmlns:pvml="urn:schemas-microsoft-com:office:powerpoint" xmlns:com="http://schemas.openxmlformats.org/drawingml/2006/compatibility" xmlns:p14="http://schemas.microsoft.com/office/powerpoint/2010/main" xmlns:p15="http://schemas.microsoft.com/office/powerpoint/2012/main" xmlns:ahyp="http://schemas.microsoft.com/office/drawing/2018/hyperlinkcolor" showMasterPhAnim="0" showMasterSp="0">
   <p:cSld>
     <p:spTree>
       <p:nvGrpSpPr>
-        <p:cNvPr id="360" name="Shape 360"/>
+        <p:cNvPr id="79" name="Shape 79"/>
         <p:cNvGrpSpPr/>
         <p:nvPr/>
       </p:nvGrpSpPr>
@@ -4610,7 +4608,7 @@
       </p:grpSpPr>
       <p:sp>
         <p:nvSpPr>
-          <p:cNvPr id="361" name="Google Shape;361;g239609b2c0c_0_47:notes"/>
+          <p:cNvPr id="80" name="Google Shape;80;g302dc61f0cc_0_17:notes"/>
           <p:cNvSpPr/>
           <p:nvPr>
             <p:ph idx="2" type="sldImg"/>
@@ -4645,7 +4643,7 @@
       </p:sp>
       <p:sp>
         <p:nvSpPr>
-          <p:cNvPr id="362" name="Google Shape;362;g239609b2c0c_0_47:notes"/>
+          <p:cNvPr id="81" name="Google Shape;81;g302dc61f0cc_0_17:notes"/>
           <p:cNvSpPr txBox="1"/>
           <p:nvPr>
             <p:ph idx="1" type="body"/>
@@ -4690,12 +4688,12 @@
 </p:notes>
 </file>
 
-<file path=ppt/notesSlides/notesSlide5.xml><?xml version="1.0" encoding="utf-8"?>
+<file path=ppt/notesSlides/notesSlide7.xml><?xml version="1.0" encoding="utf-8"?>
 <p:notes xmlns:a="http://schemas.openxmlformats.org/drawingml/2006/main" xmlns:r="http://schemas.openxmlformats.org/officeDocument/2006/relationships" xmlns:mc="http://schemas.openxmlformats.org/markup-compatibility/2006" xmlns:mv="urn:schemas-microsoft-com:mac:vml" xmlns:p="http://schemas.openxmlformats.org/presentationml/2006/main" xmlns:c="http://schemas.openxmlformats.org/drawingml/2006/chart" xmlns:dgm="http://schemas.openxmlformats.org/drawingml/2006/diagram" xmlns:o="urn:schemas-microsoft-com:office:office" xmlns:v="urn:schemas-microsoft-com:vml" xmlns:pvml="urn:schemas-microsoft-com:office:powerpoint" xmlns:com="http://schemas.openxmlformats.org/drawingml/2006/compatibility" xmlns:p14="http://schemas.microsoft.com/office/powerpoint/2010/main" xmlns:p15="http://schemas.microsoft.com/office/powerpoint/2012/main" xmlns:ahyp="http://schemas.microsoft.com/office/drawing/2018/hyperlinkcolor" showMasterPhAnim="0" showMasterSp="0">
   <p:cSld>
     <p:spTree>
       <p:nvGrpSpPr>
-        <p:cNvPr id="73" name="Shape 73"/>
+        <p:cNvPr id="86" name="Shape 86"/>
         <p:cNvGrpSpPr/>
         <p:nvPr/>
       </p:nvGrpSpPr>
@@ -4709,7 +4707,7 @@
       </p:grpSpPr>
       <p:sp>
         <p:nvSpPr>
-          <p:cNvPr id="74" name="Google Shape;74;g302dc61f0cc_0_12:notes"/>
+          <p:cNvPr id="87" name="Google Shape;87;g302dc61f0cc_0_2:notes"/>
           <p:cNvSpPr/>
           <p:nvPr>
             <p:ph idx="2" type="sldImg"/>
@@ -4744,7 +4742,7 @@
       </p:sp>
       <p:sp>
         <p:nvSpPr>
-          <p:cNvPr id="75" name="Google Shape;75;g302dc61f0cc_0_12:notes"/>
+          <p:cNvPr id="88" name="Google Shape;88;g302dc61f0cc_0_2:notes"/>
           <p:cNvSpPr txBox="1"/>
           <p:nvPr>
             <p:ph idx="1" type="body"/>
@@ -4789,12 +4787,12 @@
 </p:notes>
 </file>
 
-<file path=ppt/notesSlides/notesSlide6.xml><?xml version="1.0" encoding="utf-8"?>
+<file path=ppt/notesSlides/notesSlide8.xml><?xml version="1.0" encoding="utf-8"?>
 <p:notes xmlns:a="http://schemas.openxmlformats.org/drawingml/2006/main" xmlns:r="http://schemas.openxmlformats.org/officeDocument/2006/relationships" xmlns:mc="http://schemas.openxmlformats.org/markup-compatibility/2006" xmlns:mv="urn:schemas-microsoft-com:mac:vml" xmlns:p="http://schemas.openxmlformats.org/presentationml/2006/main" xmlns:c="http://schemas.openxmlformats.org/drawingml/2006/chart" xmlns:dgm="http://schemas.openxmlformats.org/drawingml/2006/diagram" xmlns:o="urn:schemas-microsoft-com:office:office" xmlns:v="urn:schemas-microsoft-com:vml" xmlns:pvml="urn:schemas-microsoft-com:office:powerpoint" xmlns:com="http://schemas.openxmlformats.org/drawingml/2006/compatibility" xmlns:p14="http://schemas.microsoft.com/office/powerpoint/2010/main" xmlns:p15="http://schemas.microsoft.com/office/powerpoint/2012/main" xmlns:ahyp="http://schemas.microsoft.com/office/drawing/2018/hyperlinkcolor" showMasterPhAnim="0" showMasterSp="0">
   <p:cSld>
     <p:spTree>
       <p:nvGrpSpPr>
-        <p:cNvPr id="80" name="Shape 80"/>
+        <p:cNvPr id="91" name="Shape 91"/>
         <p:cNvGrpSpPr/>
         <p:nvPr/>
       </p:nvGrpSpPr>
@@ -4808,7 +4806,7 @@
       </p:grpSpPr>
       <p:sp>
         <p:nvSpPr>
-          <p:cNvPr id="81" name="Google Shape;81;g302dc61f0cc_0_17:notes"/>
+          <p:cNvPr id="92" name="Google Shape;92;g302dc61f0cc_0_6:notes"/>
           <p:cNvSpPr/>
           <p:nvPr>
             <p:ph idx="2" type="sldImg"/>
@@ -4843,7 +4841,7 @@
       </p:sp>
       <p:sp>
         <p:nvSpPr>
-          <p:cNvPr id="82" name="Google Shape;82;g302dc61f0cc_0_17:notes"/>
+          <p:cNvPr id="93" name="Google Shape;93;g302dc61f0cc_0_6:notes"/>
           <p:cNvSpPr txBox="1"/>
           <p:nvPr>
             <p:ph idx="1" type="body"/>
@@ -4888,12 +4886,12 @@
 </p:notes>
 </file>
 
-<file path=ppt/notesSlides/notesSlide7.xml><?xml version="1.0" encoding="utf-8"?>
+<file path=ppt/notesSlides/notesSlide9.xml><?xml version="1.0" encoding="utf-8"?>
 <p:notes xmlns:a="http://schemas.openxmlformats.org/drawingml/2006/main" xmlns:r="http://schemas.openxmlformats.org/officeDocument/2006/relationships" xmlns:mc="http://schemas.openxmlformats.org/markup-compatibility/2006" xmlns:mv="urn:schemas-microsoft-com:mac:vml" xmlns:p="http://schemas.openxmlformats.org/presentationml/2006/main" xmlns:c="http://schemas.openxmlformats.org/drawingml/2006/chart" xmlns:dgm="http://schemas.openxmlformats.org/drawingml/2006/diagram" xmlns:o="urn:schemas-microsoft-com:office:office" xmlns:v="urn:schemas-microsoft-com:vml" xmlns:pvml="urn:schemas-microsoft-com:office:powerpoint" xmlns:com="http://schemas.openxmlformats.org/drawingml/2006/compatibility" xmlns:p14="http://schemas.microsoft.com/office/powerpoint/2010/main" xmlns:p15="http://schemas.microsoft.com/office/powerpoint/2012/main" xmlns:ahyp="http://schemas.microsoft.com/office/drawing/2018/hyperlinkcolor" showMasterPhAnim="0" showMasterSp="0">
   <p:cSld>
     <p:spTree>
       <p:nvGrpSpPr>
-        <p:cNvPr id="87" name="Shape 87"/>
+        <p:cNvPr id="99" name="Shape 99"/>
         <p:cNvGrpSpPr/>
         <p:nvPr/>
       </p:nvGrpSpPr>
@@ -4907,7 +4905,7 @@
       </p:grpSpPr>
       <p:sp>
         <p:nvSpPr>
-          <p:cNvPr id="88" name="Google Shape;88;g302dc61f0cc_0_2:notes"/>
+          <p:cNvPr id="100" name="Google Shape;100;g302dc61f0cc_0_41:notes"/>
           <p:cNvSpPr/>
           <p:nvPr>
             <p:ph idx="2" type="sldImg"/>
@@ -4942,205 +4940,7 @@
       </p:sp>
       <p:sp>
         <p:nvSpPr>
-          <p:cNvPr id="89" name="Google Shape;89;g302dc61f0cc_0_2:notes"/>
-          <p:cNvSpPr txBox="1"/>
-          <p:nvPr>
-            <p:ph idx="1" type="body"/>
-          </p:nvPr>
-        </p:nvSpPr>
-        <p:spPr>
-          <a:xfrm>
-            <a:off x="685800" y="4343400"/>
-            <a:ext cx="5486400" cy="4114800"/>
-          </a:xfrm>
-          <a:prstGeom prst="rect">
-            <a:avLst/>
-          </a:prstGeom>
-        </p:spPr>
-        <p:txBody>
-          <a:bodyPr anchorCtr="0" anchor="t" bIns="91425" lIns="91425" spcFirstLastPara="1" rIns="91425" wrap="square" tIns="91425">
-            <a:noAutofit/>
-          </a:bodyPr>
-          <a:lstStyle/>
-          <a:p>
-            <a:pPr indent="0" lvl="0" marL="0" rtl="0" algn="l">
-              <a:spcBef>
-                <a:spcPts val="0"/>
-              </a:spcBef>
-              <a:spcAft>
-                <a:spcPts val="0"/>
-              </a:spcAft>
-              <a:buNone/>
-            </a:pPr>
-            <a:r>
-              <a:t/>
-            </a:r>
-            <a:endParaRPr/>
-          </a:p>
-        </p:txBody>
-      </p:sp>
-    </p:spTree>
-  </p:cSld>
-  <p:clrMapOvr>
-    <a:masterClrMapping/>
-  </p:clrMapOvr>
-</p:notes>
-</file>
-
-<file path=ppt/notesSlides/notesSlide8.xml><?xml version="1.0" encoding="utf-8"?>
-<p:notes xmlns:a="http://schemas.openxmlformats.org/drawingml/2006/main" xmlns:r="http://schemas.openxmlformats.org/officeDocument/2006/relationships" xmlns:mc="http://schemas.openxmlformats.org/markup-compatibility/2006" xmlns:mv="urn:schemas-microsoft-com:mac:vml" xmlns:p="http://schemas.openxmlformats.org/presentationml/2006/main" xmlns:c="http://schemas.openxmlformats.org/drawingml/2006/chart" xmlns:dgm="http://schemas.openxmlformats.org/drawingml/2006/diagram" xmlns:o="urn:schemas-microsoft-com:office:office" xmlns:v="urn:schemas-microsoft-com:vml" xmlns:pvml="urn:schemas-microsoft-com:office:powerpoint" xmlns:com="http://schemas.openxmlformats.org/drawingml/2006/compatibility" xmlns:p14="http://schemas.microsoft.com/office/powerpoint/2010/main" xmlns:p15="http://schemas.microsoft.com/office/powerpoint/2012/main" xmlns:ahyp="http://schemas.microsoft.com/office/drawing/2018/hyperlinkcolor" showMasterPhAnim="0" showMasterSp="0">
-  <p:cSld>
-    <p:spTree>
-      <p:nvGrpSpPr>
-        <p:cNvPr id="92" name="Shape 92"/>
-        <p:cNvGrpSpPr/>
-        <p:nvPr/>
-      </p:nvGrpSpPr>
-      <p:grpSpPr>
-        <a:xfrm>
-          <a:off x="0" y="0"/>
-          <a:ext cx="0" cy="0"/>
-          <a:chOff x="0" y="0"/>
-          <a:chExt cx="0" cy="0"/>
-        </a:xfrm>
-      </p:grpSpPr>
-      <p:sp>
-        <p:nvSpPr>
-          <p:cNvPr id="93" name="Google Shape;93;g302dc61f0cc_0_6:notes"/>
-          <p:cNvSpPr/>
-          <p:nvPr>
-            <p:ph idx="2" type="sldImg"/>
-          </p:nvPr>
-        </p:nvSpPr>
-        <p:spPr>
-          <a:xfrm>
-            <a:off x="381300" y="685800"/>
-            <a:ext cx="6096000" cy="3429000"/>
-          </a:xfrm>
-          <a:custGeom>
-            <a:rect b="b" l="l" r="r" t="t"/>
-            <a:pathLst>
-              <a:path extrusionOk="0" h="120000" w="120000">
-                <a:moveTo>
-                  <a:pt x="0" y="0"/>
-                </a:moveTo>
-                <a:lnTo>
-                  <a:pt x="120000" y="0"/>
-                </a:lnTo>
-                <a:lnTo>
-                  <a:pt x="120000" y="120000"/>
-                </a:lnTo>
-                <a:lnTo>
-                  <a:pt x="0" y="120000"/>
-                </a:lnTo>
-                <a:close/>
-              </a:path>
-            </a:pathLst>
-          </a:custGeom>
-        </p:spPr>
-      </p:sp>
-      <p:sp>
-        <p:nvSpPr>
-          <p:cNvPr id="94" name="Google Shape;94;g302dc61f0cc_0_6:notes"/>
-          <p:cNvSpPr txBox="1"/>
-          <p:nvPr>
-            <p:ph idx="1" type="body"/>
-          </p:nvPr>
-        </p:nvSpPr>
-        <p:spPr>
-          <a:xfrm>
-            <a:off x="685800" y="4343400"/>
-            <a:ext cx="5486400" cy="4114800"/>
-          </a:xfrm>
-          <a:prstGeom prst="rect">
-            <a:avLst/>
-          </a:prstGeom>
-        </p:spPr>
-        <p:txBody>
-          <a:bodyPr anchorCtr="0" anchor="t" bIns="91425" lIns="91425" spcFirstLastPara="1" rIns="91425" wrap="square" tIns="91425">
-            <a:noAutofit/>
-          </a:bodyPr>
-          <a:lstStyle/>
-          <a:p>
-            <a:pPr indent="0" lvl="0" marL="0" rtl="0" algn="l">
-              <a:spcBef>
-                <a:spcPts val="0"/>
-              </a:spcBef>
-              <a:spcAft>
-                <a:spcPts val="0"/>
-              </a:spcAft>
-              <a:buNone/>
-            </a:pPr>
-            <a:r>
-              <a:t/>
-            </a:r>
-            <a:endParaRPr/>
-          </a:p>
-        </p:txBody>
-      </p:sp>
-    </p:spTree>
-  </p:cSld>
-  <p:clrMapOvr>
-    <a:masterClrMapping/>
-  </p:clrMapOvr>
-</p:notes>
-</file>
-
-<file path=ppt/notesSlides/notesSlide9.xml><?xml version="1.0" encoding="utf-8"?>
-<p:notes xmlns:a="http://schemas.openxmlformats.org/drawingml/2006/main" xmlns:r="http://schemas.openxmlformats.org/officeDocument/2006/relationships" xmlns:mc="http://schemas.openxmlformats.org/markup-compatibility/2006" xmlns:mv="urn:schemas-microsoft-com:mac:vml" xmlns:p="http://schemas.openxmlformats.org/presentationml/2006/main" xmlns:c="http://schemas.openxmlformats.org/drawingml/2006/chart" xmlns:dgm="http://schemas.openxmlformats.org/drawingml/2006/diagram" xmlns:o="urn:schemas-microsoft-com:office:office" xmlns:v="urn:schemas-microsoft-com:vml" xmlns:pvml="urn:schemas-microsoft-com:office:powerpoint" xmlns:com="http://schemas.openxmlformats.org/drawingml/2006/compatibility" xmlns:p14="http://schemas.microsoft.com/office/powerpoint/2010/main" xmlns:p15="http://schemas.microsoft.com/office/powerpoint/2012/main" xmlns:ahyp="http://schemas.microsoft.com/office/drawing/2018/hyperlinkcolor" showMasterPhAnim="0" showMasterSp="0">
-  <p:cSld>
-    <p:spTree>
-      <p:nvGrpSpPr>
-        <p:cNvPr id="100" name="Shape 100"/>
-        <p:cNvGrpSpPr/>
-        <p:nvPr/>
-      </p:nvGrpSpPr>
-      <p:grpSpPr>
-        <a:xfrm>
-          <a:off x="0" y="0"/>
-          <a:ext cx="0" cy="0"/>
-          <a:chOff x="0" y="0"/>
-          <a:chExt cx="0" cy="0"/>
-        </a:xfrm>
-      </p:grpSpPr>
-      <p:sp>
-        <p:nvSpPr>
           <p:cNvPr id="101" name="Google Shape;101;g302dc61f0cc_0_41:notes"/>
-          <p:cNvSpPr/>
-          <p:nvPr>
-            <p:ph idx="2" type="sldImg"/>
-          </p:nvPr>
-        </p:nvSpPr>
-        <p:spPr>
-          <a:xfrm>
-            <a:off x="381300" y="685800"/>
-            <a:ext cx="6096000" cy="3429000"/>
-          </a:xfrm>
-          <a:custGeom>
-            <a:rect b="b" l="l" r="r" t="t"/>
-            <a:pathLst>
-              <a:path extrusionOk="0" h="120000" w="120000">
-                <a:moveTo>
-                  <a:pt x="0" y="0"/>
-                </a:moveTo>
-                <a:lnTo>
-                  <a:pt x="120000" y="0"/>
-                </a:lnTo>
-                <a:lnTo>
-                  <a:pt x="120000" y="120000"/>
-                </a:lnTo>
-                <a:lnTo>
-                  <a:pt x="0" y="120000"/>
-                </a:lnTo>
-                <a:close/>
-              </a:path>
-            </a:pathLst>
-          </a:custGeom>
-        </p:spPr>
-      </p:sp>
-      <p:sp>
-        <p:nvSpPr>
-          <p:cNvPr id="102" name="Google Shape;102;g302dc61f0cc_0_41:notes"/>
           <p:cNvSpPr txBox="1"/>
           <p:nvPr>
             <p:ph idx="1" type="body"/>
@@ -9100,7 +8900,7 @@
   <p:cSld>
     <p:spTree>
       <p:nvGrpSpPr>
-        <p:cNvPr id="110" name="Shape 110"/>
+        <p:cNvPr id="109" name="Shape 109"/>
         <p:cNvGrpSpPr/>
         <p:nvPr/>
       </p:nvGrpSpPr>
@@ -9114,7 +8914,7 @@
       </p:grpSpPr>
       <p:sp>
         <p:nvSpPr>
-          <p:cNvPr id="111" name="Google Shape;111;p17"/>
+          <p:cNvPr id="110" name="Google Shape;110;p17"/>
           <p:cNvSpPr txBox="1"/>
           <p:nvPr>
             <p:ph type="title"/>
@@ -9154,7 +8954,7 @@
       </p:sp>
       <p:sp>
         <p:nvSpPr>
-          <p:cNvPr id="112" name="Google Shape;112;p17"/>
+          <p:cNvPr id="111" name="Google Shape;111;p17"/>
           <p:cNvSpPr txBox="1"/>
           <p:nvPr>
             <p:ph idx="1" type="body"/>
@@ -9194,7 +8994,7 @@
       </p:sp>
       <p:sp>
         <p:nvSpPr>
-          <p:cNvPr id="113" name="Google Shape;113;p17"/>
+          <p:cNvPr id="112" name="Google Shape;112;p17"/>
           <p:cNvSpPr txBox="1"/>
           <p:nvPr>
             <p:ph idx="12" type="sldNum"/>
@@ -9278,7 +9078,7 @@
   <p:cSld>
     <p:spTree>
       <p:nvGrpSpPr>
-        <p:cNvPr id="117" name="Shape 117"/>
+        <p:cNvPr id="116" name="Shape 116"/>
         <p:cNvGrpSpPr/>
         <p:nvPr/>
       </p:nvGrpSpPr>
@@ -9292,7 +9092,7 @@
       </p:grpSpPr>
       <p:sp>
         <p:nvSpPr>
-          <p:cNvPr id="118" name="Google Shape;118;p18"/>
+          <p:cNvPr id="117" name="Google Shape;117;p18"/>
           <p:cNvSpPr txBox="1"/>
           <p:nvPr>
             <p:ph type="title"/>
@@ -9332,7 +9132,7 @@
       </p:sp>
       <p:sp>
         <p:nvSpPr>
-          <p:cNvPr id="119" name="Google Shape;119;p18"/>
+          <p:cNvPr id="118" name="Google Shape;118;p18"/>
           <p:cNvSpPr txBox="1"/>
           <p:nvPr>
             <p:ph idx="1" type="body"/>
@@ -9420,7 +9220,7 @@
       </p:sp>
       <p:sp>
         <p:nvSpPr>
-          <p:cNvPr id="120" name="Google Shape;120;p18"/>
+          <p:cNvPr id="119" name="Google Shape;119;p18"/>
           <p:cNvSpPr txBox="1"/>
           <p:nvPr>
             <p:ph idx="12" type="sldNum"/>
@@ -9504,7 +9304,7 @@
   <p:cSld>
     <p:spTree>
       <p:nvGrpSpPr>
-        <p:cNvPr id="124" name="Shape 124"/>
+        <p:cNvPr id="123" name="Shape 123"/>
         <p:cNvGrpSpPr/>
         <p:nvPr/>
       </p:nvGrpSpPr>
@@ -9518,7 +9318,7 @@
       </p:grpSpPr>
       <p:sp>
         <p:nvSpPr>
-          <p:cNvPr id="125" name="Google Shape;125;p19"/>
+          <p:cNvPr id="124" name="Google Shape;124;p19"/>
           <p:cNvSpPr txBox="1"/>
           <p:nvPr>
             <p:ph type="title"/>
@@ -9569,7 +9369,7 @@
   <p:cSld>
     <p:spTree>
       <p:nvGrpSpPr>
-        <p:cNvPr id="129" name="Shape 129"/>
+        <p:cNvPr id="128" name="Shape 128"/>
         <p:cNvGrpSpPr/>
         <p:nvPr/>
       </p:nvGrpSpPr>
@@ -9583,7 +9383,7 @@
       </p:grpSpPr>
       <p:sp>
         <p:nvSpPr>
-          <p:cNvPr id="130" name="Google Shape;130;p20"/>
+          <p:cNvPr id="129" name="Google Shape;129;p20"/>
           <p:cNvSpPr txBox="1"/>
           <p:nvPr>
             <p:ph type="title"/>
@@ -9623,7 +9423,7 @@
       </p:sp>
       <p:sp>
         <p:nvSpPr>
-          <p:cNvPr id="131" name="Google Shape;131;p20"/>
+          <p:cNvPr id="130" name="Google Shape;130;p20"/>
           <p:cNvSpPr txBox="1"/>
           <p:nvPr>
             <p:ph idx="12" type="sldNum"/>
@@ -9696,7 +9496,7 @@
       </p:sp>
       <p:sp>
         <p:nvSpPr>
-          <p:cNvPr id="132" name="Google Shape;132;p20"/>
+          <p:cNvPr id="131" name="Google Shape;131;p20"/>
           <p:cNvSpPr txBox="1"/>
           <p:nvPr>
             <p:ph idx="1" type="body"/>
@@ -9810,7 +9610,7 @@
       </p:sp>
       <p:pic>
         <p:nvPicPr>
-          <p:cNvPr id="133" name="Google Shape;133;p20"/>
+          <p:cNvPr id="132" name="Google Shape;132;p20"/>
           <p:cNvPicPr preferRelativeResize="0"/>
           <p:nvPr/>
         </p:nvPicPr>
@@ -9849,7 +9649,7 @@
   <p:cSld>
     <p:spTree>
       <p:nvGrpSpPr>
-        <p:cNvPr id="137" name="Shape 137"/>
+        <p:cNvPr id="136" name="Shape 136"/>
         <p:cNvGrpSpPr/>
         <p:nvPr/>
       </p:nvGrpSpPr>
@@ -9863,7 +9663,7 @@
       </p:grpSpPr>
       <p:sp>
         <p:nvSpPr>
-          <p:cNvPr id="138" name="Google Shape;138;p21"/>
+          <p:cNvPr id="137" name="Google Shape;137;p21"/>
           <p:cNvSpPr txBox="1"/>
           <p:nvPr>
             <p:ph idx="1" type="body"/>
@@ -9969,7 +9769,7 @@
       </p:sp>
       <p:sp>
         <p:nvSpPr>
-          <p:cNvPr id="139" name="Google Shape;139;p21"/>
+          <p:cNvPr id="138" name="Google Shape;138;p21"/>
           <p:cNvSpPr txBox="1"/>
           <p:nvPr>
             <p:ph type="title"/>
@@ -10009,7 +9809,7 @@
       </p:sp>
       <p:sp>
         <p:nvSpPr>
-          <p:cNvPr id="140" name="Google Shape;140;p21"/>
+          <p:cNvPr id="139" name="Google Shape;139;p21"/>
           <p:cNvSpPr txBox="1"/>
           <p:nvPr>
             <p:ph idx="12" type="sldNum"/>
@@ -10082,7 +9882,7 @@
       </p:sp>
       <p:pic>
         <p:nvPicPr>
-          <p:cNvPr id="141" name="Google Shape;141;p21"/>
+          <p:cNvPr id="140" name="Google Shape;140;p21"/>
           <p:cNvPicPr preferRelativeResize="0"/>
           <p:nvPr/>
         </p:nvPicPr>
@@ -10121,7 +9921,7 @@
   <p:cSld>
     <p:spTree>
       <p:nvGrpSpPr>
-        <p:cNvPr id="145" name="Shape 145"/>
+        <p:cNvPr id="144" name="Shape 144"/>
         <p:cNvGrpSpPr/>
         <p:nvPr/>
       </p:nvGrpSpPr>
@@ -10135,7 +9935,7 @@
       </p:grpSpPr>
       <p:sp>
         <p:nvSpPr>
-          <p:cNvPr id="146" name="Google Shape;146;p22"/>
+          <p:cNvPr id="145" name="Google Shape;145;p22"/>
           <p:cNvSpPr txBox="1"/>
           <p:nvPr>
             <p:ph type="title"/>
@@ -10175,7 +9975,7 @@
       </p:sp>
       <p:sp>
         <p:nvSpPr>
-          <p:cNvPr id="147" name="Google Shape;147;p22"/>
+          <p:cNvPr id="146" name="Google Shape;146;p22"/>
           <p:cNvSpPr txBox="1"/>
           <p:nvPr>
             <p:ph idx="1" type="body"/>
@@ -10280,7 +10080,7 @@
       </p:sp>
       <p:sp>
         <p:nvSpPr>
-          <p:cNvPr id="148" name="Google Shape;148;p22"/>
+          <p:cNvPr id="147" name="Google Shape;147;p22"/>
           <p:cNvSpPr txBox="1"/>
           <p:nvPr>
             <p:ph idx="12" type="sldNum"/>
@@ -10353,7 +10153,7 @@
       </p:sp>
       <p:sp>
         <p:nvSpPr>
-          <p:cNvPr id="149" name="Google Shape;149;p22"/>
+          <p:cNvPr id="148" name="Google Shape;148;p22"/>
           <p:cNvSpPr txBox="1"/>
           <p:nvPr/>
         </p:nvSpPr>
@@ -10406,7 +10206,7 @@
   <p:cSld>
     <p:spTree>
       <p:nvGrpSpPr>
-        <p:cNvPr id="153" name="Shape 153"/>
+        <p:cNvPr id="152" name="Shape 152"/>
         <p:cNvGrpSpPr/>
         <p:nvPr/>
       </p:nvGrpSpPr>
@@ -10420,7 +10220,7 @@
       </p:grpSpPr>
       <p:sp>
         <p:nvSpPr>
-          <p:cNvPr id="154" name="Google Shape;154;p23"/>
+          <p:cNvPr id="153" name="Google Shape;153;p23"/>
           <p:cNvSpPr txBox="1"/>
           <p:nvPr>
             <p:ph type="title"/>
@@ -10471,7 +10271,7 @@
   <p:cSld>
     <p:spTree>
       <p:nvGrpSpPr>
-        <p:cNvPr id="158" name="Shape 158"/>
+        <p:cNvPr id="157" name="Shape 157"/>
         <p:cNvGrpSpPr/>
         <p:nvPr/>
       </p:nvGrpSpPr>
@@ -10485,7 +10285,7 @@
       </p:grpSpPr>
       <p:sp>
         <p:nvSpPr>
-          <p:cNvPr id="159" name="Google Shape;159;p24"/>
+          <p:cNvPr id="158" name="Google Shape;158;p24"/>
           <p:cNvSpPr txBox="1"/>
           <p:nvPr>
             <p:ph type="title"/>
@@ -10525,7 +10325,7 @@
       </p:sp>
       <p:sp>
         <p:nvSpPr>
-          <p:cNvPr id="160" name="Google Shape;160;p24"/>
+          <p:cNvPr id="159" name="Google Shape;159;p24"/>
           <p:cNvSpPr txBox="1"/>
           <p:nvPr>
             <p:ph idx="1" type="body"/>
@@ -10660,7 +10460,7 @@
       </p:sp>
       <p:sp>
         <p:nvSpPr>
-          <p:cNvPr id="161" name="Google Shape;161;p24"/>
+          <p:cNvPr id="160" name="Google Shape;160;p24"/>
           <p:cNvSpPr txBox="1"/>
           <p:nvPr>
             <p:ph idx="12" type="sldNum"/>
@@ -10744,7 +10544,7 @@
   <p:cSld>
     <p:spTree>
       <p:nvGrpSpPr>
-        <p:cNvPr id="165" name="Shape 165"/>
+        <p:cNvPr id="164" name="Shape 164"/>
         <p:cNvGrpSpPr/>
         <p:nvPr/>
       </p:nvGrpSpPr>
@@ -10758,7 +10558,7 @@
       </p:grpSpPr>
       <p:sp>
         <p:nvSpPr>
-          <p:cNvPr id="166" name="Google Shape;166;p25"/>
+          <p:cNvPr id="165" name="Google Shape;165;p25"/>
           <p:cNvSpPr txBox="1"/>
           <p:nvPr>
             <p:ph type="title"/>
@@ -10798,7 +10598,7 @@
       </p:sp>
       <p:sp>
         <p:nvSpPr>
-          <p:cNvPr id="167" name="Google Shape;167;p25"/>
+          <p:cNvPr id="166" name="Google Shape;166;p25"/>
           <p:cNvSpPr txBox="1"/>
           <p:nvPr>
             <p:ph idx="1" type="body"/>
@@ -10963,7 +10763,7 @@
       </p:sp>
       <p:sp>
         <p:nvSpPr>
-          <p:cNvPr id="168" name="Google Shape;168;p25"/>
+          <p:cNvPr id="167" name="Google Shape;167;p25"/>
           <p:cNvSpPr txBox="1"/>
           <p:nvPr>
             <p:ph idx="12" type="sldNum"/>
@@ -11047,7 +10847,7 @@
   <p:cSld>
     <p:spTree>
       <p:nvGrpSpPr>
-        <p:cNvPr id="172" name="Shape 172"/>
+        <p:cNvPr id="171" name="Shape 171"/>
         <p:cNvGrpSpPr/>
         <p:nvPr/>
       </p:nvGrpSpPr>
@@ -11061,7 +10861,7 @@
       </p:grpSpPr>
       <p:sp>
         <p:nvSpPr>
-          <p:cNvPr id="173" name="Google Shape;173;p26"/>
+          <p:cNvPr id="172" name="Google Shape;172;p26"/>
           <p:cNvSpPr txBox="1"/>
           <p:nvPr>
             <p:ph type="title"/>
@@ -11109,7 +10909,7 @@
       </p:sp>
       <p:sp>
         <p:nvSpPr>
-          <p:cNvPr id="174" name="Google Shape;174;p26"/>
+          <p:cNvPr id="173" name="Google Shape;173;p26"/>
           <p:cNvSpPr txBox="1"/>
           <p:nvPr>
             <p:ph idx="12" type="sldNum"/>
@@ -11182,7 +10982,7 @@
       </p:sp>
       <p:sp>
         <p:nvSpPr>
-          <p:cNvPr id="175" name="Google Shape;175;p26"/>
+          <p:cNvPr id="174" name="Google Shape;174;p26"/>
           <p:cNvSpPr txBox="1"/>
           <p:nvPr/>
         </p:nvSpPr>
@@ -11200,7 +11000,7 @@
           </a:ln>
         </p:spPr>
         <p:txBody>
-          <a:bodyPr anchorCtr="0" anchor="b" bIns="91425" lIns="91425" spcFirstLastPara="1" rIns="91425" wrap="square" tIns="91425">
+          <a:bodyPr anchorCtr="0" anchor="b" bIns="0" lIns="0" spcFirstLastPara="1" rIns="0" wrap="square" tIns="0">
             <a:noAutofit/>
           </a:bodyPr>
           <a:lstStyle/>
@@ -12335,7 +12135,7 @@
       </p:sp>
       <p:sp>
         <p:nvSpPr>
-          <p:cNvPr id="176" name="Google Shape;176;p26"/>
+          <p:cNvPr id="175" name="Google Shape;175;p26"/>
           <p:cNvSpPr txBox="1"/>
           <p:nvPr/>
         </p:nvSpPr>
@@ -12353,7 +12153,7 @@
           </a:ln>
         </p:spPr>
         <p:txBody>
-          <a:bodyPr anchorCtr="0" anchor="b" bIns="91425" lIns="91425" spcFirstLastPara="1" rIns="91425" wrap="square" tIns="91425">
+          <a:bodyPr anchorCtr="0" anchor="b" bIns="0" lIns="0" spcFirstLastPara="1" rIns="0" wrap="square" tIns="0">
             <a:noAutofit/>
           </a:bodyPr>
           <a:lstStyle/>
@@ -13413,7 +13213,7 @@
       </p:sp>
       <p:sp>
         <p:nvSpPr>
-          <p:cNvPr id="177" name="Google Shape;177;p26"/>
+          <p:cNvPr id="176" name="Google Shape;176;p26"/>
           <p:cNvSpPr/>
           <p:nvPr/>
         </p:nvSpPr>
@@ -13459,7 +13259,7 @@
       </p:sp>
       <p:sp>
         <p:nvSpPr>
-          <p:cNvPr id="178" name="Google Shape;178;p26"/>
+          <p:cNvPr id="177" name="Google Shape;177;p26"/>
           <p:cNvSpPr/>
           <p:nvPr/>
         </p:nvSpPr>
@@ -13505,7 +13305,7 @@
       </p:sp>
       <p:pic>
         <p:nvPicPr>
-          <p:cNvPr id="179" name="Google Shape;179;p26"/>
+          <p:cNvPr id="178" name="Google Shape;178;p26"/>
           <p:cNvPicPr preferRelativeResize="0"/>
           <p:nvPr/>
         </p:nvPicPr>
@@ -13574,7 +13374,7 @@
           </a:prstGeom>
         </p:spPr>
         <p:txBody>
-          <a:bodyPr anchorCtr="0" anchor="ctr" bIns="0" lIns="274300" spcFirstLastPara="1" rIns="0" wrap="square" tIns="0">
+          <a:bodyPr anchorCtr="0" anchor="ctr" bIns="91425" lIns="274300" spcFirstLastPara="1" rIns="91425" wrap="square" tIns="91425">
             <a:noAutofit/>
           </a:bodyPr>
           <a:lstStyle/>
@@ -13607,14 +13407,14 @@
         <p:spPr>
           <a:xfrm>
             <a:off x="274320" y="914400"/>
-            <a:ext cx="4114800" cy="4114800"/>
+            <a:ext cx="8595300" cy="4114800"/>
           </a:xfrm>
           <a:prstGeom prst="rect">
             <a:avLst/>
           </a:prstGeom>
         </p:spPr>
         <p:txBody>
-          <a:bodyPr anchorCtr="0" anchor="t" bIns="91425" lIns="0" spcFirstLastPara="1" rIns="91425" wrap="square" tIns="0">
+          <a:bodyPr anchorCtr="0" anchor="t" bIns="0" lIns="0" spcFirstLastPara="1" rIns="0" wrap="square" tIns="0">
             <a:noAutofit/>
           </a:bodyPr>
           <a:lstStyle/>
@@ -13800,11 +13600,6 @@
               <a:spcAft>
                 <a:spcPts val="0"/>
               </a:spcAft>
-              <a:buClr>
-                <a:schemeClr val="dk1"/>
-              </a:buClr>
-              <a:buSzPts val="1100"/>
-              <a:buFont typeface="Arial"/>
               <a:buNone/>
             </a:pPr>
             <a:r>
@@ -13816,51 +13611,19 @@
               </a:rPr>
               <a:t>https://oss.cs.fau.de</a:t>
             </a:r>
-            <a:endParaRPr>
+            <a:r>
+              <a:rPr b="0" lang="en" sz="900">
+                <a:solidFill>
+                  <a:schemeClr val="dk2"/>
+                </a:solidFill>
+              </a:rPr>
+              <a:t> </a:t>
+            </a:r>
+            <a:endParaRPr b="0" sz="900">
               <a:solidFill>
                 <a:schemeClr val="dk2"/>
               </a:solidFill>
             </a:endParaRPr>
-          </a:p>
-        </p:txBody>
-      </p:sp>
-      <p:sp>
-        <p:nvSpPr>
-          <p:cNvPr id="60" name="Google Shape;60;p9"/>
-          <p:cNvSpPr txBox="1"/>
-          <p:nvPr>
-            <p:ph idx="2" type="body"/>
-          </p:nvPr>
-        </p:nvSpPr>
-        <p:spPr>
-          <a:xfrm>
-            <a:off x="4846320" y="914400"/>
-            <a:ext cx="4114800" cy="4114800"/>
-          </a:xfrm>
-          <a:prstGeom prst="rect">
-            <a:avLst/>
-          </a:prstGeom>
-        </p:spPr>
-        <p:txBody>
-          <a:bodyPr anchorCtr="0" anchor="t" bIns="0" lIns="0" spcFirstLastPara="1" rIns="0" wrap="square" tIns="0">
-            <a:noAutofit/>
-          </a:bodyPr>
-          <a:lstStyle/>
-          <a:p>
-            <a:pPr indent="0" lvl="0" marL="0" rtl="0" algn="l">
-              <a:spcBef>
-                <a:spcPts val="0"/>
-              </a:spcBef>
-              <a:spcAft>
-                <a:spcPts val="1200"/>
-              </a:spcAft>
-              <a:buNone/>
-            </a:pPr>
-            <a:r>
-              <a:rPr lang="en"/>
-              <a:t>Homework</a:t>
-            </a:r>
-            <a:endParaRPr/>
           </a:p>
         </p:txBody>
       </p:sp>
@@ -13877,7 +13640,7 @@
   <p:cSld>
     <p:spTree>
       <p:nvGrpSpPr>
-        <p:cNvPr id="183" name="Shape 183"/>
+        <p:cNvPr id="182" name="Shape 182"/>
         <p:cNvGrpSpPr/>
         <p:nvPr/>
       </p:nvGrpSpPr>
@@ -13891,7 +13654,7 @@
       </p:grpSpPr>
       <p:sp>
         <p:nvSpPr>
-          <p:cNvPr id="184" name="Google Shape;184;p27"/>
+          <p:cNvPr id="183" name="Google Shape;183;p27"/>
           <p:cNvSpPr txBox="1"/>
           <p:nvPr>
             <p:ph type="title"/>
@@ -13931,7 +13694,7 @@
       </p:sp>
       <p:sp>
         <p:nvSpPr>
-          <p:cNvPr id="185" name="Google Shape;185;p27"/>
+          <p:cNvPr id="184" name="Google Shape;184;p27"/>
           <p:cNvSpPr txBox="1"/>
           <p:nvPr>
             <p:ph idx="1" type="body"/>
@@ -14079,7 +13842,7 @@
       </p:sp>
       <p:sp>
         <p:nvSpPr>
-          <p:cNvPr id="186" name="Google Shape;186;p27"/>
+          <p:cNvPr id="185" name="Google Shape;185;p27"/>
           <p:cNvSpPr txBox="1"/>
           <p:nvPr>
             <p:ph idx="12" type="sldNum"/>
@@ -14163,7 +13926,7 @@
   <p:cSld>
     <p:spTree>
       <p:nvGrpSpPr>
-        <p:cNvPr id="190" name="Shape 190"/>
+        <p:cNvPr id="189" name="Shape 189"/>
         <p:cNvGrpSpPr/>
         <p:nvPr/>
       </p:nvGrpSpPr>
@@ -14177,7 +13940,7 @@
       </p:grpSpPr>
       <p:sp>
         <p:nvSpPr>
-          <p:cNvPr id="191" name="Google Shape;191;p28"/>
+          <p:cNvPr id="190" name="Google Shape;190;p28"/>
           <p:cNvSpPr txBox="1"/>
           <p:nvPr>
             <p:ph type="title"/>
@@ -14217,7 +13980,7 @@
       </p:sp>
       <p:sp>
         <p:nvSpPr>
-          <p:cNvPr id="192" name="Google Shape;192;p28"/>
+          <p:cNvPr id="191" name="Google Shape;191;p28"/>
           <p:cNvSpPr txBox="1"/>
           <p:nvPr>
             <p:ph idx="1" type="body"/>
@@ -14386,7 +14149,7 @@
       </p:sp>
       <p:sp>
         <p:nvSpPr>
-          <p:cNvPr id="193" name="Google Shape;193;p28"/>
+          <p:cNvPr id="192" name="Google Shape;192;p28"/>
           <p:cNvSpPr txBox="1"/>
           <p:nvPr>
             <p:ph idx="12" type="sldNum"/>
@@ -14470,7 +14233,7 @@
   <p:cSld>
     <p:spTree>
       <p:nvGrpSpPr>
-        <p:cNvPr id="197" name="Shape 197"/>
+        <p:cNvPr id="196" name="Shape 196"/>
         <p:cNvGrpSpPr/>
         <p:nvPr/>
       </p:nvGrpSpPr>
@@ -14484,7 +14247,7 @@
       </p:grpSpPr>
       <p:sp>
         <p:nvSpPr>
-          <p:cNvPr id="198" name="Google Shape;198;p29"/>
+          <p:cNvPr id="197" name="Google Shape;197;p29"/>
           <p:cNvSpPr txBox="1"/>
           <p:nvPr>
             <p:ph type="title"/>
@@ -14532,7 +14295,7 @@
       </p:sp>
       <p:sp>
         <p:nvSpPr>
-          <p:cNvPr id="199" name="Google Shape;199;p29"/>
+          <p:cNvPr id="198" name="Google Shape;198;p29"/>
           <p:cNvSpPr txBox="1"/>
           <p:nvPr>
             <p:ph idx="12" type="sldNum"/>
@@ -14605,13 +14368,13 @@
       </p:sp>
       <p:sp>
         <p:nvSpPr>
-          <p:cNvPr id="200" name="Google Shape;200;p29"/>
+          <p:cNvPr id="199" name="Google Shape;199;p29"/>
           <p:cNvSpPr txBox="1"/>
           <p:nvPr/>
         </p:nvSpPr>
         <p:spPr>
           <a:xfrm>
-            <a:off x="274325" y="1188720"/>
+            <a:off x="274325" y="1280160"/>
             <a:ext cx="4297800" cy="1828800"/>
           </a:xfrm>
           <a:prstGeom prst="rect">
@@ -14623,7 +14386,7 @@
           </a:ln>
         </p:spPr>
         <p:txBody>
-          <a:bodyPr anchorCtr="0" anchor="b" bIns="91425" lIns="91425" spcFirstLastPara="1" rIns="91425" wrap="square" tIns="91425">
+          <a:bodyPr anchorCtr="0" anchor="b" bIns="0" lIns="0" spcFirstLastPara="1" rIns="0" wrap="square" tIns="0">
             <a:noAutofit/>
           </a:bodyPr>
           <a:lstStyle/>
@@ -15894,7 +15657,7 @@
       </p:sp>
       <p:sp>
         <p:nvSpPr>
-          <p:cNvPr id="201" name="Google Shape;201;p29"/>
+          <p:cNvPr id="200" name="Google Shape;200;p29"/>
           <p:cNvSpPr txBox="1"/>
           <p:nvPr/>
         </p:nvSpPr>
@@ -15912,7 +15675,7 @@
           </a:ln>
         </p:spPr>
         <p:txBody>
-          <a:bodyPr anchorCtr="0" anchor="b" bIns="91425" lIns="91425" spcFirstLastPara="1" rIns="91425" wrap="square" tIns="91425">
+          <a:bodyPr anchorCtr="0" anchor="b" bIns="0" lIns="0" spcFirstLastPara="1" rIns="0" wrap="square" tIns="0">
             <a:noAutofit/>
           </a:bodyPr>
           <a:lstStyle/>
@@ -16790,7 +16553,7 @@
       </p:sp>
       <p:sp>
         <p:nvSpPr>
-          <p:cNvPr id="202" name="Google Shape;202;p29"/>
+          <p:cNvPr id="201" name="Google Shape;201;p29"/>
           <p:cNvSpPr/>
           <p:nvPr/>
         </p:nvSpPr>
@@ -16836,7 +16599,7 @@
       </p:sp>
       <p:sp>
         <p:nvSpPr>
-          <p:cNvPr id="203" name="Google Shape;203;p29"/>
+          <p:cNvPr id="202" name="Google Shape;202;p29"/>
           <p:cNvSpPr/>
           <p:nvPr/>
         </p:nvSpPr>
@@ -16882,7 +16645,7 @@
       </p:sp>
       <p:pic>
         <p:nvPicPr>
-          <p:cNvPr id="204" name="Google Shape;204;p29"/>
+          <p:cNvPr id="203" name="Google Shape;203;p29"/>
           <p:cNvPicPr preferRelativeResize="0"/>
           <p:nvPr/>
         </p:nvPicPr>
@@ -16921,7 +16684,7 @@
   <p:cSld>
     <p:spTree>
       <p:nvGrpSpPr>
-        <p:cNvPr id="208" name="Shape 208"/>
+        <p:cNvPr id="207" name="Shape 207"/>
         <p:cNvGrpSpPr/>
         <p:nvPr/>
       </p:nvGrpSpPr>
@@ -16935,7 +16698,7 @@
       </p:grpSpPr>
       <p:sp>
         <p:nvSpPr>
-          <p:cNvPr id="209" name="Google Shape;209;p30"/>
+          <p:cNvPr id="208" name="Google Shape;208;p30"/>
           <p:cNvSpPr txBox="1"/>
           <p:nvPr>
             <p:ph type="title"/>
@@ -16975,7 +16738,7 @@
       </p:sp>
       <p:sp>
         <p:nvSpPr>
-          <p:cNvPr id="210" name="Google Shape;210;p30"/>
+          <p:cNvPr id="209" name="Google Shape;209;p30"/>
           <p:cNvSpPr txBox="1"/>
           <p:nvPr>
             <p:ph idx="12" type="sldNum"/>
@@ -17048,7 +16811,7 @@
       </p:sp>
       <p:graphicFrame>
         <p:nvGraphicFramePr>
-          <p:cNvPr id="211" name="Google Shape;211;p30"/>
+          <p:cNvPr id="210" name="Google Shape;210;p30"/>
           <p:cNvGraphicFramePr/>
           <p:nvPr/>
         </p:nvGraphicFramePr>
@@ -17061,7 +16824,7 @@
             <a:tbl>
               <a:tblPr>
                 <a:noFill/>
-                <a:tableStyleId>{AF7D45C0-142A-44FF-9D4C-C84B605BD424}</a:tableStyleId>
+                <a:tableStyleId>{17E5F2B5-E121-420C-BECD-276F7C0E0EE0}</a:tableStyleId>
               </a:tblPr>
               <a:tblGrid>
                 <a:gridCol w="2865125"/>
@@ -17696,7 +17459,7 @@
       </p:graphicFrame>
       <p:sp>
         <p:nvSpPr>
-          <p:cNvPr id="212" name="Google Shape;212;p30"/>
+          <p:cNvPr id="211" name="Google Shape;211;p30"/>
           <p:cNvSpPr txBox="1"/>
           <p:nvPr/>
         </p:nvSpPr>
@@ -17765,7 +17528,7 @@
   <p:cSld>
     <p:spTree>
       <p:nvGrpSpPr>
-        <p:cNvPr id="216" name="Shape 216"/>
+        <p:cNvPr id="215" name="Shape 215"/>
         <p:cNvGrpSpPr/>
         <p:nvPr/>
       </p:nvGrpSpPr>
@@ -17779,7 +17542,7 @@
       </p:grpSpPr>
       <p:sp>
         <p:nvSpPr>
-          <p:cNvPr id="217" name="Google Shape;217;p31"/>
+          <p:cNvPr id="216" name="Google Shape;216;p31"/>
           <p:cNvSpPr txBox="1"/>
           <p:nvPr>
             <p:ph type="title"/>
@@ -17819,7 +17582,7 @@
       </p:sp>
       <p:sp>
         <p:nvSpPr>
-          <p:cNvPr id="218" name="Google Shape;218;p31"/>
+          <p:cNvPr id="217" name="Google Shape;217;p31"/>
           <p:cNvSpPr txBox="1"/>
           <p:nvPr>
             <p:ph idx="1" type="body"/>
@@ -17917,7 +17680,7 @@
       </p:sp>
       <p:sp>
         <p:nvSpPr>
-          <p:cNvPr id="219" name="Google Shape;219;p31"/>
+          <p:cNvPr id="218" name="Google Shape;218;p31"/>
           <p:cNvSpPr txBox="1"/>
           <p:nvPr>
             <p:ph idx="12" type="sldNum"/>
@@ -17990,7 +17753,7 @@
       </p:sp>
       <p:pic>
         <p:nvPicPr>
-          <p:cNvPr id="220" name="Google Shape;220;p31"/>
+          <p:cNvPr id="219" name="Google Shape;219;p31"/>
           <p:cNvPicPr preferRelativeResize="0"/>
           <p:nvPr/>
         </p:nvPicPr>
@@ -18029,7 +17792,7 @@
   <p:cSld>
     <p:spTree>
       <p:nvGrpSpPr>
-        <p:cNvPr id="224" name="Shape 224"/>
+        <p:cNvPr id="223" name="Shape 223"/>
         <p:cNvGrpSpPr/>
         <p:nvPr/>
       </p:nvGrpSpPr>
@@ -18043,7 +17806,7 @@
       </p:grpSpPr>
       <p:sp>
         <p:nvSpPr>
-          <p:cNvPr id="225" name="Google Shape;225;p32"/>
+          <p:cNvPr id="224" name="Google Shape;224;p32"/>
           <p:cNvSpPr txBox="1"/>
           <p:nvPr>
             <p:ph type="title"/>
@@ -18094,7 +17857,7 @@
   <p:cSld>
     <p:spTree>
       <p:nvGrpSpPr>
-        <p:cNvPr id="229" name="Shape 229"/>
+        <p:cNvPr id="228" name="Shape 228"/>
         <p:cNvGrpSpPr/>
         <p:nvPr/>
       </p:nvGrpSpPr>
@@ -18108,7 +17871,7 @@
       </p:grpSpPr>
       <p:sp>
         <p:nvSpPr>
-          <p:cNvPr id="230" name="Google Shape;230;p33"/>
+          <p:cNvPr id="229" name="Google Shape;229;p33"/>
           <p:cNvSpPr txBox="1"/>
           <p:nvPr>
             <p:ph type="title"/>
@@ -18124,7 +17887,7 @@
           </a:prstGeom>
         </p:spPr>
         <p:txBody>
-          <a:bodyPr anchorCtr="0" anchor="ctr" bIns="91425" lIns="274300" spcFirstLastPara="1" rIns="91425" wrap="square" tIns="91425">
+          <a:bodyPr anchorCtr="0" anchor="ctr" bIns="0" lIns="274300" spcFirstLastPara="1" rIns="0" wrap="square" tIns="0">
             <a:noAutofit/>
           </a:bodyPr>
           <a:lstStyle/>
@@ -18148,7 +17911,7 @@
       </p:sp>
       <p:sp>
         <p:nvSpPr>
-          <p:cNvPr id="231" name="Google Shape;231;p33"/>
+          <p:cNvPr id="230" name="Google Shape;230;p33"/>
           <p:cNvSpPr txBox="1"/>
           <p:nvPr>
             <p:ph idx="1" type="body"/>
@@ -18157,14 +17920,14 @@
         <p:spPr>
           <a:xfrm>
             <a:off x="274320" y="914400"/>
-            <a:ext cx="8595300" cy="4114800"/>
+            <a:ext cx="4114800" cy="4114800"/>
           </a:xfrm>
           <a:prstGeom prst="rect">
             <a:avLst/>
           </a:prstGeom>
         </p:spPr>
         <p:txBody>
-          <a:bodyPr anchorCtr="0" anchor="t" bIns="0" lIns="0" spcFirstLastPara="1" rIns="0" wrap="square" tIns="0">
+          <a:bodyPr anchorCtr="0" anchor="t" bIns="91425" lIns="0" spcFirstLastPara="1" rIns="91425" wrap="square" tIns="0">
             <a:noAutofit/>
           </a:bodyPr>
           <a:lstStyle/>
@@ -18213,7 +17976,7 @@
             </a:pPr>
             <a:r>
               <a:rPr lang="en"/>
-              <a:t>Does not necessarily imply substitutability</a:t>
+              <a:t>Does not imply substitutability</a:t>
             </a:r>
             <a:endParaRPr/>
           </a:p>
@@ -18254,7 +18017,7 @@
       </p:sp>
       <p:sp>
         <p:nvSpPr>
-          <p:cNvPr id="232" name="Google Shape;232;p33"/>
+          <p:cNvPr id="231" name="Google Shape;231;p33"/>
           <p:cNvSpPr txBox="1"/>
           <p:nvPr>
             <p:ph idx="12" type="sldNum"/>
@@ -18298,6 +18061,11 @@
               <a:spcAft>
                 <a:spcPts val="0"/>
               </a:spcAft>
+              <a:buClr>
+                <a:schemeClr val="dk1"/>
+              </a:buClr>
+              <a:buSzPts val="1100"/>
+              <a:buFont typeface="Arial"/>
               <a:buNone/>
             </a:pPr>
             <a:r>
@@ -18309,15 +18077,7 @@
               </a:rPr>
               <a:t>https://oss.cs.fau.de</a:t>
             </a:r>
-            <a:r>
-              <a:rPr b="0" lang="en" sz="900">
-                <a:solidFill>
-                  <a:schemeClr val="dk2"/>
-                </a:solidFill>
-              </a:rPr>
-              <a:t> </a:t>
-            </a:r>
-            <a:endParaRPr b="0" sz="900">
+            <a:endParaRPr>
               <a:solidFill>
                 <a:schemeClr val="dk2"/>
               </a:solidFill>
@@ -18327,7 +18087,7 @@
       </p:sp>
       <p:pic>
         <p:nvPicPr>
-          <p:cNvPr id="233" name="Google Shape;233;p33"/>
+          <p:cNvPr id="232" name="Google Shape;232;p33"/>
           <p:cNvPicPr preferRelativeResize="0"/>
           <p:nvPr/>
         </p:nvPicPr>
@@ -18366,7 +18126,7 @@
   <p:cSld>
     <p:spTree>
       <p:nvGrpSpPr>
-        <p:cNvPr id="237" name="Shape 237"/>
+        <p:cNvPr id="236" name="Shape 236"/>
         <p:cNvGrpSpPr/>
         <p:nvPr/>
       </p:nvGrpSpPr>
@@ -18380,7 +18140,7 @@
       </p:grpSpPr>
       <p:sp>
         <p:nvSpPr>
-          <p:cNvPr id="238" name="Google Shape;238;p34"/>
+          <p:cNvPr id="237" name="Google Shape;237;p34"/>
           <p:cNvSpPr txBox="1"/>
           <p:nvPr>
             <p:ph idx="1" type="body"/>
@@ -18470,7 +18230,7 @@
       </p:sp>
       <p:sp>
         <p:nvSpPr>
-          <p:cNvPr id="239" name="Google Shape;239;p34"/>
+          <p:cNvPr id="238" name="Google Shape;238;p34"/>
           <p:cNvSpPr txBox="1"/>
           <p:nvPr>
             <p:ph type="title"/>
@@ -18510,7 +18270,7 @@
       </p:sp>
       <p:sp>
         <p:nvSpPr>
-          <p:cNvPr id="240" name="Google Shape;240;p34"/>
+          <p:cNvPr id="239" name="Google Shape;239;p34"/>
           <p:cNvSpPr txBox="1"/>
           <p:nvPr>
             <p:ph idx="12" type="sldNum"/>
@@ -18583,7 +18343,7 @@
       </p:sp>
       <p:pic>
         <p:nvPicPr>
-          <p:cNvPr id="241" name="Google Shape;241;p34"/>
+          <p:cNvPr id="240" name="Google Shape;240;p34"/>
           <p:cNvPicPr preferRelativeResize="0"/>
           <p:nvPr/>
         </p:nvPicPr>
@@ -18622,7 +18382,7 @@
   <p:cSld>
     <p:spTree>
       <p:nvGrpSpPr>
-        <p:cNvPr id="245" name="Shape 245"/>
+        <p:cNvPr id="244" name="Shape 244"/>
         <p:cNvGrpSpPr/>
         <p:nvPr/>
       </p:nvGrpSpPr>
@@ -18636,7 +18396,7 @@
       </p:grpSpPr>
       <p:sp>
         <p:nvSpPr>
-          <p:cNvPr id="246" name="Google Shape;246;p35"/>
+          <p:cNvPr id="245" name="Google Shape;245;p35"/>
           <p:cNvSpPr txBox="1"/>
           <p:nvPr>
             <p:ph type="title"/>
@@ -18676,7 +18436,7 @@
       </p:sp>
       <p:sp>
         <p:nvSpPr>
-          <p:cNvPr id="247" name="Google Shape;247;p35"/>
+          <p:cNvPr id="246" name="Google Shape;246;p35"/>
           <p:cNvSpPr txBox="1"/>
           <p:nvPr>
             <p:ph idx="1" type="body"/>
@@ -18749,7 +18509,7 @@
       </p:sp>
       <p:sp>
         <p:nvSpPr>
-          <p:cNvPr id="248" name="Google Shape;248;p35"/>
+          <p:cNvPr id="247" name="Google Shape;247;p35"/>
           <p:cNvSpPr txBox="1"/>
           <p:nvPr>
             <p:ph idx="12" type="sldNum"/>
@@ -18833,7 +18593,7 @@
   <p:cSld>
     <p:spTree>
       <p:nvGrpSpPr>
-        <p:cNvPr id="252" name="Shape 252"/>
+        <p:cNvPr id="251" name="Shape 251"/>
         <p:cNvGrpSpPr/>
         <p:nvPr/>
       </p:nvGrpSpPr>
@@ -18847,7 +18607,7 @@
       </p:grpSpPr>
       <p:sp>
         <p:nvSpPr>
-          <p:cNvPr id="253" name="Google Shape;253;p36"/>
+          <p:cNvPr id="252" name="Google Shape;252;p36"/>
           <p:cNvSpPr txBox="1"/>
           <p:nvPr>
             <p:ph type="title"/>
@@ -18898,7 +18658,7 @@
   <p:cSld>
     <p:spTree>
       <p:nvGrpSpPr>
-        <p:cNvPr id="64" name="Shape 64"/>
+        <p:cNvPr id="63" name="Shape 63"/>
         <p:cNvGrpSpPr/>
         <p:nvPr/>
       </p:nvGrpSpPr>
@@ -18912,7 +18672,7 @@
       </p:grpSpPr>
       <p:sp>
         <p:nvSpPr>
-          <p:cNvPr id="65" name="Google Shape;65;p10"/>
+          <p:cNvPr id="64" name="Google Shape;64;p10"/>
           <p:cNvSpPr txBox="1"/>
           <p:nvPr>
             <p:ph type="title"/>
@@ -18963,7 +18723,7 @@
   <p:cSld>
     <p:spTree>
       <p:nvGrpSpPr>
-        <p:cNvPr id="257" name="Shape 257"/>
+        <p:cNvPr id="256" name="Shape 256"/>
         <p:cNvGrpSpPr/>
         <p:nvPr/>
       </p:nvGrpSpPr>
@@ -18977,7 +18737,7 @@
       </p:grpSpPr>
       <p:sp>
         <p:nvSpPr>
-          <p:cNvPr id="258" name="Google Shape;258;p37"/>
+          <p:cNvPr id="257" name="Google Shape;257;p37"/>
           <p:cNvSpPr txBox="1"/>
           <p:nvPr>
             <p:ph type="title"/>
@@ -19017,7 +18777,7 @@
       </p:sp>
       <p:sp>
         <p:nvSpPr>
-          <p:cNvPr id="259" name="Google Shape;259;p37"/>
+          <p:cNvPr id="258" name="Google Shape;258;p37"/>
           <p:cNvSpPr txBox="1"/>
           <p:nvPr>
             <p:ph idx="1" type="body"/>
@@ -19122,7 +18882,7 @@
       </p:sp>
       <p:sp>
         <p:nvSpPr>
-          <p:cNvPr id="260" name="Google Shape;260;p37"/>
+          <p:cNvPr id="259" name="Google Shape;259;p37"/>
           <p:cNvSpPr txBox="1"/>
           <p:nvPr>
             <p:ph idx="12" type="sldNum"/>
@@ -19206,7 +18966,7 @@
   <p:cSld>
     <p:spTree>
       <p:nvGrpSpPr>
-        <p:cNvPr id="264" name="Shape 264"/>
+        <p:cNvPr id="263" name="Shape 263"/>
         <p:cNvGrpSpPr/>
         <p:nvPr/>
       </p:nvGrpSpPr>
@@ -19220,7 +18980,7 @@
       </p:grpSpPr>
       <p:sp>
         <p:nvSpPr>
-          <p:cNvPr id="265" name="Google Shape;265;p38"/>
+          <p:cNvPr id="264" name="Google Shape;264;p38"/>
           <p:cNvSpPr txBox="1"/>
           <p:nvPr>
             <p:ph type="title"/>
@@ -19260,7 +19020,7 @@
       </p:sp>
       <p:sp>
         <p:nvSpPr>
-          <p:cNvPr id="266" name="Google Shape;266;p38"/>
+          <p:cNvPr id="265" name="Google Shape;265;p38"/>
           <p:cNvSpPr txBox="1"/>
           <p:nvPr>
             <p:ph idx="1" type="body"/>
@@ -19331,7 +19091,7 @@
       </p:sp>
       <p:sp>
         <p:nvSpPr>
-          <p:cNvPr id="267" name="Google Shape;267;p38"/>
+          <p:cNvPr id="266" name="Google Shape;266;p38"/>
           <p:cNvSpPr txBox="1"/>
           <p:nvPr>
             <p:ph idx="12" type="sldNum"/>
@@ -19415,7 +19175,7 @@
   <p:cSld>
     <p:spTree>
       <p:nvGrpSpPr>
-        <p:cNvPr id="271" name="Shape 271"/>
+        <p:cNvPr id="270" name="Shape 270"/>
         <p:cNvGrpSpPr/>
         <p:nvPr/>
       </p:nvGrpSpPr>
@@ -19429,7 +19189,7 @@
       </p:grpSpPr>
       <p:sp>
         <p:nvSpPr>
-          <p:cNvPr id="272" name="Google Shape;272;p39"/>
+          <p:cNvPr id="271" name="Google Shape;271;p39"/>
           <p:cNvSpPr txBox="1"/>
           <p:nvPr>
             <p:ph type="title"/>
@@ -19469,7 +19229,7 @@
       </p:sp>
       <p:sp>
         <p:nvSpPr>
-          <p:cNvPr id="273" name="Google Shape;273;p39"/>
+          <p:cNvPr id="272" name="Google Shape;272;p39"/>
           <p:cNvSpPr txBox="1"/>
           <p:nvPr>
             <p:ph idx="1" type="body"/>
@@ -19601,7 +19361,7 @@
       </p:sp>
       <p:sp>
         <p:nvSpPr>
-          <p:cNvPr id="274" name="Google Shape;274;p39"/>
+          <p:cNvPr id="273" name="Google Shape;273;p39"/>
           <p:cNvSpPr txBox="1"/>
           <p:nvPr>
             <p:ph idx="12" type="sldNum"/>
@@ -19685,7 +19445,7 @@
   <p:cSld>
     <p:spTree>
       <p:nvGrpSpPr>
-        <p:cNvPr id="278" name="Shape 278"/>
+        <p:cNvPr id="277" name="Shape 277"/>
         <p:cNvGrpSpPr/>
         <p:nvPr/>
       </p:nvGrpSpPr>
@@ -19699,7 +19459,7 @@
       </p:grpSpPr>
       <p:sp>
         <p:nvSpPr>
-          <p:cNvPr id="279" name="Google Shape;279;p40"/>
+          <p:cNvPr id="278" name="Google Shape;278;p40"/>
           <p:cNvSpPr txBox="1"/>
           <p:nvPr>
             <p:ph type="title"/>
@@ -19739,7 +19499,7 @@
       </p:sp>
       <p:sp>
         <p:nvSpPr>
-          <p:cNvPr id="280" name="Google Shape;280;p40"/>
+          <p:cNvPr id="279" name="Google Shape;279;p40"/>
           <p:cNvSpPr txBox="1"/>
           <p:nvPr>
             <p:ph idx="1" type="body"/>
@@ -19796,7 +19556,7 @@
       </p:sp>
       <p:sp>
         <p:nvSpPr>
-          <p:cNvPr id="281" name="Google Shape;281;p40"/>
+          <p:cNvPr id="280" name="Google Shape;280;p40"/>
           <p:cNvSpPr txBox="1"/>
           <p:nvPr>
             <p:ph idx="12" type="sldNum"/>
@@ -19880,7 +19640,7 @@
   <p:cSld>
     <p:spTree>
       <p:nvGrpSpPr>
-        <p:cNvPr id="285" name="Shape 285"/>
+        <p:cNvPr id="284" name="Shape 284"/>
         <p:cNvGrpSpPr/>
         <p:nvPr/>
       </p:nvGrpSpPr>
@@ -19894,7 +19654,7 @@
       </p:grpSpPr>
       <p:sp>
         <p:nvSpPr>
-          <p:cNvPr id="286" name="Google Shape;286;p41"/>
+          <p:cNvPr id="285" name="Google Shape;285;p41"/>
           <p:cNvSpPr txBox="1"/>
           <p:nvPr>
             <p:ph type="title"/>
@@ -19910,7 +19670,7 @@
           </a:prstGeom>
         </p:spPr>
         <p:txBody>
-          <a:bodyPr anchorCtr="0" anchor="ctr" bIns="91425" lIns="274300" spcFirstLastPara="1" rIns="91425" wrap="square" tIns="91425">
+          <a:bodyPr anchorCtr="0" anchor="ctr" bIns="0" lIns="274300" spcFirstLastPara="1" rIns="0" wrap="square" tIns="0">
             <a:noAutofit/>
           </a:bodyPr>
           <a:lstStyle/>
@@ -19934,7 +19694,7 @@
       </p:sp>
       <p:sp>
         <p:nvSpPr>
-          <p:cNvPr id="287" name="Google Shape;287;p41"/>
+          <p:cNvPr id="286" name="Google Shape;286;p41"/>
           <p:cNvSpPr txBox="1"/>
           <p:nvPr>
             <p:ph idx="1" type="body"/>
@@ -19943,14 +19703,14 @@
         <p:spPr>
           <a:xfrm>
             <a:off x="274320" y="914400"/>
-            <a:ext cx="8595300" cy="4114800"/>
+            <a:ext cx="4114800" cy="4114800"/>
           </a:xfrm>
           <a:prstGeom prst="rect">
             <a:avLst/>
           </a:prstGeom>
         </p:spPr>
         <p:txBody>
-          <a:bodyPr anchorCtr="0" anchor="t" bIns="0" lIns="0" spcFirstLastPara="1" rIns="0" wrap="square" tIns="0">
+          <a:bodyPr anchorCtr="0" anchor="t" bIns="91425" lIns="0" spcFirstLastPara="1" rIns="91425" wrap="square" tIns="0">
             <a:noAutofit/>
           </a:bodyPr>
           <a:lstStyle/>
@@ -20027,7 +19787,7 @@
       </p:sp>
       <p:sp>
         <p:nvSpPr>
-          <p:cNvPr id="288" name="Google Shape;288;p41"/>
+          <p:cNvPr id="287" name="Google Shape;287;p41"/>
           <p:cNvSpPr txBox="1"/>
           <p:nvPr>
             <p:ph idx="12" type="sldNum"/>
@@ -20071,6 +19831,11 @@
               <a:spcAft>
                 <a:spcPts val="0"/>
               </a:spcAft>
+              <a:buClr>
+                <a:schemeClr val="dk1"/>
+              </a:buClr>
+              <a:buSzPts val="1100"/>
+              <a:buFont typeface="Arial"/>
               <a:buNone/>
             </a:pPr>
             <a:r>
@@ -20082,15 +19847,7 @@
               </a:rPr>
               <a:t>https://oss.cs.fau.de</a:t>
             </a:r>
-            <a:r>
-              <a:rPr b="0" lang="en" sz="900">
-                <a:solidFill>
-                  <a:schemeClr val="dk2"/>
-                </a:solidFill>
-              </a:rPr>
-              <a:t> </a:t>
-            </a:r>
-            <a:endParaRPr b="0" sz="900">
+            <a:endParaRPr>
               <a:solidFill>
                 <a:schemeClr val="dk2"/>
               </a:solidFill>
@@ -20100,7 +19857,7 @@
       </p:sp>
       <p:pic>
         <p:nvPicPr>
-          <p:cNvPr id="289" name="Google Shape;289;p41"/>
+          <p:cNvPr id="288" name="Google Shape;288;p41"/>
           <p:cNvPicPr preferRelativeResize="0"/>
           <p:nvPr/>
         </p:nvPicPr>
@@ -20139,7 +19896,7 @@
   <p:cSld>
     <p:spTree>
       <p:nvGrpSpPr>
-        <p:cNvPr id="293" name="Shape 293"/>
+        <p:cNvPr id="292" name="Shape 292"/>
         <p:cNvGrpSpPr/>
         <p:nvPr/>
       </p:nvGrpSpPr>
@@ -20153,7 +19910,7 @@
       </p:grpSpPr>
       <p:sp>
         <p:nvSpPr>
-          <p:cNvPr id="294" name="Google Shape;294;p42"/>
+          <p:cNvPr id="293" name="Google Shape;293;p42"/>
           <p:cNvSpPr txBox="1"/>
           <p:nvPr>
             <p:ph type="title"/>
@@ -20193,7 +19950,7 @@
       </p:sp>
       <p:sp>
         <p:nvSpPr>
-          <p:cNvPr id="295" name="Google Shape;295;p42"/>
+          <p:cNvPr id="294" name="Google Shape;294;p42"/>
           <p:cNvSpPr txBox="1"/>
           <p:nvPr>
             <p:ph idx="12" type="sldNum"/>
@@ -20266,7 +20023,7 @@
       </p:sp>
       <p:sp>
         <p:nvSpPr>
-          <p:cNvPr id="296" name="Google Shape;296;p42"/>
+          <p:cNvPr id="295" name="Google Shape;295;p42"/>
           <p:cNvSpPr/>
           <p:nvPr/>
         </p:nvSpPr>
@@ -20312,7 +20069,7 @@
       </p:sp>
       <p:pic>
         <p:nvPicPr>
-          <p:cNvPr id="297" name="Google Shape;297;p42"/>
+          <p:cNvPr id="296" name="Google Shape;296;p42"/>
           <p:cNvPicPr preferRelativeResize="0"/>
           <p:nvPr/>
         </p:nvPicPr>
@@ -20327,7 +20084,7 @@
         <p:spPr>
           <a:xfrm>
             <a:off x="4572000" y="914400"/>
-            <a:ext cx="4297680" cy="3642284"/>
+            <a:ext cx="4297680" cy="3621024"/>
           </a:xfrm>
           <a:prstGeom prst="rect">
             <a:avLst/>
@@ -20340,7 +20097,7 @@
       </p:pic>
       <p:pic>
         <p:nvPicPr>
-          <p:cNvPr id="298" name="Google Shape;298;p42"/>
+          <p:cNvPr id="297" name="Google Shape;297;p42"/>
           <p:cNvPicPr preferRelativeResize="0"/>
           <p:nvPr/>
         </p:nvPicPr>
@@ -20379,7 +20136,7 @@
   <p:cSld>
     <p:spTree>
       <p:nvGrpSpPr>
-        <p:cNvPr id="302" name="Shape 302"/>
+        <p:cNvPr id="301" name="Shape 301"/>
         <p:cNvGrpSpPr/>
         <p:nvPr/>
       </p:nvGrpSpPr>
@@ -20393,7 +20150,7 @@
       </p:grpSpPr>
       <p:sp>
         <p:nvSpPr>
-          <p:cNvPr id="303" name="Google Shape;303;p43"/>
+          <p:cNvPr id="302" name="Google Shape;302;p43"/>
           <p:cNvSpPr txBox="1"/>
           <p:nvPr>
             <p:ph type="title"/>
@@ -20444,7 +20201,7 @@
   <p:cSld>
     <p:spTree>
       <p:nvGrpSpPr>
-        <p:cNvPr id="307" name="Shape 307"/>
+        <p:cNvPr id="306" name="Shape 306"/>
         <p:cNvGrpSpPr/>
         <p:nvPr/>
       </p:nvGrpSpPr>
@@ -20458,7 +20215,7 @@
       </p:grpSpPr>
       <p:sp>
         <p:nvSpPr>
-          <p:cNvPr id="308" name="Google Shape;308;p44"/>
+          <p:cNvPr id="307" name="Google Shape;307;p44"/>
           <p:cNvSpPr txBox="1"/>
           <p:nvPr>
             <p:ph type="title"/>
@@ -20498,7 +20255,7 @@
       </p:sp>
       <p:sp>
         <p:nvSpPr>
-          <p:cNvPr id="309" name="Google Shape;309;p44"/>
+          <p:cNvPr id="308" name="Google Shape;308;p44"/>
           <p:cNvSpPr txBox="1"/>
           <p:nvPr>
             <p:ph idx="1" type="body"/>
@@ -20588,7 +20345,7 @@
       </p:sp>
       <p:sp>
         <p:nvSpPr>
-          <p:cNvPr id="310" name="Google Shape;310;p44"/>
+          <p:cNvPr id="309" name="Google Shape;309;p44"/>
           <p:cNvSpPr txBox="1"/>
           <p:nvPr>
             <p:ph idx="12" type="sldNum"/>
@@ -20672,7 +20429,7 @@
   <p:cSld>
     <p:spTree>
       <p:nvGrpSpPr>
-        <p:cNvPr id="314" name="Shape 314"/>
+        <p:cNvPr id="313" name="Shape 313"/>
         <p:cNvGrpSpPr/>
         <p:nvPr/>
       </p:nvGrpSpPr>
@@ -20686,7 +20443,7 @@
       </p:grpSpPr>
       <p:sp>
         <p:nvSpPr>
-          <p:cNvPr id="315" name="Google Shape;315;p45"/>
+          <p:cNvPr id="314" name="Google Shape;314;p45"/>
           <p:cNvSpPr txBox="1"/>
           <p:nvPr>
             <p:ph type="title"/>
@@ -20726,7 +20483,7 @@
       </p:sp>
       <p:sp>
         <p:nvSpPr>
-          <p:cNvPr id="316" name="Google Shape;316;p45"/>
+          <p:cNvPr id="315" name="Google Shape;315;p45"/>
           <p:cNvSpPr txBox="1"/>
           <p:nvPr>
             <p:ph idx="12" type="sldNum"/>
@@ -20796,7 +20553,7 @@
       </p:sp>
       <p:sp>
         <p:nvSpPr>
-          <p:cNvPr id="317" name="Google Shape;317;p45"/>
+          <p:cNvPr id="316" name="Google Shape;316;p45"/>
           <p:cNvSpPr txBox="1"/>
           <p:nvPr>
             <p:ph idx="2" type="body"/>
@@ -22137,7 +21894,7 @@
       </p:sp>
       <p:pic>
         <p:nvPicPr>
-          <p:cNvPr id="318" name="Google Shape;318;p45"/>
+          <p:cNvPr id="317" name="Google Shape;317;p45"/>
           <p:cNvPicPr preferRelativeResize="0"/>
           <p:nvPr/>
         </p:nvPicPr>
@@ -22176,7 +21933,7 @@
   <p:cSld>
     <p:spTree>
       <p:nvGrpSpPr>
-        <p:cNvPr id="322" name="Shape 322"/>
+        <p:cNvPr id="321" name="Shape 321"/>
         <p:cNvGrpSpPr/>
         <p:nvPr/>
       </p:nvGrpSpPr>
@@ -22190,7 +21947,7 @@
       </p:grpSpPr>
       <p:sp>
         <p:nvSpPr>
-          <p:cNvPr id="323" name="Google Shape;323;p46"/>
+          <p:cNvPr id="322" name="Google Shape;322;p46"/>
           <p:cNvSpPr txBox="1"/>
           <p:nvPr>
             <p:ph type="title"/>
@@ -22230,7 +21987,7 @@
       </p:sp>
       <p:sp>
         <p:nvSpPr>
-          <p:cNvPr id="324" name="Google Shape;324;p46"/>
+          <p:cNvPr id="323" name="Google Shape;323;p46"/>
           <p:cNvSpPr txBox="1"/>
           <p:nvPr>
             <p:ph idx="1" type="body"/>
@@ -24484,7 +24241,7 @@
       </p:sp>
       <p:sp>
         <p:nvSpPr>
-          <p:cNvPr id="325" name="Google Shape;325;p46"/>
+          <p:cNvPr id="324" name="Google Shape;324;p46"/>
           <p:cNvSpPr txBox="1"/>
           <p:nvPr>
             <p:ph idx="2" type="body"/>
@@ -26516,7 +26273,7 @@
       </p:sp>
       <p:sp>
         <p:nvSpPr>
-          <p:cNvPr id="326" name="Google Shape;326;p46"/>
+          <p:cNvPr id="325" name="Google Shape;325;p46"/>
           <p:cNvSpPr txBox="1"/>
           <p:nvPr>
             <p:ph idx="12" type="sldNum"/>
@@ -26597,7 +26354,7 @@
   <p:cSld>
     <p:spTree>
       <p:nvGrpSpPr>
-        <p:cNvPr id="69" name="Shape 69"/>
+        <p:cNvPr id="68" name="Shape 68"/>
         <p:cNvGrpSpPr/>
         <p:nvPr/>
       </p:nvGrpSpPr>
@@ -26611,7 +26368,7 @@
       </p:grpSpPr>
       <p:sp>
         <p:nvSpPr>
-          <p:cNvPr id="70" name="Google Shape;70;p11"/>
+          <p:cNvPr id="69" name="Google Shape;69;p11"/>
           <p:cNvSpPr txBox="1"/>
           <p:nvPr>
             <p:ph type="title"/>
@@ -26651,7 +26408,7 @@
       </p:sp>
       <p:sp>
         <p:nvSpPr>
-          <p:cNvPr id="71" name="Google Shape;71;p11"/>
+          <p:cNvPr id="70" name="Google Shape;70;p11"/>
           <p:cNvSpPr txBox="1"/>
           <p:nvPr>
             <p:ph idx="12" type="sldNum"/>
@@ -26724,7 +26481,7 @@
       </p:sp>
       <p:pic>
         <p:nvPicPr>
-          <p:cNvPr id="72" name="Google Shape;72;p11"/>
+          <p:cNvPr id="71" name="Google Shape;71;p11"/>
           <p:cNvPicPr preferRelativeResize="0"/>
           <p:nvPr/>
         </p:nvPicPr>
@@ -26763,7 +26520,7 @@
   <p:cSld>
     <p:spTree>
       <p:nvGrpSpPr>
-        <p:cNvPr id="330" name="Shape 330"/>
+        <p:cNvPr id="329" name="Shape 329"/>
         <p:cNvGrpSpPr/>
         <p:nvPr/>
       </p:nvGrpSpPr>
@@ -26777,7 +26534,7 @@
       </p:grpSpPr>
       <p:sp>
         <p:nvSpPr>
-          <p:cNvPr id="331" name="Google Shape;331;p47"/>
+          <p:cNvPr id="330" name="Google Shape;330;p47"/>
           <p:cNvSpPr txBox="1"/>
           <p:nvPr>
             <p:ph type="title"/>
@@ -26817,7 +26574,7 @@
       </p:sp>
       <p:sp>
         <p:nvSpPr>
-          <p:cNvPr id="332" name="Google Shape;332;p47"/>
+          <p:cNvPr id="331" name="Google Shape;331;p47"/>
           <p:cNvSpPr txBox="1"/>
           <p:nvPr>
             <p:ph idx="1" type="body"/>
@@ -28984,7 +28741,7 @@
       </p:sp>
       <p:sp>
         <p:nvSpPr>
-          <p:cNvPr id="333" name="Google Shape;333;p47"/>
+          <p:cNvPr id="332" name="Google Shape;332;p47"/>
           <p:cNvSpPr txBox="1"/>
           <p:nvPr>
             <p:ph idx="2" type="body"/>
@@ -30650,7 +30407,7 @@
       </p:sp>
       <p:sp>
         <p:nvSpPr>
-          <p:cNvPr id="334" name="Google Shape;334;p47"/>
+          <p:cNvPr id="333" name="Google Shape;333;p47"/>
           <p:cNvSpPr txBox="1"/>
           <p:nvPr>
             <p:ph idx="12" type="sldNum"/>
@@ -30731,7 +30488,7 @@
   <p:cSld>
     <p:spTree>
       <p:nvGrpSpPr>
-        <p:cNvPr id="338" name="Shape 338"/>
+        <p:cNvPr id="337" name="Shape 337"/>
         <p:cNvGrpSpPr/>
         <p:nvPr/>
       </p:nvGrpSpPr>
@@ -30745,72 +30502,7 @@
       </p:grpSpPr>
       <p:sp>
         <p:nvSpPr>
-          <p:cNvPr id="339" name="Google Shape;339;p48"/>
-          <p:cNvSpPr txBox="1"/>
-          <p:nvPr>
-            <p:ph type="title"/>
-          </p:nvPr>
-        </p:nvSpPr>
-        <p:spPr>
-          <a:xfrm>
-            <a:off x="0" y="-7"/>
-            <a:ext cx="9144000" cy="2386500"/>
-          </a:xfrm>
-          <a:prstGeom prst="rect">
-            <a:avLst/>
-          </a:prstGeom>
-        </p:spPr>
-        <p:txBody>
-          <a:bodyPr anchorCtr="0" anchor="b" bIns="274300" lIns="91425" spcFirstLastPara="1" rIns="91425" wrap="square" tIns="91425">
-            <a:noAutofit/>
-          </a:bodyPr>
-          <a:lstStyle/>
-          <a:p>
-            <a:pPr indent="0" lvl="0" marL="0" rtl="0" algn="ctr">
-              <a:spcBef>
-                <a:spcPts val="0"/>
-              </a:spcBef>
-              <a:spcAft>
-                <a:spcPts val="0"/>
-              </a:spcAft>
-              <a:buNone/>
-            </a:pPr>
-            <a:r>
-              <a:rPr lang="en"/>
-              <a:t>Homework</a:t>
-            </a:r>
-            <a:endParaRPr/>
-          </a:p>
-        </p:txBody>
-      </p:sp>
-    </p:spTree>
-  </p:cSld>
-  <p:clrMapOvr>
-    <a:masterClrMapping/>
-  </p:clrMapOvr>
-</p:sld>
-</file>
-
-<file path=ppt/slides/slide42.xml><?xml version="1.0" encoding="utf-8"?>
-<p:sld xmlns:a="http://schemas.openxmlformats.org/drawingml/2006/main" xmlns:r="http://schemas.openxmlformats.org/officeDocument/2006/relationships" xmlns:mc="http://schemas.openxmlformats.org/markup-compatibility/2006" xmlns:mv="urn:schemas-microsoft-com:mac:vml" xmlns:p="http://schemas.openxmlformats.org/presentationml/2006/main" xmlns:c="http://schemas.openxmlformats.org/drawingml/2006/chart" xmlns:dgm="http://schemas.openxmlformats.org/drawingml/2006/diagram" xmlns:o="urn:schemas-microsoft-com:office:office" xmlns:v="urn:schemas-microsoft-com:vml" xmlns:pvml="urn:schemas-microsoft-com:office:powerpoint" xmlns:com="http://schemas.openxmlformats.org/drawingml/2006/compatibility" xmlns:p14="http://schemas.microsoft.com/office/powerpoint/2010/main" xmlns:p15="http://schemas.microsoft.com/office/powerpoint/2012/main" xmlns:ahyp="http://schemas.microsoft.com/office/drawing/2018/hyperlinkcolor">
-  <p:cSld>
-    <p:spTree>
-      <p:nvGrpSpPr>
-        <p:cNvPr id="343" name="Shape 343"/>
-        <p:cNvGrpSpPr/>
-        <p:nvPr/>
-      </p:nvGrpSpPr>
-      <p:grpSpPr>
-        <a:xfrm>
-          <a:off x="0" y="0"/>
-          <a:ext cx="0" cy="0"/>
-          <a:chOff x="0" y="0"/>
-          <a:chExt cx="0" cy="0"/>
-        </a:xfrm>
-      </p:grpSpPr>
-      <p:sp>
-        <p:nvSpPr>
-          <p:cNvPr id="344" name="Google Shape;344;p49"/>
+          <p:cNvPr id="338" name="Google Shape;338;p48"/>
           <p:cNvSpPr txBox="1"/>
           <p:nvPr>
             <p:ph type="title"/>
@@ -30842,7 +30534,7 @@
             </a:pPr>
             <a:r>
               <a:rPr lang="en"/>
-              <a:t>Homework Instructions</a:t>
+              <a:t>Summary</a:t>
             </a:r>
             <a:endParaRPr/>
           </a:p>
@@ -30850,7 +30542,7 @@
       </p:sp>
       <p:sp>
         <p:nvSpPr>
-          <p:cNvPr id="345" name="Google Shape;345;p49"/>
+          <p:cNvPr id="339" name="Google Shape;339;p48"/>
           <p:cNvSpPr txBox="1"/>
           <p:nvPr>
             <p:ph idx="1" type="body"/>
@@ -30879,62 +30571,62 @@
                 <a:spcPts val="0"/>
               </a:spcAft>
               <a:buSzPts val="1800"/>
-              <a:buChar char="●"/>
+              <a:buAutoNum type="arabicPeriod"/>
             </a:pPr>
             <a:r>
               <a:rPr lang="en"/>
-              <a:t>Extract AbstractName superclass from StringName and StringArrayName</a:t>
+              <a:t>What is subtyping?</a:t>
             </a:r>
             <a:endParaRPr/>
           </a:p>
           <a:p>
-            <a:pPr indent="-317500" lvl="1" marL="914400" rtl="0" algn="l">
-              <a:spcBef>
-                <a:spcPts val="0"/>
-              </a:spcBef>
-              <a:spcAft>
-                <a:spcPts val="0"/>
-              </a:spcAft>
-              <a:buSzPts val="1400"/>
-              <a:buChar char="○"/>
+            <a:pPr indent="-342900" lvl="0" marL="457200" rtl="0" algn="l">
+              <a:spcBef>
+                <a:spcPts val="0"/>
+              </a:spcBef>
+              <a:spcAft>
+                <a:spcPts val="0"/>
+              </a:spcAft>
+              <a:buSzPts val="1800"/>
+              <a:buAutoNum type="arabicPeriod"/>
             </a:pPr>
             <a:r>
               <a:rPr lang="en"/>
-              <a:t>Identify and implement the narrow (minimal) inheritance interface</a:t>
+              <a:t>Liskov substitutability principle</a:t>
             </a:r>
             <a:endParaRPr/>
           </a:p>
           <a:p>
-            <a:pPr indent="-317500" lvl="1" marL="914400" rtl="0" algn="l">
-              <a:spcBef>
-                <a:spcPts val="0"/>
-              </a:spcBef>
-              <a:spcAft>
-                <a:spcPts val="0"/>
-              </a:spcAft>
-              <a:buSzPts val="1400"/>
-              <a:buChar char="○"/>
+            <a:pPr indent="-342900" lvl="0" marL="457200" rtl="0" algn="l">
+              <a:spcBef>
+                <a:spcPts val="0"/>
+              </a:spcBef>
+              <a:spcAft>
+                <a:spcPts val="0"/>
+              </a:spcAft>
+              <a:buSzPts val="1800"/>
+              <a:buAutoNum type="arabicPeriod"/>
             </a:pPr>
             <a:r>
               <a:rPr lang="en"/>
-              <a:t>Move as much as you sensibly can into the AbstractName class</a:t>
+              <a:t>Applied to class hierarchies</a:t>
             </a:r>
             <a:endParaRPr/>
           </a:p>
           <a:p>
             <a:pPr indent="-342900" lvl="0" marL="457200" rtl="0" algn="l">
               <a:spcBef>
-                <a:spcPts val="1000"/>
+                <a:spcPts val="0"/>
               </a:spcBef>
               <a:spcAft>
                 <a:spcPts val="0"/>
               </a:spcAft>
               <a:buSzPts val="1800"/>
-              <a:buChar char="●"/>
+              <a:buAutoNum type="arabicPeriod"/>
             </a:pPr>
             <a:r>
               <a:rPr lang="en"/>
-              <a:t>Adapt your previous work to this homework as you see fit</a:t>
+              <a:t>Co- and contravariance</a:t>
             </a:r>
             <a:endParaRPr/>
           </a:p>
@@ -30947,11 +30639,65 @@
                 <a:spcPts val="0"/>
               </a:spcAft>
               <a:buSzPts val="1800"/>
-              <a:buChar char="●"/>
+              <a:buAutoNum type="arabicPeriod"/>
             </a:pPr>
             <a:r>
               <a:rPr lang="en"/>
-              <a:t>Commit homework by deadline to homework repository</a:t>
+              <a:t>Multiple inheritance</a:t>
+            </a:r>
+            <a:endParaRPr/>
+          </a:p>
+          <a:p>
+            <a:pPr indent="-342900" lvl="0" marL="457200" rtl="0" algn="l">
+              <a:spcBef>
+                <a:spcPts val="0"/>
+              </a:spcBef>
+              <a:spcAft>
+                <a:spcPts val="0"/>
+              </a:spcAft>
+              <a:buSzPts val="1800"/>
+              <a:buAutoNum type="arabicPeriod"/>
+            </a:pPr>
+            <a:r>
+              <a:rPr lang="en"/>
+              <a:t>Abstract superclass rule</a:t>
+            </a:r>
+            <a:endParaRPr/>
+          </a:p>
+          <a:p>
+            <a:pPr indent="-342900" lvl="0" marL="457200" rtl="0" algn="l">
+              <a:spcBef>
+                <a:spcPts val="0"/>
+              </a:spcBef>
+              <a:spcAft>
+                <a:spcPts val="0"/>
+              </a:spcAft>
+              <a:buSzPts val="1800"/>
+              <a:buAutoNum type="arabicPeriod"/>
+            </a:pPr>
+            <a:r>
+              <a:rPr lang="en"/>
+              <a:t>Cascading class hierarchies</a:t>
+            </a:r>
+            <a:endParaRPr/>
+          </a:p>
+          <a:p>
+            <a:pPr indent="0" lvl="0" marL="0" rtl="0" algn="l">
+              <a:spcBef>
+                <a:spcPts val="1200"/>
+              </a:spcBef>
+              <a:spcAft>
+                <a:spcPts val="0"/>
+              </a:spcAft>
+              <a:buClr>
+                <a:schemeClr val="dk1"/>
+              </a:buClr>
+              <a:buSzPts val="1100"/>
+              <a:buFont typeface="Arial"/>
+              <a:buNone/>
+            </a:pPr>
+            <a:r>
+              <a:t/>
             </a:r>
             <a:endParaRPr/>
           </a:p>
@@ -30974,7 +30720,7 @@
       </p:sp>
       <p:sp>
         <p:nvSpPr>
-          <p:cNvPr id="346" name="Google Shape;346;p49"/>
+          <p:cNvPr id="340" name="Google Shape;340;p48"/>
           <p:cNvSpPr txBox="1"/>
           <p:nvPr>
             <p:ph idx="12" type="sldNum"/>
@@ -31042,6 +30788,190 @@
                 <a:schemeClr val="dk2"/>
               </a:solidFill>
             </a:endParaRPr>
+          </a:p>
+        </p:txBody>
+      </p:sp>
+    </p:spTree>
+  </p:cSld>
+  <p:clrMapOvr>
+    <a:masterClrMapping/>
+  </p:clrMapOvr>
+</p:sld>
+</file>
+
+<file path=ppt/slides/slide42.xml><?xml version="1.0" encoding="utf-8"?>
+<p:sld xmlns:a="http://schemas.openxmlformats.org/drawingml/2006/main" xmlns:r="http://schemas.openxmlformats.org/officeDocument/2006/relationships" xmlns:mc="http://schemas.openxmlformats.org/markup-compatibility/2006" xmlns:mv="urn:schemas-microsoft-com:mac:vml" xmlns:p="http://schemas.openxmlformats.org/presentationml/2006/main" xmlns:c="http://schemas.openxmlformats.org/drawingml/2006/chart" xmlns:dgm="http://schemas.openxmlformats.org/drawingml/2006/diagram" xmlns:o="urn:schemas-microsoft-com:office:office" xmlns:v="urn:schemas-microsoft-com:vml" xmlns:pvml="urn:schemas-microsoft-com:office:powerpoint" xmlns:com="http://schemas.openxmlformats.org/drawingml/2006/compatibility" xmlns:p14="http://schemas.microsoft.com/office/powerpoint/2010/main" xmlns:p15="http://schemas.microsoft.com/office/powerpoint/2012/main" xmlns:ahyp="http://schemas.microsoft.com/office/drawing/2018/hyperlinkcolor">
+  <p:cSld>
+    <p:spTree>
+      <p:nvGrpSpPr>
+        <p:cNvPr id="344" name="Shape 344"/>
+        <p:cNvGrpSpPr/>
+        <p:nvPr/>
+      </p:nvGrpSpPr>
+      <p:grpSpPr>
+        <a:xfrm>
+          <a:off x="0" y="0"/>
+          <a:ext cx="0" cy="0"/>
+          <a:chOff x="0" y="0"/>
+          <a:chExt cx="0" cy="0"/>
+        </a:xfrm>
+      </p:grpSpPr>
+      <p:sp>
+        <p:nvSpPr>
+          <p:cNvPr id="345" name="Google Shape;345;p49"/>
+          <p:cNvSpPr txBox="1"/>
+          <p:nvPr>
+            <p:ph type="ctrTitle"/>
+          </p:nvPr>
+        </p:nvSpPr>
+        <p:spPr>
+          <a:xfrm>
+            <a:off x="0" y="0"/>
+            <a:ext cx="9144000" cy="2388900"/>
+          </a:xfrm>
+          <a:prstGeom prst="rect">
+            <a:avLst/>
+          </a:prstGeom>
+        </p:spPr>
+        <p:txBody>
+          <a:bodyPr anchorCtr="0" anchor="b" bIns="274300" lIns="91425" spcFirstLastPara="1" rIns="91425" wrap="square" tIns="91425">
+            <a:noAutofit/>
+          </a:bodyPr>
+          <a:lstStyle/>
+          <a:p>
+            <a:pPr indent="0" lvl="0" marL="0" rtl="0" algn="ctr">
+              <a:spcBef>
+                <a:spcPts val="0"/>
+              </a:spcBef>
+              <a:spcAft>
+                <a:spcPts val="0"/>
+              </a:spcAft>
+              <a:buNone/>
+            </a:pPr>
+            <a:r>
+              <a:rPr lang="en"/>
+              <a:t>Thank you! Any questions?</a:t>
+            </a:r>
+            <a:endParaRPr/>
+          </a:p>
+        </p:txBody>
+      </p:sp>
+      <p:sp>
+        <p:nvSpPr>
+          <p:cNvPr id="346" name="Google Shape;346;p49"/>
+          <p:cNvSpPr txBox="1"/>
+          <p:nvPr>
+            <p:ph idx="1" type="subTitle"/>
+          </p:nvPr>
+        </p:nvSpPr>
+        <p:spPr>
+          <a:xfrm>
+            <a:off x="0" y="2569475"/>
+            <a:ext cx="9144000" cy="2574000"/>
+          </a:xfrm>
+          <a:prstGeom prst="rect">
+            <a:avLst/>
+          </a:prstGeom>
+        </p:spPr>
+        <p:txBody>
+          <a:bodyPr anchorCtr="0" anchor="t" bIns="91425" lIns="91425" spcFirstLastPara="1" rIns="91425" wrap="square" tIns="274300">
+            <a:noAutofit/>
+          </a:bodyPr>
+          <a:lstStyle/>
+          <a:p>
+            <a:pPr indent="0" lvl="0" marL="0" rtl="0" algn="ctr">
+              <a:lnSpc>
+                <a:spcPct val="150000"/>
+              </a:lnSpc>
+              <a:spcBef>
+                <a:spcPts val="0"/>
+              </a:spcBef>
+              <a:spcAft>
+                <a:spcPts val="0"/>
+              </a:spcAft>
+              <a:buNone/>
+            </a:pPr>
+            <a:r>
+              <a:rPr lang="en" u="sng">
+                <a:solidFill>
+                  <a:schemeClr val="hlink"/>
+                </a:solidFill>
+                <a:hlinkClick r:id="rId3"/>
+              </a:rPr>
+              <a:t>dirk.riehle@fau.de</a:t>
+            </a:r>
+            <a:r>
+              <a:rPr lang="en"/>
+              <a:t> </a:t>
+            </a:r>
+            <a:r>
+              <a:rPr lang="en" sz="2400"/>
+              <a:t>–</a:t>
+            </a:r>
+            <a:r>
+              <a:rPr lang="en"/>
+              <a:t> </a:t>
+            </a:r>
+            <a:r>
+              <a:rPr lang="en" u="sng">
+                <a:solidFill>
+                  <a:schemeClr val="hlink"/>
+                </a:solidFill>
+                <a:hlinkClick r:id="rId4"/>
+              </a:rPr>
+              <a:t>https://oss.cs.fau.de</a:t>
+            </a:r>
+            <a:endParaRPr/>
+          </a:p>
+          <a:p>
+            <a:pPr indent="0" lvl="0" marL="0" rtl="0" algn="ctr">
+              <a:lnSpc>
+                <a:spcPct val="150000"/>
+              </a:lnSpc>
+              <a:spcBef>
+                <a:spcPts val="0"/>
+              </a:spcBef>
+              <a:spcAft>
+                <a:spcPts val="0"/>
+              </a:spcAft>
+              <a:buNone/>
+            </a:pPr>
+            <a:r>
+              <a:rPr lang="en" sz="2400" u="sng">
+                <a:solidFill>
+                  <a:schemeClr val="hlink"/>
+                </a:solidFill>
+                <a:hlinkClick r:id="rId5"/>
+              </a:rPr>
+              <a:t>dirk@riehle.org</a:t>
+            </a:r>
+            <a:r>
+              <a:rPr lang="en" sz="2400"/>
+              <a:t> – </a:t>
+            </a:r>
+            <a:r>
+              <a:rPr lang="en" sz="2400" u="sng">
+                <a:solidFill>
+                  <a:schemeClr val="hlink"/>
+                </a:solidFill>
+                <a:hlinkClick r:id="rId6"/>
+              </a:rPr>
+              <a:t>https://dirkriehle.com</a:t>
+            </a:r>
+            <a:r>
+              <a:rPr lang="en" sz="2400"/>
+              <a:t> – </a:t>
+            </a:r>
+            <a:r>
+              <a:rPr lang="en" sz="2400" u="sng">
+                <a:solidFill>
+                  <a:schemeClr val="hlink"/>
+                </a:solidFill>
+                <a:hlinkClick r:id="rId7"/>
+              </a:rPr>
+              <a:t>@dirkriehle</a:t>
+            </a:r>
+            <a:endParaRPr sz="2400"/>
           </a:p>
         </p:txBody>
       </p:sp>
@@ -31104,7 +31034,7 @@
             </a:pPr>
             <a:r>
               <a:rPr lang="en"/>
-              <a:t>Summary</a:t>
+              <a:t>Legal Notices</a:t>
             </a:r>
             <a:endParaRPr/>
           </a:p>
@@ -31113,6 +31043,79 @@
       <p:sp>
         <p:nvSpPr>
           <p:cNvPr id="352" name="Google Shape;352;p50"/>
+          <p:cNvSpPr txBox="1"/>
+          <p:nvPr>
+            <p:ph idx="12" type="sldNum"/>
+          </p:nvPr>
+        </p:nvSpPr>
+        <p:spPr>
+          <a:xfrm>
+            <a:off x="7315202" y="4416550"/>
+            <a:ext cx="1828800" cy="731400"/>
+          </a:xfrm>
+          <a:prstGeom prst="rect">
+            <a:avLst/>
+          </a:prstGeom>
+        </p:spPr>
+        <p:txBody>
+          <a:bodyPr anchorCtr="0" anchor="b" bIns="91425" lIns="91425" spcFirstLastPara="1" rIns="91425" wrap="square" tIns="91425">
+            <a:noAutofit/>
+          </a:bodyPr>
+          <a:lstStyle/>
+          <a:p>
+            <a:pPr indent="0" lvl="0" marL="0" rtl="0" algn="r">
+              <a:spcBef>
+                <a:spcPts val="0"/>
+              </a:spcBef>
+              <a:spcAft>
+                <a:spcPts val="0"/>
+              </a:spcAft>
+              <a:buNone/>
+            </a:pPr>
+            <a:fld id="{00000000-1234-1234-1234-123412341234}" type="slidenum">
+              <a:rPr lang="en"/>
+              <a:t>‹#›</a:t>
+            </a:fld>
+            <a:endParaRPr/>
+          </a:p>
+          <a:p>
+            <a:pPr indent="0" lvl="0" marL="0" rtl="0" algn="r">
+              <a:spcBef>
+                <a:spcPts val="0"/>
+              </a:spcBef>
+              <a:spcAft>
+                <a:spcPts val="0"/>
+              </a:spcAft>
+              <a:buNone/>
+            </a:pPr>
+            <a:r>
+              <a:rPr b="0" lang="en" sz="900" u="sng">
+                <a:solidFill>
+                  <a:schemeClr val="hlink"/>
+                </a:solidFill>
+                <a:hlinkClick r:id="rId3"/>
+              </a:rPr>
+              <a:t>https://oss.cs.fau.de</a:t>
+            </a:r>
+            <a:r>
+              <a:rPr b="0" lang="en" sz="900">
+                <a:solidFill>
+                  <a:schemeClr val="dk2"/>
+                </a:solidFill>
+              </a:rPr>
+              <a:t> </a:t>
+            </a:r>
+            <a:endParaRPr b="0" sz="900">
+              <a:solidFill>
+                <a:schemeClr val="dk2"/>
+              </a:solidFill>
+            </a:endParaRPr>
+          </a:p>
+        </p:txBody>
+      </p:sp>
+      <p:sp>
+        <p:nvSpPr>
+          <p:cNvPr id="353" name="Google Shape;353;p50"/>
           <p:cNvSpPr txBox="1"/>
           <p:nvPr>
             <p:ph idx="1" type="body"/>
@@ -31133,156 +31136,161 @@
           </a:bodyPr>
           <a:lstStyle/>
           <a:p>
+            <a:pPr indent="0" lvl="0" marL="0" rtl="0" algn="l">
+              <a:spcBef>
+                <a:spcPts val="0"/>
+              </a:spcBef>
+              <a:spcAft>
+                <a:spcPts val="0"/>
+              </a:spcAft>
+              <a:buNone/>
+            </a:pPr>
+            <a:r>
+              <a:rPr lang="en"/>
+              <a:t>License</a:t>
+            </a:r>
+            <a:endParaRPr/>
+          </a:p>
+          <a:p>
             <a:pPr indent="-342900" lvl="0" marL="457200" rtl="0" algn="l">
               <a:spcBef>
-                <a:spcPts val="0"/>
+                <a:spcPts val="1200"/>
               </a:spcBef>
               <a:spcAft>
                 <a:spcPts val="0"/>
               </a:spcAft>
               <a:buSzPts val="1800"/>
-              <a:buAutoNum type="arabicPeriod"/>
+              <a:buChar char="●"/>
             </a:pPr>
             <a:r>
               <a:rPr lang="en"/>
-              <a:t>What is subtyping?</a:t>
+              <a:t>Licensed under the </a:t>
+            </a:r>
+            <a:r>
+              <a:rPr lang="en" u="sng">
+                <a:solidFill>
+                  <a:schemeClr val="hlink"/>
+                </a:solidFill>
+                <a:hlinkClick r:id="rId4"/>
+              </a:rPr>
+              <a:t>CC BY 4.0 International</a:t>
+            </a:r>
+            <a:r>
+              <a:rPr lang="en"/>
+              <a:t> license</a:t>
             </a:r>
             <a:endParaRPr/>
           </a:p>
           <a:p>
+            <a:pPr indent="0" lvl="0" marL="0" rtl="0" algn="l">
+              <a:spcBef>
+                <a:spcPts val="1200"/>
+              </a:spcBef>
+              <a:spcAft>
+                <a:spcPts val="0"/>
+              </a:spcAft>
+              <a:buNone/>
+            </a:pPr>
+            <a:r>
+              <a:rPr lang="en"/>
+              <a:t>Copyright</a:t>
+            </a:r>
+            <a:endParaRPr/>
+          </a:p>
+          <a:p>
             <a:pPr indent="-342900" lvl="0" marL="457200" rtl="0" algn="l">
               <a:spcBef>
-                <a:spcPts val="0"/>
+                <a:spcPts val="1200"/>
               </a:spcBef>
               <a:spcAft>
                 <a:spcPts val="0"/>
               </a:spcAft>
               <a:buSzPts val="1800"/>
-              <a:buAutoNum type="arabicPeriod"/>
+              <a:buChar char="●"/>
             </a:pPr>
             <a:r>
               <a:rPr lang="en"/>
-              <a:t>Liskov substitutability principle</a:t>
+              <a:t>© 2012, 2018, 2024 Dirk Riehle, some rights reserved</a:t>
             </a:r>
             <a:endParaRPr/>
           </a:p>
           <a:p>
-            <a:pPr indent="-342900" lvl="0" marL="457200" rtl="0" algn="l">
-              <a:spcBef>
-                <a:spcPts val="0"/>
-              </a:spcBef>
-              <a:spcAft>
-                <a:spcPts val="0"/>
-              </a:spcAft>
-              <a:buSzPts val="1800"/>
-              <a:buAutoNum type="arabicPeriod"/>
+            <a:pPr indent="0" lvl="0" marL="0" rtl="0" algn="l">
+              <a:spcBef>
+                <a:spcPts val="1200"/>
+              </a:spcBef>
+              <a:spcAft>
+                <a:spcPts val="1200"/>
+              </a:spcAft>
+              <a:buNone/>
+            </a:pPr>
+            <a:r>
+              <a:t/>
+            </a:r>
+            <a:endParaRPr/>
+          </a:p>
+        </p:txBody>
+      </p:sp>
+    </p:spTree>
+  </p:cSld>
+  <p:clrMapOvr>
+    <a:masterClrMapping/>
+  </p:clrMapOvr>
+</p:sld>
+</file>
+
+<file path=ppt/slides/slide5.xml><?xml version="1.0" encoding="utf-8"?>
+<p:sld xmlns:a="http://schemas.openxmlformats.org/drawingml/2006/main" xmlns:r="http://schemas.openxmlformats.org/officeDocument/2006/relationships" xmlns:mc="http://schemas.openxmlformats.org/markup-compatibility/2006" xmlns:mv="urn:schemas-microsoft-com:mac:vml" xmlns:p="http://schemas.openxmlformats.org/presentationml/2006/main" xmlns:c="http://schemas.openxmlformats.org/drawingml/2006/chart" xmlns:dgm="http://schemas.openxmlformats.org/drawingml/2006/diagram" xmlns:o="urn:schemas-microsoft-com:office:office" xmlns:v="urn:schemas-microsoft-com:vml" xmlns:pvml="urn:schemas-microsoft-com:office:powerpoint" xmlns:com="http://schemas.openxmlformats.org/drawingml/2006/compatibility" xmlns:p14="http://schemas.microsoft.com/office/powerpoint/2010/main" xmlns:p15="http://schemas.microsoft.com/office/powerpoint/2012/main" xmlns:ahyp="http://schemas.microsoft.com/office/drawing/2018/hyperlinkcolor">
+  <p:cSld>
+    <p:spTree>
+      <p:nvGrpSpPr>
+        <p:cNvPr id="75" name="Shape 75"/>
+        <p:cNvGrpSpPr/>
+        <p:nvPr/>
+      </p:nvGrpSpPr>
+      <p:grpSpPr>
+        <a:xfrm>
+          <a:off x="0" y="0"/>
+          <a:ext cx="0" cy="0"/>
+          <a:chOff x="0" y="0"/>
+          <a:chExt cx="0" cy="0"/>
+        </a:xfrm>
+      </p:grpSpPr>
+      <p:sp>
+        <p:nvSpPr>
+          <p:cNvPr id="76" name="Google Shape;76;p12"/>
+          <p:cNvSpPr txBox="1"/>
+          <p:nvPr>
+            <p:ph type="title"/>
+          </p:nvPr>
+        </p:nvSpPr>
+        <p:spPr>
+          <a:xfrm>
+            <a:off x="0" y="0"/>
+            <a:ext cx="9144000" cy="685800"/>
+          </a:xfrm>
+          <a:prstGeom prst="rect">
+            <a:avLst/>
+          </a:prstGeom>
+        </p:spPr>
+        <p:txBody>
+          <a:bodyPr anchorCtr="0" anchor="ctr" bIns="0" lIns="274300" spcFirstLastPara="1" rIns="0" wrap="square" tIns="0">
+            <a:noAutofit/>
+          </a:bodyPr>
+          <a:lstStyle/>
+          <a:p>
+            <a:pPr indent="0" lvl="0" marL="0" rtl="0" algn="l">
+              <a:spcBef>
+                <a:spcPts val="0"/>
+              </a:spcBef>
+              <a:spcAft>
+                <a:spcPts val="0"/>
+              </a:spcAft>
+              <a:buNone/>
             </a:pPr>
             <a:r>
               <a:rPr lang="en"/>
-              <a:t>Applied to class hierarchies</a:t>
-            </a:r>
-            <a:endParaRPr/>
-          </a:p>
-          <a:p>
-            <a:pPr indent="-342900" lvl="0" marL="457200" rtl="0" algn="l">
-              <a:spcBef>
-                <a:spcPts val="0"/>
-              </a:spcBef>
-              <a:spcAft>
-                <a:spcPts val="0"/>
-              </a:spcAft>
-              <a:buSzPts val="1800"/>
-              <a:buAutoNum type="arabicPeriod"/>
-            </a:pPr>
-            <a:r>
-              <a:rPr lang="en"/>
-              <a:t>Co- and contravariance</a:t>
-            </a:r>
-            <a:endParaRPr/>
-          </a:p>
-          <a:p>
-            <a:pPr indent="-342900" lvl="0" marL="457200" rtl="0" algn="l">
-              <a:spcBef>
-                <a:spcPts val="0"/>
-              </a:spcBef>
-              <a:spcAft>
-                <a:spcPts val="0"/>
-              </a:spcAft>
-              <a:buSzPts val="1800"/>
-              <a:buAutoNum type="arabicPeriod"/>
-            </a:pPr>
-            <a:r>
-              <a:rPr lang="en"/>
-              <a:t>Multiple inheritance</a:t>
-            </a:r>
-            <a:endParaRPr/>
-          </a:p>
-          <a:p>
-            <a:pPr indent="-342900" lvl="0" marL="457200" rtl="0" algn="l">
-              <a:spcBef>
-                <a:spcPts val="0"/>
-              </a:spcBef>
-              <a:spcAft>
-                <a:spcPts val="0"/>
-              </a:spcAft>
-              <a:buSzPts val="1800"/>
-              <a:buAutoNum type="arabicPeriod"/>
-            </a:pPr>
-            <a:r>
-              <a:rPr lang="en"/>
-              <a:t>Abstract superclass rule</a:t>
-            </a:r>
-            <a:endParaRPr/>
-          </a:p>
-          <a:p>
-            <a:pPr indent="-342900" lvl="0" marL="457200" rtl="0" algn="l">
-              <a:spcBef>
-                <a:spcPts val="0"/>
-              </a:spcBef>
-              <a:spcAft>
-                <a:spcPts val="0"/>
-              </a:spcAft>
-              <a:buSzPts val="1800"/>
-              <a:buAutoNum type="arabicPeriod"/>
-            </a:pPr>
-            <a:r>
-              <a:rPr lang="en"/>
-              <a:t>Cascading class hierarchies</a:t>
-            </a:r>
-            <a:endParaRPr/>
-          </a:p>
-          <a:p>
-            <a:pPr indent="0" lvl="0" marL="0" rtl="0" algn="l">
-              <a:spcBef>
-                <a:spcPts val="1200"/>
-              </a:spcBef>
-              <a:spcAft>
-                <a:spcPts val="0"/>
-              </a:spcAft>
-              <a:buClr>
-                <a:schemeClr val="dk1"/>
-              </a:buClr>
-              <a:buSzPts val="1100"/>
-              <a:buFont typeface="Arial"/>
-              <a:buNone/>
-            </a:pPr>
-            <a:r>
-              <a:t/>
-            </a:r>
-            <a:endParaRPr/>
-          </a:p>
-          <a:p>
-            <a:pPr indent="0" lvl="0" marL="0" rtl="0" algn="l">
-              <a:spcBef>
-                <a:spcPts val="1200"/>
-              </a:spcBef>
-              <a:spcAft>
-                <a:spcPts val="1200"/>
-              </a:spcAft>
-              <a:buNone/>
-            </a:pPr>
-            <a:r>
-              <a:t/>
+              <a:t>Subtyping Example 2 / 3</a:t>
             </a:r>
             <a:endParaRPr/>
           </a:p>
@@ -31290,7 +31298,7 @@
       </p:sp>
       <p:sp>
         <p:nvSpPr>
-          <p:cNvPr id="353" name="Google Shape;353;p50"/>
+          <p:cNvPr id="77" name="Google Shape;77;p12"/>
           <p:cNvSpPr txBox="1"/>
           <p:nvPr>
             <p:ph idx="12" type="sldNum"/>
@@ -31353,584 +31361,6 @@
               </a:rPr>
               <a:t> </a:t>
             </a:r>
-            <a:endParaRPr b="0" sz="900">
-              <a:solidFill>
-                <a:schemeClr val="dk2"/>
-              </a:solidFill>
-            </a:endParaRPr>
-          </a:p>
-        </p:txBody>
-      </p:sp>
-    </p:spTree>
-  </p:cSld>
-  <p:clrMapOvr>
-    <a:masterClrMapping/>
-  </p:clrMapOvr>
-</p:sld>
-</file>
-
-<file path=ppt/slides/slide44.xml><?xml version="1.0" encoding="utf-8"?>
-<p:sld xmlns:a="http://schemas.openxmlformats.org/drawingml/2006/main" xmlns:r="http://schemas.openxmlformats.org/officeDocument/2006/relationships" xmlns:mc="http://schemas.openxmlformats.org/markup-compatibility/2006" xmlns:mv="urn:schemas-microsoft-com:mac:vml" xmlns:p="http://schemas.openxmlformats.org/presentationml/2006/main" xmlns:c="http://schemas.openxmlformats.org/drawingml/2006/chart" xmlns:dgm="http://schemas.openxmlformats.org/drawingml/2006/diagram" xmlns:o="urn:schemas-microsoft-com:office:office" xmlns:v="urn:schemas-microsoft-com:vml" xmlns:pvml="urn:schemas-microsoft-com:office:powerpoint" xmlns:com="http://schemas.openxmlformats.org/drawingml/2006/compatibility" xmlns:p14="http://schemas.microsoft.com/office/powerpoint/2010/main" xmlns:p15="http://schemas.microsoft.com/office/powerpoint/2012/main" xmlns:ahyp="http://schemas.microsoft.com/office/drawing/2018/hyperlinkcolor">
-  <p:cSld>
-    <p:spTree>
-      <p:nvGrpSpPr>
-        <p:cNvPr id="357" name="Shape 357"/>
-        <p:cNvGrpSpPr/>
-        <p:nvPr/>
-      </p:nvGrpSpPr>
-      <p:grpSpPr>
-        <a:xfrm>
-          <a:off x="0" y="0"/>
-          <a:ext cx="0" cy="0"/>
-          <a:chOff x="0" y="0"/>
-          <a:chExt cx="0" cy="0"/>
-        </a:xfrm>
-      </p:grpSpPr>
-      <p:sp>
-        <p:nvSpPr>
-          <p:cNvPr id="358" name="Google Shape;358;p51"/>
-          <p:cNvSpPr txBox="1"/>
-          <p:nvPr>
-            <p:ph type="ctrTitle"/>
-          </p:nvPr>
-        </p:nvSpPr>
-        <p:spPr>
-          <a:xfrm>
-            <a:off x="0" y="0"/>
-            <a:ext cx="9144000" cy="2388900"/>
-          </a:xfrm>
-          <a:prstGeom prst="rect">
-            <a:avLst/>
-          </a:prstGeom>
-        </p:spPr>
-        <p:txBody>
-          <a:bodyPr anchorCtr="0" anchor="b" bIns="274300" lIns="91425" spcFirstLastPara="1" rIns="91425" wrap="square" tIns="91425">
-            <a:noAutofit/>
-          </a:bodyPr>
-          <a:lstStyle/>
-          <a:p>
-            <a:pPr indent="0" lvl="0" marL="0" rtl="0" algn="ctr">
-              <a:spcBef>
-                <a:spcPts val="0"/>
-              </a:spcBef>
-              <a:spcAft>
-                <a:spcPts val="0"/>
-              </a:spcAft>
-              <a:buNone/>
-            </a:pPr>
-            <a:r>
-              <a:rPr lang="en"/>
-              <a:t>Thank you! Any questions?</a:t>
-            </a:r>
-            <a:endParaRPr/>
-          </a:p>
-        </p:txBody>
-      </p:sp>
-      <p:sp>
-        <p:nvSpPr>
-          <p:cNvPr id="359" name="Google Shape;359;p51"/>
-          <p:cNvSpPr txBox="1"/>
-          <p:nvPr>
-            <p:ph idx="1" type="subTitle"/>
-          </p:nvPr>
-        </p:nvSpPr>
-        <p:spPr>
-          <a:xfrm>
-            <a:off x="0" y="2569475"/>
-            <a:ext cx="9144000" cy="2574000"/>
-          </a:xfrm>
-          <a:prstGeom prst="rect">
-            <a:avLst/>
-          </a:prstGeom>
-        </p:spPr>
-        <p:txBody>
-          <a:bodyPr anchorCtr="0" anchor="t" bIns="91425" lIns="91425" spcFirstLastPara="1" rIns="91425" wrap="square" tIns="274300">
-            <a:noAutofit/>
-          </a:bodyPr>
-          <a:lstStyle/>
-          <a:p>
-            <a:pPr indent="0" lvl="0" marL="0" rtl="0" algn="ctr">
-              <a:lnSpc>
-                <a:spcPct val="150000"/>
-              </a:lnSpc>
-              <a:spcBef>
-                <a:spcPts val="0"/>
-              </a:spcBef>
-              <a:spcAft>
-                <a:spcPts val="0"/>
-              </a:spcAft>
-              <a:buNone/>
-            </a:pPr>
-            <a:r>
-              <a:rPr lang="en" u="sng">
-                <a:solidFill>
-                  <a:schemeClr val="hlink"/>
-                </a:solidFill>
-                <a:hlinkClick r:id="rId3"/>
-              </a:rPr>
-              <a:t>dirk.riehle@fau.de</a:t>
-            </a:r>
-            <a:r>
-              <a:rPr lang="en"/>
-              <a:t> </a:t>
-            </a:r>
-            <a:r>
-              <a:rPr lang="en" sz="2400"/>
-              <a:t>–</a:t>
-            </a:r>
-            <a:r>
-              <a:rPr lang="en"/>
-              <a:t> </a:t>
-            </a:r>
-            <a:r>
-              <a:rPr lang="en" u="sng">
-                <a:solidFill>
-                  <a:schemeClr val="hlink"/>
-                </a:solidFill>
-                <a:hlinkClick r:id="rId4"/>
-              </a:rPr>
-              <a:t>https://oss.cs.fau.de</a:t>
-            </a:r>
-            <a:endParaRPr/>
-          </a:p>
-          <a:p>
-            <a:pPr indent="0" lvl="0" marL="0" rtl="0" algn="ctr">
-              <a:lnSpc>
-                <a:spcPct val="150000"/>
-              </a:lnSpc>
-              <a:spcBef>
-                <a:spcPts val="0"/>
-              </a:spcBef>
-              <a:spcAft>
-                <a:spcPts val="0"/>
-              </a:spcAft>
-              <a:buNone/>
-            </a:pPr>
-            <a:r>
-              <a:rPr lang="en" sz="2400" u="sng">
-                <a:solidFill>
-                  <a:schemeClr val="hlink"/>
-                </a:solidFill>
-                <a:hlinkClick r:id="rId5"/>
-              </a:rPr>
-              <a:t>dirk@riehle.org</a:t>
-            </a:r>
-            <a:r>
-              <a:rPr lang="en" sz="2400"/>
-              <a:t> – </a:t>
-            </a:r>
-            <a:r>
-              <a:rPr lang="en" sz="2400" u="sng">
-                <a:solidFill>
-                  <a:schemeClr val="hlink"/>
-                </a:solidFill>
-                <a:hlinkClick r:id="rId6"/>
-              </a:rPr>
-              <a:t>https://dirkriehle.com</a:t>
-            </a:r>
-            <a:r>
-              <a:rPr lang="en" sz="2400"/>
-              <a:t> – </a:t>
-            </a:r>
-            <a:r>
-              <a:rPr lang="en" sz="2400" u="sng">
-                <a:solidFill>
-                  <a:schemeClr val="hlink"/>
-                </a:solidFill>
-                <a:hlinkClick r:id="rId7"/>
-              </a:rPr>
-              <a:t>@dirkriehle</a:t>
-            </a:r>
-            <a:endParaRPr sz="2400"/>
-          </a:p>
-        </p:txBody>
-      </p:sp>
-    </p:spTree>
-  </p:cSld>
-  <p:clrMapOvr>
-    <a:masterClrMapping/>
-  </p:clrMapOvr>
-</p:sld>
-</file>
-
-<file path=ppt/slides/slide45.xml><?xml version="1.0" encoding="utf-8"?>
-<p:sld xmlns:a="http://schemas.openxmlformats.org/drawingml/2006/main" xmlns:r="http://schemas.openxmlformats.org/officeDocument/2006/relationships" xmlns:mc="http://schemas.openxmlformats.org/markup-compatibility/2006" xmlns:mv="urn:schemas-microsoft-com:mac:vml" xmlns:p="http://schemas.openxmlformats.org/presentationml/2006/main" xmlns:c="http://schemas.openxmlformats.org/drawingml/2006/chart" xmlns:dgm="http://schemas.openxmlformats.org/drawingml/2006/diagram" xmlns:o="urn:schemas-microsoft-com:office:office" xmlns:v="urn:schemas-microsoft-com:vml" xmlns:pvml="urn:schemas-microsoft-com:office:powerpoint" xmlns:com="http://schemas.openxmlformats.org/drawingml/2006/compatibility" xmlns:p14="http://schemas.microsoft.com/office/powerpoint/2010/main" xmlns:p15="http://schemas.microsoft.com/office/powerpoint/2012/main" xmlns:ahyp="http://schemas.microsoft.com/office/drawing/2018/hyperlinkcolor">
-  <p:cSld>
-    <p:spTree>
-      <p:nvGrpSpPr>
-        <p:cNvPr id="363" name="Shape 363"/>
-        <p:cNvGrpSpPr/>
-        <p:nvPr/>
-      </p:nvGrpSpPr>
-      <p:grpSpPr>
-        <a:xfrm>
-          <a:off x="0" y="0"/>
-          <a:ext cx="0" cy="0"/>
-          <a:chOff x="0" y="0"/>
-          <a:chExt cx="0" cy="0"/>
-        </a:xfrm>
-      </p:grpSpPr>
-      <p:sp>
-        <p:nvSpPr>
-          <p:cNvPr id="364" name="Google Shape;364;p52"/>
-          <p:cNvSpPr txBox="1"/>
-          <p:nvPr>
-            <p:ph type="title"/>
-          </p:nvPr>
-        </p:nvSpPr>
-        <p:spPr>
-          <a:xfrm>
-            <a:off x="0" y="0"/>
-            <a:ext cx="9144000" cy="685800"/>
-          </a:xfrm>
-          <a:prstGeom prst="rect">
-            <a:avLst/>
-          </a:prstGeom>
-        </p:spPr>
-        <p:txBody>
-          <a:bodyPr anchorCtr="0" anchor="ctr" bIns="91425" lIns="274300" spcFirstLastPara="1" rIns="91425" wrap="square" tIns="91425">
-            <a:noAutofit/>
-          </a:bodyPr>
-          <a:lstStyle/>
-          <a:p>
-            <a:pPr indent="0" lvl="0" marL="0" rtl="0" algn="l">
-              <a:spcBef>
-                <a:spcPts val="0"/>
-              </a:spcBef>
-              <a:spcAft>
-                <a:spcPts val="0"/>
-              </a:spcAft>
-              <a:buNone/>
-            </a:pPr>
-            <a:r>
-              <a:rPr lang="en"/>
-              <a:t>Legal Notices</a:t>
-            </a:r>
-            <a:endParaRPr/>
-          </a:p>
-        </p:txBody>
-      </p:sp>
-      <p:sp>
-        <p:nvSpPr>
-          <p:cNvPr id="365" name="Google Shape;365;p52"/>
-          <p:cNvSpPr txBox="1"/>
-          <p:nvPr>
-            <p:ph idx="12" type="sldNum"/>
-          </p:nvPr>
-        </p:nvSpPr>
-        <p:spPr>
-          <a:xfrm>
-            <a:off x="7315202" y="4416550"/>
-            <a:ext cx="1828800" cy="731400"/>
-          </a:xfrm>
-          <a:prstGeom prst="rect">
-            <a:avLst/>
-          </a:prstGeom>
-        </p:spPr>
-        <p:txBody>
-          <a:bodyPr anchorCtr="0" anchor="b" bIns="91425" lIns="91425" spcFirstLastPara="1" rIns="91425" wrap="square" tIns="91425">
-            <a:noAutofit/>
-          </a:bodyPr>
-          <a:lstStyle/>
-          <a:p>
-            <a:pPr indent="0" lvl="0" marL="0" rtl="0" algn="r">
-              <a:spcBef>
-                <a:spcPts val="0"/>
-              </a:spcBef>
-              <a:spcAft>
-                <a:spcPts val="0"/>
-              </a:spcAft>
-              <a:buNone/>
-            </a:pPr>
-            <a:fld id="{00000000-1234-1234-1234-123412341234}" type="slidenum">
-              <a:rPr lang="en"/>
-              <a:t>‹#›</a:t>
-            </a:fld>
-            <a:endParaRPr/>
-          </a:p>
-          <a:p>
-            <a:pPr indent="0" lvl="0" marL="0" rtl="0" algn="r">
-              <a:spcBef>
-                <a:spcPts val="0"/>
-              </a:spcBef>
-              <a:spcAft>
-                <a:spcPts val="0"/>
-              </a:spcAft>
-              <a:buNone/>
-            </a:pPr>
-            <a:r>
-              <a:rPr b="0" lang="en" sz="900" u="sng">
-                <a:solidFill>
-                  <a:schemeClr val="hlink"/>
-                </a:solidFill>
-                <a:hlinkClick r:id="rId3"/>
-              </a:rPr>
-              <a:t>https://oss.cs.fau.de</a:t>
-            </a:r>
-            <a:r>
-              <a:rPr b="0" lang="en" sz="900">
-                <a:solidFill>
-                  <a:schemeClr val="dk2"/>
-                </a:solidFill>
-              </a:rPr>
-              <a:t> </a:t>
-            </a:r>
-            <a:endParaRPr b="0" sz="900">
-              <a:solidFill>
-                <a:schemeClr val="dk2"/>
-              </a:solidFill>
-            </a:endParaRPr>
-          </a:p>
-        </p:txBody>
-      </p:sp>
-      <p:sp>
-        <p:nvSpPr>
-          <p:cNvPr id="366" name="Google Shape;366;p52"/>
-          <p:cNvSpPr txBox="1"/>
-          <p:nvPr>
-            <p:ph idx="1" type="body"/>
-          </p:nvPr>
-        </p:nvSpPr>
-        <p:spPr>
-          <a:xfrm>
-            <a:off x="274320" y="914400"/>
-            <a:ext cx="8595300" cy="4114800"/>
-          </a:xfrm>
-          <a:prstGeom prst="rect">
-            <a:avLst/>
-          </a:prstGeom>
-        </p:spPr>
-        <p:txBody>
-          <a:bodyPr anchorCtr="0" anchor="t" bIns="0" lIns="0" spcFirstLastPara="1" rIns="0" wrap="square" tIns="0">
-            <a:noAutofit/>
-          </a:bodyPr>
-          <a:lstStyle/>
-          <a:p>
-            <a:pPr indent="0" lvl="0" marL="0" rtl="0" algn="l">
-              <a:spcBef>
-                <a:spcPts val="0"/>
-              </a:spcBef>
-              <a:spcAft>
-                <a:spcPts val="0"/>
-              </a:spcAft>
-              <a:buNone/>
-            </a:pPr>
-            <a:r>
-              <a:rPr lang="en"/>
-              <a:t>License</a:t>
-            </a:r>
-            <a:endParaRPr/>
-          </a:p>
-          <a:p>
-            <a:pPr indent="-342900" lvl="0" marL="457200" rtl="0" algn="l">
-              <a:spcBef>
-                <a:spcPts val="1200"/>
-              </a:spcBef>
-              <a:spcAft>
-                <a:spcPts val="0"/>
-              </a:spcAft>
-              <a:buSzPts val="1800"/>
-              <a:buChar char="●"/>
-            </a:pPr>
-            <a:r>
-              <a:rPr lang="en"/>
-              <a:t>Licensed under the </a:t>
-            </a:r>
-            <a:r>
-              <a:rPr lang="en" u="sng">
-                <a:solidFill>
-                  <a:schemeClr val="hlink"/>
-                </a:solidFill>
-                <a:hlinkClick r:id="rId4"/>
-              </a:rPr>
-              <a:t>CC BY 4.0 International</a:t>
-            </a:r>
-            <a:r>
-              <a:rPr lang="en"/>
-              <a:t> license</a:t>
-            </a:r>
-            <a:endParaRPr/>
-          </a:p>
-          <a:p>
-            <a:pPr indent="0" lvl="0" marL="0" rtl="0" algn="l">
-              <a:spcBef>
-                <a:spcPts val="1200"/>
-              </a:spcBef>
-              <a:spcAft>
-                <a:spcPts val="0"/>
-              </a:spcAft>
-              <a:buNone/>
-            </a:pPr>
-            <a:r>
-              <a:rPr lang="en"/>
-              <a:t>Copyright</a:t>
-            </a:r>
-            <a:endParaRPr/>
-          </a:p>
-          <a:p>
-            <a:pPr indent="-342900" lvl="0" marL="457200" rtl="0" algn="l">
-              <a:spcBef>
-                <a:spcPts val="1200"/>
-              </a:spcBef>
-              <a:spcAft>
-                <a:spcPts val="0"/>
-              </a:spcAft>
-              <a:buSzPts val="1800"/>
-              <a:buChar char="●"/>
-            </a:pPr>
-            <a:r>
-              <a:rPr lang="en"/>
-              <a:t>© 2012, 2018, 2024 Dirk Riehle, some rights reserved</a:t>
-            </a:r>
-            <a:endParaRPr/>
-          </a:p>
-          <a:p>
-            <a:pPr indent="0" lvl="0" marL="0" rtl="0" algn="l">
-              <a:spcBef>
-                <a:spcPts val="1200"/>
-              </a:spcBef>
-              <a:spcAft>
-                <a:spcPts val="1200"/>
-              </a:spcAft>
-              <a:buNone/>
-            </a:pPr>
-            <a:r>
-              <a:t/>
-            </a:r>
-            <a:endParaRPr/>
-          </a:p>
-        </p:txBody>
-      </p:sp>
-    </p:spTree>
-  </p:cSld>
-  <p:clrMapOvr>
-    <a:masterClrMapping/>
-  </p:clrMapOvr>
-</p:sld>
-</file>
-
-<file path=ppt/slides/slide5.xml><?xml version="1.0" encoding="utf-8"?>
-<p:sld xmlns:a="http://schemas.openxmlformats.org/drawingml/2006/main" xmlns:r="http://schemas.openxmlformats.org/officeDocument/2006/relationships" xmlns:mc="http://schemas.openxmlformats.org/markup-compatibility/2006" xmlns:mv="urn:schemas-microsoft-com:mac:vml" xmlns:p="http://schemas.openxmlformats.org/presentationml/2006/main" xmlns:c="http://schemas.openxmlformats.org/drawingml/2006/chart" xmlns:dgm="http://schemas.openxmlformats.org/drawingml/2006/diagram" xmlns:o="urn:schemas-microsoft-com:office:office" xmlns:v="urn:schemas-microsoft-com:vml" xmlns:pvml="urn:schemas-microsoft-com:office:powerpoint" xmlns:com="http://schemas.openxmlformats.org/drawingml/2006/compatibility" xmlns:p14="http://schemas.microsoft.com/office/powerpoint/2010/main" xmlns:p15="http://schemas.microsoft.com/office/powerpoint/2012/main" xmlns:ahyp="http://schemas.microsoft.com/office/drawing/2018/hyperlinkcolor">
-  <p:cSld>
-    <p:spTree>
-      <p:nvGrpSpPr>
-        <p:cNvPr id="76" name="Shape 76"/>
-        <p:cNvGrpSpPr/>
-        <p:nvPr/>
-      </p:nvGrpSpPr>
-      <p:grpSpPr>
-        <a:xfrm>
-          <a:off x="0" y="0"/>
-          <a:ext cx="0" cy="0"/>
-          <a:chOff x="0" y="0"/>
-          <a:chExt cx="0" cy="0"/>
-        </a:xfrm>
-      </p:grpSpPr>
-      <p:sp>
-        <p:nvSpPr>
-          <p:cNvPr id="77" name="Google Shape;77;p12"/>
-          <p:cNvSpPr txBox="1"/>
-          <p:nvPr>
-            <p:ph type="title"/>
-          </p:nvPr>
-        </p:nvSpPr>
-        <p:spPr>
-          <a:xfrm>
-            <a:off x="0" y="0"/>
-            <a:ext cx="9144000" cy="685800"/>
-          </a:xfrm>
-          <a:prstGeom prst="rect">
-            <a:avLst/>
-          </a:prstGeom>
-        </p:spPr>
-        <p:txBody>
-          <a:bodyPr anchorCtr="0" anchor="ctr" bIns="0" lIns="274300" spcFirstLastPara="1" rIns="0" wrap="square" tIns="0">
-            <a:noAutofit/>
-          </a:bodyPr>
-          <a:lstStyle/>
-          <a:p>
-            <a:pPr indent="0" lvl="0" marL="0" rtl="0" algn="l">
-              <a:spcBef>
-                <a:spcPts val="0"/>
-              </a:spcBef>
-              <a:spcAft>
-                <a:spcPts val="0"/>
-              </a:spcAft>
-              <a:buNone/>
-            </a:pPr>
-            <a:r>
-              <a:rPr lang="en"/>
-              <a:t>Subtyping Example 2 / 3</a:t>
-            </a:r>
-            <a:endParaRPr/>
-          </a:p>
-        </p:txBody>
-      </p:sp>
-      <p:sp>
-        <p:nvSpPr>
-          <p:cNvPr id="78" name="Google Shape;78;p12"/>
-          <p:cNvSpPr txBox="1"/>
-          <p:nvPr>
-            <p:ph idx="12" type="sldNum"/>
-          </p:nvPr>
-        </p:nvSpPr>
-        <p:spPr>
-          <a:xfrm>
-            <a:off x="7315202" y="4416550"/>
-            <a:ext cx="1828800" cy="731400"/>
-          </a:xfrm>
-          <a:prstGeom prst="rect">
-            <a:avLst/>
-          </a:prstGeom>
-        </p:spPr>
-        <p:txBody>
-          <a:bodyPr anchorCtr="0" anchor="b" bIns="91425" lIns="91425" spcFirstLastPara="1" rIns="91425" wrap="square" tIns="91425">
-            <a:noAutofit/>
-          </a:bodyPr>
-          <a:lstStyle/>
-          <a:p>
-            <a:pPr indent="0" lvl="0" marL="0" rtl="0" algn="r">
-              <a:spcBef>
-                <a:spcPts val="0"/>
-              </a:spcBef>
-              <a:spcAft>
-                <a:spcPts val="0"/>
-              </a:spcAft>
-              <a:buNone/>
-            </a:pPr>
-            <a:fld id="{00000000-1234-1234-1234-123412341234}" type="slidenum">
-              <a:rPr lang="en"/>
-              <a:t>‹#›</a:t>
-            </a:fld>
-            <a:endParaRPr/>
-          </a:p>
-          <a:p>
-            <a:pPr indent="0" lvl="0" marL="0" rtl="0" algn="r">
-              <a:spcBef>
-                <a:spcPts val="0"/>
-              </a:spcBef>
-              <a:spcAft>
-                <a:spcPts val="0"/>
-              </a:spcAft>
-              <a:buNone/>
-            </a:pPr>
-            <a:r>
-              <a:rPr b="0" lang="en" sz="900" u="sng">
-                <a:solidFill>
-                  <a:schemeClr val="hlink"/>
-                </a:solidFill>
-                <a:hlinkClick r:id="rId3"/>
-              </a:rPr>
-              <a:t>https://oss.cs.fau.de</a:t>
-            </a:r>
-            <a:r>
-              <a:rPr b="0" lang="en" sz="900">
-                <a:solidFill>
-                  <a:schemeClr val="dk2"/>
-                </a:solidFill>
-              </a:rPr>
-              <a:t> </a:t>
-            </a:r>
             <a:endParaRPr>
               <a:solidFill>
                 <a:schemeClr val="dk2"/>
@@ -31941,7 +31371,7 @@
       </p:sp>
       <p:pic>
         <p:nvPicPr>
-          <p:cNvPr id="79" name="Google Shape;79;p12"/>
+          <p:cNvPr id="78" name="Google Shape;78;p12"/>
           <p:cNvPicPr preferRelativeResize="0"/>
           <p:nvPr/>
         </p:nvPicPr>
@@ -31980,7 +31410,7 @@
   <p:cSld>
     <p:spTree>
       <p:nvGrpSpPr>
-        <p:cNvPr id="83" name="Shape 83"/>
+        <p:cNvPr id="82" name="Shape 82"/>
         <p:cNvGrpSpPr/>
         <p:nvPr/>
       </p:nvGrpSpPr>
@@ -31994,7 +31424,7 @@
       </p:grpSpPr>
       <p:sp>
         <p:nvSpPr>
-          <p:cNvPr id="84" name="Google Shape;84;p13"/>
+          <p:cNvPr id="83" name="Google Shape;83;p13"/>
           <p:cNvSpPr txBox="1"/>
           <p:nvPr>
             <p:ph type="title"/>
@@ -32034,7 +31464,7 @@
       </p:sp>
       <p:sp>
         <p:nvSpPr>
-          <p:cNvPr id="85" name="Google Shape;85;p13"/>
+          <p:cNvPr id="84" name="Google Shape;84;p13"/>
           <p:cNvSpPr txBox="1"/>
           <p:nvPr>
             <p:ph idx="12" type="sldNum"/>
@@ -32107,7 +31537,7 @@
       </p:sp>
       <p:pic>
         <p:nvPicPr>
-          <p:cNvPr id="86" name="Google Shape;86;p13"/>
+          <p:cNvPr id="85" name="Google Shape;85;p13"/>
           <p:cNvPicPr preferRelativeResize="0"/>
           <p:nvPr/>
         </p:nvPicPr>
@@ -32146,7 +31576,7 @@
   <p:cSld>
     <p:spTree>
       <p:nvGrpSpPr>
-        <p:cNvPr id="90" name="Shape 90"/>
+        <p:cNvPr id="89" name="Shape 89"/>
         <p:cNvGrpSpPr/>
         <p:nvPr/>
       </p:nvGrpSpPr>
@@ -32160,7 +31590,7 @@
       </p:grpSpPr>
       <p:sp>
         <p:nvSpPr>
-          <p:cNvPr id="91" name="Google Shape;91;p14"/>
+          <p:cNvPr id="90" name="Google Shape;90;p14"/>
           <p:cNvSpPr txBox="1"/>
           <p:nvPr>
             <p:ph type="title"/>
@@ -32211,7 +31641,7 @@
   <p:cSld>
     <p:spTree>
       <p:nvGrpSpPr>
-        <p:cNvPr id="95" name="Shape 95"/>
+        <p:cNvPr id="94" name="Shape 94"/>
         <p:cNvGrpSpPr/>
         <p:nvPr/>
       </p:nvGrpSpPr>
@@ -32225,7 +31655,7 @@
       </p:grpSpPr>
       <p:sp>
         <p:nvSpPr>
-          <p:cNvPr id="96" name="Google Shape;96;p15"/>
+          <p:cNvPr id="95" name="Google Shape;95;p15"/>
           <p:cNvSpPr txBox="1"/>
           <p:nvPr>
             <p:ph type="title"/>
@@ -32265,7 +31695,7 @@
       </p:sp>
       <p:sp>
         <p:nvSpPr>
-          <p:cNvPr id="97" name="Google Shape;97;p15"/>
+          <p:cNvPr id="96" name="Google Shape;96;p15"/>
           <p:cNvSpPr txBox="1"/>
           <p:nvPr>
             <p:ph idx="1" type="body"/>
@@ -32291,13 +31721,29 @@
                 <a:spcPts val="0"/>
               </a:spcBef>
               <a:spcAft>
+                <a:spcPts val="0"/>
+              </a:spcAft>
+              <a:buNone/>
+            </a:pPr>
+            <a:r>
+              <a:rPr lang="en"/>
+              <a:t>Let φ(x) be a property provable about objects x of type T. </a:t>
+            </a:r>
+            <a:endParaRPr/>
+          </a:p>
+          <a:p>
+            <a:pPr indent="0" lvl="0" marL="0" rtl="0" algn="l">
+              <a:spcBef>
                 <a:spcPts val="1200"/>
+              </a:spcBef>
+              <a:spcAft>
+                <a:spcPts val="1200"/>
               </a:spcAft>
               <a:buNone/>
             </a:pPr>
             <a:r>
               <a:rPr lang="en"/>
-              <a:t>Let φ(x) be a property provable about objects x of type T. Then φ(y) should be provable for objects y of type S, where S is a subtype of T.</a:t>
+              <a:t>Then φ(y) should be provable for objects y of type S, where S is a subtype of T.</a:t>
             </a:r>
             <a:endParaRPr/>
           </a:p>
@@ -32305,7 +31751,7 @@
       </p:sp>
       <p:sp>
         <p:nvSpPr>
-          <p:cNvPr id="98" name="Google Shape;98;p15"/>
+          <p:cNvPr id="97" name="Google Shape;97;p15"/>
           <p:cNvSpPr txBox="1"/>
           <p:nvPr>
             <p:ph idx="12" type="sldNum"/>
@@ -32378,7 +31824,7 @@
       </p:sp>
       <p:sp>
         <p:nvSpPr>
-          <p:cNvPr id="99" name="Google Shape;99;p15"/>
+          <p:cNvPr id="98" name="Google Shape;98;p15"/>
           <p:cNvSpPr txBox="1"/>
           <p:nvPr/>
         </p:nvSpPr>
@@ -32431,7 +31877,7 @@
   <p:cSld>
     <p:spTree>
       <p:nvGrpSpPr>
-        <p:cNvPr id="103" name="Shape 103"/>
+        <p:cNvPr id="102" name="Shape 102"/>
         <p:cNvGrpSpPr/>
         <p:nvPr/>
       </p:nvGrpSpPr>
@@ -32445,7 +31891,7 @@
       </p:grpSpPr>
       <p:sp>
         <p:nvSpPr>
-          <p:cNvPr id="104" name="Google Shape;104;p16"/>
+          <p:cNvPr id="103" name="Google Shape;103;p16"/>
           <p:cNvSpPr txBox="1"/>
           <p:nvPr>
             <p:ph type="title"/>
@@ -32485,7 +31931,7 @@
       </p:sp>
       <p:sp>
         <p:nvSpPr>
-          <p:cNvPr id="105" name="Google Shape;105;p16"/>
+          <p:cNvPr id="104" name="Google Shape;104;p16"/>
           <p:cNvSpPr txBox="1"/>
           <p:nvPr>
             <p:ph idx="1" type="body"/>
@@ -32525,7 +31971,7 @@
       </p:sp>
       <p:sp>
         <p:nvSpPr>
-          <p:cNvPr id="106" name="Google Shape;106;p16"/>
+          <p:cNvPr id="105" name="Google Shape;105;p16"/>
           <p:cNvSpPr txBox="1"/>
           <p:nvPr>
             <p:ph idx="12" type="sldNum"/>
@@ -32605,6 +32051,285 @@
 </file>
 
 <file path=ppt/theme/theme1.xml><?xml version="1.0" encoding="utf-8"?>
+<a:theme xmlns:a="http://schemas.openxmlformats.org/drawingml/2006/main" xmlns:r="http://schemas.openxmlformats.org/officeDocument/2006/relationships">
+  <a:themeElements>
+    <a:clrScheme name="Default">
+      <a:dk1>
+        <a:srgbClr val="000000"/>
+      </a:dk1>
+      <a:lt1>
+        <a:srgbClr val="FFFFFF"/>
+      </a:lt1>
+      <a:dk2>
+        <a:srgbClr val="158158"/>
+      </a:dk2>
+      <a:lt2>
+        <a:srgbClr val="F3F3F3"/>
+      </a:lt2>
+      <a:accent1>
+        <a:srgbClr val="058DC7"/>
+      </a:accent1>
+      <a:accent2>
+        <a:srgbClr val="50B432"/>
+      </a:accent2>
+      <a:accent3>
+        <a:srgbClr val="ED561B"/>
+      </a:accent3>
+      <a:accent4>
+        <a:srgbClr val="EDEF00"/>
+      </a:accent4>
+      <a:accent5>
+        <a:srgbClr val="24CBE5"/>
+      </a:accent5>
+      <a:accent6>
+        <a:srgbClr val="64E572"/>
+      </a:accent6>
+      <a:hlink>
+        <a:srgbClr val="2200CC"/>
+      </a:hlink>
+      <a:folHlink>
+        <a:srgbClr val="551A8B"/>
+      </a:folHlink>
+    </a:clrScheme>
+    <a:fontScheme name="Office">
+      <a:majorFont>
+        <a:latin typeface="Arial"/>
+        <a:ea typeface=""/>
+        <a:cs typeface=""/>
+        <a:font script="Jpan" typeface="ＭＳ Ｐゴシック"/>
+        <a:font script="Hang" typeface="맑은 고딕"/>
+        <a:font script="Hans" typeface="宋体"/>
+        <a:font script="Hant" typeface="新細明體"/>
+        <a:font script="Arab" typeface="Times New Roman"/>
+        <a:font script="Hebr" typeface="Times New Roman"/>
+        <a:font script="Thai" typeface="Angsana New"/>
+        <a:font script="Ethi" typeface="Nyala"/>
+        <a:font script="Beng" typeface="Vrinda"/>
+        <a:font script="Gujr" typeface="Shruti"/>
+        <a:font script="Khmr" typeface="MoolBoran"/>
+        <a:font script="Knda" typeface="Tunga"/>
+        <a:font script="Guru" typeface="Raavi"/>
+        <a:font script="Cans" typeface="Euphemia"/>
+        <a:font script="Cher" typeface="Plantagenet Cherokee"/>
+        <a:font script="Yiii" typeface="Microsoft Yi Baiti"/>
+        <a:font script="Tibt" typeface="Microsoft Himalaya"/>
+        <a:font script="Thaa" typeface="MV Boli"/>
+        <a:font script="Deva" typeface="Mangal"/>
+        <a:font script="Telu" typeface="Gautami"/>
+        <a:font script="Taml" typeface="Latha"/>
+        <a:font script="Syrc" typeface="Estrangelo Edessa"/>
+        <a:font script="Orya" typeface="Kalinga"/>
+        <a:font script="Mlym" typeface="Kartika"/>
+        <a:font script="Laoo" typeface="DokChampa"/>
+        <a:font script="Sinh" typeface="Iskoola Pota"/>
+        <a:font script="Mong" typeface="Mongolian Baiti"/>
+        <a:font script="Viet" typeface="Times New Roman"/>
+        <a:font script="Uigh" typeface="Microsoft Uighur"/>
+        <a:font script="Geor" typeface="Sylfaen"/>
+      </a:majorFont>
+      <a:minorFont>
+        <a:latin typeface="Arial"/>
+        <a:ea typeface=""/>
+        <a:cs typeface=""/>
+        <a:font script="Jpan" typeface="ＭＳ Ｐゴシック"/>
+        <a:font script="Hang" typeface="맑은 고딕"/>
+        <a:font script="Hans" typeface="宋体"/>
+        <a:font script="Hant" typeface="新細明體"/>
+        <a:font script="Arab" typeface="Arial"/>
+        <a:font script="Hebr" typeface="Arial"/>
+        <a:font script="Thai" typeface="Cordia New"/>
+        <a:font script="Ethi" typeface="Nyala"/>
+        <a:font script="Beng" typeface="Vrinda"/>
+        <a:font script="Gujr" typeface="Shruti"/>
+        <a:font script="Khmr" typeface="DaunPenh"/>
+        <a:font script="Knda" typeface="Tunga"/>
+        <a:font script="Guru" typeface="Raavi"/>
+        <a:font script="Cans" typeface="Euphemia"/>
+        <a:font script="Cher" typeface="Plantagenet Cherokee"/>
+        <a:font script="Yiii" typeface="Microsoft Yi Baiti"/>
+        <a:font script="Tibt" typeface="Microsoft Himalaya"/>
+        <a:font script="Thaa" typeface="MV Boli"/>
+        <a:font script="Deva" typeface="Mangal"/>
+        <a:font script="Telu" typeface="Gautami"/>
+        <a:font script="Taml" typeface="Latha"/>
+        <a:font script="Syrc" typeface="Estrangelo Edessa"/>
+        <a:font script="Orya" typeface="Kalinga"/>
+        <a:font script="Mlym" typeface="Kartika"/>
+        <a:font script="Laoo" typeface="DokChampa"/>
+        <a:font script="Sinh" typeface="Iskoola Pota"/>
+        <a:font script="Mong" typeface="Mongolian Baiti"/>
+        <a:font script="Viet" typeface="Arial"/>
+        <a:font script="Uigh" typeface="Microsoft Uighur"/>
+        <a:font script="Geor" typeface="Sylfaen"/>
+      </a:minorFont>
+    </a:fontScheme>
+    <a:fmtScheme name="Office">
+      <a:fillStyleLst>
+        <a:solidFill>
+          <a:schemeClr val="phClr"/>
+        </a:solidFill>
+        <a:gradFill rotWithShape="1">
+          <a:gsLst>
+            <a:gs pos="0">
+              <a:schemeClr val="phClr">
+                <a:tint val="50000"/>
+                <a:satMod val="300000"/>
+              </a:schemeClr>
+            </a:gs>
+            <a:gs pos="35000">
+              <a:schemeClr val="phClr">
+                <a:tint val="37000"/>
+                <a:satMod val="300000"/>
+              </a:schemeClr>
+            </a:gs>
+            <a:gs pos="100000">
+              <a:schemeClr val="phClr">
+                <a:tint val="15000"/>
+                <a:satMod val="350000"/>
+              </a:schemeClr>
+            </a:gs>
+          </a:gsLst>
+          <a:lin ang="16200000" scaled="1"/>
+        </a:gradFill>
+        <a:gradFill rotWithShape="1">
+          <a:gsLst>
+            <a:gs pos="0">
+              <a:schemeClr val="phClr">
+                <a:tint val="100000"/>
+                <a:shade val="100000"/>
+                <a:satMod val="130000"/>
+              </a:schemeClr>
+            </a:gs>
+            <a:gs pos="100000">
+              <a:schemeClr val="phClr">
+                <a:tint val="50000"/>
+                <a:shade val="100000"/>
+                <a:satMod val="350000"/>
+              </a:schemeClr>
+            </a:gs>
+          </a:gsLst>
+          <a:lin ang="16200000" scaled="0"/>
+        </a:gradFill>
+      </a:fillStyleLst>
+      <a:lnStyleLst>
+        <a:ln w="9525" cap="flat" cmpd="sng" algn="ctr">
+          <a:solidFill>
+            <a:schemeClr val="phClr">
+              <a:shade val="95000"/>
+              <a:satMod val="105000"/>
+            </a:schemeClr>
+          </a:solidFill>
+          <a:prstDash val="solid"/>
+        </a:ln>
+        <a:ln w="25400" cap="flat" cmpd="sng" algn="ctr">
+          <a:solidFill>
+            <a:schemeClr val="phClr"/>
+          </a:solidFill>
+          <a:prstDash val="solid"/>
+        </a:ln>
+        <a:ln w="38100" cap="flat" cmpd="sng" algn="ctr">
+          <a:solidFill>
+            <a:schemeClr val="phClr"/>
+          </a:solidFill>
+          <a:prstDash val="solid"/>
+        </a:ln>
+      </a:lnStyleLst>
+      <a:effectStyleLst>
+        <a:effectStyle>
+          <a:effectLst>
+            <a:outerShdw blurRad="40000" dist="20000" dir="5400000" rotWithShape="0">
+              <a:srgbClr val="000000">
+                <a:alpha val="38000"/>
+              </a:srgbClr>
+            </a:outerShdw>
+          </a:effectLst>
+        </a:effectStyle>
+        <a:effectStyle>
+          <a:effectLst>
+            <a:outerShdw blurRad="40000" dist="23000" dir="5400000" rotWithShape="0">
+              <a:srgbClr val="000000">
+                <a:alpha val="35000"/>
+              </a:srgbClr>
+            </a:outerShdw>
+          </a:effectLst>
+        </a:effectStyle>
+        <a:effectStyle>
+          <a:effectLst>
+            <a:outerShdw blurRad="40000" dist="23000" dir="5400000" rotWithShape="0">
+              <a:srgbClr val="000000">
+                <a:alpha val="35000"/>
+              </a:srgbClr>
+            </a:outerShdw>
+          </a:effectLst>
+          <a:scene3d>
+            <a:camera prst="orthographicFront">
+              <a:rot lat="0" lon="0" rev="0"/>
+            </a:camera>
+            <a:lightRig rig="threePt" dir="t">
+              <a:rot lat="0" lon="0" rev="1200000"/>
+            </a:lightRig>
+          </a:scene3d>
+          <a:sp3d>
+            <a:bevelT w="63500" h="25400"/>
+          </a:sp3d>
+        </a:effectStyle>
+      </a:effectStyleLst>
+      <a:bgFillStyleLst>
+        <a:solidFill>
+          <a:schemeClr val="phClr"/>
+        </a:solidFill>
+        <a:gradFill rotWithShape="1">
+          <a:gsLst>
+            <a:gs pos="0">
+              <a:schemeClr val="phClr">
+                <a:tint val="40000"/>
+                <a:satMod val="350000"/>
+              </a:schemeClr>
+            </a:gs>
+            <a:gs pos="40000">
+              <a:schemeClr val="phClr">
+                <a:tint val="45000"/>
+                <a:shade val="99000"/>
+                <a:satMod val="350000"/>
+              </a:schemeClr>
+            </a:gs>
+            <a:gs pos="100000">
+              <a:schemeClr val="phClr">
+                <a:shade val="20000"/>
+                <a:satMod val="255000"/>
+              </a:schemeClr>
+            </a:gs>
+          </a:gsLst>
+          <a:path path="circle">
+            <a:fillToRect l="50000" t="-80000" r="50000" b="180000"/>
+          </a:path>
+        </a:gradFill>
+        <a:gradFill rotWithShape="1">
+          <a:gsLst>
+            <a:gs pos="0">
+              <a:schemeClr val="phClr">
+                <a:tint val="80000"/>
+                <a:satMod val="300000"/>
+              </a:schemeClr>
+            </a:gs>
+            <a:gs pos="100000">
+              <a:schemeClr val="phClr">
+                <a:shade val="30000"/>
+                <a:satMod val="200000"/>
+              </a:schemeClr>
+            </a:gs>
+          </a:gsLst>
+          <a:path path="circle">
+            <a:fillToRect l="50000" t="50000" r="50000" b="50000"/>
+          </a:path>
+        </a:gradFill>
+      </a:bgFillStyleLst>
+    </a:fmtScheme>
+  </a:themeElements>
+</a:theme>
+</file>
+
+<file path=ppt/theme/theme2.xml><?xml version="1.0" encoding="utf-8"?>
 <a:theme xmlns:a="http://schemas.openxmlformats.org/drawingml/2006/main" xmlns:r="http://schemas.openxmlformats.org/officeDocument/2006/relationships" name="POSS Slides Template">
   <a:themeElements>
     <a:clrScheme name="Simple Light">
@@ -32881,283 +32606,4 @@
     </a:fmtScheme>
   </a:themeElements>
 </a:theme>
-</file>
-
-<file path=ppt/theme/theme2.xml><?xml version="1.0" encoding="utf-8"?>
-<a:theme xmlns:a="http://schemas.openxmlformats.org/drawingml/2006/main" xmlns:r="http://schemas.openxmlformats.org/officeDocument/2006/relationships">
-  <a:themeElements>
-    <a:clrScheme name="Default">
-      <a:dk1>
-        <a:srgbClr val="000000"/>
-      </a:dk1>
-      <a:lt1>
-        <a:srgbClr val="FFFFFF"/>
-      </a:lt1>
-      <a:dk2>
-        <a:srgbClr val="158158"/>
-      </a:dk2>
-      <a:lt2>
-        <a:srgbClr val="F3F3F3"/>
-      </a:lt2>
-      <a:accent1>
-        <a:srgbClr val="058DC7"/>
-      </a:accent1>
-      <a:accent2>
-        <a:srgbClr val="50B432"/>
-      </a:accent2>
-      <a:accent3>
-        <a:srgbClr val="ED561B"/>
-      </a:accent3>
-      <a:accent4>
-        <a:srgbClr val="EDEF00"/>
-      </a:accent4>
-      <a:accent5>
-        <a:srgbClr val="24CBE5"/>
-      </a:accent5>
-      <a:accent6>
-        <a:srgbClr val="64E572"/>
-      </a:accent6>
-      <a:hlink>
-        <a:srgbClr val="2200CC"/>
-      </a:hlink>
-      <a:folHlink>
-        <a:srgbClr val="551A8B"/>
-      </a:folHlink>
-    </a:clrScheme>
-    <a:fontScheme name="Office">
-      <a:majorFont>
-        <a:latin typeface="Arial"/>
-        <a:ea typeface=""/>
-        <a:cs typeface=""/>
-        <a:font script="Jpan" typeface="ＭＳ Ｐゴシック"/>
-        <a:font script="Hang" typeface="맑은 고딕"/>
-        <a:font script="Hans" typeface="宋体"/>
-        <a:font script="Hant" typeface="新細明體"/>
-        <a:font script="Arab" typeface="Times New Roman"/>
-        <a:font script="Hebr" typeface="Times New Roman"/>
-        <a:font script="Thai" typeface="Angsana New"/>
-        <a:font script="Ethi" typeface="Nyala"/>
-        <a:font script="Beng" typeface="Vrinda"/>
-        <a:font script="Gujr" typeface="Shruti"/>
-        <a:font script="Khmr" typeface="MoolBoran"/>
-        <a:font script="Knda" typeface="Tunga"/>
-        <a:font script="Guru" typeface="Raavi"/>
-        <a:font script="Cans" typeface="Euphemia"/>
-        <a:font script="Cher" typeface="Plantagenet Cherokee"/>
-        <a:font script="Yiii" typeface="Microsoft Yi Baiti"/>
-        <a:font script="Tibt" typeface="Microsoft Himalaya"/>
-        <a:font script="Thaa" typeface="MV Boli"/>
-        <a:font script="Deva" typeface="Mangal"/>
-        <a:font script="Telu" typeface="Gautami"/>
-        <a:font script="Taml" typeface="Latha"/>
-        <a:font script="Syrc" typeface="Estrangelo Edessa"/>
-        <a:font script="Orya" typeface="Kalinga"/>
-        <a:font script="Mlym" typeface="Kartika"/>
-        <a:font script="Laoo" typeface="DokChampa"/>
-        <a:font script="Sinh" typeface="Iskoola Pota"/>
-        <a:font script="Mong" typeface="Mongolian Baiti"/>
-        <a:font script="Viet" typeface="Times New Roman"/>
-        <a:font script="Uigh" typeface="Microsoft Uighur"/>
-        <a:font script="Geor" typeface="Sylfaen"/>
-      </a:majorFont>
-      <a:minorFont>
-        <a:latin typeface="Arial"/>
-        <a:ea typeface=""/>
-        <a:cs typeface=""/>
-        <a:font script="Jpan" typeface="ＭＳ Ｐゴシック"/>
-        <a:font script="Hang" typeface="맑은 고딕"/>
-        <a:font script="Hans" typeface="宋体"/>
-        <a:font script="Hant" typeface="新細明體"/>
-        <a:font script="Arab" typeface="Arial"/>
-        <a:font script="Hebr" typeface="Arial"/>
-        <a:font script="Thai" typeface="Cordia New"/>
-        <a:font script="Ethi" typeface="Nyala"/>
-        <a:font script="Beng" typeface="Vrinda"/>
-        <a:font script="Gujr" typeface="Shruti"/>
-        <a:font script="Khmr" typeface="DaunPenh"/>
-        <a:font script="Knda" typeface="Tunga"/>
-        <a:font script="Guru" typeface="Raavi"/>
-        <a:font script="Cans" typeface="Euphemia"/>
-        <a:font script="Cher" typeface="Plantagenet Cherokee"/>
-        <a:font script="Yiii" typeface="Microsoft Yi Baiti"/>
-        <a:font script="Tibt" typeface="Microsoft Himalaya"/>
-        <a:font script="Thaa" typeface="MV Boli"/>
-        <a:font script="Deva" typeface="Mangal"/>
-        <a:font script="Telu" typeface="Gautami"/>
-        <a:font script="Taml" typeface="Latha"/>
-        <a:font script="Syrc" typeface="Estrangelo Edessa"/>
-        <a:font script="Orya" typeface="Kalinga"/>
-        <a:font script="Mlym" typeface="Kartika"/>
-        <a:font script="Laoo" typeface="DokChampa"/>
-        <a:font script="Sinh" typeface="Iskoola Pota"/>
-        <a:font script="Mong" typeface="Mongolian Baiti"/>
-        <a:font script="Viet" typeface="Arial"/>
-        <a:font script="Uigh" typeface="Microsoft Uighur"/>
-        <a:font script="Geor" typeface="Sylfaen"/>
-      </a:minorFont>
-    </a:fontScheme>
-    <a:fmtScheme name="Office">
-      <a:fillStyleLst>
-        <a:solidFill>
-          <a:schemeClr val="phClr"/>
-        </a:solidFill>
-        <a:gradFill rotWithShape="1">
-          <a:gsLst>
-            <a:gs pos="0">
-              <a:schemeClr val="phClr">
-                <a:tint val="50000"/>
-                <a:satMod val="300000"/>
-              </a:schemeClr>
-            </a:gs>
-            <a:gs pos="35000">
-              <a:schemeClr val="phClr">
-                <a:tint val="37000"/>
-                <a:satMod val="300000"/>
-              </a:schemeClr>
-            </a:gs>
-            <a:gs pos="100000">
-              <a:schemeClr val="phClr">
-                <a:tint val="15000"/>
-                <a:satMod val="350000"/>
-              </a:schemeClr>
-            </a:gs>
-          </a:gsLst>
-          <a:lin ang="16200000" scaled="1"/>
-        </a:gradFill>
-        <a:gradFill rotWithShape="1">
-          <a:gsLst>
-            <a:gs pos="0">
-              <a:schemeClr val="phClr">
-                <a:tint val="100000"/>
-                <a:shade val="100000"/>
-                <a:satMod val="130000"/>
-              </a:schemeClr>
-            </a:gs>
-            <a:gs pos="100000">
-              <a:schemeClr val="phClr">
-                <a:tint val="50000"/>
-                <a:shade val="100000"/>
-                <a:satMod val="350000"/>
-              </a:schemeClr>
-            </a:gs>
-          </a:gsLst>
-          <a:lin ang="16200000" scaled="0"/>
-        </a:gradFill>
-      </a:fillStyleLst>
-      <a:lnStyleLst>
-        <a:ln w="9525" cap="flat" cmpd="sng" algn="ctr">
-          <a:solidFill>
-            <a:schemeClr val="phClr">
-              <a:shade val="95000"/>
-              <a:satMod val="105000"/>
-            </a:schemeClr>
-          </a:solidFill>
-          <a:prstDash val="solid"/>
-        </a:ln>
-        <a:ln w="25400" cap="flat" cmpd="sng" algn="ctr">
-          <a:solidFill>
-            <a:schemeClr val="phClr"/>
-          </a:solidFill>
-          <a:prstDash val="solid"/>
-        </a:ln>
-        <a:ln w="38100" cap="flat" cmpd="sng" algn="ctr">
-          <a:solidFill>
-            <a:schemeClr val="phClr"/>
-          </a:solidFill>
-          <a:prstDash val="solid"/>
-        </a:ln>
-      </a:lnStyleLst>
-      <a:effectStyleLst>
-        <a:effectStyle>
-          <a:effectLst>
-            <a:outerShdw blurRad="40000" dist="20000" dir="5400000" rotWithShape="0">
-              <a:srgbClr val="000000">
-                <a:alpha val="38000"/>
-              </a:srgbClr>
-            </a:outerShdw>
-          </a:effectLst>
-        </a:effectStyle>
-        <a:effectStyle>
-          <a:effectLst>
-            <a:outerShdw blurRad="40000" dist="23000" dir="5400000" rotWithShape="0">
-              <a:srgbClr val="000000">
-                <a:alpha val="35000"/>
-              </a:srgbClr>
-            </a:outerShdw>
-          </a:effectLst>
-        </a:effectStyle>
-        <a:effectStyle>
-          <a:effectLst>
-            <a:outerShdw blurRad="40000" dist="23000" dir="5400000" rotWithShape="0">
-              <a:srgbClr val="000000">
-                <a:alpha val="35000"/>
-              </a:srgbClr>
-            </a:outerShdw>
-          </a:effectLst>
-          <a:scene3d>
-            <a:camera prst="orthographicFront">
-              <a:rot lat="0" lon="0" rev="0"/>
-            </a:camera>
-            <a:lightRig rig="threePt" dir="t">
-              <a:rot lat="0" lon="0" rev="1200000"/>
-            </a:lightRig>
-          </a:scene3d>
-          <a:sp3d>
-            <a:bevelT w="63500" h="25400"/>
-          </a:sp3d>
-        </a:effectStyle>
-      </a:effectStyleLst>
-      <a:bgFillStyleLst>
-        <a:solidFill>
-          <a:schemeClr val="phClr"/>
-        </a:solidFill>
-        <a:gradFill rotWithShape="1">
-          <a:gsLst>
-            <a:gs pos="0">
-              <a:schemeClr val="phClr">
-                <a:tint val="40000"/>
-                <a:satMod val="350000"/>
-              </a:schemeClr>
-            </a:gs>
-            <a:gs pos="40000">
-              <a:schemeClr val="phClr">
-                <a:tint val="45000"/>
-                <a:shade val="99000"/>
-                <a:satMod val="350000"/>
-              </a:schemeClr>
-            </a:gs>
-            <a:gs pos="100000">
-              <a:schemeClr val="phClr">
-                <a:shade val="20000"/>
-                <a:satMod val="255000"/>
-              </a:schemeClr>
-            </a:gs>
-          </a:gsLst>
-          <a:path path="circle">
-            <a:fillToRect l="50000" t="-80000" r="50000" b="180000"/>
-          </a:path>
-        </a:gradFill>
-        <a:gradFill rotWithShape="1">
-          <a:gsLst>
-            <a:gs pos="0">
-              <a:schemeClr val="phClr">
-                <a:tint val="80000"/>
-                <a:satMod val="300000"/>
-              </a:schemeClr>
-            </a:gs>
-            <a:gs pos="100000">
-              <a:schemeClr val="phClr">
-                <a:shade val="30000"/>
-                <a:satMod val="200000"/>
-              </a:schemeClr>
-            </a:gs>
-          </a:gsLst>
-          <a:path path="circle">
-            <a:fillToRect l="50000" t="50000" r="50000" b="50000"/>
-          </a:path>
-        </a:gradFill>
-      </a:bgFillStyleLst>
-    </a:fmtScheme>
-  </a:themeElements>
-</a:theme>
 </file>
--- a/Lecture slides/ADAP B03 - Subtyping and Inheritance.pptx
+++ b/Lecture slides/ADAP B03 - Subtyping and Inheritance.pptx
@@ -10673,7 +10673,7 @@
             </a:pPr>
             <a:r>
               <a:rPr lang="en"/>
-              <a:t>Example of contrvariant redefinition of return type</a:t>
+              <a:t>Example of contravariant redefinition of return type</a:t>
             </a:r>
             <a:endParaRPr/>
           </a:p>
@@ -13785,7 +13785,7 @@
             </a:pPr>
             <a:r>
               <a:rPr lang="en"/>
-              <a:t>User.setUser(u: </a:t>
+              <a:t>UserView.setUser(u: </a:t>
             </a:r>
             <a:r>
               <a:rPr b="1" lang="en"/>
@@ -13793,7 +13793,7 @@
             </a:r>
             <a:r>
               <a:rPr lang="en"/>
-              <a:t>): void → Moderator.setUser(m: </a:t>
+              <a:t>): void → ModeratorView.setUser(m: </a:t>
             </a:r>
             <a:r>
               <a:rPr b="1" lang="en"/>
@@ -16824,7 +16824,7 @@
             <a:tbl>
               <a:tblPr>
                 <a:noFill/>
-                <a:tableStyleId>{17E5F2B5-E121-420C-BECD-276F7C0E0EE0}</a:tableStyleId>
+                <a:tableStyleId>{6B571799-A856-4213-81A0-5AF34CA6FF91}</a:tableStyleId>
               </a:tblPr>
               <a:tblGrid>
                 <a:gridCol w="2865125"/>
@@ -18357,7 +18357,7 @@
         </p:blipFill>
         <p:spPr>
           <a:xfrm>
-            <a:off x="4572000" y="914400"/>
+            <a:off x="4571988" y="914400"/>
             <a:ext cx="4297680" cy="3631540"/>
           </a:xfrm>
           <a:prstGeom prst="rect">
@@ -19872,7 +19872,7 @@
         <p:spPr>
           <a:xfrm>
             <a:off x="4572000" y="914400"/>
-            <a:ext cx="4297680" cy="3631540"/>
+            <a:ext cx="4297680" cy="3642284"/>
           </a:xfrm>
           <a:prstGeom prst="rect">
             <a:avLst/>
@@ -20083,8 +20083,8 @@
         </p:blipFill>
         <p:spPr>
           <a:xfrm>
-            <a:off x="4572000" y="914400"/>
-            <a:ext cx="4297680" cy="3621024"/>
+            <a:off x="274320" y="914400"/>
+            <a:ext cx="4297680" cy="3620795"/>
           </a:xfrm>
           <a:prstGeom prst="rect">
             <a:avLst/>
@@ -20111,8 +20111,8 @@
         </p:blipFill>
         <p:spPr>
           <a:xfrm>
-            <a:off x="274320" y="914400"/>
-            <a:ext cx="4297680" cy="3620795"/>
+            <a:off x="4572000" y="914400"/>
+            <a:ext cx="4297680" cy="3642284"/>
           </a:xfrm>
           <a:prstGeom prst="rect">
             <a:avLst/>

--- a/Lecture slides/ADAP B03 - Subtyping and Inheritance.pptx
+++ b/Lecture slides/ADAP B03 - Subtyping and Inheritance.pptx
@@ -16824,7 +16824,7 @@
             <a:tbl>
               <a:tblPr>
                 <a:noFill/>
-                <a:tableStyleId>{6B571799-A856-4213-81A0-5AF34CA6FF91}</a:tableStyleId>
+                <a:tableStyleId>{BA77ECD9-AF01-46C2-B096-0832A56C5FDA}</a:tableStyleId>
               </a:tblPr>
               <a:tblGrid>
                 <a:gridCol w="2865125"/>
@@ -21909,7 +21909,7 @@
         <p:spPr>
           <a:xfrm>
             <a:off x="274320" y="914400"/>
-            <a:ext cx="4297680" cy="3631540"/>
+            <a:ext cx="4206240" cy="3561880"/>
           </a:xfrm>
           <a:prstGeom prst="rect">
             <a:avLst/>
@@ -28239,7 +28239,7 @@
                 <a:cs typeface="Courier New"/>
                 <a:sym typeface="Courier New"/>
               </a:rPr>
-              <a:t>closeService</a:t>
+              <a:t>stopService</a:t>
             </a:r>
             <a:r>
               <a:rPr lang="en" sz="1000">
@@ -28531,7 +28531,7 @@
                 <a:cs typeface="Courier New"/>
                 <a:sym typeface="Courier New"/>
               </a:rPr>
-              <a:t>closeService</a:t>
+              <a:t>stopService</a:t>
             </a:r>
             <a:r>
               <a:rPr lang="en" sz="1000">
@@ -30139,7 +30139,7 @@
                 <a:cs typeface="Courier New"/>
                 <a:sym typeface="Courier New"/>
               </a:rPr>
-              <a:t>closeService</a:t>
+              <a:t>stopService</a:t>
             </a:r>
             <a:r>
               <a:rPr lang="en" sz="1000">
